--- a/LCC/Java/10_物件導向程式設計.pptx
+++ b/LCC/Java/10_物件導向程式設計.pptx
@@ -19,6 +19,10 @@
     <p:sldId id="271" r:id="rId13"/>
     <p:sldId id="272" r:id="rId14"/>
     <p:sldId id="273" r:id="rId15"/>
+    <p:sldId id="274" r:id="rId16"/>
+    <p:sldId id="275" r:id="rId17"/>
+    <p:sldId id="276" r:id="rId18"/>
+    <p:sldId id="277" r:id="rId19"/>
   </p:sldIdLst>
   <p:sldSz cx="12192000" cy="6858000"/>
   <p:notesSz cx="6858000" cy="9144000"/>
@@ -859,7 +863,7 @@
             <a:fld id="{B61BEF0D-F0BB-DE4B-95CE-6DB70DBA9567}" type="datetimeFigureOut">
               <a:rPr lang="en-US" dirty="0"/>
               <a:pPr/>
-              <a:t>1/17/2021</a:t>
+              <a:t>1/22/2021</a:t>
             </a:fld>
             <a:endParaRPr lang="en-US" dirty="0"/>
           </a:p>
@@ -1107,7 +1111,7 @@
             <a:fld id="{B61BEF0D-F0BB-DE4B-95CE-6DB70DBA9567}" type="datetimeFigureOut">
               <a:rPr lang="en-US" dirty="0"/>
               <a:pPr/>
-              <a:t>1/17/2021</a:t>
+              <a:t>1/22/2021</a:t>
             </a:fld>
             <a:endParaRPr lang="en-US" dirty="0"/>
           </a:p>
@@ -1418,7 +1422,7 @@
             <a:fld id="{B61BEF0D-F0BB-DE4B-95CE-6DB70DBA9567}" type="datetimeFigureOut">
               <a:rPr lang="en-US" dirty="0"/>
               <a:pPr/>
-              <a:t>1/17/2021</a:t>
+              <a:t>1/22/2021</a:t>
             </a:fld>
             <a:endParaRPr lang="en-US" dirty="0"/>
           </a:p>
@@ -1756,7 +1760,7 @@
             <a:fld id="{B61BEF0D-F0BB-DE4B-95CE-6DB70DBA9567}" type="datetimeFigureOut">
               <a:rPr lang="en-US" dirty="0"/>
               <a:pPr/>
-              <a:t>1/17/2021</a:t>
+              <a:t>1/22/2021</a:t>
             </a:fld>
             <a:endParaRPr lang="en-US" dirty="0"/>
           </a:p>
@@ -2067,7 +2071,7 @@
             <a:fld id="{B61BEF0D-F0BB-DE4B-95CE-6DB70DBA9567}" type="datetimeFigureOut">
               <a:rPr lang="en-US" dirty="0"/>
               <a:pPr/>
-              <a:t>1/17/2021</a:t>
+              <a:t>1/22/2021</a:t>
             </a:fld>
             <a:endParaRPr lang="en-US" dirty="0"/>
           </a:p>
@@ -2457,7 +2461,7 @@
             <a:fld id="{B61BEF0D-F0BB-DE4B-95CE-6DB70DBA9567}" type="datetimeFigureOut">
               <a:rPr lang="en-US" dirty="0"/>
               <a:pPr/>
-              <a:t>1/17/2021</a:t>
+              <a:t>1/22/2021</a:t>
             </a:fld>
             <a:endParaRPr lang="en-US" dirty="0"/>
           </a:p>
@@ -2623,7 +2627,7 @@
           <a:p>
             <a:fld id="{55C6B4A9-1611-4792-9094-5F34BCA07E0B}" type="datetimeFigureOut">
               <a:rPr lang="en-US" dirty="0"/>
-              <a:t>1/17/2021</a:t>
+              <a:t>1/22/2021</a:t>
             </a:fld>
             <a:endParaRPr lang="en-US" dirty="0"/>
           </a:p>
@@ -2799,7 +2803,7 @@
             <a:fld id="{B61BEF0D-F0BB-DE4B-95CE-6DB70DBA9567}" type="datetimeFigureOut">
               <a:rPr lang="en-US" dirty="0"/>
               <a:pPr/>
-              <a:t>1/17/2021</a:t>
+              <a:t>1/22/2021</a:t>
             </a:fld>
             <a:endParaRPr lang="en-US" dirty="0"/>
           </a:p>
@@ -2996,7 +3000,7 @@
             <a:fld id="{B61BEF0D-F0BB-DE4B-95CE-6DB70DBA9567}" type="datetimeFigureOut">
               <a:rPr lang="en-US" dirty="0"/>
               <a:pPr/>
-              <a:t>1/17/2021</a:t>
+              <a:t>1/22/2021</a:t>
             </a:fld>
             <a:endParaRPr lang="en-US" dirty="0"/>
           </a:p>
@@ -3269,7 +3273,7 @@
             <a:fld id="{B61BEF0D-F0BB-DE4B-95CE-6DB70DBA9567}" type="datetimeFigureOut">
               <a:rPr lang="en-US" dirty="0"/>
               <a:pPr/>
-              <a:t>1/17/2021</a:t>
+              <a:t>1/22/2021</a:t>
             </a:fld>
             <a:endParaRPr lang="en-US" dirty="0"/>
           </a:p>
@@ -3497,7 +3501,7 @@
           <a:p>
             <a:fld id="{EB712588-04B1-427B-82EE-E8DB90309F08}" type="datetimeFigureOut">
               <a:rPr lang="en-US" dirty="0"/>
-              <a:t>1/17/2021</a:t>
+              <a:t>1/22/2021</a:t>
             </a:fld>
             <a:endParaRPr lang="en-US" dirty="0"/>
           </a:p>
@@ -3896,7 +3900,7 @@
             <a:fld id="{B61BEF0D-F0BB-DE4B-95CE-6DB70DBA9567}" type="datetimeFigureOut">
               <a:rPr lang="en-US" dirty="0"/>
               <a:pPr/>
-              <a:t>1/17/2021</a:t>
+              <a:t>1/22/2021</a:t>
             </a:fld>
             <a:endParaRPr lang="en-US" dirty="0"/>
           </a:p>
@@ -4045,7 +4049,7 @@
             <a:fld id="{B61BEF0D-F0BB-DE4B-95CE-6DB70DBA9567}" type="datetimeFigureOut">
               <a:rPr lang="en-US" dirty="0"/>
               <a:pPr/>
-              <a:t>1/17/2021</a:t>
+              <a:t>1/22/2021</a:t>
             </a:fld>
             <a:endParaRPr lang="en-US" dirty="0"/>
           </a:p>
@@ -4137,7 +4141,7 @@
             <a:fld id="{B61BEF0D-F0BB-DE4B-95CE-6DB70DBA9567}" type="datetimeFigureOut">
               <a:rPr lang="en-US" dirty="0"/>
               <a:pPr/>
-              <a:t>1/17/2021</a:t>
+              <a:t>1/22/2021</a:t>
             </a:fld>
             <a:endParaRPr lang="en-US" dirty="0"/>
           </a:p>
@@ -4388,7 +4392,7 @@
           <a:p>
             <a:fld id="{42A54C80-263E-416B-A8E0-580EDEADCBDC}" type="datetimeFigureOut">
               <a:rPr lang="en-US" dirty="0"/>
-              <a:t>1/17/2021</a:t>
+              <a:t>1/22/2021</a:t>
             </a:fld>
             <a:endParaRPr lang="en-US" dirty="0"/>
           </a:p>
@@ -4647,7 +4651,7 @@
             <a:fld id="{B61BEF0D-F0BB-DE4B-95CE-6DB70DBA9567}" type="datetimeFigureOut">
               <a:rPr lang="en-US" dirty="0"/>
               <a:pPr/>
-              <a:t>1/17/2021</a:t>
+              <a:t>1/22/2021</a:t>
             </a:fld>
             <a:endParaRPr lang="en-US" dirty="0"/>
           </a:p>
@@ -5387,7 +5391,7 @@
             <a:fld id="{B61BEF0D-F0BB-DE4B-95CE-6DB70DBA9567}" type="datetimeFigureOut">
               <a:rPr lang="en-US" dirty="0"/>
               <a:pPr/>
-              <a:t>1/17/2021</a:t>
+              <a:t>1/22/2021</a:t>
             </a:fld>
             <a:endParaRPr lang="en-US" dirty="0"/>
           </a:p>
@@ -5997,7 +6001,7 @@
             <a:fld id="{4805910D-2C61-424F-80CE-807290CF0E1E}" type="datetime4">
               <a:rPr lang="zh-TW" altLang="zh-TW"/>
               <a:pPr/>
-              <a:t>110年1月17日星期日</a:t>
+              <a:t>110年1月22日星期五</a:t>
             </a:fld>
             <a:endParaRPr lang="zh-TW" altLang="en-US" dirty="0"/>
           </a:p>
@@ -6720,7 +6724,23 @@
                   <a:schemeClr val="tx1"/>
                 </a:solidFill>
               </a:rPr>
-              <a:t>對物件下命令或是設定</a:t>
+              <a:t>對物件</a:t>
+            </a:r>
+            <a:r>
+              <a:rPr lang="zh-TW" altLang="en-US" b="1" dirty="0" smtClean="0">
+                <a:solidFill>
+                  <a:schemeClr val="tx1"/>
+                </a:solidFill>
+              </a:rPr>
+              <a:t>下命令</a:t>
+            </a:r>
+            <a:r>
+              <a:rPr lang="zh-TW" altLang="en-US" dirty="0" smtClean="0">
+                <a:solidFill>
+                  <a:schemeClr val="tx1"/>
+                </a:solidFill>
+              </a:rPr>
+              <a:t>或是設定</a:t>
             </a:r>
             <a:r>
               <a:rPr lang="en-US" altLang="zh-TW" dirty="0" smtClean="0">
@@ -6736,9 +6756,17 @@
                   <a:schemeClr val="tx1"/>
                 </a:solidFill>
               </a:rPr>
-              <a:t>讀取屬性</a:t>
-            </a:r>
-            <a:endParaRPr lang="en-US" altLang="zh-TW" dirty="0" smtClean="0">
+              <a:t>讀取</a:t>
+            </a:r>
+            <a:r>
+              <a:rPr lang="zh-TW" altLang="en-US" b="1" dirty="0" smtClean="0">
+                <a:solidFill>
+                  <a:schemeClr val="tx1"/>
+                </a:solidFill>
+              </a:rPr>
+              <a:t>屬性</a:t>
+            </a:r>
+            <a:endParaRPr lang="en-US" altLang="zh-TW" b="1" dirty="0" smtClean="0">
               <a:solidFill>
                 <a:schemeClr val="tx1"/>
               </a:solidFill>
@@ -6800,6 +6828,257 @@
           <a:prstGeom prst="rightArrow">
             <a:avLst/>
           </a:prstGeom>
+        </p:spPr>
+        <p:style>
+          <a:lnRef idx="2">
+            <a:schemeClr val="accent1">
+              <a:shade val="50000"/>
+            </a:schemeClr>
+          </a:lnRef>
+          <a:fillRef idx="1">
+            <a:schemeClr val="accent1"/>
+          </a:fillRef>
+          <a:effectRef idx="0">
+            <a:schemeClr val="accent1"/>
+          </a:effectRef>
+          <a:fontRef idx="minor">
+            <a:schemeClr val="lt1"/>
+          </a:fontRef>
+        </p:style>
+        <p:txBody>
+          <a:bodyPr rtlCol="0" anchor="ctr"/>
+          <a:lstStyle/>
+          <a:p>
+            <a:pPr algn="ctr"/>
+            <a:endParaRPr lang="zh-TW" altLang="en-US"/>
+          </a:p>
+        </p:txBody>
+      </p:sp>
+      <p:sp>
+        <p:nvSpPr>
+          <p:cNvPr id="4" name="向下箭號 3"/>
+          <p:cNvSpPr/>
+          <p:nvPr/>
+        </p:nvSpPr>
+        <p:spPr>
+          <a:xfrm>
+            <a:off x="6974447" y="4676141"/>
+            <a:ext cx="201168" cy="512663"/>
+          </a:xfrm>
+          <a:prstGeom prst="downArrow">
+            <a:avLst/>
+          </a:prstGeom>
+          <a:solidFill>
+            <a:schemeClr val="accent5">
+              <a:lumMod val="60000"/>
+              <a:lumOff val="40000"/>
+            </a:schemeClr>
+          </a:solidFill>
+          <a:ln>
+            <a:solidFill>
+              <a:srgbClr val="FFC000"/>
+            </a:solidFill>
+          </a:ln>
+        </p:spPr>
+        <p:style>
+          <a:lnRef idx="2">
+            <a:schemeClr val="accent1">
+              <a:shade val="50000"/>
+            </a:schemeClr>
+          </a:lnRef>
+          <a:fillRef idx="1">
+            <a:schemeClr val="accent1"/>
+          </a:fillRef>
+          <a:effectRef idx="0">
+            <a:schemeClr val="accent1"/>
+          </a:effectRef>
+          <a:fontRef idx="minor">
+            <a:schemeClr val="lt1"/>
+          </a:fontRef>
+        </p:style>
+        <p:txBody>
+          <a:bodyPr rtlCol="0" anchor="ctr"/>
+          <a:lstStyle/>
+          <a:p>
+            <a:pPr algn="ctr"/>
+            <a:endParaRPr lang="zh-TW" altLang="en-US"/>
+          </a:p>
+        </p:txBody>
+      </p:sp>
+      <p:sp>
+        <p:nvSpPr>
+          <p:cNvPr id="5" name="文字方塊 4"/>
+          <p:cNvSpPr txBox="1"/>
+          <p:nvPr/>
+        </p:nvSpPr>
+        <p:spPr>
+          <a:xfrm>
+            <a:off x="8362184" y="4559721"/>
+            <a:ext cx="1800493" cy="646331"/>
+          </a:xfrm>
+          <a:prstGeom prst="rect">
+            <a:avLst/>
+          </a:prstGeom>
+          <a:noFill/>
+        </p:spPr>
+        <p:txBody>
+          <a:bodyPr wrap="none" rtlCol="0">
+            <a:spAutoFit/>
+          </a:bodyPr>
+          <a:lstStyle/>
+          <a:p>
+            <a:r>
+              <a:rPr lang="zh-TW" altLang="en-US" dirty="0" smtClean="0">
+                <a:solidFill>
+                  <a:srgbClr val="C00000"/>
+                </a:solidFill>
+              </a:rPr>
+              <a:t>也許產生事件，</a:t>
+            </a:r>
+            <a:endParaRPr lang="en-US" altLang="zh-TW" dirty="0" smtClean="0">
+              <a:solidFill>
+                <a:srgbClr val="C00000"/>
+              </a:solidFill>
+            </a:endParaRPr>
+          </a:p>
+          <a:p>
+            <a:r>
+              <a:rPr lang="zh-TW" altLang="en-US" dirty="0" smtClean="0">
+                <a:solidFill>
+                  <a:srgbClr val="C00000"/>
+                </a:solidFill>
+              </a:rPr>
+              <a:t>影響別的物件</a:t>
+            </a:r>
+            <a:endParaRPr lang="zh-TW" altLang="en-US" dirty="0">
+              <a:solidFill>
+                <a:srgbClr val="C00000"/>
+              </a:solidFill>
+            </a:endParaRPr>
+          </a:p>
+        </p:txBody>
+      </p:sp>
+      <p:sp>
+        <p:nvSpPr>
+          <p:cNvPr id="9" name="橢圓 8"/>
+          <p:cNvSpPr/>
+          <p:nvPr/>
+        </p:nvSpPr>
+        <p:spPr>
+          <a:xfrm>
+            <a:off x="6461854" y="5226370"/>
+            <a:ext cx="1161288" cy="777426"/>
+          </a:xfrm>
+          <a:prstGeom prst="ellipse">
+            <a:avLst/>
+          </a:prstGeom>
+        </p:spPr>
+        <p:style>
+          <a:lnRef idx="2">
+            <a:schemeClr val="accent1">
+              <a:shade val="50000"/>
+            </a:schemeClr>
+          </a:lnRef>
+          <a:fillRef idx="1">
+            <a:schemeClr val="accent1"/>
+          </a:fillRef>
+          <a:effectRef idx="0">
+            <a:schemeClr val="accent1"/>
+          </a:effectRef>
+          <a:fontRef idx="minor">
+            <a:schemeClr val="lt1"/>
+          </a:fontRef>
+        </p:style>
+        <p:txBody>
+          <a:bodyPr rtlCol="0" anchor="ctr"/>
+          <a:lstStyle/>
+          <a:p>
+            <a:pPr algn="ctr"/>
+            <a:r>
+              <a:rPr lang="zh-TW" altLang="en-US" dirty="0" smtClean="0"/>
+              <a:t>物件</a:t>
+            </a:r>
+            <a:r>
+              <a:rPr lang="en-US" altLang="zh-TW" dirty="0" smtClean="0"/>
+              <a:t>A</a:t>
+            </a:r>
+            <a:endParaRPr lang="zh-TW" altLang="en-US" dirty="0"/>
+          </a:p>
+        </p:txBody>
+      </p:sp>
+      <p:sp>
+        <p:nvSpPr>
+          <p:cNvPr id="12" name="橢圓 11"/>
+          <p:cNvSpPr/>
+          <p:nvPr/>
+        </p:nvSpPr>
+        <p:spPr>
+          <a:xfrm>
+            <a:off x="7689665" y="5245203"/>
+            <a:ext cx="1161288" cy="777426"/>
+          </a:xfrm>
+          <a:prstGeom prst="ellipse">
+            <a:avLst/>
+          </a:prstGeom>
+        </p:spPr>
+        <p:style>
+          <a:lnRef idx="2">
+            <a:schemeClr val="accent1">
+              <a:shade val="50000"/>
+            </a:schemeClr>
+          </a:lnRef>
+          <a:fillRef idx="1">
+            <a:schemeClr val="accent1"/>
+          </a:fillRef>
+          <a:effectRef idx="0">
+            <a:schemeClr val="accent1"/>
+          </a:effectRef>
+          <a:fontRef idx="minor">
+            <a:schemeClr val="lt1"/>
+          </a:fontRef>
+        </p:style>
+        <p:txBody>
+          <a:bodyPr rtlCol="0" anchor="ctr"/>
+          <a:lstStyle/>
+          <a:p>
+            <a:pPr algn="ctr"/>
+            <a:r>
+              <a:rPr lang="zh-TW" altLang="en-US" dirty="0" smtClean="0"/>
+              <a:t>物件</a:t>
+            </a:r>
+            <a:r>
+              <a:rPr lang="en-US" altLang="zh-TW" dirty="0" smtClean="0"/>
+              <a:t>B</a:t>
+            </a:r>
+            <a:endParaRPr lang="zh-TW" altLang="en-US" dirty="0"/>
+          </a:p>
+        </p:txBody>
+      </p:sp>
+      <p:sp>
+        <p:nvSpPr>
+          <p:cNvPr id="13" name="向下箭號 12"/>
+          <p:cNvSpPr/>
+          <p:nvPr/>
+        </p:nvSpPr>
+        <p:spPr>
+          <a:xfrm>
+            <a:off x="8169725" y="4676140"/>
+            <a:ext cx="201168" cy="512663"/>
+          </a:xfrm>
+          <a:prstGeom prst="downArrow">
+            <a:avLst/>
+          </a:prstGeom>
+          <a:solidFill>
+            <a:schemeClr val="accent5">
+              <a:lumMod val="60000"/>
+              <a:lumOff val="40000"/>
+            </a:schemeClr>
+          </a:solidFill>
+          <a:ln>
+            <a:solidFill>
+              <a:srgbClr val="FFC000"/>
+            </a:solidFill>
+          </a:ln>
         </p:spPr>
         <p:style>
           <a:lnRef idx="2">
@@ -7580,15 +7859,249 @@
             <p:ph idx="1"/>
           </p:nvPr>
         </p:nvSpPr>
-        <p:spPr/>
+        <p:spPr>
+          <a:xfrm>
+            <a:off x="677334" y="2160589"/>
+            <a:ext cx="6482418" cy="3880773"/>
+          </a:xfrm>
+        </p:spPr>
         <p:txBody>
           <a:bodyPr/>
           <a:lstStyle/>
           <a:p>
+            <a:r>
+              <a:rPr lang="en-US" altLang="zh-TW" dirty="0" err="1" smtClean="0"/>
+              <a:t>IC_Card</a:t>
+            </a:r>
+            <a:r>
+              <a:rPr lang="zh-TW" altLang="en-US" dirty="0" smtClean="0"/>
+              <a:t>類別需要放在單獨的檔案中，所以請點選新增類別。</a:t>
+            </a:r>
+            <a:endParaRPr lang="en-US" altLang="zh-TW" dirty="0" smtClean="0"/>
+          </a:p>
+          <a:p>
+            <a:r>
+              <a:rPr lang="en-US" altLang="zh-TW" dirty="0" smtClean="0"/>
+              <a:t>Name</a:t>
+            </a:r>
+            <a:r>
+              <a:rPr lang="zh-TW" altLang="en-US" dirty="0" smtClean="0"/>
+              <a:t>請填入</a:t>
+            </a:r>
+            <a:r>
+              <a:rPr lang="en-US" altLang="zh-TW" dirty="0" err="1" smtClean="0"/>
+              <a:t>IC_Card</a:t>
+            </a:r>
+            <a:endParaRPr lang="en-US" altLang="zh-TW" dirty="0" smtClean="0"/>
+          </a:p>
+          <a:p>
+            <a:r>
+              <a:rPr lang="zh-TW" altLang="en-US" dirty="0"/>
+              <a:t>注意</a:t>
+            </a:r>
+            <a:r>
+              <a:rPr lang="zh-TW" altLang="en-US" dirty="0" smtClean="0"/>
+              <a:t>！</a:t>
+            </a:r>
+            <a:r>
+              <a:rPr lang="en-US" altLang="zh-TW" dirty="0" smtClean="0"/>
+              <a:t>Public static void main(String[] </a:t>
+            </a:r>
+            <a:r>
+              <a:rPr lang="en-US" altLang="zh-TW" dirty="0" err="1" smtClean="0"/>
+              <a:t>args</a:t>
+            </a:r>
+            <a:r>
+              <a:rPr lang="en-US" altLang="zh-TW" dirty="0" smtClean="0"/>
+              <a:t>)</a:t>
+            </a:r>
+            <a:r>
+              <a:rPr lang="zh-TW" altLang="en-US" b="1" dirty="0" smtClean="0">
+                <a:solidFill>
+                  <a:srgbClr val="FF0000"/>
+                </a:solidFill>
+              </a:rPr>
+              <a:t>不要勾選！</a:t>
+            </a:r>
+            <a:endParaRPr lang="en-US" altLang="zh-TW" b="1" dirty="0" smtClean="0">
+              <a:solidFill>
+                <a:srgbClr val="FF0000"/>
+              </a:solidFill>
+            </a:endParaRPr>
+          </a:p>
+          <a:p>
+            <a:r>
+              <a:rPr lang="zh-TW" altLang="en-US" dirty="0" smtClean="0"/>
+              <a:t>產生空的類別檔案如下：</a:t>
+            </a:r>
+            <a:endParaRPr lang="en-US" altLang="zh-TW" dirty="0" smtClean="0"/>
+          </a:p>
+          <a:p>
+            <a:pPr lvl="1"/>
+            <a:r>
+              <a:rPr lang="zh-TW" altLang="en-US" dirty="0"/>
+              <a:t>類別名稱已填好</a:t>
+            </a:r>
+            <a:r>
+              <a:rPr lang="en-US" altLang="zh-TW" dirty="0"/>
+              <a:t>(</a:t>
+            </a:r>
+            <a:r>
+              <a:rPr lang="zh-TW" altLang="en-US" dirty="0"/>
+              <a:t>藍色字</a:t>
+            </a:r>
+            <a:r>
+              <a:rPr lang="en-US" altLang="zh-TW" dirty="0"/>
+              <a:t>)</a:t>
+            </a:r>
+            <a:endParaRPr lang="zh-TW" altLang="en-US" dirty="0"/>
+          </a:p>
+        </p:txBody>
+      </p:sp>
+      <p:pic>
+        <p:nvPicPr>
+          <p:cNvPr id="4" name="圖片 3"/>
+          <p:cNvPicPr>
+            <a:picLocks noChangeAspect="1"/>
+          </p:cNvPicPr>
+          <p:nvPr/>
+        </p:nvPicPr>
+        <p:blipFill>
+          <a:blip r:embed="rId2"/>
+          <a:stretch>
+            <a:fillRect/>
+          </a:stretch>
+        </p:blipFill>
+        <p:spPr>
+          <a:xfrm>
+            <a:off x="7265860" y="1033272"/>
+            <a:ext cx="4963523" cy="5422001"/>
+          </a:xfrm>
+          <a:prstGeom prst="rect">
+            <a:avLst/>
+          </a:prstGeom>
+        </p:spPr>
+      </p:pic>
+      <p:sp>
+        <p:nvSpPr>
+          <p:cNvPr id="5" name="向右箭號 4"/>
+          <p:cNvSpPr/>
+          <p:nvPr/>
+        </p:nvSpPr>
+        <p:spPr>
+          <a:xfrm>
+            <a:off x="7987284" y="2944368"/>
+            <a:ext cx="320040" cy="173736"/>
+          </a:xfrm>
+          <a:prstGeom prst="rightArrow">
+            <a:avLst/>
+          </a:prstGeom>
+          <a:solidFill>
+            <a:srgbClr val="FF0000"/>
+          </a:solidFill>
+          <a:ln>
+            <a:solidFill>
+              <a:srgbClr val="FF0000"/>
+            </a:solidFill>
+          </a:ln>
+        </p:spPr>
+        <p:style>
+          <a:lnRef idx="2">
+            <a:schemeClr val="accent1">
+              <a:shade val="50000"/>
+            </a:schemeClr>
+          </a:lnRef>
+          <a:fillRef idx="1">
+            <a:schemeClr val="accent1"/>
+          </a:fillRef>
+          <a:effectRef idx="0">
+            <a:schemeClr val="accent1"/>
+          </a:effectRef>
+          <a:fontRef idx="minor">
+            <a:schemeClr val="lt1"/>
+          </a:fontRef>
+        </p:style>
+        <p:txBody>
+          <a:bodyPr rtlCol="0" anchor="ctr"/>
+          <a:lstStyle/>
+          <a:p>
+            <a:pPr algn="ctr"/>
             <a:endParaRPr lang="zh-TW" altLang="en-US"/>
           </a:p>
         </p:txBody>
       </p:sp>
+      <p:sp>
+        <p:nvSpPr>
+          <p:cNvPr id="6" name="向右箭號 5"/>
+          <p:cNvSpPr/>
+          <p:nvPr/>
+        </p:nvSpPr>
+        <p:spPr>
+          <a:xfrm>
+            <a:off x="7964424" y="4612952"/>
+            <a:ext cx="320040" cy="173736"/>
+          </a:xfrm>
+          <a:prstGeom prst="rightArrow">
+            <a:avLst/>
+          </a:prstGeom>
+          <a:solidFill>
+            <a:srgbClr val="FF0000"/>
+          </a:solidFill>
+          <a:ln>
+            <a:solidFill>
+              <a:srgbClr val="FF0000"/>
+            </a:solidFill>
+          </a:ln>
+        </p:spPr>
+        <p:style>
+          <a:lnRef idx="2">
+            <a:schemeClr val="accent1">
+              <a:shade val="50000"/>
+            </a:schemeClr>
+          </a:lnRef>
+          <a:fillRef idx="1">
+            <a:schemeClr val="accent1"/>
+          </a:fillRef>
+          <a:effectRef idx="0">
+            <a:schemeClr val="accent1"/>
+          </a:effectRef>
+          <a:fontRef idx="minor">
+            <a:schemeClr val="lt1"/>
+          </a:fontRef>
+        </p:style>
+        <p:txBody>
+          <a:bodyPr rtlCol="0" anchor="ctr"/>
+          <a:lstStyle/>
+          <a:p>
+            <a:pPr algn="ctr"/>
+            <a:endParaRPr lang="zh-TW" altLang="en-US"/>
+          </a:p>
+        </p:txBody>
+      </p:sp>
+      <p:pic>
+        <p:nvPicPr>
+          <p:cNvPr id="7" name="圖片 6"/>
+          <p:cNvPicPr>
+            <a:picLocks noChangeAspect="1"/>
+          </p:cNvPicPr>
+          <p:nvPr/>
+        </p:nvPicPr>
+        <p:blipFill>
+          <a:blip r:embed="rId3"/>
+          <a:stretch>
+            <a:fillRect/>
+          </a:stretch>
+        </p:blipFill>
+        <p:spPr>
+          <a:xfrm>
+            <a:off x="1597819" y="4288762"/>
+            <a:ext cx="3743325" cy="1752600"/>
+          </a:xfrm>
+          <a:prstGeom prst="rect">
+            <a:avLst/>
+          </a:prstGeom>
+        </p:spPr>
+      </p:pic>
     </p:spTree>
     <p:extLst>
       <p:ext uri="{BB962C8B-B14F-4D97-AF65-F5344CB8AC3E}">
@@ -7609,6 +8122,1474 @@
 </p:sld>
 </file>
 
+<file path=ppt/slides/slide15.xml><?xml version="1.0" encoding="utf-8"?>
+<p:sld xmlns:a="http://schemas.openxmlformats.org/drawingml/2006/main" xmlns:r="http://schemas.openxmlformats.org/officeDocument/2006/relationships" xmlns:p="http://schemas.openxmlformats.org/presentationml/2006/main">
+  <p:cSld>
+    <p:spTree>
+      <p:nvGrpSpPr>
+        <p:cNvPr id="1" name=""/>
+        <p:cNvGrpSpPr/>
+        <p:nvPr/>
+      </p:nvGrpSpPr>
+      <p:grpSpPr>
+        <a:xfrm>
+          <a:off x="0" y="0"/>
+          <a:ext cx="0" cy="0"/>
+          <a:chOff x="0" y="0"/>
+          <a:chExt cx="0" cy="0"/>
+        </a:xfrm>
+      </p:grpSpPr>
+      <p:pic>
+        <p:nvPicPr>
+          <p:cNvPr id="35" name="圖片 34"/>
+          <p:cNvPicPr>
+            <a:picLocks noChangeAspect="1"/>
+          </p:cNvPicPr>
+          <p:nvPr/>
+        </p:nvPicPr>
+        <p:blipFill>
+          <a:blip r:embed="rId2"/>
+          <a:stretch>
+            <a:fillRect/>
+          </a:stretch>
+        </p:blipFill>
+        <p:spPr>
+          <a:xfrm>
+            <a:off x="5338232" y="1496685"/>
+            <a:ext cx="4714875" cy="4457700"/>
+          </a:xfrm>
+          <a:prstGeom prst="rect">
+            <a:avLst/>
+          </a:prstGeom>
+        </p:spPr>
+      </p:pic>
+      <p:sp>
+        <p:nvSpPr>
+          <p:cNvPr id="2" name="標題 1"/>
+          <p:cNvSpPr>
+            <a:spLocks noGrp="1"/>
+          </p:cNvSpPr>
+          <p:nvPr>
+            <p:ph type="title"/>
+          </p:nvPr>
+        </p:nvSpPr>
+        <p:spPr/>
+        <p:txBody>
+          <a:bodyPr/>
+          <a:lstStyle/>
+          <a:p>
+            <a:r>
+              <a:rPr lang="en-US" altLang="zh-TW" dirty="0" err="1" smtClean="0"/>
+              <a:t>IC_Card</a:t>
+            </a:r>
+            <a:r>
+              <a:rPr lang="en-US" altLang="zh-TW" dirty="0" smtClean="0"/>
+              <a:t> class</a:t>
+            </a:r>
+            <a:r>
+              <a:rPr lang="zh-TW" altLang="en-US" dirty="0" smtClean="0"/>
+              <a:t>撰寫</a:t>
+            </a:r>
+            <a:r>
+              <a:rPr lang="en-US" altLang="zh-TW" dirty="0" smtClean="0"/>
+              <a:t/>
+            </a:r>
+            <a:br>
+              <a:rPr lang="en-US" altLang="zh-TW" dirty="0" smtClean="0"/>
+            </a:br>
+            <a:r>
+              <a:rPr lang="en-US" altLang="zh-TW" dirty="0" smtClean="0"/>
+              <a:t>----</a:t>
+            </a:r>
+            <a:r>
+              <a:rPr lang="zh-TW" altLang="en-US" dirty="0" smtClean="0"/>
+              <a:t>基本入門款</a:t>
+            </a:r>
+            <a:endParaRPr lang="zh-TW" altLang="en-US" dirty="0"/>
+          </a:p>
+        </p:txBody>
+      </p:sp>
+      <p:sp>
+        <p:nvSpPr>
+          <p:cNvPr id="3" name="內容版面配置區 2"/>
+          <p:cNvSpPr>
+            <a:spLocks noGrp="1"/>
+          </p:cNvSpPr>
+          <p:nvPr>
+            <p:ph idx="1"/>
+          </p:nvPr>
+        </p:nvSpPr>
+        <p:spPr/>
+        <p:txBody>
+          <a:bodyPr/>
+          <a:lstStyle/>
+          <a:p>
+            <a:r>
+              <a:rPr lang="en-US" altLang="zh-TW" dirty="0" err="1"/>
+              <a:t>IC_Card</a:t>
+            </a:r>
+            <a:r>
+              <a:rPr lang="zh-TW" altLang="en-US" dirty="0"/>
+              <a:t>的</a:t>
+            </a:r>
+            <a:r>
+              <a:rPr lang="zh-TW" altLang="en-US" b="1" dirty="0" smtClean="0">
+                <a:solidFill>
+                  <a:srgbClr val="FF0000"/>
+                </a:solidFill>
+              </a:rPr>
+              <a:t>屬性</a:t>
+            </a:r>
+            <a:endParaRPr lang="en-US" altLang="zh-TW" b="1" dirty="0" smtClean="0">
+              <a:solidFill>
+                <a:srgbClr val="FF0000"/>
+              </a:solidFill>
+            </a:endParaRPr>
+          </a:p>
+          <a:p>
+            <a:pPr lvl="1"/>
+            <a:r>
+              <a:rPr lang="en-US" altLang="zh-TW" dirty="0" smtClean="0"/>
+              <a:t>Account</a:t>
+            </a:r>
+            <a:r>
+              <a:rPr lang="zh-TW" altLang="en-US" dirty="0" smtClean="0"/>
+              <a:t>：帳號</a:t>
+            </a:r>
+            <a:endParaRPr lang="en-US" altLang="zh-TW" dirty="0" smtClean="0"/>
+          </a:p>
+          <a:p>
+            <a:pPr lvl="1"/>
+            <a:r>
+              <a:rPr lang="en-US" altLang="zh-TW" dirty="0" smtClean="0"/>
+              <a:t>Name</a:t>
+            </a:r>
+            <a:r>
+              <a:rPr lang="zh-TW" altLang="en-US" dirty="0" smtClean="0"/>
+              <a:t> ：戶名</a:t>
+            </a:r>
+            <a:endParaRPr lang="en-US" altLang="zh-TW" dirty="0" smtClean="0"/>
+          </a:p>
+          <a:p>
+            <a:pPr lvl="1"/>
+            <a:r>
+              <a:rPr lang="en-US" altLang="zh-TW" dirty="0" smtClean="0"/>
+              <a:t>money</a:t>
+            </a:r>
+            <a:r>
+              <a:rPr lang="zh-TW" altLang="en-US" dirty="0" smtClean="0"/>
+              <a:t> ：餘額</a:t>
+            </a:r>
+            <a:endParaRPr lang="en-US" altLang="zh-TW" dirty="0"/>
+          </a:p>
+          <a:p>
+            <a:r>
+              <a:rPr lang="en-US" altLang="zh-TW" dirty="0" err="1" smtClean="0"/>
+              <a:t>IC_Card</a:t>
+            </a:r>
+            <a:r>
+              <a:rPr lang="zh-TW" altLang="en-US" dirty="0"/>
+              <a:t>的</a:t>
+            </a:r>
+            <a:r>
+              <a:rPr lang="zh-TW" altLang="en-US" b="1" dirty="0" smtClean="0">
+                <a:solidFill>
+                  <a:srgbClr val="FF0000"/>
+                </a:solidFill>
+              </a:rPr>
+              <a:t>方法</a:t>
+            </a:r>
+            <a:r>
+              <a:rPr lang="zh-TW" altLang="en-US" dirty="0" smtClean="0"/>
+              <a:t>。</a:t>
+            </a:r>
+            <a:endParaRPr lang="en-US" altLang="zh-TW" dirty="0" smtClean="0"/>
+          </a:p>
+          <a:p>
+            <a:pPr lvl="1"/>
+            <a:r>
+              <a:rPr lang="en-US" altLang="zh-TW" dirty="0" smtClean="0"/>
+              <a:t>void Deposit(</a:t>
+            </a:r>
+            <a:r>
+              <a:rPr lang="en-US" altLang="zh-TW" dirty="0" err="1" smtClean="0"/>
+              <a:t>int</a:t>
+            </a:r>
+            <a:r>
+              <a:rPr lang="en-US" altLang="zh-TW" dirty="0" smtClean="0"/>
+              <a:t> money)</a:t>
+            </a:r>
+            <a:r>
+              <a:rPr lang="zh-TW" altLang="en-US" dirty="0" smtClean="0"/>
+              <a:t> ：存款</a:t>
+            </a:r>
+            <a:endParaRPr lang="en-US" altLang="zh-TW" dirty="0" smtClean="0"/>
+          </a:p>
+          <a:p>
+            <a:pPr lvl="1"/>
+            <a:r>
+              <a:rPr lang="en-US" altLang="zh-TW" dirty="0" smtClean="0"/>
+              <a:t>void Withdraw(</a:t>
+            </a:r>
+            <a:r>
+              <a:rPr lang="en-US" altLang="zh-TW" dirty="0" err="1" smtClean="0"/>
+              <a:t>int</a:t>
+            </a:r>
+            <a:r>
+              <a:rPr lang="en-US" altLang="zh-TW" dirty="0" smtClean="0"/>
+              <a:t> money)</a:t>
+            </a:r>
+            <a:r>
+              <a:rPr lang="zh-TW" altLang="en-US" dirty="0" smtClean="0"/>
+              <a:t> ：提款</a:t>
+            </a:r>
+            <a:endParaRPr lang="en-US" altLang="zh-TW" dirty="0" smtClean="0"/>
+          </a:p>
+          <a:p>
+            <a:pPr lvl="1"/>
+            <a:r>
+              <a:rPr lang="en-US" altLang="zh-TW" dirty="0" err="1" smtClean="0"/>
+              <a:t>Int</a:t>
+            </a:r>
+            <a:r>
+              <a:rPr lang="en-US" altLang="zh-TW" dirty="0" smtClean="0"/>
+              <a:t> Balance()</a:t>
+            </a:r>
+            <a:r>
+              <a:rPr lang="zh-TW" altLang="en-US" dirty="0" smtClean="0"/>
+              <a:t> ：餘額查詢</a:t>
+            </a:r>
+            <a:endParaRPr lang="en-US" altLang="zh-TW" dirty="0" smtClean="0"/>
+          </a:p>
+          <a:p>
+            <a:pPr lvl="1"/>
+            <a:endParaRPr lang="en-US" altLang="zh-TW" dirty="0" smtClean="0"/>
+          </a:p>
+          <a:p>
+            <a:endParaRPr lang="en-US" altLang="zh-TW" dirty="0"/>
+          </a:p>
+          <a:p>
+            <a:endParaRPr lang="en-US" altLang="zh-TW" dirty="0" smtClean="0"/>
+          </a:p>
+          <a:p>
+            <a:endParaRPr lang="en-US" altLang="zh-TW" dirty="0" smtClean="0"/>
+          </a:p>
+          <a:p>
+            <a:pPr lvl="1"/>
+            <a:endParaRPr lang="zh-TW" altLang="en-US" dirty="0"/>
+          </a:p>
+        </p:txBody>
+      </p:sp>
+      <p:cxnSp>
+        <p:nvCxnSpPr>
+          <p:cNvPr id="6" name="直線單箭頭接點 5"/>
+          <p:cNvCxnSpPr/>
+          <p:nvPr/>
+        </p:nvCxnSpPr>
+        <p:spPr>
+          <a:xfrm flipV="1">
+            <a:off x="2944368" y="1918139"/>
+            <a:ext cx="3172968" cy="770197"/>
+          </a:xfrm>
+          <a:prstGeom prst="straightConnector1">
+            <a:avLst/>
+          </a:prstGeom>
+          <a:ln w="28575">
+            <a:solidFill>
+              <a:srgbClr val="FF0000"/>
+            </a:solidFill>
+            <a:tailEnd type="triangle"/>
+          </a:ln>
+        </p:spPr>
+        <p:style>
+          <a:lnRef idx="1">
+            <a:schemeClr val="accent1"/>
+          </a:lnRef>
+          <a:fillRef idx="0">
+            <a:schemeClr val="accent1"/>
+          </a:fillRef>
+          <a:effectRef idx="0">
+            <a:schemeClr val="accent1"/>
+          </a:effectRef>
+          <a:fontRef idx="minor">
+            <a:schemeClr val="tx1"/>
+          </a:fontRef>
+        </p:style>
+      </p:cxnSp>
+      <p:cxnSp>
+        <p:nvCxnSpPr>
+          <p:cNvPr id="7" name="直線單箭頭接點 6"/>
+          <p:cNvCxnSpPr/>
+          <p:nvPr/>
+        </p:nvCxnSpPr>
+        <p:spPr>
+          <a:xfrm flipV="1">
+            <a:off x="2788920" y="2160589"/>
+            <a:ext cx="3328416" cy="866076"/>
+          </a:xfrm>
+          <a:prstGeom prst="straightConnector1">
+            <a:avLst/>
+          </a:prstGeom>
+          <a:ln w="28575">
+            <a:solidFill>
+              <a:srgbClr val="FF0000"/>
+            </a:solidFill>
+            <a:tailEnd type="triangle"/>
+          </a:ln>
+        </p:spPr>
+        <p:style>
+          <a:lnRef idx="1">
+            <a:schemeClr val="accent1"/>
+          </a:lnRef>
+          <a:fillRef idx="0">
+            <a:schemeClr val="accent1"/>
+          </a:fillRef>
+          <a:effectRef idx="0">
+            <a:schemeClr val="accent1"/>
+          </a:effectRef>
+          <a:fontRef idx="minor">
+            <a:schemeClr val="tx1"/>
+          </a:fontRef>
+        </p:style>
+      </p:cxnSp>
+      <p:cxnSp>
+        <p:nvCxnSpPr>
+          <p:cNvPr id="12" name="直線單箭頭接點 11"/>
+          <p:cNvCxnSpPr/>
+          <p:nvPr/>
+        </p:nvCxnSpPr>
+        <p:spPr>
+          <a:xfrm flipV="1">
+            <a:off x="2788920" y="2456403"/>
+            <a:ext cx="3328416" cy="981298"/>
+          </a:xfrm>
+          <a:prstGeom prst="straightConnector1">
+            <a:avLst/>
+          </a:prstGeom>
+          <a:ln w="28575">
+            <a:solidFill>
+              <a:srgbClr val="FF0000"/>
+            </a:solidFill>
+            <a:tailEnd type="triangle"/>
+          </a:ln>
+        </p:spPr>
+        <p:style>
+          <a:lnRef idx="1">
+            <a:schemeClr val="accent1"/>
+          </a:lnRef>
+          <a:fillRef idx="0">
+            <a:schemeClr val="accent1"/>
+          </a:fillRef>
+          <a:effectRef idx="0">
+            <a:schemeClr val="accent1"/>
+          </a:effectRef>
+          <a:fontRef idx="minor">
+            <a:schemeClr val="tx1"/>
+          </a:fontRef>
+        </p:style>
+      </p:cxnSp>
+      <p:cxnSp>
+        <p:nvCxnSpPr>
+          <p:cNvPr id="15" name="直線單箭頭接點 14"/>
+          <p:cNvCxnSpPr/>
+          <p:nvPr/>
+        </p:nvCxnSpPr>
+        <p:spPr>
+          <a:xfrm flipV="1">
+            <a:off x="4454960" y="3067009"/>
+            <a:ext cx="1662376" cy="1105599"/>
+          </a:xfrm>
+          <a:prstGeom prst="straightConnector1">
+            <a:avLst/>
+          </a:prstGeom>
+          <a:ln w="28575">
+            <a:solidFill>
+              <a:srgbClr val="FF0000"/>
+            </a:solidFill>
+            <a:tailEnd type="triangle"/>
+          </a:ln>
+        </p:spPr>
+        <p:style>
+          <a:lnRef idx="1">
+            <a:schemeClr val="accent1"/>
+          </a:lnRef>
+          <a:fillRef idx="0">
+            <a:schemeClr val="accent1"/>
+          </a:fillRef>
+          <a:effectRef idx="0">
+            <a:schemeClr val="accent1"/>
+          </a:effectRef>
+          <a:fontRef idx="minor">
+            <a:schemeClr val="tx1"/>
+          </a:fontRef>
+        </p:style>
+      </p:cxnSp>
+      <p:cxnSp>
+        <p:nvCxnSpPr>
+          <p:cNvPr id="17" name="直線單箭頭接點 16"/>
+          <p:cNvCxnSpPr/>
+          <p:nvPr/>
+        </p:nvCxnSpPr>
+        <p:spPr>
+          <a:xfrm flipV="1">
+            <a:off x="4778162" y="4043398"/>
+            <a:ext cx="1339174" cy="522416"/>
+          </a:xfrm>
+          <a:prstGeom prst="straightConnector1">
+            <a:avLst/>
+          </a:prstGeom>
+          <a:ln w="28575">
+            <a:solidFill>
+              <a:srgbClr val="FF0000"/>
+            </a:solidFill>
+            <a:tailEnd type="triangle"/>
+          </a:ln>
+        </p:spPr>
+        <p:style>
+          <a:lnRef idx="1">
+            <a:schemeClr val="accent1"/>
+          </a:lnRef>
+          <a:fillRef idx="0">
+            <a:schemeClr val="accent1"/>
+          </a:fillRef>
+          <a:effectRef idx="0">
+            <a:schemeClr val="accent1"/>
+          </a:effectRef>
+          <a:fontRef idx="minor">
+            <a:schemeClr val="tx1"/>
+          </a:fontRef>
+        </p:style>
+      </p:cxnSp>
+      <p:cxnSp>
+        <p:nvCxnSpPr>
+          <p:cNvPr id="21" name="直線單箭頭接點 20"/>
+          <p:cNvCxnSpPr/>
+          <p:nvPr/>
+        </p:nvCxnSpPr>
+        <p:spPr>
+          <a:xfrm>
+            <a:off x="3831336" y="5000538"/>
+            <a:ext cx="2286000" cy="19518"/>
+          </a:xfrm>
+          <a:prstGeom prst="straightConnector1">
+            <a:avLst/>
+          </a:prstGeom>
+          <a:ln w="28575">
+            <a:solidFill>
+              <a:srgbClr val="FF0000"/>
+            </a:solidFill>
+            <a:tailEnd type="triangle"/>
+          </a:ln>
+        </p:spPr>
+        <p:style>
+          <a:lnRef idx="1">
+            <a:schemeClr val="accent1"/>
+          </a:lnRef>
+          <a:fillRef idx="0">
+            <a:schemeClr val="accent1"/>
+          </a:fillRef>
+          <a:effectRef idx="0">
+            <a:schemeClr val="accent1"/>
+          </a:effectRef>
+          <a:fontRef idx="minor">
+            <a:schemeClr val="tx1"/>
+          </a:fontRef>
+        </p:style>
+      </p:cxnSp>
+    </p:spTree>
+    <p:extLst>
+      <p:ext uri="{BB962C8B-B14F-4D97-AF65-F5344CB8AC3E}">
+        <p14:creationId xmlns:p14="http://schemas.microsoft.com/office/powerpoint/2010/main" val="1091308826"/>
+      </p:ext>
+    </p:extLst>
+  </p:cSld>
+  <p:clrMapOvr>
+    <a:masterClrMapping/>
+  </p:clrMapOvr>
+</p:sld>
+</file>
+
+<file path=ppt/slides/slide16.xml><?xml version="1.0" encoding="utf-8"?>
+<p:sld xmlns:a="http://schemas.openxmlformats.org/drawingml/2006/main" xmlns:r="http://schemas.openxmlformats.org/officeDocument/2006/relationships" xmlns:p="http://schemas.openxmlformats.org/presentationml/2006/main">
+  <p:cSld>
+    <p:spTree>
+      <p:nvGrpSpPr>
+        <p:cNvPr id="1" name=""/>
+        <p:cNvGrpSpPr/>
+        <p:nvPr/>
+      </p:nvGrpSpPr>
+      <p:grpSpPr>
+        <a:xfrm>
+          <a:off x="0" y="0"/>
+          <a:ext cx="0" cy="0"/>
+          <a:chOff x="0" y="0"/>
+          <a:chExt cx="0" cy="0"/>
+        </a:xfrm>
+      </p:grpSpPr>
+      <p:sp>
+        <p:nvSpPr>
+          <p:cNvPr id="2" name="標題 1"/>
+          <p:cNvSpPr>
+            <a:spLocks noGrp="1"/>
+          </p:cNvSpPr>
+          <p:nvPr>
+            <p:ph type="title"/>
+          </p:nvPr>
+        </p:nvSpPr>
+        <p:spPr/>
+        <p:txBody>
+          <a:bodyPr/>
+          <a:lstStyle/>
+          <a:p>
+            <a:r>
+              <a:rPr lang="en-US" altLang="zh-TW" dirty="0" err="1" smtClean="0"/>
+              <a:t>IC_Card</a:t>
+            </a:r>
+            <a:r>
+              <a:rPr lang="zh-TW" altLang="en-US" dirty="0" smtClean="0"/>
+              <a:t>的使用</a:t>
+            </a:r>
+            <a:endParaRPr lang="zh-TW" altLang="en-US" dirty="0"/>
+          </a:p>
+        </p:txBody>
+      </p:sp>
+      <p:sp>
+        <p:nvSpPr>
+          <p:cNvPr id="3" name="內容版面配置區 2"/>
+          <p:cNvSpPr>
+            <a:spLocks noGrp="1"/>
+          </p:cNvSpPr>
+          <p:nvPr>
+            <p:ph idx="1"/>
+          </p:nvPr>
+        </p:nvSpPr>
+        <p:spPr>
+          <a:xfrm>
+            <a:off x="677334" y="2160589"/>
+            <a:ext cx="4584276" cy="3880773"/>
+          </a:xfrm>
+        </p:spPr>
+        <p:txBody>
+          <a:bodyPr/>
+          <a:lstStyle/>
+          <a:p>
+            <a:r>
+              <a:rPr lang="zh-TW" altLang="en-US" dirty="0" smtClean="0"/>
+              <a:t>另外開一個類別</a:t>
+            </a:r>
+            <a:r>
+              <a:rPr lang="en-US" altLang="zh-TW" dirty="0" smtClean="0"/>
+              <a:t>Example10_01</a:t>
+            </a:r>
+          </a:p>
+          <a:p>
+            <a:pPr lvl="1"/>
+            <a:r>
+              <a:rPr lang="zh-TW" altLang="en-US" dirty="0"/>
+              <a:t>要有</a:t>
+            </a:r>
+            <a:r>
+              <a:rPr lang="en-US" altLang="zh-TW" dirty="0"/>
+              <a:t>main</a:t>
+            </a:r>
+            <a:r>
+              <a:rPr lang="zh-TW" altLang="en-US" dirty="0" smtClean="0"/>
+              <a:t>的</a:t>
+            </a:r>
+            <a:endParaRPr lang="en-US" altLang="zh-TW" dirty="0" smtClean="0"/>
+          </a:p>
+          <a:p>
+            <a:r>
+              <a:rPr lang="en-US" altLang="zh-TW" b="1" dirty="0" err="1" smtClean="0">
+                <a:solidFill>
+                  <a:srgbClr val="FF0000"/>
+                </a:solidFill>
+              </a:rPr>
+              <a:t>IC_Card</a:t>
+            </a:r>
+            <a:r>
+              <a:rPr lang="zh-TW" altLang="en-US" b="1" dirty="0" smtClean="0">
+                <a:solidFill>
+                  <a:srgbClr val="FF0000"/>
+                </a:solidFill>
+              </a:rPr>
+              <a:t>的使用，必須要</a:t>
+            </a:r>
+            <a:r>
+              <a:rPr lang="en-US" altLang="zh-TW" b="1" dirty="0" smtClean="0">
+                <a:solidFill>
+                  <a:srgbClr val="FF0000"/>
+                </a:solidFill>
+              </a:rPr>
+              <a:t>new</a:t>
+            </a:r>
+            <a:r>
+              <a:rPr lang="zh-TW" altLang="en-US" b="1" dirty="0" smtClean="0">
+                <a:solidFill>
+                  <a:srgbClr val="FF0000"/>
+                </a:solidFill>
+              </a:rPr>
+              <a:t>出物件！</a:t>
+            </a:r>
+            <a:endParaRPr lang="en-US" altLang="zh-TW" b="1" dirty="0" smtClean="0">
+              <a:solidFill>
+                <a:srgbClr val="FF0000"/>
+              </a:solidFill>
+            </a:endParaRPr>
+          </a:p>
+          <a:p>
+            <a:r>
+              <a:rPr lang="zh-TW" altLang="en-US" dirty="0" smtClean="0"/>
+              <a:t>屬性可以用下面語法存取</a:t>
+            </a:r>
+            <a:endParaRPr lang="en-US" altLang="zh-TW" dirty="0" smtClean="0"/>
+          </a:p>
+          <a:p>
+            <a:pPr lvl="1"/>
+            <a:r>
+              <a:rPr lang="zh-TW" altLang="en-US" dirty="0" smtClean="0"/>
+              <a:t>物件名</a:t>
+            </a:r>
+            <a:r>
+              <a:rPr lang="en-US" altLang="zh-TW" dirty="0" smtClean="0"/>
+              <a:t>.</a:t>
+            </a:r>
+            <a:r>
+              <a:rPr lang="zh-TW" altLang="en-US" dirty="0" smtClean="0"/>
+              <a:t>屬性</a:t>
+            </a:r>
+            <a:endParaRPr lang="en-US" altLang="zh-TW" dirty="0" smtClean="0"/>
+          </a:p>
+          <a:p>
+            <a:r>
+              <a:rPr lang="zh-TW" altLang="en-US" dirty="0" smtClean="0"/>
+              <a:t>方法</a:t>
+            </a:r>
+            <a:r>
+              <a:rPr lang="zh-TW" altLang="en-US" dirty="0"/>
+              <a:t>可以用下面</a:t>
+            </a:r>
+            <a:r>
+              <a:rPr lang="zh-TW" altLang="en-US" dirty="0" smtClean="0"/>
+              <a:t>語法呼叫</a:t>
+            </a:r>
+            <a:r>
+              <a:rPr lang="en-US" altLang="zh-TW" dirty="0" smtClean="0"/>
+              <a:t>(</a:t>
+            </a:r>
+            <a:r>
+              <a:rPr lang="zh-TW" altLang="en-US" dirty="0" smtClean="0"/>
+              <a:t>執行</a:t>
+            </a:r>
+            <a:r>
+              <a:rPr lang="en-US" altLang="zh-TW" dirty="0" smtClean="0"/>
+              <a:t>)</a:t>
+            </a:r>
+          </a:p>
+          <a:p>
+            <a:pPr lvl="1"/>
+            <a:r>
+              <a:rPr lang="zh-TW" altLang="en-US" dirty="0"/>
+              <a:t>物件名</a:t>
+            </a:r>
+            <a:r>
+              <a:rPr lang="en-US" altLang="zh-TW" dirty="0" smtClean="0"/>
+              <a:t>.</a:t>
+            </a:r>
+            <a:r>
+              <a:rPr lang="zh-TW" altLang="en-US" dirty="0" smtClean="0"/>
+              <a:t>方法</a:t>
+            </a:r>
+            <a:r>
+              <a:rPr lang="en-US" altLang="zh-TW" dirty="0" smtClean="0"/>
+              <a:t>(</a:t>
+            </a:r>
+            <a:r>
+              <a:rPr lang="zh-TW" altLang="en-US" dirty="0" smtClean="0"/>
+              <a:t>參數</a:t>
+            </a:r>
+            <a:r>
+              <a:rPr lang="en-US" altLang="zh-TW" dirty="0" smtClean="0"/>
+              <a:t>)</a:t>
+            </a:r>
+          </a:p>
+          <a:p>
+            <a:r>
+              <a:rPr lang="zh-TW" altLang="en-US" dirty="0" smtClean="0"/>
+              <a:t>執行結果：</a:t>
+            </a:r>
+            <a:endParaRPr lang="en-US" altLang="zh-TW" dirty="0"/>
+          </a:p>
+        </p:txBody>
+      </p:sp>
+      <p:pic>
+        <p:nvPicPr>
+          <p:cNvPr id="4" name="圖片 3"/>
+          <p:cNvPicPr>
+            <a:picLocks noChangeAspect="1"/>
+          </p:cNvPicPr>
+          <p:nvPr/>
+        </p:nvPicPr>
+        <p:blipFill>
+          <a:blip r:embed="rId2"/>
+          <a:stretch>
+            <a:fillRect/>
+          </a:stretch>
+        </p:blipFill>
+        <p:spPr>
+          <a:xfrm>
+            <a:off x="5261610" y="662124"/>
+            <a:ext cx="5994654" cy="5781729"/>
+          </a:xfrm>
+          <a:prstGeom prst="rect">
+            <a:avLst/>
+          </a:prstGeom>
+        </p:spPr>
+      </p:pic>
+      <p:cxnSp>
+        <p:nvCxnSpPr>
+          <p:cNvPr id="5" name="直線單箭頭接點 4"/>
+          <p:cNvCxnSpPr/>
+          <p:nvPr/>
+        </p:nvCxnSpPr>
+        <p:spPr>
+          <a:xfrm flipV="1">
+            <a:off x="4855464" y="1930401"/>
+            <a:ext cx="1444752" cy="1077975"/>
+          </a:xfrm>
+          <a:prstGeom prst="straightConnector1">
+            <a:avLst/>
+          </a:prstGeom>
+          <a:ln w="28575">
+            <a:solidFill>
+              <a:srgbClr val="FF0000"/>
+            </a:solidFill>
+            <a:tailEnd type="triangle"/>
+          </a:ln>
+        </p:spPr>
+        <p:style>
+          <a:lnRef idx="1">
+            <a:schemeClr val="accent1"/>
+          </a:lnRef>
+          <a:fillRef idx="0">
+            <a:schemeClr val="accent1"/>
+          </a:fillRef>
+          <a:effectRef idx="0">
+            <a:schemeClr val="accent1"/>
+          </a:effectRef>
+          <a:fontRef idx="minor">
+            <a:schemeClr val="tx1"/>
+          </a:fontRef>
+        </p:style>
+      </p:cxnSp>
+      <p:cxnSp>
+        <p:nvCxnSpPr>
+          <p:cNvPr id="8" name="直線單箭頭接點 7"/>
+          <p:cNvCxnSpPr/>
+          <p:nvPr/>
+        </p:nvCxnSpPr>
+        <p:spPr>
+          <a:xfrm flipV="1">
+            <a:off x="4343400" y="4133088"/>
+            <a:ext cx="1956816" cy="173736"/>
+          </a:xfrm>
+          <a:prstGeom prst="straightConnector1">
+            <a:avLst/>
+          </a:prstGeom>
+          <a:ln w="28575">
+            <a:solidFill>
+              <a:srgbClr val="FF0000"/>
+            </a:solidFill>
+            <a:tailEnd type="triangle"/>
+          </a:ln>
+        </p:spPr>
+        <p:style>
+          <a:lnRef idx="1">
+            <a:schemeClr val="accent1"/>
+          </a:lnRef>
+          <a:fillRef idx="0">
+            <a:schemeClr val="accent1"/>
+          </a:fillRef>
+          <a:effectRef idx="0">
+            <a:schemeClr val="accent1"/>
+          </a:effectRef>
+          <a:fontRef idx="minor">
+            <a:schemeClr val="tx1"/>
+          </a:fontRef>
+        </p:style>
+      </p:cxnSp>
+      <p:cxnSp>
+        <p:nvCxnSpPr>
+          <p:cNvPr id="12" name="直線單箭頭接點 11"/>
+          <p:cNvCxnSpPr/>
+          <p:nvPr/>
+        </p:nvCxnSpPr>
+        <p:spPr>
+          <a:xfrm flipV="1">
+            <a:off x="3710940" y="2642616"/>
+            <a:ext cx="2589276" cy="841248"/>
+          </a:xfrm>
+          <a:prstGeom prst="straightConnector1">
+            <a:avLst/>
+          </a:prstGeom>
+          <a:ln w="28575">
+            <a:solidFill>
+              <a:srgbClr val="FF0000"/>
+            </a:solidFill>
+            <a:tailEnd type="triangle"/>
+          </a:ln>
+        </p:spPr>
+        <p:style>
+          <a:lnRef idx="1">
+            <a:schemeClr val="accent1"/>
+          </a:lnRef>
+          <a:fillRef idx="0">
+            <a:schemeClr val="accent1"/>
+          </a:fillRef>
+          <a:effectRef idx="0">
+            <a:schemeClr val="accent1"/>
+          </a:effectRef>
+          <a:fontRef idx="minor">
+            <a:schemeClr val="tx1"/>
+          </a:fontRef>
+        </p:style>
+      </p:cxnSp>
+      <p:pic>
+        <p:nvPicPr>
+          <p:cNvPr id="14" name="圖片 13"/>
+          <p:cNvPicPr>
+            <a:picLocks noChangeAspect="1"/>
+          </p:cNvPicPr>
+          <p:nvPr/>
+        </p:nvPicPr>
+        <p:blipFill>
+          <a:blip r:embed="rId3"/>
+          <a:stretch>
+            <a:fillRect/>
+          </a:stretch>
+        </p:blipFill>
+        <p:spPr>
+          <a:xfrm>
+            <a:off x="1102191" y="5222260"/>
+            <a:ext cx="3903387" cy="1301129"/>
+          </a:xfrm>
+          <a:prstGeom prst="rect">
+            <a:avLst/>
+          </a:prstGeom>
+        </p:spPr>
+      </p:pic>
+    </p:spTree>
+    <p:extLst>
+      <p:ext uri="{BB962C8B-B14F-4D97-AF65-F5344CB8AC3E}">
+        <p14:creationId xmlns:p14="http://schemas.microsoft.com/office/powerpoint/2010/main" val="2302732115"/>
+      </p:ext>
+    </p:extLst>
+  </p:cSld>
+  <p:clrMapOvr>
+    <a:masterClrMapping/>
+  </p:clrMapOvr>
+</p:sld>
+</file>
+
+<file path=ppt/slides/slide17.xml><?xml version="1.0" encoding="utf-8"?>
+<p:sld xmlns:a="http://schemas.openxmlformats.org/drawingml/2006/main" xmlns:r="http://schemas.openxmlformats.org/officeDocument/2006/relationships" xmlns:p="http://schemas.openxmlformats.org/presentationml/2006/main">
+  <p:cSld>
+    <p:spTree>
+      <p:nvGrpSpPr>
+        <p:cNvPr id="1" name=""/>
+        <p:cNvGrpSpPr/>
+        <p:nvPr/>
+      </p:nvGrpSpPr>
+      <p:grpSpPr>
+        <a:xfrm>
+          <a:off x="0" y="0"/>
+          <a:ext cx="0" cy="0"/>
+          <a:chOff x="0" y="0"/>
+          <a:chExt cx="0" cy="0"/>
+        </a:xfrm>
+      </p:grpSpPr>
+      <p:sp>
+        <p:nvSpPr>
+          <p:cNvPr id="2" name="標題 1"/>
+          <p:cNvSpPr>
+            <a:spLocks noGrp="1"/>
+          </p:cNvSpPr>
+          <p:nvPr>
+            <p:ph type="title"/>
+          </p:nvPr>
+        </p:nvSpPr>
+        <p:spPr/>
+        <p:txBody>
+          <a:bodyPr/>
+          <a:lstStyle/>
+          <a:p>
+            <a:r>
+              <a:rPr lang="en-US" altLang="zh-TW" dirty="0" err="1" smtClean="0"/>
+              <a:t>IC_Card</a:t>
+            </a:r>
+            <a:r>
+              <a:rPr lang="zh-TW" altLang="en-US" dirty="0" smtClean="0"/>
+              <a:t>有問題</a:t>
+            </a:r>
+            <a:endParaRPr lang="zh-TW" altLang="en-US" dirty="0"/>
+          </a:p>
+        </p:txBody>
+      </p:sp>
+      <p:sp>
+        <p:nvSpPr>
+          <p:cNvPr id="3" name="內容版面配置區 2"/>
+          <p:cNvSpPr>
+            <a:spLocks noGrp="1"/>
+          </p:cNvSpPr>
+          <p:nvPr>
+            <p:ph idx="1"/>
+          </p:nvPr>
+        </p:nvSpPr>
+        <p:spPr/>
+        <p:txBody>
+          <a:bodyPr/>
+          <a:lstStyle/>
+          <a:p>
+            <a:r>
+              <a:rPr lang="zh-TW" altLang="en-US" dirty="0" smtClean="0"/>
+              <a:t>這樣的類別宣告是有缺陷的！因為沒有將資料封裝起來！</a:t>
+            </a:r>
+            <a:endParaRPr lang="en-US" altLang="zh-TW" dirty="0" smtClean="0"/>
+          </a:p>
+          <a:p>
+            <a:r>
+              <a:rPr lang="zh-TW" altLang="en-US" dirty="0"/>
+              <a:t>換句話講</a:t>
+            </a:r>
+            <a:r>
+              <a:rPr lang="zh-TW" altLang="en-US" dirty="0" smtClean="0"/>
+              <a:t>，資料可以被任意修改的！</a:t>
+            </a:r>
+            <a:r>
+              <a:rPr lang="en-US" altLang="zh-TW" dirty="0" smtClean="0"/>
+              <a:t>(</a:t>
+            </a:r>
+            <a:r>
+              <a:rPr lang="zh-TW" altLang="en-US" dirty="0" smtClean="0"/>
+              <a:t>跟自助餐一</a:t>
+            </a:r>
+            <a:r>
+              <a:rPr lang="zh-TW" altLang="en-US" dirty="0"/>
+              <a:t>樣</a:t>
+            </a:r>
+            <a:r>
+              <a:rPr lang="en-US" altLang="zh-TW" dirty="0" smtClean="0"/>
+              <a:t>)</a:t>
+            </a:r>
+          </a:p>
+          <a:p>
+            <a:pPr lvl="1"/>
+            <a:r>
+              <a:rPr lang="zh-TW" altLang="en-US" dirty="0"/>
+              <a:t>這三行最是清楚</a:t>
+            </a:r>
+            <a:r>
+              <a:rPr lang="zh-TW" altLang="en-US" dirty="0" smtClean="0"/>
+              <a:t>，資料完全不設防！</a:t>
+            </a:r>
+            <a:endParaRPr lang="en-US" altLang="zh-TW" dirty="0" smtClean="0"/>
+          </a:p>
+          <a:p>
+            <a:endParaRPr lang="en-US" altLang="zh-TW" dirty="0"/>
+          </a:p>
+          <a:p>
+            <a:endParaRPr lang="en-US" altLang="zh-TW" dirty="0" smtClean="0"/>
+          </a:p>
+          <a:p>
+            <a:endParaRPr lang="en-US" altLang="zh-TW" dirty="0" smtClean="0"/>
+          </a:p>
+          <a:p>
+            <a:r>
+              <a:rPr lang="zh-TW" altLang="en-US" dirty="0"/>
+              <a:t>所以要引入資料</a:t>
+            </a:r>
+            <a:r>
+              <a:rPr lang="zh-TW" altLang="en-US" dirty="0" smtClean="0"/>
+              <a:t>保護封裝概念</a:t>
+            </a:r>
+            <a:r>
+              <a:rPr lang="zh-TW" altLang="en-US" dirty="0"/>
+              <a:t>了！</a:t>
+            </a:r>
+          </a:p>
+        </p:txBody>
+      </p:sp>
+      <p:pic>
+        <p:nvPicPr>
+          <p:cNvPr id="4" name="圖片 3"/>
+          <p:cNvPicPr>
+            <a:picLocks noChangeAspect="1"/>
+          </p:cNvPicPr>
+          <p:nvPr/>
+        </p:nvPicPr>
+        <p:blipFill>
+          <a:blip r:embed="rId2"/>
+          <a:stretch>
+            <a:fillRect/>
+          </a:stretch>
+        </p:blipFill>
+        <p:spPr>
+          <a:xfrm>
+            <a:off x="1226628" y="3378517"/>
+            <a:ext cx="3886200" cy="923925"/>
+          </a:xfrm>
+          <a:prstGeom prst="rect">
+            <a:avLst/>
+          </a:prstGeom>
+        </p:spPr>
+      </p:pic>
+    </p:spTree>
+    <p:extLst>
+      <p:ext uri="{BB962C8B-B14F-4D97-AF65-F5344CB8AC3E}">
+        <p14:creationId xmlns:p14="http://schemas.microsoft.com/office/powerpoint/2010/main" val="2191207193"/>
+      </p:ext>
+    </p:extLst>
+  </p:cSld>
+  <p:clrMapOvr>
+    <a:masterClrMapping/>
+  </p:clrMapOvr>
+</p:sld>
+</file>
+
+<file path=ppt/slides/slide18.xml><?xml version="1.0" encoding="utf-8"?>
+<p:sld xmlns:a="http://schemas.openxmlformats.org/drawingml/2006/main" xmlns:r="http://schemas.openxmlformats.org/officeDocument/2006/relationships" xmlns:p="http://schemas.openxmlformats.org/presentationml/2006/main">
+  <p:cSld>
+    <p:spTree>
+      <p:nvGrpSpPr>
+        <p:cNvPr id="1" name=""/>
+        <p:cNvGrpSpPr/>
+        <p:nvPr/>
+      </p:nvGrpSpPr>
+      <p:grpSpPr>
+        <a:xfrm>
+          <a:off x="0" y="0"/>
+          <a:ext cx="0" cy="0"/>
+          <a:chOff x="0" y="0"/>
+          <a:chExt cx="0" cy="0"/>
+        </a:xfrm>
+      </p:grpSpPr>
+      <p:sp>
+        <p:nvSpPr>
+          <p:cNvPr id="2" name="標題 1"/>
+          <p:cNvSpPr>
+            <a:spLocks noGrp="1"/>
+          </p:cNvSpPr>
+          <p:nvPr>
+            <p:ph type="title"/>
+          </p:nvPr>
+        </p:nvSpPr>
+        <p:spPr/>
+        <p:txBody>
+          <a:bodyPr/>
+          <a:lstStyle/>
+          <a:p>
+            <a:r>
+              <a:rPr lang="en-US" altLang="zh-TW" dirty="0" smtClean="0"/>
+              <a:t>Public, protected, private</a:t>
+            </a:r>
+            <a:endParaRPr lang="zh-TW" altLang="en-US" dirty="0"/>
+          </a:p>
+        </p:txBody>
+      </p:sp>
+      <p:sp>
+        <p:nvSpPr>
+          <p:cNvPr id="3" name="內容版面配置區 2"/>
+          <p:cNvSpPr>
+            <a:spLocks noGrp="1"/>
+          </p:cNvSpPr>
+          <p:nvPr>
+            <p:ph idx="1"/>
+          </p:nvPr>
+        </p:nvSpPr>
+        <p:spPr/>
+        <p:txBody>
+          <a:bodyPr/>
+          <a:lstStyle/>
+          <a:p>
+            <a:r>
+              <a:rPr lang="zh-TW" altLang="en-US" dirty="0"/>
+              <a:t>資料保護等級有三種</a:t>
+            </a:r>
+            <a:r>
+              <a:rPr lang="zh-TW" altLang="en-US" dirty="0" smtClean="0"/>
+              <a:t>：</a:t>
+            </a:r>
+            <a:endParaRPr lang="en-US" altLang="zh-TW" dirty="0"/>
+          </a:p>
+          <a:p>
+            <a:pPr lvl="1"/>
+            <a:r>
+              <a:rPr lang="en-US" altLang="zh-TW" dirty="0" smtClean="0"/>
+              <a:t>Public</a:t>
+            </a:r>
+            <a:r>
+              <a:rPr lang="zh-TW" altLang="en-US" dirty="0" smtClean="0"/>
+              <a:t>：</a:t>
+            </a:r>
+            <a:r>
+              <a:rPr lang="zh-TW" altLang="en-US" dirty="0"/>
+              <a:t>公開的</a:t>
+            </a:r>
+            <a:endParaRPr lang="en-US" altLang="zh-TW" dirty="0" smtClean="0"/>
+          </a:p>
+          <a:p>
+            <a:pPr lvl="1"/>
+            <a:r>
+              <a:rPr lang="en-US" altLang="zh-TW" dirty="0" smtClean="0"/>
+              <a:t>Protected</a:t>
+            </a:r>
+            <a:r>
+              <a:rPr lang="zh-TW" altLang="en-US" dirty="0" smtClean="0"/>
+              <a:t>：保護的</a:t>
+            </a:r>
+            <a:endParaRPr lang="en-US" altLang="zh-TW" dirty="0" smtClean="0"/>
+          </a:p>
+          <a:p>
+            <a:pPr lvl="1"/>
+            <a:r>
+              <a:rPr lang="en-US" altLang="zh-TW" dirty="0" smtClean="0"/>
+              <a:t>private</a:t>
+            </a:r>
+            <a:r>
+              <a:rPr lang="zh-TW" altLang="en-US" dirty="0" smtClean="0"/>
+              <a:t>：私有的</a:t>
+            </a:r>
+            <a:endParaRPr lang="en-US" altLang="zh-TW" dirty="0" smtClean="0"/>
+          </a:p>
+          <a:p>
+            <a:r>
+              <a:rPr lang="zh-TW" altLang="en-US" dirty="0"/>
+              <a:t>公開的</a:t>
+            </a:r>
+            <a:r>
+              <a:rPr lang="zh-TW" altLang="en-US" dirty="0" smtClean="0"/>
+              <a:t>：</a:t>
+            </a:r>
+            <a:endParaRPr lang="en-US" altLang="zh-TW" dirty="0" smtClean="0"/>
+          </a:p>
+          <a:p>
+            <a:pPr lvl="1"/>
+            <a:r>
+              <a:rPr lang="zh-TW" altLang="en-US" dirty="0"/>
+              <a:t>門牌、門鈴、門</a:t>
+            </a:r>
+            <a:r>
+              <a:rPr lang="zh-TW" altLang="en-US" dirty="0" smtClean="0"/>
+              <a:t>把、門簾、夜燈</a:t>
+            </a:r>
+            <a:endParaRPr lang="en-US" altLang="zh-TW" dirty="0" smtClean="0"/>
+          </a:p>
+          <a:p>
+            <a:r>
+              <a:rPr lang="zh-TW" altLang="en-US" dirty="0"/>
+              <a:t>保護的</a:t>
+            </a:r>
+            <a:r>
+              <a:rPr lang="zh-TW" altLang="en-US" dirty="0" smtClean="0"/>
+              <a:t>：</a:t>
+            </a:r>
+            <a:endParaRPr lang="en-US" altLang="zh-TW" dirty="0" smtClean="0"/>
+          </a:p>
+          <a:p>
+            <a:pPr lvl="1"/>
+            <a:r>
+              <a:rPr lang="zh-TW" altLang="en-US" dirty="0"/>
+              <a:t>客廳電視、飲水機、沙發、音響、</a:t>
+            </a:r>
+            <a:r>
+              <a:rPr lang="zh-TW" altLang="en-US" dirty="0" smtClean="0"/>
+              <a:t>電燈</a:t>
+            </a:r>
+            <a:endParaRPr lang="en-US" altLang="zh-TW" dirty="0" smtClean="0"/>
+          </a:p>
+          <a:p>
+            <a:r>
+              <a:rPr lang="zh-TW" altLang="en-US" dirty="0"/>
+              <a:t>私有的</a:t>
+            </a:r>
+            <a:r>
+              <a:rPr lang="zh-TW" altLang="en-US" dirty="0" smtClean="0"/>
+              <a:t>：</a:t>
+            </a:r>
+            <a:endParaRPr lang="en-US" altLang="zh-TW" dirty="0" smtClean="0"/>
+          </a:p>
+          <a:p>
+            <a:pPr lvl="1"/>
+            <a:r>
+              <a:rPr lang="zh-TW" altLang="en-US"/>
+              <a:t>床、枕頭、臥室燈、衣櫃</a:t>
+            </a:r>
+            <a:endParaRPr lang="zh-TW" altLang="en-US" dirty="0"/>
+          </a:p>
+        </p:txBody>
+      </p:sp>
+      <p:pic>
+        <p:nvPicPr>
+          <p:cNvPr id="4" name="圖片 3"/>
+          <p:cNvPicPr>
+            <a:picLocks noChangeAspect="1"/>
+          </p:cNvPicPr>
+          <p:nvPr/>
+        </p:nvPicPr>
+        <p:blipFill>
+          <a:blip r:embed="rId2">
+            <a:extLst>
+              <a:ext uri="{BEBA8EAE-BF5A-486C-A8C5-ECC9F3942E4B}">
+                <a14:imgProps xmlns:a14="http://schemas.microsoft.com/office/drawing/2010/main">
+                  <a14:imgLayer r:embed="rId3">
+                    <a14:imgEffect>
+                      <a14:backgroundRemoval t="0" b="100000" l="0" r="100000">
+                        <a14:foregroundMark x1="45515" y1="8688" x2="45515" y2="8688"/>
+                        <a14:foregroundMark x1="45515" y1="5851" x2="45515" y2="5851"/>
+                        <a14:foregroundMark x1="45349" y1="13298" x2="45349" y2="13298"/>
+                        <a14:foregroundMark x1="45515" y1="16312" x2="45515" y2="16312"/>
+                        <a14:foregroundMark x1="45847" y1="3723" x2="45847" y2="3723"/>
+                        <a14:foregroundMark x1="78571" y1="5319" x2="78571" y2="5319"/>
+                        <a14:foregroundMark x1="82392" y1="3191" x2="82392" y2="3191"/>
+                        <a14:foregroundMark x1="80233" y1="2128" x2="80233" y2="2128"/>
+                        <a14:foregroundMark x1="83555" y1="2128" x2="83555" y2="2128"/>
+                        <a14:foregroundMark x1="85216" y1="2128" x2="85216" y2="2128"/>
+                        <a14:foregroundMark x1="86545" y1="7979" x2="86545" y2="7979"/>
+                        <a14:foregroundMark x1="87542" y1="5674" x2="87542" y2="5674"/>
+                        <a14:foregroundMark x1="87209" y1="10461" x2="88040" y2="14362"/>
+                        <a14:foregroundMark x1="88372" y1="15957" x2="88372" y2="15957"/>
+                        <a14:foregroundMark x1="54319" y1="38121" x2="54319" y2="38121"/>
+                        <a14:foregroundMark x1="43023" y1="22695" x2="43023" y2="22695"/>
+                        <a14:foregroundMark x1="31728" y1="37234" x2="31728" y2="37234"/>
+                        <a14:foregroundMark x1="13621" y1="43972" x2="13621" y2="43972"/>
+                        <a14:foregroundMark x1="11960" y1="38830" x2="11960" y2="38830"/>
+                        <a14:foregroundMark x1="13455" y1="36702" x2="13455" y2="36702"/>
+                        <a14:foregroundMark x1="62292" y1="58333" x2="62292" y2="58333"/>
+                        <a14:foregroundMark x1="88040" y1="64362" x2="88040" y2="64362"/>
+                        <a14:foregroundMark x1="88040" y1="62234" x2="88040" y2="62234"/>
+                        <a14:foregroundMark x1="88040" y1="59929" x2="88040" y2="59929"/>
+                        <a14:foregroundMark x1="90199" y1="82624" x2="90199" y2="82624"/>
+                        <a14:foregroundMark x1="91196" y1="85638" x2="91030" y2="86170"/>
+                        <a14:foregroundMark x1="90365" y1="89007" x2="89867" y2="90426"/>
+                        <a14:foregroundMark x1="87708" y1="92376" x2="87708" y2="92376"/>
+                        <a14:foregroundMark x1="92027" y1="91135" x2="92027" y2="91135"/>
+                        <a14:foregroundMark x1="97176" y1="89716" x2="97176" y2="89716"/>
+                        <a14:foregroundMark x1="96678" y1="93262" x2="96678" y2="93262"/>
+                        <a14:foregroundMark x1="97176" y1="96809" x2="97176" y2="96809"/>
+                        <a14:foregroundMark x1="97342" y1="99113" x2="97342" y2="99113"/>
+                        <a14:foregroundMark x1="91694" y1="93617" x2="91694" y2="93617"/>
+                        <a14:foregroundMark x1="93688" y1="92730" x2="93688" y2="92730"/>
+                        <a14:foregroundMark x1="33555" y1="96454" x2="33555" y2="96454"/>
+                        <a14:foregroundMark x1="26910" y1="96631" x2="26910" y2="96631"/>
+                        <a14:foregroundMark x1="22425" y1="95567" x2="22425" y2="95567"/>
+                        <a14:foregroundMark x1="18605" y1="96454" x2="18605" y2="96454"/>
+                        <a14:foregroundMark x1="15116" y1="95567" x2="15116" y2="95567"/>
+                        <a14:foregroundMark x1="9635" y1="95745" x2="9635" y2="95745"/>
+                        <a14:foregroundMark x1="8140" y1="96099" x2="8140" y2="96099"/>
+                        <a14:foregroundMark x1="8140" y1="91489" x2="8140" y2="90957"/>
+                        <a14:foregroundMark x1="8306" y1="89007" x2="8306" y2="89007"/>
+                        <a14:foregroundMark x1="9136" y1="87234" x2="9136" y2="87234"/>
+                        <a14:foregroundMark x1="10963" y1="87234" x2="10963" y2="87234"/>
+                        <a14:foregroundMark x1="10963" y1="90603" x2="10963" y2="90603"/>
+                        <a14:foregroundMark x1="31561" y1="97695" x2="31561" y2="97695"/>
+                        <a14:foregroundMark x1="33721" y1="97518" x2="34718" y2="97518"/>
+                        <a14:foregroundMark x1="36545" y1="97695" x2="36545" y2="97695"/>
+                        <a14:foregroundMark x1="11628" y1="44504" x2="11628" y2="44504"/>
+                        <a14:foregroundMark x1="14950" y1="41667" x2="14950" y2="41667"/>
+                        <a14:foregroundMark x1="9967" y1="53191" x2="9967" y2="53191"/>
+                        <a14:foregroundMark x1="6977" y1="53369" x2="6478" y2="53369"/>
+                        <a14:foregroundMark x1="4153" y1="52128" x2="4153" y2="52128"/>
+                        <a14:foregroundMark x1="2492" y1="51596" x2="2492" y2="51596"/>
+                        <a14:foregroundMark x1="1495" y1="52837" x2="1495" y2="52837"/>
+                        <a14:foregroundMark x1="1993" y1="41312" x2="1993" y2="41312"/>
+                        <a14:foregroundMark x1="2824" y1="37766" x2="2824" y2="37766"/>
+                        <a14:foregroundMark x1="2824" y1="35106" x2="2824" y2="35106"/>
+                        <a14:foregroundMark x1="2824" y1="34574" x2="2824" y2="34574"/>
+                        <a14:foregroundMark x1="3987" y1="37057" x2="3987" y2="37057"/>
+                        <a14:foregroundMark x1="1993" y1="33511" x2="1993" y2="33511"/>
+                        <a14:foregroundMark x1="16445" y1="40780" x2="16445" y2="40780"/>
+                        <a14:foregroundMark x1="61296" y1="60638" x2="61296" y2="60638"/>
+                        <a14:foregroundMark x1="48339" y1="96099" x2="48339" y2="96099"/>
+                        <a14:foregroundMark x1="44020" y1="95213" x2="44020" y2="95213"/>
+                        <a14:foregroundMark x1="41362" y1="94326" x2="41362" y2="94326"/>
+                        <a14:foregroundMark x1="51163" y1="97163" x2="51163" y2="97163"/>
+                        <a14:foregroundMark x1="53987" y1="96986" x2="54651" y2="96986"/>
+                        <a14:foregroundMark x1="7973" y1="98759" x2="7973" y2="98759"/>
+                        <a14:foregroundMark x1="83389" y1="13475" x2="83389" y2="13475"/>
+                        <a14:foregroundMark x1="82724" y1="16667" x2="82724" y2="16667"/>
+                        <a14:foregroundMark x1="77907" y1="17908" x2="77907" y2="17908"/>
+                        <a14:foregroundMark x1="77741" y1="12766" x2="77741" y2="12766"/>
+                        <a14:foregroundMark x1="77243" y1="9574" x2="77243" y2="9574"/>
+                        <a14:foregroundMark x1="81063" y1="6738" x2="81063" y2="6738"/>
+                        <a14:foregroundMark x1="82226" y1="4965" x2="82724" y2="4965"/>
+                        <a14:foregroundMark x1="84884" y1="4965" x2="84884" y2="4965"/>
+                        <a14:foregroundMark x1="83389" y1="8511" x2="83389" y2="8511"/>
+                        <a14:foregroundMark x1="81561" y1="11170" x2="81561" y2="11170"/>
+                        <a14:foregroundMark x1="27243" y1="24645" x2="27243" y2="24645"/>
+                        <a14:foregroundMark x1="27076" y1="22695" x2="27076" y2="22695"/>
+                        <a14:foregroundMark x1="5814" y1="27837" x2="5814" y2="27837"/>
+                        <a14:foregroundMark x1="8804" y1="27305" x2="8804" y2="27305"/>
+                        <a14:foregroundMark x1="20598" y1="27128" x2="20598" y2="27128"/>
+                        <a14:foregroundMark x1="94684" y1="90426" x2="94684" y2="90426"/>
+                        <a14:foregroundMark x1="89203" y1="93262" x2="89203" y2="93262"/>
+                        <a14:foregroundMark x1="85880" y1="92553" x2="85880" y2="92553"/>
+                        <a14:foregroundMark x1="85382" y1="89539" x2="85382" y2="89539"/>
+                        <a14:foregroundMark x1="86047" y1="87234" x2="86545" y2="86170"/>
+                        <a14:foregroundMark x1="86711" y1="84220" x2="86711" y2="84220"/>
+                        <a14:foregroundMark x1="93189" y1="84043" x2="93189" y2="84043"/>
+                        <a14:foregroundMark x1="94352" y1="82447" x2="94352" y2="82447"/>
+                        <a14:foregroundMark x1="95183" y1="85461" x2="95515" y2="86348"/>
+                        <a14:foregroundMark x1="96512" y1="87943" x2="96512" y2="87943"/>
+                        <a14:foregroundMark x1="12625" y1="62411" x2="12625" y2="62411"/>
+                        <a14:foregroundMark x1="12126" y1="61170" x2="12126" y2="61170"/>
+                        <a14:foregroundMark x1="12126" y1="60284" x2="12126" y2="60284"/>
+                        <a14:foregroundMark x1="7807" y1="86525" x2="7807" y2="86525"/>
+                        <a14:backgroundMark x1="99003" y1="92908" x2="99003" y2="92908"/>
+                        <a14:backgroundMark x1="498" y1="38830" x2="498" y2="38830"/>
+                        <a14:backgroundMark x1="42525" y1="98050" x2="42525" y2="98050"/>
+                        <a14:backgroundMark x1="45183" y1="98404" x2="45183" y2="98404"/>
+                      </a14:backgroundRemoval>
+                    </a14:imgEffect>
+                  </a14:imgLayer>
+                </a14:imgProps>
+              </a:ext>
+            </a:extLst>
+          </a:blip>
+          <a:stretch>
+            <a:fillRect/>
+          </a:stretch>
+        </p:blipFill>
+        <p:spPr>
+          <a:xfrm rot="5400000">
+            <a:off x="5853492" y="2020824"/>
+            <a:ext cx="3530711" cy="3307842"/>
+          </a:xfrm>
+          <a:prstGeom prst="rect">
+            <a:avLst/>
+          </a:prstGeom>
+        </p:spPr>
+      </p:pic>
+      <p:cxnSp>
+        <p:nvCxnSpPr>
+          <p:cNvPr id="6" name="直線單箭頭接點 5"/>
+          <p:cNvCxnSpPr/>
+          <p:nvPr/>
+        </p:nvCxnSpPr>
+        <p:spPr>
+          <a:xfrm>
+            <a:off x="2944368" y="2688337"/>
+            <a:ext cx="3020558" cy="2249423"/>
+          </a:xfrm>
+          <a:prstGeom prst="straightConnector1">
+            <a:avLst/>
+          </a:prstGeom>
+          <a:ln w="28575">
+            <a:solidFill>
+              <a:srgbClr val="FF0000"/>
+            </a:solidFill>
+            <a:tailEnd type="triangle"/>
+          </a:ln>
+        </p:spPr>
+        <p:style>
+          <a:lnRef idx="1">
+            <a:schemeClr val="accent1"/>
+          </a:lnRef>
+          <a:fillRef idx="0">
+            <a:schemeClr val="accent1"/>
+          </a:fillRef>
+          <a:effectRef idx="0">
+            <a:schemeClr val="accent1"/>
+          </a:effectRef>
+          <a:fontRef idx="minor">
+            <a:schemeClr val="tx1"/>
+          </a:fontRef>
+        </p:style>
+      </p:cxnSp>
+      <p:cxnSp>
+        <p:nvCxnSpPr>
+          <p:cNvPr id="8" name="直線單箭頭接點 7"/>
+          <p:cNvCxnSpPr/>
+          <p:nvPr/>
+        </p:nvCxnSpPr>
+        <p:spPr>
+          <a:xfrm>
+            <a:off x="3264408" y="3145536"/>
+            <a:ext cx="3593592" cy="1243584"/>
+          </a:xfrm>
+          <a:prstGeom prst="straightConnector1">
+            <a:avLst/>
+          </a:prstGeom>
+          <a:ln w="28575">
+            <a:solidFill>
+              <a:srgbClr val="FF0000"/>
+            </a:solidFill>
+            <a:tailEnd type="triangle"/>
+          </a:ln>
+        </p:spPr>
+        <p:style>
+          <a:lnRef idx="1">
+            <a:schemeClr val="accent1"/>
+          </a:lnRef>
+          <a:fillRef idx="0">
+            <a:schemeClr val="accent1"/>
+          </a:fillRef>
+          <a:effectRef idx="0">
+            <a:schemeClr val="accent1"/>
+          </a:effectRef>
+          <a:fontRef idx="minor">
+            <a:schemeClr val="tx1"/>
+          </a:fontRef>
+        </p:style>
+      </p:cxnSp>
+      <p:cxnSp>
+        <p:nvCxnSpPr>
+          <p:cNvPr id="11" name="直線單箭頭接點 10"/>
+          <p:cNvCxnSpPr/>
+          <p:nvPr/>
+        </p:nvCxnSpPr>
+        <p:spPr>
+          <a:xfrm flipV="1">
+            <a:off x="3008376" y="2825496"/>
+            <a:ext cx="3538728" cy="630936"/>
+          </a:xfrm>
+          <a:prstGeom prst="straightConnector1">
+            <a:avLst/>
+          </a:prstGeom>
+          <a:ln w="28575">
+            <a:solidFill>
+              <a:srgbClr val="FF0000"/>
+            </a:solidFill>
+            <a:tailEnd type="triangle"/>
+          </a:ln>
+        </p:spPr>
+        <p:style>
+          <a:lnRef idx="1">
+            <a:schemeClr val="accent1"/>
+          </a:lnRef>
+          <a:fillRef idx="0">
+            <a:schemeClr val="accent1"/>
+          </a:fillRef>
+          <a:effectRef idx="0">
+            <a:schemeClr val="accent1"/>
+          </a:effectRef>
+          <a:fontRef idx="minor">
+            <a:schemeClr val="tx1"/>
+          </a:fontRef>
+        </p:style>
+      </p:cxnSp>
+    </p:spTree>
+    <p:extLst>
+      <p:ext uri="{BB962C8B-B14F-4D97-AF65-F5344CB8AC3E}">
+        <p14:creationId xmlns:p14="http://schemas.microsoft.com/office/powerpoint/2010/main" val="2789200172"/>
+      </p:ext>
+    </p:extLst>
+  </p:cSld>
+  <p:clrMapOvr>
+    <a:masterClrMapping/>
+  </p:clrMapOvr>
+</p:sld>
+</file>
+
 <file path=ppt/slides/slide2.xml><?xml version="1.0" encoding="utf-8"?>
 <p:sld xmlns:a="http://schemas.openxmlformats.org/drawingml/2006/main" xmlns:r="http://schemas.openxmlformats.org/officeDocument/2006/relationships" xmlns:p="http://schemas.openxmlformats.org/presentationml/2006/main">
   <p:cSld>
@@ -7666,11 +9647,7 @@
           <a:p>
             <a:r>
               <a:rPr lang="zh-TW" altLang="en-US" dirty="0" smtClean="0"/>
-              <a:t>很粗淺的物件導向概念</a:t>
-            </a:r>
-            <a:r>
-              <a:rPr lang="zh-TW" altLang="en-US" dirty="0" smtClean="0"/>
-              <a:t>解說</a:t>
+              <a:t>很粗淺的物件導向概念解說</a:t>
             </a:r>
             <a:endParaRPr lang="en-US" altLang="zh-TW" dirty="0" smtClean="0"/>
           </a:p>
@@ -7837,8 +9814,12 @@
           </a:p>
           <a:p>
             <a:r>
+              <a:rPr lang="zh-TW" altLang="en-US" dirty="0" smtClean="0"/>
+              <a:t>所以想到參考</a:t>
+            </a:r>
+            <a:r>
               <a:rPr lang="zh-TW" altLang="en-US" dirty="0"/>
-              <a:t>參考硬體</a:t>
+              <a:t>硬體</a:t>
             </a:r>
             <a:r>
               <a:rPr lang="zh-TW" altLang="en-US" dirty="0" smtClean="0"/>
@@ -7882,7 +9863,15 @@
             </a:r>
             <a:r>
               <a:rPr lang="zh-TW" altLang="en-US" dirty="0" smtClean="0"/>
-              <a:t>，不會有互相感擾產生的錯誤</a:t>
+              <a:t>，不會有</a:t>
+            </a:r>
+            <a:r>
+              <a:rPr lang="zh-TW" altLang="en-US" dirty="0" smtClean="0"/>
+              <a:t>互相干擾</a:t>
+            </a:r>
+            <a:r>
+              <a:rPr lang="zh-TW" altLang="en-US" dirty="0" smtClean="0"/>
+              <a:t>產生的錯誤</a:t>
             </a:r>
             <a:endParaRPr lang="en-US" altLang="zh-TW" dirty="0" smtClean="0"/>
           </a:p>
@@ -8037,8 +10026,12 @@
           <a:p>
             <a:pPr lvl="1"/>
             <a:r>
+              <a:rPr lang="zh-TW" altLang="en-US" dirty="0" smtClean="0"/>
+              <a:t>那就會產生台灣</a:t>
+            </a:r>
+            <a:r>
               <a:rPr lang="zh-TW" altLang="en-US" dirty="0"/>
-              <a:t>台灣工程師寫的程式碼</a:t>
+              <a:t>工程師寫的程式碼</a:t>
             </a:r>
             <a:r>
               <a:rPr lang="zh-TW" altLang="en-US" dirty="0" smtClean="0"/>
@@ -8057,7 +10050,15 @@
             <a:pPr lvl="1"/>
             <a:r>
               <a:rPr lang="zh-TW" altLang="en-US" dirty="0" smtClean="0"/>
-              <a:t>把變數封裝起來，只有我能動用，避免無法預期的錯誤！</a:t>
+              <a:t>把</a:t>
+            </a:r>
+            <a:r>
+              <a:rPr lang="zh-TW" altLang="en-US" b="1" dirty="0" smtClean="0"/>
+              <a:t>變數封裝</a:t>
+            </a:r>
+            <a:r>
+              <a:rPr lang="zh-TW" altLang="en-US" dirty="0" smtClean="0"/>
+              <a:t>起來，只有我能動用，避免無法預期的錯誤！</a:t>
             </a:r>
             <a:endParaRPr lang="zh-TW" altLang="en-US" dirty="0"/>
           </a:p>
@@ -8145,18 +10146,46 @@
           <a:p>
             <a:r>
               <a:rPr lang="zh-TW" altLang="en-US" dirty="0" smtClean="0"/>
-              <a:t>物件導向在封裝資料的時候，需要考慮適當資料的封裝，過多或過少都不好。</a:t>
+              <a:t>物件導向在</a:t>
+            </a:r>
+            <a:r>
+              <a:rPr lang="zh-TW" altLang="en-US" b="1" dirty="0" smtClean="0"/>
+              <a:t>封裝資料</a:t>
+            </a:r>
+            <a:r>
+              <a:rPr lang="zh-TW" altLang="en-US" dirty="0" smtClean="0"/>
+              <a:t>的時候，需要考慮適當資料的封裝，過多或過少都不好。</a:t>
             </a:r>
             <a:endParaRPr lang="en-US" altLang="zh-TW" dirty="0" smtClean="0"/>
           </a:p>
           <a:p>
             <a:r>
+              <a:rPr lang="zh-TW" altLang="en-US" dirty="0" smtClean="0"/>
+              <a:t>就像是簡</a:t>
+            </a:r>
+            <a:r>
               <a:rPr lang="zh-TW" altLang="en-US" dirty="0"/>
-              <a:t>就向簡餐的設計</a:t>
-            </a:r>
-            <a:r>
-              <a:rPr lang="zh-TW" altLang="en-US" dirty="0" smtClean="0"/>
-              <a:t>，總要適量好吃又完整，前餐到餐後甜點，該有的不能少，又不該多包裝一些不該有的。</a:t>
+              <a:t>餐的設計</a:t>
+            </a:r>
+            <a:r>
+              <a:rPr lang="zh-TW" altLang="en-US" dirty="0" smtClean="0"/>
+              <a:t>，總要</a:t>
+            </a:r>
+            <a:r>
+              <a:rPr lang="zh-TW" altLang="en-US" b="1" dirty="0" smtClean="0"/>
+              <a:t>適量</a:t>
+            </a:r>
+            <a:r>
+              <a:rPr lang="zh-TW" altLang="en-US" dirty="0" smtClean="0"/>
+              <a:t>好吃又</a:t>
+            </a:r>
+            <a:r>
+              <a:rPr lang="zh-TW" altLang="en-US" b="1" dirty="0" smtClean="0"/>
+              <a:t>完整</a:t>
+            </a:r>
+            <a:r>
+              <a:rPr lang="zh-TW" altLang="en-US" dirty="0" smtClean="0"/>
+              <a:t>，前餐到餐後甜點，該有的不能少，又不該多包裝一些不該有的。</a:t>
             </a:r>
             <a:endParaRPr lang="en-US" altLang="zh-TW" dirty="0" smtClean="0"/>
           </a:p>
@@ -8210,11 +10239,39 @@
           <a:p>
             <a:r>
               <a:rPr lang="zh-TW" altLang="en-US" dirty="0"/>
-              <a:t>用類別封裝傳統概念裡的資料結構</a:t>
-            </a:r>
-            <a:r>
-              <a:rPr lang="zh-TW" altLang="en-US" dirty="0" smtClean="0"/>
-              <a:t>，同時把演算法都包在一起，是一種很方便的做法。</a:t>
+              <a:t>用類別封裝傳統概念裡的</a:t>
+            </a:r>
+            <a:r>
+              <a:rPr lang="zh-TW" altLang="en-US" b="1" dirty="0"/>
+              <a:t>資料結構</a:t>
+            </a:r>
+            <a:r>
+              <a:rPr lang="zh-TW" altLang="en-US" dirty="0" smtClean="0"/>
+              <a:t>，同時把</a:t>
+            </a:r>
+            <a:r>
+              <a:rPr lang="zh-TW" altLang="en-US" b="1" dirty="0" smtClean="0"/>
+              <a:t>演算法</a:t>
+            </a:r>
+            <a:r>
+              <a:rPr lang="en-US" altLang="zh-TW" dirty="0" smtClean="0"/>
+              <a:t>(</a:t>
+            </a:r>
+            <a:r>
+              <a:rPr lang="zh-TW" altLang="en-US" dirty="0" smtClean="0"/>
+              <a:t>對資料的所有操作</a:t>
+            </a:r>
+            <a:r>
+              <a:rPr lang="en-US" altLang="zh-TW" dirty="0" smtClean="0"/>
+              <a:t>)</a:t>
+            </a:r>
+            <a:r>
+              <a:rPr lang="zh-TW" altLang="en-US" dirty="0" smtClean="0"/>
+              <a:t>都</a:t>
+            </a:r>
+            <a:r>
+              <a:rPr lang="zh-TW" altLang="en-US" dirty="0" smtClean="0"/>
+              <a:t>包在一起，是一種很方便的做法。</a:t>
             </a:r>
             <a:endParaRPr lang="en-US" altLang="zh-TW" dirty="0" smtClean="0"/>
           </a:p>
@@ -8388,7 +10445,11 @@
               <a:rPr lang="en-US" altLang="zh-TW" dirty="0" smtClean="0"/>
             </a:br>
             <a:r>
-              <a:rPr lang="zh-TW" altLang="en-US" b="1" dirty="0"/>
+              <a:rPr lang="en-US" altLang="zh-TW" dirty="0" smtClean="0"/>
+              <a:t>----</a:t>
+            </a:r>
+            <a:r>
+              <a:rPr lang="zh-TW" altLang="en-US" b="1" dirty="0" smtClean="0"/>
               <a:t>舞台劇</a:t>
             </a:r>
             <a:r>
@@ -8495,6 +10556,25 @@
             <a:endParaRPr lang="en-US" altLang="zh-TW" dirty="0" smtClean="0"/>
           </a:p>
           <a:p>
+            <a:r>
+              <a:rPr lang="zh-TW" altLang="en-US" dirty="0"/>
+              <a:t>寫程式就有如寫劇本</a:t>
+            </a:r>
+            <a:r>
+              <a:rPr lang="zh-TW" altLang="en-US" dirty="0" smtClean="0"/>
+              <a:t>。</a:t>
+            </a:r>
+            <a:endParaRPr lang="en-US" altLang="zh-TW" dirty="0" smtClean="0"/>
+          </a:p>
+          <a:p>
+            <a:r>
+              <a:rPr lang="zh-TW" altLang="en-US" dirty="0"/>
+              <a:t>如何讓演員完美的演出</a:t>
+            </a:r>
+            <a:r>
+              <a:rPr lang="zh-TW" altLang="en-US" dirty="0" smtClean="0"/>
+              <a:t>，就是寫程式該解決的。</a:t>
+            </a:r>
             <a:endParaRPr lang="zh-TW" altLang="en-US" dirty="0"/>
           </a:p>
         </p:txBody>
@@ -9527,8 +11607,8 @@
         </p:nvSpPr>
         <p:spPr>
           <a:xfrm>
-            <a:off x="3420258" y="5157216"/>
-            <a:ext cx="2367894" cy="1051729"/>
+            <a:off x="3420258" y="5376672"/>
+            <a:ext cx="2340462" cy="832273"/>
           </a:xfrm>
           <a:prstGeom prst="leftRightArrow">
             <a:avLst/>
@@ -9620,7 +11700,12 @@
             <p:ph idx="1"/>
           </p:nvPr>
         </p:nvSpPr>
-        <p:spPr/>
+        <p:spPr>
+          <a:xfrm>
+            <a:off x="677334" y="2160589"/>
+            <a:ext cx="8823282" cy="3880773"/>
+          </a:xfrm>
+        </p:spPr>
         <p:txBody>
           <a:bodyPr/>
           <a:lstStyle/>
@@ -9654,7 +11739,15 @@
             </a:r>
             <a:r>
               <a:rPr lang="zh-TW" altLang="en-US" dirty="0" smtClean="0"/>
-              <a:t>，例如外觀、重量、尺寸、價格</a:t>
+              <a:t>，例如</a:t>
+            </a:r>
+            <a:r>
+              <a:rPr lang="zh-TW" altLang="en-US" dirty="0" smtClean="0">
+                <a:solidFill>
+                  <a:srgbClr val="0070C0"/>
+                </a:solidFill>
+              </a:rPr>
+              <a:t>外觀、重量、尺寸、價格</a:t>
             </a:r>
             <a:r>
               <a:rPr lang="en-US" altLang="zh-TW" dirty="0" smtClean="0"/>
@@ -9688,12 +11781,59 @@
             </a:r>
             <a:r>
               <a:rPr lang="zh-TW" altLang="en-US" dirty="0" smtClean="0"/>
-              <a:t>，例如汽車的發動、關閉、前進、後退、轉彎</a:t>
+              <a:t>，例如汽車的</a:t>
+            </a:r>
+            <a:r>
+              <a:rPr lang="zh-TW" altLang="en-US" dirty="0" smtClean="0">
+                <a:solidFill>
+                  <a:srgbClr val="0070C0"/>
+                </a:solidFill>
+              </a:rPr>
+              <a:t>發動、關閉、前進、後退、轉彎</a:t>
             </a:r>
             <a:r>
               <a:rPr lang="en-US" altLang="zh-TW" dirty="0" smtClean="0"/>
               <a:t>….</a:t>
             </a:r>
+          </a:p>
+          <a:p>
+            <a:r>
+              <a:rPr lang="zh-TW" altLang="en-US" dirty="0" smtClean="0"/>
+              <a:t>描述如何發出一個關於產品的訊息</a:t>
+            </a:r>
+            <a:r>
+              <a:rPr lang="en-US" altLang="zh-TW" dirty="0" smtClean="0"/>
+              <a:t>(</a:t>
+            </a:r>
+            <a:r>
+              <a:rPr lang="zh-TW" altLang="en-US" b="1" dirty="0" smtClean="0">
+                <a:solidFill>
+                  <a:srgbClr val="C00000"/>
+                </a:solidFill>
+              </a:rPr>
+              <a:t>事件</a:t>
+            </a:r>
+            <a:r>
+              <a:rPr lang="en-US" altLang="zh-TW" dirty="0" smtClean="0"/>
+              <a:t>)</a:t>
+            </a:r>
+            <a:r>
+              <a:rPr lang="zh-TW" altLang="en-US" dirty="0" smtClean="0"/>
+              <a:t>，例如</a:t>
+            </a:r>
+            <a:r>
+              <a:rPr lang="zh-TW" altLang="en-US" dirty="0" smtClean="0">
+                <a:solidFill>
+                  <a:srgbClr val="0070C0"/>
+                </a:solidFill>
+              </a:rPr>
+              <a:t>喇叭響、方向燈閃爍、煞車燈亮</a:t>
+            </a:r>
+            <a:r>
+              <a:rPr lang="en-US" altLang="zh-TW" dirty="0" smtClean="0"/>
+              <a:t>...</a:t>
+            </a:r>
+            <a:endParaRPr lang="en-US" altLang="zh-TW" dirty="0" smtClean="0"/>
           </a:p>
           <a:p>
             <a:r>
@@ -9760,7 +11900,31 @@
           <a:p>
             <a:r>
               <a:rPr lang="zh-TW" altLang="en-US" dirty="0"/>
-              <a:t>我們才可以開真的汽車，而</a:t>
+              <a:t>我們才可以開真的</a:t>
+            </a:r>
+            <a:r>
+              <a:rPr lang="zh-TW" altLang="en-US" dirty="0" smtClean="0"/>
+              <a:t>汽車</a:t>
+            </a:r>
+            <a:r>
+              <a:rPr lang="en-US" altLang="zh-TW" dirty="0" smtClean="0"/>
+              <a:t>(</a:t>
+            </a:r>
+            <a:r>
+              <a:rPr lang="zh-TW" altLang="en-US" dirty="0" smtClean="0"/>
+              <a:t>物件</a:t>
+            </a:r>
+            <a:r>
+              <a:rPr lang="en-US" altLang="zh-TW" dirty="0" smtClean="0"/>
+              <a:t>)</a:t>
+            </a:r>
+            <a:r>
+              <a:rPr lang="zh-TW" altLang="en-US" dirty="0" smtClean="0"/>
+              <a:t>，</a:t>
+            </a:r>
+            <a:r>
+              <a:rPr lang="zh-TW" altLang="en-US" dirty="0"/>
+              <a:t>而</a:t>
             </a:r>
             <a:r>
               <a:rPr lang="zh-TW" altLang="en-US" dirty="0" smtClean="0"/>
@@ -9784,7 +11948,15 @@
             </a:r>
             <a:r>
               <a:rPr lang="en-US" altLang="zh-TW" dirty="0" smtClean="0"/>
-              <a:t>”</a:t>
+              <a:t>”(</a:t>
+            </a:r>
+            <a:r>
+              <a:rPr lang="zh-TW" altLang="en-US" dirty="0" smtClean="0"/>
+              <a:t>類別</a:t>
+            </a:r>
+            <a:r>
+              <a:rPr lang="en-US" altLang="zh-TW" dirty="0" smtClean="0"/>
+              <a:t>)</a:t>
             </a:r>
             <a:r>
               <a:rPr lang="zh-TW" altLang="en-US" dirty="0" smtClean="0"/>
@@ -9933,8 +12105,8 @@
         </p:blipFill>
         <p:spPr>
           <a:xfrm>
-            <a:off x="4059375" y="5036672"/>
-            <a:ext cx="1089659" cy="1292816"/>
+            <a:off x="4059375" y="5287336"/>
+            <a:ext cx="878385" cy="1042152"/>
           </a:xfrm>
           <a:prstGeom prst="rect">
             <a:avLst/>

--- a/LCC/Java/10_物件導向程式設計.pptx
+++ b/LCC/Java/10_物件導向程式設計.pptx
@@ -863,7 +863,7 @@
             <a:fld id="{B61BEF0D-F0BB-DE4B-95CE-6DB70DBA9567}" type="datetimeFigureOut">
               <a:rPr lang="en-US" dirty="0"/>
               <a:pPr/>
-              <a:t>1/22/2021</a:t>
+              <a:t>3/24/2021</a:t>
             </a:fld>
             <a:endParaRPr lang="en-US" dirty="0"/>
           </a:p>
@@ -1111,7 +1111,7 @@
             <a:fld id="{B61BEF0D-F0BB-DE4B-95CE-6DB70DBA9567}" type="datetimeFigureOut">
               <a:rPr lang="en-US" dirty="0"/>
               <a:pPr/>
-              <a:t>1/22/2021</a:t>
+              <a:t>3/24/2021</a:t>
             </a:fld>
             <a:endParaRPr lang="en-US" dirty="0"/>
           </a:p>
@@ -1422,7 +1422,7 @@
             <a:fld id="{B61BEF0D-F0BB-DE4B-95CE-6DB70DBA9567}" type="datetimeFigureOut">
               <a:rPr lang="en-US" dirty="0"/>
               <a:pPr/>
-              <a:t>1/22/2021</a:t>
+              <a:t>3/24/2021</a:t>
             </a:fld>
             <a:endParaRPr lang="en-US" dirty="0"/>
           </a:p>
@@ -1760,7 +1760,7 @@
             <a:fld id="{B61BEF0D-F0BB-DE4B-95CE-6DB70DBA9567}" type="datetimeFigureOut">
               <a:rPr lang="en-US" dirty="0"/>
               <a:pPr/>
-              <a:t>1/22/2021</a:t>
+              <a:t>3/24/2021</a:t>
             </a:fld>
             <a:endParaRPr lang="en-US" dirty="0"/>
           </a:p>
@@ -2071,7 +2071,7 @@
             <a:fld id="{B61BEF0D-F0BB-DE4B-95CE-6DB70DBA9567}" type="datetimeFigureOut">
               <a:rPr lang="en-US" dirty="0"/>
               <a:pPr/>
-              <a:t>1/22/2021</a:t>
+              <a:t>3/24/2021</a:t>
             </a:fld>
             <a:endParaRPr lang="en-US" dirty="0"/>
           </a:p>
@@ -2461,7 +2461,7 @@
             <a:fld id="{B61BEF0D-F0BB-DE4B-95CE-6DB70DBA9567}" type="datetimeFigureOut">
               <a:rPr lang="en-US" dirty="0"/>
               <a:pPr/>
-              <a:t>1/22/2021</a:t>
+              <a:t>3/24/2021</a:t>
             </a:fld>
             <a:endParaRPr lang="en-US" dirty="0"/>
           </a:p>
@@ -2627,7 +2627,7 @@
           <a:p>
             <a:fld id="{55C6B4A9-1611-4792-9094-5F34BCA07E0B}" type="datetimeFigureOut">
               <a:rPr lang="en-US" dirty="0"/>
-              <a:t>1/22/2021</a:t>
+              <a:t>3/24/2021</a:t>
             </a:fld>
             <a:endParaRPr lang="en-US" dirty="0"/>
           </a:p>
@@ -2803,7 +2803,7 @@
             <a:fld id="{B61BEF0D-F0BB-DE4B-95CE-6DB70DBA9567}" type="datetimeFigureOut">
               <a:rPr lang="en-US" dirty="0"/>
               <a:pPr/>
-              <a:t>1/22/2021</a:t>
+              <a:t>3/24/2021</a:t>
             </a:fld>
             <a:endParaRPr lang="en-US" dirty="0"/>
           </a:p>
@@ -3000,7 +3000,7 @@
             <a:fld id="{B61BEF0D-F0BB-DE4B-95CE-6DB70DBA9567}" type="datetimeFigureOut">
               <a:rPr lang="en-US" dirty="0"/>
               <a:pPr/>
-              <a:t>1/22/2021</a:t>
+              <a:t>3/24/2021</a:t>
             </a:fld>
             <a:endParaRPr lang="en-US" dirty="0"/>
           </a:p>
@@ -3273,7 +3273,7 @@
             <a:fld id="{B61BEF0D-F0BB-DE4B-95CE-6DB70DBA9567}" type="datetimeFigureOut">
               <a:rPr lang="en-US" dirty="0"/>
               <a:pPr/>
-              <a:t>1/22/2021</a:t>
+              <a:t>3/24/2021</a:t>
             </a:fld>
             <a:endParaRPr lang="en-US" dirty="0"/>
           </a:p>
@@ -3501,7 +3501,7 @@
           <a:p>
             <a:fld id="{EB712588-04B1-427B-82EE-E8DB90309F08}" type="datetimeFigureOut">
               <a:rPr lang="en-US" dirty="0"/>
-              <a:t>1/22/2021</a:t>
+              <a:t>3/24/2021</a:t>
             </a:fld>
             <a:endParaRPr lang="en-US" dirty="0"/>
           </a:p>
@@ -3900,7 +3900,7 @@
             <a:fld id="{B61BEF0D-F0BB-DE4B-95CE-6DB70DBA9567}" type="datetimeFigureOut">
               <a:rPr lang="en-US" dirty="0"/>
               <a:pPr/>
-              <a:t>1/22/2021</a:t>
+              <a:t>3/24/2021</a:t>
             </a:fld>
             <a:endParaRPr lang="en-US" dirty="0"/>
           </a:p>
@@ -4049,7 +4049,7 @@
             <a:fld id="{B61BEF0D-F0BB-DE4B-95CE-6DB70DBA9567}" type="datetimeFigureOut">
               <a:rPr lang="en-US" dirty="0"/>
               <a:pPr/>
-              <a:t>1/22/2021</a:t>
+              <a:t>3/24/2021</a:t>
             </a:fld>
             <a:endParaRPr lang="en-US" dirty="0"/>
           </a:p>
@@ -4141,7 +4141,7 @@
             <a:fld id="{B61BEF0D-F0BB-DE4B-95CE-6DB70DBA9567}" type="datetimeFigureOut">
               <a:rPr lang="en-US" dirty="0"/>
               <a:pPr/>
-              <a:t>1/22/2021</a:t>
+              <a:t>3/24/2021</a:t>
             </a:fld>
             <a:endParaRPr lang="en-US" dirty="0"/>
           </a:p>
@@ -4392,7 +4392,7 @@
           <a:p>
             <a:fld id="{42A54C80-263E-416B-A8E0-580EDEADCBDC}" type="datetimeFigureOut">
               <a:rPr lang="en-US" dirty="0"/>
-              <a:t>1/22/2021</a:t>
+              <a:t>3/24/2021</a:t>
             </a:fld>
             <a:endParaRPr lang="en-US" dirty="0"/>
           </a:p>
@@ -4651,7 +4651,7 @@
             <a:fld id="{B61BEF0D-F0BB-DE4B-95CE-6DB70DBA9567}" type="datetimeFigureOut">
               <a:rPr lang="en-US" dirty="0"/>
               <a:pPr/>
-              <a:t>1/22/2021</a:t>
+              <a:t>3/24/2021</a:t>
             </a:fld>
             <a:endParaRPr lang="en-US" dirty="0"/>
           </a:p>
@@ -5391,7 +5391,7 @@
             <a:fld id="{B61BEF0D-F0BB-DE4B-95CE-6DB70DBA9567}" type="datetimeFigureOut">
               <a:rPr lang="en-US" dirty="0"/>
               <a:pPr/>
-              <a:t>1/22/2021</a:t>
+              <a:t>3/24/2021</a:t>
             </a:fld>
             <a:endParaRPr lang="en-US" dirty="0"/>
           </a:p>
@@ -6001,7 +6001,7 @@
             <a:fld id="{4805910D-2C61-424F-80CE-807290CF0E1E}" type="datetime4">
               <a:rPr lang="zh-TW" altLang="zh-TW"/>
               <a:pPr/>
-              <a:t>110年1月22日星期五</a:t>
+              <a:t>110年3月24日星期三</a:t>
             </a:fld>
             <a:endParaRPr lang="zh-TW" altLang="en-US" dirty="0"/>
           </a:p>
@@ -7341,7 +7341,7 @@
         <p:spPr>
           <a:xfrm>
             <a:off x="1306286" y="2565918"/>
-            <a:ext cx="2723823" cy="369332"/>
+            <a:ext cx="4108817" cy="369332"/>
           </a:xfrm>
           <a:prstGeom prst="rect">
             <a:avLst/>
@@ -7368,9 +7368,33 @@
                   <a:srgbClr val="0070C0"/>
                 </a:solidFill>
               </a:rPr>
-              <a:t>帳號、戶名、金額</a:t>
-            </a:r>
-            <a:endParaRPr lang="en-US" altLang="zh-TW" b="1" dirty="0" smtClean="0">
+              <a:t>帳號、戶名、</a:t>
+            </a:r>
+            <a:r>
+              <a:rPr lang="zh-TW" altLang="en-US" b="1" dirty="0" smtClean="0">
+                <a:solidFill>
+                  <a:srgbClr val="0070C0"/>
+                </a:solidFill>
+              </a:rPr>
+              <a:t>金額</a:t>
+            </a:r>
+            <a:r>
+              <a:rPr lang="zh-TW" altLang="en-US" b="1" smtClean="0">
+                <a:solidFill>
+                  <a:srgbClr val="0070C0"/>
+                </a:solidFill>
+              </a:rPr>
+              <a:t>、密碼</a:t>
+            </a:r>
+            <a:r>
+              <a:rPr lang="zh-TW" altLang="en-US" b="1">
+                <a:solidFill>
+                  <a:srgbClr val="0070C0"/>
+                </a:solidFill>
+              </a:rPr>
+              <a:t>、幣別</a:t>
+            </a:r>
+            <a:endParaRPr lang="en-US" altLang="zh-TW" b="1" smtClean="0">
               <a:solidFill>
                 <a:srgbClr val="0070C0"/>
               </a:solidFill>
@@ -8278,7 +8302,23 @@
             </a:r>
             <a:r>
               <a:rPr lang="zh-TW" altLang="en-US" dirty="0" smtClean="0"/>
-              <a:t> ：餘額</a:t>
+              <a:t> ：</a:t>
+            </a:r>
+            <a:r>
+              <a:rPr lang="zh-TW" altLang="en-US" dirty="0" smtClean="0"/>
+              <a:t>餘額</a:t>
+            </a:r>
+            <a:endParaRPr lang="en-US" altLang="zh-TW" dirty="0" smtClean="0"/>
+          </a:p>
+          <a:p>
+            <a:pPr lvl="1"/>
+            <a:r>
+              <a:rPr lang="en-US" altLang="zh-TW" dirty="0" smtClean="0"/>
+              <a:t>password</a:t>
+            </a:r>
+            <a:r>
+              <a:rPr lang="zh-TW" altLang="en-US" dirty="0" smtClean="0"/>
+              <a:t>：密碼</a:t>
             </a:r>
             <a:endParaRPr lang="en-US" altLang="zh-TW" dirty="0"/>
           </a:p>
@@ -8496,8 +8536,8 @@
         </p:nvCxnSpPr>
         <p:spPr>
           <a:xfrm flipV="1">
-            <a:off x="4454960" y="3067009"/>
-            <a:ext cx="1662376" cy="1105599"/>
+            <a:off x="4381808" y="3109790"/>
+            <a:ext cx="1735528" cy="1318289"/>
           </a:xfrm>
           <a:prstGeom prst="straightConnector1">
             <a:avLst/>
@@ -8532,8 +8572,8 @@
         </p:nvCxnSpPr>
         <p:spPr>
           <a:xfrm flipV="1">
-            <a:off x="4778162" y="4043398"/>
-            <a:ext cx="1339174" cy="522416"/>
+            <a:off x="4616561" y="4171902"/>
+            <a:ext cx="1500775" cy="742990"/>
           </a:xfrm>
           <a:prstGeom prst="straightConnector1">
             <a:avLst/>
@@ -8567,9 +8607,9 @@
           <p:nvPr/>
         </p:nvCxnSpPr>
         <p:spPr>
-          <a:xfrm>
-            <a:off x="3831336" y="5000538"/>
-            <a:ext cx="2286000" cy="19518"/>
+          <a:xfrm flipV="1">
+            <a:off x="3832668" y="5097226"/>
+            <a:ext cx="2284668" cy="336155"/>
           </a:xfrm>
           <a:prstGeom prst="straightConnector1">
             <a:avLst/>
@@ -9863,15 +9903,7 @@
             </a:r>
             <a:r>
               <a:rPr lang="zh-TW" altLang="en-US" dirty="0" smtClean="0"/>
-              <a:t>，不會有</a:t>
-            </a:r>
-            <a:r>
-              <a:rPr lang="zh-TW" altLang="en-US" dirty="0" smtClean="0"/>
-              <a:t>互相干擾</a:t>
-            </a:r>
-            <a:r>
-              <a:rPr lang="zh-TW" altLang="en-US" dirty="0" smtClean="0"/>
-              <a:t>產生的錯誤</a:t>
+              <a:t>，不會有互相干擾產生的錯誤</a:t>
             </a:r>
             <a:endParaRPr lang="en-US" altLang="zh-TW" dirty="0" smtClean="0"/>
           </a:p>
@@ -10267,11 +10299,7 @@
             </a:r>
             <a:r>
               <a:rPr lang="zh-TW" altLang="en-US" dirty="0" smtClean="0"/>
-              <a:t>都</a:t>
-            </a:r>
-            <a:r>
-              <a:rPr lang="zh-TW" altLang="en-US" dirty="0" smtClean="0"/>
-              <a:t>包在一起，是一種很方便的做法。</a:t>
+              <a:t>都包在一起，是一種很方便的做法。</a:t>
             </a:r>
             <a:endParaRPr lang="en-US" altLang="zh-TW" dirty="0" smtClean="0"/>
           </a:p>
@@ -11833,7 +11861,6 @@
               <a:rPr lang="en-US" altLang="zh-TW" dirty="0" smtClean="0"/>
               <a:t>...</a:t>
             </a:r>
-            <a:endParaRPr lang="en-US" altLang="zh-TW" dirty="0" smtClean="0"/>
           </a:p>
           <a:p>
             <a:r>

--- a/LCC/Java/10_物件導向程式設計.pptx
+++ b/LCC/Java/10_物件導向程式設計.pptx
@@ -23,6 +23,15 @@
     <p:sldId id="275" r:id="rId17"/>
     <p:sldId id="276" r:id="rId18"/>
     <p:sldId id="277" r:id="rId19"/>
+    <p:sldId id="282" r:id="rId20"/>
+    <p:sldId id="278" r:id="rId21"/>
+    <p:sldId id="279" r:id="rId22"/>
+    <p:sldId id="280" r:id="rId23"/>
+    <p:sldId id="281" r:id="rId24"/>
+    <p:sldId id="283" r:id="rId25"/>
+    <p:sldId id="284" r:id="rId26"/>
+    <p:sldId id="285" r:id="rId27"/>
+    <p:sldId id="286" r:id="rId28"/>
   </p:sldIdLst>
   <p:sldSz cx="12192000" cy="6858000"/>
   <p:notesSz cx="6858000" cy="9144000"/>
@@ -863,7 +872,7 @@
             <a:fld id="{B61BEF0D-F0BB-DE4B-95CE-6DB70DBA9567}" type="datetimeFigureOut">
               <a:rPr lang="en-US" dirty="0"/>
               <a:pPr/>
-              <a:t>3/24/2021</a:t>
+              <a:t>9/15/2021</a:t>
             </a:fld>
             <a:endParaRPr lang="en-US" dirty="0"/>
           </a:p>
@@ -1111,7 +1120,7 @@
             <a:fld id="{B61BEF0D-F0BB-DE4B-95CE-6DB70DBA9567}" type="datetimeFigureOut">
               <a:rPr lang="en-US" dirty="0"/>
               <a:pPr/>
-              <a:t>3/24/2021</a:t>
+              <a:t>9/15/2021</a:t>
             </a:fld>
             <a:endParaRPr lang="en-US" dirty="0"/>
           </a:p>
@@ -1422,7 +1431,7 @@
             <a:fld id="{B61BEF0D-F0BB-DE4B-95CE-6DB70DBA9567}" type="datetimeFigureOut">
               <a:rPr lang="en-US" dirty="0"/>
               <a:pPr/>
-              <a:t>3/24/2021</a:t>
+              <a:t>9/15/2021</a:t>
             </a:fld>
             <a:endParaRPr lang="en-US" dirty="0"/>
           </a:p>
@@ -1760,7 +1769,7 @@
             <a:fld id="{B61BEF0D-F0BB-DE4B-95CE-6DB70DBA9567}" type="datetimeFigureOut">
               <a:rPr lang="en-US" dirty="0"/>
               <a:pPr/>
-              <a:t>3/24/2021</a:t>
+              <a:t>9/15/2021</a:t>
             </a:fld>
             <a:endParaRPr lang="en-US" dirty="0"/>
           </a:p>
@@ -2071,7 +2080,7 @@
             <a:fld id="{B61BEF0D-F0BB-DE4B-95CE-6DB70DBA9567}" type="datetimeFigureOut">
               <a:rPr lang="en-US" dirty="0"/>
               <a:pPr/>
-              <a:t>3/24/2021</a:t>
+              <a:t>9/15/2021</a:t>
             </a:fld>
             <a:endParaRPr lang="en-US" dirty="0"/>
           </a:p>
@@ -2461,7 +2470,7 @@
             <a:fld id="{B61BEF0D-F0BB-DE4B-95CE-6DB70DBA9567}" type="datetimeFigureOut">
               <a:rPr lang="en-US" dirty="0"/>
               <a:pPr/>
-              <a:t>3/24/2021</a:t>
+              <a:t>9/15/2021</a:t>
             </a:fld>
             <a:endParaRPr lang="en-US" dirty="0"/>
           </a:p>
@@ -2627,7 +2636,7 @@
           <a:p>
             <a:fld id="{55C6B4A9-1611-4792-9094-5F34BCA07E0B}" type="datetimeFigureOut">
               <a:rPr lang="en-US" dirty="0"/>
-              <a:t>3/24/2021</a:t>
+              <a:t>9/15/2021</a:t>
             </a:fld>
             <a:endParaRPr lang="en-US" dirty="0"/>
           </a:p>
@@ -2803,7 +2812,7 @@
             <a:fld id="{B61BEF0D-F0BB-DE4B-95CE-6DB70DBA9567}" type="datetimeFigureOut">
               <a:rPr lang="en-US" dirty="0"/>
               <a:pPr/>
-              <a:t>3/24/2021</a:t>
+              <a:t>9/15/2021</a:t>
             </a:fld>
             <a:endParaRPr lang="en-US" dirty="0"/>
           </a:p>
@@ -3000,7 +3009,7 @@
             <a:fld id="{B61BEF0D-F0BB-DE4B-95CE-6DB70DBA9567}" type="datetimeFigureOut">
               <a:rPr lang="en-US" dirty="0"/>
               <a:pPr/>
-              <a:t>3/24/2021</a:t>
+              <a:t>9/15/2021</a:t>
             </a:fld>
             <a:endParaRPr lang="en-US" dirty="0"/>
           </a:p>
@@ -3273,7 +3282,7 @@
             <a:fld id="{B61BEF0D-F0BB-DE4B-95CE-6DB70DBA9567}" type="datetimeFigureOut">
               <a:rPr lang="en-US" dirty="0"/>
               <a:pPr/>
-              <a:t>3/24/2021</a:t>
+              <a:t>9/15/2021</a:t>
             </a:fld>
             <a:endParaRPr lang="en-US" dirty="0"/>
           </a:p>
@@ -3501,7 +3510,7 @@
           <a:p>
             <a:fld id="{EB712588-04B1-427B-82EE-E8DB90309F08}" type="datetimeFigureOut">
               <a:rPr lang="en-US" dirty="0"/>
-              <a:t>3/24/2021</a:t>
+              <a:t>9/15/2021</a:t>
             </a:fld>
             <a:endParaRPr lang="en-US" dirty="0"/>
           </a:p>
@@ -3900,7 +3909,7 @@
             <a:fld id="{B61BEF0D-F0BB-DE4B-95CE-6DB70DBA9567}" type="datetimeFigureOut">
               <a:rPr lang="en-US" dirty="0"/>
               <a:pPr/>
-              <a:t>3/24/2021</a:t>
+              <a:t>9/15/2021</a:t>
             </a:fld>
             <a:endParaRPr lang="en-US" dirty="0"/>
           </a:p>
@@ -4049,7 +4058,7 @@
             <a:fld id="{B61BEF0D-F0BB-DE4B-95CE-6DB70DBA9567}" type="datetimeFigureOut">
               <a:rPr lang="en-US" dirty="0"/>
               <a:pPr/>
-              <a:t>3/24/2021</a:t>
+              <a:t>9/15/2021</a:t>
             </a:fld>
             <a:endParaRPr lang="en-US" dirty="0"/>
           </a:p>
@@ -4141,7 +4150,7 @@
             <a:fld id="{B61BEF0D-F0BB-DE4B-95CE-6DB70DBA9567}" type="datetimeFigureOut">
               <a:rPr lang="en-US" dirty="0"/>
               <a:pPr/>
-              <a:t>3/24/2021</a:t>
+              <a:t>9/15/2021</a:t>
             </a:fld>
             <a:endParaRPr lang="en-US" dirty="0"/>
           </a:p>
@@ -4392,7 +4401,7 @@
           <a:p>
             <a:fld id="{42A54C80-263E-416B-A8E0-580EDEADCBDC}" type="datetimeFigureOut">
               <a:rPr lang="en-US" dirty="0"/>
-              <a:t>3/24/2021</a:t>
+              <a:t>9/15/2021</a:t>
             </a:fld>
             <a:endParaRPr lang="en-US" dirty="0"/>
           </a:p>
@@ -4651,7 +4660,7 @@
             <a:fld id="{B61BEF0D-F0BB-DE4B-95CE-6DB70DBA9567}" type="datetimeFigureOut">
               <a:rPr lang="en-US" dirty="0"/>
               <a:pPr/>
-              <a:t>3/24/2021</a:t>
+              <a:t>9/15/2021</a:t>
             </a:fld>
             <a:endParaRPr lang="en-US" dirty="0"/>
           </a:p>
@@ -5391,7 +5400,7 @@
             <a:fld id="{B61BEF0D-F0BB-DE4B-95CE-6DB70DBA9567}" type="datetimeFigureOut">
               <a:rPr lang="en-US" dirty="0"/>
               <a:pPr/>
-              <a:t>3/24/2021</a:t>
+              <a:t>9/15/2021</a:t>
             </a:fld>
             <a:endParaRPr lang="en-US" dirty="0"/>
           </a:p>
@@ -6001,7 +6010,7 @@
             <a:fld id="{4805910D-2C61-424F-80CE-807290CF0E1E}" type="datetime4">
               <a:rPr lang="zh-TW" altLang="zh-TW"/>
               <a:pPr/>
-              <a:t>110年3月24日星期三</a:t>
+              <a:t>110年9月15日星期三</a:t>
             </a:fld>
             <a:endParaRPr lang="zh-TW" altLang="en-US" dirty="0"/>
           </a:p>
@@ -6132,7 +6141,7 @@
         <p:spPr/>
         <p:txBody>
           <a:bodyPr>
-            <a:normAutofit lnSpcReduction="10000"/>
+            <a:normAutofit fontScale="92500" lnSpcReduction="20000"/>
           </a:bodyPr>
           <a:lstStyle/>
           <a:p>
@@ -6259,9 +6268,53 @@
             </a:r>
             <a:r>
               <a:rPr lang="zh-TW" altLang="en-US" dirty="0" smtClean="0"/>
-              <a:t>世界，是一連串的事件影響彼此，同步運行。也像舞台劇或電視劇，一個事件導致另一個事件。</a:t>
-            </a:r>
-            <a:endParaRPr lang="zh-TW" altLang="en-US" dirty="0"/>
+              <a:t>世界，是一連串的事件影響彼此，同步運行。也像舞台劇或電視劇，一個事件導致另一個事件</a:t>
+            </a:r>
+            <a:r>
+              <a:rPr lang="zh-TW" altLang="en-US" dirty="0" smtClean="0"/>
+              <a:t>。</a:t>
+            </a:r>
+            <a:endParaRPr lang="en-US" altLang="zh-TW" dirty="0" smtClean="0"/>
+          </a:p>
+          <a:p>
+            <a:pPr lvl="1"/>
+            <a:r>
+              <a:rPr lang="zh-TW" altLang="en-US" dirty="0">
+                <a:solidFill>
+                  <a:schemeClr val="accent5">
+                    <a:lumMod val="75000"/>
+                  </a:schemeClr>
+                </a:solidFill>
+              </a:rPr>
+              <a:t>事件的寫法在</a:t>
+            </a:r>
+            <a:r>
+              <a:rPr lang="en-US" altLang="zh-TW" dirty="0">
+                <a:solidFill>
+                  <a:schemeClr val="accent5">
+                    <a:lumMod val="75000"/>
+                  </a:schemeClr>
+                </a:solidFill>
+              </a:rPr>
+              <a:t>Java</a:t>
+            </a:r>
+            <a:r>
+              <a:rPr lang="zh-TW" altLang="en-US" dirty="0">
+                <a:solidFill>
+                  <a:schemeClr val="accent5">
+                    <a:lumMod val="75000"/>
+                  </a:schemeClr>
+                </a:solidFill>
+              </a:rPr>
+              <a:t>中較為複雜的，在後面一點的課程再詳細解說。</a:t>
+            </a:r>
+            <a:endParaRPr lang="zh-TW" altLang="en-US" dirty="0">
+              <a:solidFill>
+                <a:schemeClr val="accent5">
+                  <a:lumMod val="75000"/>
+                </a:schemeClr>
+              </a:solidFill>
+            </a:endParaRPr>
           </a:p>
         </p:txBody>
       </p:sp>
@@ -6273,7 +6326,7 @@
         </p:nvGrpSpPr>
         <p:grpSpPr>
           <a:xfrm>
-            <a:off x="7346251" y="1763458"/>
+            <a:off x="7320614" y="1720729"/>
             <a:ext cx="4439031" cy="3038475"/>
             <a:chOff x="2408491" y="1214818"/>
             <a:chExt cx="4439031" cy="3038475"/>
@@ -6933,7 +6986,23 @@
                   <a:srgbClr val="C00000"/>
                 </a:solidFill>
               </a:rPr>
-              <a:t>也許產生事件，</a:t>
+              <a:t>也許產生</a:t>
+            </a:r>
+            <a:r>
+              <a:rPr lang="zh-TW" altLang="en-US" b="1" dirty="0" smtClean="0">
+                <a:solidFill>
+                  <a:srgbClr val="C00000"/>
+                </a:solidFill>
+              </a:rPr>
+              <a:t>事件</a:t>
+            </a:r>
+            <a:r>
+              <a:rPr lang="zh-TW" altLang="en-US" dirty="0" smtClean="0">
+                <a:solidFill>
+                  <a:srgbClr val="C00000"/>
+                </a:solidFill>
+              </a:rPr>
+              <a:t>，</a:t>
             </a:r>
             <a:endParaRPr lang="en-US" altLang="zh-TW" dirty="0" smtClean="0">
               <a:solidFill>
@@ -7368,15 +7437,7 @@
                   <a:srgbClr val="0070C0"/>
                 </a:solidFill>
               </a:rPr>
-              <a:t>帳號、戶名、</a:t>
-            </a:r>
-            <a:r>
-              <a:rPr lang="zh-TW" altLang="en-US" b="1" dirty="0" smtClean="0">
-                <a:solidFill>
-                  <a:srgbClr val="0070C0"/>
-                </a:solidFill>
-              </a:rPr>
-              <a:t>金額</a:t>
+              <a:t>帳號、戶名、金額</a:t>
             </a:r>
             <a:r>
               <a:rPr lang="zh-TW" altLang="en-US" b="1" smtClean="0">
@@ -8126,6 +8187,42 @@
           </a:prstGeom>
         </p:spPr>
       </p:pic>
+      <p:cxnSp>
+        <p:nvCxnSpPr>
+          <p:cNvPr id="9" name="直線單箭頭接點 8"/>
+          <p:cNvCxnSpPr/>
+          <p:nvPr/>
+        </p:nvCxnSpPr>
+        <p:spPr>
+          <a:xfrm>
+            <a:off x="6366617" y="3375589"/>
+            <a:ext cx="1940707" cy="1237363"/>
+          </a:xfrm>
+          <a:prstGeom prst="straightConnector1">
+            <a:avLst/>
+          </a:prstGeom>
+          <a:ln>
+            <a:solidFill>
+              <a:srgbClr val="FF0000"/>
+            </a:solidFill>
+            <a:tailEnd type="triangle"/>
+          </a:ln>
+        </p:spPr>
+        <p:style>
+          <a:lnRef idx="1">
+            <a:schemeClr val="accent1"/>
+          </a:lnRef>
+          <a:fillRef idx="0">
+            <a:schemeClr val="accent1"/>
+          </a:fillRef>
+          <a:effectRef idx="0">
+            <a:schemeClr val="accent1"/>
+          </a:effectRef>
+          <a:fontRef idx="minor">
+            <a:schemeClr val="tx1"/>
+          </a:fontRef>
+        </p:style>
+      </p:cxnSp>
     </p:spTree>
     <p:extLst>
       <p:ext uri="{BB962C8B-B14F-4D97-AF65-F5344CB8AC3E}">
@@ -8302,11 +8399,7 @@
             </a:r>
             <a:r>
               <a:rPr lang="zh-TW" altLang="en-US" dirty="0" smtClean="0"/>
-              <a:t> ：</a:t>
-            </a:r>
-            <a:r>
-              <a:rPr lang="zh-TW" altLang="en-US" dirty="0" smtClean="0"/>
-              <a:t>餘額</a:t>
+              <a:t> ：餘額</a:t>
             </a:r>
             <a:endParaRPr lang="en-US" altLang="zh-TW" dirty="0" smtClean="0"/>
           </a:p>
@@ -8646,6 +8739,13 @@
   <p:clrMapOvr>
     <a:masterClrMapping/>
   </p:clrMapOvr>
+  <p:timing>
+    <p:tnLst>
+      <p:par>
+        <p:cTn id="1" dur="indefinite" restart="never" nodeType="tmRoot"/>
+      </p:par>
+    </p:tnLst>
+  </p:timing>
 </p:sld>
 </file>
 
@@ -9028,6 +9128,13 @@
   <p:clrMapOvr>
     <a:masterClrMapping/>
   </p:clrMapOvr>
+  <p:timing>
+    <p:tnLst>
+      <p:par>
+        <p:cTn id="1" dur="indefinite" restart="never" nodeType="tmRoot"/>
+      </p:par>
+    </p:tnLst>
+  </p:timing>
 </p:sld>
 </file>
 
@@ -9193,6 +9300,13 @@
   <p:clrMapOvr>
     <a:masterClrMapping/>
   </p:clrMapOvr>
+  <p:timing>
+    <p:tnLst>
+      <p:par>
+        <p:cTn id="1" dur="indefinite" restart="never" nodeType="tmRoot"/>
+      </p:par>
+    </p:tnLst>
+  </p:timing>
 </p:sld>
 </file>
 
@@ -9627,6 +9741,363 @@
   <p:clrMapOvr>
     <a:masterClrMapping/>
   </p:clrMapOvr>
+  <p:timing>
+    <p:tnLst>
+      <p:par>
+        <p:cTn id="1" dur="indefinite" restart="never" nodeType="tmRoot"/>
+      </p:par>
+    </p:tnLst>
+  </p:timing>
+</p:sld>
+</file>
+
+<file path=ppt/slides/slide19.xml><?xml version="1.0" encoding="utf-8"?>
+<p:sld xmlns:a="http://schemas.openxmlformats.org/drawingml/2006/main" xmlns:r="http://schemas.openxmlformats.org/officeDocument/2006/relationships" xmlns:p="http://schemas.openxmlformats.org/presentationml/2006/main">
+  <p:cSld>
+    <p:spTree>
+      <p:nvGrpSpPr>
+        <p:cNvPr id="1" name=""/>
+        <p:cNvGrpSpPr/>
+        <p:nvPr/>
+      </p:nvGrpSpPr>
+      <p:grpSpPr>
+        <a:xfrm>
+          <a:off x="0" y="0"/>
+          <a:ext cx="0" cy="0"/>
+          <a:chOff x="0" y="0"/>
+          <a:chExt cx="0" cy="0"/>
+        </a:xfrm>
+      </p:grpSpPr>
+      <p:sp>
+        <p:nvSpPr>
+          <p:cNvPr id="2" name="標題 1"/>
+          <p:cNvSpPr>
+            <a:spLocks noGrp="1"/>
+          </p:cNvSpPr>
+          <p:nvPr>
+            <p:ph type="title"/>
+          </p:nvPr>
+        </p:nvSpPr>
+        <p:spPr/>
+        <p:txBody>
+          <a:bodyPr/>
+          <a:lstStyle/>
+          <a:p>
+            <a:r>
+              <a:rPr lang="zh-TW" altLang="en-US" dirty="0" smtClean="0"/>
+              <a:t>再次複習物件導向的概念</a:t>
+            </a:r>
+            <a:endParaRPr lang="zh-TW" altLang="en-US" dirty="0"/>
+          </a:p>
+        </p:txBody>
+      </p:sp>
+      <p:sp>
+        <p:nvSpPr>
+          <p:cNvPr id="3" name="內容版面配置區 2"/>
+          <p:cNvSpPr>
+            <a:spLocks noGrp="1"/>
+          </p:cNvSpPr>
+          <p:nvPr>
+            <p:ph idx="1"/>
+          </p:nvPr>
+        </p:nvSpPr>
+        <p:spPr>
+          <a:xfrm>
+            <a:off x="677334" y="2160589"/>
+            <a:ext cx="6936969" cy="3880773"/>
+          </a:xfrm>
+        </p:spPr>
+        <p:txBody>
+          <a:bodyPr/>
+          <a:lstStyle/>
+          <a:p>
+            <a:r>
+              <a:rPr lang="zh-TW" altLang="en-US" dirty="0" smtClean="0"/>
+              <a:t>屬性：</a:t>
+            </a:r>
+            <a:endParaRPr lang="en-US" altLang="zh-TW" dirty="0" smtClean="0"/>
+          </a:p>
+          <a:p>
+            <a:pPr lvl="1"/>
+            <a:r>
+              <a:rPr lang="zh-TW" altLang="en-US" dirty="0" smtClean="0"/>
+              <a:t>公開的：地址</a:t>
+            </a:r>
+            <a:r>
+              <a:rPr lang="zh-TW" altLang="en-US" dirty="0"/>
+              <a:t>、房子</a:t>
+            </a:r>
+            <a:r>
+              <a:rPr lang="zh-TW" altLang="en-US" dirty="0" smtClean="0"/>
+              <a:t>顏色、窗戶樣式</a:t>
+            </a:r>
+            <a:r>
+              <a:rPr lang="zh-TW" altLang="en-US" dirty="0"/>
+              <a:t>、門的</a:t>
+            </a:r>
+            <a:r>
+              <a:rPr lang="zh-TW" altLang="en-US" dirty="0" smtClean="0"/>
+              <a:t>樣式</a:t>
+            </a:r>
+            <a:r>
+              <a:rPr lang="en-US" altLang="zh-TW" dirty="0" smtClean="0"/>
+              <a:t>….</a:t>
+            </a:r>
+          </a:p>
+          <a:p>
+            <a:pPr lvl="1"/>
+            <a:r>
+              <a:rPr lang="zh-TW" altLang="en-US" dirty="0"/>
+              <a:t>私有的</a:t>
+            </a:r>
+            <a:r>
+              <a:rPr lang="zh-TW" altLang="en-US" dirty="0" smtClean="0"/>
+              <a:t>：電視機型號、洗衣機廠牌、浴室牆壁顏色</a:t>
+            </a:r>
+            <a:r>
+              <a:rPr lang="en-US" altLang="zh-TW" dirty="0" smtClean="0"/>
+              <a:t>….</a:t>
+            </a:r>
+          </a:p>
+          <a:p>
+            <a:r>
+              <a:rPr lang="zh-TW" altLang="en-US" dirty="0"/>
+              <a:t>方法</a:t>
+            </a:r>
+            <a:r>
+              <a:rPr lang="zh-TW" altLang="en-US" dirty="0" smtClean="0"/>
+              <a:t>：</a:t>
+            </a:r>
+            <a:endParaRPr lang="en-US" altLang="zh-TW" dirty="0" smtClean="0"/>
+          </a:p>
+          <a:p>
+            <a:pPr lvl="1"/>
+            <a:r>
+              <a:rPr lang="zh-TW" altLang="en-US" dirty="0"/>
+              <a:t>公開的</a:t>
+            </a:r>
+            <a:r>
+              <a:rPr lang="zh-TW" altLang="en-US" dirty="0" smtClean="0"/>
+              <a:t>：電鈴可以按、電話可以打、門可以敲、窗戶可以丟石頭</a:t>
+            </a:r>
+            <a:r>
+              <a:rPr lang="en-US" altLang="zh-TW" dirty="0" smtClean="0"/>
+              <a:t>…</a:t>
+            </a:r>
+          </a:p>
+          <a:p>
+            <a:pPr lvl="1"/>
+            <a:r>
+              <a:rPr lang="zh-TW" altLang="en-US" dirty="0"/>
+              <a:t>私有的</a:t>
+            </a:r>
+            <a:r>
+              <a:rPr lang="zh-TW" altLang="en-US" dirty="0" smtClean="0"/>
+              <a:t>：開關電視、電燈、瓦斯爐、冷氣、冰箱</a:t>
+            </a:r>
+            <a:r>
+              <a:rPr lang="en-US" altLang="zh-TW" dirty="0" smtClean="0"/>
+              <a:t>….</a:t>
+            </a:r>
+          </a:p>
+          <a:p>
+            <a:r>
+              <a:rPr lang="zh-TW" altLang="en-US" dirty="0"/>
+              <a:t>事件</a:t>
+            </a:r>
+            <a:r>
+              <a:rPr lang="zh-TW" altLang="en-US" dirty="0" smtClean="0"/>
+              <a:t>：</a:t>
+            </a:r>
+            <a:endParaRPr lang="en-US" altLang="zh-TW" dirty="0" smtClean="0"/>
+          </a:p>
+          <a:p>
+            <a:pPr lvl="1"/>
+            <a:r>
+              <a:rPr lang="zh-TW" altLang="en-US" dirty="0"/>
+              <a:t>火警警報器發出</a:t>
+            </a:r>
+            <a:r>
+              <a:rPr lang="zh-TW" altLang="en-US" dirty="0" smtClean="0"/>
+              <a:t>警報、防盜系統發出警報、排放家庭汙水到下水道、廚房油煙排到外面</a:t>
+            </a:r>
+            <a:r>
+              <a:rPr lang="en-US" altLang="zh-TW" dirty="0" smtClean="0"/>
+              <a:t>….</a:t>
+            </a:r>
+          </a:p>
+          <a:p>
+            <a:pPr lvl="1"/>
+            <a:r>
+              <a:rPr lang="zh-TW" altLang="en-US" dirty="0"/>
+              <a:t>不一定有人會鳥</a:t>
+            </a:r>
+            <a:r>
+              <a:rPr lang="zh-TW" altLang="en-US" dirty="0" smtClean="0"/>
+              <a:t>你。</a:t>
+            </a:r>
+            <a:endParaRPr lang="zh-TW" altLang="en-US" dirty="0"/>
+          </a:p>
+        </p:txBody>
+      </p:sp>
+      <p:pic>
+        <p:nvPicPr>
+          <p:cNvPr id="4" name="圖片 3"/>
+          <p:cNvPicPr>
+            <a:picLocks noChangeAspect="1"/>
+          </p:cNvPicPr>
+          <p:nvPr/>
+        </p:nvPicPr>
+        <p:blipFill>
+          <a:blip r:embed="rId2">
+            <a:extLst>
+              <a:ext uri="{BEBA8EAE-BF5A-486C-A8C5-ECC9F3942E4B}">
+                <a14:imgProps xmlns:a14="http://schemas.microsoft.com/office/drawing/2010/main">
+                  <a14:imgLayer r:embed="rId3">
+                    <a14:imgEffect>
+                      <a14:backgroundRemoval t="0" b="100000" l="0" r="100000">
+                        <a14:foregroundMark x1="45515" y1="8688" x2="45515" y2="8688"/>
+                        <a14:foregroundMark x1="45515" y1="5851" x2="45515" y2="5851"/>
+                        <a14:foregroundMark x1="45349" y1="13298" x2="45349" y2="13298"/>
+                        <a14:foregroundMark x1="45515" y1="16312" x2="45515" y2="16312"/>
+                        <a14:foregroundMark x1="45847" y1="3723" x2="45847" y2="3723"/>
+                        <a14:foregroundMark x1="78571" y1="5319" x2="78571" y2="5319"/>
+                        <a14:foregroundMark x1="82392" y1="3191" x2="82392" y2="3191"/>
+                        <a14:foregroundMark x1="80233" y1="2128" x2="80233" y2="2128"/>
+                        <a14:foregroundMark x1="83555" y1="2128" x2="83555" y2="2128"/>
+                        <a14:foregroundMark x1="85216" y1="2128" x2="85216" y2="2128"/>
+                        <a14:foregroundMark x1="86545" y1="7979" x2="86545" y2="7979"/>
+                        <a14:foregroundMark x1="87542" y1="5674" x2="87542" y2="5674"/>
+                        <a14:foregroundMark x1="87209" y1="10461" x2="88040" y2="14362"/>
+                        <a14:foregroundMark x1="88372" y1="15957" x2="88372" y2="15957"/>
+                        <a14:foregroundMark x1="54319" y1="38121" x2="54319" y2="38121"/>
+                        <a14:foregroundMark x1="43023" y1="22695" x2="43023" y2="22695"/>
+                        <a14:foregroundMark x1="31728" y1="37234" x2="31728" y2="37234"/>
+                        <a14:foregroundMark x1="13621" y1="43972" x2="13621" y2="43972"/>
+                        <a14:foregroundMark x1="11960" y1="38830" x2="11960" y2="38830"/>
+                        <a14:foregroundMark x1="13455" y1="36702" x2="13455" y2="36702"/>
+                        <a14:foregroundMark x1="62292" y1="58333" x2="62292" y2="58333"/>
+                        <a14:foregroundMark x1="88040" y1="64362" x2="88040" y2="64362"/>
+                        <a14:foregroundMark x1="88040" y1="62234" x2="88040" y2="62234"/>
+                        <a14:foregroundMark x1="88040" y1="59929" x2="88040" y2="59929"/>
+                        <a14:foregroundMark x1="90199" y1="82624" x2="90199" y2="82624"/>
+                        <a14:foregroundMark x1="91196" y1="85638" x2="91030" y2="86170"/>
+                        <a14:foregroundMark x1="90365" y1="89007" x2="89867" y2="90426"/>
+                        <a14:foregroundMark x1="87708" y1="92376" x2="87708" y2="92376"/>
+                        <a14:foregroundMark x1="92027" y1="91135" x2="92027" y2="91135"/>
+                        <a14:foregroundMark x1="97176" y1="89716" x2="97176" y2="89716"/>
+                        <a14:foregroundMark x1="96678" y1="93262" x2="96678" y2="93262"/>
+                        <a14:foregroundMark x1="97176" y1="96809" x2="97176" y2="96809"/>
+                        <a14:foregroundMark x1="97342" y1="99113" x2="97342" y2="99113"/>
+                        <a14:foregroundMark x1="91694" y1="93617" x2="91694" y2="93617"/>
+                        <a14:foregroundMark x1="93688" y1="92730" x2="93688" y2="92730"/>
+                        <a14:foregroundMark x1="33555" y1="96454" x2="33555" y2="96454"/>
+                        <a14:foregroundMark x1="26910" y1="96631" x2="26910" y2="96631"/>
+                        <a14:foregroundMark x1="22425" y1="95567" x2="22425" y2="95567"/>
+                        <a14:foregroundMark x1="18605" y1="96454" x2="18605" y2="96454"/>
+                        <a14:foregroundMark x1="15116" y1="95567" x2="15116" y2="95567"/>
+                        <a14:foregroundMark x1="9635" y1="95745" x2="9635" y2="95745"/>
+                        <a14:foregroundMark x1="8140" y1="96099" x2="8140" y2="96099"/>
+                        <a14:foregroundMark x1="8140" y1="91489" x2="8140" y2="90957"/>
+                        <a14:foregroundMark x1="8306" y1="89007" x2="8306" y2="89007"/>
+                        <a14:foregroundMark x1="9136" y1="87234" x2="9136" y2="87234"/>
+                        <a14:foregroundMark x1="10963" y1="87234" x2="10963" y2="87234"/>
+                        <a14:foregroundMark x1="10963" y1="90603" x2="10963" y2="90603"/>
+                        <a14:foregroundMark x1="31561" y1="97695" x2="31561" y2="97695"/>
+                        <a14:foregroundMark x1="33721" y1="97518" x2="34718" y2="97518"/>
+                        <a14:foregroundMark x1="36545" y1="97695" x2="36545" y2="97695"/>
+                        <a14:foregroundMark x1="11628" y1="44504" x2="11628" y2="44504"/>
+                        <a14:foregroundMark x1="14950" y1="41667" x2="14950" y2="41667"/>
+                        <a14:foregroundMark x1="9967" y1="53191" x2="9967" y2="53191"/>
+                        <a14:foregroundMark x1="6977" y1="53369" x2="6478" y2="53369"/>
+                        <a14:foregroundMark x1="4153" y1="52128" x2="4153" y2="52128"/>
+                        <a14:foregroundMark x1="2492" y1="51596" x2="2492" y2="51596"/>
+                        <a14:foregroundMark x1="1495" y1="52837" x2="1495" y2="52837"/>
+                        <a14:foregroundMark x1="1993" y1="41312" x2="1993" y2="41312"/>
+                        <a14:foregroundMark x1="2824" y1="37766" x2="2824" y2="37766"/>
+                        <a14:foregroundMark x1="2824" y1="35106" x2="2824" y2="35106"/>
+                        <a14:foregroundMark x1="2824" y1="34574" x2="2824" y2="34574"/>
+                        <a14:foregroundMark x1="3987" y1="37057" x2="3987" y2="37057"/>
+                        <a14:foregroundMark x1="1993" y1="33511" x2="1993" y2="33511"/>
+                        <a14:foregroundMark x1="16445" y1="40780" x2="16445" y2="40780"/>
+                        <a14:foregroundMark x1="61296" y1="60638" x2="61296" y2="60638"/>
+                        <a14:foregroundMark x1="48339" y1="96099" x2="48339" y2="96099"/>
+                        <a14:foregroundMark x1="44020" y1="95213" x2="44020" y2="95213"/>
+                        <a14:foregroundMark x1="41362" y1="94326" x2="41362" y2="94326"/>
+                        <a14:foregroundMark x1="51163" y1="97163" x2="51163" y2="97163"/>
+                        <a14:foregroundMark x1="53987" y1="96986" x2="54651" y2="96986"/>
+                        <a14:foregroundMark x1="7973" y1="98759" x2="7973" y2="98759"/>
+                        <a14:foregroundMark x1="83389" y1="13475" x2="83389" y2="13475"/>
+                        <a14:foregroundMark x1="82724" y1="16667" x2="82724" y2="16667"/>
+                        <a14:foregroundMark x1="77907" y1="17908" x2="77907" y2="17908"/>
+                        <a14:foregroundMark x1="77741" y1="12766" x2="77741" y2="12766"/>
+                        <a14:foregroundMark x1="77243" y1="9574" x2="77243" y2="9574"/>
+                        <a14:foregroundMark x1="81063" y1="6738" x2="81063" y2="6738"/>
+                        <a14:foregroundMark x1="82226" y1="4965" x2="82724" y2="4965"/>
+                        <a14:foregroundMark x1="84884" y1="4965" x2="84884" y2="4965"/>
+                        <a14:foregroundMark x1="83389" y1="8511" x2="83389" y2="8511"/>
+                        <a14:foregroundMark x1="81561" y1="11170" x2="81561" y2="11170"/>
+                        <a14:foregroundMark x1="27243" y1="24645" x2="27243" y2="24645"/>
+                        <a14:foregroundMark x1="27076" y1="22695" x2="27076" y2="22695"/>
+                        <a14:foregroundMark x1="5814" y1="27837" x2="5814" y2="27837"/>
+                        <a14:foregroundMark x1="8804" y1="27305" x2="8804" y2="27305"/>
+                        <a14:foregroundMark x1="20598" y1="27128" x2="20598" y2="27128"/>
+                        <a14:foregroundMark x1="94684" y1="90426" x2="94684" y2="90426"/>
+                        <a14:foregroundMark x1="89203" y1="93262" x2="89203" y2="93262"/>
+                        <a14:foregroundMark x1="85880" y1="92553" x2="85880" y2="92553"/>
+                        <a14:foregroundMark x1="85382" y1="89539" x2="85382" y2="89539"/>
+                        <a14:foregroundMark x1="86047" y1="87234" x2="86545" y2="86170"/>
+                        <a14:foregroundMark x1="86711" y1="84220" x2="86711" y2="84220"/>
+                        <a14:foregroundMark x1="93189" y1="84043" x2="93189" y2="84043"/>
+                        <a14:foregroundMark x1="94352" y1="82447" x2="94352" y2="82447"/>
+                        <a14:foregroundMark x1="95183" y1="85461" x2="95515" y2="86348"/>
+                        <a14:foregroundMark x1="96512" y1="87943" x2="96512" y2="87943"/>
+                        <a14:foregroundMark x1="12625" y1="62411" x2="12625" y2="62411"/>
+                        <a14:foregroundMark x1="12126" y1="61170" x2="12126" y2="61170"/>
+                        <a14:foregroundMark x1="12126" y1="60284" x2="12126" y2="60284"/>
+                        <a14:foregroundMark x1="7807" y1="86525" x2="7807" y2="86525"/>
+                        <a14:backgroundMark x1="99003" y1="92908" x2="99003" y2="92908"/>
+                        <a14:backgroundMark x1="498" y1="38830" x2="498" y2="38830"/>
+                        <a14:backgroundMark x1="42525" y1="98050" x2="42525" y2="98050"/>
+                        <a14:backgroundMark x1="45183" y1="98404" x2="45183" y2="98404"/>
+                      </a14:backgroundRemoval>
+                    </a14:imgEffect>
+                  </a14:imgLayer>
+                </a14:imgProps>
+              </a:ext>
+            </a:extLst>
+          </a:blip>
+          <a:stretch>
+            <a:fillRect/>
+          </a:stretch>
+        </p:blipFill>
+        <p:spPr>
+          <a:xfrm rot="5400000">
+            <a:off x="7767750" y="1696085"/>
+            <a:ext cx="3530711" cy="3307842"/>
+          </a:xfrm>
+          <a:prstGeom prst="rect">
+            <a:avLst/>
+          </a:prstGeom>
+        </p:spPr>
+      </p:pic>
+    </p:spTree>
+    <p:extLst>
+      <p:ext uri="{BB962C8B-B14F-4D97-AF65-F5344CB8AC3E}">
+        <p14:creationId xmlns:p14="http://schemas.microsoft.com/office/powerpoint/2010/main" val="1723064530"/>
+      </p:ext>
+    </p:extLst>
+  </p:cSld>
+  <p:clrMapOvr>
+    <a:masterClrMapping/>
+  </p:clrMapOvr>
+  <p:timing>
+    <p:tnLst>
+      <p:par>
+        <p:cTn id="1" dur="indefinite" restart="never" nodeType="tmRoot"/>
+      </p:par>
+    </p:tnLst>
+  </p:timing>
 </p:sld>
 </file>
 
@@ -9708,6 +10179,2639 @@
     <p:extLst>
       <p:ext uri="{BB962C8B-B14F-4D97-AF65-F5344CB8AC3E}">
         <p14:creationId xmlns:p14="http://schemas.microsoft.com/office/powerpoint/2010/main" val="444540770"/>
+      </p:ext>
+    </p:extLst>
+  </p:cSld>
+  <p:clrMapOvr>
+    <a:masterClrMapping/>
+  </p:clrMapOvr>
+  <p:timing>
+    <p:tnLst>
+      <p:par>
+        <p:cTn id="1" dur="indefinite" restart="never" nodeType="tmRoot"/>
+      </p:par>
+    </p:tnLst>
+  </p:timing>
+</p:sld>
+</file>
+
+<file path=ppt/slides/slide20.xml><?xml version="1.0" encoding="utf-8"?>
+<p:sld xmlns:a="http://schemas.openxmlformats.org/drawingml/2006/main" xmlns:r="http://schemas.openxmlformats.org/officeDocument/2006/relationships" xmlns:p="http://schemas.openxmlformats.org/presentationml/2006/main">
+  <p:cSld>
+    <p:spTree>
+      <p:nvGrpSpPr>
+        <p:cNvPr id="1" name=""/>
+        <p:cNvGrpSpPr/>
+        <p:nvPr/>
+      </p:nvGrpSpPr>
+      <p:grpSpPr>
+        <a:xfrm>
+          <a:off x="0" y="0"/>
+          <a:ext cx="0" cy="0"/>
+          <a:chOff x="0" y="0"/>
+          <a:chExt cx="0" cy="0"/>
+        </a:xfrm>
+      </p:grpSpPr>
+      <p:sp>
+        <p:nvSpPr>
+          <p:cNvPr id="2" name="標題 1"/>
+          <p:cNvSpPr>
+            <a:spLocks noGrp="1"/>
+          </p:cNvSpPr>
+          <p:nvPr>
+            <p:ph type="title"/>
+          </p:nvPr>
+        </p:nvSpPr>
+        <p:spPr/>
+        <p:txBody>
+          <a:bodyPr/>
+          <a:lstStyle/>
+          <a:p>
+            <a:r>
+              <a:rPr lang="en-US" altLang="zh-TW" dirty="0" smtClean="0"/>
+              <a:t>IC</a:t>
+            </a:r>
+            <a:r>
+              <a:rPr lang="zh-TW" altLang="en-US" dirty="0" smtClean="0"/>
+              <a:t> </a:t>
+            </a:r>
+            <a:r>
+              <a:rPr lang="en-US" altLang="zh-TW" dirty="0" smtClean="0"/>
+              <a:t>Card</a:t>
+            </a:r>
+            <a:r>
+              <a:rPr lang="zh-TW" altLang="en-US" dirty="0" smtClean="0"/>
+              <a:t> </a:t>
+            </a:r>
+            <a:r>
+              <a:rPr lang="en-US" altLang="zh-TW" dirty="0" smtClean="0"/>
+              <a:t>Class</a:t>
+            </a:r>
+            <a:r>
+              <a:rPr lang="zh-TW" altLang="en-US" dirty="0" smtClean="0"/>
+              <a:t>改進</a:t>
+            </a:r>
+            <a:r>
+              <a:rPr lang="en-US" altLang="zh-TW" dirty="0" smtClean="0"/>
+              <a:t/>
+            </a:r>
+            <a:br>
+              <a:rPr lang="en-US" altLang="zh-TW" dirty="0" smtClean="0"/>
+            </a:br>
+            <a:r>
+              <a:rPr lang="en-US" altLang="zh-TW" dirty="0"/>
+              <a:t>	</a:t>
+            </a:r>
+            <a:r>
+              <a:rPr lang="en-US" altLang="zh-TW" dirty="0" smtClean="0"/>
+              <a:t>		</a:t>
+            </a:r>
+            <a:r>
+              <a:rPr lang="zh-TW" altLang="en-US" dirty="0" smtClean="0"/>
+              <a:t>加入資料封裝概念</a:t>
+            </a:r>
+            <a:endParaRPr lang="zh-TW" altLang="en-US" dirty="0"/>
+          </a:p>
+        </p:txBody>
+      </p:sp>
+      <p:sp>
+        <p:nvSpPr>
+          <p:cNvPr id="7" name="內容版面配置區 6"/>
+          <p:cNvSpPr>
+            <a:spLocks noGrp="1"/>
+          </p:cNvSpPr>
+          <p:nvPr>
+            <p:ph idx="1"/>
+          </p:nvPr>
+        </p:nvSpPr>
+        <p:spPr>
+          <a:xfrm>
+            <a:off x="677334" y="2160589"/>
+            <a:ext cx="4646696" cy="3880773"/>
+          </a:xfrm>
+        </p:spPr>
+        <p:txBody>
+          <a:bodyPr/>
+          <a:lstStyle/>
+          <a:p>
+            <a:r>
+              <a:rPr lang="zh-TW" altLang="en-US" dirty="0" smtClean="0"/>
+              <a:t>將程式碼做如右的修改</a:t>
+            </a:r>
+            <a:endParaRPr lang="en-US" altLang="zh-TW" dirty="0" smtClean="0"/>
+          </a:p>
+          <a:p>
+            <a:pPr lvl="1"/>
+            <a:r>
+              <a:rPr lang="zh-TW" altLang="en-US" dirty="0"/>
+              <a:t>將三個屬性改為</a:t>
+            </a:r>
+            <a:r>
+              <a:rPr lang="en-US" altLang="zh-TW" dirty="0" smtClean="0"/>
+              <a:t>private</a:t>
+            </a:r>
+          </a:p>
+          <a:p>
+            <a:pPr lvl="1"/>
+            <a:r>
+              <a:rPr lang="zh-TW" altLang="en-US" dirty="0"/>
+              <a:t>增加兩個用來讀取屬性的方法</a:t>
+            </a:r>
+            <a:r>
+              <a:rPr lang="zh-TW" altLang="en-US" dirty="0" smtClean="0"/>
+              <a:t>：</a:t>
+            </a:r>
+            <a:endParaRPr lang="en-US" altLang="zh-TW" dirty="0" smtClean="0"/>
+          </a:p>
+          <a:p>
+            <a:pPr lvl="2"/>
+            <a:r>
+              <a:rPr lang="en-US" altLang="zh-TW" dirty="0" err="1" smtClean="0"/>
+              <a:t>GetAccount</a:t>
+            </a:r>
+            <a:r>
+              <a:rPr lang="en-US" altLang="zh-TW" dirty="0" smtClean="0"/>
+              <a:t>(), </a:t>
+            </a:r>
+            <a:r>
+              <a:rPr lang="en-US" altLang="zh-TW" dirty="0" err="1" smtClean="0"/>
+              <a:t>GetName</a:t>
+            </a:r>
+            <a:r>
+              <a:rPr lang="en-US" altLang="zh-TW" dirty="0" smtClean="0"/>
+              <a:t>()</a:t>
+            </a:r>
+          </a:p>
+          <a:p>
+            <a:pPr lvl="1"/>
+            <a:r>
+              <a:rPr lang="zh-TW" altLang="en-US" dirty="0"/>
+              <a:t>至於</a:t>
+            </a:r>
+            <a:r>
+              <a:rPr lang="en-US" altLang="zh-TW" dirty="0"/>
+              <a:t>money</a:t>
+            </a:r>
+            <a:r>
+              <a:rPr lang="zh-TW" altLang="en-US" dirty="0"/>
+              <a:t>屬性的操作前面已經寫好</a:t>
+            </a:r>
+            <a:r>
+              <a:rPr lang="zh-TW" altLang="en-US" dirty="0" smtClean="0"/>
+              <a:t>。</a:t>
+            </a:r>
+            <a:endParaRPr lang="en-US" altLang="zh-TW" dirty="0" smtClean="0"/>
+          </a:p>
+          <a:p>
+            <a:r>
+              <a:rPr lang="zh-TW" altLang="en-US" dirty="0"/>
+              <a:t>如此一來，</a:t>
+            </a:r>
+            <a:r>
+              <a:rPr lang="en-US" altLang="zh-TW" dirty="0"/>
+              <a:t>account</a:t>
+            </a:r>
+            <a:r>
+              <a:rPr lang="zh-TW" altLang="en-US" dirty="0"/>
+              <a:t>及</a:t>
+            </a:r>
+            <a:r>
+              <a:rPr lang="en-US" altLang="zh-TW" dirty="0"/>
+              <a:t>name</a:t>
+            </a:r>
+            <a:r>
+              <a:rPr lang="zh-TW" altLang="en-US" dirty="0"/>
+              <a:t>變成只能</a:t>
+            </a:r>
+            <a:r>
+              <a:rPr lang="zh-TW" altLang="en-US" dirty="0" smtClean="0"/>
+              <a:t>讀取而無法修改的</a:t>
+            </a:r>
+            <a:r>
+              <a:rPr lang="zh-TW" altLang="en-US" b="1" dirty="0" smtClean="0">
+                <a:solidFill>
+                  <a:srgbClr val="FF0000"/>
+                </a:solidFill>
+              </a:rPr>
+              <a:t>唯讀</a:t>
+            </a:r>
+            <a:r>
+              <a:rPr lang="en-US" altLang="zh-TW" b="1" dirty="0" smtClean="0">
+                <a:solidFill>
+                  <a:srgbClr val="FF0000"/>
+                </a:solidFill>
+              </a:rPr>
+              <a:t>(read only)</a:t>
+            </a:r>
+            <a:r>
+              <a:rPr lang="zh-TW" altLang="en-US" dirty="0" smtClean="0"/>
+              <a:t>屬性了。</a:t>
+            </a:r>
+            <a:endParaRPr lang="en-US" altLang="zh-TW" dirty="0" smtClean="0"/>
+          </a:p>
+          <a:p>
+            <a:r>
+              <a:rPr lang="zh-TW" altLang="en-US" dirty="0" smtClean="0"/>
+              <a:t>且三個屬性都是私有的，外界不再可以直接存取得到。無法任意修改。</a:t>
+            </a:r>
+            <a:endParaRPr lang="en-US" altLang="zh-TW" dirty="0" smtClean="0"/>
+          </a:p>
+        </p:txBody>
+      </p:sp>
+      <p:pic>
+        <p:nvPicPr>
+          <p:cNvPr id="4" name="圖片 3"/>
+          <p:cNvPicPr>
+            <a:picLocks noChangeAspect="1"/>
+          </p:cNvPicPr>
+          <p:nvPr/>
+        </p:nvPicPr>
+        <p:blipFill>
+          <a:blip r:embed="rId2"/>
+          <a:stretch>
+            <a:fillRect/>
+          </a:stretch>
+        </p:blipFill>
+        <p:spPr>
+          <a:xfrm>
+            <a:off x="5484710" y="1776576"/>
+            <a:ext cx="4743450" cy="4362450"/>
+          </a:xfrm>
+          <a:prstGeom prst="rect">
+            <a:avLst/>
+          </a:prstGeom>
+        </p:spPr>
+      </p:pic>
+      <p:sp>
+        <p:nvSpPr>
+          <p:cNvPr id="5" name="矩形 4"/>
+          <p:cNvSpPr/>
+          <p:nvPr/>
+        </p:nvSpPr>
+        <p:spPr>
+          <a:xfrm>
+            <a:off x="5913691" y="2033899"/>
+            <a:ext cx="957129" cy="700756"/>
+          </a:xfrm>
+          <a:prstGeom prst="rect">
+            <a:avLst/>
+          </a:prstGeom>
+          <a:noFill/>
+          <a:ln w="28575">
+            <a:solidFill>
+              <a:srgbClr val="FF0000"/>
+            </a:solidFill>
+          </a:ln>
+        </p:spPr>
+        <p:style>
+          <a:lnRef idx="2">
+            <a:schemeClr val="accent1">
+              <a:shade val="50000"/>
+            </a:schemeClr>
+          </a:lnRef>
+          <a:fillRef idx="1">
+            <a:schemeClr val="accent1"/>
+          </a:fillRef>
+          <a:effectRef idx="0">
+            <a:schemeClr val="accent1"/>
+          </a:effectRef>
+          <a:fontRef idx="minor">
+            <a:schemeClr val="lt1"/>
+          </a:fontRef>
+        </p:style>
+        <p:txBody>
+          <a:bodyPr rtlCol="0" anchor="ctr"/>
+          <a:lstStyle/>
+          <a:p>
+            <a:pPr algn="ctr"/>
+            <a:endParaRPr lang="zh-TW" altLang="en-US"/>
+          </a:p>
+        </p:txBody>
+      </p:sp>
+      <p:sp>
+        <p:nvSpPr>
+          <p:cNvPr id="6" name="矩形 5"/>
+          <p:cNvSpPr/>
+          <p:nvPr/>
+        </p:nvSpPr>
+        <p:spPr>
+          <a:xfrm>
+            <a:off x="5922237" y="2906667"/>
+            <a:ext cx="3255947" cy="2118260"/>
+          </a:xfrm>
+          <a:prstGeom prst="rect">
+            <a:avLst/>
+          </a:prstGeom>
+          <a:noFill/>
+          <a:ln w="28575">
+            <a:solidFill>
+              <a:srgbClr val="FF0000"/>
+            </a:solidFill>
+          </a:ln>
+        </p:spPr>
+        <p:style>
+          <a:lnRef idx="2">
+            <a:schemeClr val="accent1">
+              <a:shade val="50000"/>
+            </a:schemeClr>
+          </a:lnRef>
+          <a:fillRef idx="1">
+            <a:schemeClr val="accent1"/>
+          </a:fillRef>
+          <a:effectRef idx="0">
+            <a:schemeClr val="accent1"/>
+          </a:effectRef>
+          <a:fontRef idx="minor">
+            <a:schemeClr val="lt1"/>
+          </a:fontRef>
+        </p:style>
+        <p:txBody>
+          <a:bodyPr rtlCol="0" anchor="ctr"/>
+          <a:lstStyle/>
+          <a:p>
+            <a:pPr algn="ctr"/>
+            <a:endParaRPr lang="zh-TW" altLang="en-US"/>
+          </a:p>
+        </p:txBody>
+      </p:sp>
+      <p:sp>
+        <p:nvSpPr>
+          <p:cNvPr id="8" name="文字方塊 7"/>
+          <p:cNvSpPr txBox="1"/>
+          <p:nvPr/>
+        </p:nvSpPr>
+        <p:spPr>
+          <a:xfrm>
+            <a:off x="967691" y="5395031"/>
+            <a:ext cx="4007977" cy="646331"/>
+          </a:xfrm>
+          <a:prstGeom prst="rect">
+            <a:avLst/>
+          </a:prstGeom>
+          <a:noFill/>
+        </p:spPr>
+        <p:txBody>
+          <a:bodyPr wrap="square" rtlCol="0">
+            <a:spAutoFit/>
+          </a:bodyPr>
+          <a:lstStyle/>
+          <a:p>
+            <a:r>
+              <a:rPr lang="zh-TW" altLang="en-US" b="1" dirty="0">
+                <a:solidFill>
+                  <a:srgbClr val="FF0000"/>
+                </a:solidFill>
+              </a:rPr>
+              <a:t>但是！這樣一來，一開始的</a:t>
+            </a:r>
+            <a:r>
+              <a:rPr lang="en-US" altLang="zh-TW" b="1" dirty="0">
+                <a:solidFill>
+                  <a:srgbClr val="FF0000"/>
+                </a:solidFill>
+              </a:rPr>
+              <a:t>account</a:t>
+            </a:r>
+            <a:r>
+              <a:rPr lang="zh-TW" altLang="en-US" b="1" dirty="0">
+                <a:solidFill>
+                  <a:srgbClr val="FF0000"/>
+                </a:solidFill>
+              </a:rPr>
+              <a:t>及</a:t>
+            </a:r>
+            <a:r>
+              <a:rPr lang="en-US" altLang="zh-TW" b="1" dirty="0">
+                <a:solidFill>
+                  <a:srgbClr val="FF0000"/>
+                </a:solidFill>
+              </a:rPr>
+              <a:t>name</a:t>
+            </a:r>
+            <a:r>
+              <a:rPr lang="zh-TW" altLang="en-US" b="1" dirty="0">
+                <a:solidFill>
+                  <a:srgbClr val="FF0000"/>
+                </a:solidFill>
+              </a:rPr>
+              <a:t>如何指定內容呢</a:t>
+            </a:r>
+            <a:r>
+              <a:rPr lang="zh-TW" altLang="en-US" b="1" dirty="0" smtClean="0">
+                <a:solidFill>
+                  <a:srgbClr val="FF0000"/>
+                </a:solidFill>
+              </a:rPr>
+              <a:t>？</a:t>
+            </a:r>
+            <a:endParaRPr lang="zh-TW" altLang="en-US" b="1" dirty="0">
+              <a:solidFill>
+                <a:srgbClr val="FF0000"/>
+              </a:solidFill>
+            </a:endParaRPr>
+          </a:p>
+        </p:txBody>
+      </p:sp>
+    </p:spTree>
+    <p:extLst>
+      <p:ext uri="{BB962C8B-B14F-4D97-AF65-F5344CB8AC3E}">
+        <p14:creationId xmlns:p14="http://schemas.microsoft.com/office/powerpoint/2010/main" val="2004929185"/>
+      </p:ext>
+    </p:extLst>
+  </p:cSld>
+  <p:clrMapOvr>
+    <a:masterClrMapping/>
+  </p:clrMapOvr>
+  <p:timing>
+    <p:tnLst>
+      <p:par>
+        <p:cTn id="1" dur="indefinite" restart="never" nodeType="tmRoot">
+          <p:childTnLst>
+            <p:seq concurrent="1" nextAc="seek">
+              <p:cTn id="2" dur="indefinite" nodeType="mainSeq">
+                <p:childTnLst>
+                  <p:par>
+                    <p:cTn id="3" fill="hold">
+                      <p:stCondLst>
+                        <p:cond delay="indefinite"/>
+                      </p:stCondLst>
+                      <p:childTnLst>
+                        <p:par>
+                          <p:cTn id="4" fill="hold">
+                            <p:stCondLst>
+                              <p:cond delay="0"/>
+                            </p:stCondLst>
+                            <p:childTnLst>
+                              <p:par>
+                                <p:cTn id="5" presetID="1" presetClass="entr" presetSubtype="0" fill="hold" grpId="0" nodeType="clickEffect">
+                                  <p:stCondLst>
+                                    <p:cond delay="0"/>
+                                  </p:stCondLst>
+                                  <p:childTnLst>
+                                    <p:set>
+                                      <p:cBhvr>
+                                        <p:cTn id="6" dur="1" fill="hold">
+                                          <p:stCondLst>
+                                            <p:cond delay="0"/>
+                                          </p:stCondLst>
+                                        </p:cTn>
+                                        <p:tgtEl>
+                                          <p:spTgt spid="8"/>
+                                        </p:tgtEl>
+                                        <p:attrNameLst>
+                                          <p:attrName>style.visibility</p:attrName>
+                                        </p:attrNameLst>
+                                      </p:cBhvr>
+                                      <p:to>
+                                        <p:strVal val="visible"/>
+                                      </p:to>
+                                    </p:set>
+                                  </p:childTnLst>
+                                </p:cTn>
+                              </p:par>
+                            </p:childTnLst>
+                          </p:cTn>
+                        </p:par>
+                      </p:childTnLst>
+                    </p:cTn>
+                  </p:par>
+                </p:childTnLst>
+              </p:cTn>
+              <p:prevCondLst>
+                <p:cond evt="onPrev" delay="0">
+                  <p:tgtEl>
+                    <p:sldTgt/>
+                  </p:tgtEl>
+                </p:cond>
+              </p:prevCondLst>
+              <p:nextCondLst>
+                <p:cond evt="onNext" delay="0">
+                  <p:tgtEl>
+                    <p:sldTgt/>
+                  </p:tgtEl>
+                </p:cond>
+              </p:nextCondLst>
+            </p:seq>
+          </p:childTnLst>
+        </p:cTn>
+      </p:par>
+    </p:tnLst>
+    <p:bldLst>
+      <p:bldP spid="8" grpId="0"/>
+    </p:bldLst>
+  </p:timing>
+</p:sld>
+</file>
+
+<file path=ppt/slides/slide21.xml><?xml version="1.0" encoding="utf-8"?>
+<p:sld xmlns:a="http://schemas.openxmlformats.org/drawingml/2006/main" xmlns:r="http://schemas.openxmlformats.org/officeDocument/2006/relationships" xmlns:p="http://schemas.openxmlformats.org/presentationml/2006/main">
+  <p:cSld>
+    <p:spTree>
+      <p:nvGrpSpPr>
+        <p:cNvPr id="1" name=""/>
+        <p:cNvGrpSpPr/>
+        <p:nvPr/>
+      </p:nvGrpSpPr>
+      <p:grpSpPr>
+        <a:xfrm>
+          <a:off x="0" y="0"/>
+          <a:ext cx="0" cy="0"/>
+          <a:chOff x="0" y="0"/>
+          <a:chExt cx="0" cy="0"/>
+        </a:xfrm>
+      </p:grpSpPr>
+      <p:sp>
+        <p:nvSpPr>
+          <p:cNvPr id="2" name="標題 1"/>
+          <p:cNvSpPr>
+            <a:spLocks noGrp="1"/>
+          </p:cNvSpPr>
+          <p:nvPr>
+            <p:ph type="title"/>
+          </p:nvPr>
+        </p:nvSpPr>
+        <p:spPr/>
+        <p:txBody>
+          <a:bodyPr/>
+          <a:lstStyle/>
+          <a:p>
+            <a:r>
+              <a:rPr lang="en-US" altLang="zh-TW" dirty="0" smtClean="0"/>
+              <a:t>IC</a:t>
+            </a:r>
+            <a:r>
+              <a:rPr lang="zh-TW" altLang="en-US" dirty="0" smtClean="0"/>
+              <a:t> </a:t>
+            </a:r>
+            <a:r>
+              <a:rPr lang="en-US" altLang="zh-TW" dirty="0" err="1" smtClean="0"/>
+              <a:t>Ccard</a:t>
+            </a:r>
+            <a:r>
+              <a:rPr lang="zh-TW" altLang="en-US" dirty="0" smtClean="0"/>
+              <a:t>的建構函式</a:t>
+            </a:r>
+            <a:endParaRPr lang="zh-TW" altLang="en-US" dirty="0"/>
+          </a:p>
+        </p:txBody>
+      </p:sp>
+      <p:sp>
+        <p:nvSpPr>
+          <p:cNvPr id="3" name="內容版面配置區 2"/>
+          <p:cNvSpPr>
+            <a:spLocks noGrp="1"/>
+          </p:cNvSpPr>
+          <p:nvPr>
+            <p:ph idx="1"/>
+          </p:nvPr>
+        </p:nvSpPr>
+        <p:spPr>
+          <a:xfrm>
+            <a:off x="677334" y="2160589"/>
+            <a:ext cx="5135141" cy="3880773"/>
+          </a:xfrm>
+        </p:spPr>
+        <p:txBody>
+          <a:bodyPr>
+            <a:normAutofit/>
+          </a:bodyPr>
+          <a:lstStyle/>
+          <a:p>
+            <a:r>
+              <a:rPr lang="zh-TW" altLang="en-US" dirty="0" smtClean="0"/>
+              <a:t>甚麼是建構式？</a:t>
+            </a:r>
+            <a:endParaRPr lang="en-US" altLang="zh-TW" dirty="0" smtClean="0"/>
+          </a:p>
+          <a:p>
+            <a:pPr lvl="1"/>
+            <a:r>
+              <a:rPr lang="zh-TW" altLang="en-US" dirty="0" smtClean="0"/>
+              <a:t>它是用來在物件被</a:t>
+            </a:r>
+            <a:r>
+              <a:rPr lang="en-US" altLang="zh-TW" dirty="0" smtClean="0"/>
+              <a:t>new</a:t>
+            </a:r>
+            <a:r>
+              <a:rPr lang="zh-TW" altLang="en-US" dirty="0" smtClean="0"/>
+              <a:t>的時候做初始化的動作。</a:t>
+            </a:r>
+            <a:endParaRPr lang="en-US" altLang="zh-TW" dirty="0" smtClean="0"/>
+          </a:p>
+          <a:p>
+            <a:r>
+              <a:rPr lang="zh-TW" altLang="en-US" dirty="0"/>
+              <a:t>系統</a:t>
+            </a:r>
+            <a:r>
+              <a:rPr lang="zh-TW" altLang="en-US" dirty="0" smtClean="0"/>
+              <a:t>會自己呼叫</a:t>
+            </a:r>
+            <a:r>
+              <a:rPr lang="zh-TW" altLang="en-US" dirty="0"/>
+              <a:t>執行適當的建構式</a:t>
+            </a:r>
+            <a:r>
+              <a:rPr lang="zh-TW" altLang="en-US" dirty="0" smtClean="0"/>
+              <a:t>。</a:t>
+            </a:r>
+            <a:endParaRPr lang="en-US" altLang="zh-TW" dirty="0" smtClean="0"/>
+          </a:p>
+          <a:p>
+            <a:r>
+              <a:rPr lang="zh-TW" altLang="en-US" dirty="0"/>
+              <a:t>程式碼修改如右</a:t>
+            </a:r>
+            <a:r>
+              <a:rPr lang="zh-TW" altLang="en-US" dirty="0" smtClean="0"/>
+              <a:t>。</a:t>
+            </a:r>
+            <a:endParaRPr lang="en-US" altLang="zh-TW" dirty="0" smtClean="0"/>
+          </a:p>
+          <a:p>
+            <a:pPr lvl="1"/>
+            <a:r>
+              <a:rPr lang="zh-TW" altLang="en-US" dirty="0" smtClean="0"/>
+              <a:t>增加</a:t>
+            </a:r>
+            <a:r>
+              <a:rPr lang="en-US" altLang="zh-TW" dirty="0" smtClean="0"/>
+              <a:t>public </a:t>
+            </a:r>
+            <a:r>
+              <a:rPr lang="en-US" altLang="zh-TW" dirty="0" err="1" smtClean="0"/>
+              <a:t>IC_Card</a:t>
+            </a:r>
+            <a:r>
+              <a:rPr lang="zh-TW" altLang="en-US" dirty="0" smtClean="0"/>
+              <a:t>函式</a:t>
+            </a:r>
+            <a:endParaRPr lang="en-US" altLang="zh-TW" dirty="0" smtClean="0"/>
+          </a:p>
+          <a:p>
+            <a:pPr lvl="1"/>
+            <a:r>
+              <a:rPr lang="zh-TW" altLang="en-US" dirty="0"/>
+              <a:t>在函式中傳入</a:t>
+            </a:r>
+            <a:r>
+              <a:rPr lang="zh-TW" altLang="en-US" dirty="0" smtClean="0"/>
+              <a:t>參數，用來指定</a:t>
+            </a:r>
+            <a:r>
+              <a:rPr lang="en-US" altLang="zh-TW" dirty="0" err="1" smtClean="0"/>
+              <a:t>accoun</a:t>
+            </a:r>
+            <a:r>
+              <a:rPr lang="zh-TW" altLang="en-US" dirty="0" smtClean="0"/>
+              <a:t>跟</a:t>
+            </a:r>
+            <a:r>
+              <a:rPr lang="en-US" altLang="zh-TW" dirty="0" smtClean="0"/>
+              <a:t>name</a:t>
+            </a:r>
+          </a:p>
+          <a:p>
+            <a:r>
+              <a:rPr lang="zh-TW" altLang="en-US" dirty="0"/>
+              <a:t>寫建構式的規定：</a:t>
+            </a:r>
+            <a:endParaRPr lang="en-US" altLang="zh-TW" dirty="0" smtClean="0"/>
+          </a:p>
+          <a:p>
+            <a:pPr lvl="1"/>
+            <a:r>
+              <a:rPr lang="zh-TW" altLang="en-US" b="1" dirty="0" smtClean="0">
+                <a:solidFill>
+                  <a:srgbClr val="FF0000"/>
+                </a:solidFill>
+              </a:rPr>
+              <a:t>建</a:t>
+            </a:r>
+            <a:r>
+              <a:rPr lang="zh-TW" altLang="en-US" b="1" dirty="0">
+                <a:solidFill>
+                  <a:srgbClr val="FF0000"/>
+                </a:solidFill>
+              </a:rPr>
+              <a:t>構式的名字跟類別名稱必須相同</a:t>
+            </a:r>
+            <a:r>
+              <a:rPr lang="zh-TW" altLang="en-US" b="1" dirty="0" smtClean="0">
+                <a:solidFill>
+                  <a:srgbClr val="FF0000"/>
+                </a:solidFill>
+              </a:rPr>
+              <a:t>。</a:t>
+            </a:r>
+            <a:endParaRPr lang="en-US" altLang="zh-TW" b="1" dirty="0" smtClean="0">
+              <a:solidFill>
+                <a:srgbClr val="FF0000"/>
+              </a:solidFill>
+            </a:endParaRPr>
+          </a:p>
+          <a:p>
+            <a:pPr lvl="1"/>
+            <a:r>
+              <a:rPr lang="zh-TW" altLang="en-US" b="1" dirty="0">
+                <a:solidFill>
+                  <a:srgbClr val="FF0000"/>
+                </a:solidFill>
+              </a:rPr>
+              <a:t>建構式無傳回值，也不用寫</a:t>
+            </a:r>
+            <a:r>
+              <a:rPr lang="en-US" altLang="zh-TW" b="1" dirty="0" smtClean="0">
+                <a:solidFill>
+                  <a:srgbClr val="FF0000"/>
+                </a:solidFill>
+              </a:rPr>
+              <a:t>void</a:t>
+            </a:r>
+          </a:p>
+          <a:p>
+            <a:pPr lvl="1"/>
+            <a:r>
+              <a:rPr lang="zh-TW" altLang="en-US" b="1" dirty="0">
+                <a:solidFill>
+                  <a:srgbClr val="FF0000"/>
+                </a:solidFill>
+              </a:rPr>
+              <a:t>建構式一定是</a:t>
+            </a:r>
+            <a:r>
+              <a:rPr lang="en-US" altLang="zh-TW" b="1" dirty="0">
+                <a:solidFill>
+                  <a:srgbClr val="FF0000"/>
+                </a:solidFill>
+              </a:rPr>
+              <a:t>public</a:t>
+            </a:r>
+            <a:endParaRPr lang="zh-TW" altLang="en-US" b="1" dirty="0">
+              <a:solidFill>
+                <a:srgbClr val="FF0000"/>
+              </a:solidFill>
+            </a:endParaRPr>
+          </a:p>
+        </p:txBody>
+      </p:sp>
+      <p:pic>
+        <p:nvPicPr>
+          <p:cNvPr id="8" name="圖片 7"/>
+          <p:cNvPicPr>
+            <a:picLocks noChangeAspect="1"/>
+          </p:cNvPicPr>
+          <p:nvPr/>
+        </p:nvPicPr>
+        <p:blipFill>
+          <a:blip r:embed="rId2"/>
+          <a:stretch>
+            <a:fillRect/>
+          </a:stretch>
+        </p:blipFill>
+        <p:spPr>
+          <a:xfrm>
+            <a:off x="5909103" y="2333268"/>
+            <a:ext cx="5991225" cy="3028950"/>
+          </a:xfrm>
+          <a:prstGeom prst="rect">
+            <a:avLst/>
+          </a:prstGeom>
+        </p:spPr>
+      </p:pic>
+      <p:sp>
+        <p:nvSpPr>
+          <p:cNvPr id="6" name="矩形 5"/>
+          <p:cNvSpPr/>
+          <p:nvPr/>
+        </p:nvSpPr>
+        <p:spPr>
+          <a:xfrm>
+            <a:off x="6229883" y="3281585"/>
+            <a:ext cx="5426581" cy="1657884"/>
+          </a:xfrm>
+          <a:prstGeom prst="rect">
+            <a:avLst/>
+          </a:prstGeom>
+          <a:noFill/>
+          <a:ln w="28575">
+            <a:solidFill>
+              <a:srgbClr val="FF0000"/>
+            </a:solidFill>
+          </a:ln>
+        </p:spPr>
+        <p:style>
+          <a:lnRef idx="2">
+            <a:schemeClr val="accent1">
+              <a:shade val="50000"/>
+            </a:schemeClr>
+          </a:lnRef>
+          <a:fillRef idx="1">
+            <a:schemeClr val="accent1"/>
+          </a:fillRef>
+          <a:effectRef idx="0">
+            <a:schemeClr val="accent1"/>
+          </a:effectRef>
+          <a:fontRef idx="minor">
+            <a:schemeClr val="lt1"/>
+          </a:fontRef>
+        </p:style>
+        <p:txBody>
+          <a:bodyPr rtlCol="0" anchor="ctr"/>
+          <a:lstStyle/>
+          <a:p>
+            <a:pPr algn="ctr"/>
+            <a:endParaRPr lang="zh-TW" altLang="en-US"/>
+          </a:p>
+        </p:txBody>
+      </p:sp>
+    </p:spTree>
+    <p:extLst>
+      <p:ext uri="{BB962C8B-B14F-4D97-AF65-F5344CB8AC3E}">
+        <p14:creationId xmlns:p14="http://schemas.microsoft.com/office/powerpoint/2010/main" val="3322706593"/>
+      </p:ext>
+    </p:extLst>
+  </p:cSld>
+  <p:clrMapOvr>
+    <a:masterClrMapping/>
+  </p:clrMapOvr>
+  <p:timing>
+    <p:tnLst>
+      <p:par>
+        <p:cTn id="1" dur="indefinite" restart="never" nodeType="tmRoot"/>
+      </p:par>
+    </p:tnLst>
+  </p:timing>
+</p:sld>
+</file>
+
+<file path=ppt/slides/slide22.xml><?xml version="1.0" encoding="utf-8"?>
+<p:sld xmlns:a="http://schemas.openxmlformats.org/drawingml/2006/main" xmlns:r="http://schemas.openxmlformats.org/officeDocument/2006/relationships" xmlns:p="http://schemas.openxmlformats.org/presentationml/2006/main">
+  <p:cSld>
+    <p:spTree>
+      <p:nvGrpSpPr>
+        <p:cNvPr id="1" name=""/>
+        <p:cNvGrpSpPr/>
+        <p:nvPr/>
+      </p:nvGrpSpPr>
+      <p:grpSpPr>
+        <a:xfrm>
+          <a:off x="0" y="0"/>
+          <a:ext cx="0" cy="0"/>
+          <a:chOff x="0" y="0"/>
+          <a:chExt cx="0" cy="0"/>
+        </a:xfrm>
+      </p:grpSpPr>
+      <p:sp>
+        <p:nvSpPr>
+          <p:cNvPr id="2" name="標題 1"/>
+          <p:cNvSpPr>
+            <a:spLocks noGrp="1"/>
+          </p:cNvSpPr>
+          <p:nvPr>
+            <p:ph type="title"/>
+          </p:nvPr>
+        </p:nvSpPr>
+        <p:spPr/>
+        <p:txBody>
+          <a:bodyPr/>
+          <a:lstStyle/>
+          <a:p>
+            <a:r>
+              <a:rPr lang="zh-TW" altLang="en-US" dirty="0" smtClean="0"/>
+              <a:t>主程式</a:t>
+            </a:r>
+            <a:r>
+              <a:rPr lang="en-US" altLang="zh-TW" dirty="0" smtClean="0"/>
+              <a:t>Example10_01</a:t>
+            </a:r>
+            <a:r>
+              <a:rPr lang="zh-TW" altLang="en-US" dirty="0" smtClean="0"/>
+              <a:t>的修改</a:t>
+            </a:r>
+            <a:endParaRPr lang="zh-TW" altLang="en-US" dirty="0"/>
+          </a:p>
+        </p:txBody>
+      </p:sp>
+      <p:pic>
+        <p:nvPicPr>
+          <p:cNvPr id="4" name="圖片 3"/>
+          <p:cNvPicPr>
+            <a:picLocks noChangeAspect="1"/>
+          </p:cNvPicPr>
+          <p:nvPr/>
+        </p:nvPicPr>
+        <p:blipFill>
+          <a:blip r:embed="rId2"/>
+          <a:stretch>
+            <a:fillRect/>
+          </a:stretch>
+        </p:blipFill>
+        <p:spPr>
+          <a:xfrm>
+            <a:off x="493056" y="1786072"/>
+            <a:ext cx="5050828" cy="4871427"/>
+          </a:xfrm>
+          <a:prstGeom prst="rect">
+            <a:avLst/>
+          </a:prstGeom>
+        </p:spPr>
+      </p:pic>
+      <p:pic>
+        <p:nvPicPr>
+          <p:cNvPr id="5" name="圖片 4"/>
+          <p:cNvPicPr>
+            <a:picLocks noChangeAspect="1"/>
+          </p:cNvPicPr>
+          <p:nvPr/>
+        </p:nvPicPr>
+        <p:blipFill>
+          <a:blip r:embed="rId3"/>
+          <a:stretch>
+            <a:fillRect/>
+          </a:stretch>
+        </p:blipFill>
+        <p:spPr>
+          <a:xfrm>
+            <a:off x="5972799" y="1786071"/>
+            <a:ext cx="4991456" cy="4871427"/>
+          </a:xfrm>
+          <a:prstGeom prst="rect">
+            <a:avLst/>
+          </a:prstGeom>
+        </p:spPr>
+      </p:pic>
+      <p:sp>
+        <p:nvSpPr>
+          <p:cNvPr id="6" name="向右箭號 5"/>
+          <p:cNvSpPr/>
+          <p:nvPr/>
+        </p:nvSpPr>
+        <p:spPr>
+          <a:xfrm>
+            <a:off x="5443672" y="3973795"/>
+            <a:ext cx="700754" cy="1008404"/>
+          </a:xfrm>
+          <a:prstGeom prst="rightArrow">
+            <a:avLst/>
+          </a:prstGeom>
+        </p:spPr>
+        <p:style>
+          <a:lnRef idx="2">
+            <a:schemeClr val="accent1">
+              <a:shade val="50000"/>
+            </a:schemeClr>
+          </a:lnRef>
+          <a:fillRef idx="1">
+            <a:schemeClr val="accent1"/>
+          </a:fillRef>
+          <a:effectRef idx="0">
+            <a:schemeClr val="accent1"/>
+          </a:effectRef>
+          <a:fontRef idx="minor">
+            <a:schemeClr val="lt1"/>
+          </a:fontRef>
+        </p:style>
+        <p:txBody>
+          <a:bodyPr rtlCol="0" anchor="ctr"/>
+          <a:lstStyle/>
+          <a:p>
+            <a:pPr algn="ctr"/>
+            <a:endParaRPr lang="zh-TW" altLang="en-US"/>
+          </a:p>
+        </p:txBody>
+      </p:sp>
+      <p:sp>
+        <p:nvSpPr>
+          <p:cNvPr id="8" name="矩形 7"/>
+          <p:cNvSpPr/>
+          <p:nvPr/>
+        </p:nvSpPr>
+        <p:spPr>
+          <a:xfrm>
+            <a:off x="1358780" y="2486827"/>
+            <a:ext cx="2837205" cy="1247686"/>
+          </a:xfrm>
+          <a:prstGeom prst="rect">
+            <a:avLst/>
+          </a:prstGeom>
+          <a:noFill/>
+          <a:ln w="28575">
+            <a:solidFill>
+              <a:srgbClr val="FF0000"/>
+            </a:solidFill>
+          </a:ln>
+        </p:spPr>
+        <p:style>
+          <a:lnRef idx="2">
+            <a:schemeClr val="accent1">
+              <a:shade val="50000"/>
+            </a:schemeClr>
+          </a:lnRef>
+          <a:fillRef idx="1">
+            <a:schemeClr val="accent1"/>
+          </a:fillRef>
+          <a:effectRef idx="0">
+            <a:schemeClr val="accent1"/>
+          </a:effectRef>
+          <a:fontRef idx="minor">
+            <a:schemeClr val="lt1"/>
+          </a:fontRef>
+        </p:style>
+        <p:txBody>
+          <a:bodyPr rtlCol="0" anchor="ctr"/>
+          <a:lstStyle/>
+          <a:p>
+            <a:pPr algn="ctr"/>
+            <a:endParaRPr lang="zh-TW" altLang="en-US"/>
+          </a:p>
+        </p:txBody>
+      </p:sp>
+      <p:sp>
+        <p:nvSpPr>
+          <p:cNvPr id="9" name="矩形 8"/>
+          <p:cNvSpPr/>
+          <p:nvPr/>
+        </p:nvSpPr>
+        <p:spPr>
+          <a:xfrm>
+            <a:off x="6662791" y="2587952"/>
+            <a:ext cx="3763078" cy="710725"/>
+          </a:xfrm>
+          <a:prstGeom prst="rect">
+            <a:avLst/>
+          </a:prstGeom>
+          <a:noFill/>
+          <a:ln w="28575">
+            <a:solidFill>
+              <a:srgbClr val="FF0000"/>
+            </a:solidFill>
+          </a:ln>
+        </p:spPr>
+        <p:style>
+          <a:lnRef idx="2">
+            <a:schemeClr val="accent1">
+              <a:shade val="50000"/>
+            </a:schemeClr>
+          </a:lnRef>
+          <a:fillRef idx="1">
+            <a:schemeClr val="accent1"/>
+          </a:fillRef>
+          <a:effectRef idx="0">
+            <a:schemeClr val="accent1"/>
+          </a:effectRef>
+          <a:fontRef idx="minor">
+            <a:schemeClr val="lt1"/>
+          </a:fontRef>
+        </p:style>
+        <p:txBody>
+          <a:bodyPr rtlCol="0" anchor="ctr"/>
+          <a:lstStyle/>
+          <a:p>
+            <a:pPr algn="ctr"/>
+            <a:endParaRPr lang="zh-TW" altLang="en-US"/>
+          </a:p>
+        </p:txBody>
+      </p:sp>
+      <p:sp>
+        <p:nvSpPr>
+          <p:cNvPr id="10" name="文字方塊 9"/>
+          <p:cNvSpPr txBox="1"/>
+          <p:nvPr/>
+        </p:nvSpPr>
+        <p:spPr>
+          <a:xfrm>
+            <a:off x="407598" y="1217515"/>
+            <a:ext cx="9741769" cy="646331"/>
+          </a:xfrm>
+          <a:prstGeom prst="rect">
+            <a:avLst/>
+          </a:prstGeom>
+          <a:noFill/>
+        </p:spPr>
+        <p:txBody>
+          <a:bodyPr wrap="none" rtlCol="0">
+            <a:spAutoFit/>
+          </a:bodyPr>
+          <a:lstStyle/>
+          <a:p>
+            <a:r>
+              <a:rPr lang="zh-TW" altLang="en-US" sz="3600" b="1" dirty="0" smtClean="0">
+                <a:solidFill>
+                  <a:srgbClr val="FF0000"/>
+                </a:solidFill>
+                <a:latin typeface="+mn-ea"/>
+              </a:rPr>
+              <a:t>直接存取屬性改為執行指定方法</a:t>
+            </a:r>
+            <a:r>
+              <a:rPr lang="en-US" altLang="zh-TW" sz="3600" b="1" dirty="0" smtClean="0">
+                <a:solidFill>
+                  <a:srgbClr val="FF0000"/>
+                </a:solidFill>
+                <a:latin typeface="+mn-ea"/>
+              </a:rPr>
+              <a:t>(</a:t>
+            </a:r>
+            <a:r>
+              <a:rPr lang="zh-TW" altLang="en-US" sz="3600" b="1" dirty="0" smtClean="0">
+                <a:solidFill>
+                  <a:srgbClr val="FF0000"/>
+                </a:solidFill>
+                <a:latin typeface="+mn-ea"/>
+              </a:rPr>
+              <a:t>呼叫指定方法</a:t>
+            </a:r>
+            <a:r>
+              <a:rPr lang="en-US" altLang="zh-TW" sz="3600" b="1" dirty="0" smtClean="0">
+                <a:solidFill>
+                  <a:srgbClr val="FF0000"/>
+                </a:solidFill>
+                <a:latin typeface="+mn-ea"/>
+              </a:rPr>
+              <a:t>)</a:t>
+            </a:r>
+            <a:endParaRPr lang="zh-TW" altLang="en-US" sz="3600" b="1" dirty="0">
+              <a:solidFill>
+                <a:srgbClr val="FF0000"/>
+              </a:solidFill>
+              <a:latin typeface="+mn-ea"/>
+            </a:endParaRPr>
+          </a:p>
+        </p:txBody>
+      </p:sp>
+    </p:spTree>
+    <p:extLst>
+      <p:ext uri="{BB962C8B-B14F-4D97-AF65-F5344CB8AC3E}">
+        <p14:creationId xmlns:p14="http://schemas.microsoft.com/office/powerpoint/2010/main" val="400929824"/>
+      </p:ext>
+    </p:extLst>
+  </p:cSld>
+  <p:clrMapOvr>
+    <a:masterClrMapping/>
+  </p:clrMapOvr>
+  <p:timing>
+    <p:tnLst>
+      <p:par>
+        <p:cTn id="1" dur="indefinite" restart="never" nodeType="tmRoot">
+          <p:childTnLst>
+            <p:seq concurrent="1" nextAc="seek">
+              <p:cTn id="2" dur="indefinite" nodeType="mainSeq">
+                <p:childTnLst>
+                  <p:par>
+                    <p:cTn id="3" fill="hold">
+                      <p:stCondLst>
+                        <p:cond delay="indefinite"/>
+                      </p:stCondLst>
+                      <p:childTnLst>
+                        <p:par>
+                          <p:cTn id="4" fill="hold">
+                            <p:stCondLst>
+                              <p:cond delay="0"/>
+                            </p:stCondLst>
+                            <p:childTnLst>
+                              <p:par>
+                                <p:cTn id="5" presetID="1" presetClass="entr" presetSubtype="0" fill="hold" grpId="0" nodeType="clickEffect">
+                                  <p:stCondLst>
+                                    <p:cond delay="0"/>
+                                  </p:stCondLst>
+                                  <p:childTnLst>
+                                    <p:set>
+                                      <p:cBhvr>
+                                        <p:cTn id="6" dur="1" fill="hold">
+                                          <p:stCondLst>
+                                            <p:cond delay="0"/>
+                                          </p:stCondLst>
+                                        </p:cTn>
+                                        <p:tgtEl>
+                                          <p:spTgt spid="10"/>
+                                        </p:tgtEl>
+                                        <p:attrNameLst>
+                                          <p:attrName>style.visibility</p:attrName>
+                                        </p:attrNameLst>
+                                      </p:cBhvr>
+                                      <p:to>
+                                        <p:strVal val="visible"/>
+                                      </p:to>
+                                    </p:set>
+                                  </p:childTnLst>
+                                </p:cTn>
+                              </p:par>
+                            </p:childTnLst>
+                          </p:cTn>
+                        </p:par>
+                      </p:childTnLst>
+                    </p:cTn>
+                  </p:par>
+                </p:childTnLst>
+              </p:cTn>
+              <p:prevCondLst>
+                <p:cond evt="onPrev" delay="0">
+                  <p:tgtEl>
+                    <p:sldTgt/>
+                  </p:tgtEl>
+                </p:cond>
+              </p:prevCondLst>
+              <p:nextCondLst>
+                <p:cond evt="onNext" delay="0">
+                  <p:tgtEl>
+                    <p:sldTgt/>
+                  </p:tgtEl>
+                </p:cond>
+              </p:nextCondLst>
+            </p:seq>
+          </p:childTnLst>
+        </p:cTn>
+      </p:par>
+    </p:tnLst>
+    <p:bldLst>
+      <p:bldP spid="10" grpId="0"/>
+    </p:bldLst>
+  </p:timing>
+</p:sld>
+</file>
+
+<file path=ppt/slides/slide23.xml><?xml version="1.0" encoding="utf-8"?>
+<p:sld xmlns:a="http://schemas.openxmlformats.org/drawingml/2006/main" xmlns:r="http://schemas.openxmlformats.org/officeDocument/2006/relationships" xmlns:p="http://schemas.openxmlformats.org/presentationml/2006/main">
+  <p:cSld>
+    <p:spTree>
+      <p:nvGrpSpPr>
+        <p:cNvPr id="1" name=""/>
+        <p:cNvGrpSpPr/>
+        <p:nvPr/>
+      </p:nvGrpSpPr>
+      <p:grpSpPr>
+        <a:xfrm>
+          <a:off x="0" y="0"/>
+          <a:ext cx="0" cy="0"/>
+          <a:chOff x="0" y="0"/>
+          <a:chExt cx="0" cy="0"/>
+        </a:xfrm>
+      </p:grpSpPr>
+      <p:sp>
+        <p:nvSpPr>
+          <p:cNvPr id="2" name="標題 1"/>
+          <p:cNvSpPr>
+            <a:spLocks noGrp="1"/>
+          </p:cNvSpPr>
+          <p:nvPr>
+            <p:ph type="title"/>
+          </p:nvPr>
+        </p:nvSpPr>
+        <p:spPr/>
+        <p:txBody>
+          <a:bodyPr>
+            <a:normAutofit fontScale="90000"/>
+          </a:bodyPr>
+          <a:lstStyle/>
+          <a:p>
+            <a:r>
+              <a:rPr lang="zh-TW" altLang="en-US" dirty="0" smtClean="0"/>
+              <a:t>物件導向的大原則之一</a:t>
+            </a:r>
+            <a:r>
+              <a:rPr lang="en-US" altLang="zh-TW" dirty="0" smtClean="0"/>
+              <a:t/>
+            </a:r>
+            <a:br>
+              <a:rPr lang="en-US" altLang="zh-TW" dirty="0" smtClean="0"/>
+            </a:br>
+            <a:r>
+              <a:rPr lang="zh-TW" altLang="en-US" sz="3100" dirty="0">
+                <a:solidFill>
+                  <a:srgbClr val="FF0000"/>
+                </a:solidFill>
+              </a:rPr>
+              <a:t>屬性應該盡可能封裝</a:t>
+            </a:r>
+            <a:r>
+              <a:rPr lang="zh-TW" altLang="en-US" sz="3100" dirty="0" smtClean="0">
+                <a:solidFill>
+                  <a:srgbClr val="FF0000"/>
+                </a:solidFill>
+              </a:rPr>
+              <a:t>起來，只用公開的方法去操作</a:t>
+            </a:r>
+            <a:endParaRPr lang="zh-TW" altLang="en-US" sz="3100" dirty="0">
+              <a:solidFill>
+                <a:srgbClr val="FF0000"/>
+              </a:solidFill>
+            </a:endParaRPr>
+          </a:p>
+        </p:txBody>
+      </p:sp>
+      <p:sp>
+        <p:nvSpPr>
+          <p:cNvPr id="3" name="內容版面配置區 2"/>
+          <p:cNvSpPr>
+            <a:spLocks noGrp="1"/>
+          </p:cNvSpPr>
+          <p:nvPr>
+            <p:ph idx="1"/>
+          </p:nvPr>
+        </p:nvSpPr>
+        <p:spPr/>
+        <p:txBody>
+          <a:bodyPr/>
+          <a:lstStyle/>
+          <a:p>
+            <a:r>
+              <a:rPr lang="zh-TW" altLang="en-US" dirty="0"/>
+              <a:t>如果出現無法封裝的</a:t>
+            </a:r>
+            <a:r>
+              <a:rPr lang="zh-TW" altLang="en-US" dirty="0" smtClean="0"/>
+              <a:t>屬性</a:t>
+            </a:r>
+            <a:r>
+              <a:rPr lang="zh-TW" altLang="en-US" dirty="0"/>
+              <a:t>，也就是只要屬性改為</a:t>
+            </a:r>
+            <a:r>
+              <a:rPr lang="en-US" altLang="zh-TW" dirty="0"/>
+              <a:t>private</a:t>
+            </a:r>
+            <a:r>
+              <a:rPr lang="zh-TW" altLang="en-US" dirty="0"/>
+              <a:t>後會造成程式開發困擾</a:t>
+            </a:r>
+            <a:r>
+              <a:rPr lang="zh-TW" altLang="en-US" dirty="0" smtClean="0"/>
+              <a:t>，這多半是物件導向的類別規劃設計有問題，應該重新檢視類別的設計。</a:t>
+            </a:r>
+            <a:endParaRPr lang="en-US" altLang="zh-TW" dirty="0" smtClean="0"/>
+          </a:p>
+          <a:p>
+            <a:r>
+              <a:rPr lang="zh-TW" altLang="en-US" dirty="0" smtClean="0"/>
+              <a:t>所有屬性應該透過</a:t>
+            </a:r>
+            <a:r>
+              <a:rPr lang="en-US" altLang="zh-TW" dirty="0" err="1" smtClean="0"/>
+              <a:t>SetXXX</a:t>
+            </a:r>
+            <a:r>
+              <a:rPr lang="en-US" altLang="zh-TW" dirty="0" smtClean="0"/>
+              <a:t>()</a:t>
+            </a:r>
+            <a:r>
+              <a:rPr lang="zh-TW" altLang="en-US" dirty="0" smtClean="0"/>
+              <a:t>與</a:t>
+            </a:r>
+            <a:r>
+              <a:rPr lang="en-US" altLang="zh-TW" dirty="0" err="1" smtClean="0"/>
+              <a:t>GetXXX</a:t>
+            </a:r>
+            <a:r>
+              <a:rPr lang="en-US" altLang="zh-TW" dirty="0" smtClean="0"/>
+              <a:t>()</a:t>
+            </a:r>
+            <a:r>
+              <a:rPr lang="zh-TW" altLang="en-US" dirty="0" smtClean="0"/>
+              <a:t>或是類似功能的方法操作之。</a:t>
+            </a:r>
+            <a:endParaRPr lang="en-US" altLang="zh-TW" dirty="0" smtClean="0"/>
+          </a:p>
+          <a:p>
+            <a:pPr lvl="1"/>
+            <a:r>
+              <a:rPr lang="zh-TW" altLang="en-US" dirty="0"/>
+              <a:t>所有對屬性的操作變得可受</a:t>
+            </a:r>
+            <a:r>
+              <a:rPr lang="zh-TW" altLang="en-US" dirty="0" smtClean="0"/>
+              <a:t>控制與監督。</a:t>
+            </a:r>
+            <a:endParaRPr lang="en-US" altLang="zh-TW" dirty="0" smtClean="0"/>
+          </a:p>
+          <a:p>
+            <a:r>
+              <a:rPr lang="zh-TW" altLang="en-US" dirty="0"/>
+              <a:t>如果只提供</a:t>
+            </a:r>
+            <a:r>
+              <a:rPr lang="en-US" altLang="zh-TW" dirty="0"/>
+              <a:t>Get</a:t>
+            </a:r>
+            <a:r>
+              <a:rPr lang="zh-TW" altLang="en-US" dirty="0" smtClean="0"/>
+              <a:t>類讀取值的</a:t>
+            </a:r>
+            <a:r>
+              <a:rPr lang="zh-TW" altLang="en-US" dirty="0"/>
+              <a:t>方法，那麼屬性就是成為所謂的</a:t>
+            </a:r>
+            <a:r>
+              <a:rPr lang="zh-TW" altLang="en-US" dirty="0" smtClean="0"/>
+              <a:t>唯讀</a:t>
+            </a:r>
+            <a:r>
+              <a:rPr lang="en-US" altLang="zh-TW" dirty="0" smtClean="0"/>
+              <a:t>(read only)</a:t>
+            </a:r>
+            <a:r>
+              <a:rPr lang="zh-TW" altLang="en-US" dirty="0" smtClean="0"/>
+              <a:t>屬性。</a:t>
+            </a:r>
+            <a:endParaRPr lang="en-US" altLang="zh-TW" dirty="0" smtClean="0"/>
+          </a:p>
+          <a:p>
+            <a:r>
+              <a:rPr lang="zh-TW" altLang="en-US" dirty="0"/>
+              <a:t>物件的初始化大致上都應該在建構式中</a:t>
+            </a:r>
+            <a:r>
+              <a:rPr lang="zh-TW" altLang="en-US" dirty="0" smtClean="0"/>
+              <a:t>完成。</a:t>
+            </a:r>
+            <a:endParaRPr lang="en-US" altLang="zh-TW" dirty="0" smtClean="0"/>
+          </a:p>
+          <a:p>
+            <a:pPr lvl="1"/>
+            <a:r>
+              <a:rPr lang="zh-TW" altLang="en-US" dirty="0" smtClean="0"/>
+              <a:t>屬性</a:t>
+            </a:r>
+            <a:r>
+              <a:rPr lang="zh-TW" altLang="en-US" dirty="0"/>
+              <a:t>值的初始化</a:t>
+            </a:r>
+            <a:r>
+              <a:rPr lang="zh-TW" altLang="en-US" dirty="0" smtClean="0"/>
+              <a:t>。</a:t>
+            </a:r>
+            <a:endParaRPr lang="en-US" altLang="zh-TW" dirty="0" smtClean="0"/>
+          </a:p>
+          <a:p>
+            <a:pPr lvl="1"/>
+            <a:r>
+              <a:rPr lang="zh-TW" altLang="en-US" dirty="0" smtClean="0"/>
+              <a:t>周邊介面</a:t>
+            </a:r>
+            <a:r>
+              <a:rPr lang="en-US" altLang="zh-TW" dirty="0" smtClean="0"/>
+              <a:t>(</a:t>
+            </a:r>
+            <a:r>
+              <a:rPr lang="zh-TW" altLang="en-US" dirty="0" smtClean="0"/>
+              <a:t>甚至是對應的硬體</a:t>
+            </a:r>
+            <a:r>
+              <a:rPr lang="en-US" altLang="zh-TW" dirty="0" smtClean="0"/>
+              <a:t>)</a:t>
+            </a:r>
+            <a:r>
+              <a:rPr lang="zh-TW" altLang="en-US" dirty="0" smtClean="0"/>
+              <a:t>初始化。</a:t>
+            </a:r>
+            <a:endParaRPr lang="en-US" altLang="zh-TW" dirty="0" smtClean="0"/>
+          </a:p>
+        </p:txBody>
+      </p:sp>
+    </p:spTree>
+    <p:extLst>
+      <p:ext uri="{BB962C8B-B14F-4D97-AF65-F5344CB8AC3E}">
+        <p14:creationId xmlns:p14="http://schemas.microsoft.com/office/powerpoint/2010/main" val="2641418099"/>
+      </p:ext>
+    </p:extLst>
+  </p:cSld>
+  <p:clrMapOvr>
+    <a:masterClrMapping/>
+  </p:clrMapOvr>
+  <p:timing>
+    <p:tnLst>
+      <p:par>
+        <p:cTn id="1" dur="indefinite" restart="never" nodeType="tmRoot"/>
+      </p:par>
+    </p:tnLst>
+  </p:timing>
+</p:sld>
+</file>
+
+<file path=ppt/slides/slide24.xml><?xml version="1.0" encoding="utf-8"?>
+<p:sld xmlns:a="http://schemas.openxmlformats.org/drawingml/2006/main" xmlns:r="http://schemas.openxmlformats.org/officeDocument/2006/relationships" xmlns:p="http://schemas.openxmlformats.org/presentationml/2006/main">
+  <p:cSld>
+    <p:spTree>
+      <p:nvGrpSpPr>
+        <p:cNvPr id="1" name=""/>
+        <p:cNvGrpSpPr/>
+        <p:nvPr/>
+      </p:nvGrpSpPr>
+      <p:grpSpPr>
+        <a:xfrm>
+          <a:off x="0" y="0"/>
+          <a:ext cx="0" cy="0"/>
+          <a:chOff x="0" y="0"/>
+          <a:chExt cx="0" cy="0"/>
+        </a:xfrm>
+      </p:grpSpPr>
+      <p:sp>
+        <p:nvSpPr>
+          <p:cNvPr id="2" name="標題 1"/>
+          <p:cNvSpPr>
+            <a:spLocks noGrp="1"/>
+          </p:cNvSpPr>
+          <p:nvPr>
+            <p:ph type="title"/>
+          </p:nvPr>
+        </p:nvSpPr>
+        <p:spPr/>
+        <p:txBody>
+          <a:bodyPr/>
+          <a:lstStyle/>
+          <a:p>
+            <a:r>
+              <a:rPr lang="en-US" altLang="zh-TW" dirty="0" err="1" smtClean="0"/>
+              <a:t>IC_Card</a:t>
+            </a:r>
+            <a:r>
+              <a:rPr lang="zh-TW" altLang="en-US" dirty="0" smtClean="0"/>
+              <a:t>類別再改進</a:t>
+            </a:r>
+            <a:endParaRPr lang="zh-TW" altLang="en-US" dirty="0"/>
+          </a:p>
+        </p:txBody>
+      </p:sp>
+      <p:sp>
+        <p:nvSpPr>
+          <p:cNvPr id="3" name="內容版面配置區 2"/>
+          <p:cNvSpPr>
+            <a:spLocks noGrp="1"/>
+          </p:cNvSpPr>
+          <p:nvPr>
+            <p:ph idx="1"/>
+          </p:nvPr>
+        </p:nvSpPr>
+        <p:spPr/>
+        <p:txBody>
+          <a:bodyPr/>
+          <a:lstStyle/>
+          <a:p>
+            <a:r>
+              <a:rPr lang="zh-TW" altLang="en-US" dirty="0" smtClean="0"/>
+              <a:t>屬性已封裝</a:t>
+            </a:r>
+            <a:endParaRPr lang="en-US" altLang="zh-TW" dirty="0" smtClean="0"/>
+          </a:p>
+          <a:p>
+            <a:r>
+              <a:rPr lang="zh-TW" altLang="en-US" dirty="0"/>
+              <a:t>方法已</a:t>
+            </a:r>
+            <a:r>
+              <a:rPr lang="zh-TW" altLang="en-US" dirty="0" smtClean="0"/>
+              <a:t>提供</a:t>
+            </a:r>
+            <a:endParaRPr lang="en-US" altLang="zh-TW" dirty="0" smtClean="0"/>
+          </a:p>
+          <a:p>
+            <a:r>
+              <a:rPr lang="zh-TW" altLang="en-US" dirty="0"/>
+              <a:t>但是事件</a:t>
+            </a:r>
+            <a:r>
+              <a:rPr lang="zh-TW" altLang="en-US" dirty="0" smtClean="0"/>
+              <a:t>呢？</a:t>
+            </a:r>
+            <a:endParaRPr lang="en-US" altLang="zh-TW" dirty="0" smtClean="0"/>
+          </a:p>
+          <a:p>
+            <a:pPr lvl="1"/>
+            <a:r>
+              <a:rPr lang="zh-TW" altLang="en-US" b="1" dirty="0"/>
+              <a:t>餘額</a:t>
+            </a:r>
+            <a:r>
+              <a:rPr lang="zh-TW" altLang="en-US" b="1" dirty="0" smtClean="0"/>
+              <a:t>不足 </a:t>
+            </a:r>
+            <a:r>
+              <a:rPr lang="zh-TW" altLang="en-US" dirty="0" smtClean="0"/>
+              <a:t>事件還沒實作</a:t>
+            </a:r>
+            <a:endParaRPr lang="en-US" altLang="zh-TW" dirty="0" smtClean="0"/>
+          </a:p>
+          <a:p>
+            <a:pPr lvl="1"/>
+            <a:r>
+              <a:rPr lang="zh-TW" altLang="en-US" dirty="0"/>
+              <a:t>當發生餘額不足時，應該發出事件給關心這件事的物件</a:t>
+            </a:r>
+            <a:r>
+              <a:rPr lang="zh-TW" altLang="en-US" dirty="0" smtClean="0"/>
+              <a:t>。</a:t>
+            </a:r>
+            <a:endParaRPr lang="en-US" altLang="zh-TW" dirty="0" smtClean="0"/>
+          </a:p>
+          <a:p>
+            <a:r>
+              <a:rPr lang="zh-TW" altLang="en-US" dirty="0" smtClean="0"/>
+              <a:t>所以</a:t>
+            </a:r>
+            <a:r>
+              <a:rPr lang="zh-TW" altLang="en-US" dirty="0"/>
+              <a:t>再</a:t>
+            </a:r>
+            <a:r>
+              <a:rPr lang="zh-TW" altLang="en-US" dirty="0" smtClean="0"/>
+              <a:t>改版</a:t>
+            </a:r>
+            <a:r>
+              <a:rPr lang="zh-TW" altLang="en-US" dirty="0"/>
+              <a:t>，增加事件的</a:t>
+            </a:r>
+            <a:r>
+              <a:rPr lang="zh-TW" altLang="en-US" dirty="0" smtClean="0"/>
+              <a:t>處理</a:t>
+            </a:r>
+            <a:endParaRPr lang="en-US" altLang="zh-TW" dirty="0" smtClean="0"/>
+          </a:p>
+          <a:p>
+            <a:pPr lvl="1"/>
+            <a:r>
+              <a:rPr lang="zh-TW" altLang="en-US" dirty="0"/>
+              <a:t> </a:t>
+            </a:r>
+            <a:r>
+              <a:rPr lang="zh-TW" altLang="en-US" dirty="0" smtClean="0"/>
+              <a:t>其實是加入</a:t>
+            </a:r>
+            <a:r>
+              <a:rPr lang="en-US" altLang="zh-TW" dirty="0" smtClean="0"/>
+              <a:t>Call </a:t>
+            </a:r>
+            <a:r>
+              <a:rPr lang="en-US" altLang="zh-TW" dirty="0"/>
+              <a:t>back</a:t>
+            </a:r>
+            <a:r>
+              <a:rPr lang="zh-TW" altLang="en-US" dirty="0" smtClean="0"/>
+              <a:t>機制</a:t>
+            </a:r>
+            <a:endParaRPr lang="zh-TW" altLang="en-US" dirty="0"/>
+          </a:p>
+        </p:txBody>
+      </p:sp>
+    </p:spTree>
+    <p:extLst>
+      <p:ext uri="{BB962C8B-B14F-4D97-AF65-F5344CB8AC3E}">
+        <p14:creationId xmlns:p14="http://schemas.microsoft.com/office/powerpoint/2010/main" val="2702450715"/>
+      </p:ext>
+    </p:extLst>
+  </p:cSld>
+  <p:clrMapOvr>
+    <a:masterClrMapping/>
+  </p:clrMapOvr>
+  <p:timing>
+    <p:tnLst>
+      <p:par>
+        <p:cTn id="1" dur="indefinite" restart="never" nodeType="tmRoot"/>
+      </p:par>
+    </p:tnLst>
+  </p:timing>
+</p:sld>
+</file>
+
+<file path=ppt/slides/slide25.xml><?xml version="1.0" encoding="utf-8"?>
+<p:sld xmlns:a="http://schemas.openxmlformats.org/drawingml/2006/main" xmlns:r="http://schemas.openxmlformats.org/officeDocument/2006/relationships" xmlns:p="http://schemas.openxmlformats.org/presentationml/2006/main">
+  <p:cSld>
+    <p:spTree>
+      <p:nvGrpSpPr>
+        <p:cNvPr id="1" name=""/>
+        <p:cNvGrpSpPr/>
+        <p:nvPr/>
+      </p:nvGrpSpPr>
+      <p:grpSpPr>
+        <a:xfrm>
+          <a:off x="0" y="0"/>
+          <a:ext cx="0" cy="0"/>
+          <a:chOff x="0" y="0"/>
+          <a:chExt cx="0" cy="0"/>
+        </a:xfrm>
+      </p:grpSpPr>
+      <p:sp>
+        <p:nvSpPr>
+          <p:cNvPr id="2" name="標題 1"/>
+          <p:cNvSpPr>
+            <a:spLocks noGrp="1"/>
+          </p:cNvSpPr>
+          <p:nvPr>
+            <p:ph type="title"/>
+          </p:nvPr>
+        </p:nvSpPr>
+        <p:spPr/>
+        <p:txBody>
+          <a:bodyPr/>
+          <a:lstStyle/>
+          <a:p>
+            <a:r>
+              <a:rPr lang="zh-TW" altLang="en-US" dirty="0" smtClean="0"/>
+              <a:t>加入</a:t>
+            </a:r>
+            <a:r>
+              <a:rPr lang="en-US" altLang="zh-TW" dirty="0" err="1" smtClean="0"/>
+              <a:t>On_Insufficient_balance</a:t>
+            </a:r>
+            <a:r>
+              <a:rPr lang="zh-TW" altLang="en-US" dirty="0" smtClean="0"/>
+              <a:t>事件</a:t>
+            </a:r>
+            <a:endParaRPr lang="zh-TW" altLang="en-US" dirty="0"/>
+          </a:p>
+        </p:txBody>
+      </p:sp>
+      <p:sp>
+        <p:nvSpPr>
+          <p:cNvPr id="3" name="內容版面配置區 2"/>
+          <p:cNvSpPr>
+            <a:spLocks noGrp="1"/>
+          </p:cNvSpPr>
+          <p:nvPr>
+            <p:ph idx="1"/>
+          </p:nvPr>
+        </p:nvSpPr>
+        <p:spPr>
+          <a:xfrm>
+            <a:off x="677334" y="1794617"/>
+            <a:ext cx="8596668" cy="4246745"/>
+          </a:xfrm>
+        </p:spPr>
+        <p:txBody>
+          <a:bodyPr/>
+          <a:lstStyle/>
+          <a:p>
+            <a:r>
+              <a:rPr lang="zh-TW" altLang="en-US" dirty="0" smtClean="0"/>
+              <a:t>增加一個</a:t>
+            </a:r>
+            <a:r>
+              <a:rPr lang="en-US" altLang="zh-TW" dirty="0" smtClean="0"/>
+              <a:t>Interface</a:t>
+            </a:r>
+            <a:r>
+              <a:rPr lang="zh-TW" altLang="en-US" dirty="0" smtClean="0"/>
+              <a:t>名稱為</a:t>
+            </a:r>
+            <a:r>
+              <a:rPr lang="zh-TW" altLang="en-US" dirty="0"/>
+              <a:t>：</a:t>
+            </a:r>
+            <a:r>
+              <a:rPr lang="en-US" altLang="zh-TW" dirty="0" err="1" smtClean="0"/>
+              <a:t>IC_Card_Event</a:t>
+            </a:r>
+            <a:endParaRPr lang="en-US" altLang="zh-TW" dirty="0" smtClean="0"/>
+          </a:p>
+          <a:p>
+            <a:endParaRPr lang="en-US" altLang="zh-TW" dirty="0"/>
+          </a:p>
+          <a:p>
+            <a:endParaRPr lang="en-US" altLang="zh-TW" dirty="0" smtClean="0"/>
+          </a:p>
+          <a:p>
+            <a:r>
+              <a:rPr lang="en-US" altLang="zh-TW" dirty="0" err="1" smtClean="0"/>
+              <a:t>IC_Card</a:t>
+            </a:r>
+            <a:r>
+              <a:rPr lang="zh-TW" altLang="en-US" dirty="0" smtClean="0"/>
+              <a:t>類別中加入下面程式碼：</a:t>
+            </a:r>
+            <a:endParaRPr lang="en-US" altLang="zh-TW" dirty="0" smtClean="0"/>
+          </a:p>
+          <a:p>
+            <a:endParaRPr lang="en-US" altLang="zh-TW" dirty="0"/>
+          </a:p>
+          <a:p>
+            <a:endParaRPr lang="en-US" altLang="zh-TW" dirty="0" smtClean="0"/>
+          </a:p>
+          <a:p>
+            <a:endParaRPr lang="en-US" altLang="zh-TW" dirty="0"/>
+          </a:p>
+          <a:p>
+            <a:r>
+              <a:rPr lang="zh-TW" altLang="en-US" dirty="0" smtClean="0"/>
+              <a:t>修改</a:t>
+            </a:r>
+            <a:r>
+              <a:rPr lang="en-US" altLang="zh-TW" dirty="0" err="1" smtClean="0"/>
+              <a:t>IC_Casd</a:t>
+            </a:r>
+            <a:r>
+              <a:rPr lang="zh-TW" altLang="en-US" dirty="0" smtClean="0"/>
+              <a:t>類別中的</a:t>
+            </a:r>
+            <a:r>
+              <a:rPr lang="en-US" altLang="zh-TW" dirty="0" smtClean="0"/>
+              <a:t>Withdraw()</a:t>
+            </a:r>
+            <a:r>
+              <a:rPr lang="zh-TW" altLang="en-US" dirty="0" smtClean="0"/>
+              <a:t>方法：</a:t>
+            </a:r>
+            <a:endParaRPr lang="zh-TW" altLang="en-US" dirty="0"/>
+          </a:p>
+        </p:txBody>
+      </p:sp>
+      <p:pic>
+        <p:nvPicPr>
+          <p:cNvPr id="4" name="圖片 3"/>
+          <p:cNvPicPr>
+            <a:picLocks noChangeAspect="1"/>
+          </p:cNvPicPr>
+          <p:nvPr/>
+        </p:nvPicPr>
+        <p:blipFill>
+          <a:blip r:embed="rId2"/>
+          <a:stretch>
+            <a:fillRect/>
+          </a:stretch>
+        </p:blipFill>
+        <p:spPr>
+          <a:xfrm>
+            <a:off x="1119499" y="2184359"/>
+            <a:ext cx="5187297" cy="633675"/>
+          </a:xfrm>
+          <a:prstGeom prst="rect">
+            <a:avLst/>
+          </a:prstGeom>
+        </p:spPr>
+      </p:pic>
+      <p:pic>
+        <p:nvPicPr>
+          <p:cNvPr id="5" name="圖片 4"/>
+          <p:cNvPicPr>
+            <a:picLocks noChangeAspect="1"/>
+          </p:cNvPicPr>
+          <p:nvPr/>
+        </p:nvPicPr>
+        <p:blipFill>
+          <a:blip r:embed="rId3"/>
+          <a:stretch>
+            <a:fillRect/>
+          </a:stretch>
+        </p:blipFill>
+        <p:spPr>
+          <a:xfrm>
+            <a:off x="1119499" y="3322420"/>
+            <a:ext cx="5648770" cy="1191138"/>
+          </a:xfrm>
+          <a:prstGeom prst="rect">
+            <a:avLst/>
+          </a:prstGeom>
+        </p:spPr>
+      </p:pic>
+      <p:pic>
+        <p:nvPicPr>
+          <p:cNvPr id="6" name="圖片 5"/>
+          <p:cNvPicPr>
+            <a:picLocks noChangeAspect="1"/>
+          </p:cNvPicPr>
+          <p:nvPr/>
+        </p:nvPicPr>
+        <p:blipFill>
+          <a:blip r:embed="rId4"/>
+          <a:stretch>
+            <a:fillRect/>
+          </a:stretch>
+        </p:blipFill>
+        <p:spPr>
+          <a:xfrm>
+            <a:off x="1119499" y="4925163"/>
+            <a:ext cx="5546043" cy="1701960"/>
+          </a:xfrm>
+          <a:prstGeom prst="rect">
+            <a:avLst/>
+          </a:prstGeom>
+        </p:spPr>
+      </p:pic>
+    </p:spTree>
+    <p:extLst>
+      <p:ext uri="{BB962C8B-B14F-4D97-AF65-F5344CB8AC3E}">
+        <p14:creationId xmlns:p14="http://schemas.microsoft.com/office/powerpoint/2010/main" val="3401786869"/>
+      </p:ext>
+    </p:extLst>
+  </p:cSld>
+  <p:clrMapOvr>
+    <a:masterClrMapping/>
+  </p:clrMapOvr>
+  <p:timing>
+    <p:tnLst>
+      <p:par>
+        <p:cTn id="1" dur="indefinite" restart="never" nodeType="tmRoot"/>
+      </p:par>
+    </p:tnLst>
+  </p:timing>
+</p:sld>
+</file>
+
+<file path=ppt/slides/slide26.xml><?xml version="1.0" encoding="utf-8"?>
+<p:sld xmlns:a="http://schemas.openxmlformats.org/drawingml/2006/main" xmlns:r="http://schemas.openxmlformats.org/officeDocument/2006/relationships" xmlns:p="http://schemas.openxmlformats.org/presentationml/2006/main">
+  <p:cSld>
+    <p:spTree>
+      <p:nvGrpSpPr>
+        <p:cNvPr id="1" name=""/>
+        <p:cNvGrpSpPr/>
+        <p:nvPr/>
+      </p:nvGrpSpPr>
+      <p:grpSpPr>
+        <a:xfrm>
+          <a:off x="0" y="0"/>
+          <a:ext cx="0" cy="0"/>
+          <a:chOff x="0" y="0"/>
+          <a:chExt cx="0" cy="0"/>
+        </a:xfrm>
+      </p:grpSpPr>
+      <p:sp>
+        <p:nvSpPr>
+          <p:cNvPr id="2" name="標題 1"/>
+          <p:cNvSpPr>
+            <a:spLocks noGrp="1"/>
+          </p:cNvSpPr>
+          <p:nvPr>
+            <p:ph type="title"/>
+          </p:nvPr>
+        </p:nvSpPr>
+        <p:spPr/>
+        <p:txBody>
+          <a:bodyPr>
+            <a:normAutofit/>
+          </a:bodyPr>
+          <a:lstStyle/>
+          <a:p>
+            <a:r>
+              <a:rPr lang="zh-TW" altLang="en-US" sz="3200" dirty="0" smtClean="0"/>
+              <a:t>主類別的部分也要增加設定接收事件的方法</a:t>
+            </a:r>
+            <a:endParaRPr lang="zh-TW" altLang="en-US" sz="3200" dirty="0"/>
+          </a:p>
+        </p:txBody>
+      </p:sp>
+      <p:sp>
+        <p:nvSpPr>
+          <p:cNvPr id="3" name="內容版面配置區 2"/>
+          <p:cNvSpPr>
+            <a:spLocks noGrp="1"/>
+          </p:cNvSpPr>
+          <p:nvPr>
+            <p:ph idx="1"/>
+          </p:nvPr>
+        </p:nvSpPr>
+        <p:spPr/>
+        <p:txBody>
+          <a:bodyPr/>
+          <a:lstStyle/>
+          <a:p>
+            <a:r>
+              <a:rPr lang="zh-TW" altLang="en-US" dirty="0" smtClean="0"/>
+              <a:t>主程式增加如下圖紅框程式碼。執行結果如右。</a:t>
+            </a:r>
+            <a:endParaRPr lang="zh-TW" altLang="en-US" dirty="0"/>
+          </a:p>
+        </p:txBody>
+      </p:sp>
+      <p:pic>
+        <p:nvPicPr>
+          <p:cNvPr id="4" name="圖片 3"/>
+          <p:cNvPicPr>
+            <a:picLocks noChangeAspect="1"/>
+          </p:cNvPicPr>
+          <p:nvPr/>
+        </p:nvPicPr>
+        <p:blipFill>
+          <a:blip r:embed="rId2"/>
+          <a:stretch>
+            <a:fillRect/>
+          </a:stretch>
+        </p:blipFill>
+        <p:spPr>
+          <a:xfrm>
+            <a:off x="1218221" y="2564737"/>
+            <a:ext cx="7943850" cy="3476625"/>
+          </a:xfrm>
+          <a:prstGeom prst="rect">
+            <a:avLst/>
+          </a:prstGeom>
+        </p:spPr>
+      </p:pic>
+      <p:sp>
+        <p:nvSpPr>
+          <p:cNvPr id="5" name="矩形 4"/>
+          <p:cNvSpPr/>
+          <p:nvPr/>
+        </p:nvSpPr>
+        <p:spPr>
+          <a:xfrm>
+            <a:off x="1038415" y="3702465"/>
+            <a:ext cx="7985943" cy="2236862"/>
+          </a:xfrm>
+          <a:prstGeom prst="rect">
+            <a:avLst/>
+          </a:prstGeom>
+          <a:noFill/>
+          <a:ln w="28575">
+            <a:solidFill>
+              <a:srgbClr val="FF0000"/>
+            </a:solidFill>
+          </a:ln>
+        </p:spPr>
+        <p:style>
+          <a:lnRef idx="2">
+            <a:schemeClr val="accent1">
+              <a:shade val="50000"/>
+            </a:schemeClr>
+          </a:lnRef>
+          <a:fillRef idx="1">
+            <a:schemeClr val="accent1"/>
+          </a:fillRef>
+          <a:effectRef idx="0">
+            <a:schemeClr val="accent1"/>
+          </a:effectRef>
+          <a:fontRef idx="minor">
+            <a:schemeClr val="lt1"/>
+          </a:fontRef>
+        </p:style>
+        <p:txBody>
+          <a:bodyPr rtlCol="0" anchor="ctr"/>
+          <a:lstStyle/>
+          <a:p>
+            <a:pPr algn="ctr"/>
+            <a:endParaRPr lang="zh-TW" altLang="en-US"/>
+          </a:p>
+        </p:txBody>
+      </p:sp>
+      <p:pic>
+        <p:nvPicPr>
+          <p:cNvPr id="6" name="圖片 5"/>
+          <p:cNvPicPr>
+            <a:picLocks noChangeAspect="1"/>
+          </p:cNvPicPr>
+          <p:nvPr/>
+        </p:nvPicPr>
+        <p:blipFill>
+          <a:blip r:embed="rId3"/>
+          <a:stretch>
+            <a:fillRect/>
+          </a:stretch>
+        </p:blipFill>
+        <p:spPr>
+          <a:xfrm>
+            <a:off x="8080049" y="2158621"/>
+            <a:ext cx="3962400" cy="1428750"/>
+          </a:xfrm>
+          <a:prstGeom prst="rect">
+            <a:avLst/>
+          </a:prstGeom>
+        </p:spPr>
+      </p:pic>
+    </p:spTree>
+    <p:extLst>
+      <p:ext uri="{BB962C8B-B14F-4D97-AF65-F5344CB8AC3E}">
+        <p14:creationId xmlns:p14="http://schemas.microsoft.com/office/powerpoint/2010/main" val="1634522429"/>
+      </p:ext>
+    </p:extLst>
+  </p:cSld>
+  <p:clrMapOvr>
+    <a:masterClrMapping/>
+  </p:clrMapOvr>
+  <p:timing>
+    <p:tnLst>
+      <p:par>
+        <p:cTn id="1" dur="indefinite" restart="never" nodeType="tmRoot"/>
+      </p:par>
+    </p:tnLst>
+  </p:timing>
+</p:sld>
+</file>
+
+<file path=ppt/slides/slide27.xml><?xml version="1.0" encoding="utf-8"?>
+<p:sld xmlns:a="http://schemas.openxmlformats.org/drawingml/2006/main" xmlns:r="http://schemas.openxmlformats.org/officeDocument/2006/relationships" xmlns:p="http://schemas.openxmlformats.org/presentationml/2006/main">
+  <p:cSld>
+    <p:spTree>
+      <p:nvGrpSpPr>
+        <p:cNvPr id="1" name=""/>
+        <p:cNvGrpSpPr/>
+        <p:nvPr/>
+      </p:nvGrpSpPr>
+      <p:grpSpPr>
+        <a:xfrm>
+          <a:off x="0" y="0"/>
+          <a:ext cx="0" cy="0"/>
+          <a:chOff x="0" y="0"/>
+          <a:chExt cx="0" cy="0"/>
+        </a:xfrm>
+      </p:grpSpPr>
+      <p:sp>
+        <p:nvSpPr>
+          <p:cNvPr id="2" name="標題 1"/>
+          <p:cNvSpPr>
+            <a:spLocks noGrp="1"/>
+          </p:cNvSpPr>
+          <p:nvPr>
+            <p:ph type="title"/>
+          </p:nvPr>
+        </p:nvSpPr>
+        <p:spPr/>
+        <p:txBody>
+          <a:bodyPr/>
+          <a:lstStyle/>
+          <a:p>
+            <a:r>
+              <a:rPr lang="zh-TW" altLang="en-US" dirty="0" smtClean="0"/>
+              <a:t>關於</a:t>
+            </a:r>
+            <a:r>
+              <a:rPr lang="en-US" altLang="zh-TW" dirty="0" smtClean="0"/>
+              <a:t>Event</a:t>
+            </a:r>
+            <a:endParaRPr lang="zh-TW" altLang="en-US" dirty="0"/>
+          </a:p>
+        </p:txBody>
+      </p:sp>
+      <p:sp>
+        <p:nvSpPr>
+          <p:cNvPr id="3" name="內容版面配置區 2"/>
+          <p:cNvSpPr>
+            <a:spLocks noGrp="1"/>
+          </p:cNvSpPr>
+          <p:nvPr>
+            <p:ph idx="1"/>
+          </p:nvPr>
+        </p:nvSpPr>
+        <p:spPr/>
+        <p:txBody>
+          <a:bodyPr/>
+          <a:lstStyle/>
+          <a:p>
+            <a:r>
+              <a:rPr lang="en-US" altLang="zh-TW" dirty="0"/>
+              <a:t>Event</a:t>
+            </a:r>
+            <a:r>
+              <a:rPr lang="zh-TW" altLang="en-US" dirty="0"/>
+              <a:t>的觀念已及程式</a:t>
+            </a:r>
+            <a:r>
+              <a:rPr lang="zh-TW" altLang="en-US" dirty="0" smtClean="0"/>
+              <a:t>寫作較為複雜，初學者不建議立刻投入太多精力在學這件事，容易昏頭，可以稍後再撿回來練習。</a:t>
+            </a:r>
+            <a:endParaRPr lang="en-US" altLang="zh-TW" dirty="0" smtClean="0"/>
+          </a:p>
+          <a:p>
+            <a:r>
+              <a:rPr lang="zh-TW" altLang="en-US" dirty="0" smtClean="0"/>
+              <a:t>大致上的概念如下圖：</a:t>
+            </a:r>
+            <a:endParaRPr lang="zh-TW" altLang="en-US" dirty="0"/>
+          </a:p>
+        </p:txBody>
+      </p:sp>
+      <p:sp>
+        <p:nvSpPr>
+          <p:cNvPr id="4" name="圓角矩形 3"/>
+          <p:cNvSpPr/>
+          <p:nvPr/>
+        </p:nvSpPr>
+        <p:spPr>
+          <a:xfrm>
+            <a:off x="6700400" y="3627947"/>
+            <a:ext cx="2858475" cy="1943911"/>
+          </a:xfrm>
+          <a:prstGeom prst="roundRect">
+            <a:avLst/>
+          </a:prstGeom>
+        </p:spPr>
+        <p:style>
+          <a:lnRef idx="2">
+            <a:schemeClr val="accent1">
+              <a:shade val="50000"/>
+            </a:schemeClr>
+          </a:lnRef>
+          <a:fillRef idx="1">
+            <a:schemeClr val="accent1"/>
+          </a:fillRef>
+          <a:effectRef idx="0">
+            <a:schemeClr val="accent1"/>
+          </a:effectRef>
+          <a:fontRef idx="minor">
+            <a:schemeClr val="lt1"/>
+          </a:fontRef>
+        </p:style>
+        <p:txBody>
+          <a:bodyPr rtlCol="0" anchor="ctr"/>
+          <a:lstStyle/>
+          <a:p>
+            <a:pPr algn="ctr"/>
+            <a:r>
+              <a:rPr lang="zh-TW" altLang="en-US" dirty="0" smtClean="0"/>
+              <a:t>類別</a:t>
+            </a:r>
+            <a:r>
+              <a:rPr lang="en-US" altLang="zh-TW" dirty="0" smtClean="0"/>
+              <a:t>B</a:t>
+            </a:r>
+          </a:p>
+          <a:p>
+            <a:pPr algn="ctr"/>
+            <a:r>
+              <a:rPr lang="zh-TW" altLang="en-US" sz="1600" dirty="0" smtClean="0"/>
+              <a:t>有定義一個事件，指定介面是事件的介面</a:t>
+            </a:r>
+            <a:r>
+              <a:rPr lang="en-US" altLang="zh-TW" sz="1600" smtClean="0"/>
+              <a:t>C</a:t>
+            </a:r>
+            <a:endParaRPr lang="en-US" altLang="zh-TW" sz="1600" dirty="0" smtClean="0"/>
+          </a:p>
+          <a:p>
+            <a:pPr algn="ctr"/>
+            <a:endParaRPr lang="en-US" altLang="zh-TW" dirty="0"/>
+          </a:p>
+          <a:p>
+            <a:pPr algn="ctr"/>
+            <a:endParaRPr lang="en-US" altLang="zh-TW" dirty="0" smtClean="0"/>
+          </a:p>
+          <a:p>
+            <a:pPr algn="ctr"/>
+            <a:endParaRPr lang="en-US" altLang="zh-TW" dirty="0"/>
+          </a:p>
+          <a:p>
+            <a:pPr algn="ctr"/>
+            <a:endParaRPr lang="zh-TW" altLang="en-US" dirty="0"/>
+          </a:p>
+        </p:txBody>
+      </p:sp>
+      <p:sp>
+        <p:nvSpPr>
+          <p:cNvPr id="5" name="圓角矩形 4"/>
+          <p:cNvSpPr/>
+          <p:nvPr/>
+        </p:nvSpPr>
+        <p:spPr>
+          <a:xfrm>
+            <a:off x="1092437" y="3747589"/>
+            <a:ext cx="2606467" cy="1824269"/>
+          </a:xfrm>
+          <a:prstGeom prst="roundRect">
+            <a:avLst/>
+          </a:prstGeom>
+        </p:spPr>
+        <p:style>
+          <a:lnRef idx="2">
+            <a:schemeClr val="accent1">
+              <a:shade val="50000"/>
+            </a:schemeClr>
+          </a:lnRef>
+          <a:fillRef idx="1">
+            <a:schemeClr val="accent1"/>
+          </a:fillRef>
+          <a:effectRef idx="0">
+            <a:schemeClr val="accent1"/>
+          </a:effectRef>
+          <a:fontRef idx="minor">
+            <a:schemeClr val="lt1"/>
+          </a:fontRef>
+        </p:style>
+        <p:txBody>
+          <a:bodyPr rtlCol="0" anchor="ctr"/>
+          <a:lstStyle/>
+          <a:p>
+            <a:pPr algn="ctr"/>
+            <a:r>
+              <a:rPr lang="zh-TW" altLang="en-US" dirty="0" smtClean="0"/>
+              <a:t>類別</a:t>
+            </a:r>
+            <a:r>
+              <a:rPr lang="en-US" altLang="zh-TW" dirty="0" smtClean="0"/>
+              <a:t>A</a:t>
+            </a:r>
+          </a:p>
+          <a:p>
+            <a:pPr algn="ctr"/>
+            <a:endParaRPr lang="en-US" altLang="zh-TW" dirty="0" smtClean="0"/>
+          </a:p>
+          <a:p>
+            <a:pPr algn="ctr"/>
+            <a:r>
+              <a:rPr lang="zh-TW" altLang="en-US" sz="1400" dirty="0" smtClean="0"/>
+              <a:t>有</a:t>
+            </a:r>
+            <a:r>
+              <a:rPr lang="zh-TW" altLang="en-US" sz="1400" dirty="0"/>
+              <a:t>專門</a:t>
+            </a:r>
+            <a:r>
+              <a:rPr lang="zh-TW" altLang="en-US" sz="1400" dirty="0" smtClean="0"/>
+              <a:t>處理</a:t>
+            </a:r>
+            <a:r>
+              <a:rPr lang="zh-TW" altLang="en-US" sz="1400" dirty="0"/>
+              <a:t>事件的方法</a:t>
+            </a:r>
+            <a:r>
+              <a:rPr lang="en-US" altLang="zh-TW" sz="1400" dirty="0"/>
+              <a:t>m</a:t>
+            </a:r>
+            <a:r>
+              <a:rPr lang="en-US" altLang="zh-TW" sz="1400" dirty="0" smtClean="0"/>
+              <a:t>();</a:t>
+            </a:r>
+          </a:p>
+          <a:p>
+            <a:pPr algn="ctr"/>
+            <a:r>
+              <a:rPr lang="zh-TW" altLang="en-US" sz="1400" dirty="0" smtClean="0"/>
+              <a:t>這個方法是依照事件的介面</a:t>
+            </a:r>
+            <a:r>
+              <a:rPr lang="en-US" altLang="zh-TW" sz="1400" dirty="0" smtClean="0"/>
+              <a:t>C</a:t>
+            </a:r>
+            <a:r>
+              <a:rPr lang="zh-TW" altLang="en-US" sz="1400" dirty="0" smtClean="0"/>
+              <a:t>去寫的。</a:t>
+            </a:r>
+            <a:endParaRPr lang="zh-TW" altLang="en-US" sz="1400" dirty="0"/>
+          </a:p>
+        </p:txBody>
+      </p:sp>
+      <p:cxnSp>
+        <p:nvCxnSpPr>
+          <p:cNvPr id="7" name="直線單箭頭接點 6"/>
+          <p:cNvCxnSpPr/>
+          <p:nvPr/>
+        </p:nvCxnSpPr>
+        <p:spPr>
+          <a:xfrm>
+            <a:off x="3698904" y="4100975"/>
+            <a:ext cx="3001496" cy="0"/>
+          </a:xfrm>
+          <a:prstGeom prst="straightConnector1">
+            <a:avLst/>
+          </a:prstGeom>
+          <a:ln>
+            <a:solidFill>
+              <a:srgbClr val="FF0000"/>
+            </a:solidFill>
+            <a:tailEnd type="triangle"/>
+          </a:ln>
+        </p:spPr>
+        <p:style>
+          <a:lnRef idx="1">
+            <a:schemeClr val="accent1"/>
+          </a:lnRef>
+          <a:fillRef idx="0">
+            <a:schemeClr val="accent1"/>
+          </a:fillRef>
+          <a:effectRef idx="0">
+            <a:schemeClr val="accent1"/>
+          </a:effectRef>
+          <a:fontRef idx="minor">
+            <a:schemeClr val="tx1"/>
+          </a:fontRef>
+        </p:style>
+      </p:cxnSp>
+      <p:sp>
+        <p:nvSpPr>
+          <p:cNvPr id="8" name="文字方塊 7"/>
+          <p:cNvSpPr txBox="1"/>
+          <p:nvPr/>
+        </p:nvSpPr>
+        <p:spPr>
+          <a:xfrm>
+            <a:off x="3805969" y="3793198"/>
+            <a:ext cx="2499402" cy="307777"/>
+          </a:xfrm>
+          <a:prstGeom prst="rect">
+            <a:avLst/>
+          </a:prstGeom>
+          <a:noFill/>
+        </p:spPr>
+        <p:txBody>
+          <a:bodyPr wrap="none" rtlCol="0">
+            <a:spAutoFit/>
+          </a:bodyPr>
+          <a:lstStyle/>
+          <a:p>
+            <a:r>
+              <a:rPr lang="en-US" altLang="zh-TW" sz="1400" dirty="0" smtClean="0"/>
+              <a:t>1.</a:t>
+            </a:r>
+            <a:r>
+              <a:rPr lang="zh-TW" altLang="en-US" sz="1400" dirty="0" smtClean="0"/>
+              <a:t>註冊登記它要關注這個事件</a:t>
+            </a:r>
+            <a:endParaRPr lang="zh-TW" altLang="en-US" sz="1400" dirty="0"/>
+          </a:p>
+        </p:txBody>
+      </p:sp>
+      <p:sp>
+        <p:nvSpPr>
+          <p:cNvPr id="10" name="文字方塊 9"/>
+          <p:cNvSpPr txBox="1"/>
+          <p:nvPr/>
+        </p:nvSpPr>
+        <p:spPr>
+          <a:xfrm>
+            <a:off x="6810556" y="4495088"/>
+            <a:ext cx="2858475" cy="523220"/>
+          </a:xfrm>
+          <a:prstGeom prst="rect">
+            <a:avLst/>
+          </a:prstGeom>
+          <a:noFill/>
+        </p:spPr>
+        <p:txBody>
+          <a:bodyPr wrap="none" rtlCol="0">
+            <a:spAutoFit/>
+          </a:bodyPr>
+          <a:lstStyle/>
+          <a:p>
+            <a:r>
+              <a:rPr lang="en-US" altLang="zh-TW" sz="1400" dirty="0" smtClean="0"/>
+              <a:t>2.</a:t>
+            </a:r>
+            <a:r>
+              <a:rPr lang="zh-TW" altLang="en-US" sz="1400" dirty="0" smtClean="0"/>
+              <a:t>程式執行中，這個事件發生了！</a:t>
+            </a:r>
+            <a:endParaRPr lang="en-US" altLang="zh-TW" sz="1400" dirty="0" smtClean="0"/>
+          </a:p>
+          <a:p>
+            <a:r>
+              <a:rPr lang="en-US" altLang="zh-TW" sz="1400" dirty="0" smtClean="0"/>
+              <a:t>3.</a:t>
+            </a:r>
+            <a:r>
+              <a:rPr lang="zh-TW" altLang="en-US" sz="1400" dirty="0" smtClean="0"/>
+              <a:t>檢查是否有人註冊過這個事件。</a:t>
+            </a:r>
+            <a:endParaRPr lang="en-US" altLang="zh-TW" sz="1400" dirty="0" smtClean="0"/>
+          </a:p>
+        </p:txBody>
+      </p:sp>
+      <p:cxnSp>
+        <p:nvCxnSpPr>
+          <p:cNvPr id="11" name="直線單箭頭接點 10"/>
+          <p:cNvCxnSpPr/>
+          <p:nvPr/>
+        </p:nvCxnSpPr>
+        <p:spPr>
+          <a:xfrm flipH="1" flipV="1">
+            <a:off x="3698904" y="5018308"/>
+            <a:ext cx="3001496" cy="1"/>
+          </a:xfrm>
+          <a:prstGeom prst="straightConnector1">
+            <a:avLst/>
+          </a:prstGeom>
+          <a:ln>
+            <a:solidFill>
+              <a:srgbClr val="FF0000"/>
+            </a:solidFill>
+            <a:tailEnd type="triangle"/>
+          </a:ln>
+        </p:spPr>
+        <p:style>
+          <a:lnRef idx="1">
+            <a:schemeClr val="accent1"/>
+          </a:lnRef>
+          <a:fillRef idx="0">
+            <a:schemeClr val="accent1"/>
+          </a:fillRef>
+          <a:effectRef idx="0">
+            <a:schemeClr val="accent1"/>
+          </a:effectRef>
+          <a:fontRef idx="minor">
+            <a:schemeClr val="tx1"/>
+          </a:fontRef>
+        </p:style>
+      </p:cxnSp>
+      <p:sp>
+        <p:nvSpPr>
+          <p:cNvPr id="14" name="文字方塊 13"/>
+          <p:cNvSpPr txBox="1"/>
+          <p:nvPr/>
+        </p:nvSpPr>
+        <p:spPr>
+          <a:xfrm>
+            <a:off x="3956651" y="4710530"/>
+            <a:ext cx="2198038" cy="307777"/>
+          </a:xfrm>
+          <a:prstGeom prst="rect">
+            <a:avLst/>
+          </a:prstGeom>
+          <a:noFill/>
+        </p:spPr>
+        <p:txBody>
+          <a:bodyPr wrap="none" rtlCol="0">
+            <a:spAutoFit/>
+          </a:bodyPr>
+          <a:lstStyle/>
+          <a:p>
+            <a:r>
+              <a:rPr lang="en-US" altLang="zh-TW" sz="1400" smtClean="0"/>
+              <a:t>4.</a:t>
+            </a:r>
+            <a:r>
+              <a:rPr lang="zh-TW" altLang="en-US" sz="1400" dirty="0" smtClean="0"/>
+              <a:t>物件</a:t>
+            </a:r>
+            <a:r>
+              <a:rPr lang="en-US" altLang="zh-TW" sz="1400" dirty="0" smtClean="0"/>
+              <a:t>B</a:t>
+            </a:r>
+            <a:r>
+              <a:rPr lang="zh-TW" altLang="en-US" sz="1400" dirty="0" smtClean="0"/>
+              <a:t>回</a:t>
+            </a:r>
+            <a:r>
+              <a:rPr lang="en-US" altLang="zh-TW" sz="1400" dirty="0" smtClean="0"/>
+              <a:t>call</a:t>
+            </a:r>
+            <a:r>
+              <a:rPr lang="zh-TW" altLang="en-US" sz="1400" dirty="0" smtClean="0"/>
+              <a:t>物件</a:t>
+            </a:r>
+            <a:r>
+              <a:rPr lang="en-US" altLang="zh-TW" sz="1400" dirty="0" smtClean="0"/>
+              <a:t>A</a:t>
+            </a:r>
+            <a:r>
+              <a:rPr lang="zh-TW" altLang="en-US" sz="1400" dirty="0" smtClean="0"/>
+              <a:t>的</a:t>
+            </a:r>
+            <a:r>
+              <a:rPr lang="en-US" altLang="zh-TW" sz="1400" dirty="0" smtClean="0"/>
+              <a:t>m()</a:t>
+            </a:r>
+            <a:endParaRPr lang="zh-TW" altLang="en-US" sz="1400" dirty="0"/>
+          </a:p>
+        </p:txBody>
+      </p:sp>
+      <p:sp>
+        <p:nvSpPr>
+          <p:cNvPr id="15" name="矩形 14"/>
+          <p:cNvSpPr/>
+          <p:nvPr/>
+        </p:nvSpPr>
+        <p:spPr>
+          <a:xfrm>
+            <a:off x="4093117" y="5383850"/>
+            <a:ext cx="2204815" cy="1010898"/>
+          </a:xfrm>
+          <a:prstGeom prst="rect">
+            <a:avLst/>
+          </a:prstGeom>
+        </p:spPr>
+        <p:style>
+          <a:lnRef idx="2">
+            <a:schemeClr val="accent1">
+              <a:shade val="50000"/>
+            </a:schemeClr>
+          </a:lnRef>
+          <a:fillRef idx="1">
+            <a:schemeClr val="accent1"/>
+          </a:fillRef>
+          <a:effectRef idx="0">
+            <a:schemeClr val="accent1"/>
+          </a:effectRef>
+          <a:fontRef idx="minor">
+            <a:schemeClr val="lt1"/>
+          </a:fontRef>
+        </p:style>
+        <p:txBody>
+          <a:bodyPr rtlCol="0" anchor="ctr"/>
+          <a:lstStyle/>
+          <a:p>
+            <a:pPr algn="ctr"/>
+            <a:r>
+              <a:rPr lang="zh-TW" altLang="en-US" sz="1600" dirty="0" smtClean="0"/>
+              <a:t>事件的介面</a:t>
+            </a:r>
+            <a:r>
+              <a:rPr lang="en-US" altLang="zh-TW" sz="1600" dirty="0" smtClean="0"/>
+              <a:t>C</a:t>
+            </a:r>
+          </a:p>
+          <a:p>
+            <a:pPr algn="ctr"/>
+            <a:endParaRPr lang="en-US" altLang="zh-TW" sz="1600" dirty="0" smtClean="0"/>
+          </a:p>
+          <a:p>
+            <a:pPr algn="ctr"/>
+            <a:r>
+              <a:rPr lang="zh-TW" altLang="en-US" sz="1400" dirty="0" smtClean="0"/>
+              <a:t>定義處理事件的方法該長怎麼樣。</a:t>
+            </a:r>
+            <a:endParaRPr lang="zh-TW" altLang="en-US" sz="1400" dirty="0"/>
+          </a:p>
+        </p:txBody>
+      </p:sp>
+    </p:spTree>
+    <p:extLst>
+      <p:ext uri="{BB962C8B-B14F-4D97-AF65-F5344CB8AC3E}">
+        <p14:creationId xmlns:p14="http://schemas.microsoft.com/office/powerpoint/2010/main" val="3998216240"/>
       </p:ext>
     </p:extLst>
   </p:cSld>

--- a/LCC/Java/10_物件導向程式設計.pptx
+++ b/LCC/Java/10_物件導向程式設計.pptx
@@ -872,7 +872,7 @@
             <a:fld id="{B61BEF0D-F0BB-DE4B-95CE-6DB70DBA9567}" type="datetimeFigureOut">
               <a:rPr lang="en-US" dirty="0"/>
               <a:pPr/>
-              <a:t>9/15/2021</a:t>
+              <a:t>9/16/2021</a:t>
             </a:fld>
             <a:endParaRPr lang="en-US" dirty="0"/>
           </a:p>
@@ -1120,7 +1120,7 @@
             <a:fld id="{B61BEF0D-F0BB-DE4B-95CE-6DB70DBA9567}" type="datetimeFigureOut">
               <a:rPr lang="en-US" dirty="0"/>
               <a:pPr/>
-              <a:t>9/15/2021</a:t>
+              <a:t>9/16/2021</a:t>
             </a:fld>
             <a:endParaRPr lang="en-US" dirty="0"/>
           </a:p>
@@ -1431,7 +1431,7 @@
             <a:fld id="{B61BEF0D-F0BB-DE4B-95CE-6DB70DBA9567}" type="datetimeFigureOut">
               <a:rPr lang="en-US" dirty="0"/>
               <a:pPr/>
-              <a:t>9/15/2021</a:t>
+              <a:t>9/16/2021</a:t>
             </a:fld>
             <a:endParaRPr lang="en-US" dirty="0"/>
           </a:p>
@@ -1769,7 +1769,7 @@
             <a:fld id="{B61BEF0D-F0BB-DE4B-95CE-6DB70DBA9567}" type="datetimeFigureOut">
               <a:rPr lang="en-US" dirty="0"/>
               <a:pPr/>
-              <a:t>9/15/2021</a:t>
+              <a:t>9/16/2021</a:t>
             </a:fld>
             <a:endParaRPr lang="en-US" dirty="0"/>
           </a:p>
@@ -2080,7 +2080,7 @@
             <a:fld id="{B61BEF0D-F0BB-DE4B-95CE-6DB70DBA9567}" type="datetimeFigureOut">
               <a:rPr lang="en-US" dirty="0"/>
               <a:pPr/>
-              <a:t>9/15/2021</a:t>
+              <a:t>9/16/2021</a:t>
             </a:fld>
             <a:endParaRPr lang="en-US" dirty="0"/>
           </a:p>
@@ -2470,7 +2470,7 @@
             <a:fld id="{B61BEF0D-F0BB-DE4B-95CE-6DB70DBA9567}" type="datetimeFigureOut">
               <a:rPr lang="en-US" dirty="0"/>
               <a:pPr/>
-              <a:t>9/15/2021</a:t>
+              <a:t>9/16/2021</a:t>
             </a:fld>
             <a:endParaRPr lang="en-US" dirty="0"/>
           </a:p>
@@ -2636,7 +2636,7 @@
           <a:p>
             <a:fld id="{55C6B4A9-1611-4792-9094-5F34BCA07E0B}" type="datetimeFigureOut">
               <a:rPr lang="en-US" dirty="0"/>
-              <a:t>9/15/2021</a:t>
+              <a:t>9/16/2021</a:t>
             </a:fld>
             <a:endParaRPr lang="en-US" dirty="0"/>
           </a:p>
@@ -2812,7 +2812,7 @@
             <a:fld id="{B61BEF0D-F0BB-DE4B-95CE-6DB70DBA9567}" type="datetimeFigureOut">
               <a:rPr lang="en-US" dirty="0"/>
               <a:pPr/>
-              <a:t>9/15/2021</a:t>
+              <a:t>9/16/2021</a:t>
             </a:fld>
             <a:endParaRPr lang="en-US" dirty="0"/>
           </a:p>
@@ -3009,7 +3009,7 @@
             <a:fld id="{B61BEF0D-F0BB-DE4B-95CE-6DB70DBA9567}" type="datetimeFigureOut">
               <a:rPr lang="en-US" dirty="0"/>
               <a:pPr/>
-              <a:t>9/15/2021</a:t>
+              <a:t>9/16/2021</a:t>
             </a:fld>
             <a:endParaRPr lang="en-US" dirty="0"/>
           </a:p>
@@ -3282,7 +3282,7 @@
             <a:fld id="{B61BEF0D-F0BB-DE4B-95CE-6DB70DBA9567}" type="datetimeFigureOut">
               <a:rPr lang="en-US" dirty="0"/>
               <a:pPr/>
-              <a:t>9/15/2021</a:t>
+              <a:t>9/16/2021</a:t>
             </a:fld>
             <a:endParaRPr lang="en-US" dirty="0"/>
           </a:p>
@@ -3510,7 +3510,7 @@
           <a:p>
             <a:fld id="{EB712588-04B1-427B-82EE-E8DB90309F08}" type="datetimeFigureOut">
               <a:rPr lang="en-US" dirty="0"/>
-              <a:t>9/15/2021</a:t>
+              <a:t>9/16/2021</a:t>
             </a:fld>
             <a:endParaRPr lang="en-US" dirty="0"/>
           </a:p>
@@ -3909,7 +3909,7 @@
             <a:fld id="{B61BEF0D-F0BB-DE4B-95CE-6DB70DBA9567}" type="datetimeFigureOut">
               <a:rPr lang="en-US" dirty="0"/>
               <a:pPr/>
-              <a:t>9/15/2021</a:t>
+              <a:t>9/16/2021</a:t>
             </a:fld>
             <a:endParaRPr lang="en-US" dirty="0"/>
           </a:p>
@@ -4058,7 +4058,7 @@
             <a:fld id="{B61BEF0D-F0BB-DE4B-95CE-6DB70DBA9567}" type="datetimeFigureOut">
               <a:rPr lang="en-US" dirty="0"/>
               <a:pPr/>
-              <a:t>9/15/2021</a:t>
+              <a:t>9/16/2021</a:t>
             </a:fld>
             <a:endParaRPr lang="en-US" dirty="0"/>
           </a:p>
@@ -4150,7 +4150,7 @@
             <a:fld id="{B61BEF0D-F0BB-DE4B-95CE-6DB70DBA9567}" type="datetimeFigureOut">
               <a:rPr lang="en-US" dirty="0"/>
               <a:pPr/>
-              <a:t>9/15/2021</a:t>
+              <a:t>9/16/2021</a:t>
             </a:fld>
             <a:endParaRPr lang="en-US" dirty="0"/>
           </a:p>
@@ -4401,7 +4401,7 @@
           <a:p>
             <a:fld id="{42A54C80-263E-416B-A8E0-580EDEADCBDC}" type="datetimeFigureOut">
               <a:rPr lang="en-US" dirty="0"/>
-              <a:t>9/15/2021</a:t>
+              <a:t>9/16/2021</a:t>
             </a:fld>
             <a:endParaRPr lang="en-US" dirty="0"/>
           </a:p>
@@ -4660,7 +4660,7 @@
             <a:fld id="{B61BEF0D-F0BB-DE4B-95CE-6DB70DBA9567}" type="datetimeFigureOut">
               <a:rPr lang="en-US" dirty="0"/>
               <a:pPr/>
-              <a:t>9/15/2021</a:t>
+              <a:t>9/16/2021</a:t>
             </a:fld>
             <a:endParaRPr lang="en-US" dirty="0"/>
           </a:p>
@@ -5400,7 +5400,7 @@
             <a:fld id="{B61BEF0D-F0BB-DE4B-95CE-6DB70DBA9567}" type="datetimeFigureOut">
               <a:rPr lang="en-US" dirty="0"/>
               <a:pPr/>
-              <a:t>9/15/2021</a:t>
+              <a:t>9/16/2021</a:t>
             </a:fld>
             <a:endParaRPr lang="en-US" dirty="0"/>
           </a:p>
@@ -6010,7 +6010,7 @@
             <a:fld id="{4805910D-2C61-424F-80CE-807290CF0E1E}" type="datetime4">
               <a:rPr lang="zh-TW" altLang="zh-TW"/>
               <a:pPr/>
-              <a:t>110年9月15日星期三</a:t>
+              <a:t>110年9月16日星期四</a:t>
             </a:fld>
             <a:endParaRPr lang="zh-TW" altLang="en-US" dirty="0"/>
           </a:p>
@@ -6268,11 +6268,7 @@
             </a:r>
             <a:r>
               <a:rPr lang="zh-TW" altLang="en-US" dirty="0" smtClean="0"/>
-              <a:t>世界，是一連串的事件影響彼此，同步運行。也像舞台劇或電視劇，一個事件導致另一個事件</a:t>
-            </a:r>
-            <a:r>
-              <a:rPr lang="zh-TW" altLang="en-US" dirty="0" smtClean="0"/>
-              <a:t>。</a:t>
+              <a:t>世界，是一連串的事件影響彼此，同步運行。也像舞台劇或電視劇，一個事件導致另一個事件。</a:t>
             </a:r>
             <a:endParaRPr lang="en-US" altLang="zh-TW" dirty="0" smtClean="0"/>
           </a:p>
@@ -6308,13 +6304,6 @@
               </a:rPr>
               <a:t>中較為複雜的，在後面一點的課程再詳細解說。</a:t>
             </a:r>
-            <a:endParaRPr lang="zh-TW" altLang="en-US" dirty="0">
-              <a:solidFill>
-                <a:schemeClr val="accent5">
-                  <a:lumMod val="75000"/>
-                </a:schemeClr>
-              </a:solidFill>
-            </a:endParaRPr>
           </a:p>
         </p:txBody>
       </p:sp>
@@ -9929,8 +9918,12 @@
           <a:p>
             <a:pPr lvl="1"/>
             <a:r>
+              <a:rPr lang="zh-TW" altLang="en-US" dirty="0" smtClean="0"/>
+              <a:t>但不一定</a:t>
+            </a:r>
+            <a:r>
               <a:rPr lang="zh-TW" altLang="en-US" dirty="0"/>
-              <a:t>不一定有人會鳥</a:t>
+              <a:t>有人會鳥</a:t>
             </a:r>
             <a:r>
               <a:rPr lang="zh-TW" altLang="en-US" dirty="0" smtClean="0"/>

--- a/LCC/Java/10_物件導向程式設計.pptx
+++ b/LCC/Java/10_物件導向程式設計.pptx
@@ -29,9 +29,9 @@
     <p:sldId id="280" r:id="rId23"/>
     <p:sldId id="281" r:id="rId24"/>
     <p:sldId id="283" r:id="rId25"/>
-    <p:sldId id="284" r:id="rId26"/>
-    <p:sldId id="285" r:id="rId27"/>
-    <p:sldId id="286" r:id="rId28"/>
+    <p:sldId id="286" r:id="rId26"/>
+    <p:sldId id="284" r:id="rId27"/>
+    <p:sldId id="285" r:id="rId28"/>
   </p:sldIdLst>
   <p:sldSz cx="12192000" cy="6858000"/>
   <p:notesSz cx="6858000" cy="9144000"/>
@@ -872,7 +872,7 @@
             <a:fld id="{B61BEF0D-F0BB-DE4B-95CE-6DB70DBA9567}" type="datetimeFigureOut">
               <a:rPr lang="en-US" dirty="0"/>
               <a:pPr/>
-              <a:t>9/15/2021</a:t>
+              <a:t>9/23/2021</a:t>
             </a:fld>
             <a:endParaRPr lang="en-US" dirty="0"/>
           </a:p>
@@ -1120,7 +1120,7 @@
             <a:fld id="{B61BEF0D-F0BB-DE4B-95CE-6DB70DBA9567}" type="datetimeFigureOut">
               <a:rPr lang="en-US" dirty="0"/>
               <a:pPr/>
-              <a:t>9/15/2021</a:t>
+              <a:t>9/23/2021</a:t>
             </a:fld>
             <a:endParaRPr lang="en-US" dirty="0"/>
           </a:p>
@@ -1431,7 +1431,7 @@
             <a:fld id="{B61BEF0D-F0BB-DE4B-95CE-6DB70DBA9567}" type="datetimeFigureOut">
               <a:rPr lang="en-US" dirty="0"/>
               <a:pPr/>
-              <a:t>9/15/2021</a:t>
+              <a:t>9/23/2021</a:t>
             </a:fld>
             <a:endParaRPr lang="en-US" dirty="0"/>
           </a:p>
@@ -1769,7 +1769,7 @@
             <a:fld id="{B61BEF0D-F0BB-DE4B-95CE-6DB70DBA9567}" type="datetimeFigureOut">
               <a:rPr lang="en-US" dirty="0"/>
               <a:pPr/>
-              <a:t>9/15/2021</a:t>
+              <a:t>9/23/2021</a:t>
             </a:fld>
             <a:endParaRPr lang="en-US" dirty="0"/>
           </a:p>
@@ -2080,7 +2080,7 @@
             <a:fld id="{B61BEF0D-F0BB-DE4B-95CE-6DB70DBA9567}" type="datetimeFigureOut">
               <a:rPr lang="en-US" dirty="0"/>
               <a:pPr/>
-              <a:t>9/15/2021</a:t>
+              <a:t>9/23/2021</a:t>
             </a:fld>
             <a:endParaRPr lang="en-US" dirty="0"/>
           </a:p>
@@ -2470,7 +2470,7 @@
             <a:fld id="{B61BEF0D-F0BB-DE4B-95CE-6DB70DBA9567}" type="datetimeFigureOut">
               <a:rPr lang="en-US" dirty="0"/>
               <a:pPr/>
-              <a:t>9/15/2021</a:t>
+              <a:t>9/23/2021</a:t>
             </a:fld>
             <a:endParaRPr lang="en-US" dirty="0"/>
           </a:p>
@@ -2636,7 +2636,7 @@
           <a:p>
             <a:fld id="{55C6B4A9-1611-4792-9094-5F34BCA07E0B}" type="datetimeFigureOut">
               <a:rPr lang="en-US" dirty="0"/>
-              <a:t>9/15/2021</a:t>
+              <a:t>9/23/2021</a:t>
             </a:fld>
             <a:endParaRPr lang="en-US" dirty="0"/>
           </a:p>
@@ -2812,7 +2812,7 @@
             <a:fld id="{B61BEF0D-F0BB-DE4B-95CE-6DB70DBA9567}" type="datetimeFigureOut">
               <a:rPr lang="en-US" dirty="0"/>
               <a:pPr/>
-              <a:t>9/15/2021</a:t>
+              <a:t>9/23/2021</a:t>
             </a:fld>
             <a:endParaRPr lang="en-US" dirty="0"/>
           </a:p>
@@ -3009,7 +3009,7 @@
             <a:fld id="{B61BEF0D-F0BB-DE4B-95CE-6DB70DBA9567}" type="datetimeFigureOut">
               <a:rPr lang="en-US" dirty="0"/>
               <a:pPr/>
-              <a:t>9/15/2021</a:t>
+              <a:t>9/23/2021</a:t>
             </a:fld>
             <a:endParaRPr lang="en-US" dirty="0"/>
           </a:p>
@@ -3282,7 +3282,7 @@
             <a:fld id="{B61BEF0D-F0BB-DE4B-95CE-6DB70DBA9567}" type="datetimeFigureOut">
               <a:rPr lang="en-US" dirty="0"/>
               <a:pPr/>
-              <a:t>9/15/2021</a:t>
+              <a:t>9/23/2021</a:t>
             </a:fld>
             <a:endParaRPr lang="en-US" dirty="0"/>
           </a:p>
@@ -3510,7 +3510,7 @@
           <a:p>
             <a:fld id="{EB712588-04B1-427B-82EE-E8DB90309F08}" type="datetimeFigureOut">
               <a:rPr lang="en-US" dirty="0"/>
-              <a:t>9/15/2021</a:t>
+              <a:t>9/23/2021</a:t>
             </a:fld>
             <a:endParaRPr lang="en-US" dirty="0"/>
           </a:p>
@@ -3909,7 +3909,7 @@
             <a:fld id="{B61BEF0D-F0BB-DE4B-95CE-6DB70DBA9567}" type="datetimeFigureOut">
               <a:rPr lang="en-US" dirty="0"/>
               <a:pPr/>
-              <a:t>9/15/2021</a:t>
+              <a:t>9/23/2021</a:t>
             </a:fld>
             <a:endParaRPr lang="en-US" dirty="0"/>
           </a:p>
@@ -4058,7 +4058,7 @@
             <a:fld id="{B61BEF0D-F0BB-DE4B-95CE-6DB70DBA9567}" type="datetimeFigureOut">
               <a:rPr lang="en-US" dirty="0"/>
               <a:pPr/>
-              <a:t>9/15/2021</a:t>
+              <a:t>9/23/2021</a:t>
             </a:fld>
             <a:endParaRPr lang="en-US" dirty="0"/>
           </a:p>
@@ -4150,7 +4150,7 @@
             <a:fld id="{B61BEF0D-F0BB-DE4B-95CE-6DB70DBA9567}" type="datetimeFigureOut">
               <a:rPr lang="en-US" dirty="0"/>
               <a:pPr/>
-              <a:t>9/15/2021</a:t>
+              <a:t>9/23/2021</a:t>
             </a:fld>
             <a:endParaRPr lang="en-US" dirty="0"/>
           </a:p>
@@ -4401,7 +4401,7 @@
           <a:p>
             <a:fld id="{42A54C80-263E-416B-A8E0-580EDEADCBDC}" type="datetimeFigureOut">
               <a:rPr lang="en-US" dirty="0"/>
-              <a:t>9/15/2021</a:t>
+              <a:t>9/23/2021</a:t>
             </a:fld>
             <a:endParaRPr lang="en-US" dirty="0"/>
           </a:p>
@@ -4660,7 +4660,7 @@
             <a:fld id="{B61BEF0D-F0BB-DE4B-95CE-6DB70DBA9567}" type="datetimeFigureOut">
               <a:rPr lang="en-US" dirty="0"/>
               <a:pPr/>
-              <a:t>9/15/2021</a:t>
+              <a:t>9/23/2021</a:t>
             </a:fld>
             <a:endParaRPr lang="en-US" dirty="0"/>
           </a:p>
@@ -5400,7 +5400,7 @@
             <a:fld id="{B61BEF0D-F0BB-DE4B-95CE-6DB70DBA9567}" type="datetimeFigureOut">
               <a:rPr lang="en-US" dirty="0"/>
               <a:pPr/>
-              <a:t>9/15/2021</a:t>
+              <a:t>9/23/2021</a:t>
             </a:fld>
             <a:endParaRPr lang="en-US" dirty="0"/>
           </a:p>
@@ -6010,7 +6010,7 @@
             <a:fld id="{4805910D-2C61-424F-80CE-807290CF0E1E}" type="datetime4">
               <a:rPr lang="zh-TW" altLang="zh-TW"/>
               <a:pPr/>
-              <a:t>110年9月15日星期三</a:t>
+              <a:t>110年9月23日星期四</a:t>
             </a:fld>
             <a:endParaRPr lang="zh-TW" altLang="en-US" dirty="0"/>
           </a:p>
@@ -6268,11 +6268,7 @@
             </a:r>
             <a:r>
               <a:rPr lang="zh-TW" altLang="en-US" dirty="0" smtClean="0"/>
-              <a:t>世界，是一連串的事件影響彼此，同步運行。也像舞台劇或電視劇，一個事件導致另一個事件</a:t>
-            </a:r>
-            <a:r>
-              <a:rPr lang="zh-TW" altLang="en-US" dirty="0" smtClean="0"/>
-              <a:t>。</a:t>
+              <a:t>世界，是一連串的事件影響彼此，同步運行。也像舞台劇或電視劇，一個事件導致另一個事件。</a:t>
             </a:r>
             <a:endParaRPr lang="en-US" altLang="zh-TW" dirty="0" smtClean="0"/>
           </a:p>
@@ -6308,13 +6304,6 @@
               </a:rPr>
               <a:t>中較為複雜的，在後面一點的課程再詳細解說。</a:t>
             </a:r>
-            <a:endParaRPr lang="zh-TW" altLang="en-US" dirty="0">
-              <a:solidFill>
-                <a:schemeClr val="accent5">
-                  <a:lumMod val="75000"/>
-                </a:schemeClr>
-              </a:solidFill>
-            </a:endParaRPr>
           </a:p>
         </p:txBody>
       </p:sp>
@@ -11907,6 +11896,549 @@
           <a:p>
             <a:r>
               <a:rPr lang="zh-TW" altLang="en-US" dirty="0" smtClean="0"/>
+              <a:t>關於</a:t>
+            </a:r>
+            <a:r>
+              <a:rPr lang="en-US" altLang="zh-TW" dirty="0" smtClean="0"/>
+              <a:t>Event</a:t>
+            </a:r>
+            <a:endParaRPr lang="zh-TW" altLang="en-US" dirty="0"/>
+          </a:p>
+        </p:txBody>
+      </p:sp>
+      <p:sp>
+        <p:nvSpPr>
+          <p:cNvPr id="3" name="內容版面配置區 2"/>
+          <p:cNvSpPr>
+            <a:spLocks noGrp="1"/>
+          </p:cNvSpPr>
+          <p:nvPr>
+            <p:ph idx="1"/>
+          </p:nvPr>
+        </p:nvSpPr>
+        <p:spPr/>
+        <p:txBody>
+          <a:bodyPr/>
+          <a:lstStyle/>
+          <a:p>
+            <a:r>
+              <a:rPr lang="en-US" altLang="zh-TW" dirty="0"/>
+              <a:t>Event</a:t>
+            </a:r>
+            <a:r>
+              <a:rPr lang="zh-TW" altLang="en-US" dirty="0"/>
+              <a:t>的觀念已及程式</a:t>
+            </a:r>
+            <a:r>
+              <a:rPr lang="zh-TW" altLang="en-US" dirty="0" smtClean="0"/>
+              <a:t>寫作較為複雜，初學者不建議立刻投入太多精力在學這件事，容易昏頭，可以稍後再撿回來練習。</a:t>
+            </a:r>
+            <a:endParaRPr lang="en-US" altLang="zh-TW" dirty="0" smtClean="0"/>
+          </a:p>
+          <a:p>
+            <a:r>
+              <a:rPr lang="zh-TW" altLang="en-US" dirty="0" smtClean="0"/>
+              <a:t>大致上的概念如下圖：</a:t>
+            </a:r>
+            <a:endParaRPr lang="zh-TW" altLang="en-US" dirty="0"/>
+          </a:p>
+        </p:txBody>
+      </p:sp>
+      <p:sp>
+        <p:nvSpPr>
+          <p:cNvPr id="4" name="圓角矩形 3"/>
+          <p:cNvSpPr/>
+          <p:nvPr/>
+        </p:nvSpPr>
+        <p:spPr>
+          <a:xfrm>
+            <a:off x="6700400" y="3627947"/>
+            <a:ext cx="2858475" cy="1943911"/>
+          </a:xfrm>
+          <a:prstGeom prst="roundRect">
+            <a:avLst/>
+          </a:prstGeom>
+        </p:spPr>
+        <p:style>
+          <a:lnRef idx="2">
+            <a:schemeClr val="accent1">
+              <a:shade val="50000"/>
+            </a:schemeClr>
+          </a:lnRef>
+          <a:fillRef idx="1">
+            <a:schemeClr val="accent1"/>
+          </a:fillRef>
+          <a:effectRef idx="0">
+            <a:schemeClr val="accent1"/>
+          </a:effectRef>
+          <a:fontRef idx="minor">
+            <a:schemeClr val="lt1"/>
+          </a:fontRef>
+        </p:style>
+        <p:txBody>
+          <a:bodyPr rtlCol="0" anchor="ctr"/>
+          <a:lstStyle/>
+          <a:p>
+            <a:pPr algn="ctr"/>
+            <a:r>
+              <a:rPr lang="zh-TW" altLang="en-US" dirty="0" smtClean="0"/>
+              <a:t>類別</a:t>
+            </a:r>
+            <a:r>
+              <a:rPr lang="en-US" altLang="zh-TW" dirty="0" smtClean="0"/>
+              <a:t>B</a:t>
+            </a:r>
+          </a:p>
+          <a:p>
+            <a:pPr algn="ctr"/>
+            <a:r>
+              <a:rPr lang="zh-TW" altLang="en-US" sz="1600" dirty="0" smtClean="0"/>
+              <a:t>有定義一個事件，指定介面是事件的介面</a:t>
+            </a:r>
+            <a:r>
+              <a:rPr lang="en-US" altLang="zh-TW" sz="1600" smtClean="0"/>
+              <a:t>C</a:t>
+            </a:r>
+            <a:endParaRPr lang="en-US" altLang="zh-TW" sz="1600" dirty="0" smtClean="0"/>
+          </a:p>
+          <a:p>
+            <a:pPr algn="ctr"/>
+            <a:endParaRPr lang="en-US" altLang="zh-TW" dirty="0"/>
+          </a:p>
+          <a:p>
+            <a:pPr algn="ctr"/>
+            <a:endParaRPr lang="en-US" altLang="zh-TW" dirty="0" smtClean="0"/>
+          </a:p>
+          <a:p>
+            <a:pPr algn="ctr"/>
+            <a:endParaRPr lang="en-US" altLang="zh-TW" dirty="0"/>
+          </a:p>
+          <a:p>
+            <a:pPr algn="ctr"/>
+            <a:endParaRPr lang="zh-TW" altLang="en-US" dirty="0"/>
+          </a:p>
+        </p:txBody>
+      </p:sp>
+      <p:sp>
+        <p:nvSpPr>
+          <p:cNvPr id="5" name="圓角矩形 4"/>
+          <p:cNvSpPr/>
+          <p:nvPr/>
+        </p:nvSpPr>
+        <p:spPr>
+          <a:xfrm>
+            <a:off x="1092437" y="3747589"/>
+            <a:ext cx="2606467" cy="1824269"/>
+          </a:xfrm>
+          <a:prstGeom prst="roundRect">
+            <a:avLst/>
+          </a:prstGeom>
+        </p:spPr>
+        <p:style>
+          <a:lnRef idx="2">
+            <a:schemeClr val="accent1">
+              <a:shade val="50000"/>
+            </a:schemeClr>
+          </a:lnRef>
+          <a:fillRef idx="1">
+            <a:schemeClr val="accent1"/>
+          </a:fillRef>
+          <a:effectRef idx="0">
+            <a:schemeClr val="accent1"/>
+          </a:effectRef>
+          <a:fontRef idx="minor">
+            <a:schemeClr val="lt1"/>
+          </a:fontRef>
+        </p:style>
+        <p:txBody>
+          <a:bodyPr rtlCol="0" anchor="ctr"/>
+          <a:lstStyle/>
+          <a:p>
+            <a:pPr algn="ctr"/>
+            <a:r>
+              <a:rPr lang="zh-TW" altLang="en-US" dirty="0" smtClean="0"/>
+              <a:t>類別</a:t>
+            </a:r>
+            <a:r>
+              <a:rPr lang="en-US" altLang="zh-TW" dirty="0" smtClean="0"/>
+              <a:t>A</a:t>
+            </a:r>
+          </a:p>
+          <a:p>
+            <a:pPr algn="ctr"/>
+            <a:endParaRPr lang="en-US" altLang="zh-TW" dirty="0" smtClean="0"/>
+          </a:p>
+          <a:p>
+            <a:pPr algn="ctr"/>
+            <a:r>
+              <a:rPr lang="zh-TW" altLang="en-US" sz="1400" dirty="0" smtClean="0"/>
+              <a:t>有</a:t>
+            </a:r>
+            <a:r>
+              <a:rPr lang="zh-TW" altLang="en-US" sz="1400" dirty="0"/>
+              <a:t>專門</a:t>
+            </a:r>
+            <a:r>
+              <a:rPr lang="zh-TW" altLang="en-US" sz="1400" dirty="0" smtClean="0"/>
+              <a:t>處理</a:t>
+            </a:r>
+            <a:r>
+              <a:rPr lang="zh-TW" altLang="en-US" sz="1400" dirty="0"/>
+              <a:t>事件的方法</a:t>
+            </a:r>
+            <a:r>
+              <a:rPr lang="en-US" altLang="zh-TW" sz="1400" dirty="0"/>
+              <a:t>m</a:t>
+            </a:r>
+            <a:r>
+              <a:rPr lang="en-US" altLang="zh-TW" sz="1400" dirty="0" smtClean="0"/>
+              <a:t>();</a:t>
+            </a:r>
+          </a:p>
+          <a:p>
+            <a:pPr algn="ctr"/>
+            <a:r>
+              <a:rPr lang="zh-TW" altLang="en-US" sz="1400" dirty="0" smtClean="0"/>
+              <a:t>這個方法是依照事件的介面</a:t>
+            </a:r>
+            <a:r>
+              <a:rPr lang="en-US" altLang="zh-TW" sz="1400" dirty="0" smtClean="0"/>
+              <a:t>C</a:t>
+            </a:r>
+            <a:r>
+              <a:rPr lang="zh-TW" altLang="en-US" sz="1400" dirty="0" smtClean="0"/>
+              <a:t>去寫的。</a:t>
+            </a:r>
+            <a:endParaRPr lang="zh-TW" altLang="en-US" sz="1400" dirty="0"/>
+          </a:p>
+        </p:txBody>
+      </p:sp>
+      <p:cxnSp>
+        <p:nvCxnSpPr>
+          <p:cNvPr id="7" name="直線單箭頭接點 6"/>
+          <p:cNvCxnSpPr/>
+          <p:nvPr/>
+        </p:nvCxnSpPr>
+        <p:spPr>
+          <a:xfrm>
+            <a:off x="3698904" y="4100975"/>
+            <a:ext cx="3001496" cy="0"/>
+          </a:xfrm>
+          <a:prstGeom prst="straightConnector1">
+            <a:avLst/>
+          </a:prstGeom>
+          <a:ln>
+            <a:solidFill>
+              <a:srgbClr val="FF0000"/>
+            </a:solidFill>
+            <a:tailEnd type="triangle"/>
+          </a:ln>
+        </p:spPr>
+        <p:style>
+          <a:lnRef idx="1">
+            <a:schemeClr val="accent1"/>
+          </a:lnRef>
+          <a:fillRef idx="0">
+            <a:schemeClr val="accent1"/>
+          </a:fillRef>
+          <a:effectRef idx="0">
+            <a:schemeClr val="accent1"/>
+          </a:effectRef>
+          <a:fontRef idx="minor">
+            <a:schemeClr val="tx1"/>
+          </a:fontRef>
+        </p:style>
+      </p:cxnSp>
+      <p:sp>
+        <p:nvSpPr>
+          <p:cNvPr id="8" name="文字方塊 7"/>
+          <p:cNvSpPr txBox="1"/>
+          <p:nvPr/>
+        </p:nvSpPr>
+        <p:spPr>
+          <a:xfrm>
+            <a:off x="3805969" y="3793198"/>
+            <a:ext cx="2499402" cy="307777"/>
+          </a:xfrm>
+          <a:prstGeom prst="rect">
+            <a:avLst/>
+          </a:prstGeom>
+          <a:noFill/>
+        </p:spPr>
+        <p:txBody>
+          <a:bodyPr wrap="none" rtlCol="0">
+            <a:spAutoFit/>
+          </a:bodyPr>
+          <a:lstStyle/>
+          <a:p>
+            <a:r>
+              <a:rPr lang="en-US" altLang="zh-TW" sz="1400" dirty="0" smtClean="0"/>
+              <a:t>1.</a:t>
+            </a:r>
+            <a:r>
+              <a:rPr lang="zh-TW" altLang="en-US" sz="1400" dirty="0" smtClean="0"/>
+              <a:t>註冊登記它要關注這個事件</a:t>
+            </a:r>
+            <a:endParaRPr lang="zh-TW" altLang="en-US" sz="1400" dirty="0"/>
+          </a:p>
+        </p:txBody>
+      </p:sp>
+      <p:sp>
+        <p:nvSpPr>
+          <p:cNvPr id="10" name="文字方塊 9"/>
+          <p:cNvSpPr txBox="1"/>
+          <p:nvPr/>
+        </p:nvSpPr>
+        <p:spPr>
+          <a:xfrm>
+            <a:off x="6810556" y="4495088"/>
+            <a:ext cx="2858475" cy="523220"/>
+          </a:xfrm>
+          <a:prstGeom prst="rect">
+            <a:avLst/>
+          </a:prstGeom>
+          <a:noFill/>
+        </p:spPr>
+        <p:txBody>
+          <a:bodyPr wrap="none" rtlCol="0">
+            <a:spAutoFit/>
+          </a:bodyPr>
+          <a:lstStyle/>
+          <a:p>
+            <a:r>
+              <a:rPr lang="en-US" altLang="zh-TW" sz="1400" dirty="0" smtClean="0"/>
+              <a:t>2.</a:t>
+            </a:r>
+            <a:r>
+              <a:rPr lang="zh-TW" altLang="en-US" sz="1400" dirty="0" smtClean="0"/>
+              <a:t>程式執行中，這個事件發生了！</a:t>
+            </a:r>
+            <a:endParaRPr lang="en-US" altLang="zh-TW" sz="1400" dirty="0" smtClean="0"/>
+          </a:p>
+          <a:p>
+            <a:r>
+              <a:rPr lang="en-US" altLang="zh-TW" sz="1400" dirty="0" smtClean="0"/>
+              <a:t>3.</a:t>
+            </a:r>
+            <a:r>
+              <a:rPr lang="zh-TW" altLang="en-US" sz="1400" dirty="0" smtClean="0"/>
+              <a:t>檢查是否有人註冊過這個事件。</a:t>
+            </a:r>
+            <a:endParaRPr lang="en-US" altLang="zh-TW" sz="1400" dirty="0" smtClean="0"/>
+          </a:p>
+        </p:txBody>
+      </p:sp>
+      <p:cxnSp>
+        <p:nvCxnSpPr>
+          <p:cNvPr id="11" name="直線單箭頭接點 10"/>
+          <p:cNvCxnSpPr/>
+          <p:nvPr/>
+        </p:nvCxnSpPr>
+        <p:spPr>
+          <a:xfrm flipH="1" flipV="1">
+            <a:off x="3698904" y="5018308"/>
+            <a:ext cx="3001496" cy="1"/>
+          </a:xfrm>
+          <a:prstGeom prst="straightConnector1">
+            <a:avLst/>
+          </a:prstGeom>
+          <a:ln>
+            <a:solidFill>
+              <a:srgbClr val="FF0000"/>
+            </a:solidFill>
+            <a:tailEnd type="triangle"/>
+          </a:ln>
+        </p:spPr>
+        <p:style>
+          <a:lnRef idx="1">
+            <a:schemeClr val="accent1"/>
+          </a:lnRef>
+          <a:fillRef idx="0">
+            <a:schemeClr val="accent1"/>
+          </a:fillRef>
+          <a:effectRef idx="0">
+            <a:schemeClr val="accent1"/>
+          </a:effectRef>
+          <a:fontRef idx="minor">
+            <a:schemeClr val="tx1"/>
+          </a:fontRef>
+        </p:style>
+      </p:cxnSp>
+      <p:sp>
+        <p:nvSpPr>
+          <p:cNvPr id="14" name="文字方塊 13"/>
+          <p:cNvSpPr txBox="1"/>
+          <p:nvPr/>
+        </p:nvSpPr>
+        <p:spPr>
+          <a:xfrm>
+            <a:off x="3956651" y="4710530"/>
+            <a:ext cx="2198038" cy="307777"/>
+          </a:xfrm>
+          <a:prstGeom prst="rect">
+            <a:avLst/>
+          </a:prstGeom>
+          <a:noFill/>
+        </p:spPr>
+        <p:txBody>
+          <a:bodyPr wrap="none" rtlCol="0">
+            <a:spAutoFit/>
+          </a:bodyPr>
+          <a:lstStyle/>
+          <a:p>
+            <a:r>
+              <a:rPr lang="en-US" altLang="zh-TW" sz="1400" smtClean="0"/>
+              <a:t>4.</a:t>
+            </a:r>
+            <a:r>
+              <a:rPr lang="zh-TW" altLang="en-US" sz="1400" dirty="0" smtClean="0"/>
+              <a:t>物件</a:t>
+            </a:r>
+            <a:r>
+              <a:rPr lang="en-US" altLang="zh-TW" sz="1400" dirty="0" smtClean="0"/>
+              <a:t>B</a:t>
+            </a:r>
+            <a:r>
+              <a:rPr lang="zh-TW" altLang="en-US" sz="1400" dirty="0" smtClean="0"/>
+              <a:t>回</a:t>
+            </a:r>
+            <a:r>
+              <a:rPr lang="en-US" altLang="zh-TW" sz="1400" dirty="0" smtClean="0"/>
+              <a:t>call</a:t>
+            </a:r>
+            <a:r>
+              <a:rPr lang="zh-TW" altLang="en-US" sz="1400" dirty="0" smtClean="0"/>
+              <a:t>物件</a:t>
+            </a:r>
+            <a:r>
+              <a:rPr lang="en-US" altLang="zh-TW" sz="1400" dirty="0" smtClean="0"/>
+              <a:t>A</a:t>
+            </a:r>
+            <a:r>
+              <a:rPr lang="zh-TW" altLang="en-US" sz="1400" dirty="0" smtClean="0"/>
+              <a:t>的</a:t>
+            </a:r>
+            <a:r>
+              <a:rPr lang="en-US" altLang="zh-TW" sz="1400" dirty="0" smtClean="0"/>
+              <a:t>m()</a:t>
+            </a:r>
+            <a:endParaRPr lang="zh-TW" altLang="en-US" sz="1400" dirty="0"/>
+          </a:p>
+        </p:txBody>
+      </p:sp>
+      <p:sp>
+        <p:nvSpPr>
+          <p:cNvPr id="15" name="矩形 14"/>
+          <p:cNvSpPr/>
+          <p:nvPr/>
+        </p:nvSpPr>
+        <p:spPr>
+          <a:xfrm>
+            <a:off x="4093117" y="5383850"/>
+            <a:ext cx="2204815" cy="1010898"/>
+          </a:xfrm>
+          <a:prstGeom prst="rect">
+            <a:avLst/>
+          </a:prstGeom>
+        </p:spPr>
+        <p:style>
+          <a:lnRef idx="2">
+            <a:schemeClr val="accent1">
+              <a:shade val="50000"/>
+            </a:schemeClr>
+          </a:lnRef>
+          <a:fillRef idx="1">
+            <a:schemeClr val="accent1"/>
+          </a:fillRef>
+          <a:effectRef idx="0">
+            <a:schemeClr val="accent1"/>
+          </a:effectRef>
+          <a:fontRef idx="minor">
+            <a:schemeClr val="lt1"/>
+          </a:fontRef>
+        </p:style>
+        <p:txBody>
+          <a:bodyPr rtlCol="0" anchor="ctr"/>
+          <a:lstStyle/>
+          <a:p>
+            <a:pPr algn="ctr"/>
+            <a:r>
+              <a:rPr lang="zh-TW" altLang="en-US" sz="1600" dirty="0" smtClean="0"/>
+              <a:t>事件的介面</a:t>
+            </a:r>
+            <a:r>
+              <a:rPr lang="en-US" altLang="zh-TW" sz="1600" dirty="0" smtClean="0"/>
+              <a:t>C</a:t>
+            </a:r>
+          </a:p>
+          <a:p>
+            <a:pPr algn="ctr"/>
+            <a:endParaRPr lang="en-US" altLang="zh-TW" sz="1600" dirty="0" smtClean="0"/>
+          </a:p>
+          <a:p>
+            <a:pPr algn="ctr"/>
+            <a:r>
+              <a:rPr lang="zh-TW" altLang="en-US" sz="1400" dirty="0" smtClean="0"/>
+              <a:t>定義處理事件的方法該長怎麼樣。</a:t>
+            </a:r>
+            <a:endParaRPr lang="zh-TW" altLang="en-US" sz="1400" dirty="0"/>
+          </a:p>
+        </p:txBody>
+      </p:sp>
+    </p:spTree>
+    <p:extLst>
+      <p:ext uri="{BB962C8B-B14F-4D97-AF65-F5344CB8AC3E}">
+        <p14:creationId xmlns:p14="http://schemas.microsoft.com/office/powerpoint/2010/main" val="3998216240"/>
+      </p:ext>
+    </p:extLst>
+  </p:cSld>
+  <p:clrMapOvr>
+    <a:masterClrMapping/>
+  </p:clrMapOvr>
+  <p:timing>
+    <p:tnLst>
+      <p:par>
+        <p:cTn id="1" dur="indefinite" restart="never" nodeType="tmRoot"/>
+      </p:par>
+    </p:tnLst>
+  </p:timing>
+</p:sld>
+</file>
+
+<file path=ppt/slides/slide26.xml><?xml version="1.0" encoding="utf-8"?>
+<p:sld xmlns:a="http://schemas.openxmlformats.org/drawingml/2006/main" xmlns:r="http://schemas.openxmlformats.org/officeDocument/2006/relationships" xmlns:p="http://schemas.openxmlformats.org/presentationml/2006/main">
+  <p:cSld>
+    <p:spTree>
+      <p:nvGrpSpPr>
+        <p:cNvPr id="1" name=""/>
+        <p:cNvGrpSpPr/>
+        <p:nvPr/>
+      </p:nvGrpSpPr>
+      <p:grpSpPr>
+        <a:xfrm>
+          <a:off x="0" y="0"/>
+          <a:ext cx="0" cy="0"/>
+          <a:chOff x="0" y="0"/>
+          <a:chExt cx="0" cy="0"/>
+        </a:xfrm>
+      </p:grpSpPr>
+      <p:sp>
+        <p:nvSpPr>
+          <p:cNvPr id="2" name="標題 1"/>
+          <p:cNvSpPr>
+            <a:spLocks noGrp="1"/>
+          </p:cNvSpPr>
+          <p:nvPr>
+            <p:ph type="title"/>
+          </p:nvPr>
+        </p:nvSpPr>
+        <p:spPr/>
+        <p:txBody>
+          <a:bodyPr/>
+          <a:lstStyle/>
+          <a:p>
+            <a:r>
+              <a:rPr lang="zh-TW" altLang="en-US" dirty="0" smtClean="0"/>
               <a:t>加入</a:t>
             </a:r>
             <a:r>
@@ -12106,7 +12638,7 @@
 </p:sld>
 </file>
 
-<file path=ppt/slides/slide26.xml><?xml version="1.0" encoding="utf-8"?>
+<file path=ppt/slides/slide27.xml><?xml version="1.0" encoding="utf-8"?>
 <p:sld xmlns:a="http://schemas.openxmlformats.org/drawingml/2006/main" xmlns:r="http://schemas.openxmlformats.org/officeDocument/2006/relationships" xmlns:p="http://schemas.openxmlformats.org/presentationml/2006/main">
   <p:cSld>
     <p:spTree>
@@ -12269,549 +12801,6 @@
     <p:extLst>
       <p:ext uri="{BB962C8B-B14F-4D97-AF65-F5344CB8AC3E}">
         <p14:creationId xmlns:p14="http://schemas.microsoft.com/office/powerpoint/2010/main" val="1634522429"/>
-      </p:ext>
-    </p:extLst>
-  </p:cSld>
-  <p:clrMapOvr>
-    <a:masterClrMapping/>
-  </p:clrMapOvr>
-  <p:timing>
-    <p:tnLst>
-      <p:par>
-        <p:cTn id="1" dur="indefinite" restart="never" nodeType="tmRoot"/>
-      </p:par>
-    </p:tnLst>
-  </p:timing>
-</p:sld>
-</file>
-
-<file path=ppt/slides/slide27.xml><?xml version="1.0" encoding="utf-8"?>
-<p:sld xmlns:a="http://schemas.openxmlformats.org/drawingml/2006/main" xmlns:r="http://schemas.openxmlformats.org/officeDocument/2006/relationships" xmlns:p="http://schemas.openxmlformats.org/presentationml/2006/main">
-  <p:cSld>
-    <p:spTree>
-      <p:nvGrpSpPr>
-        <p:cNvPr id="1" name=""/>
-        <p:cNvGrpSpPr/>
-        <p:nvPr/>
-      </p:nvGrpSpPr>
-      <p:grpSpPr>
-        <a:xfrm>
-          <a:off x="0" y="0"/>
-          <a:ext cx="0" cy="0"/>
-          <a:chOff x="0" y="0"/>
-          <a:chExt cx="0" cy="0"/>
-        </a:xfrm>
-      </p:grpSpPr>
-      <p:sp>
-        <p:nvSpPr>
-          <p:cNvPr id="2" name="標題 1"/>
-          <p:cNvSpPr>
-            <a:spLocks noGrp="1"/>
-          </p:cNvSpPr>
-          <p:nvPr>
-            <p:ph type="title"/>
-          </p:nvPr>
-        </p:nvSpPr>
-        <p:spPr/>
-        <p:txBody>
-          <a:bodyPr/>
-          <a:lstStyle/>
-          <a:p>
-            <a:r>
-              <a:rPr lang="zh-TW" altLang="en-US" dirty="0" smtClean="0"/>
-              <a:t>關於</a:t>
-            </a:r>
-            <a:r>
-              <a:rPr lang="en-US" altLang="zh-TW" dirty="0" smtClean="0"/>
-              <a:t>Event</a:t>
-            </a:r>
-            <a:endParaRPr lang="zh-TW" altLang="en-US" dirty="0"/>
-          </a:p>
-        </p:txBody>
-      </p:sp>
-      <p:sp>
-        <p:nvSpPr>
-          <p:cNvPr id="3" name="內容版面配置區 2"/>
-          <p:cNvSpPr>
-            <a:spLocks noGrp="1"/>
-          </p:cNvSpPr>
-          <p:nvPr>
-            <p:ph idx="1"/>
-          </p:nvPr>
-        </p:nvSpPr>
-        <p:spPr/>
-        <p:txBody>
-          <a:bodyPr/>
-          <a:lstStyle/>
-          <a:p>
-            <a:r>
-              <a:rPr lang="en-US" altLang="zh-TW" dirty="0"/>
-              <a:t>Event</a:t>
-            </a:r>
-            <a:r>
-              <a:rPr lang="zh-TW" altLang="en-US" dirty="0"/>
-              <a:t>的觀念已及程式</a:t>
-            </a:r>
-            <a:r>
-              <a:rPr lang="zh-TW" altLang="en-US" dirty="0" smtClean="0"/>
-              <a:t>寫作較為複雜，初學者不建議立刻投入太多精力在學這件事，容易昏頭，可以稍後再撿回來練習。</a:t>
-            </a:r>
-            <a:endParaRPr lang="en-US" altLang="zh-TW" dirty="0" smtClean="0"/>
-          </a:p>
-          <a:p>
-            <a:r>
-              <a:rPr lang="zh-TW" altLang="en-US" dirty="0" smtClean="0"/>
-              <a:t>大致上的概念如下圖：</a:t>
-            </a:r>
-            <a:endParaRPr lang="zh-TW" altLang="en-US" dirty="0"/>
-          </a:p>
-        </p:txBody>
-      </p:sp>
-      <p:sp>
-        <p:nvSpPr>
-          <p:cNvPr id="4" name="圓角矩形 3"/>
-          <p:cNvSpPr/>
-          <p:nvPr/>
-        </p:nvSpPr>
-        <p:spPr>
-          <a:xfrm>
-            <a:off x="6700400" y="3627947"/>
-            <a:ext cx="2858475" cy="1943911"/>
-          </a:xfrm>
-          <a:prstGeom prst="roundRect">
-            <a:avLst/>
-          </a:prstGeom>
-        </p:spPr>
-        <p:style>
-          <a:lnRef idx="2">
-            <a:schemeClr val="accent1">
-              <a:shade val="50000"/>
-            </a:schemeClr>
-          </a:lnRef>
-          <a:fillRef idx="1">
-            <a:schemeClr val="accent1"/>
-          </a:fillRef>
-          <a:effectRef idx="0">
-            <a:schemeClr val="accent1"/>
-          </a:effectRef>
-          <a:fontRef idx="minor">
-            <a:schemeClr val="lt1"/>
-          </a:fontRef>
-        </p:style>
-        <p:txBody>
-          <a:bodyPr rtlCol="0" anchor="ctr"/>
-          <a:lstStyle/>
-          <a:p>
-            <a:pPr algn="ctr"/>
-            <a:r>
-              <a:rPr lang="zh-TW" altLang="en-US" dirty="0" smtClean="0"/>
-              <a:t>類別</a:t>
-            </a:r>
-            <a:r>
-              <a:rPr lang="en-US" altLang="zh-TW" dirty="0" smtClean="0"/>
-              <a:t>B</a:t>
-            </a:r>
-          </a:p>
-          <a:p>
-            <a:pPr algn="ctr"/>
-            <a:r>
-              <a:rPr lang="zh-TW" altLang="en-US" sz="1600" dirty="0" smtClean="0"/>
-              <a:t>有定義一個事件，指定介面是事件的介面</a:t>
-            </a:r>
-            <a:r>
-              <a:rPr lang="en-US" altLang="zh-TW" sz="1600" smtClean="0"/>
-              <a:t>C</a:t>
-            </a:r>
-            <a:endParaRPr lang="en-US" altLang="zh-TW" sz="1600" dirty="0" smtClean="0"/>
-          </a:p>
-          <a:p>
-            <a:pPr algn="ctr"/>
-            <a:endParaRPr lang="en-US" altLang="zh-TW" dirty="0"/>
-          </a:p>
-          <a:p>
-            <a:pPr algn="ctr"/>
-            <a:endParaRPr lang="en-US" altLang="zh-TW" dirty="0" smtClean="0"/>
-          </a:p>
-          <a:p>
-            <a:pPr algn="ctr"/>
-            <a:endParaRPr lang="en-US" altLang="zh-TW" dirty="0"/>
-          </a:p>
-          <a:p>
-            <a:pPr algn="ctr"/>
-            <a:endParaRPr lang="zh-TW" altLang="en-US" dirty="0"/>
-          </a:p>
-        </p:txBody>
-      </p:sp>
-      <p:sp>
-        <p:nvSpPr>
-          <p:cNvPr id="5" name="圓角矩形 4"/>
-          <p:cNvSpPr/>
-          <p:nvPr/>
-        </p:nvSpPr>
-        <p:spPr>
-          <a:xfrm>
-            <a:off x="1092437" y="3747589"/>
-            <a:ext cx="2606467" cy="1824269"/>
-          </a:xfrm>
-          <a:prstGeom prst="roundRect">
-            <a:avLst/>
-          </a:prstGeom>
-        </p:spPr>
-        <p:style>
-          <a:lnRef idx="2">
-            <a:schemeClr val="accent1">
-              <a:shade val="50000"/>
-            </a:schemeClr>
-          </a:lnRef>
-          <a:fillRef idx="1">
-            <a:schemeClr val="accent1"/>
-          </a:fillRef>
-          <a:effectRef idx="0">
-            <a:schemeClr val="accent1"/>
-          </a:effectRef>
-          <a:fontRef idx="minor">
-            <a:schemeClr val="lt1"/>
-          </a:fontRef>
-        </p:style>
-        <p:txBody>
-          <a:bodyPr rtlCol="0" anchor="ctr"/>
-          <a:lstStyle/>
-          <a:p>
-            <a:pPr algn="ctr"/>
-            <a:r>
-              <a:rPr lang="zh-TW" altLang="en-US" dirty="0" smtClean="0"/>
-              <a:t>類別</a:t>
-            </a:r>
-            <a:r>
-              <a:rPr lang="en-US" altLang="zh-TW" dirty="0" smtClean="0"/>
-              <a:t>A</a:t>
-            </a:r>
-          </a:p>
-          <a:p>
-            <a:pPr algn="ctr"/>
-            <a:endParaRPr lang="en-US" altLang="zh-TW" dirty="0" smtClean="0"/>
-          </a:p>
-          <a:p>
-            <a:pPr algn="ctr"/>
-            <a:r>
-              <a:rPr lang="zh-TW" altLang="en-US" sz="1400" dirty="0" smtClean="0"/>
-              <a:t>有</a:t>
-            </a:r>
-            <a:r>
-              <a:rPr lang="zh-TW" altLang="en-US" sz="1400" dirty="0"/>
-              <a:t>專門</a:t>
-            </a:r>
-            <a:r>
-              <a:rPr lang="zh-TW" altLang="en-US" sz="1400" dirty="0" smtClean="0"/>
-              <a:t>處理</a:t>
-            </a:r>
-            <a:r>
-              <a:rPr lang="zh-TW" altLang="en-US" sz="1400" dirty="0"/>
-              <a:t>事件的方法</a:t>
-            </a:r>
-            <a:r>
-              <a:rPr lang="en-US" altLang="zh-TW" sz="1400" dirty="0"/>
-              <a:t>m</a:t>
-            </a:r>
-            <a:r>
-              <a:rPr lang="en-US" altLang="zh-TW" sz="1400" dirty="0" smtClean="0"/>
-              <a:t>();</a:t>
-            </a:r>
-          </a:p>
-          <a:p>
-            <a:pPr algn="ctr"/>
-            <a:r>
-              <a:rPr lang="zh-TW" altLang="en-US" sz="1400" dirty="0" smtClean="0"/>
-              <a:t>這個方法是依照事件的介面</a:t>
-            </a:r>
-            <a:r>
-              <a:rPr lang="en-US" altLang="zh-TW" sz="1400" dirty="0" smtClean="0"/>
-              <a:t>C</a:t>
-            </a:r>
-            <a:r>
-              <a:rPr lang="zh-TW" altLang="en-US" sz="1400" dirty="0" smtClean="0"/>
-              <a:t>去寫的。</a:t>
-            </a:r>
-            <a:endParaRPr lang="zh-TW" altLang="en-US" sz="1400" dirty="0"/>
-          </a:p>
-        </p:txBody>
-      </p:sp>
-      <p:cxnSp>
-        <p:nvCxnSpPr>
-          <p:cNvPr id="7" name="直線單箭頭接點 6"/>
-          <p:cNvCxnSpPr/>
-          <p:nvPr/>
-        </p:nvCxnSpPr>
-        <p:spPr>
-          <a:xfrm>
-            <a:off x="3698904" y="4100975"/>
-            <a:ext cx="3001496" cy="0"/>
-          </a:xfrm>
-          <a:prstGeom prst="straightConnector1">
-            <a:avLst/>
-          </a:prstGeom>
-          <a:ln>
-            <a:solidFill>
-              <a:srgbClr val="FF0000"/>
-            </a:solidFill>
-            <a:tailEnd type="triangle"/>
-          </a:ln>
-        </p:spPr>
-        <p:style>
-          <a:lnRef idx="1">
-            <a:schemeClr val="accent1"/>
-          </a:lnRef>
-          <a:fillRef idx="0">
-            <a:schemeClr val="accent1"/>
-          </a:fillRef>
-          <a:effectRef idx="0">
-            <a:schemeClr val="accent1"/>
-          </a:effectRef>
-          <a:fontRef idx="minor">
-            <a:schemeClr val="tx1"/>
-          </a:fontRef>
-        </p:style>
-      </p:cxnSp>
-      <p:sp>
-        <p:nvSpPr>
-          <p:cNvPr id="8" name="文字方塊 7"/>
-          <p:cNvSpPr txBox="1"/>
-          <p:nvPr/>
-        </p:nvSpPr>
-        <p:spPr>
-          <a:xfrm>
-            <a:off x="3805969" y="3793198"/>
-            <a:ext cx="2499402" cy="307777"/>
-          </a:xfrm>
-          <a:prstGeom prst="rect">
-            <a:avLst/>
-          </a:prstGeom>
-          <a:noFill/>
-        </p:spPr>
-        <p:txBody>
-          <a:bodyPr wrap="none" rtlCol="0">
-            <a:spAutoFit/>
-          </a:bodyPr>
-          <a:lstStyle/>
-          <a:p>
-            <a:r>
-              <a:rPr lang="en-US" altLang="zh-TW" sz="1400" dirty="0" smtClean="0"/>
-              <a:t>1.</a:t>
-            </a:r>
-            <a:r>
-              <a:rPr lang="zh-TW" altLang="en-US" sz="1400" dirty="0" smtClean="0"/>
-              <a:t>註冊登記它要關注這個事件</a:t>
-            </a:r>
-            <a:endParaRPr lang="zh-TW" altLang="en-US" sz="1400" dirty="0"/>
-          </a:p>
-        </p:txBody>
-      </p:sp>
-      <p:sp>
-        <p:nvSpPr>
-          <p:cNvPr id="10" name="文字方塊 9"/>
-          <p:cNvSpPr txBox="1"/>
-          <p:nvPr/>
-        </p:nvSpPr>
-        <p:spPr>
-          <a:xfrm>
-            <a:off x="6810556" y="4495088"/>
-            <a:ext cx="2858475" cy="523220"/>
-          </a:xfrm>
-          <a:prstGeom prst="rect">
-            <a:avLst/>
-          </a:prstGeom>
-          <a:noFill/>
-        </p:spPr>
-        <p:txBody>
-          <a:bodyPr wrap="none" rtlCol="0">
-            <a:spAutoFit/>
-          </a:bodyPr>
-          <a:lstStyle/>
-          <a:p>
-            <a:r>
-              <a:rPr lang="en-US" altLang="zh-TW" sz="1400" dirty="0" smtClean="0"/>
-              <a:t>2.</a:t>
-            </a:r>
-            <a:r>
-              <a:rPr lang="zh-TW" altLang="en-US" sz="1400" dirty="0" smtClean="0"/>
-              <a:t>程式執行中，這個事件發生了！</a:t>
-            </a:r>
-            <a:endParaRPr lang="en-US" altLang="zh-TW" sz="1400" dirty="0" smtClean="0"/>
-          </a:p>
-          <a:p>
-            <a:r>
-              <a:rPr lang="en-US" altLang="zh-TW" sz="1400" dirty="0" smtClean="0"/>
-              <a:t>3.</a:t>
-            </a:r>
-            <a:r>
-              <a:rPr lang="zh-TW" altLang="en-US" sz="1400" dirty="0" smtClean="0"/>
-              <a:t>檢查是否有人註冊過這個事件。</a:t>
-            </a:r>
-            <a:endParaRPr lang="en-US" altLang="zh-TW" sz="1400" dirty="0" smtClean="0"/>
-          </a:p>
-        </p:txBody>
-      </p:sp>
-      <p:cxnSp>
-        <p:nvCxnSpPr>
-          <p:cNvPr id="11" name="直線單箭頭接點 10"/>
-          <p:cNvCxnSpPr/>
-          <p:nvPr/>
-        </p:nvCxnSpPr>
-        <p:spPr>
-          <a:xfrm flipH="1" flipV="1">
-            <a:off x="3698904" y="5018308"/>
-            <a:ext cx="3001496" cy="1"/>
-          </a:xfrm>
-          <a:prstGeom prst="straightConnector1">
-            <a:avLst/>
-          </a:prstGeom>
-          <a:ln>
-            <a:solidFill>
-              <a:srgbClr val="FF0000"/>
-            </a:solidFill>
-            <a:tailEnd type="triangle"/>
-          </a:ln>
-        </p:spPr>
-        <p:style>
-          <a:lnRef idx="1">
-            <a:schemeClr val="accent1"/>
-          </a:lnRef>
-          <a:fillRef idx="0">
-            <a:schemeClr val="accent1"/>
-          </a:fillRef>
-          <a:effectRef idx="0">
-            <a:schemeClr val="accent1"/>
-          </a:effectRef>
-          <a:fontRef idx="minor">
-            <a:schemeClr val="tx1"/>
-          </a:fontRef>
-        </p:style>
-      </p:cxnSp>
-      <p:sp>
-        <p:nvSpPr>
-          <p:cNvPr id="14" name="文字方塊 13"/>
-          <p:cNvSpPr txBox="1"/>
-          <p:nvPr/>
-        </p:nvSpPr>
-        <p:spPr>
-          <a:xfrm>
-            <a:off x="3956651" y="4710530"/>
-            <a:ext cx="2198038" cy="307777"/>
-          </a:xfrm>
-          <a:prstGeom prst="rect">
-            <a:avLst/>
-          </a:prstGeom>
-          <a:noFill/>
-        </p:spPr>
-        <p:txBody>
-          <a:bodyPr wrap="none" rtlCol="0">
-            <a:spAutoFit/>
-          </a:bodyPr>
-          <a:lstStyle/>
-          <a:p>
-            <a:r>
-              <a:rPr lang="en-US" altLang="zh-TW" sz="1400" smtClean="0"/>
-              <a:t>4.</a:t>
-            </a:r>
-            <a:r>
-              <a:rPr lang="zh-TW" altLang="en-US" sz="1400" dirty="0" smtClean="0"/>
-              <a:t>物件</a:t>
-            </a:r>
-            <a:r>
-              <a:rPr lang="en-US" altLang="zh-TW" sz="1400" dirty="0" smtClean="0"/>
-              <a:t>B</a:t>
-            </a:r>
-            <a:r>
-              <a:rPr lang="zh-TW" altLang="en-US" sz="1400" dirty="0" smtClean="0"/>
-              <a:t>回</a:t>
-            </a:r>
-            <a:r>
-              <a:rPr lang="en-US" altLang="zh-TW" sz="1400" dirty="0" smtClean="0"/>
-              <a:t>call</a:t>
-            </a:r>
-            <a:r>
-              <a:rPr lang="zh-TW" altLang="en-US" sz="1400" dirty="0" smtClean="0"/>
-              <a:t>物件</a:t>
-            </a:r>
-            <a:r>
-              <a:rPr lang="en-US" altLang="zh-TW" sz="1400" dirty="0" smtClean="0"/>
-              <a:t>A</a:t>
-            </a:r>
-            <a:r>
-              <a:rPr lang="zh-TW" altLang="en-US" sz="1400" dirty="0" smtClean="0"/>
-              <a:t>的</a:t>
-            </a:r>
-            <a:r>
-              <a:rPr lang="en-US" altLang="zh-TW" sz="1400" dirty="0" smtClean="0"/>
-              <a:t>m()</a:t>
-            </a:r>
-            <a:endParaRPr lang="zh-TW" altLang="en-US" sz="1400" dirty="0"/>
-          </a:p>
-        </p:txBody>
-      </p:sp>
-      <p:sp>
-        <p:nvSpPr>
-          <p:cNvPr id="15" name="矩形 14"/>
-          <p:cNvSpPr/>
-          <p:nvPr/>
-        </p:nvSpPr>
-        <p:spPr>
-          <a:xfrm>
-            <a:off x="4093117" y="5383850"/>
-            <a:ext cx="2204815" cy="1010898"/>
-          </a:xfrm>
-          <a:prstGeom prst="rect">
-            <a:avLst/>
-          </a:prstGeom>
-        </p:spPr>
-        <p:style>
-          <a:lnRef idx="2">
-            <a:schemeClr val="accent1">
-              <a:shade val="50000"/>
-            </a:schemeClr>
-          </a:lnRef>
-          <a:fillRef idx="1">
-            <a:schemeClr val="accent1"/>
-          </a:fillRef>
-          <a:effectRef idx="0">
-            <a:schemeClr val="accent1"/>
-          </a:effectRef>
-          <a:fontRef idx="minor">
-            <a:schemeClr val="lt1"/>
-          </a:fontRef>
-        </p:style>
-        <p:txBody>
-          <a:bodyPr rtlCol="0" anchor="ctr"/>
-          <a:lstStyle/>
-          <a:p>
-            <a:pPr algn="ctr"/>
-            <a:r>
-              <a:rPr lang="zh-TW" altLang="en-US" sz="1600" dirty="0" smtClean="0"/>
-              <a:t>事件的介面</a:t>
-            </a:r>
-            <a:r>
-              <a:rPr lang="en-US" altLang="zh-TW" sz="1600" dirty="0" smtClean="0"/>
-              <a:t>C</a:t>
-            </a:r>
-          </a:p>
-          <a:p>
-            <a:pPr algn="ctr"/>
-            <a:endParaRPr lang="en-US" altLang="zh-TW" sz="1600" dirty="0" smtClean="0"/>
-          </a:p>
-          <a:p>
-            <a:pPr algn="ctr"/>
-            <a:r>
-              <a:rPr lang="zh-TW" altLang="en-US" sz="1400" dirty="0" smtClean="0"/>
-              <a:t>定義處理事件的方法該長怎麼樣。</a:t>
-            </a:r>
-            <a:endParaRPr lang="zh-TW" altLang="en-US" sz="1400" dirty="0"/>
-          </a:p>
-        </p:txBody>
-      </p:sp>
-    </p:spTree>
-    <p:extLst>
-      <p:ext uri="{BB962C8B-B14F-4D97-AF65-F5344CB8AC3E}">
-        <p14:creationId xmlns:p14="http://schemas.microsoft.com/office/powerpoint/2010/main" val="3998216240"/>
       </p:ext>
     </p:extLst>
   </p:cSld>

--- a/LCC/Java/10_物件導向程式設計.pptx
+++ b/LCC/Java/10_物件導向程式設計.pptx
@@ -872,7 +872,7 @@
             <a:fld id="{B61BEF0D-F0BB-DE4B-95CE-6DB70DBA9567}" type="datetimeFigureOut">
               <a:rPr lang="en-US" dirty="0"/>
               <a:pPr/>
-              <a:t>9/23/2021</a:t>
+              <a:t>9/24/2021</a:t>
             </a:fld>
             <a:endParaRPr lang="en-US" dirty="0"/>
           </a:p>
@@ -1120,7 +1120,7 @@
             <a:fld id="{B61BEF0D-F0BB-DE4B-95CE-6DB70DBA9567}" type="datetimeFigureOut">
               <a:rPr lang="en-US" dirty="0"/>
               <a:pPr/>
-              <a:t>9/23/2021</a:t>
+              <a:t>9/24/2021</a:t>
             </a:fld>
             <a:endParaRPr lang="en-US" dirty="0"/>
           </a:p>
@@ -1431,7 +1431,7 @@
             <a:fld id="{B61BEF0D-F0BB-DE4B-95CE-6DB70DBA9567}" type="datetimeFigureOut">
               <a:rPr lang="en-US" dirty="0"/>
               <a:pPr/>
-              <a:t>9/23/2021</a:t>
+              <a:t>9/24/2021</a:t>
             </a:fld>
             <a:endParaRPr lang="en-US" dirty="0"/>
           </a:p>
@@ -1769,7 +1769,7 @@
             <a:fld id="{B61BEF0D-F0BB-DE4B-95CE-6DB70DBA9567}" type="datetimeFigureOut">
               <a:rPr lang="en-US" dirty="0"/>
               <a:pPr/>
-              <a:t>9/23/2021</a:t>
+              <a:t>9/24/2021</a:t>
             </a:fld>
             <a:endParaRPr lang="en-US" dirty="0"/>
           </a:p>
@@ -2080,7 +2080,7 @@
             <a:fld id="{B61BEF0D-F0BB-DE4B-95CE-6DB70DBA9567}" type="datetimeFigureOut">
               <a:rPr lang="en-US" dirty="0"/>
               <a:pPr/>
-              <a:t>9/23/2021</a:t>
+              <a:t>9/24/2021</a:t>
             </a:fld>
             <a:endParaRPr lang="en-US" dirty="0"/>
           </a:p>
@@ -2470,7 +2470,7 @@
             <a:fld id="{B61BEF0D-F0BB-DE4B-95CE-6DB70DBA9567}" type="datetimeFigureOut">
               <a:rPr lang="en-US" dirty="0"/>
               <a:pPr/>
-              <a:t>9/23/2021</a:t>
+              <a:t>9/24/2021</a:t>
             </a:fld>
             <a:endParaRPr lang="en-US" dirty="0"/>
           </a:p>
@@ -2636,7 +2636,7 @@
           <a:p>
             <a:fld id="{55C6B4A9-1611-4792-9094-5F34BCA07E0B}" type="datetimeFigureOut">
               <a:rPr lang="en-US" dirty="0"/>
-              <a:t>9/23/2021</a:t>
+              <a:t>9/24/2021</a:t>
             </a:fld>
             <a:endParaRPr lang="en-US" dirty="0"/>
           </a:p>
@@ -2812,7 +2812,7 @@
             <a:fld id="{B61BEF0D-F0BB-DE4B-95CE-6DB70DBA9567}" type="datetimeFigureOut">
               <a:rPr lang="en-US" dirty="0"/>
               <a:pPr/>
-              <a:t>9/23/2021</a:t>
+              <a:t>9/24/2021</a:t>
             </a:fld>
             <a:endParaRPr lang="en-US" dirty="0"/>
           </a:p>
@@ -3009,7 +3009,7 @@
             <a:fld id="{B61BEF0D-F0BB-DE4B-95CE-6DB70DBA9567}" type="datetimeFigureOut">
               <a:rPr lang="en-US" dirty="0"/>
               <a:pPr/>
-              <a:t>9/23/2021</a:t>
+              <a:t>9/24/2021</a:t>
             </a:fld>
             <a:endParaRPr lang="en-US" dirty="0"/>
           </a:p>
@@ -3055,35 +3055,6 @@
               <a:t>‹#›</a:t>
             </a:fld>
             <a:endParaRPr lang="en-US" dirty="0"/>
-          </a:p>
-        </p:txBody>
-      </p:sp>
-      <p:sp>
-        <p:nvSpPr>
-          <p:cNvPr id="7" name="矩形 6"/>
-          <p:cNvSpPr/>
-          <p:nvPr userDrawn="1"/>
-        </p:nvSpPr>
-        <p:spPr>
-          <a:xfrm>
-            <a:off x="604287" y="6488668"/>
-            <a:ext cx="6127255" cy="369332"/>
-          </a:xfrm>
-          <a:prstGeom prst="rect">
-            <a:avLst/>
-          </a:prstGeom>
-        </p:spPr>
-        <p:txBody>
-          <a:bodyPr wrap="none">
-            <a:spAutoFit/>
-          </a:bodyPr>
-          <a:lstStyle/>
-          <a:p>
-            <a:r>
-              <a:rPr lang="zh-TW" altLang="en-US" dirty="0" smtClean="0"/>
-              <a:t>https://github.com/liulawsi/Java-Class-Reference-Codes</a:t>
-            </a:r>
-            <a:endParaRPr lang="zh-TW" altLang="en-US" dirty="0"/>
           </a:p>
         </p:txBody>
       </p:sp>
@@ -3282,7 +3253,7 @@
             <a:fld id="{B61BEF0D-F0BB-DE4B-95CE-6DB70DBA9567}" type="datetimeFigureOut">
               <a:rPr lang="en-US" dirty="0"/>
               <a:pPr/>
-              <a:t>9/23/2021</a:t>
+              <a:t>9/24/2021</a:t>
             </a:fld>
             <a:endParaRPr lang="en-US" dirty="0"/>
           </a:p>
@@ -3510,7 +3481,7 @@
           <a:p>
             <a:fld id="{EB712588-04B1-427B-82EE-E8DB90309F08}" type="datetimeFigureOut">
               <a:rPr lang="en-US" dirty="0"/>
-              <a:t>9/23/2021</a:t>
+              <a:t>9/24/2021</a:t>
             </a:fld>
             <a:endParaRPr lang="en-US" dirty="0"/>
           </a:p>
@@ -3555,35 +3526,6 @@
               <a:t>‹#›</a:t>
             </a:fld>
             <a:endParaRPr lang="en-US" dirty="0"/>
-          </a:p>
-        </p:txBody>
-      </p:sp>
-      <p:sp>
-        <p:nvSpPr>
-          <p:cNvPr id="8" name="矩形 7"/>
-          <p:cNvSpPr/>
-          <p:nvPr userDrawn="1"/>
-        </p:nvSpPr>
-        <p:spPr>
-          <a:xfrm>
-            <a:off x="604287" y="6488668"/>
-            <a:ext cx="6127255" cy="369332"/>
-          </a:xfrm>
-          <a:prstGeom prst="rect">
-            <a:avLst/>
-          </a:prstGeom>
-        </p:spPr>
-        <p:txBody>
-          <a:bodyPr wrap="none">
-            <a:spAutoFit/>
-          </a:bodyPr>
-          <a:lstStyle/>
-          <a:p>
-            <a:r>
-              <a:rPr lang="zh-TW" altLang="en-US" dirty="0" smtClean="0"/>
-              <a:t>https://github.com/liulawsi/Java-Class-Reference-Codes</a:t>
-            </a:r>
-            <a:endParaRPr lang="zh-TW" altLang="en-US" dirty="0"/>
           </a:p>
         </p:txBody>
       </p:sp>
@@ -3909,7 +3851,7 @@
             <a:fld id="{B61BEF0D-F0BB-DE4B-95CE-6DB70DBA9567}" type="datetimeFigureOut">
               <a:rPr lang="en-US" dirty="0"/>
               <a:pPr/>
-              <a:t>9/23/2021</a:t>
+              <a:t>9/24/2021</a:t>
             </a:fld>
             <a:endParaRPr lang="en-US" dirty="0"/>
           </a:p>
@@ -3955,35 +3897,6 @@
               <a:t>‹#›</a:t>
             </a:fld>
             <a:endParaRPr lang="en-US" dirty="0"/>
-          </a:p>
-        </p:txBody>
-      </p:sp>
-      <p:sp>
-        <p:nvSpPr>
-          <p:cNvPr id="10" name="矩形 9"/>
-          <p:cNvSpPr/>
-          <p:nvPr userDrawn="1"/>
-        </p:nvSpPr>
-        <p:spPr>
-          <a:xfrm>
-            <a:off x="604287" y="6488668"/>
-            <a:ext cx="6127255" cy="369332"/>
-          </a:xfrm>
-          <a:prstGeom prst="rect">
-            <a:avLst/>
-          </a:prstGeom>
-        </p:spPr>
-        <p:txBody>
-          <a:bodyPr wrap="none">
-            <a:spAutoFit/>
-          </a:bodyPr>
-          <a:lstStyle/>
-          <a:p>
-            <a:r>
-              <a:rPr lang="zh-TW" altLang="en-US" dirty="0" smtClean="0"/>
-              <a:t>https://github.com/liulawsi/Java-Class-Reference-Codes</a:t>
-            </a:r>
-            <a:endParaRPr lang="zh-TW" altLang="en-US" dirty="0"/>
           </a:p>
         </p:txBody>
       </p:sp>
@@ -4058,7 +3971,7 @@
             <a:fld id="{B61BEF0D-F0BB-DE4B-95CE-6DB70DBA9567}" type="datetimeFigureOut">
               <a:rPr lang="en-US" dirty="0"/>
               <a:pPr/>
-              <a:t>9/23/2021</a:t>
+              <a:t>9/24/2021</a:t>
             </a:fld>
             <a:endParaRPr lang="en-US" dirty="0"/>
           </a:p>
@@ -4150,7 +4063,7 @@
             <a:fld id="{B61BEF0D-F0BB-DE4B-95CE-6DB70DBA9567}" type="datetimeFigureOut">
               <a:rPr lang="en-US" dirty="0"/>
               <a:pPr/>
-              <a:t>9/23/2021</a:t>
+              <a:t>9/24/2021</a:t>
             </a:fld>
             <a:endParaRPr lang="en-US" dirty="0"/>
           </a:p>
@@ -4401,7 +4314,7 @@
           <a:p>
             <a:fld id="{42A54C80-263E-416B-A8E0-580EDEADCBDC}" type="datetimeFigureOut">
               <a:rPr lang="en-US" dirty="0"/>
-              <a:t>9/23/2021</a:t>
+              <a:t>9/24/2021</a:t>
             </a:fld>
             <a:endParaRPr lang="en-US" dirty="0"/>
           </a:p>
@@ -4660,7 +4573,7 @@
             <a:fld id="{B61BEF0D-F0BB-DE4B-95CE-6DB70DBA9567}" type="datetimeFigureOut">
               <a:rPr lang="en-US" dirty="0"/>
               <a:pPr/>
-              <a:t>9/23/2021</a:t>
+              <a:t>9/24/2021</a:t>
             </a:fld>
             <a:endParaRPr lang="en-US" dirty="0"/>
           </a:p>
@@ -5400,7 +5313,7 @@
             <a:fld id="{B61BEF0D-F0BB-DE4B-95CE-6DB70DBA9567}" type="datetimeFigureOut">
               <a:rPr lang="en-US" dirty="0"/>
               <a:pPr/>
-              <a:t>9/23/2021</a:t>
+              <a:t>9/24/2021</a:t>
             </a:fld>
             <a:endParaRPr lang="en-US" dirty="0"/>
           </a:p>
@@ -5524,6 +5437,129 @@
           </a:extLst>
         </p:spPr>
       </p:pic>
+      <p:sp>
+        <p:nvSpPr>
+          <p:cNvPr id="19" name="矩形 18"/>
+          <p:cNvSpPr/>
+          <p:nvPr userDrawn="1"/>
+        </p:nvSpPr>
+        <p:spPr>
+          <a:xfrm>
+            <a:off x="444564" y="6509203"/>
+            <a:ext cx="2728632" cy="369332"/>
+          </a:xfrm>
+          <a:prstGeom prst="rect">
+            <a:avLst/>
+          </a:prstGeom>
+        </p:spPr>
+        <p:txBody>
+          <a:bodyPr wrap="none">
+            <a:spAutoFit/>
+          </a:bodyPr>
+          <a:lstStyle>
+            <a:defPPr>
+              <a:defRPr lang="en-US"/>
+            </a:defPPr>
+            <a:lvl1pPr marL="0" algn="l" defTabSz="457200" rtl="0" eaLnBrk="1" latinLnBrk="0" hangingPunct="1">
+              <a:defRPr sz="1800" kern="1200">
+                <a:solidFill>
+                  <a:schemeClr val="tx1"/>
+                </a:solidFill>
+                <a:latin typeface="+mn-lt"/>
+                <a:ea typeface="+mn-ea"/>
+                <a:cs typeface="+mn-cs"/>
+              </a:defRPr>
+            </a:lvl1pPr>
+            <a:lvl2pPr marL="457200" algn="l" defTabSz="457200" rtl="0" eaLnBrk="1" latinLnBrk="0" hangingPunct="1">
+              <a:defRPr sz="1800" kern="1200">
+                <a:solidFill>
+                  <a:schemeClr val="tx1"/>
+                </a:solidFill>
+                <a:latin typeface="+mn-lt"/>
+                <a:ea typeface="+mn-ea"/>
+                <a:cs typeface="+mn-cs"/>
+              </a:defRPr>
+            </a:lvl2pPr>
+            <a:lvl3pPr marL="914400" algn="l" defTabSz="457200" rtl="0" eaLnBrk="1" latinLnBrk="0" hangingPunct="1">
+              <a:defRPr sz="1800" kern="1200">
+                <a:solidFill>
+                  <a:schemeClr val="tx1"/>
+                </a:solidFill>
+                <a:latin typeface="+mn-lt"/>
+                <a:ea typeface="+mn-ea"/>
+                <a:cs typeface="+mn-cs"/>
+              </a:defRPr>
+            </a:lvl3pPr>
+            <a:lvl4pPr marL="1371600" algn="l" defTabSz="457200" rtl="0" eaLnBrk="1" latinLnBrk="0" hangingPunct="1">
+              <a:defRPr sz="1800" kern="1200">
+                <a:solidFill>
+                  <a:schemeClr val="tx1"/>
+                </a:solidFill>
+                <a:latin typeface="+mn-lt"/>
+                <a:ea typeface="+mn-ea"/>
+                <a:cs typeface="+mn-cs"/>
+              </a:defRPr>
+            </a:lvl4pPr>
+            <a:lvl5pPr marL="1828800" algn="l" defTabSz="457200" rtl="0" eaLnBrk="1" latinLnBrk="0" hangingPunct="1">
+              <a:defRPr sz="1800" kern="1200">
+                <a:solidFill>
+                  <a:schemeClr val="tx1"/>
+                </a:solidFill>
+                <a:latin typeface="+mn-lt"/>
+                <a:ea typeface="+mn-ea"/>
+                <a:cs typeface="+mn-cs"/>
+              </a:defRPr>
+            </a:lvl5pPr>
+            <a:lvl6pPr marL="2286000" algn="l" defTabSz="457200" rtl="0" eaLnBrk="1" latinLnBrk="0" hangingPunct="1">
+              <a:defRPr sz="1800" kern="1200">
+                <a:solidFill>
+                  <a:schemeClr val="tx1"/>
+                </a:solidFill>
+                <a:latin typeface="+mn-lt"/>
+                <a:ea typeface="+mn-ea"/>
+                <a:cs typeface="+mn-cs"/>
+              </a:defRPr>
+            </a:lvl6pPr>
+            <a:lvl7pPr marL="2743200" algn="l" defTabSz="457200" rtl="0" eaLnBrk="1" latinLnBrk="0" hangingPunct="1">
+              <a:defRPr sz="1800" kern="1200">
+                <a:solidFill>
+                  <a:schemeClr val="tx1"/>
+                </a:solidFill>
+                <a:latin typeface="+mn-lt"/>
+                <a:ea typeface="+mn-ea"/>
+                <a:cs typeface="+mn-cs"/>
+              </a:defRPr>
+            </a:lvl7pPr>
+            <a:lvl8pPr marL="3200400" algn="l" defTabSz="457200" rtl="0" eaLnBrk="1" latinLnBrk="0" hangingPunct="1">
+              <a:defRPr sz="1800" kern="1200">
+                <a:solidFill>
+                  <a:schemeClr val="tx1"/>
+                </a:solidFill>
+                <a:latin typeface="+mn-lt"/>
+                <a:ea typeface="+mn-ea"/>
+                <a:cs typeface="+mn-cs"/>
+              </a:defRPr>
+            </a:lvl8pPr>
+            <a:lvl9pPr marL="3657600" algn="l" defTabSz="457200" rtl="0" eaLnBrk="1" latinLnBrk="0" hangingPunct="1">
+              <a:defRPr sz="1800" kern="1200">
+                <a:solidFill>
+                  <a:schemeClr val="tx1"/>
+                </a:solidFill>
+                <a:latin typeface="+mn-lt"/>
+                <a:ea typeface="+mn-ea"/>
+                <a:cs typeface="+mn-cs"/>
+              </a:defRPr>
+            </a:lvl9pPr>
+          </a:lstStyle>
+          <a:p>
+            <a:r>
+              <a:rPr lang="zh-TW" altLang="en-US" dirty="0" smtClean="0"/>
+              <a:t>https://reurl.cc/522ARv</a:t>
+            </a:r>
+            <a:endParaRPr lang="zh-TW" altLang="en-US" dirty="0"/>
+          </a:p>
+        </p:txBody>
+      </p:sp>
     </p:spTree>
   </p:cSld>
   <p:clrMap bg1="lt1" tx1="dk1" bg2="lt2" tx2="dk2" accent1="accent1" accent2="accent2" accent3="accent3" accent4="accent4" accent5="accent5" accent6="accent6" hlink="hlink" folHlink="folHlink"/>
@@ -6010,7 +6046,7 @@
             <a:fld id="{4805910D-2C61-424F-80CE-807290CF0E1E}" type="datetime4">
               <a:rPr lang="zh-TW" altLang="zh-TW"/>
               <a:pPr/>
-              <a:t>110年9月23日星期四</a:t>
+              <a:t>110年9月24日星期五</a:t>
             </a:fld>
             <a:endParaRPr lang="zh-TW" altLang="en-US" dirty="0"/>
           </a:p>
@@ -7016,102 +7052,117 @@
           </a:p>
         </p:txBody>
       </p:sp>
-      <p:sp>
-        <p:nvSpPr>
-          <p:cNvPr id="9" name="橢圓 8"/>
-          <p:cNvSpPr/>
+      <p:grpSp>
+        <p:nvGrpSpPr>
+          <p:cNvPr id="14" name="群組 13"/>
+          <p:cNvGrpSpPr/>
           <p:nvPr/>
-        </p:nvSpPr>
-        <p:spPr>
+        </p:nvGrpSpPr>
+        <p:grpSpPr>
           <a:xfrm>
             <a:off x="6461854" y="5226370"/>
-            <a:ext cx="1161288" cy="777426"/>
+            <a:ext cx="2389099" cy="796259"/>
+            <a:chOff x="6461854" y="5226370"/>
+            <a:chExt cx="2389099" cy="796259"/>
           </a:xfrm>
-          <a:prstGeom prst="ellipse">
-            <a:avLst/>
-          </a:prstGeom>
-        </p:spPr>
-        <p:style>
-          <a:lnRef idx="2">
-            <a:schemeClr val="accent1">
-              <a:shade val="50000"/>
-            </a:schemeClr>
-          </a:lnRef>
-          <a:fillRef idx="1">
-            <a:schemeClr val="accent1"/>
-          </a:fillRef>
-          <a:effectRef idx="0">
-            <a:schemeClr val="accent1"/>
-          </a:effectRef>
-          <a:fontRef idx="minor">
-            <a:schemeClr val="lt1"/>
-          </a:fontRef>
-        </p:style>
-        <p:txBody>
-          <a:bodyPr rtlCol="0" anchor="ctr"/>
-          <a:lstStyle/>
-          <a:p>
-            <a:pPr algn="ctr"/>
-            <a:r>
-              <a:rPr lang="zh-TW" altLang="en-US" dirty="0" smtClean="0"/>
-              <a:t>物件</a:t>
-            </a:r>
-            <a:r>
-              <a:rPr lang="en-US" altLang="zh-TW" dirty="0" smtClean="0"/>
-              <a:t>A</a:t>
-            </a:r>
-            <a:endParaRPr lang="zh-TW" altLang="en-US" dirty="0"/>
-          </a:p>
-        </p:txBody>
-      </p:sp>
-      <p:sp>
-        <p:nvSpPr>
-          <p:cNvPr id="12" name="橢圓 11"/>
-          <p:cNvSpPr/>
-          <p:nvPr/>
-        </p:nvSpPr>
-        <p:spPr>
-          <a:xfrm>
-            <a:off x="7689665" y="5245203"/>
-            <a:ext cx="1161288" cy="777426"/>
-          </a:xfrm>
-          <a:prstGeom prst="ellipse">
-            <a:avLst/>
-          </a:prstGeom>
-        </p:spPr>
-        <p:style>
-          <a:lnRef idx="2">
-            <a:schemeClr val="accent1">
-              <a:shade val="50000"/>
-            </a:schemeClr>
-          </a:lnRef>
-          <a:fillRef idx="1">
-            <a:schemeClr val="accent1"/>
-          </a:fillRef>
-          <a:effectRef idx="0">
-            <a:schemeClr val="accent1"/>
-          </a:effectRef>
-          <a:fontRef idx="minor">
-            <a:schemeClr val="lt1"/>
-          </a:fontRef>
-        </p:style>
-        <p:txBody>
-          <a:bodyPr rtlCol="0" anchor="ctr"/>
-          <a:lstStyle/>
-          <a:p>
-            <a:pPr algn="ctr"/>
-            <a:r>
-              <a:rPr lang="zh-TW" altLang="en-US" dirty="0" smtClean="0"/>
-              <a:t>物件</a:t>
-            </a:r>
-            <a:r>
-              <a:rPr lang="en-US" altLang="zh-TW" dirty="0" smtClean="0"/>
-              <a:t>B</a:t>
-            </a:r>
-            <a:endParaRPr lang="zh-TW" altLang="en-US" dirty="0"/>
-          </a:p>
-        </p:txBody>
-      </p:sp>
+        </p:grpSpPr>
+        <p:sp>
+          <p:nvSpPr>
+            <p:cNvPr id="9" name="橢圓 8"/>
+            <p:cNvSpPr/>
+            <p:nvPr/>
+          </p:nvSpPr>
+          <p:spPr>
+            <a:xfrm>
+              <a:off x="6461854" y="5226370"/>
+              <a:ext cx="1161288" cy="777426"/>
+            </a:xfrm>
+            <a:prstGeom prst="ellipse">
+              <a:avLst/>
+            </a:prstGeom>
+          </p:spPr>
+          <p:style>
+            <a:lnRef idx="2">
+              <a:schemeClr val="accent1">
+                <a:shade val="50000"/>
+              </a:schemeClr>
+            </a:lnRef>
+            <a:fillRef idx="1">
+              <a:schemeClr val="accent1"/>
+            </a:fillRef>
+            <a:effectRef idx="0">
+              <a:schemeClr val="accent1"/>
+            </a:effectRef>
+            <a:fontRef idx="minor">
+              <a:schemeClr val="lt1"/>
+            </a:fontRef>
+          </p:style>
+          <p:txBody>
+            <a:bodyPr rtlCol="0" anchor="ctr"/>
+            <a:lstStyle/>
+            <a:p>
+              <a:pPr algn="ctr"/>
+              <a:r>
+                <a:rPr lang="zh-TW" altLang="en-US" dirty="0" smtClean="0"/>
+                <a:t>物件</a:t>
+              </a:r>
+              <a:r>
+                <a:rPr lang="en-US" altLang="zh-TW" dirty="0" smtClean="0"/>
+                <a:t>A</a:t>
+              </a:r>
+              <a:endParaRPr lang="zh-TW" altLang="en-US" dirty="0"/>
+            </a:p>
+          </p:txBody>
+        </p:sp>
+        <p:sp>
+          <p:nvSpPr>
+            <p:cNvPr id="12" name="橢圓 11"/>
+            <p:cNvSpPr/>
+            <p:nvPr/>
+          </p:nvSpPr>
+          <p:spPr>
+            <a:xfrm>
+              <a:off x="7689665" y="5245203"/>
+              <a:ext cx="1161288" cy="777426"/>
+            </a:xfrm>
+            <a:prstGeom prst="ellipse">
+              <a:avLst/>
+            </a:prstGeom>
+          </p:spPr>
+          <p:style>
+            <a:lnRef idx="2">
+              <a:schemeClr val="accent1">
+                <a:shade val="50000"/>
+              </a:schemeClr>
+            </a:lnRef>
+            <a:fillRef idx="1">
+              <a:schemeClr val="accent1"/>
+            </a:fillRef>
+            <a:effectRef idx="0">
+              <a:schemeClr val="accent1"/>
+            </a:effectRef>
+            <a:fontRef idx="minor">
+              <a:schemeClr val="lt1"/>
+            </a:fontRef>
+          </p:style>
+          <p:txBody>
+            <a:bodyPr rtlCol="0" anchor="ctr"/>
+            <a:lstStyle/>
+            <a:p>
+              <a:pPr algn="ctr"/>
+              <a:r>
+                <a:rPr lang="zh-TW" altLang="en-US" dirty="0" smtClean="0"/>
+                <a:t>物件</a:t>
+              </a:r>
+              <a:r>
+                <a:rPr lang="en-US" altLang="zh-TW" dirty="0" smtClean="0"/>
+                <a:t>B</a:t>
+              </a:r>
+              <a:endParaRPr lang="zh-TW" altLang="en-US" dirty="0"/>
+            </a:p>
+          </p:txBody>
+        </p:sp>
+      </p:grpSp>
       <p:sp>
         <p:nvSpPr>
           <p:cNvPr id="13" name="向下箭號 12"/>
@@ -7176,9 +7227,456 @@
   <p:timing>
     <p:tnLst>
       <p:par>
-        <p:cTn id="1" dur="indefinite" restart="never" nodeType="tmRoot"/>
+        <p:cTn id="1" dur="indefinite" restart="never" nodeType="tmRoot">
+          <p:childTnLst>
+            <p:seq concurrent="1" nextAc="seek">
+              <p:cTn id="2" dur="indefinite" nodeType="mainSeq">
+                <p:childTnLst>
+                  <p:par>
+                    <p:cTn id="3" fill="hold">
+                      <p:stCondLst>
+                        <p:cond delay="indefinite"/>
+                      </p:stCondLst>
+                      <p:childTnLst>
+                        <p:par>
+                          <p:cTn id="4" fill="hold">
+                            <p:stCondLst>
+                              <p:cond delay="0"/>
+                            </p:stCondLst>
+                            <p:childTnLst>
+                              <p:par>
+                                <p:cTn id="5" presetID="10" presetClass="entr" presetSubtype="0" fill="hold" grpId="0" nodeType="clickEffect">
+                                  <p:stCondLst>
+                                    <p:cond delay="0"/>
+                                  </p:stCondLst>
+                                  <p:childTnLst>
+                                    <p:set>
+                                      <p:cBhvr>
+                                        <p:cTn id="6" dur="1" fill="hold">
+                                          <p:stCondLst>
+                                            <p:cond delay="0"/>
+                                          </p:stCondLst>
+                                        </p:cTn>
+                                        <p:tgtEl>
+                                          <p:spTgt spid="6"/>
+                                        </p:tgtEl>
+                                        <p:attrNameLst>
+                                          <p:attrName>style.visibility</p:attrName>
+                                        </p:attrNameLst>
+                                      </p:cBhvr>
+                                      <p:to>
+                                        <p:strVal val="visible"/>
+                                      </p:to>
+                                    </p:set>
+                                    <p:animEffect transition="in" filter="fade">
+                                      <p:cBhvr>
+                                        <p:cTn id="7" dur="500"/>
+                                        <p:tgtEl>
+                                          <p:spTgt spid="6"/>
+                                        </p:tgtEl>
+                                      </p:cBhvr>
+                                    </p:animEffect>
+                                  </p:childTnLst>
+                                </p:cTn>
+                              </p:par>
+                            </p:childTnLst>
+                          </p:cTn>
+                        </p:par>
+                      </p:childTnLst>
+                    </p:cTn>
+                  </p:par>
+                  <p:par>
+                    <p:cTn id="8" fill="hold">
+                      <p:stCondLst>
+                        <p:cond delay="indefinite"/>
+                      </p:stCondLst>
+                      <p:childTnLst>
+                        <p:par>
+                          <p:cTn id="9" fill="hold">
+                            <p:stCondLst>
+                              <p:cond delay="0"/>
+                            </p:stCondLst>
+                            <p:childTnLst>
+                              <p:par>
+                                <p:cTn id="10" presetID="22" presetClass="entr" presetSubtype="8" fill="hold" grpId="0" nodeType="clickEffect">
+                                  <p:stCondLst>
+                                    <p:cond delay="0"/>
+                                  </p:stCondLst>
+                                  <p:childTnLst>
+                                    <p:set>
+                                      <p:cBhvr>
+                                        <p:cTn id="11" dur="1" fill="hold">
+                                          <p:stCondLst>
+                                            <p:cond delay="0"/>
+                                          </p:stCondLst>
+                                        </p:cTn>
+                                        <p:tgtEl>
+                                          <p:spTgt spid="10"/>
+                                        </p:tgtEl>
+                                        <p:attrNameLst>
+                                          <p:attrName>style.visibility</p:attrName>
+                                        </p:attrNameLst>
+                                      </p:cBhvr>
+                                      <p:to>
+                                        <p:strVal val="visible"/>
+                                      </p:to>
+                                    </p:set>
+                                    <p:animEffect transition="in" filter="wipe(left)">
+                                      <p:cBhvr>
+                                        <p:cTn id="12" dur="500"/>
+                                        <p:tgtEl>
+                                          <p:spTgt spid="10"/>
+                                        </p:tgtEl>
+                                      </p:cBhvr>
+                                    </p:animEffect>
+                                  </p:childTnLst>
+                                </p:cTn>
+                              </p:par>
+                            </p:childTnLst>
+                          </p:cTn>
+                        </p:par>
+                        <p:par>
+                          <p:cTn id="13" fill="hold">
+                            <p:stCondLst>
+                              <p:cond delay="500"/>
+                            </p:stCondLst>
+                            <p:childTnLst>
+                              <p:par>
+                                <p:cTn id="14" presetID="22" presetClass="entr" presetSubtype="8" fill="hold" grpId="0" nodeType="afterEffect">
+                                  <p:stCondLst>
+                                    <p:cond delay="0"/>
+                                  </p:stCondLst>
+                                  <p:childTnLst>
+                                    <p:set>
+                                      <p:cBhvr>
+                                        <p:cTn id="15" dur="1" fill="hold">
+                                          <p:stCondLst>
+                                            <p:cond delay="0"/>
+                                          </p:stCondLst>
+                                        </p:cTn>
+                                        <p:tgtEl>
+                                          <p:spTgt spid="7"/>
+                                        </p:tgtEl>
+                                        <p:attrNameLst>
+                                          <p:attrName>style.visibility</p:attrName>
+                                        </p:attrNameLst>
+                                      </p:cBhvr>
+                                      <p:to>
+                                        <p:strVal val="visible"/>
+                                      </p:to>
+                                    </p:set>
+                                    <p:animEffect transition="in" filter="wipe(left)">
+                                      <p:cBhvr>
+                                        <p:cTn id="16" dur="500"/>
+                                        <p:tgtEl>
+                                          <p:spTgt spid="7"/>
+                                        </p:tgtEl>
+                                      </p:cBhvr>
+                                    </p:animEffect>
+                                  </p:childTnLst>
+                                </p:cTn>
+                              </p:par>
+                            </p:childTnLst>
+                          </p:cTn>
+                        </p:par>
+                      </p:childTnLst>
+                    </p:cTn>
+                  </p:par>
+                  <p:par>
+                    <p:cTn id="17" fill="hold">
+                      <p:stCondLst>
+                        <p:cond delay="indefinite"/>
+                      </p:stCondLst>
+                      <p:childTnLst>
+                        <p:par>
+                          <p:cTn id="18" fill="hold">
+                            <p:stCondLst>
+                              <p:cond delay="0"/>
+                            </p:stCondLst>
+                            <p:childTnLst>
+                              <p:par>
+                                <p:cTn id="19" presetID="22" presetClass="entr" presetSubtype="8" fill="hold" grpId="0" nodeType="clickEffect">
+                                  <p:stCondLst>
+                                    <p:cond delay="0"/>
+                                  </p:stCondLst>
+                                  <p:childTnLst>
+                                    <p:set>
+                                      <p:cBhvr>
+                                        <p:cTn id="20" dur="1" fill="hold">
+                                          <p:stCondLst>
+                                            <p:cond delay="0"/>
+                                          </p:stCondLst>
+                                        </p:cTn>
+                                        <p:tgtEl>
+                                          <p:spTgt spid="11"/>
+                                        </p:tgtEl>
+                                        <p:attrNameLst>
+                                          <p:attrName>style.visibility</p:attrName>
+                                        </p:attrNameLst>
+                                      </p:cBhvr>
+                                      <p:to>
+                                        <p:strVal val="visible"/>
+                                      </p:to>
+                                    </p:set>
+                                    <p:animEffect transition="in" filter="wipe(left)">
+                                      <p:cBhvr>
+                                        <p:cTn id="21" dur="500"/>
+                                        <p:tgtEl>
+                                          <p:spTgt spid="11"/>
+                                        </p:tgtEl>
+                                      </p:cBhvr>
+                                    </p:animEffect>
+                                  </p:childTnLst>
+                                </p:cTn>
+                              </p:par>
+                            </p:childTnLst>
+                          </p:cTn>
+                        </p:par>
+                        <p:par>
+                          <p:cTn id="22" fill="hold">
+                            <p:stCondLst>
+                              <p:cond delay="500"/>
+                            </p:stCondLst>
+                            <p:childTnLst>
+                              <p:par>
+                                <p:cTn id="23" presetID="22" presetClass="entr" presetSubtype="8" fill="hold" grpId="0" nodeType="afterEffect">
+                                  <p:stCondLst>
+                                    <p:cond delay="0"/>
+                                  </p:stCondLst>
+                                  <p:childTnLst>
+                                    <p:set>
+                                      <p:cBhvr>
+                                        <p:cTn id="24" dur="1" fill="hold">
+                                          <p:stCondLst>
+                                            <p:cond delay="0"/>
+                                          </p:stCondLst>
+                                        </p:cTn>
+                                        <p:tgtEl>
+                                          <p:spTgt spid="8"/>
+                                        </p:tgtEl>
+                                        <p:attrNameLst>
+                                          <p:attrName>style.visibility</p:attrName>
+                                        </p:attrNameLst>
+                                      </p:cBhvr>
+                                      <p:to>
+                                        <p:strVal val="visible"/>
+                                      </p:to>
+                                    </p:set>
+                                    <p:animEffect transition="in" filter="wipe(left)">
+                                      <p:cBhvr>
+                                        <p:cTn id="25" dur="500"/>
+                                        <p:tgtEl>
+                                          <p:spTgt spid="8"/>
+                                        </p:tgtEl>
+                                      </p:cBhvr>
+                                    </p:animEffect>
+                                  </p:childTnLst>
+                                </p:cTn>
+                              </p:par>
+                            </p:childTnLst>
+                          </p:cTn>
+                        </p:par>
+                      </p:childTnLst>
+                    </p:cTn>
+                  </p:par>
+                  <p:par>
+                    <p:cTn id="26" fill="hold">
+                      <p:stCondLst>
+                        <p:cond delay="indefinite"/>
+                      </p:stCondLst>
+                      <p:childTnLst>
+                        <p:par>
+                          <p:cTn id="27" fill="hold">
+                            <p:stCondLst>
+                              <p:cond delay="0"/>
+                            </p:stCondLst>
+                            <p:childTnLst>
+                              <p:par>
+                                <p:cTn id="28" presetID="22" presetClass="entr" presetSubtype="1" fill="hold" grpId="0" nodeType="clickEffect">
+                                  <p:stCondLst>
+                                    <p:cond delay="0"/>
+                                  </p:stCondLst>
+                                  <p:childTnLst>
+                                    <p:set>
+                                      <p:cBhvr>
+                                        <p:cTn id="29" dur="1" fill="hold">
+                                          <p:stCondLst>
+                                            <p:cond delay="0"/>
+                                          </p:stCondLst>
+                                        </p:cTn>
+                                        <p:tgtEl>
+                                          <p:spTgt spid="4"/>
+                                        </p:tgtEl>
+                                        <p:attrNameLst>
+                                          <p:attrName>style.visibility</p:attrName>
+                                        </p:attrNameLst>
+                                      </p:cBhvr>
+                                      <p:to>
+                                        <p:strVal val="visible"/>
+                                      </p:to>
+                                    </p:set>
+                                    <p:animEffect transition="in" filter="wipe(up)">
+                                      <p:cBhvr>
+                                        <p:cTn id="30" dur="500"/>
+                                        <p:tgtEl>
+                                          <p:spTgt spid="4"/>
+                                        </p:tgtEl>
+                                      </p:cBhvr>
+                                    </p:animEffect>
+                                  </p:childTnLst>
+                                </p:cTn>
+                              </p:par>
+                              <p:par>
+                                <p:cTn id="31" presetID="22" presetClass="entr" presetSubtype="1" fill="hold" grpId="0" nodeType="withEffect">
+                                  <p:stCondLst>
+                                    <p:cond delay="0"/>
+                                  </p:stCondLst>
+                                  <p:childTnLst>
+                                    <p:set>
+                                      <p:cBhvr>
+                                        <p:cTn id="32" dur="1" fill="hold">
+                                          <p:stCondLst>
+                                            <p:cond delay="0"/>
+                                          </p:stCondLst>
+                                        </p:cTn>
+                                        <p:tgtEl>
+                                          <p:spTgt spid="13"/>
+                                        </p:tgtEl>
+                                        <p:attrNameLst>
+                                          <p:attrName>style.visibility</p:attrName>
+                                        </p:attrNameLst>
+                                      </p:cBhvr>
+                                      <p:to>
+                                        <p:strVal val="visible"/>
+                                      </p:to>
+                                    </p:set>
+                                    <p:animEffect transition="in" filter="wipe(up)">
+                                      <p:cBhvr>
+                                        <p:cTn id="33" dur="500"/>
+                                        <p:tgtEl>
+                                          <p:spTgt spid="13"/>
+                                        </p:tgtEl>
+                                      </p:cBhvr>
+                                    </p:animEffect>
+                                  </p:childTnLst>
+                                </p:cTn>
+                              </p:par>
+                              <p:par>
+                                <p:cTn id="34" presetID="22" presetClass="entr" presetSubtype="1" fill="hold" grpId="0" nodeType="withEffect">
+                                  <p:stCondLst>
+                                    <p:cond delay="0"/>
+                                  </p:stCondLst>
+                                  <p:childTnLst>
+                                    <p:set>
+                                      <p:cBhvr>
+                                        <p:cTn id="35" dur="1" fill="hold">
+                                          <p:stCondLst>
+                                            <p:cond delay="0"/>
+                                          </p:stCondLst>
+                                        </p:cTn>
+                                        <p:tgtEl>
+                                          <p:spTgt spid="5"/>
+                                        </p:tgtEl>
+                                        <p:attrNameLst>
+                                          <p:attrName>style.visibility</p:attrName>
+                                        </p:attrNameLst>
+                                      </p:cBhvr>
+                                      <p:to>
+                                        <p:strVal val="visible"/>
+                                      </p:to>
+                                    </p:set>
+                                    <p:animEffect transition="in" filter="wipe(up)">
+                                      <p:cBhvr>
+                                        <p:cTn id="36" dur="500"/>
+                                        <p:tgtEl>
+                                          <p:spTgt spid="5"/>
+                                        </p:tgtEl>
+                                      </p:cBhvr>
+                                    </p:animEffect>
+                                  </p:childTnLst>
+                                </p:cTn>
+                              </p:par>
+                            </p:childTnLst>
+                          </p:cTn>
+                        </p:par>
+                        <p:par>
+                          <p:cTn id="37" fill="hold">
+                            <p:stCondLst>
+                              <p:cond delay="500"/>
+                            </p:stCondLst>
+                            <p:childTnLst>
+                              <p:par>
+                                <p:cTn id="38" presetID="22" presetClass="entr" presetSubtype="1" fill="hold" nodeType="afterEffect">
+                                  <p:stCondLst>
+                                    <p:cond delay="0"/>
+                                  </p:stCondLst>
+                                  <p:childTnLst>
+                                    <p:set>
+                                      <p:cBhvr>
+                                        <p:cTn id="39" dur="1" fill="hold">
+                                          <p:stCondLst>
+                                            <p:cond delay="0"/>
+                                          </p:stCondLst>
+                                        </p:cTn>
+                                        <p:tgtEl>
+                                          <p:spTgt spid="14"/>
+                                        </p:tgtEl>
+                                        <p:attrNameLst>
+                                          <p:attrName>style.visibility</p:attrName>
+                                        </p:attrNameLst>
+                                      </p:cBhvr>
+                                      <p:to>
+                                        <p:strVal val="visible"/>
+                                      </p:to>
+                                    </p:set>
+                                    <p:animEffect transition="in" filter="wipe(up)">
+                                      <p:cBhvr>
+                                        <p:cTn id="40" dur="500"/>
+                                        <p:tgtEl>
+                                          <p:spTgt spid="14"/>
+                                        </p:tgtEl>
+                                      </p:cBhvr>
+                                    </p:animEffect>
+                                  </p:childTnLst>
+                                </p:cTn>
+                              </p:par>
+                            </p:childTnLst>
+                          </p:cTn>
+                        </p:par>
+                      </p:childTnLst>
+                    </p:cTn>
+                  </p:par>
+                </p:childTnLst>
+              </p:cTn>
+              <p:prevCondLst>
+                <p:cond evt="onPrev" delay="0">
+                  <p:tgtEl>
+                    <p:sldTgt/>
+                  </p:tgtEl>
+                </p:cond>
+              </p:prevCondLst>
+              <p:nextCondLst>
+                <p:cond evt="onNext" delay="0">
+                  <p:tgtEl>
+                    <p:sldTgt/>
+                  </p:tgtEl>
+                </p:cond>
+              </p:nextCondLst>
+            </p:seq>
+          </p:childTnLst>
+        </p:cTn>
       </p:par>
     </p:tnLst>
+    <p:bldLst>
+      <p:bldP spid="6" grpId="0" animBg="1"/>
+      <p:bldP spid="7" grpId="0" animBg="1"/>
+      <p:bldP spid="8" grpId="0" animBg="1"/>
+      <p:bldP spid="10" grpId="0" animBg="1"/>
+      <p:bldP spid="11" grpId="0" animBg="1"/>
+      <p:bldP spid="4" grpId="0" animBg="1"/>
+      <p:bldP spid="5" grpId="0"/>
+      <p:bldP spid="13" grpId="0" animBg="1"/>
+    </p:bldLst>
   </p:timing>
 </p:sld>
 </file>
@@ -8056,102 +8554,6 @@
           </a:prstGeom>
         </p:spPr>
       </p:pic>
-      <p:sp>
-        <p:nvSpPr>
-          <p:cNvPr id="5" name="向右箭號 4"/>
-          <p:cNvSpPr/>
-          <p:nvPr/>
-        </p:nvSpPr>
-        <p:spPr>
-          <a:xfrm>
-            <a:off x="7987284" y="2944368"/>
-            <a:ext cx="320040" cy="173736"/>
-          </a:xfrm>
-          <a:prstGeom prst="rightArrow">
-            <a:avLst/>
-          </a:prstGeom>
-          <a:solidFill>
-            <a:srgbClr val="FF0000"/>
-          </a:solidFill>
-          <a:ln>
-            <a:solidFill>
-              <a:srgbClr val="FF0000"/>
-            </a:solidFill>
-          </a:ln>
-        </p:spPr>
-        <p:style>
-          <a:lnRef idx="2">
-            <a:schemeClr val="accent1">
-              <a:shade val="50000"/>
-            </a:schemeClr>
-          </a:lnRef>
-          <a:fillRef idx="1">
-            <a:schemeClr val="accent1"/>
-          </a:fillRef>
-          <a:effectRef idx="0">
-            <a:schemeClr val="accent1"/>
-          </a:effectRef>
-          <a:fontRef idx="minor">
-            <a:schemeClr val="lt1"/>
-          </a:fontRef>
-        </p:style>
-        <p:txBody>
-          <a:bodyPr rtlCol="0" anchor="ctr"/>
-          <a:lstStyle/>
-          <a:p>
-            <a:pPr algn="ctr"/>
-            <a:endParaRPr lang="zh-TW" altLang="en-US"/>
-          </a:p>
-        </p:txBody>
-      </p:sp>
-      <p:sp>
-        <p:nvSpPr>
-          <p:cNvPr id="6" name="向右箭號 5"/>
-          <p:cNvSpPr/>
-          <p:nvPr/>
-        </p:nvSpPr>
-        <p:spPr>
-          <a:xfrm>
-            <a:off x="7964424" y="4612952"/>
-            <a:ext cx="320040" cy="173736"/>
-          </a:xfrm>
-          <a:prstGeom prst="rightArrow">
-            <a:avLst/>
-          </a:prstGeom>
-          <a:solidFill>
-            <a:srgbClr val="FF0000"/>
-          </a:solidFill>
-          <a:ln>
-            <a:solidFill>
-              <a:srgbClr val="FF0000"/>
-            </a:solidFill>
-          </a:ln>
-        </p:spPr>
-        <p:style>
-          <a:lnRef idx="2">
-            <a:schemeClr val="accent1">
-              <a:shade val="50000"/>
-            </a:schemeClr>
-          </a:lnRef>
-          <a:fillRef idx="1">
-            <a:schemeClr val="accent1"/>
-          </a:fillRef>
-          <a:effectRef idx="0">
-            <a:schemeClr val="accent1"/>
-          </a:effectRef>
-          <a:fontRef idx="minor">
-            <a:schemeClr val="lt1"/>
-          </a:fontRef>
-        </p:style>
-        <p:txBody>
-          <a:bodyPr rtlCol="0" anchor="ctr"/>
-          <a:lstStyle/>
-          <a:p>
-            <a:pPr algn="ctr"/>
-            <a:endParaRPr lang="zh-TW" altLang="en-US"/>
-          </a:p>
-        </p:txBody>
-      </p:sp>
       <p:pic>
         <p:nvPicPr>
           <p:cNvPr id="7" name="圖片 6"/>
@@ -8190,7 +8592,7 @@
           <a:prstGeom prst="straightConnector1">
             <a:avLst/>
           </a:prstGeom>
-          <a:ln>
+          <a:ln w="28575">
             <a:solidFill>
               <a:srgbClr val="FF0000"/>
             </a:solidFill>
@@ -8212,6 +8614,134 @@
           </a:fontRef>
         </p:style>
       </p:cxnSp>
+      <p:cxnSp>
+        <p:nvCxnSpPr>
+          <p:cNvPr id="10" name="直線單箭頭接點 9"/>
+          <p:cNvCxnSpPr/>
+          <p:nvPr/>
+        </p:nvCxnSpPr>
+        <p:spPr>
+          <a:xfrm>
+            <a:off x="3312367" y="2733869"/>
+            <a:ext cx="4568809" cy="210499"/>
+          </a:xfrm>
+          <a:prstGeom prst="straightConnector1">
+            <a:avLst/>
+          </a:prstGeom>
+          <a:ln w="28575">
+            <a:solidFill>
+              <a:srgbClr val="FF0000"/>
+            </a:solidFill>
+            <a:tailEnd type="triangle"/>
+          </a:ln>
+        </p:spPr>
+        <p:style>
+          <a:lnRef idx="1">
+            <a:schemeClr val="accent1"/>
+          </a:lnRef>
+          <a:fillRef idx="0">
+            <a:schemeClr val="accent1"/>
+          </a:fillRef>
+          <a:effectRef idx="0">
+            <a:schemeClr val="accent1"/>
+          </a:effectRef>
+          <a:fontRef idx="minor">
+            <a:schemeClr val="tx1"/>
+          </a:fontRef>
+        </p:style>
+      </p:cxnSp>
+      <p:sp>
+        <p:nvSpPr>
+          <p:cNvPr id="13" name="矩形 12"/>
+          <p:cNvSpPr/>
+          <p:nvPr/>
+        </p:nvSpPr>
+        <p:spPr>
+          <a:xfrm>
+            <a:off x="8284464" y="2839118"/>
+            <a:ext cx="756899" cy="351951"/>
+          </a:xfrm>
+          <a:prstGeom prst="rect">
+            <a:avLst/>
+          </a:prstGeom>
+          <a:noFill/>
+          <a:ln w="38100">
+            <a:solidFill>
+              <a:srgbClr val="FF0000"/>
+            </a:solidFill>
+          </a:ln>
+        </p:spPr>
+        <p:style>
+          <a:lnRef idx="2">
+            <a:schemeClr val="accent1">
+              <a:shade val="50000"/>
+            </a:schemeClr>
+          </a:lnRef>
+          <a:fillRef idx="1">
+            <a:schemeClr val="accent1"/>
+          </a:fillRef>
+          <a:effectRef idx="0">
+            <a:schemeClr val="accent1"/>
+          </a:effectRef>
+          <a:fontRef idx="minor">
+            <a:schemeClr val="lt1"/>
+          </a:fontRef>
+        </p:style>
+        <p:txBody>
+          <a:bodyPr rtlCol="0" anchor="ctr"/>
+          <a:lstStyle/>
+          <a:p>
+            <a:pPr algn="ctr"/>
+            <a:endParaRPr lang="zh-TW" altLang="en-US"/>
+          </a:p>
+        </p:txBody>
+      </p:sp>
+      <p:sp>
+        <p:nvSpPr>
+          <p:cNvPr id="14" name="矩形 13"/>
+          <p:cNvSpPr/>
+          <p:nvPr/>
+        </p:nvSpPr>
+        <p:spPr>
+          <a:xfrm>
+            <a:off x="8335316" y="4612952"/>
+            <a:ext cx="2562839" cy="210218"/>
+          </a:xfrm>
+          <a:prstGeom prst="rect">
+            <a:avLst/>
+          </a:prstGeom>
+          <a:noFill/>
+          <a:ln w="38100">
+            <a:solidFill>
+              <a:srgbClr val="FF0000"/>
+            </a:solidFill>
+          </a:ln>
+        </p:spPr>
+        <p:style>
+          <a:lnRef idx="2">
+            <a:schemeClr val="accent1">
+              <a:shade val="50000"/>
+            </a:schemeClr>
+          </a:lnRef>
+          <a:fillRef idx="1">
+            <a:schemeClr val="accent1"/>
+          </a:fillRef>
+          <a:effectRef idx="0">
+            <a:schemeClr val="accent1"/>
+          </a:effectRef>
+          <a:fontRef idx="minor">
+            <a:schemeClr val="lt1"/>
+          </a:fontRef>
+        </p:style>
+        <p:txBody>
+          <a:bodyPr rtlCol="0" anchor="ctr"/>
+          <a:lstStyle/>
+          <a:p>
+            <a:pPr algn="ctr"/>
+            <a:endParaRPr lang="zh-TW" altLang="en-US"/>
+          </a:p>
+        </p:txBody>
+      </p:sp>
     </p:spTree>
     <p:extLst>
       <p:ext uri="{BB962C8B-B14F-4D97-AF65-F5344CB8AC3E}">

--- a/LCC/Java/10_物件導向程式設計.pptx
+++ b/LCC/Java/10_物件導向程式設計.pptx
@@ -8,30 +8,43 @@
     <p:sldId id="256" r:id="rId2"/>
     <p:sldId id="261" r:id="rId3"/>
     <p:sldId id="265" r:id="rId4"/>
-    <p:sldId id="266" r:id="rId5"/>
-    <p:sldId id="267" r:id="rId6"/>
-    <p:sldId id="268" r:id="rId7"/>
-    <p:sldId id="269" r:id="rId8"/>
-    <p:sldId id="262" r:id="rId9"/>
-    <p:sldId id="263" r:id="rId10"/>
-    <p:sldId id="264" r:id="rId11"/>
-    <p:sldId id="270" r:id="rId12"/>
-    <p:sldId id="271" r:id="rId13"/>
-    <p:sldId id="272" r:id="rId14"/>
-    <p:sldId id="273" r:id="rId15"/>
-    <p:sldId id="274" r:id="rId16"/>
-    <p:sldId id="275" r:id="rId17"/>
-    <p:sldId id="276" r:id="rId18"/>
-    <p:sldId id="277" r:id="rId19"/>
-    <p:sldId id="282" r:id="rId20"/>
-    <p:sldId id="278" r:id="rId21"/>
-    <p:sldId id="279" r:id="rId22"/>
-    <p:sldId id="280" r:id="rId23"/>
-    <p:sldId id="281" r:id="rId24"/>
-    <p:sldId id="283" r:id="rId25"/>
-    <p:sldId id="286" r:id="rId26"/>
-    <p:sldId id="284" r:id="rId27"/>
-    <p:sldId id="285" r:id="rId28"/>
+    <p:sldId id="289" r:id="rId5"/>
+    <p:sldId id="266" r:id="rId6"/>
+    <p:sldId id="267" r:id="rId7"/>
+    <p:sldId id="268" r:id="rId8"/>
+    <p:sldId id="269" r:id="rId9"/>
+    <p:sldId id="262" r:id="rId10"/>
+    <p:sldId id="263" r:id="rId11"/>
+    <p:sldId id="264" r:id="rId12"/>
+    <p:sldId id="270" r:id="rId13"/>
+    <p:sldId id="271" r:id="rId14"/>
+    <p:sldId id="272" r:id="rId15"/>
+    <p:sldId id="273" r:id="rId16"/>
+    <p:sldId id="274" r:id="rId17"/>
+    <p:sldId id="275" r:id="rId18"/>
+    <p:sldId id="276" r:id="rId19"/>
+    <p:sldId id="277" r:id="rId20"/>
+    <p:sldId id="282" r:id="rId21"/>
+    <p:sldId id="278" r:id="rId22"/>
+    <p:sldId id="279" r:id="rId23"/>
+    <p:sldId id="280" r:id="rId24"/>
+    <p:sldId id="290" r:id="rId25"/>
+    <p:sldId id="281" r:id="rId26"/>
+    <p:sldId id="283" r:id="rId27"/>
+    <p:sldId id="286" r:id="rId28"/>
+    <p:sldId id="284" r:id="rId29"/>
+    <p:sldId id="285" r:id="rId30"/>
+    <p:sldId id="287" r:id="rId31"/>
+    <p:sldId id="288" r:id="rId32"/>
+    <p:sldId id="291" r:id="rId33"/>
+    <p:sldId id="299" r:id="rId34"/>
+    <p:sldId id="292" r:id="rId35"/>
+    <p:sldId id="293" r:id="rId36"/>
+    <p:sldId id="295" r:id="rId37"/>
+    <p:sldId id="296" r:id="rId38"/>
+    <p:sldId id="297" r:id="rId39"/>
+    <p:sldId id="294" r:id="rId40"/>
+    <p:sldId id="298" r:id="rId41"/>
   </p:sldIdLst>
   <p:sldSz cx="12192000" cy="6858000"/>
   <p:notesSz cx="6858000" cy="9144000"/>
@@ -872,7 +885,7 @@
             <a:fld id="{B61BEF0D-F0BB-DE4B-95CE-6DB70DBA9567}" type="datetimeFigureOut">
               <a:rPr lang="en-US" dirty="0"/>
               <a:pPr/>
-              <a:t>9/24/2021</a:t>
+              <a:t>10/1/2021</a:t>
             </a:fld>
             <a:endParaRPr lang="en-US" dirty="0"/>
           </a:p>
@@ -1120,7 +1133,7 @@
             <a:fld id="{B61BEF0D-F0BB-DE4B-95CE-6DB70DBA9567}" type="datetimeFigureOut">
               <a:rPr lang="en-US" dirty="0"/>
               <a:pPr/>
-              <a:t>9/24/2021</a:t>
+              <a:t>10/1/2021</a:t>
             </a:fld>
             <a:endParaRPr lang="en-US" dirty="0"/>
           </a:p>
@@ -1431,7 +1444,7 @@
             <a:fld id="{B61BEF0D-F0BB-DE4B-95CE-6DB70DBA9567}" type="datetimeFigureOut">
               <a:rPr lang="en-US" dirty="0"/>
               <a:pPr/>
-              <a:t>9/24/2021</a:t>
+              <a:t>10/1/2021</a:t>
             </a:fld>
             <a:endParaRPr lang="en-US" dirty="0"/>
           </a:p>
@@ -1769,7 +1782,7 @@
             <a:fld id="{B61BEF0D-F0BB-DE4B-95CE-6DB70DBA9567}" type="datetimeFigureOut">
               <a:rPr lang="en-US" dirty="0"/>
               <a:pPr/>
-              <a:t>9/24/2021</a:t>
+              <a:t>10/1/2021</a:t>
             </a:fld>
             <a:endParaRPr lang="en-US" dirty="0"/>
           </a:p>
@@ -2080,7 +2093,7 @@
             <a:fld id="{B61BEF0D-F0BB-DE4B-95CE-6DB70DBA9567}" type="datetimeFigureOut">
               <a:rPr lang="en-US" dirty="0"/>
               <a:pPr/>
-              <a:t>9/24/2021</a:t>
+              <a:t>10/1/2021</a:t>
             </a:fld>
             <a:endParaRPr lang="en-US" dirty="0"/>
           </a:p>
@@ -2470,7 +2483,7 @@
             <a:fld id="{B61BEF0D-F0BB-DE4B-95CE-6DB70DBA9567}" type="datetimeFigureOut">
               <a:rPr lang="en-US" dirty="0"/>
               <a:pPr/>
-              <a:t>9/24/2021</a:t>
+              <a:t>10/1/2021</a:t>
             </a:fld>
             <a:endParaRPr lang="en-US" dirty="0"/>
           </a:p>
@@ -2636,7 +2649,7 @@
           <a:p>
             <a:fld id="{55C6B4A9-1611-4792-9094-5F34BCA07E0B}" type="datetimeFigureOut">
               <a:rPr lang="en-US" dirty="0"/>
-              <a:t>9/24/2021</a:t>
+              <a:t>10/1/2021</a:t>
             </a:fld>
             <a:endParaRPr lang="en-US" dirty="0"/>
           </a:p>
@@ -2812,7 +2825,7 @@
             <a:fld id="{B61BEF0D-F0BB-DE4B-95CE-6DB70DBA9567}" type="datetimeFigureOut">
               <a:rPr lang="en-US" dirty="0"/>
               <a:pPr/>
-              <a:t>9/24/2021</a:t>
+              <a:t>10/1/2021</a:t>
             </a:fld>
             <a:endParaRPr lang="en-US" dirty="0"/>
           </a:p>
@@ -3009,7 +3022,7 @@
             <a:fld id="{B61BEF0D-F0BB-DE4B-95CE-6DB70DBA9567}" type="datetimeFigureOut">
               <a:rPr lang="en-US" dirty="0"/>
               <a:pPr/>
-              <a:t>9/24/2021</a:t>
+              <a:t>10/1/2021</a:t>
             </a:fld>
             <a:endParaRPr lang="en-US" dirty="0"/>
           </a:p>
@@ -3253,7 +3266,7 @@
             <a:fld id="{B61BEF0D-F0BB-DE4B-95CE-6DB70DBA9567}" type="datetimeFigureOut">
               <a:rPr lang="en-US" dirty="0"/>
               <a:pPr/>
-              <a:t>9/24/2021</a:t>
+              <a:t>10/1/2021</a:t>
             </a:fld>
             <a:endParaRPr lang="en-US" dirty="0"/>
           </a:p>
@@ -3481,7 +3494,7 @@
           <a:p>
             <a:fld id="{EB712588-04B1-427B-82EE-E8DB90309F08}" type="datetimeFigureOut">
               <a:rPr lang="en-US" dirty="0"/>
-              <a:t>9/24/2021</a:t>
+              <a:t>10/1/2021</a:t>
             </a:fld>
             <a:endParaRPr lang="en-US" dirty="0"/>
           </a:p>
@@ -3851,7 +3864,7 @@
             <a:fld id="{B61BEF0D-F0BB-DE4B-95CE-6DB70DBA9567}" type="datetimeFigureOut">
               <a:rPr lang="en-US" dirty="0"/>
               <a:pPr/>
-              <a:t>9/24/2021</a:t>
+              <a:t>10/1/2021</a:t>
             </a:fld>
             <a:endParaRPr lang="en-US" dirty="0"/>
           </a:p>
@@ -3971,7 +3984,7 @@
             <a:fld id="{B61BEF0D-F0BB-DE4B-95CE-6DB70DBA9567}" type="datetimeFigureOut">
               <a:rPr lang="en-US" dirty="0"/>
               <a:pPr/>
-              <a:t>9/24/2021</a:t>
+              <a:t>10/1/2021</a:t>
             </a:fld>
             <a:endParaRPr lang="en-US" dirty="0"/>
           </a:p>
@@ -4063,7 +4076,7 @@
             <a:fld id="{B61BEF0D-F0BB-DE4B-95CE-6DB70DBA9567}" type="datetimeFigureOut">
               <a:rPr lang="en-US" dirty="0"/>
               <a:pPr/>
-              <a:t>9/24/2021</a:t>
+              <a:t>10/1/2021</a:t>
             </a:fld>
             <a:endParaRPr lang="en-US" dirty="0"/>
           </a:p>
@@ -4314,7 +4327,7 @@
           <a:p>
             <a:fld id="{42A54C80-263E-416B-A8E0-580EDEADCBDC}" type="datetimeFigureOut">
               <a:rPr lang="en-US" dirty="0"/>
-              <a:t>9/24/2021</a:t>
+              <a:t>10/1/2021</a:t>
             </a:fld>
             <a:endParaRPr lang="en-US" dirty="0"/>
           </a:p>
@@ -4573,7 +4586,7 @@
             <a:fld id="{B61BEF0D-F0BB-DE4B-95CE-6DB70DBA9567}" type="datetimeFigureOut">
               <a:rPr lang="en-US" dirty="0"/>
               <a:pPr/>
-              <a:t>9/24/2021</a:t>
+              <a:t>10/1/2021</a:t>
             </a:fld>
             <a:endParaRPr lang="en-US" dirty="0"/>
           </a:p>
@@ -5313,7 +5326,7 @@
             <a:fld id="{B61BEF0D-F0BB-DE4B-95CE-6DB70DBA9567}" type="datetimeFigureOut">
               <a:rPr lang="en-US" dirty="0"/>
               <a:pPr/>
-              <a:t>9/24/2021</a:t>
+              <a:t>10/1/2021</a:t>
             </a:fld>
             <a:endParaRPr lang="en-US" dirty="0"/>
           </a:p>
@@ -6046,7 +6059,7 @@
             <a:fld id="{4805910D-2C61-424F-80CE-807290CF0E1E}" type="datetime4">
               <a:rPr lang="zh-TW" altLang="zh-TW"/>
               <a:pPr/>
-              <a:t>110年9月24日星期五</a:t>
+              <a:t>110年10月1日星期五</a:t>
             </a:fld>
             <a:endParaRPr lang="zh-TW" altLang="en-US" dirty="0"/>
           </a:p>
@@ -6143,6 +6156,310 @@
           <a:p>
             <a:r>
               <a:rPr lang="zh-TW" altLang="en-US" dirty="0"/>
+              <a:t>物件導向初探 </a:t>
+            </a:r>
+            <a:r>
+              <a:rPr lang="en-US" altLang="zh-TW" dirty="0"/>
+              <a:t>--</a:t>
+            </a:r>
+            <a:r>
+              <a:rPr lang="zh-TW" altLang="en-US" dirty="0" smtClean="0">
+                <a:solidFill>
+                  <a:srgbClr val="C00000"/>
+                </a:solidFill>
+              </a:rPr>
+              <a:t>物件</a:t>
+            </a:r>
+            <a:endParaRPr lang="zh-TW" altLang="en-US" dirty="0">
+              <a:solidFill>
+                <a:srgbClr val="C00000"/>
+              </a:solidFill>
+            </a:endParaRPr>
+          </a:p>
+        </p:txBody>
+      </p:sp>
+      <p:sp>
+        <p:nvSpPr>
+          <p:cNvPr id="3" name="內容版面配置區 2"/>
+          <p:cNvSpPr>
+            <a:spLocks noGrp="1"/>
+          </p:cNvSpPr>
+          <p:nvPr>
+            <p:ph idx="1"/>
+          </p:nvPr>
+        </p:nvSpPr>
+        <p:spPr/>
+        <p:txBody>
+          <a:bodyPr/>
+          <a:lstStyle/>
+          <a:p>
+            <a:r>
+              <a:rPr lang="zh-TW" altLang="en-US" dirty="0" smtClean="0"/>
+              <a:t>依照規格書去生產出產品，這個產品就是</a:t>
+            </a:r>
+            <a:r>
+              <a:rPr lang="zh-TW" altLang="en-US" sz="2800" b="1" dirty="0" smtClean="0">
+                <a:solidFill>
+                  <a:srgbClr val="C00000"/>
+                </a:solidFill>
+              </a:rPr>
+              <a:t>物件</a:t>
+            </a:r>
+            <a:r>
+              <a:rPr lang="zh-TW" altLang="en-US" dirty="0" smtClean="0"/>
+              <a:t>！</a:t>
+            </a:r>
+            <a:endParaRPr lang="en-US" altLang="zh-TW" dirty="0" smtClean="0"/>
+          </a:p>
+          <a:p>
+            <a:r>
+              <a:rPr lang="zh-TW" altLang="en-US" dirty="0" smtClean="0"/>
+              <a:t>例如依照汽車規格</a:t>
+            </a:r>
+            <a:r>
+              <a:rPr lang="zh-TW" altLang="en-US" dirty="0"/>
+              <a:t>書去生產製造出</a:t>
+            </a:r>
+            <a:r>
+              <a:rPr lang="zh-TW" altLang="en-US" dirty="0" smtClean="0"/>
+              <a:t>真的一台汽車，這台車才是我們可以真的操作的物件</a:t>
+            </a:r>
+            <a:endParaRPr lang="en-US" altLang="zh-TW" dirty="0" smtClean="0"/>
+          </a:p>
+          <a:p>
+            <a:r>
+              <a:rPr lang="zh-TW" altLang="en-US" dirty="0"/>
+              <a:t>前面練習中的程式碼</a:t>
+            </a:r>
+            <a:r>
+              <a:rPr lang="zh-TW" altLang="en-US" dirty="0" smtClean="0"/>
+              <a:t>：</a:t>
+            </a:r>
+            <a:endParaRPr lang="en-US" altLang="zh-TW" dirty="0" smtClean="0"/>
+          </a:p>
+          <a:p>
+            <a:r>
+              <a:rPr lang="zh-TW" altLang="en-US" dirty="0"/>
+              <a:t>這行程式就是告訴</a:t>
+            </a:r>
+            <a:r>
+              <a:rPr lang="zh-TW" altLang="en-US" dirty="0" smtClean="0"/>
+              <a:t>電腦，我要依照</a:t>
+            </a:r>
+            <a:r>
+              <a:rPr lang="en-US" altLang="zh-TW" dirty="0" smtClean="0"/>
+              <a:t>Scanner</a:t>
+            </a:r>
+            <a:r>
+              <a:rPr lang="zh-TW" altLang="en-US" dirty="0" smtClean="0"/>
+              <a:t>這個類別</a:t>
+            </a:r>
+            <a:r>
+              <a:rPr lang="en-US" altLang="zh-TW" dirty="0" smtClean="0"/>
+              <a:t>(</a:t>
+            </a:r>
+            <a:r>
+              <a:rPr lang="zh-TW" altLang="en-US" dirty="0" smtClean="0"/>
+              <a:t>規格書</a:t>
+            </a:r>
+            <a:r>
+              <a:rPr lang="en-US" altLang="zh-TW" dirty="0" smtClean="0"/>
+              <a:t>)</a:t>
+            </a:r>
+            <a:r>
+              <a:rPr lang="zh-TW" altLang="en-US" dirty="0" smtClean="0"/>
+              <a:t>去製造一個物件，這個物件叫做</a:t>
+            </a:r>
+            <a:r>
+              <a:rPr lang="en-US" altLang="zh-TW" dirty="0" err="1" smtClean="0">
+                <a:solidFill>
+                  <a:srgbClr val="C00000"/>
+                </a:solidFill>
+              </a:rPr>
+              <a:t>sc</a:t>
+            </a:r>
+            <a:r>
+              <a:rPr lang="zh-TW" altLang="en-US" dirty="0" smtClean="0"/>
+              <a:t>。</a:t>
+            </a:r>
+            <a:endParaRPr lang="en-US" altLang="zh-TW" dirty="0" smtClean="0"/>
+          </a:p>
+          <a:p>
+            <a:r>
+              <a:rPr lang="en-US" altLang="zh-TW" dirty="0" err="1" smtClean="0">
+                <a:solidFill>
+                  <a:srgbClr val="C00000"/>
+                </a:solidFill>
+              </a:rPr>
+              <a:t>sc</a:t>
+            </a:r>
+            <a:r>
+              <a:rPr lang="zh-TW" altLang="en-US" dirty="0" smtClean="0"/>
+              <a:t>就是我們可以操作的</a:t>
+            </a:r>
+            <a:r>
+              <a:rPr lang="en-US" altLang="zh-TW" dirty="0" smtClean="0"/>
+              <a:t>Scanner</a:t>
+            </a:r>
+            <a:r>
+              <a:rPr lang="zh-TW" altLang="en-US" dirty="0" smtClean="0"/>
+              <a:t>物件了！</a:t>
+            </a:r>
+            <a:endParaRPr lang="en-US" altLang="zh-TW" dirty="0" smtClean="0"/>
+          </a:p>
+          <a:p>
+            <a:r>
+              <a:rPr lang="zh-TW" altLang="en-US" dirty="0" smtClean="0"/>
+              <a:t>所以後面的程式碼才能使用</a:t>
+            </a:r>
+            <a:r>
+              <a:rPr lang="en-US" altLang="zh-TW" dirty="0" err="1" smtClean="0"/>
+              <a:t>sc</a:t>
+            </a:r>
+            <a:r>
+              <a:rPr lang="zh-TW" altLang="en-US" dirty="0" smtClean="0"/>
+              <a:t>去做輸入。</a:t>
+            </a:r>
+            <a:endParaRPr lang="en-US" altLang="zh-TW" dirty="0"/>
+          </a:p>
+          <a:p>
+            <a:pPr marL="0" indent="0">
+              <a:buNone/>
+            </a:pPr>
+            <a:r>
+              <a:rPr lang="en-US" altLang="zh-TW" dirty="0" smtClean="0"/>
+              <a:t>										</a:t>
+            </a:r>
+            <a:r>
+              <a:rPr lang="zh-TW" altLang="en-US" i="1" dirty="0" smtClean="0"/>
+              <a:t>叫</a:t>
+            </a:r>
+            <a:r>
+              <a:rPr lang="en-US" altLang="zh-TW" i="1" dirty="0" err="1" smtClean="0"/>
+              <a:t>sc</a:t>
+            </a:r>
+            <a:r>
+              <a:rPr lang="zh-TW" altLang="en-US" i="1" dirty="0" smtClean="0"/>
+              <a:t>這個物件去做</a:t>
+            </a:r>
+            <a:r>
+              <a:rPr lang="en-US" altLang="zh-TW" i="1" dirty="0" err="1" smtClean="0"/>
+              <a:t>nextInt</a:t>
+            </a:r>
+            <a:r>
+              <a:rPr lang="en-US" altLang="zh-TW" i="1" dirty="0" smtClean="0"/>
+              <a:t>()</a:t>
+            </a:r>
+            <a:r>
+              <a:rPr lang="zh-TW" altLang="en-US" i="1" dirty="0" smtClean="0"/>
+              <a:t>的方法。</a:t>
+            </a:r>
+            <a:endParaRPr lang="zh-TW" altLang="en-US" i="1" dirty="0"/>
+          </a:p>
+        </p:txBody>
+      </p:sp>
+      <p:pic>
+        <p:nvPicPr>
+          <p:cNvPr id="5" name="圖片 4"/>
+          <p:cNvPicPr>
+            <a:picLocks noChangeAspect="1"/>
+          </p:cNvPicPr>
+          <p:nvPr/>
+        </p:nvPicPr>
+        <p:blipFill>
+          <a:blip r:embed="rId2"/>
+          <a:stretch>
+            <a:fillRect/>
+          </a:stretch>
+        </p:blipFill>
+        <p:spPr>
+          <a:xfrm>
+            <a:off x="3409950" y="3346793"/>
+            <a:ext cx="5372100" cy="409575"/>
+          </a:xfrm>
+          <a:prstGeom prst="rect">
+            <a:avLst/>
+          </a:prstGeom>
+        </p:spPr>
+      </p:pic>
+      <p:pic>
+        <p:nvPicPr>
+          <p:cNvPr id="6" name="圖片 5"/>
+          <p:cNvPicPr>
+            <a:picLocks noChangeAspect="1"/>
+          </p:cNvPicPr>
+          <p:nvPr/>
+        </p:nvPicPr>
+        <p:blipFill>
+          <a:blip r:embed="rId3"/>
+          <a:stretch>
+            <a:fillRect/>
+          </a:stretch>
+        </p:blipFill>
+        <p:spPr>
+          <a:xfrm>
+            <a:off x="5293233" y="4830732"/>
+            <a:ext cx="2876550" cy="361950"/>
+          </a:xfrm>
+          <a:prstGeom prst="rect">
+            <a:avLst/>
+          </a:prstGeom>
+        </p:spPr>
+      </p:pic>
+    </p:spTree>
+    <p:extLst>
+      <p:ext uri="{BB962C8B-B14F-4D97-AF65-F5344CB8AC3E}">
+        <p14:creationId xmlns:p14="http://schemas.microsoft.com/office/powerpoint/2010/main" val="480029509"/>
+      </p:ext>
+    </p:extLst>
+  </p:cSld>
+  <p:clrMapOvr>
+    <a:masterClrMapping/>
+  </p:clrMapOvr>
+  <p:timing>
+    <p:tnLst>
+      <p:par>
+        <p:cTn id="1" dur="indefinite" restart="never" nodeType="tmRoot"/>
+      </p:par>
+    </p:tnLst>
+  </p:timing>
+</p:sld>
+</file>
+
+<file path=ppt/slides/slide11.xml><?xml version="1.0" encoding="utf-8"?>
+<p:sld xmlns:a="http://schemas.openxmlformats.org/drawingml/2006/main" xmlns:r="http://schemas.openxmlformats.org/officeDocument/2006/relationships" xmlns:p="http://schemas.openxmlformats.org/presentationml/2006/main">
+  <p:cSld>
+    <p:spTree>
+      <p:nvGrpSpPr>
+        <p:cNvPr id="1" name=""/>
+        <p:cNvGrpSpPr/>
+        <p:nvPr/>
+      </p:nvGrpSpPr>
+      <p:grpSpPr>
+        <a:xfrm>
+          <a:off x="0" y="0"/>
+          <a:ext cx="0" cy="0"/>
+          <a:chOff x="0" y="0"/>
+          <a:chExt cx="0" cy="0"/>
+        </a:xfrm>
+      </p:grpSpPr>
+      <p:sp>
+        <p:nvSpPr>
+          <p:cNvPr id="2" name="標題 1"/>
+          <p:cNvSpPr>
+            <a:spLocks noGrp="1"/>
+          </p:cNvSpPr>
+          <p:nvPr>
+            <p:ph type="title"/>
+          </p:nvPr>
+        </p:nvSpPr>
+        <p:spPr/>
+        <p:txBody>
+          <a:bodyPr/>
+          <a:lstStyle/>
+          <a:p>
+            <a:r>
+              <a:rPr lang="zh-TW" altLang="en-US" dirty="0"/>
               <a:t>物件導向初</a:t>
             </a:r>
             <a:r>
@@ -6338,7 +6655,27 @@
                   </a:schemeClr>
                 </a:solidFill>
               </a:rPr>
-              <a:t>中較為複雜的，在後面一點的課程再詳細解說。</a:t>
+              <a:t>中較為複雜的</a:t>
+            </a:r>
+            <a:r>
+              <a:rPr lang="zh-TW" altLang="en-US" dirty="0" smtClean="0">
+                <a:solidFill>
+                  <a:schemeClr val="accent5">
+                    <a:lumMod val="75000"/>
+                  </a:schemeClr>
+                </a:solidFill>
+              </a:rPr>
+              <a:t>，在進階的課程</a:t>
+            </a:r>
+            <a:r>
+              <a:rPr lang="zh-TW" altLang="en-US" dirty="0">
+                <a:solidFill>
+                  <a:schemeClr val="accent5">
+                    <a:lumMod val="75000"/>
+                  </a:schemeClr>
+                </a:solidFill>
+              </a:rPr>
+              <a:t>再詳細解說。</a:t>
             </a:r>
           </a:p>
         </p:txBody>
@@ -6507,7 +6844,7 @@
 </p:sld>
 </file>
 
-<file path=ppt/slides/slide11.xml><?xml version="1.0" encoding="utf-8"?>
+<file path=ppt/slides/slide12.xml><?xml version="1.0" encoding="utf-8"?>
 <p:sld xmlns:a="http://schemas.openxmlformats.org/drawingml/2006/main" xmlns:r="http://schemas.openxmlformats.org/officeDocument/2006/relationships" xmlns:p="http://schemas.openxmlformats.org/presentationml/2006/main">
   <p:cSld>
     <p:spTree>
@@ -7681,7 +8018,7 @@
 </p:sld>
 </file>
 
-<file path=ppt/slides/slide12.xml><?xml version="1.0" encoding="utf-8"?>
+<file path=ppt/slides/slide13.xml><?xml version="1.0" encoding="utf-8"?>
 <p:sld xmlns:a="http://schemas.openxmlformats.org/drawingml/2006/main" xmlns:r="http://schemas.openxmlformats.org/officeDocument/2006/relationships" xmlns:p="http://schemas.openxmlformats.org/presentationml/2006/main">
   <p:cSld>
     <p:spTree>
@@ -7744,7 +8081,19 @@
           <a:bodyPr/>
           <a:lstStyle/>
           <a:p>
-            <a:endParaRPr lang="zh-TW" altLang="en-US"/>
+            <a:r>
+              <a:rPr lang="zh-TW" altLang="en-US" dirty="0" smtClean="0"/>
+              <a:t>第一次寫</a:t>
+            </a:r>
+            <a:r>
+              <a:rPr lang="en-US" altLang="zh-TW" dirty="0" smtClean="0"/>
+              <a:t>Class</a:t>
+            </a:r>
+            <a:r>
+              <a:rPr lang="zh-TW" altLang="en-US" dirty="0" smtClean="0"/>
+              <a:t>，練習封裝概念。</a:t>
+            </a:r>
+            <a:endParaRPr lang="zh-TW" altLang="en-US" dirty="0"/>
           </a:p>
         </p:txBody>
       </p:sp>
@@ -7768,7 +8117,7 @@
 </p:sld>
 </file>
 
-<file path=ppt/slides/slide13.xml><?xml version="1.0" encoding="utf-8"?>
+<file path=ppt/slides/slide14.xml><?xml version="1.0" encoding="utf-8"?>
 <p:sld xmlns:a="http://schemas.openxmlformats.org/drawingml/2006/main" xmlns:r="http://schemas.openxmlformats.org/officeDocument/2006/relationships" xmlns:p="http://schemas.openxmlformats.org/presentationml/2006/main">
   <p:cSld>
     <p:spTree>
@@ -8366,7 +8715,7 @@
 </p:sld>
 </file>
 
-<file path=ppt/slides/slide14.xml><?xml version="1.0" encoding="utf-8"?>
+<file path=ppt/slides/slide15.xml><?xml version="1.0" encoding="utf-8"?>
 <p:sld xmlns:a="http://schemas.openxmlformats.org/drawingml/2006/main" xmlns:r="http://schemas.openxmlformats.org/officeDocument/2006/relationships" xmlns:p="http://schemas.openxmlformats.org/presentationml/2006/main">
   <p:cSld>
     <p:spTree>
@@ -8762,7 +9111,7 @@
 </p:sld>
 </file>
 
-<file path=ppt/slides/slide15.xml><?xml version="1.0" encoding="utf-8"?>
+<file path=ppt/slides/slide16.xml><?xml version="1.0" encoding="utf-8"?>
 <p:sld xmlns:a="http://schemas.openxmlformats.org/drawingml/2006/main" xmlns:r="http://schemas.openxmlformats.org/officeDocument/2006/relationships" xmlns:p="http://schemas.openxmlformats.org/presentationml/2006/main">
   <p:cSld>
     <p:spTree>
@@ -8781,7 +9130,7 @@
       </p:grpSpPr>
       <p:pic>
         <p:nvPicPr>
-          <p:cNvPr id="35" name="圖片 34"/>
+          <p:cNvPr id="4" name="圖片 3"/>
           <p:cNvPicPr>
             <a:picLocks noChangeAspect="1"/>
           </p:cNvPicPr>
@@ -8795,8 +9144,8 @@
         </p:blipFill>
         <p:spPr>
           <a:xfrm>
-            <a:off x="5338232" y="1496685"/>
-            <a:ext cx="4714875" cy="4457700"/>
+            <a:off x="5473255" y="1570850"/>
+            <a:ext cx="6718745" cy="4749354"/>
           </a:xfrm>
           <a:prstGeom prst="rect">
             <a:avLst/>
@@ -9009,9 +9358,63 @@
             </a:r>
             <a:r>
               <a:rPr lang="zh-TW" altLang="en-US" dirty="0" smtClean="0"/>
-              <a:t> ：餘額查詢</a:t>
+              <a:t> ：餘額</a:t>
+            </a:r>
+            <a:r>
+              <a:rPr lang="zh-TW" altLang="en-US" dirty="0" smtClean="0"/>
+              <a:t>查詢</a:t>
             </a:r>
             <a:endParaRPr lang="en-US" altLang="zh-TW" dirty="0" smtClean="0"/>
+          </a:p>
+          <a:p>
+            <a:pPr lvl="1"/>
+            <a:r>
+              <a:rPr lang="en-US" altLang="zh-TW" dirty="0" smtClean="0">
+                <a:solidFill>
+                  <a:schemeClr val="accent6">
+                    <a:lumMod val="75000"/>
+                  </a:schemeClr>
+                </a:solidFill>
+              </a:rPr>
+              <a:t>Void </a:t>
+            </a:r>
+            <a:r>
+              <a:rPr lang="en-US" altLang="zh-TW" dirty="0" err="1" smtClean="0">
+                <a:solidFill>
+                  <a:schemeClr val="accent6">
+                    <a:lumMod val="75000"/>
+                  </a:schemeClr>
+                </a:solidFill>
+              </a:rPr>
+              <a:t>ShowBalance</a:t>
+            </a:r>
+            <a:r>
+              <a:rPr lang="en-US" altLang="zh-TW" dirty="0" smtClean="0">
+                <a:solidFill>
+                  <a:schemeClr val="accent6">
+                    <a:lumMod val="75000"/>
+                  </a:schemeClr>
+                </a:solidFill>
+              </a:rPr>
+              <a:t>() </a:t>
+            </a:r>
+            <a:r>
+              <a:rPr lang="zh-TW" altLang="en-US" dirty="0" smtClean="0">
+                <a:solidFill>
+                  <a:schemeClr val="accent6">
+                    <a:lumMod val="75000"/>
+                  </a:schemeClr>
+                </a:solidFill>
+              </a:rPr>
+              <a:t>：顯示帳戶資料</a:t>
+            </a:r>
+            <a:endParaRPr lang="en-US" altLang="zh-TW" dirty="0" smtClean="0">
+              <a:solidFill>
+                <a:schemeClr val="accent6">
+                  <a:lumMod val="75000"/>
+                </a:schemeClr>
+              </a:solidFill>
+            </a:endParaRPr>
           </a:p>
           <a:p>
             <a:pPr lvl="1"/>
@@ -9148,8 +9551,8 @@
         </p:nvCxnSpPr>
         <p:spPr>
           <a:xfrm flipV="1">
-            <a:off x="4381808" y="3109790"/>
-            <a:ext cx="1735528" cy="1318289"/>
+            <a:off x="4381808" y="2953512"/>
+            <a:ext cx="1714192" cy="1474568"/>
           </a:xfrm>
           <a:prstGeom prst="straightConnector1">
             <a:avLst/>
@@ -9184,8 +9587,8 @@
         </p:nvCxnSpPr>
         <p:spPr>
           <a:xfrm flipV="1">
-            <a:off x="4616561" y="4171902"/>
-            <a:ext cx="1500775" cy="742990"/>
+            <a:off x="4616561" y="3822192"/>
+            <a:ext cx="1479439" cy="1092700"/>
           </a:xfrm>
           <a:prstGeom prst="straightConnector1">
             <a:avLst/>
@@ -9220,8 +9623,44 @@
         </p:nvCxnSpPr>
         <p:spPr>
           <a:xfrm flipV="1">
-            <a:off x="3832668" y="5097226"/>
-            <a:ext cx="2284668" cy="336155"/>
+            <a:off x="3832668" y="4672584"/>
+            <a:ext cx="2263332" cy="760798"/>
+          </a:xfrm>
+          <a:prstGeom prst="straightConnector1">
+            <a:avLst/>
+          </a:prstGeom>
+          <a:ln w="28575">
+            <a:solidFill>
+              <a:srgbClr val="FF0000"/>
+            </a:solidFill>
+            <a:tailEnd type="triangle"/>
+          </a:ln>
+        </p:spPr>
+        <p:style>
+          <a:lnRef idx="1">
+            <a:schemeClr val="accent1"/>
+          </a:lnRef>
+          <a:fillRef idx="0">
+            <a:schemeClr val="accent1"/>
+          </a:fillRef>
+          <a:effectRef idx="0">
+            <a:schemeClr val="accent1"/>
+          </a:effectRef>
+          <a:fontRef idx="minor">
+            <a:schemeClr val="tx1"/>
+          </a:fontRef>
+        </p:style>
+      </p:cxnSp>
+      <p:cxnSp>
+        <p:nvCxnSpPr>
+          <p:cNvPr id="16" name="直線單箭頭接點 15"/>
+          <p:cNvCxnSpPr/>
+          <p:nvPr/>
+        </p:nvCxnSpPr>
+        <p:spPr>
+          <a:xfrm flipV="1">
+            <a:off x="4826316" y="5550408"/>
+            <a:ext cx="1269684" cy="186964"/>
           </a:xfrm>
           <a:prstGeom prst="straightConnector1">
             <a:avLst/>
@@ -9268,7 +9707,7 @@
 </p:sld>
 </file>
 
-<file path=ppt/slides/slide16.xml><?xml version="1.0" encoding="utf-8"?>
+<file path=ppt/slides/slide17.xml><?xml version="1.0" encoding="utf-8"?>
 <p:sld xmlns:a="http://schemas.openxmlformats.org/drawingml/2006/main" xmlns:r="http://schemas.openxmlformats.org/officeDocument/2006/relationships" xmlns:p="http://schemas.openxmlformats.org/presentationml/2006/main">
   <p:cSld>
     <p:spTree>
@@ -9285,6 +9724,30 @@
           <a:chExt cx="0" cy="0"/>
         </a:xfrm>
       </p:grpSpPr>
+      <p:pic>
+        <p:nvPicPr>
+          <p:cNvPr id="6" name="圖片 5"/>
+          <p:cNvPicPr>
+            <a:picLocks noChangeAspect="1"/>
+          </p:cNvPicPr>
+          <p:nvPr/>
+        </p:nvPicPr>
+        <p:blipFill>
+          <a:blip r:embed="rId2"/>
+          <a:stretch>
+            <a:fillRect/>
+          </a:stretch>
+        </p:blipFill>
+        <p:spPr>
+          <a:xfrm>
+            <a:off x="5375928" y="940279"/>
+            <a:ext cx="5620356" cy="5481008"/>
+          </a:xfrm>
+          <a:prstGeom prst="rect">
+            <a:avLst/>
+          </a:prstGeom>
+        </p:spPr>
+      </p:pic>
       <p:sp>
         <p:nvSpPr>
           <p:cNvPr id="2" name="標題 1"/>
@@ -9481,30 +9944,6 @@
           </a:p>
         </p:txBody>
       </p:sp>
-      <p:pic>
-        <p:nvPicPr>
-          <p:cNvPr id="4" name="圖片 3"/>
-          <p:cNvPicPr>
-            <a:picLocks noChangeAspect="1"/>
-          </p:cNvPicPr>
-          <p:nvPr/>
-        </p:nvPicPr>
-        <p:blipFill>
-          <a:blip r:embed="rId2"/>
-          <a:stretch>
-            <a:fillRect/>
-          </a:stretch>
-        </p:blipFill>
-        <p:spPr>
-          <a:xfrm>
-            <a:off x="5261610" y="662124"/>
-            <a:ext cx="5994654" cy="5781729"/>
-          </a:xfrm>
-          <a:prstGeom prst="rect">
-            <a:avLst/>
-          </a:prstGeom>
-        </p:spPr>
-      </p:pic>
       <p:cxnSp>
         <p:nvCxnSpPr>
           <p:cNvPr id="5" name="直線單箭頭接點 4"/>
@@ -9615,7 +10054,7 @@
       </p:cxnSp>
       <p:pic>
         <p:nvPicPr>
-          <p:cNvPr id="14" name="圖片 13"/>
+          <p:cNvPr id="7" name="圖片 6"/>
           <p:cNvPicPr>
             <a:picLocks noChangeAspect="1"/>
           </p:cNvPicPr>
@@ -9629,8 +10068,8 @@
         </p:blipFill>
         <p:spPr>
           <a:xfrm>
-            <a:off x="1102191" y="5222260"/>
-            <a:ext cx="3903387" cy="1301129"/>
+            <a:off x="1145589" y="5198708"/>
+            <a:ext cx="3647766" cy="1324681"/>
           </a:xfrm>
           <a:prstGeom prst="rect">
             <a:avLst/>
@@ -9657,7 +10096,7 @@
 </p:sld>
 </file>
 
-<file path=ppt/slides/slide17.xml><?xml version="1.0" encoding="utf-8"?>
+<file path=ppt/slides/slide18.xml><?xml version="1.0" encoding="utf-8"?>
 <p:sld xmlns:a="http://schemas.openxmlformats.org/drawingml/2006/main" xmlns:r="http://schemas.openxmlformats.org/officeDocument/2006/relationships" xmlns:p="http://schemas.openxmlformats.org/presentationml/2006/main">
   <p:cSld>
     <p:spTree>
@@ -9829,7 +10268,7 @@
 </p:sld>
 </file>
 
-<file path=ppt/slides/slide18.xml><?xml version="1.0" encoding="utf-8"?>
+<file path=ppt/slides/slide19.xml><?xml version="1.0" encoding="utf-8"?>
 <p:sld xmlns:a="http://schemas.openxmlformats.org/drawingml/2006/main" xmlns:r="http://schemas.openxmlformats.org/officeDocument/2006/relationships" xmlns:p="http://schemas.openxmlformats.org/presentationml/2006/main">
   <p:cSld>
     <p:spTree>
@@ -10270,7 +10709,101 @@
 </p:sld>
 </file>
 
-<file path=ppt/slides/slide19.xml><?xml version="1.0" encoding="utf-8"?>
+<file path=ppt/slides/slide2.xml><?xml version="1.0" encoding="utf-8"?>
+<p:sld xmlns:a="http://schemas.openxmlformats.org/drawingml/2006/main" xmlns:r="http://schemas.openxmlformats.org/officeDocument/2006/relationships" xmlns:p="http://schemas.openxmlformats.org/presentationml/2006/main">
+  <p:cSld>
+    <p:spTree>
+      <p:nvGrpSpPr>
+        <p:cNvPr id="1" name=""/>
+        <p:cNvGrpSpPr/>
+        <p:nvPr/>
+      </p:nvGrpSpPr>
+      <p:grpSpPr>
+        <a:xfrm>
+          <a:off x="0" y="0"/>
+          <a:ext cx="0" cy="0"/>
+          <a:chOff x="0" y="0"/>
+          <a:chExt cx="0" cy="0"/>
+        </a:xfrm>
+      </p:grpSpPr>
+      <p:sp>
+        <p:nvSpPr>
+          <p:cNvPr id="4" name="標題 3"/>
+          <p:cNvSpPr>
+            <a:spLocks noGrp="1"/>
+          </p:cNvSpPr>
+          <p:nvPr>
+            <p:ph type="title"/>
+          </p:nvPr>
+        </p:nvSpPr>
+        <p:spPr/>
+        <p:txBody>
+          <a:bodyPr/>
+          <a:lstStyle/>
+          <a:p>
+            <a:r>
+              <a:rPr lang="zh-TW" altLang="en-US" dirty="0" smtClean="0"/>
+              <a:t>物件導向初探</a:t>
+            </a:r>
+            <a:endParaRPr lang="zh-TW" altLang="en-US" dirty="0"/>
+          </a:p>
+        </p:txBody>
+      </p:sp>
+      <p:sp>
+        <p:nvSpPr>
+          <p:cNvPr id="5" name="文字版面配置區 4"/>
+          <p:cNvSpPr>
+            <a:spLocks noGrp="1"/>
+          </p:cNvSpPr>
+          <p:nvPr>
+            <p:ph type="body" idx="1"/>
+          </p:nvPr>
+        </p:nvSpPr>
+        <p:spPr/>
+        <p:txBody>
+          <a:bodyPr/>
+          <a:lstStyle/>
+          <a:p>
+            <a:r>
+              <a:rPr lang="zh-TW" altLang="en-US" dirty="0" smtClean="0"/>
+              <a:t>很粗淺的物件導向概念解說</a:t>
+            </a:r>
+            <a:endParaRPr lang="en-US" altLang="zh-TW" dirty="0" smtClean="0"/>
+          </a:p>
+          <a:p>
+            <a:r>
+              <a:rPr lang="zh-TW" altLang="en-US" dirty="0"/>
+              <a:t>很抽象的概念</a:t>
+            </a:r>
+            <a:r>
+              <a:rPr lang="zh-TW" altLang="en-US" dirty="0" smtClean="0"/>
+              <a:t>，要用心想、耐著睡意、努力理解</a:t>
+            </a:r>
+            <a:endParaRPr lang="zh-TW" altLang="en-US" dirty="0"/>
+          </a:p>
+        </p:txBody>
+      </p:sp>
+    </p:spTree>
+    <p:extLst>
+      <p:ext uri="{BB962C8B-B14F-4D97-AF65-F5344CB8AC3E}">
+        <p14:creationId xmlns:p14="http://schemas.microsoft.com/office/powerpoint/2010/main" val="444540770"/>
+      </p:ext>
+    </p:extLst>
+  </p:cSld>
+  <p:clrMapOvr>
+    <a:masterClrMapping/>
+  </p:clrMapOvr>
+  <p:timing>
+    <p:tnLst>
+      <p:par>
+        <p:cTn id="1" dur="indefinite" restart="never" nodeType="tmRoot"/>
+      </p:par>
+    </p:tnLst>
+  </p:timing>
+</p:sld>
+</file>
+
+<file path=ppt/slides/slide20.xml><?xml version="1.0" encoding="utf-8"?>
 <p:sld xmlns:a="http://schemas.openxmlformats.org/drawingml/2006/main" xmlns:r="http://schemas.openxmlformats.org/officeDocument/2006/relationships" xmlns:p="http://schemas.openxmlformats.org/presentationml/2006/main">
   <p:cSld>
     <p:spTree>
@@ -10620,101 +11153,7 @@
 </p:sld>
 </file>
 
-<file path=ppt/slides/slide2.xml><?xml version="1.0" encoding="utf-8"?>
-<p:sld xmlns:a="http://schemas.openxmlformats.org/drawingml/2006/main" xmlns:r="http://schemas.openxmlformats.org/officeDocument/2006/relationships" xmlns:p="http://schemas.openxmlformats.org/presentationml/2006/main">
-  <p:cSld>
-    <p:spTree>
-      <p:nvGrpSpPr>
-        <p:cNvPr id="1" name=""/>
-        <p:cNvGrpSpPr/>
-        <p:nvPr/>
-      </p:nvGrpSpPr>
-      <p:grpSpPr>
-        <a:xfrm>
-          <a:off x="0" y="0"/>
-          <a:ext cx="0" cy="0"/>
-          <a:chOff x="0" y="0"/>
-          <a:chExt cx="0" cy="0"/>
-        </a:xfrm>
-      </p:grpSpPr>
-      <p:sp>
-        <p:nvSpPr>
-          <p:cNvPr id="4" name="標題 3"/>
-          <p:cNvSpPr>
-            <a:spLocks noGrp="1"/>
-          </p:cNvSpPr>
-          <p:nvPr>
-            <p:ph type="title"/>
-          </p:nvPr>
-        </p:nvSpPr>
-        <p:spPr/>
-        <p:txBody>
-          <a:bodyPr/>
-          <a:lstStyle/>
-          <a:p>
-            <a:r>
-              <a:rPr lang="zh-TW" altLang="en-US" dirty="0" smtClean="0"/>
-              <a:t>物件導向初探</a:t>
-            </a:r>
-            <a:endParaRPr lang="zh-TW" altLang="en-US" dirty="0"/>
-          </a:p>
-        </p:txBody>
-      </p:sp>
-      <p:sp>
-        <p:nvSpPr>
-          <p:cNvPr id="5" name="文字版面配置區 4"/>
-          <p:cNvSpPr>
-            <a:spLocks noGrp="1"/>
-          </p:cNvSpPr>
-          <p:nvPr>
-            <p:ph type="body" idx="1"/>
-          </p:nvPr>
-        </p:nvSpPr>
-        <p:spPr/>
-        <p:txBody>
-          <a:bodyPr/>
-          <a:lstStyle/>
-          <a:p>
-            <a:r>
-              <a:rPr lang="zh-TW" altLang="en-US" dirty="0" smtClean="0"/>
-              <a:t>很粗淺的物件導向概念解說</a:t>
-            </a:r>
-            <a:endParaRPr lang="en-US" altLang="zh-TW" dirty="0" smtClean="0"/>
-          </a:p>
-          <a:p>
-            <a:r>
-              <a:rPr lang="zh-TW" altLang="en-US" dirty="0"/>
-              <a:t>很抽象的概念</a:t>
-            </a:r>
-            <a:r>
-              <a:rPr lang="zh-TW" altLang="en-US" dirty="0" smtClean="0"/>
-              <a:t>，要用心想、耐著睡意、努力理解</a:t>
-            </a:r>
-            <a:endParaRPr lang="zh-TW" altLang="en-US" dirty="0"/>
-          </a:p>
-        </p:txBody>
-      </p:sp>
-    </p:spTree>
-    <p:extLst>
-      <p:ext uri="{BB962C8B-B14F-4D97-AF65-F5344CB8AC3E}">
-        <p14:creationId xmlns:p14="http://schemas.microsoft.com/office/powerpoint/2010/main" val="444540770"/>
-      </p:ext>
-    </p:extLst>
-  </p:cSld>
-  <p:clrMapOvr>
-    <a:masterClrMapping/>
-  </p:clrMapOvr>
-  <p:timing>
-    <p:tnLst>
-      <p:par>
-        <p:cTn id="1" dur="indefinite" restart="never" nodeType="tmRoot"/>
-      </p:par>
-    </p:tnLst>
-  </p:timing>
-</p:sld>
-</file>
-
-<file path=ppt/slides/slide20.xml><?xml version="1.0" encoding="utf-8"?>
+<file path=ppt/slides/slide21.xml><?xml version="1.0" encoding="utf-8"?>
 <p:sld xmlns:a="http://schemas.openxmlformats.org/drawingml/2006/main" xmlns:r="http://schemas.openxmlformats.org/officeDocument/2006/relationships" xmlns:p="http://schemas.openxmlformats.org/presentationml/2006/main">
   <p:cSld>
     <p:spTree>
@@ -11222,7 +11661,7 @@
 </p:sld>
 </file>
 
-<file path=ppt/slides/slide21.xml><?xml version="1.0" encoding="utf-8"?>
+<file path=ppt/slides/slide22.xml><?xml version="1.0" encoding="utf-8"?>
 <p:sld xmlns:a="http://schemas.openxmlformats.org/drawingml/2006/main" xmlns:r="http://schemas.openxmlformats.org/officeDocument/2006/relationships" xmlns:p="http://schemas.openxmlformats.org/presentationml/2006/main">
   <p:cSld>
     <p:spTree>
@@ -11565,7 +12004,7 @@
 </p:sld>
 </file>
 
-<file path=ppt/slides/slide22.xml><?xml version="1.0" encoding="utf-8"?>
+<file path=ppt/slides/slide23.xml><?xml version="1.0" encoding="utf-8"?>
 <p:sld xmlns:a="http://schemas.openxmlformats.org/drawingml/2006/main" xmlns:r="http://schemas.openxmlformats.org/officeDocument/2006/relationships" xmlns:p="http://schemas.openxmlformats.org/presentationml/2006/main">
   <p:cSld>
     <p:spTree>
@@ -11582,6 +12021,30 @@
           <a:chExt cx="0" cy="0"/>
         </a:xfrm>
       </p:grpSpPr>
+      <p:pic>
+        <p:nvPicPr>
+          <p:cNvPr id="11" name="圖片 10"/>
+          <p:cNvPicPr>
+            <a:picLocks noChangeAspect="1"/>
+          </p:cNvPicPr>
+          <p:nvPr/>
+        </p:nvPicPr>
+        <p:blipFill>
+          <a:blip r:embed="rId2"/>
+          <a:stretch>
+            <a:fillRect/>
+          </a:stretch>
+        </p:blipFill>
+        <p:spPr>
+          <a:xfrm>
+            <a:off x="538521" y="1786070"/>
+            <a:ext cx="4995277" cy="4871427"/>
+          </a:xfrm>
+          <a:prstGeom prst="rect">
+            <a:avLst/>
+          </a:prstGeom>
+        </p:spPr>
+      </p:pic>
       <p:sp>
         <p:nvSpPr>
           <p:cNvPr id="2" name="標題 1"/>
@@ -11613,33 +12076,122 @@
           </a:p>
         </p:txBody>
       </p:sp>
-      <p:pic>
-        <p:nvPicPr>
-          <p:cNvPr id="4" name="圖片 3"/>
-          <p:cNvPicPr>
-            <a:picLocks noChangeAspect="1"/>
-          </p:cNvPicPr>
+      <p:sp>
+        <p:nvSpPr>
+          <p:cNvPr id="8" name="矩形 7"/>
+          <p:cNvSpPr/>
           <p:nvPr/>
-        </p:nvPicPr>
-        <p:blipFill>
-          <a:blip r:embed="rId2"/>
-          <a:stretch>
-            <a:fillRect/>
-          </a:stretch>
-        </p:blipFill>
+        </p:nvSpPr>
         <p:spPr>
           <a:xfrm>
-            <a:off x="493056" y="1786072"/>
-            <a:ext cx="5050828" cy="4871427"/>
+            <a:off x="1341527" y="2328254"/>
+            <a:ext cx="2837205" cy="1247686"/>
           </a:xfrm>
           <a:prstGeom prst="rect">
             <a:avLst/>
           </a:prstGeom>
+          <a:noFill/>
+          <a:ln w="28575">
+            <a:solidFill>
+              <a:srgbClr val="FF0000"/>
+            </a:solidFill>
+          </a:ln>
         </p:spPr>
-      </p:pic>
+        <p:style>
+          <a:lnRef idx="2">
+            <a:schemeClr val="accent1">
+              <a:shade val="50000"/>
+            </a:schemeClr>
+          </a:lnRef>
+          <a:fillRef idx="1">
+            <a:schemeClr val="accent1"/>
+          </a:fillRef>
+          <a:effectRef idx="0">
+            <a:schemeClr val="accent1"/>
+          </a:effectRef>
+          <a:fontRef idx="minor">
+            <a:schemeClr val="lt1"/>
+          </a:fontRef>
+        </p:style>
+        <p:txBody>
+          <a:bodyPr rtlCol="0" anchor="ctr"/>
+          <a:lstStyle/>
+          <a:p>
+            <a:pPr algn="ctr"/>
+            <a:endParaRPr lang="zh-TW" altLang="en-US"/>
+          </a:p>
+        </p:txBody>
+      </p:sp>
+      <p:sp>
+        <p:nvSpPr>
+          <p:cNvPr id="10" name="文字方塊 9"/>
+          <p:cNvSpPr txBox="1"/>
+          <p:nvPr/>
+        </p:nvSpPr>
+        <p:spPr>
+          <a:xfrm>
+            <a:off x="407598" y="1217515"/>
+            <a:ext cx="9741769" cy="646331"/>
+          </a:xfrm>
+          <a:prstGeom prst="rect">
+            <a:avLst/>
+          </a:prstGeom>
+          <a:noFill/>
+        </p:spPr>
+        <p:txBody>
+          <a:bodyPr wrap="none" rtlCol="0">
+            <a:spAutoFit/>
+          </a:bodyPr>
+          <a:lstStyle/>
+          <a:p>
+            <a:r>
+              <a:rPr lang="zh-TW" altLang="en-US" sz="3600" b="1" dirty="0" smtClean="0">
+                <a:solidFill>
+                  <a:srgbClr val="FF0000"/>
+                </a:solidFill>
+                <a:latin typeface="+mn-ea"/>
+              </a:rPr>
+              <a:t>直接存取屬性改為執行指定方法</a:t>
+            </a:r>
+            <a:r>
+              <a:rPr lang="en-US" altLang="zh-TW" sz="3600" b="1" dirty="0" smtClean="0">
+                <a:solidFill>
+                  <a:srgbClr val="FF0000"/>
+                </a:solidFill>
+                <a:latin typeface="+mn-ea"/>
+              </a:rPr>
+              <a:t>(</a:t>
+            </a:r>
+            <a:r>
+              <a:rPr lang="zh-TW" altLang="en-US" sz="3600" b="1" dirty="0" smtClean="0">
+                <a:solidFill>
+                  <a:srgbClr val="FF0000"/>
+                </a:solidFill>
+                <a:latin typeface="+mn-ea"/>
+              </a:rPr>
+              <a:t>呼叫指定方法</a:t>
+            </a:r>
+            <a:r>
+              <a:rPr lang="en-US" altLang="zh-TW" sz="3600" b="1" dirty="0" smtClean="0">
+                <a:solidFill>
+                  <a:srgbClr val="FF0000"/>
+                </a:solidFill>
+                <a:latin typeface="+mn-ea"/>
+              </a:rPr>
+              <a:t>)</a:t>
+            </a:r>
+            <a:endParaRPr lang="zh-TW" altLang="en-US" sz="3600" b="1" dirty="0">
+              <a:solidFill>
+                <a:srgbClr val="FF0000"/>
+              </a:solidFill>
+              <a:latin typeface="+mn-ea"/>
+            </a:endParaRPr>
+          </a:p>
+        </p:txBody>
+      </p:sp>
       <p:pic>
         <p:nvPicPr>
-          <p:cNvPr id="5" name="圖片 4"/>
+          <p:cNvPr id="3" name="圖片 2"/>
           <p:cNvPicPr>
             <a:picLocks noChangeAspect="1"/>
           </p:cNvPicPr>
@@ -11653,14 +12205,60 @@
         </p:blipFill>
         <p:spPr>
           <a:xfrm>
-            <a:off x="5972799" y="1786071"/>
-            <a:ext cx="4991456" cy="4871427"/>
+            <a:off x="5978590" y="1786069"/>
+            <a:ext cx="6040879" cy="4871427"/>
           </a:xfrm>
           <a:prstGeom prst="rect">
             <a:avLst/>
           </a:prstGeom>
         </p:spPr>
       </p:pic>
+      <p:sp>
+        <p:nvSpPr>
+          <p:cNvPr id="9" name="矩形 8"/>
+          <p:cNvSpPr/>
+          <p:nvPr/>
+        </p:nvSpPr>
+        <p:spPr>
+          <a:xfrm>
+            <a:off x="6990594" y="2432400"/>
+            <a:ext cx="4361767" cy="710725"/>
+          </a:xfrm>
+          <a:prstGeom prst="rect">
+            <a:avLst/>
+          </a:prstGeom>
+          <a:noFill/>
+          <a:ln w="28575">
+            <a:solidFill>
+              <a:srgbClr val="FF0000"/>
+            </a:solidFill>
+          </a:ln>
+        </p:spPr>
+        <p:style>
+          <a:lnRef idx="2">
+            <a:schemeClr val="accent1">
+              <a:shade val="50000"/>
+            </a:schemeClr>
+          </a:lnRef>
+          <a:fillRef idx="1">
+            <a:schemeClr val="accent1"/>
+          </a:fillRef>
+          <a:effectRef idx="0">
+            <a:schemeClr val="accent1"/>
+          </a:effectRef>
+          <a:fontRef idx="minor">
+            <a:schemeClr val="lt1"/>
+          </a:fontRef>
+        </p:style>
+        <p:txBody>
+          <a:bodyPr rtlCol="0" anchor="ctr"/>
+          <a:lstStyle/>
+          <a:p>
+            <a:pPr algn="ctr"/>
+            <a:endParaRPr lang="zh-TW" altLang="en-US"/>
+          </a:p>
+        </p:txBody>
+      </p:sp>
       <p:sp>
         <p:nvSpPr>
           <p:cNvPr id="6" name="向右箭號 5"/>
@@ -11703,20 +12301,22 @@
       </p:sp>
       <p:sp>
         <p:nvSpPr>
-          <p:cNvPr id="8" name="矩形 7"/>
+          <p:cNvPr id="7" name="向右箭號 6"/>
           <p:cNvSpPr/>
           <p:nvPr/>
         </p:nvSpPr>
         <p:spPr>
-          <a:xfrm>
-            <a:off x="1358780" y="2486827"/>
-            <a:ext cx="2837205" cy="1247686"/>
+          <a:xfrm rot="13580862">
+            <a:off x="10217878" y="3963066"/>
+            <a:ext cx="334026" cy="169245"/>
           </a:xfrm>
-          <a:prstGeom prst="rect">
+          <a:prstGeom prst="rightArrow">
             <a:avLst/>
           </a:prstGeom>
-          <a:noFill/>
-          <a:ln w="28575">
+          <a:solidFill>
+            <a:srgbClr val="FF0000"/>
+          </a:solidFill>
+          <a:ln>
             <a:solidFill>
               <a:srgbClr val="FF0000"/>
             </a:solidFill>
@@ -11749,20 +12349,22 @@
       </p:sp>
       <p:sp>
         <p:nvSpPr>
-          <p:cNvPr id="9" name="矩形 8"/>
+          <p:cNvPr id="12" name="向右箭號 11"/>
           <p:cNvSpPr/>
           <p:nvPr/>
         </p:nvSpPr>
         <p:spPr>
-          <a:xfrm>
-            <a:off x="6662791" y="2587952"/>
-            <a:ext cx="3763078" cy="710725"/>
+          <a:xfrm rot="13580862">
+            <a:off x="9982353" y="5042326"/>
+            <a:ext cx="334026" cy="169245"/>
           </a:xfrm>
-          <a:prstGeom prst="rect">
+          <a:prstGeom prst="rightArrow">
             <a:avLst/>
           </a:prstGeom>
-          <a:noFill/>
-          <a:ln w="28575">
+          <a:solidFill>
+            <a:srgbClr val="FF0000"/>
+          </a:solidFill>
+          <a:ln>
             <a:solidFill>
               <a:srgbClr val="FF0000"/>
             </a:solidFill>
@@ -11795,68 +12397,49 @@
       </p:sp>
       <p:sp>
         <p:nvSpPr>
-          <p:cNvPr id="10" name="文字方塊 9"/>
-          <p:cNvSpPr txBox="1"/>
+          <p:cNvPr id="13" name="向右箭號 12"/>
+          <p:cNvSpPr/>
           <p:nvPr/>
         </p:nvSpPr>
         <p:spPr>
-          <a:xfrm>
-            <a:off x="407598" y="1217515"/>
-            <a:ext cx="9741769" cy="646331"/>
+          <a:xfrm rot="13580862">
+            <a:off x="9941895" y="6081920"/>
+            <a:ext cx="334026" cy="169245"/>
           </a:xfrm>
-          <a:prstGeom prst="rect">
+          <a:prstGeom prst="rightArrow">
             <a:avLst/>
           </a:prstGeom>
-          <a:noFill/>
+          <a:solidFill>
+            <a:srgbClr val="FF0000"/>
+          </a:solidFill>
+          <a:ln>
+            <a:solidFill>
+              <a:srgbClr val="FF0000"/>
+            </a:solidFill>
+          </a:ln>
         </p:spPr>
+        <p:style>
+          <a:lnRef idx="2">
+            <a:schemeClr val="accent1">
+              <a:shade val="50000"/>
+            </a:schemeClr>
+          </a:lnRef>
+          <a:fillRef idx="1">
+            <a:schemeClr val="accent1"/>
+          </a:fillRef>
+          <a:effectRef idx="0">
+            <a:schemeClr val="accent1"/>
+          </a:effectRef>
+          <a:fontRef idx="minor">
+            <a:schemeClr val="lt1"/>
+          </a:fontRef>
+        </p:style>
         <p:txBody>
-          <a:bodyPr wrap="none" rtlCol="0">
-            <a:spAutoFit/>
-          </a:bodyPr>
+          <a:bodyPr rtlCol="0" anchor="ctr"/>
           <a:lstStyle/>
           <a:p>
-            <a:r>
-              <a:rPr lang="zh-TW" altLang="en-US" sz="3600" b="1" dirty="0" smtClean="0">
-                <a:solidFill>
-                  <a:srgbClr val="FF0000"/>
-                </a:solidFill>
-                <a:latin typeface="+mn-ea"/>
-              </a:rPr>
-              <a:t>直接存取屬性改為執行指定方法</a:t>
-            </a:r>
-            <a:r>
-              <a:rPr lang="en-US" altLang="zh-TW" sz="3600" b="1" dirty="0" smtClean="0">
-                <a:solidFill>
-                  <a:srgbClr val="FF0000"/>
-                </a:solidFill>
-                <a:latin typeface="+mn-ea"/>
-              </a:rPr>
-              <a:t>(</a:t>
-            </a:r>
-            <a:r>
-              <a:rPr lang="zh-TW" altLang="en-US" sz="3600" b="1" dirty="0" smtClean="0">
-                <a:solidFill>
-                  <a:srgbClr val="FF0000"/>
-                </a:solidFill>
-                <a:latin typeface="+mn-ea"/>
-              </a:rPr>
-              <a:t>呼叫指定方法</a:t>
-            </a:r>
-            <a:r>
-              <a:rPr lang="en-US" altLang="zh-TW" sz="3600" b="1" dirty="0" smtClean="0">
-                <a:solidFill>
-                  <a:srgbClr val="FF0000"/>
-                </a:solidFill>
-                <a:latin typeface="+mn-ea"/>
-              </a:rPr>
-              <a:t>)</a:t>
-            </a:r>
-            <a:endParaRPr lang="zh-TW" altLang="en-US" sz="3600" b="1" dirty="0">
-              <a:solidFill>
-                <a:srgbClr val="FF0000"/>
-              </a:solidFill>
-              <a:latin typeface="+mn-ea"/>
-            </a:endParaRPr>
+            <a:pPr algn="ctr"/>
+            <a:endParaRPr lang="zh-TW" altLang="en-US"/>
           </a:p>
         </p:txBody>
       </p:sp>
@@ -11951,7 +12534,159 @@
 </p:sld>
 </file>
 
-<file path=ppt/slides/slide23.xml><?xml version="1.0" encoding="utf-8"?>
+<file path=ppt/slides/slide24.xml><?xml version="1.0" encoding="utf-8"?>
+<p:sld xmlns:a="http://schemas.openxmlformats.org/drawingml/2006/main" xmlns:r="http://schemas.openxmlformats.org/officeDocument/2006/relationships" xmlns:p="http://schemas.openxmlformats.org/presentationml/2006/main">
+  <p:cSld>
+    <p:spTree>
+      <p:nvGrpSpPr>
+        <p:cNvPr id="1" name=""/>
+        <p:cNvGrpSpPr/>
+        <p:nvPr/>
+      </p:nvGrpSpPr>
+      <p:grpSpPr>
+        <a:xfrm>
+          <a:off x="0" y="0"/>
+          <a:ext cx="0" cy="0"/>
+          <a:chOff x="0" y="0"/>
+          <a:chExt cx="0" cy="0"/>
+        </a:xfrm>
+      </p:grpSpPr>
+      <p:sp>
+        <p:nvSpPr>
+          <p:cNvPr id="2" name="標題 1"/>
+          <p:cNvSpPr>
+            <a:spLocks noGrp="1"/>
+          </p:cNvSpPr>
+          <p:nvPr>
+            <p:ph type="title"/>
+          </p:nvPr>
+        </p:nvSpPr>
+        <p:spPr/>
+        <p:txBody>
+          <a:bodyPr/>
+          <a:lstStyle/>
+          <a:p>
+            <a:r>
+              <a:rPr lang="zh-TW" altLang="en-US" dirty="0"/>
+              <a:t>主程式</a:t>
+            </a:r>
+            <a:r>
+              <a:rPr lang="en-US" altLang="zh-TW" dirty="0"/>
+              <a:t>Example10_01</a:t>
+            </a:r>
+            <a:r>
+              <a:rPr lang="zh-TW" altLang="en-US" dirty="0" smtClean="0"/>
+              <a:t>的再修改</a:t>
+            </a:r>
+            <a:endParaRPr lang="zh-TW" altLang="en-US" dirty="0"/>
+          </a:p>
+        </p:txBody>
+      </p:sp>
+      <p:sp>
+        <p:nvSpPr>
+          <p:cNvPr id="4" name="內容版面配置區 3"/>
+          <p:cNvSpPr>
+            <a:spLocks noGrp="1"/>
+          </p:cNvSpPr>
+          <p:nvPr>
+            <p:ph idx="1"/>
+          </p:nvPr>
+        </p:nvSpPr>
+        <p:spPr>
+          <a:xfrm>
+            <a:off x="677334" y="2160589"/>
+            <a:ext cx="3656922" cy="3880773"/>
+          </a:xfrm>
+        </p:spPr>
+        <p:txBody>
+          <a:bodyPr/>
+          <a:lstStyle/>
+          <a:p>
+            <a:r>
+              <a:rPr lang="zh-TW" altLang="en-US" dirty="0" smtClean="0"/>
+              <a:t>顯示帳戶餘額的部分，改呼叫</a:t>
+            </a:r>
+            <a:endParaRPr lang="en-US" altLang="zh-TW" dirty="0" smtClean="0"/>
+          </a:p>
+          <a:p>
+            <a:pPr lvl="1"/>
+            <a:r>
+              <a:rPr lang="en-US" altLang="zh-TW" dirty="0" err="1" smtClean="0"/>
+              <a:t>ShowBalance</a:t>
+            </a:r>
+            <a:r>
+              <a:rPr lang="en-US" altLang="zh-TW" dirty="0" smtClean="0"/>
+              <a:t>()</a:t>
+            </a:r>
+          </a:p>
+          <a:p>
+            <a:endParaRPr lang="en-US" altLang="zh-TW" dirty="0"/>
+          </a:p>
+          <a:p>
+            <a:r>
+              <a:rPr lang="zh-TW" altLang="en-US" dirty="0"/>
+              <a:t>在有需要時自行增加</a:t>
+            </a:r>
+            <a:r>
+              <a:rPr lang="en-US" altLang="zh-TW" dirty="0"/>
+              <a:t>Method</a:t>
+            </a:r>
+            <a:r>
+              <a:rPr lang="zh-TW" altLang="en-US" dirty="0" smtClean="0"/>
+              <a:t>，可以讓程式更簡潔。也更符合物件導向的運行概念。</a:t>
+            </a:r>
+            <a:endParaRPr lang="en-US" altLang="zh-TW" dirty="0" smtClean="0"/>
+          </a:p>
+          <a:p>
+            <a:endParaRPr lang="zh-TW" altLang="en-US" dirty="0"/>
+          </a:p>
+        </p:txBody>
+      </p:sp>
+      <p:pic>
+        <p:nvPicPr>
+          <p:cNvPr id="3" name="圖片 2"/>
+          <p:cNvPicPr>
+            <a:picLocks noChangeAspect="1"/>
+          </p:cNvPicPr>
+          <p:nvPr/>
+        </p:nvPicPr>
+        <p:blipFill>
+          <a:blip r:embed="rId2"/>
+          <a:stretch>
+            <a:fillRect/>
+          </a:stretch>
+        </p:blipFill>
+        <p:spPr>
+          <a:xfrm>
+            <a:off x="4533709" y="1953373"/>
+            <a:ext cx="6448243" cy="4295204"/>
+          </a:xfrm>
+          <a:prstGeom prst="rect">
+            <a:avLst/>
+          </a:prstGeom>
+        </p:spPr>
+      </p:pic>
+    </p:spTree>
+    <p:extLst>
+      <p:ext uri="{BB962C8B-B14F-4D97-AF65-F5344CB8AC3E}">
+        <p14:creationId xmlns:p14="http://schemas.microsoft.com/office/powerpoint/2010/main" val="340613271"/>
+      </p:ext>
+    </p:extLst>
+  </p:cSld>
+  <p:clrMapOvr>
+    <a:masterClrMapping/>
+  </p:clrMapOvr>
+  <p:timing>
+    <p:tnLst>
+      <p:par>
+        <p:cTn id="1" dur="indefinite" restart="never" nodeType="tmRoot"/>
+      </p:par>
+    </p:tnLst>
+  </p:timing>
+</p:sld>
+</file>
+
+<file path=ppt/slides/slide25.xml><?xml version="1.0" encoding="utf-8"?>
 <p:sld xmlns:a="http://schemas.openxmlformats.org/drawingml/2006/main" xmlns:r="http://schemas.openxmlformats.org/officeDocument/2006/relationships" xmlns:p="http://schemas.openxmlformats.org/presentationml/2006/main">
   <p:cSld>
     <p:spTree>
@@ -12088,7 +12823,15 @@
             </a:r>
             <a:r>
               <a:rPr lang="zh-TW" altLang="en-US" dirty="0" smtClean="0"/>
-              <a:t>或是類似功能的方法操作之。</a:t>
+              <a:t>或是類似功能</a:t>
+            </a:r>
+            <a:r>
+              <a:rPr lang="zh-TW" altLang="en-US" dirty="0" smtClean="0"/>
+              <a:t>的其他方法</a:t>
+            </a:r>
+            <a:r>
+              <a:rPr lang="zh-TW" altLang="en-US" dirty="0" smtClean="0"/>
+              <a:t>操作之。</a:t>
             </a:r>
             <a:endParaRPr lang="en-US" altLang="zh-TW" dirty="0" smtClean="0"/>
           </a:p>
@@ -12208,7 +12951,7 @@
 </p:sld>
 </file>
 
-<file path=ppt/slides/slide24.xml><?xml version="1.0" encoding="utf-8"?>
+<file path=ppt/slides/slide26.xml><?xml version="1.0" encoding="utf-8"?>
 <p:sld xmlns:a="http://schemas.openxmlformats.org/drawingml/2006/main" xmlns:r="http://schemas.openxmlformats.org/officeDocument/2006/relationships" xmlns:p="http://schemas.openxmlformats.org/presentationml/2006/main">
   <p:cSld>
     <p:spTree>
@@ -12392,7 +13135,7 @@
 </p:sld>
 </file>
 
-<file path=ppt/slides/slide25.xml><?xml version="1.0" encoding="utf-8"?>
+<file path=ppt/slides/slide27.xml><?xml version="1.0" encoding="utf-8"?>
 <p:sld xmlns:a="http://schemas.openxmlformats.org/drawingml/2006/main" xmlns:r="http://schemas.openxmlformats.org/officeDocument/2006/relationships" xmlns:p="http://schemas.openxmlformats.org/presentationml/2006/main">
   <p:cSld>
     <p:spTree>
@@ -12935,7 +13678,7 @@
 </p:sld>
 </file>
 
-<file path=ppt/slides/slide26.xml><?xml version="1.0" encoding="utf-8"?>
+<file path=ppt/slides/slide28.xml><?xml version="1.0" encoding="utf-8"?>
 <p:sld xmlns:a="http://schemas.openxmlformats.org/drawingml/2006/main" xmlns:r="http://schemas.openxmlformats.org/officeDocument/2006/relationships" xmlns:p="http://schemas.openxmlformats.org/presentationml/2006/main">
   <p:cSld>
     <p:spTree>
@@ -13168,7 +13911,7 @@
 </p:sld>
 </file>
 
-<file path=ppt/slides/slide27.xml><?xml version="1.0" encoding="utf-8"?>
+<file path=ppt/slides/slide29.xml><?xml version="1.0" encoding="utf-8"?>
 <p:sld xmlns:a="http://schemas.openxmlformats.org/drawingml/2006/main" xmlns:r="http://schemas.openxmlformats.org/officeDocument/2006/relationships" xmlns:p="http://schemas.openxmlformats.org/presentationml/2006/main">
   <p:cSld>
     <p:spTree>
@@ -13265,7 +14008,7 @@
         </p:nvSpPr>
         <p:spPr>
           <a:xfrm>
-            <a:off x="1038415" y="3702465"/>
+            <a:off x="1106290" y="3702465"/>
             <a:ext cx="7985943" cy="2236862"/>
           </a:xfrm>
           <a:prstGeom prst="rect">
@@ -13305,7 +14048,7 @@
       </p:sp>
       <p:pic>
         <p:nvPicPr>
-          <p:cNvPr id="6" name="圖片 5"/>
+          <p:cNvPr id="7" name="圖片 6"/>
           <p:cNvPicPr>
             <a:picLocks noChangeAspect="1"/>
           </p:cNvPicPr>
@@ -13319,8 +14062,8 @@
         </p:blipFill>
         <p:spPr>
           <a:xfrm>
-            <a:off x="8080049" y="2158621"/>
-            <a:ext cx="3962400" cy="1428750"/>
+            <a:off x="7836069" y="2151061"/>
+            <a:ext cx="3957639" cy="1321215"/>
           </a:xfrm>
           <a:prstGeom prst="rect">
             <a:avLst/>
@@ -13560,7 +14303,4185 @@
 </p:sld>
 </file>
 
+<file path=ppt/slides/slide30.xml><?xml version="1.0" encoding="utf-8"?>
+<p:sld xmlns:a="http://schemas.openxmlformats.org/drawingml/2006/main" xmlns:r="http://schemas.openxmlformats.org/officeDocument/2006/relationships" xmlns:p="http://schemas.openxmlformats.org/presentationml/2006/main">
+  <p:cSld>
+    <p:spTree>
+      <p:nvGrpSpPr>
+        <p:cNvPr id="1" name=""/>
+        <p:cNvGrpSpPr/>
+        <p:nvPr/>
+      </p:nvGrpSpPr>
+      <p:grpSpPr>
+        <a:xfrm>
+          <a:off x="0" y="0"/>
+          <a:ext cx="0" cy="0"/>
+          <a:chOff x="0" y="0"/>
+          <a:chExt cx="0" cy="0"/>
+        </a:xfrm>
+      </p:grpSpPr>
+      <p:sp>
+        <p:nvSpPr>
+          <p:cNvPr id="4" name="標題 3"/>
+          <p:cNvSpPr>
+            <a:spLocks noGrp="1"/>
+          </p:cNvSpPr>
+          <p:nvPr>
+            <p:ph type="title"/>
+          </p:nvPr>
+        </p:nvSpPr>
+        <p:spPr/>
+        <p:txBody>
+          <a:bodyPr/>
+          <a:lstStyle/>
+          <a:p>
+            <a:r>
+              <a:rPr lang="zh-TW" altLang="en-US" dirty="0" smtClean="0"/>
+              <a:t>範例：員工類別</a:t>
+            </a:r>
+            <a:endParaRPr lang="zh-TW" altLang="en-US" dirty="0"/>
+          </a:p>
+        </p:txBody>
+      </p:sp>
+      <p:sp>
+        <p:nvSpPr>
+          <p:cNvPr id="5" name="文字版面配置區 4"/>
+          <p:cNvSpPr>
+            <a:spLocks noGrp="1"/>
+          </p:cNvSpPr>
+          <p:nvPr>
+            <p:ph type="body" idx="1"/>
+          </p:nvPr>
+        </p:nvSpPr>
+        <p:spPr/>
+        <p:txBody>
+          <a:bodyPr/>
+          <a:lstStyle/>
+          <a:p>
+            <a:r>
+              <a:rPr lang="zh-TW" altLang="en-US" dirty="0" smtClean="0"/>
+              <a:t>初步了解</a:t>
+            </a:r>
+            <a:r>
+              <a:rPr lang="zh-TW" altLang="en-US" b="1" dirty="0" smtClean="0"/>
+              <a:t>繼承</a:t>
+            </a:r>
+            <a:r>
+              <a:rPr lang="zh-TW" altLang="en-US" dirty="0" smtClean="0"/>
+              <a:t>概念與方式</a:t>
+            </a:r>
+            <a:endParaRPr lang="zh-TW" altLang="en-US" dirty="0"/>
+          </a:p>
+        </p:txBody>
+      </p:sp>
+    </p:spTree>
+    <p:extLst>
+      <p:ext uri="{BB962C8B-B14F-4D97-AF65-F5344CB8AC3E}">
+        <p14:creationId xmlns:p14="http://schemas.microsoft.com/office/powerpoint/2010/main" val="1306444337"/>
+      </p:ext>
+    </p:extLst>
+  </p:cSld>
+  <p:clrMapOvr>
+    <a:masterClrMapping/>
+  </p:clrMapOvr>
+  <p:timing>
+    <p:tnLst>
+      <p:par>
+        <p:cTn id="1" dur="indefinite" restart="never" nodeType="tmRoot"/>
+      </p:par>
+    </p:tnLst>
+  </p:timing>
+</p:sld>
+</file>
+
+<file path=ppt/slides/slide31.xml><?xml version="1.0" encoding="utf-8"?>
+<p:sld xmlns:a="http://schemas.openxmlformats.org/drawingml/2006/main" xmlns:r="http://schemas.openxmlformats.org/officeDocument/2006/relationships" xmlns:p="http://schemas.openxmlformats.org/presentationml/2006/main">
+  <p:cSld>
+    <p:spTree>
+      <p:nvGrpSpPr>
+        <p:cNvPr id="1" name=""/>
+        <p:cNvGrpSpPr/>
+        <p:nvPr/>
+      </p:nvGrpSpPr>
+      <p:grpSpPr>
+        <a:xfrm>
+          <a:off x="0" y="0"/>
+          <a:ext cx="0" cy="0"/>
+          <a:chOff x="0" y="0"/>
+          <a:chExt cx="0" cy="0"/>
+        </a:xfrm>
+      </p:grpSpPr>
+      <p:sp>
+        <p:nvSpPr>
+          <p:cNvPr id="2" name="標題 1"/>
+          <p:cNvSpPr>
+            <a:spLocks noGrp="1"/>
+          </p:cNvSpPr>
+          <p:nvPr>
+            <p:ph type="title"/>
+          </p:nvPr>
+        </p:nvSpPr>
+        <p:spPr/>
+        <p:txBody>
+          <a:bodyPr/>
+          <a:lstStyle/>
+          <a:p>
+            <a:r>
+              <a:rPr lang="zh-TW" altLang="en-US" dirty="0" smtClean="0"/>
+              <a:t>員工類別</a:t>
+            </a:r>
+            <a:endParaRPr lang="zh-TW" altLang="en-US" dirty="0"/>
+          </a:p>
+        </p:txBody>
+      </p:sp>
+      <p:sp>
+        <p:nvSpPr>
+          <p:cNvPr id="3" name="內容版面配置區 2"/>
+          <p:cNvSpPr>
+            <a:spLocks noGrp="1"/>
+          </p:cNvSpPr>
+          <p:nvPr>
+            <p:ph idx="1"/>
+          </p:nvPr>
+        </p:nvSpPr>
+        <p:spPr/>
+        <p:txBody>
+          <a:bodyPr/>
+          <a:lstStyle/>
+          <a:p>
+            <a:r>
+              <a:rPr lang="zh-TW" altLang="en-US" dirty="0" smtClean="0"/>
+              <a:t>屬性：</a:t>
+            </a:r>
+            <a:endParaRPr lang="en-US" altLang="zh-TW" dirty="0" smtClean="0"/>
+          </a:p>
+          <a:p>
+            <a:pPr lvl="1"/>
+            <a:r>
+              <a:rPr lang="zh-TW" altLang="en-US" dirty="0" smtClean="0"/>
+              <a:t>員工編號：</a:t>
+            </a:r>
+            <a:r>
+              <a:rPr lang="en-US" altLang="zh-TW" dirty="0" smtClean="0"/>
+              <a:t>ID</a:t>
+            </a:r>
+          </a:p>
+          <a:p>
+            <a:pPr lvl="1"/>
+            <a:r>
+              <a:rPr lang="zh-TW" altLang="en-US" dirty="0" smtClean="0"/>
+              <a:t>姓名：</a:t>
+            </a:r>
+            <a:r>
+              <a:rPr lang="en-US" altLang="zh-TW" dirty="0" smtClean="0"/>
+              <a:t>name</a:t>
+            </a:r>
+          </a:p>
+          <a:p>
+            <a:pPr lvl="1"/>
+            <a:r>
+              <a:rPr lang="zh-TW" altLang="en-US" dirty="0" smtClean="0"/>
+              <a:t>月薪：</a:t>
+            </a:r>
+            <a:r>
+              <a:rPr lang="en-US" altLang="zh-TW" dirty="0" smtClean="0"/>
+              <a:t>pay</a:t>
+            </a:r>
+          </a:p>
+          <a:p>
+            <a:pPr lvl="1"/>
+            <a:r>
+              <a:rPr lang="zh-TW" altLang="en-US" dirty="0"/>
+              <a:t>其他</a:t>
+            </a:r>
+            <a:r>
+              <a:rPr lang="zh-TW" altLang="en-US" dirty="0" smtClean="0"/>
+              <a:t>資訊</a:t>
+            </a:r>
+            <a:r>
+              <a:rPr lang="en-US" altLang="zh-TW" dirty="0" smtClean="0"/>
+              <a:t>(</a:t>
+            </a:r>
+            <a:r>
+              <a:rPr lang="zh-TW" altLang="en-US" dirty="0" smtClean="0"/>
+              <a:t>本次省略</a:t>
+            </a:r>
+            <a:r>
+              <a:rPr lang="en-US" altLang="zh-TW" dirty="0" smtClean="0"/>
+              <a:t>)</a:t>
+            </a:r>
+          </a:p>
+          <a:p>
+            <a:r>
+              <a:rPr lang="zh-TW" altLang="en-US" dirty="0"/>
+              <a:t>方法</a:t>
+            </a:r>
+            <a:r>
+              <a:rPr lang="zh-TW" altLang="en-US" dirty="0" smtClean="0"/>
+              <a:t>：</a:t>
+            </a:r>
+            <a:endParaRPr lang="en-US" altLang="zh-TW" dirty="0" smtClean="0"/>
+          </a:p>
+          <a:p>
+            <a:pPr lvl="1"/>
+            <a:r>
+              <a:rPr lang="zh-TW" altLang="en-US" dirty="0"/>
+              <a:t>基本存取與建構式</a:t>
+            </a:r>
+            <a:endParaRPr lang="en-US" altLang="zh-TW" dirty="0" smtClean="0"/>
+          </a:p>
+          <a:p>
+            <a:pPr lvl="1"/>
+            <a:r>
+              <a:rPr lang="zh-TW" altLang="en-US" dirty="0" smtClean="0"/>
+              <a:t>顯示</a:t>
+            </a:r>
+            <a:endParaRPr lang="en-US" altLang="zh-TW" dirty="0" smtClean="0"/>
+          </a:p>
+          <a:p>
+            <a:r>
+              <a:rPr lang="zh-TW" altLang="en-US" dirty="0"/>
+              <a:t>先寫一個基本</a:t>
+            </a:r>
+            <a:r>
+              <a:rPr lang="zh-TW" altLang="en-US" dirty="0" smtClean="0"/>
+              <a:t>樣子再修改，如右。</a:t>
+            </a:r>
+            <a:endParaRPr lang="en-US" altLang="zh-TW" dirty="0" smtClean="0"/>
+          </a:p>
+        </p:txBody>
+      </p:sp>
+      <p:pic>
+        <p:nvPicPr>
+          <p:cNvPr id="4" name="圖片 3"/>
+          <p:cNvPicPr>
+            <a:picLocks noChangeAspect="1"/>
+          </p:cNvPicPr>
+          <p:nvPr/>
+        </p:nvPicPr>
+        <p:blipFill>
+          <a:blip r:embed="rId2"/>
+          <a:stretch>
+            <a:fillRect/>
+          </a:stretch>
+        </p:blipFill>
+        <p:spPr>
+          <a:xfrm>
+            <a:off x="4740831" y="1362456"/>
+            <a:ext cx="7300681" cy="5111495"/>
+          </a:xfrm>
+          <a:prstGeom prst="rect">
+            <a:avLst/>
+          </a:prstGeom>
+        </p:spPr>
+      </p:pic>
+    </p:spTree>
+    <p:extLst>
+      <p:ext uri="{BB962C8B-B14F-4D97-AF65-F5344CB8AC3E}">
+        <p14:creationId xmlns:p14="http://schemas.microsoft.com/office/powerpoint/2010/main" val="3179638467"/>
+      </p:ext>
+    </p:extLst>
+  </p:cSld>
+  <p:clrMapOvr>
+    <a:masterClrMapping/>
+  </p:clrMapOvr>
+  <p:timing>
+    <p:tnLst>
+      <p:par>
+        <p:cTn id="1" dur="indefinite" restart="never" nodeType="tmRoot"/>
+      </p:par>
+    </p:tnLst>
+  </p:timing>
+</p:sld>
+</file>
+
+<file path=ppt/slides/slide32.xml><?xml version="1.0" encoding="utf-8"?>
+<p:sld xmlns:a="http://schemas.openxmlformats.org/drawingml/2006/main" xmlns:r="http://schemas.openxmlformats.org/officeDocument/2006/relationships" xmlns:p="http://schemas.openxmlformats.org/presentationml/2006/main">
+  <p:cSld>
+    <p:spTree>
+      <p:nvGrpSpPr>
+        <p:cNvPr id="1" name=""/>
+        <p:cNvGrpSpPr/>
+        <p:nvPr/>
+      </p:nvGrpSpPr>
+      <p:grpSpPr>
+        <a:xfrm>
+          <a:off x="0" y="0"/>
+          <a:ext cx="0" cy="0"/>
+          <a:chOff x="0" y="0"/>
+          <a:chExt cx="0" cy="0"/>
+        </a:xfrm>
+      </p:grpSpPr>
+      <p:sp>
+        <p:nvSpPr>
+          <p:cNvPr id="2" name="標題 1"/>
+          <p:cNvSpPr>
+            <a:spLocks noGrp="1"/>
+          </p:cNvSpPr>
+          <p:nvPr>
+            <p:ph type="title"/>
+          </p:nvPr>
+        </p:nvSpPr>
+        <p:spPr/>
+        <p:txBody>
+          <a:bodyPr/>
+          <a:lstStyle/>
+          <a:p>
+            <a:r>
+              <a:rPr lang="zh-TW" altLang="en-US" dirty="0" smtClean="0"/>
+              <a:t>主程式部分</a:t>
+            </a:r>
+            <a:endParaRPr lang="zh-TW" altLang="en-US" dirty="0"/>
+          </a:p>
+        </p:txBody>
+      </p:sp>
+      <p:sp>
+        <p:nvSpPr>
+          <p:cNvPr id="3" name="內容版面配置區 2"/>
+          <p:cNvSpPr>
+            <a:spLocks noGrp="1"/>
+          </p:cNvSpPr>
+          <p:nvPr>
+            <p:ph idx="1"/>
+          </p:nvPr>
+        </p:nvSpPr>
+        <p:spPr>
+          <a:xfrm>
+            <a:off x="677334" y="2160589"/>
+            <a:ext cx="4342722" cy="3880773"/>
+          </a:xfrm>
+        </p:spPr>
+        <p:txBody>
+          <a:bodyPr/>
+          <a:lstStyle/>
+          <a:p>
+            <a:r>
+              <a:rPr lang="zh-TW" altLang="en-US" dirty="0" smtClean="0"/>
+              <a:t>示範了兩種設定屬性方式：</a:t>
+            </a:r>
+            <a:endParaRPr lang="en-US" altLang="zh-TW" dirty="0" smtClean="0"/>
+          </a:p>
+          <a:p>
+            <a:pPr lvl="1"/>
+            <a:r>
+              <a:rPr lang="zh-TW" altLang="en-US" dirty="0"/>
+              <a:t>透過建構</a:t>
+            </a:r>
+            <a:r>
+              <a:rPr lang="zh-TW" altLang="en-US" dirty="0" smtClean="0"/>
+              <a:t>式</a:t>
+            </a:r>
+            <a:endParaRPr lang="en-US" altLang="zh-TW" dirty="0" smtClean="0"/>
+          </a:p>
+          <a:p>
+            <a:pPr lvl="1"/>
+            <a:r>
+              <a:rPr lang="zh-TW" altLang="en-US" dirty="0"/>
+              <a:t>透過</a:t>
+            </a:r>
+            <a:r>
+              <a:rPr lang="en-US" altLang="zh-TW" dirty="0" err="1"/>
+              <a:t>SetXXX</a:t>
+            </a:r>
+            <a:r>
+              <a:rPr lang="en-US" altLang="zh-TW" dirty="0"/>
+              <a:t>()</a:t>
+            </a:r>
+            <a:r>
+              <a:rPr lang="zh-TW" altLang="en-US" dirty="0"/>
+              <a:t>方法</a:t>
+            </a:r>
+          </a:p>
+        </p:txBody>
+      </p:sp>
+      <p:pic>
+        <p:nvPicPr>
+          <p:cNvPr id="4" name="圖片 3"/>
+          <p:cNvPicPr>
+            <a:picLocks noChangeAspect="1"/>
+          </p:cNvPicPr>
+          <p:nvPr/>
+        </p:nvPicPr>
+        <p:blipFill>
+          <a:blip r:embed="rId2"/>
+          <a:stretch>
+            <a:fillRect/>
+          </a:stretch>
+        </p:blipFill>
+        <p:spPr>
+          <a:xfrm>
+            <a:off x="5185073" y="609600"/>
+            <a:ext cx="6866720" cy="6156959"/>
+          </a:xfrm>
+          <a:prstGeom prst="rect">
+            <a:avLst/>
+          </a:prstGeom>
+        </p:spPr>
+      </p:pic>
+    </p:spTree>
+    <p:extLst>
+      <p:ext uri="{BB962C8B-B14F-4D97-AF65-F5344CB8AC3E}">
+        <p14:creationId xmlns:p14="http://schemas.microsoft.com/office/powerpoint/2010/main" val="2403245631"/>
+      </p:ext>
+    </p:extLst>
+  </p:cSld>
+  <p:clrMapOvr>
+    <a:masterClrMapping/>
+  </p:clrMapOvr>
+  <p:timing>
+    <p:tnLst>
+      <p:par>
+        <p:cTn id="1" dur="indefinite" restart="never" nodeType="tmRoot"/>
+      </p:par>
+    </p:tnLst>
+  </p:timing>
+</p:sld>
+</file>
+
+<file path=ppt/slides/slide33.xml><?xml version="1.0" encoding="utf-8"?>
+<p:sld xmlns:a="http://schemas.openxmlformats.org/drawingml/2006/main" xmlns:r="http://schemas.openxmlformats.org/officeDocument/2006/relationships" xmlns:p="http://schemas.openxmlformats.org/presentationml/2006/main">
+  <p:cSld>
+    <p:spTree>
+      <p:nvGrpSpPr>
+        <p:cNvPr id="1" name=""/>
+        <p:cNvGrpSpPr/>
+        <p:nvPr/>
+      </p:nvGrpSpPr>
+      <p:grpSpPr>
+        <a:xfrm>
+          <a:off x="0" y="0"/>
+          <a:ext cx="0" cy="0"/>
+          <a:chOff x="0" y="0"/>
+          <a:chExt cx="0" cy="0"/>
+        </a:xfrm>
+      </p:grpSpPr>
+      <p:sp>
+        <p:nvSpPr>
+          <p:cNvPr id="2" name="標題 1"/>
+          <p:cNvSpPr>
+            <a:spLocks noGrp="1"/>
+          </p:cNvSpPr>
+          <p:nvPr>
+            <p:ph type="title"/>
+          </p:nvPr>
+        </p:nvSpPr>
+        <p:spPr/>
+        <p:txBody>
+          <a:bodyPr/>
+          <a:lstStyle/>
+          <a:p>
+            <a:r>
+              <a:rPr lang="en-US" altLang="zh-TW" dirty="0" err="1" smtClean="0"/>
+              <a:t>SetXXX</a:t>
+            </a:r>
+            <a:r>
+              <a:rPr lang="en-US" altLang="zh-TW" dirty="0" smtClean="0"/>
+              <a:t>()</a:t>
+            </a:r>
+            <a:r>
+              <a:rPr lang="zh-TW" altLang="en-US" dirty="0" smtClean="0"/>
+              <a:t>方法可以用來限制屬性的範圍</a:t>
+            </a:r>
+            <a:endParaRPr lang="zh-TW" altLang="en-US" dirty="0"/>
+          </a:p>
+        </p:txBody>
+      </p:sp>
+      <p:sp>
+        <p:nvSpPr>
+          <p:cNvPr id="3" name="內容版面配置區 2"/>
+          <p:cNvSpPr>
+            <a:spLocks noGrp="1"/>
+          </p:cNvSpPr>
+          <p:nvPr>
+            <p:ph idx="1"/>
+          </p:nvPr>
+        </p:nvSpPr>
+        <p:spPr/>
+        <p:txBody>
+          <a:bodyPr/>
+          <a:lstStyle/>
+          <a:p>
+            <a:r>
+              <a:rPr lang="zh-TW" altLang="en-US" dirty="0" smtClean="0"/>
+              <a:t>例如，員工底薪不可以低於</a:t>
+            </a:r>
+            <a:r>
+              <a:rPr lang="en-US" altLang="zh-TW" dirty="0" smtClean="0"/>
+              <a:t>25000</a:t>
+            </a:r>
+            <a:r>
+              <a:rPr lang="zh-TW" altLang="en-US" dirty="0" smtClean="0"/>
+              <a:t>元，也不會高過</a:t>
+            </a:r>
+            <a:r>
+              <a:rPr lang="en-US" altLang="zh-TW" dirty="0" smtClean="0"/>
+              <a:t>40000</a:t>
+            </a:r>
+            <a:r>
+              <a:rPr lang="zh-TW" altLang="en-US" dirty="0" smtClean="0"/>
+              <a:t>元。</a:t>
+            </a:r>
+            <a:endParaRPr lang="en-US" altLang="zh-TW" dirty="0" smtClean="0"/>
+          </a:p>
+          <a:p>
+            <a:r>
+              <a:rPr lang="zh-TW" altLang="en-US" dirty="0"/>
+              <a:t>只要修改</a:t>
+            </a:r>
+            <a:r>
+              <a:rPr lang="en-US" altLang="zh-TW" dirty="0" err="1"/>
+              <a:t>SetPay</a:t>
+            </a:r>
+            <a:r>
+              <a:rPr lang="en-US" altLang="zh-TW" dirty="0"/>
+              <a:t>()</a:t>
+            </a:r>
+            <a:r>
+              <a:rPr lang="zh-TW" altLang="en-US" dirty="0"/>
+              <a:t>方法</a:t>
+            </a:r>
+            <a:r>
+              <a:rPr lang="zh-TW" altLang="en-US" dirty="0" smtClean="0"/>
+              <a:t>，即可增加此規則。</a:t>
+            </a:r>
+            <a:endParaRPr lang="en-US" altLang="zh-TW" dirty="0" smtClean="0"/>
+          </a:p>
+          <a:p>
+            <a:r>
+              <a:rPr lang="zh-TW" altLang="en-US" dirty="0" smtClean="0"/>
+              <a:t>修改後如下：</a:t>
+            </a:r>
+            <a:endParaRPr lang="zh-TW" altLang="en-US" dirty="0"/>
+          </a:p>
+        </p:txBody>
+      </p:sp>
+      <p:pic>
+        <p:nvPicPr>
+          <p:cNvPr id="4" name="圖片 3"/>
+          <p:cNvPicPr>
+            <a:picLocks noChangeAspect="1"/>
+          </p:cNvPicPr>
+          <p:nvPr/>
+        </p:nvPicPr>
+        <p:blipFill>
+          <a:blip r:embed="rId2"/>
+          <a:stretch>
+            <a:fillRect/>
+          </a:stretch>
+        </p:blipFill>
+        <p:spPr>
+          <a:xfrm>
+            <a:off x="1033272" y="3517582"/>
+            <a:ext cx="6535930" cy="1575626"/>
+          </a:xfrm>
+          <a:prstGeom prst="rect">
+            <a:avLst/>
+          </a:prstGeom>
+        </p:spPr>
+      </p:pic>
+    </p:spTree>
+    <p:extLst>
+      <p:ext uri="{BB962C8B-B14F-4D97-AF65-F5344CB8AC3E}">
+        <p14:creationId xmlns:p14="http://schemas.microsoft.com/office/powerpoint/2010/main" val="3461266428"/>
+      </p:ext>
+    </p:extLst>
+  </p:cSld>
+  <p:clrMapOvr>
+    <a:masterClrMapping/>
+  </p:clrMapOvr>
+  <p:timing>
+    <p:tnLst>
+      <p:par>
+        <p:cTn id="1" dur="indefinite" restart="never" nodeType="tmRoot"/>
+      </p:par>
+    </p:tnLst>
+  </p:timing>
+</p:sld>
+</file>
+
+<file path=ppt/slides/slide34.xml><?xml version="1.0" encoding="utf-8"?>
+<p:sld xmlns:a="http://schemas.openxmlformats.org/drawingml/2006/main" xmlns:r="http://schemas.openxmlformats.org/officeDocument/2006/relationships" xmlns:p="http://schemas.openxmlformats.org/presentationml/2006/main">
+  <p:cSld>
+    <p:spTree>
+      <p:nvGrpSpPr>
+        <p:cNvPr id="1" name=""/>
+        <p:cNvGrpSpPr/>
+        <p:nvPr/>
+      </p:nvGrpSpPr>
+      <p:grpSpPr>
+        <a:xfrm>
+          <a:off x="0" y="0"/>
+          <a:ext cx="0" cy="0"/>
+          <a:chOff x="0" y="0"/>
+          <a:chExt cx="0" cy="0"/>
+        </a:xfrm>
+      </p:grpSpPr>
+      <p:sp>
+        <p:nvSpPr>
+          <p:cNvPr id="2" name="標題 1"/>
+          <p:cNvSpPr>
+            <a:spLocks noGrp="1"/>
+          </p:cNvSpPr>
+          <p:nvPr>
+            <p:ph type="title"/>
+          </p:nvPr>
+        </p:nvSpPr>
+        <p:spPr/>
+        <p:txBody>
+          <a:bodyPr/>
+          <a:lstStyle/>
+          <a:p>
+            <a:r>
+              <a:rPr lang="zh-TW" altLang="en-US" dirty="0" smtClean="0"/>
+              <a:t>淺談繼承</a:t>
+            </a:r>
+            <a:r>
+              <a:rPr lang="zh-TW" altLang="en-US" dirty="0"/>
+              <a:t>基本</a:t>
+            </a:r>
+            <a:r>
+              <a:rPr lang="zh-TW" altLang="en-US" dirty="0" smtClean="0"/>
+              <a:t>概念</a:t>
+            </a:r>
+            <a:endParaRPr lang="zh-TW" altLang="en-US" dirty="0"/>
+          </a:p>
+        </p:txBody>
+      </p:sp>
+      <p:grpSp>
+        <p:nvGrpSpPr>
+          <p:cNvPr id="7" name="群組 6"/>
+          <p:cNvGrpSpPr/>
+          <p:nvPr/>
+        </p:nvGrpSpPr>
+        <p:grpSpPr>
+          <a:xfrm>
+            <a:off x="4333206" y="1229360"/>
+            <a:ext cx="1737360" cy="1402080"/>
+            <a:chOff x="4106988" y="1490472"/>
+            <a:chExt cx="1737360" cy="1402080"/>
+          </a:xfrm>
+        </p:grpSpPr>
+        <p:sp>
+          <p:nvSpPr>
+            <p:cNvPr id="4" name="圓角矩形 3"/>
+            <p:cNvSpPr/>
+            <p:nvPr/>
+          </p:nvSpPr>
+          <p:spPr>
+            <a:xfrm>
+              <a:off x="4106988" y="1490472"/>
+              <a:ext cx="1737360" cy="521208"/>
+            </a:xfrm>
+            <a:prstGeom prst="roundRect">
+              <a:avLst/>
+            </a:prstGeom>
+            <a:solidFill>
+              <a:schemeClr val="bg1"/>
+            </a:solidFill>
+            <a:ln w="28575">
+              <a:solidFill>
+                <a:schemeClr val="tx1"/>
+              </a:solidFill>
+            </a:ln>
+          </p:spPr>
+          <p:style>
+            <a:lnRef idx="2">
+              <a:schemeClr val="accent1">
+                <a:shade val="50000"/>
+              </a:schemeClr>
+            </a:lnRef>
+            <a:fillRef idx="1">
+              <a:schemeClr val="accent1"/>
+            </a:fillRef>
+            <a:effectRef idx="0">
+              <a:schemeClr val="accent1"/>
+            </a:effectRef>
+            <a:fontRef idx="minor">
+              <a:schemeClr val="lt1"/>
+            </a:fontRef>
+          </p:style>
+          <p:txBody>
+            <a:bodyPr rtlCol="0" anchor="ctr"/>
+            <a:lstStyle/>
+            <a:p>
+              <a:pPr algn="ctr"/>
+              <a:r>
+                <a:rPr lang="zh-TW" altLang="en-US" sz="2800" dirty="0" smtClean="0">
+                  <a:solidFill>
+                    <a:schemeClr val="accent6">
+                      <a:lumMod val="75000"/>
+                    </a:schemeClr>
+                  </a:solidFill>
+                </a:rPr>
+                <a:t>動物</a:t>
+              </a:r>
+              <a:endParaRPr lang="zh-TW" altLang="en-US" sz="2800" dirty="0">
+                <a:solidFill>
+                  <a:schemeClr val="accent6">
+                    <a:lumMod val="75000"/>
+                  </a:schemeClr>
+                </a:solidFill>
+              </a:endParaRPr>
+            </a:p>
+          </p:txBody>
+        </p:sp>
+        <p:sp>
+          <p:nvSpPr>
+            <p:cNvPr id="6" name="矩形 5"/>
+            <p:cNvSpPr/>
+            <p:nvPr/>
+          </p:nvSpPr>
+          <p:spPr>
+            <a:xfrm>
+              <a:off x="4106988" y="1978152"/>
+              <a:ext cx="1737360" cy="914400"/>
+            </a:xfrm>
+            <a:prstGeom prst="rect">
+              <a:avLst/>
+            </a:prstGeom>
+            <a:solidFill>
+              <a:schemeClr val="bg1"/>
+            </a:solidFill>
+            <a:ln w="28575">
+              <a:solidFill>
+                <a:schemeClr val="tx1"/>
+              </a:solidFill>
+            </a:ln>
+          </p:spPr>
+          <p:style>
+            <a:lnRef idx="2">
+              <a:schemeClr val="accent1">
+                <a:shade val="50000"/>
+              </a:schemeClr>
+            </a:lnRef>
+            <a:fillRef idx="1">
+              <a:schemeClr val="accent1"/>
+            </a:fillRef>
+            <a:effectRef idx="0">
+              <a:schemeClr val="accent1"/>
+            </a:effectRef>
+            <a:fontRef idx="minor">
+              <a:schemeClr val="lt1"/>
+            </a:fontRef>
+          </p:style>
+          <p:txBody>
+            <a:bodyPr rtlCol="0" anchor="ctr"/>
+            <a:lstStyle/>
+            <a:p>
+              <a:pPr algn="ctr"/>
+              <a:r>
+                <a:rPr lang="en-US" altLang="zh-TW" dirty="0" smtClean="0">
+                  <a:solidFill>
+                    <a:srgbClr val="0070C0"/>
+                  </a:solidFill>
+                </a:rPr>
+                <a:t>Move();</a:t>
+              </a:r>
+            </a:p>
+            <a:p>
+              <a:pPr algn="ctr"/>
+              <a:r>
+                <a:rPr lang="en-US" altLang="zh-TW" dirty="0" smtClean="0">
+                  <a:solidFill>
+                    <a:srgbClr val="0070C0"/>
+                  </a:solidFill>
+                </a:rPr>
+                <a:t>Sound();</a:t>
+              </a:r>
+              <a:endParaRPr lang="zh-TW" altLang="en-US" dirty="0">
+                <a:solidFill>
+                  <a:srgbClr val="0070C0"/>
+                </a:solidFill>
+              </a:endParaRPr>
+            </a:p>
+          </p:txBody>
+        </p:sp>
+      </p:grpSp>
+      <p:grpSp>
+        <p:nvGrpSpPr>
+          <p:cNvPr id="8" name="群組 7"/>
+          <p:cNvGrpSpPr/>
+          <p:nvPr/>
+        </p:nvGrpSpPr>
+        <p:grpSpPr>
+          <a:xfrm>
+            <a:off x="2088546" y="3653536"/>
+            <a:ext cx="1737360" cy="1759712"/>
+            <a:chOff x="4106988" y="1490472"/>
+            <a:chExt cx="1737360" cy="1402080"/>
+          </a:xfrm>
+        </p:grpSpPr>
+        <p:sp>
+          <p:nvSpPr>
+            <p:cNvPr id="9" name="圓角矩形 8"/>
+            <p:cNvSpPr/>
+            <p:nvPr/>
+          </p:nvSpPr>
+          <p:spPr>
+            <a:xfrm>
+              <a:off x="4106988" y="1490472"/>
+              <a:ext cx="1737360" cy="521208"/>
+            </a:xfrm>
+            <a:prstGeom prst="roundRect">
+              <a:avLst/>
+            </a:prstGeom>
+            <a:solidFill>
+              <a:schemeClr val="bg1"/>
+            </a:solidFill>
+            <a:ln w="28575">
+              <a:solidFill>
+                <a:schemeClr val="tx1"/>
+              </a:solidFill>
+            </a:ln>
+          </p:spPr>
+          <p:style>
+            <a:lnRef idx="2">
+              <a:schemeClr val="accent1">
+                <a:shade val="50000"/>
+              </a:schemeClr>
+            </a:lnRef>
+            <a:fillRef idx="1">
+              <a:schemeClr val="accent1"/>
+            </a:fillRef>
+            <a:effectRef idx="0">
+              <a:schemeClr val="accent1"/>
+            </a:effectRef>
+            <a:fontRef idx="minor">
+              <a:schemeClr val="lt1"/>
+            </a:fontRef>
+          </p:style>
+          <p:txBody>
+            <a:bodyPr rtlCol="0" anchor="ctr"/>
+            <a:lstStyle/>
+            <a:p>
+              <a:pPr algn="ctr"/>
+              <a:r>
+                <a:rPr lang="zh-TW" altLang="en-US" sz="2800" dirty="0" smtClean="0">
+                  <a:solidFill>
+                    <a:schemeClr val="accent6">
+                      <a:lumMod val="75000"/>
+                    </a:schemeClr>
+                  </a:solidFill>
+                </a:rPr>
+                <a:t>老虎</a:t>
+              </a:r>
+              <a:endParaRPr lang="zh-TW" altLang="en-US" sz="2800" dirty="0">
+                <a:solidFill>
+                  <a:schemeClr val="accent6">
+                    <a:lumMod val="75000"/>
+                  </a:schemeClr>
+                </a:solidFill>
+              </a:endParaRPr>
+            </a:p>
+          </p:txBody>
+        </p:sp>
+        <p:sp>
+          <p:nvSpPr>
+            <p:cNvPr id="10" name="矩形 9"/>
+            <p:cNvSpPr/>
+            <p:nvPr/>
+          </p:nvSpPr>
+          <p:spPr>
+            <a:xfrm>
+              <a:off x="4106988" y="1978152"/>
+              <a:ext cx="1737360" cy="914400"/>
+            </a:xfrm>
+            <a:prstGeom prst="rect">
+              <a:avLst/>
+            </a:prstGeom>
+            <a:solidFill>
+              <a:schemeClr val="bg1"/>
+            </a:solidFill>
+            <a:ln w="28575">
+              <a:solidFill>
+                <a:schemeClr val="tx1"/>
+              </a:solidFill>
+            </a:ln>
+          </p:spPr>
+          <p:style>
+            <a:lnRef idx="2">
+              <a:schemeClr val="accent1">
+                <a:shade val="50000"/>
+              </a:schemeClr>
+            </a:lnRef>
+            <a:fillRef idx="1">
+              <a:schemeClr val="accent1"/>
+            </a:fillRef>
+            <a:effectRef idx="0">
+              <a:schemeClr val="accent1"/>
+            </a:effectRef>
+            <a:fontRef idx="minor">
+              <a:schemeClr val="lt1"/>
+            </a:fontRef>
+          </p:style>
+          <p:txBody>
+            <a:bodyPr rtlCol="0" anchor="ctr"/>
+            <a:lstStyle/>
+            <a:p>
+              <a:pPr algn="ctr"/>
+              <a:r>
+                <a:rPr lang="zh-TW" altLang="en-US" dirty="0" smtClean="0">
+                  <a:solidFill>
+                    <a:srgbClr val="0070C0"/>
+                  </a:solidFill>
+                </a:rPr>
+                <a:t>四足</a:t>
+              </a:r>
+              <a:endParaRPr lang="en-US" altLang="zh-TW" dirty="0" smtClean="0">
+                <a:solidFill>
+                  <a:srgbClr val="0070C0"/>
+                </a:solidFill>
+              </a:endParaRPr>
+            </a:p>
+            <a:p>
+              <a:pPr algn="ctr"/>
+              <a:r>
+                <a:rPr lang="en-US" altLang="zh-TW" dirty="0" smtClean="0">
+                  <a:solidFill>
+                    <a:srgbClr val="0070C0"/>
+                  </a:solidFill>
+                </a:rPr>
+                <a:t>Move();</a:t>
+              </a:r>
+              <a:r>
+                <a:rPr lang="en-US" altLang="zh-TW" dirty="0" smtClean="0">
+                  <a:solidFill>
+                    <a:srgbClr val="0070C0"/>
+                  </a:solidFill>
+                  <a:sym typeface="Wingdings" panose="05000000000000000000" pitchFamily="2" charset="2"/>
+                </a:rPr>
+                <a:t></a:t>
+              </a:r>
+              <a:r>
+                <a:rPr lang="zh-TW" altLang="en-US" dirty="0">
+                  <a:solidFill>
+                    <a:srgbClr val="0070C0"/>
+                  </a:solidFill>
+                  <a:sym typeface="Wingdings" panose="05000000000000000000" pitchFamily="2" charset="2"/>
+                </a:rPr>
+                <a:t>跑</a:t>
+              </a:r>
+              <a:endParaRPr lang="en-US" altLang="zh-TW" dirty="0" smtClean="0">
+                <a:solidFill>
+                  <a:srgbClr val="0070C0"/>
+                </a:solidFill>
+              </a:endParaRPr>
+            </a:p>
+            <a:p>
+              <a:pPr algn="ctr"/>
+              <a:r>
+                <a:rPr lang="en-US" altLang="zh-TW" dirty="0" smtClean="0">
+                  <a:solidFill>
+                    <a:srgbClr val="0070C0"/>
+                  </a:solidFill>
+                </a:rPr>
+                <a:t>Sound();</a:t>
+              </a:r>
+              <a:r>
+                <a:rPr lang="en-US" altLang="zh-TW" dirty="0" smtClean="0">
+                  <a:solidFill>
+                    <a:srgbClr val="0070C0"/>
+                  </a:solidFill>
+                  <a:sym typeface="Wingdings" panose="05000000000000000000" pitchFamily="2" charset="2"/>
+                </a:rPr>
+                <a:t></a:t>
+              </a:r>
+              <a:r>
+                <a:rPr lang="zh-TW" altLang="en-US" dirty="0" smtClean="0">
+                  <a:solidFill>
+                    <a:srgbClr val="0070C0"/>
+                  </a:solidFill>
+                  <a:sym typeface="Wingdings" panose="05000000000000000000" pitchFamily="2" charset="2"/>
+                </a:rPr>
+                <a:t>吼</a:t>
+              </a:r>
+              <a:endParaRPr lang="zh-TW" altLang="en-US" dirty="0">
+                <a:solidFill>
+                  <a:srgbClr val="0070C0"/>
+                </a:solidFill>
+              </a:endParaRPr>
+            </a:p>
+          </p:txBody>
+        </p:sp>
+      </p:grpSp>
+      <p:grpSp>
+        <p:nvGrpSpPr>
+          <p:cNvPr id="11" name="群組 10"/>
+          <p:cNvGrpSpPr/>
+          <p:nvPr/>
+        </p:nvGrpSpPr>
+        <p:grpSpPr>
+          <a:xfrm>
+            <a:off x="4333206" y="3653536"/>
+            <a:ext cx="1737360" cy="1759712"/>
+            <a:chOff x="4106988" y="1490472"/>
+            <a:chExt cx="1737360" cy="1402080"/>
+          </a:xfrm>
+        </p:grpSpPr>
+        <p:sp>
+          <p:nvSpPr>
+            <p:cNvPr id="12" name="圓角矩形 11"/>
+            <p:cNvSpPr/>
+            <p:nvPr/>
+          </p:nvSpPr>
+          <p:spPr>
+            <a:xfrm>
+              <a:off x="4106988" y="1490472"/>
+              <a:ext cx="1737360" cy="521208"/>
+            </a:xfrm>
+            <a:prstGeom prst="roundRect">
+              <a:avLst/>
+            </a:prstGeom>
+            <a:solidFill>
+              <a:schemeClr val="bg1"/>
+            </a:solidFill>
+            <a:ln w="28575">
+              <a:solidFill>
+                <a:schemeClr val="tx1"/>
+              </a:solidFill>
+            </a:ln>
+          </p:spPr>
+          <p:style>
+            <a:lnRef idx="2">
+              <a:schemeClr val="accent1">
+                <a:shade val="50000"/>
+              </a:schemeClr>
+            </a:lnRef>
+            <a:fillRef idx="1">
+              <a:schemeClr val="accent1"/>
+            </a:fillRef>
+            <a:effectRef idx="0">
+              <a:schemeClr val="accent1"/>
+            </a:effectRef>
+            <a:fontRef idx="minor">
+              <a:schemeClr val="lt1"/>
+            </a:fontRef>
+          </p:style>
+          <p:txBody>
+            <a:bodyPr rtlCol="0" anchor="ctr"/>
+            <a:lstStyle/>
+            <a:p>
+              <a:pPr algn="ctr"/>
+              <a:r>
+                <a:rPr lang="zh-TW" altLang="en-US" sz="2800" dirty="0" smtClean="0">
+                  <a:solidFill>
+                    <a:schemeClr val="accent6">
+                      <a:lumMod val="75000"/>
+                    </a:schemeClr>
+                  </a:solidFill>
+                </a:rPr>
+                <a:t>老鷹</a:t>
+              </a:r>
+              <a:endParaRPr lang="zh-TW" altLang="en-US" sz="2800" dirty="0">
+                <a:solidFill>
+                  <a:schemeClr val="accent6">
+                    <a:lumMod val="75000"/>
+                  </a:schemeClr>
+                </a:solidFill>
+              </a:endParaRPr>
+            </a:p>
+          </p:txBody>
+        </p:sp>
+        <p:sp>
+          <p:nvSpPr>
+            <p:cNvPr id="13" name="矩形 12"/>
+            <p:cNvSpPr/>
+            <p:nvPr/>
+          </p:nvSpPr>
+          <p:spPr>
+            <a:xfrm>
+              <a:off x="4106988" y="1978152"/>
+              <a:ext cx="1737360" cy="914400"/>
+            </a:xfrm>
+            <a:prstGeom prst="rect">
+              <a:avLst/>
+            </a:prstGeom>
+            <a:solidFill>
+              <a:schemeClr val="bg1"/>
+            </a:solidFill>
+            <a:ln w="28575">
+              <a:solidFill>
+                <a:schemeClr val="tx1"/>
+              </a:solidFill>
+            </a:ln>
+          </p:spPr>
+          <p:style>
+            <a:lnRef idx="2">
+              <a:schemeClr val="accent1">
+                <a:shade val="50000"/>
+              </a:schemeClr>
+            </a:lnRef>
+            <a:fillRef idx="1">
+              <a:schemeClr val="accent1"/>
+            </a:fillRef>
+            <a:effectRef idx="0">
+              <a:schemeClr val="accent1"/>
+            </a:effectRef>
+            <a:fontRef idx="minor">
+              <a:schemeClr val="lt1"/>
+            </a:fontRef>
+          </p:style>
+          <p:txBody>
+            <a:bodyPr rtlCol="0" anchor="ctr"/>
+            <a:lstStyle/>
+            <a:p>
+              <a:pPr algn="ctr"/>
+              <a:r>
+                <a:rPr lang="zh-TW" altLang="en-US" dirty="0" smtClean="0">
+                  <a:solidFill>
+                    <a:srgbClr val="0070C0"/>
+                  </a:solidFill>
+                </a:rPr>
+                <a:t>雙翅</a:t>
+              </a:r>
+              <a:r>
+                <a:rPr lang="en-US" altLang="zh-TW" dirty="0" smtClean="0">
+                  <a:solidFill>
+                    <a:srgbClr val="0070C0"/>
+                  </a:solidFill>
+                </a:rPr>
+                <a:t>+</a:t>
+              </a:r>
+              <a:r>
+                <a:rPr lang="zh-TW" altLang="en-US" dirty="0" smtClean="0">
+                  <a:solidFill>
+                    <a:srgbClr val="0070C0"/>
+                  </a:solidFill>
+                </a:rPr>
+                <a:t>兩腳</a:t>
+              </a:r>
+              <a:endParaRPr lang="en-US" altLang="zh-TW" dirty="0" smtClean="0">
+                <a:solidFill>
+                  <a:srgbClr val="0070C0"/>
+                </a:solidFill>
+              </a:endParaRPr>
+            </a:p>
+            <a:p>
+              <a:pPr algn="ctr"/>
+              <a:r>
+                <a:rPr lang="en-US" altLang="zh-TW" dirty="0" smtClean="0">
+                  <a:solidFill>
+                    <a:srgbClr val="0070C0"/>
+                  </a:solidFill>
+                </a:rPr>
+                <a:t>Move();</a:t>
+              </a:r>
+              <a:r>
+                <a:rPr lang="en-US" altLang="zh-TW" dirty="0" smtClean="0">
+                  <a:solidFill>
+                    <a:srgbClr val="0070C0"/>
+                  </a:solidFill>
+                  <a:sym typeface="Wingdings" panose="05000000000000000000" pitchFamily="2" charset="2"/>
+                </a:rPr>
+                <a:t></a:t>
+              </a:r>
+              <a:r>
+                <a:rPr lang="zh-TW" altLang="en-US" dirty="0" smtClean="0">
+                  <a:solidFill>
+                    <a:srgbClr val="0070C0"/>
+                  </a:solidFill>
+                  <a:sym typeface="Wingdings" panose="05000000000000000000" pitchFamily="2" charset="2"/>
+                </a:rPr>
+                <a:t>飛</a:t>
+              </a:r>
+              <a:r>
+                <a:rPr lang="en-US" altLang="zh-TW" dirty="0" smtClean="0">
+                  <a:solidFill>
+                    <a:srgbClr val="0070C0"/>
+                  </a:solidFill>
+                </a:rPr>
+                <a:t>Sound();</a:t>
+              </a:r>
+              <a:r>
+                <a:rPr lang="en-US" altLang="zh-TW" dirty="0" smtClean="0">
+                  <a:solidFill>
+                    <a:srgbClr val="0070C0"/>
+                  </a:solidFill>
+                  <a:sym typeface="Wingdings" panose="05000000000000000000" pitchFamily="2" charset="2"/>
+                </a:rPr>
+                <a:t></a:t>
+              </a:r>
+              <a:r>
+                <a:rPr lang="zh-TW" altLang="en-US" dirty="0" smtClean="0">
+                  <a:solidFill>
+                    <a:srgbClr val="0070C0"/>
+                  </a:solidFill>
+                  <a:sym typeface="Wingdings" panose="05000000000000000000" pitchFamily="2" charset="2"/>
+                </a:rPr>
+                <a:t>鳴</a:t>
+              </a:r>
+              <a:endParaRPr lang="zh-TW" altLang="en-US" dirty="0">
+                <a:solidFill>
+                  <a:srgbClr val="0070C0"/>
+                </a:solidFill>
+              </a:endParaRPr>
+            </a:p>
+          </p:txBody>
+        </p:sp>
+      </p:grpSp>
+      <p:grpSp>
+        <p:nvGrpSpPr>
+          <p:cNvPr id="14" name="群組 13"/>
+          <p:cNvGrpSpPr/>
+          <p:nvPr/>
+        </p:nvGrpSpPr>
+        <p:grpSpPr>
+          <a:xfrm>
+            <a:off x="6571104" y="3653536"/>
+            <a:ext cx="1737360" cy="1759712"/>
+            <a:chOff x="4106988" y="1490472"/>
+            <a:chExt cx="1737360" cy="1402080"/>
+          </a:xfrm>
+        </p:grpSpPr>
+        <p:sp>
+          <p:nvSpPr>
+            <p:cNvPr id="15" name="圓角矩形 14"/>
+            <p:cNvSpPr/>
+            <p:nvPr/>
+          </p:nvSpPr>
+          <p:spPr>
+            <a:xfrm>
+              <a:off x="4106988" y="1490472"/>
+              <a:ext cx="1737360" cy="521208"/>
+            </a:xfrm>
+            <a:prstGeom prst="roundRect">
+              <a:avLst/>
+            </a:prstGeom>
+            <a:solidFill>
+              <a:schemeClr val="bg1"/>
+            </a:solidFill>
+            <a:ln w="28575">
+              <a:solidFill>
+                <a:schemeClr val="tx1"/>
+              </a:solidFill>
+            </a:ln>
+          </p:spPr>
+          <p:style>
+            <a:lnRef idx="2">
+              <a:schemeClr val="accent1">
+                <a:shade val="50000"/>
+              </a:schemeClr>
+            </a:lnRef>
+            <a:fillRef idx="1">
+              <a:schemeClr val="accent1"/>
+            </a:fillRef>
+            <a:effectRef idx="0">
+              <a:schemeClr val="accent1"/>
+            </a:effectRef>
+            <a:fontRef idx="minor">
+              <a:schemeClr val="lt1"/>
+            </a:fontRef>
+          </p:style>
+          <p:txBody>
+            <a:bodyPr rtlCol="0" anchor="ctr"/>
+            <a:lstStyle/>
+            <a:p>
+              <a:pPr algn="ctr"/>
+              <a:r>
+                <a:rPr lang="zh-TW" altLang="en-US" sz="2800" dirty="0">
+                  <a:solidFill>
+                    <a:schemeClr val="accent6">
+                      <a:lumMod val="75000"/>
+                    </a:schemeClr>
+                  </a:solidFill>
+                </a:rPr>
+                <a:t>袋鼠</a:t>
+              </a:r>
+            </a:p>
+          </p:txBody>
+        </p:sp>
+        <p:sp>
+          <p:nvSpPr>
+            <p:cNvPr id="16" name="矩形 15"/>
+            <p:cNvSpPr/>
+            <p:nvPr/>
+          </p:nvSpPr>
+          <p:spPr>
+            <a:xfrm>
+              <a:off x="4106988" y="1978152"/>
+              <a:ext cx="1737360" cy="914400"/>
+            </a:xfrm>
+            <a:prstGeom prst="rect">
+              <a:avLst/>
+            </a:prstGeom>
+            <a:solidFill>
+              <a:schemeClr val="bg1"/>
+            </a:solidFill>
+            <a:ln w="28575">
+              <a:solidFill>
+                <a:schemeClr val="tx1"/>
+              </a:solidFill>
+            </a:ln>
+          </p:spPr>
+          <p:style>
+            <a:lnRef idx="2">
+              <a:schemeClr val="accent1">
+                <a:shade val="50000"/>
+              </a:schemeClr>
+            </a:lnRef>
+            <a:fillRef idx="1">
+              <a:schemeClr val="accent1"/>
+            </a:fillRef>
+            <a:effectRef idx="0">
+              <a:schemeClr val="accent1"/>
+            </a:effectRef>
+            <a:fontRef idx="minor">
+              <a:schemeClr val="lt1"/>
+            </a:fontRef>
+          </p:style>
+          <p:txBody>
+            <a:bodyPr rtlCol="0" anchor="ctr"/>
+            <a:lstStyle/>
+            <a:p>
+              <a:pPr algn="ctr"/>
+              <a:r>
+                <a:rPr lang="zh-TW" altLang="en-US" dirty="0" smtClean="0">
+                  <a:solidFill>
+                    <a:srgbClr val="0070C0"/>
+                  </a:solidFill>
+                </a:rPr>
+                <a:t>兩腳</a:t>
+              </a:r>
+              <a:r>
+                <a:rPr lang="en-US" altLang="zh-TW" dirty="0" smtClean="0">
+                  <a:solidFill>
+                    <a:srgbClr val="0070C0"/>
+                  </a:solidFill>
+                </a:rPr>
+                <a:t>+</a:t>
+              </a:r>
+              <a:r>
+                <a:rPr lang="zh-TW" altLang="en-US" dirty="0" smtClean="0">
+                  <a:solidFill>
+                    <a:srgbClr val="0070C0"/>
+                  </a:solidFill>
+                </a:rPr>
+                <a:t>兩手</a:t>
+              </a:r>
+              <a:endParaRPr lang="en-US" altLang="zh-TW" dirty="0" smtClean="0">
+                <a:solidFill>
+                  <a:srgbClr val="0070C0"/>
+                </a:solidFill>
+              </a:endParaRPr>
+            </a:p>
+            <a:p>
+              <a:pPr algn="ctr"/>
+              <a:r>
+                <a:rPr lang="en-US" altLang="zh-TW" dirty="0" smtClean="0">
+                  <a:solidFill>
+                    <a:srgbClr val="0070C0"/>
+                  </a:solidFill>
+                </a:rPr>
+                <a:t>Move();</a:t>
+              </a:r>
+              <a:r>
+                <a:rPr lang="en-US" altLang="zh-TW" dirty="0" smtClean="0">
+                  <a:solidFill>
+                    <a:srgbClr val="0070C0"/>
+                  </a:solidFill>
+                  <a:sym typeface="Wingdings" panose="05000000000000000000" pitchFamily="2" charset="2"/>
+                </a:rPr>
+                <a:t></a:t>
+              </a:r>
+              <a:r>
+                <a:rPr lang="zh-TW" altLang="en-US" dirty="0" smtClean="0">
+                  <a:solidFill>
+                    <a:srgbClr val="0070C0"/>
+                  </a:solidFill>
+                  <a:sym typeface="Wingdings" panose="05000000000000000000" pitchFamily="2" charset="2"/>
+                </a:rPr>
+                <a:t>跳</a:t>
+              </a:r>
+              <a:endParaRPr lang="en-US" altLang="zh-TW" dirty="0" smtClean="0">
+                <a:solidFill>
+                  <a:srgbClr val="0070C0"/>
+                </a:solidFill>
+              </a:endParaRPr>
+            </a:p>
+            <a:p>
+              <a:pPr algn="ctr"/>
+              <a:r>
+                <a:rPr lang="en-US" altLang="zh-TW" dirty="0" smtClean="0">
+                  <a:solidFill>
+                    <a:srgbClr val="0070C0"/>
+                  </a:solidFill>
+                </a:rPr>
+                <a:t>Sound();</a:t>
+              </a:r>
+              <a:r>
+                <a:rPr lang="en-US" altLang="zh-TW" dirty="0" smtClean="0">
+                  <a:solidFill>
+                    <a:srgbClr val="0070C0"/>
+                  </a:solidFill>
+                  <a:sym typeface="Wingdings" panose="05000000000000000000" pitchFamily="2" charset="2"/>
+                </a:rPr>
+                <a:t></a:t>
+              </a:r>
+              <a:r>
+                <a:rPr lang="zh-TW" altLang="en-US" dirty="0">
+                  <a:solidFill>
+                    <a:srgbClr val="0070C0"/>
+                  </a:solidFill>
+                  <a:sym typeface="Wingdings" panose="05000000000000000000" pitchFamily="2" charset="2"/>
+                </a:rPr>
+                <a:t>啾</a:t>
+              </a:r>
+              <a:endParaRPr lang="zh-TW" altLang="en-US" dirty="0">
+                <a:solidFill>
+                  <a:srgbClr val="0070C0"/>
+                </a:solidFill>
+              </a:endParaRPr>
+            </a:p>
+          </p:txBody>
+        </p:sp>
+      </p:grpSp>
+      <p:cxnSp>
+        <p:nvCxnSpPr>
+          <p:cNvPr id="18" name="肘形接點 17"/>
+          <p:cNvCxnSpPr>
+            <a:stCxn id="6" idx="2"/>
+            <a:endCxn id="9" idx="0"/>
+          </p:cNvCxnSpPr>
+          <p:nvPr/>
+        </p:nvCxnSpPr>
+        <p:spPr>
+          <a:xfrm rot="5400000">
+            <a:off x="3568508" y="2020158"/>
+            <a:ext cx="1022096" cy="2244660"/>
+          </a:xfrm>
+          <a:prstGeom prst="bentConnector3">
+            <a:avLst/>
+          </a:prstGeom>
+          <a:ln w="19050"/>
+        </p:spPr>
+        <p:style>
+          <a:lnRef idx="1">
+            <a:schemeClr val="accent1"/>
+          </a:lnRef>
+          <a:fillRef idx="0">
+            <a:schemeClr val="accent1"/>
+          </a:fillRef>
+          <a:effectRef idx="0">
+            <a:schemeClr val="accent1"/>
+          </a:effectRef>
+          <a:fontRef idx="minor">
+            <a:schemeClr val="tx1"/>
+          </a:fontRef>
+        </p:style>
+      </p:cxnSp>
+      <p:cxnSp>
+        <p:nvCxnSpPr>
+          <p:cNvPr id="20" name="肘形接點 19"/>
+          <p:cNvCxnSpPr>
+            <a:stCxn id="6" idx="2"/>
+            <a:endCxn id="15" idx="0"/>
+          </p:cNvCxnSpPr>
+          <p:nvPr/>
+        </p:nvCxnSpPr>
+        <p:spPr>
+          <a:xfrm rot="16200000" flipH="1">
+            <a:off x="5809787" y="2023539"/>
+            <a:ext cx="1022096" cy="2237898"/>
+          </a:xfrm>
+          <a:prstGeom prst="bentConnector3">
+            <a:avLst>
+              <a:gd name="adj1" fmla="val 50000"/>
+            </a:avLst>
+          </a:prstGeom>
+          <a:ln w="19050"/>
+        </p:spPr>
+        <p:style>
+          <a:lnRef idx="1">
+            <a:schemeClr val="accent1"/>
+          </a:lnRef>
+          <a:fillRef idx="0">
+            <a:schemeClr val="accent1"/>
+          </a:fillRef>
+          <a:effectRef idx="0">
+            <a:schemeClr val="accent1"/>
+          </a:effectRef>
+          <a:fontRef idx="minor">
+            <a:schemeClr val="tx1"/>
+          </a:fontRef>
+        </p:style>
+      </p:cxnSp>
+      <p:cxnSp>
+        <p:nvCxnSpPr>
+          <p:cNvPr id="23" name="肘形接點 22"/>
+          <p:cNvCxnSpPr>
+            <a:stCxn id="6" idx="2"/>
+            <a:endCxn id="12" idx="0"/>
+          </p:cNvCxnSpPr>
+          <p:nvPr/>
+        </p:nvCxnSpPr>
+        <p:spPr>
+          <a:xfrm rot="5400000">
+            <a:off x="4690838" y="3142488"/>
+            <a:ext cx="1022096" cy="12700"/>
+          </a:xfrm>
+          <a:prstGeom prst="bentConnector3">
+            <a:avLst>
+              <a:gd name="adj1" fmla="val 50000"/>
+            </a:avLst>
+          </a:prstGeom>
+          <a:ln w="19050"/>
+        </p:spPr>
+        <p:style>
+          <a:lnRef idx="1">
+            <a:schemeClr val="accent1"/>
+          </a:lnRef>
+          <a:fillRef idx="0">
+            <a:schemeClr val="accent1"/>
+          </a:fillRef>
+          <a:effectRef idx="0">
+            <a:schemeClr val="accent1"/>
+          </a:effectRef>
+          <a:fontRef idx="minor">
+            <a:schemeClr val="tx1"/>
+          </a:fontRef>
+        </p:style>
+      </p:cxnSp>
+      <p:sp>
+        <p:nvSpPr>
+          <p:cNvPr id="26" name="文字方塊 25"/>
+          <p:cNvSpPr txBox="1"/>
+          <p:nvPr/>
+        </p:nvSpPr>
+        <p:spPr>
+          <a:xfrm>
+            <a:off x="5201886" y="2749788"/>
+            <a:ext cx="646331" cy="369332"/>
+          </a:xfrm>
+          <a:prstGeom prst="rect">
+            <a:avLst/>
+          </a:prstGeom>
+          <a:noFill/>
+        </p:spPr>
+        <p:txBody>
+          <a:bodyPr wrap="none" rtlCol="0">
+            <a:spAutoFit/>
+          </a:bodyPr>
+          <a:lstStyle/>
+          <a:p>
+            <a:r>
+              <a:rPr lang="zh-TW" altLang="en-US" b="1" dirty="0" smtClean="0">
+                <a:solidFill>
+                  <a:schemeClr val="accent5"/>
+                </a:solidFill>
+              </a:rPr>
+              <a:t>繼承</a:t>
+            </a:r>
+            <a:endParaRPr lang="zh-TW" altLang="en-US" b="1" dirty="0">
+              <a:solidFill>
+                <a:schemeClr val="accent5"/>
+              </a:solidFill>
+            </a:endParaRPr>
+          </a:p>
+        </p:txBody>
+      </p:sp>
+    </p:spTree>
+    <p:extLst>
+      <p:ext uri="{BB962C8B-B14F-4D97-AF65-F5344CB8AC3E}">
+        <p14:creationId xmlns:p14="http://schemas.microsoft.com/office/powerpoint/2010/main" val="3181316026"/>
+      </p:ext>
+    </p:extLst>
+  </p:cSld>
+  <p:clrMapOvr>
+    <a:masterClrMapping/>
+  </p:clrMapOvr>
+  <p:timing>
+    <p:tnLst>
+      <p:par>
+        <p:cTn id="1" dur="indefinite" restart="never" nodeType="tmRoot"/>
+      </p:par>
+    </p:tnLst>
+  </p:timing>
+</p:sld>
+</file>
+
+<file path=ppt/slides/slide35.xml><?xml version="1.0" encoding="utf-8"?>
+<p:sld xmlns:a="http://schemas.openxmlformats.org/drawingml/2006/main" xmlns:r="http://schemas.openxmlformats.org/officeDocument/2006/relationships" xmlns:p="http://schemas.openxmlformats.org/presentationml/2006/main">
+  <p:cSld>
+    <p:spTree>
+      <p:nvGrpSpPr>
+        <p:cNvPr id="1" name=""/>
+        <p:cNvGrpSpPr/>
+        <p:nvPr/>
+      </p:nvGrpSpPr>
+      <p:grpSpPr>
+        <a:xfrm>
+          <a:off x="0" y="0"/>
+          <a:ext cx="0" cy="0"/>
+          <a:chOff x="0" y="0"/>
+          <a:chExt cx="0" cy="0"/>
+        </a:xfrm>
+      </p:grpSpPr>
+      <p:sp>
+        <p:nvSpPr>
+          <p:cNvPr id="3" name="標題 2"/>
+          <p:cNvSpPr>
+            <a:spLocks noGrp="1"/>
+          </p:cNvSpPr>
+          <p:nvPr>
+            <p:ph type="title"/>
+          </p:nvPr>
+        </p:nvSpPr>
+        <p:spPr/>
+        <p:txBody>
+          <a:bodyPr/>
+          <a:lstStyle/>
+          <a:p>
+            <a:r>
+              <a:rPr lang="zh-TW" altLang="en-US" dirty="0" smtClean="0"/>
+              <a:t>淺談繼承</a:t>
+            </a:r>
+            <a:r>
+              <a:rPr lang="en-US" altLang="zh-TW" dirty="0" smtClean="0"/>
+              <a:t>(</a:t>
+            </a:r>
+            <a:r>
+              <a:rPr lang="zh-TW" altLang="en-US" dirty="0" smtClean="0"/>
+              <a:t>續</a:t>
+            </a:r>
+            <a:r>
+              <a:rPr lang="en-US" altLang="zh-TW" dirty="0" smtClean="0"/>
+              <a:t>)</a:t>
+            </a:r>
+            <a:endParaRPr lang="zh-TW" altLang="en-US" dirty="0"/>
+          </a:p>
+        </p:txBody>
+      </p:sp>
+      <p:sp>
+        <p:nvSpPr>
+          <p:cNvPr id="4" name="內容版面配置區 3"/>
+          <p:cNvSpPr>
+            <a:spLocks noGrp="1"/>
+          </p:cNvSpPr>
+          <p:nvPr>
+            <p:ph idx="1"/>
+          </p:nvPr>
+        </p:nvSpPr>
+        <p:spPr/>
+        <p:txBody>
+          <a:bodyPr/>
+          <a:lstStyle/>
+          <a:p>
+            <a:pPr>
+              <a:defRPr/>
+            </a:pPr>
+            <a:r>
+              <a:rPr lang="zh-TW" altLang="zh-TW" dirty="0" smtClean="0"/>
+              <a:t>繼承性</a:t>
+            </a:r>
+            <a:r>
+              <a:rPr lang="zh-TW" altLang="en-US" dirty="0" smtClean="0"/>
+              <a:t>常常</a:t>
+            </a:r>
+            <a:r>
+              <a:rPr lang="zh-TW" altLang="zh-TW" dirty="0" smtClean="0"/>
+              <a:t>是</a:t>
+            </a:r>
+            <a:r>
+              <a:rPr lang="zh-TW" altLang="zh-TW" dirty="0"/>
+              <a:t>為了達成重覆使用目的所採取的一種策略</a:t>
+            </a:r>
+            <a:endParaRPr lang="en-US" altLang="zh-TW" dirty="0"/>
+          </a:p>
+          <a:p>
+            <a:pPr lvl="1">
+              <a:defRPr/>
+            </a:pPr>
+            <a:r>
+              <a:rPr lang="zh-TW" altLang="zh-TW" dirty="0"/>
+              <a:t>例如：一個滑鼠類別只要加上滾輪裝置，就變成了滾輪滑鼠</a:t>
+            </a:r>
+            <a:endParaRPr lang="en-US" altLang="zh-TW" dirty="0"/>
+          </a:p>
+          <a:p>
+            <a:pPr lvl="1">
+              <a:defRPr/>
+            </a:pPr>
+            <a:r>
+              <a:rPr lang="zh-TW" altLang="zh-TW" dirty="0"/>
+              <a:t>但滾輪滑鼠也同樣可以上下左右移動改變指標位置，也可以按兩下執行程式，只不過現在又多了一個滾輪使得瀏覽網頁時更加方便</a:t>
+            </a:r>
+            <a:endParaRPr lang="en-US" altLang="zh-TW" dirty="0"/>
+          </a:p>
+          <a:p>
+            <a:pPr lvl="1">
+              <a:defRPr/>
+            </a:pPr>
+            <a:r>
+              <a:rPr lang="zh-TW" altLang="zh-TW" dirty="0"/>
+              <a:t>因此，這個滾輪滑鼠類別可繼承滑鼠類別再加以擴充。</a:t>
+            </a:r>
+          </a:p>
+          <a:p>
+            <a:r>
+              <a:rPr lang="zh-TW" altLang="en-US" dirty="0" smtClean="0"/>
+              <a:t>使用者可以自行定義</a:t>
+            </a:r>
+            <a:r>
+              <a:rPr lang="zh-TW" altLang="en-US" b="1" dirty="0"/>
+              <a:t>基底類別</a:t>
+            </a:r>
+            <a:r>
+              <a:rPr lang="en-US" altLang="zh-TW" dirty="0"/>
+              <a:t>(base class)</a:t>
+            </a:r>
+            <a:r>
+              <a:rPr lang="zh-TW" altLang="en-US" dirty="0"/>
+              <a:t>與</a:t>
+            </a:r>
+            <a:r>
+              <a:rPr lang="zh-TW" altLang="en-US" b="1" dirty="0"/>
+              <a:t>衍生類別</a:t>
+            </a:r>
+            <a:r>
+              <a:rPr lang="en-US" altLang="zh-TW" dirty="0"/>
+              <a:t>(derived class)</a:t>
+            </a:r>
+          </a:p>
+          <a:p>
+            <a:pPr lvl="1"/>
+            <a:r>
+              <a:rPr lang="zh-TW" altLang="en-US" dirty="0"/>
+              <a:t>其中衍生類別允許繼承基底類別的屬性及方法，並「加入新的屬性及方法」或者改寫</a:t>
+            </a:r>
+            <a:r>
+              <a:rPr lang="en-US" altLang="zh-TW" dirty="0"/>
+              <a:t>(override)</a:t>
+            </a:r>
+            <a:r>
+              <a:rPr lang="zh-TW" altLang="en-US" dirty="0"/>
+              <a:t>某些繼承的方法，改成適用於本身的方法。</a:t>
+            </a:r>
+          </a:p>
+          <a:p>
+            <a:pPr lvl="1"/>
+            <a:r>
+              <a:rPr lang="zh-TW" altLang="en-US" dirty="0"/>
+              <a:t>有了這項特性，在開發大型程式時，我們就可以延續已經完成的技術，再加以擴充</a:t>
+            </a:r>
+            <a:r>
+              <a:rPr lang="zh-TW" altLang="en-US" dirty="0" smtClean="0"/>
+              <a:t>。</a:t>
+            </a:r>
+            <a:endParaRPr lang="zh-TW" altLang="en-US" dirty="0"/>
+          </a:p>
+        </p:txBody>
+      </p:sp>
+    </p:spTree>
+    <p:extLst>
+      <p:ext uri="{BB962C8B-B14F-4D97-AF65-F5344CB8AC3E}">
+        <p14:creationId xmlns:p14="http://schemas.microsoft.com/office/powerpoint/2010/main" val="1930641407"/>
+      </p:ext>
+    </p:extLst>
+  </p:cSld>
+  <p:clrMapOvr>
+    <a:masterClrMapping/>
+  </p:clrMapOvr>
+  <p:timing>
+    <p:tnLst>
+      <p:par>
+        <p:cTn id="1" dur="indefinite" restart="never" nodeType="tmRoot"/>
+      </p:par>
+    </p:tnLst>
+  </p:timing>
+</p:sld>
+</file>
+
+<file path=ppt/slides/slide36.xml><?xml version="1.0" encoding="utf-8"?>
+<p:sld xmlns:a="http://schemas.openxmlformats.org/drawingml/2006/main" xmlns:r="http://schemas.openxmlformats.org/officeDocument/2006/relationships" xmlns:p="http://schemas.openxmlformats.org/presentationml/2006/main">
+  <p:cSld>
+    <p:spTree>
+      <p:nvGrpSpPr>
+        <p:cNvPr id="1" name=""/>
+        <p:cNvGrpSpPr/>
+        <p:nvPr/>
+      </p:nvGrpSpPr>
+      <p:grpSpPr>
+        <a:xfrm>
+          <a:off x="0" y="0"/>
+          <a:ext cx="0" cy="0"/>
+          <a:chOff x="0" y="0"/>
+          <a:chExt cx="0" cy="0"/>
+        </a:xfrm>
+      </p:grpSpPr>
+      <p:sp>
+        <p:nvSpPr>
+          <p:cNvPr id="4" name="標題 3"/>
+          <p:cNvSpPr>
+            <a:spLocks noGrp="1"/>
+          </p:cNvSpPr>
+          <p:nvPr>
+            <p:ph type="title"/>
+          </p:nvPr>
+        </p:nvSpPr>
+        <p:spPr/>
+        <p:txBody>
+          <a:bodyPr/>
+          <a:lstStyle/>
+          <a:p>
+            <a:r>
+              <a:rPr lang="zh-TW" altLang="en-US" dirty="0" smtClean="0"/>
+              <a:t>繼承後新增</a:t>
+            </a:r>
+            <a:endParaRPr lang="zh-TW" altLang="en-US" dirty="0"/>
+          </a:p>
+        </p:txBody>
+      </p:sp>
+      <p:pic>
+        <p:nvPicPr>
+          <p:cNvPr id="5" name="Picture 5" descr="newch8_03"/>
+          <p:cNvPicPr>
+            <a:picLocks noChangeAspect="1" noChangeArrowheads="1"/>
+          </p:cNvPicPr>
+          <p:nvPr/>
+        </p:nvPicPr>
+        <p:blipFill>
+          <a:blip r:embed="rId2">
+            <a:extLst>
+              <a:ext uri="{28A0092B-C50C-407E-A947-70E740481C1C}">
+                <a14:useLocalDpi xmlns:a14="http://schemas.microsoft.com/office/drawing/2010/main" val="0"/>
+              </a:ext>
+            </a:extLst>
+          </a:blip>
+          <a:srcRect/>
+          <a:stretch>
+            <a:fillRect/>
+          </a:stretch>
+        </p:blipFill>
+        <p:spPr bwMode="auto">
+          <a:xfrm>
+            <a:off x="2972720" y="1350582"/>
+            <a:ext cx="5021263" cy="4854575"/>
+          </a:xfrm>
+          <a:prstGeom prst="rect">
+            <a:avLst/>
+          </a:prstGeom>
+          <a:noFill/>
+          <a:ln>
+            <a:noFill/>
+          </a:ln>
+          <a:extLst>
+            <a:ext uri="{909E8E84-426E-40DD-AFC4-6F175D3DCCD1}">
+              <a14:hiddenFill xmlns:a14="http://schemas.microsoft.com/office/drawing/2010/main">
+                <a:solidFill>
+                  <a:srgbClr val="FFFFFF"/>
+                </a:solidFill>
+              </a14:hiddenFill>
+            </a:ext>
+            <a:ext uri="{91240B29-F687-4F45-9708-019B960494DF}">
+              <a14:hiddenLine xmlns:a14="http://schemas.microsoft.com/office/drawing/2010/main" w="9525">
+                <a:solidFill>
+                  <a:srgbClr val="000000"/>
+                </a:solidFill>
+                <a:miter lim="800000"/>
+                <a:headEnd/>
+                <a:tailEnd/>
+              </a14:hiddenLine>
+            </a:ext>
+          </a:extLst>
+        </p:spPr>
+      </p:pic>
+    </p:spTree>
+    <p:extLst>
+      <p:ext uri="{BB962C8B-B14F-4D97-AF65-F5344CB8AC3E}">
+        <p14:creationId xmlns:p14="http://schemas.microsoft.com/office/powerpoint/2010/main" val="778833572"/>
+      </p:ext>
+    </p:extLst>
+  </p:cSld>
+  <p:clrMapOvr>
+    <a:masterClrMapping/>
+  </p:clrMapOvr>
+  <p:timing>
+    <p:tnLst>
+      <p:par>
+        <p:cTn id="1" dur="indefinite" restart="never" nodeType="tmRoot"/>
+      </p:par>
+    </p:tnLst>
+  </p:timing>
+</p:sld>
+</file>
+
+<file path=ppt/slides/slide37.xml><?xml version="1.0" encoding="utf-8"?>
+<p:sld xmlns:a="http://schemas.openxmlformats.org/drawingml/2006/main" xmlns:r="http://schemas.openxmlformats.org/officeDocument/2006/relationships" xmlns:p="http://schemas.openxmlformats.org/presentationml/2006/main">
+  <p:cSld>
+    <p:spTree>
+      <p:nvGrpSpPr>
+        <p:cNvPr id="1" name=""/>
+        <p:cNvGrpSpPr/>
+        <p:nvPr/>
+      </p:nvGrpSpPr>
+      <p:grpSpPr>
+        <a:xfrm>
+          <a:off x="0" y="0"/>
+          <a:ext cx="0" cy="0"/>
+          <a:chOff x="0" y="0"/>
+          <a:chExt cx="0" cy="0"/>
+        </a:xfrm>
+      </p:grpSpPr>
+      <p:sp>
+        <p:nvSpPr>
+          <p:cNvPr id="2" name="標題 1"/>
+          <p:cNvSpPr>
+            <a:spLocks noGrp="1"/>
+          </p:cNvSpPr>
+          <p:nvPr>
+            <p:ph type="title"/>
+          </p:nvPr>
+        </p:nvSpPr>
+        <p:spPr/>
+        <p:txBody>
+          <a:bodyPr/>
+          <a:lstStyle/>
+          <a:p>
+            <a:r>
+              <a:rPr lang="zh-TW" altLang="en-US" dirty="0" smtClean="0"/>
+              <a:t>繼承後改變</a:t>
+            </a:r>
+            <a:endParaRPr lang="zh-TW" altLang="en-US" dirty="0"/>
+          </a:p>
+        </p:txBody>
+      </p:sp>
+      <p:grpSp>
+        <p:nvGrpSpPr>
+          <p:cNvPr id="33" name="群組 32"/>
+          <p:cNvGrpSpPr/>
+          <p:nvPr/>
+        </p:nvGrpSpPr>
+        <p:grpSpPr>
+          <a:xfrm>
+            <a:off x="3293172" y="1943164"/>
+            <a:ext cx="3364992" cy="3190622"/>
+            <a:chOff x="4617720" y="1923860"/>
+            <a:chExt cx="3364992" cy="3190622"/>
+          </a:xfrm>
+        </p:grpSpPr>
+        <p:sp>
+          <p:nvSpPr>
+            <p:cNvPr id="18" name="矩形 17"/>
+            <p:cNvSpPr/>
+            <p:nvPr/>
+          </p:nvSpPr>
+          <p:spPr>
+            <a:xfrm>
+              <a:off x="4617720" y="1923860"/>
+              <a:ext cx="2313432" cy="539496"/>
+            </a:xfrm>
+            <a:prstGeom prst="rect">
+              <a:avLst/>
+            </a:prstGeom>
+            <a:solidFill>
+              <a:schemeClr val="bg1"/>
+            </a:solidFill>
+            <a:ln>
+              <a:solidFill>
+                <a:schemeClr val="tx1"/>
+              </a:solidFill>
+            </a:ln>
+          </p:spPr>
+          <p:style>
+            <a:lnRef idx="2">
+              <a:schemeClr val="accent1">
+                <a:shade val="50000"/>
+              </a:schemeClr>
+            </a:lnRef>
+            <a:fillRef idx="1">
+              <a:schemeClr val="accent1"/>
+            </a:fillRef>
+            <a:effectRef idx="0">
+              <a:schemeClr val="accent1"/>
+            </a:effectRef>
+            <a:fontRef idx="minor">
+              <a:schemeClr val="lt1"/>
+            </a:fontRef>
+          </p:style>
+          <p:txBody>
+            <a:bodyPr rtlCol="0" anchor="ctr"/>
+            <a:lstStyle/>
+            <a:p>
+              <a:r>
+                <a:rPr lang="zh-TW" altLang="en-US" dirty="0" smtClean="0">
+                  <a:solidFill>
+                    <a:schemeClr val="tx1"/>
+                  </a:solidFill>
+                </a:rPr>
+                <a:t>基底類別</a:t>
+              </a:r>
+              <a:endParaRPr lang="zh-TW" altLang="en-US" dirty="0">
+                <a:solidFill>
+                  <a:schemeClr val="tx1"/>
+                </a:solidFill>
+              </a:endParaRPr>
+            </a:p>
+          </p:txBody>
+        </p:sp>
+        <p:sp>
+          <p:nvSpPr>
+            <p:cNvPr id="19" name="矩形 18"/>
+            <p:cNvSpPr/>
+            <p:nvPr/>
+          </p:nvSpPr>
+          <p:spPr>
+            <a:xfrm>
+              <a:off x="4617720" y="3249423"/>
+              <a:ext cx="2532888" cy="539496"/>
+            </a:xfrm>
+            <a:prstGeom prst="rect">
+              <a:avLst/>
+            </a:prstGeom>
+            <a:solidFill>
+              <a:schemeClr val="bg1"/>
+            </a:solidFill>
+            <a:ln>
+              <a:solidFill>
+                <a:schemeClr val="tx1"/>
+              </a:solidFill>
+            </a:ln>
+          </p:spPr>
+          <p:style>
+            <a:lnRef idx="2">
+              <a:schemeClr val="accent1">
+                <a:shade val="50000"/>
+              </a:schemeClr>
+            </a:lnRef>
+            <a:fillRef idx="1">
+              <a:schemeClr val="accent1"/>
+            </a:fillRef>
+            <a:effectRef idx="0">
+              <a:schemeClr val="accent1"/>
+            </a:effectRef>
+            <a:fontRef idx="minor">
+              <a:schemeClr val="lt1"/>
+            </a:fontRef>
+          </p:style>
+          <p:txBody>
+            <a:bodyPr rtlCol="0" anchor="ctr"/>
+            <a:lstStyle/>
+            <a:p>
+              <a:r>
+                <a:rPr lang="zh-TW" altLang="en-US" dirty="0" smtClean="0">
+                  <a:solidFill>
+                    <a:schemeClr val="tx1"/>
+                  </a:solidFill>
+                </a:rPr>
+                <a:t>衍生類別</a:t>
+              </a:r>
+              <a:endParaRPr lang="zh-TW" altLang="en-US" dirty="0">
+                <a:solidFill>
+                  <a:schemeClr val="tx1"/>
+                </a:solidFill>
+              </a:endParaRPr>
+            </a:p>
+          </p:txBody>
+        </p:sp>
+        <p:sp>
+          <p:nvSpPr>
+            <p:cNvPr id="20" name="矩形 19"/>
+            <p:cNvSpPr/>
+            <p:nvPr/>
+          </p:nvSpPr>
+          <p:spPr>
+            <a:xfrm>
+              <a:off x="6190488" y="1923860"/>
+              <a:ext cx="201168" cy="539496"/>
+            </a:xfrm>
+            <a:prstGeom prst="rect">
+              <a:avLst/>
+            </a:prstGeom>
+          </p:spPr>
+          <p:style>
+            <a:lnRef idx="2">
+              <a:schemeClr val="accent1">
+                <a:shade val="50000"/>
+              </a:schemeClr>
+            </a:lnRef>
+            <a:fillRef idx="1">
+              <a:schemeClr val="accent1"/>
+            </a:fillRef>
+            <a:effectRef idx="0">
+              <a:schemeClr val="accent1"/>
+            </a:effectRef>
+            <a:fontRef idx="minor">
+              <a:schemeClr val="lt1"/>
+            </a:fontRef>
+          </p:style>
+          <p:txBody>
+            <a:bodyPr rtlCol="0" anchor="ctr"/>
+            <a:lstStyle/>
+            <a:p>
+              <a:pPr algn="ctr"/>
+              <a:endParaRPr lang="zh-TW" altLang="en-US"/>
+            </a:p>
+          </p:txBody>
+        </p:sp>
+        <p:sp>
+          <p:nvSpPr>
+            <p:cNvPr id="21" name="矩形 20"/>
+            <p:cNvSpPr/>
+            <p:nvPr/>
+          </p:nvSpPr>
+          <p:spPr>
+            <a:xfrm>
+              <a:off x="6190488" y="3249423"/>
+              <a:ext cx="374904" cy="539496"/>
+            </a:xfrm>
+            <a:prstGeom prst="rect">
+              <a:avLst/>
+            </a:prstGeom>
+            <a:solidFill>
+              <a:srgbClr val="FFC000"/>
+            </a:solidFill>
+          </p:spPr>
+          <p:style>
+            <a:lnRef idx="2">
+              <a:schemeClr val="accent1">
+                <a:shade val="50000"/>
+              </a:schemeClr>
+            </a:lnRef>
+            <a:fillRef idx="1">
+              <a:schemeClr val="accent1"/>
+            </a:fillRef>
+            <a:effectRef idx="0">
+              <a:schemeClr val="accent1"/>
+            </a:effectRef>
+            <a:fontRef idx="minor">
+              <a:schemeClr val="lt1"/>
+            </a:fontRef>
+          </p:style>
+          <p:txBody>
+            <a:bodyPr rtlCol="0" anchor="ctr"/>
+            <a:lstStyle/>
+            <a:p>
+              <a:pPr algn="ctr"/>
+              <a:endParaRPr lang="zh-TW" altLang="en-US"/>
+            </a:p>
+          </p:txBody>
+        </p:sp>
+        <p:cxnSp>
+          <p:nvCxnSpPr>
+            <p:cNvPr id="22" name="直線單箭頭接點 21"/>
+            <p:cNvCxnSpPr>
+              <a:stCxn id="18" idx="2"/>
+            </p:cNvCxnSpPr>
+            <p:nvPr/>
+          </p:nvCxnSpPr>
+          <p:spPr>
+            <a:xfrm flipH="1">
+              <a:off x="5769864" y="2463356"/>
+              <a:ext cx="4572" cy="786067"/>
+            </a:xfrm>
+            <a:prstGeom prst="straightConnector1">
+              <a:avLst/>
+            </a:prstGeom>
+            <a:ln>
+              <a:solidFill>
+                <a:schemeClr val="tx1"/>
+              </a:solidFill>
+              <a:tailEnd type="triangle"/>
+            </a:ln>
+          </p:spPr>
+          <p:style>
+            <a:lnRef idx="1">
+              <a:schemeClr val="accent1"/>
+            </a:lnRef>
+            <a:fillRef idx="0">
+              <a:schemeClr val="accent1"/>
+            </a:fillRef>
+            <a:effectRef idx="0">
+              <a:schemeClr val="accent1"/>
+            </a:effectRef>
+            <a:fontRef idx="minor">
+              <a:schemeClr val="tx1"/>
+            </a:fontRef>
+          </p:style>
+        </p:cxnSp>
+        <p:cxnSp>
+          <p:nvCxnSpPr>
+            <p:cNvPr id="23" name="直線接點 22"/>
+            <p:cNvCxnSpPr/>
+            <p:nvPr/>
+          </p:nvCxnSpPr>
+          <p:spPr>
+            <a:xfrm>
+              <a:off x="6190488" y="2463356"/>
+              <a:ext cx="0" cy="786067"/>
+            </a:xfrm>
+            <a:prstGeom prst="line">
+              <a:avLst/>
+            </a:prstGeom>
+            <a:ln w="19050">
+              <a:solidFill>
+                <a:srgbClr val="FF0000"/>
+              </a:solidFill>
+              <a:prstDash val="dash"/>
+            </a:ln>
+          </p:spPr>
+          <p:style>
+            <a:lnRef idx="1">
+              <a:schemeClr val="accent1"/>
+            </a:lnRef>
+            <a:fillRef idx="0">
+              <a:schemeClr val="accent1"/>
+            </a:fillRef>
+            <a:effectRef idx="0">
+              <a:schemeClr val="accent1"/>
+            </a:effectRef>
+            <a:fontRef idx="minor">
+              <a:schemeClr val="tx1"/>
+            </a:fontRef>
+          </p:style>
+        </p:cxnSp>
+        <p:cxnSp>
+          <p:nvCxnSpPr>
+            <p:cNvPr id="24" name="直線接點 23"/>
+            <p:cNvCxnSpPr/>
+            <p:nvPr/>
+          </p:nvCxnSpPr>
+          <p:spPr>
+            <a:xfrm>
+              <a:off x="6391656" y="2463356"/>
+              <a:ext cx="173736" cy="786067"/>
+            </a:xfrm>
+            <a:prstGeom prst="line">
+              <a:avLst/>
+            </a:prstGeom>
+            <a:ln w="19050">
+              <a:solidFill>
+                <a:srgbClr val="FF0000"/>
+              </a:solidFill>
+              <a:prstDash val="dash"/>
+            </a:ln>
+          </p:spPr>
+          <p:style>
+            <a:lnRef idx="1">
+              <a:schemeClr val="accent1"/>
+            </a:lnRef>
+            <a:fillRef idx="0">
+              <a:schemeClr val="accent1"/>
+            </a:fillRef>
+            <a:effectRef idx="0">
+              <a:schemeClr val="accent1"/>
+            </a:effectRef>
+            <a:fontRef idx="minor">
+              <a:schemeClr val="tx1"/>
+            </a:fontRef>
+          </p:style>
+        </p:cxnSp>
+        <p:sp>
+          <p:nvSpPr>
+            <p:cNvPr id="25" name="矩形 24"/>
+            <p:cNvSpPr/>
+            <p:nvPr/>
+          </p:nvSpPr>
+          <p:spPr>
+            <a:xfrm>
+              <a:off x="4617720" y="4574986"/>
+              <a:ext cx="3364992" cy="539496"/>
+            </a:xfrm>
+            <a:prstGeom prst="rect">
+              <a:avLst/>
+            </a:prstGeom>
+            <a:solidFill>
+              <a:schemeClr val="bg1"/>
+            </a:solidFill>
+            <a:ln>
+              <a:solidFill>
+                <a:schemeClr val="tx1"/>
+              </a:solidFill>
+            </a:ln>
+          </p:spPr>
+          <p:style>
+            <a:lnRef idx="2">
+              <a:schemeClr val="accent1">
+                <a:shade val="50000"/>
+              </a:schemeClr>
+            </a:lnRef>
+            <a:fillRef idx="1">
+              <a:schemeClr val="accent1"/>
+            </a:fillRef>
+            <a:effectRef idx="0">
+              <a:schemeClr val="accent1"/>
+            </a:effectRef>
+            <a:fontRef idx="minor">
+              <a:schemeClr val="lt1"/>
+            </a:fontRef>
+          </p:style>
+          <p:txBody>
+            <a:bodyPr rtlCol="0" anchor="ctr"/>
+            <a:lstStyle/>
+            <a:p>
+              <a:r>
+                <a:rPr lang="zh-TW" altLang="en-US" dirty="0" smtClean="0">
+                  <a:solidFill>
+                    <a:schemeClr val="tx1"/>
+                  </a:solidFill>
+                </a:rPr>
+                <a:t>衍生類別</a:t>
+              </a:r>
+              <a:endParaRPr lang="zh-TW" altLang="en-US" dirty="0">
+                <a:solidFill>
+                  <a:schemeClr val="tx1"/>
+                </a:solidFill>
+              </a:endParaRPr>
+            </a:p>
+          </p:txBody>
+        </p:sp>
+        <p:sp>
+          <p:nvSpPr>
+            <p:cNvPr id="26" name="矩形 25"/>
+            <p:cNvSpPr/>
+            <p:nvPr/>
+          </p:nvSpPr>
+          <p:spPr>
+            <a:xfrm>
+              <a:off x="6190488" y="4574986"/>
+              <a:ext cx="374904" cy="539496"/>
+            </a:xfrm>
+            <a:prstGeom prst="rect">
+              <a:avLst/>
+            </a:prstGeom>
+            <a:solidFill>
+              <a:srgbClr val="FFC000"/>
+            </a:solidFill>
+          </p:spPr>
+          <p:style>
+            <a:lnRef idx="2">
+              <a:schemeClr val="accent1">
+                <a:shade val="50000"/>
+              </a:schemeClr>
+            </a:lnRef>
+            <a:fillRef idx="1">
+              <a:schemeClr val="accent1"/>
+            </a:fillRef>
+            <a:effectRef idx="0">
+              <a:schemeClr val="accent1"/>
+            </a:effectRef>
+            <a:fontRef idx="minor">
+              <a:schemeClr val="lt1"/>
+            </a:fontRef>
+          </p:style>
+          <p:txBody>
+            <a:bodyPr rtlCol="0" anchor="ctr"/>
+            <a:lstStyle/>
+            <a:p>
+              <a:pPr algn="ctr"/>
+              <a:endParaRPr lang="zh-TW" altLang="en-US"/>
+            </a:p>
+          </p:txBody>
+        </p:sp>
+        <p:cxnSp>
+          <p:nvCxnSpPr>
+            <p:cNvPr id="27" name="直線單箭頭接點 26"/>
+            <p:cNvCxnSpPr/>
+            <p:nvPr/>
+          </p:nvCxnSpPr>
+          <p:spPr>
+            <a:xfrm flipH="1">
+              <a:off x="5769864" y="3788919"/>
+              <a:ext cx="4572" cy="786067"/>
+            </a:xfrm>
+            <a:prstGeom prst="straightConnector1">
+              <a:avLst/>
+            </a:prstGeom>
+            <a:ln>
+              <a:solidFill>
+                <a:schemeClr val="tx1"/>
+              </a:solidFill>
+              <a:tailEnd type="triangle"/>
+            </a:ln>
+          </p:spPr>
+          <p:style>
+            <a:lnRef idx="1">
+              <a:schemeClr val="accent1"/>
+            </a:lnRef>
+            <a:fillRef idx="0">
+              <a:schemeClr val="accent1"/>
+            </a:fillRef>
+            <a:effectRef idx="0">
+              <a:schemeClr val="accent1"/>
+            </a:effectRef>
+            <a:fontRef idx="minor">
+              <a:schemeClr val="tx1"/>
+            </a:fontRef>
+          </p:style>
+        </p:cxnSp>
+        <p:cxnSp>
+          <p:nvCxnSpPr>
+            <p:cNvPr id="28" name="直線接點 27"/>
+            <p:cNvCxnSpPr/>
+            <p:nvPr/>
+          </p:nvCxnSpPr>
+          <p:spPr>
+            <a:xfrm>
+              <a:off x="6825996" y="3846927"/>
+              <a:ext cx="0" cy="786067"/>
+            </a:xfrm>
+            <a:prstGeom prst="line">
+              <a:avLst/>
+            </a:prstGeom>
+            <a:ln w="19050">
+              <a:solidFill>
+                <a:srgbClr val="FF0000"/>
+              </a:solidFill>
+              <a:prstDash val="dash"/>
+            </a:ln>
+          </p:spPr>
+          <p:style>
+            <a:lnRef idx="1">
+              <a:schemeClr val="accent1"/>
+            </a:lnRef>
+            <a:fillRef idx="0">
+              <a:schemeClr val="accent1"/>
+            </a:fillRef>
+            <a:effectRef idx="0">
+              <a:schemeClr val="accent1"/>
+            </a:effectRef>
+            <a:fontRef idx="minor">
+              <a:schemeClr val="tx1"/>
+            </a:fontRef>
+          </p:style>
+        </p:cxnSp>
+        <p:cxnSp>
+          <p:nvCxnSpPr>
+            <p:cNvPr id="29" name="直線接點 28"/>
+            <p:cNvCxnSpPr/>
+            <p:nvPr/>
+          </p:nvCxnSpPr>
+          <p:spPr>
+            <a:xfrm>
+              <a:off x="7040879" y="3788919"/>
+              <a:ext cx="768096" cy="844075"/>
+            </a:xfrm>
+            <a:prstGeom prst="line">
+              <a:avLst/>
+            </a:prstGeom>
+            <a:ln w="19050">
+              <a:solidFill>
+                <a:srgbClr val="FF0000"/>
+              </a:solidFill>
+              <a:prstDash val="dash"/>
+            </a:ln>
+          </p:spPr>
+          <p:style>
+            <a:lnRef idx="1">
+              <a:schemeClr val="accent1"/>
+            </a:lnRef>
+            <a:fillRef idx="0">
+              <a:schemeClr val="accent1"/>
+            </a:fillRef>
+            <a:effectRef idx="0">
+              <a:schemeClr val="accent1"/>
+            </a:effectRef>
+            <a:fontRef idx="minor">
+              <a:schemeClr val="tx1"/>
+            </a:fontRef>
+          </p:style>
+        </p:cxnSp>
+        <p:sp>
+          <p:nvSpPr>
+            <p:cNvPr id="30" name="矩形 29"/>
+            <p:cNvSpPr/>
+            <p:nvPr/>
+          </p:nvSpPr>
+          <p:spPr>
+            <a:xfrm>
+              <a:off x="6825996" y="3249423"/>
+              <a:ext cx="201168" cy="539496"/>
+            </a:xfrm>
+            <a:prstGeom prst="rect">
+              <a:avLst/>
+            </a:prstGeom>
+            <a:solidFill>
+              <a:srgbClr val="FFFF00"/>
+            </a:solidFill>
+          </p:spPr>
+          <p:style>
+            <a:lnRef idx="2">
+              <a:schemeClr val="accent1">
+                <a:shade val="50000"/>
+              </a:schemeClr>
+            </a:lnRef>
+            <a:fillRef idx="1">
+              <a:schemeClr val="accent1"/>
+            </a:fillRef>
+            <a:effectRef idx="0">
+              <a:schemeClr val="accent1"/>
+            </a:effectRef>
+            <a:fontRef idx="minor">
+              <a:schemeClr val="lt1"/>
+            </a:fontRef>
+          </p:style>
+          <p:txBody>
+            <a:bodyPr rtlCol="0" anchor="ctr"/>
+            <a:lstStyle/>
+            <a:p>
+              <a:pPr algn="ctr"/>
+              <a:endParaRPr lang="zh-TW" altLang="en-US"/>
+            </a:p>
+          </p:txBody>
+        </p:sp>
+        <p:sp>
+          <p:nvSpPr>
+            <p:cNvPr id="31" name="矩形 30"/>
+            <p:cNvSpPr/>
+            <p:nvPr/>
+          </p:nvSpPr>
+          <p:spPr>
+            <a:xfrm>
+              <a:off x="6839710" y="4574986"/>
+              <a:ext cx="969265" cy="539496"/>
+            </a:xfrm>
+            <a:prstGeom prst="rect">
+              <a:avLst/>
+            </a:prstGeom>
+            <a:solidFill>
+              <a:srgbClr val="00B0F0"/>
+            </a:solidFill>
+          </p:spPr>
+          <p:style>
+            <a:lnRef idx="2">
+              <a:schemeClr val="accent1">
+                <a:shade val="50000"/>
+              </a:schemeClr>
+            </a:lnRef>
+            <a:fillRef idx="1">
+              <a:schemeClr val="accent1"/>
+            </a:fillRef>
+            <a:effectRef idx="0">
+              <a:schemeClr val="accent1"/>
+            </a:effectRef>
+            <a:fontRef idx="minor">
+              <a:schemeClr val="lt1"/>
+            </a:fontRef>
+          </p:style>
+          <p:txBody>
+            <a:bodyPr rtlCol="0" anchor="ctr"/>
+            <a:lstStyle/>
+            <a:p>
+              <a:pPr algn="ctr"/>
+              <a:endParaRPr lang="zh-TW" altLang="en-US"/>
+            </a:p>
+          </p:txBody>
+        </p:sp>
+      </p:grpSp>
+    </p:spTree>
+    <p:extLst>
+      <p:ext uri="{BB962C8B-B14F-4D97-AF65-F5344CB8AC3E}">
+        <p14:creationId xmlns:p14="http://schemas.microsoft.com/office/powerpoint/2010/main" val="4103629135"/>
+      </p:ext>
+    </p:extLst>
+  </p:cSld>
+  <p:clrMapOvr>
+    <a:masterClrMapping/>
+  </p:clrMapOvr>
+  <p:timing>
+    <p:tnLst>
+      <p:par>
+        <p:cTn id="1" dur="indefinite" restart="never" nodeType="tmRoot"/>
+      </p:par>
+    </p:tnLst>
+  </p:timing>
+</p:sld>
+</file>
+
+<file path=ppt/slides/slide38.xml><?xml version="1.0" encoding="utf-8"?>
+<p:sld xmlns:a="http://schemas.openxmlformats.org/drawingml/2006/main" xmlns:r="http://schemas.openxmlformats.org/officeDocument/2006/relationships" xmlns:p="http://schemas.openxmlformats.org/presentationml/2006/main">
+  <p:cSld>
+    <p:spTree>
+      <p:nvGrpSpPr>
+        <p:cNvPr id="1" name=""/>
+        <p:cNvGrpSpPr/>
+        <p:nvPr/>
+      </p:nvGrpSpPr>
+      <p:grpSpPr>
+        <a:xfrm>
+          <a:off x="0" y="0"/>
+          <a:ext cx="0" cy="0"/>
+          <a:chOff x="0" y="0"/>
+          <a:chExt cx="0" cy="0"/>
+        </a:xfrm>
+      </p:grpSpPr>
+      <p:sp>
+        <p:nvSpPr>
+          <p:cNvPr id="2" name="標題 1"/>
+          <p:cNvSpPr>
+            <a:spLocks noGrp="1"/>
+          </p:cNvSpPr>
+          <p:nvPr>
+            <p:ph type="title"/>
+          </p:nvPr>
+        </p:nvSpPr>
+        <p:spPr/>
+        <p:txBody>
+          <a:bodyPr/>
+          <a:lstStyle/>
+          <a:p>
+            <a:r>
+              <a:rPr lang="zh-TW" altLang="en-US" dirty="0" smtClean="0"/>
+              <a:t>繼承後限縮</a:t>
+            </a:r>
+            <a:endParaRPr lang="zh-TW" altLang="en-US" dirty="0"/>
+          </a:p>
+        </p:txBody>
+      </p:sp>
+      <p:grpSp>
+        <p:nvGrpSpPr>
+          <p:cNvPr id="33" name="群組 32"/>
+          <p:cNvGrpSpPr/>
+          <p:nvPr/>
+        </p:nvGrpSpPr>
+        <p:grpSpPr>
+          <a:xfrm>
+            <a:off x="3328416" y="2024444"/>
+            <a:ext cx="2858352" cy="3190622"/>
+            <a:chOff x="4608576" y="1420940"/>
+            <a:chExt cx="2858352" cy="3190622"/>
+          </a:xfrm>
+        </p:grpSpPr>
+        <p:sp>
+          <p:nvSpPr>
+            <p:cNvPr id="3" name="矩形 2"/>
+            <p:cNvSpPr/>
+            <p:nvPr/>
+          </p:nvSpPr>
+          <p:spPr>
+            <a:xfrm>
+              <a:off x="4608576" y="1420940"/>
+              <a:ext cx="2313432" cy="539496"/>
+            </a:xfrm>
+            <a:prstGeom prst="rect">
+              <a:avLst/>
+            </a:prstGeom>
+            <a:solidFill>
+              <a:schemeClr val="bg1"/>
+            </a:solidFill>
+            <a:ln>
+              <a:solidFill>
+                <a:schemeClr val="tx1"/>
+              </a:solidFill>
+            </a:ln>
+          </p:spPr>
+          <p:style>
+            <a:lnRef idx="2">
+              <a:schemeClr val="accent1">
+                <a:shade val="50000"/>
+              </a:schemeClr>
+            </a:lnRef>
+            <a:fillRef idx="1">
+              <a:schemeClr val="accent1"/>
+            </a:fillRef>
+            <a:effectRef idx="0">
+              <a:schemeClr val="accent1"/>
+            </a:effectRef>
+            <a:fontRef idx="minor">
+              <a:schemeClr val="lt1"/>
+            </a:fontRef>
+          </p:style>
+          <p:txBody>
+            <a:bodyPr rtlCol="0" anchor="ctr"/>
+            <a:lstStyle/>
+            <a:p>
+              <a:r>
+                <a:rPr lang="zh-TW" altLang="en-US" dirty="0" smtClean="0">
+                  <a:solidFill>
+                    <a:schemeClr val="tx1"/>
+                  </a:solidFill>
+                </a:rPr>
+                <a:t>基底類別</a:t>
+              </a:r>
+              <a:endParaRPr lang="zh-TW" altLang="en-US" dirty="0">
+                <a:solidFill>
+                  <a:schemeClr val="tx1"/>
+                </a:solidFill>
+              </a:endParaRPr>
+            </a:p>
+          </p:txBody>
+        </p:sp>
+        <p:sp>
+          <p:nvSpPr>
+            <p:cNvPr id="4" name="矩形 3"/>
+            <p:cNvSpPr/>
+            <p:nvPr/>
+          </p:nvSpPr>
+          <p:spPr>
+            <a:xfrm>
+              <a:off x="4608576" y="2746503"/>
+              <a:ext cx="2532888" cy="539496"/>
+            </a:xfrm>
+            <a:prstGeom prst="rect">
+              <a:avLst/>
+            </a:prstGeom>
+            <a:solidFill>
+              <a:schemeClr val="bg1"/>
+            </a:solidFill>
+            <a:ln>
+              <a:solidFill>
+                <a:schemeClr val="tx1"/>
+              </a:solidFill>
+            </a:ln>
+          </p:spPr>
+          <p:style>
+            <a:lnRef idx="2">
+              <a:schemeClr val="accent1">
+                <a:shade val="50000"/>
+              </a:schemeClr>
+            </a:lnRef>
+            <a:fillRef idx="1">
+              <a:schemeClr val="accent1"/>
+            </a:fillRef>
+            <a:effectRef idx="0">
+              <a:schemeClr val="accent1"/>
+            </a:effectRef>
+            <a:fontRef idx="minor">
+              <a:schemeClr val="lt1"/>
+            </a:fontRef>
+          </p:style>
+          <p:txBody>
+            <a:bodyPr rtlCol="0" anchor="ctr"/>
+            <a:lstStyle/>
+            <a:p>
+              <a:r>
+                <a:rPr lang="zh-TW" altLang="en-US" dirty="0" smtClean="0">
+                  <a:solidFill>
+                    <a:schemeClr val="tx1"/>
+                  </a:solidFill>
+                </a:rPr>
+                <a:t>衍生類別</a:t>
+              </a:r>
+              <a:endParaRPr lang="zh-TW" altLang="en-US" dirty="0">
+                <a:solidFill>
+                  <a:schemeClr val="tx1"/>
+                </a:solidFill>
+              </a:endParaRPr>
+            </a:p>
+          </p:txBody>
+        </p:sp>
+        <p:sp>
+          <p:nvSpPr>
+            <p:cNvPr id="5" name="矩形 4"/>
+            <p:cNvSpPr/>
+            <p:nvPr/>
+          </p:nvSpPr>
+          <p:spPr>
+            <a:xfrm>
+              <a:off x="6181343" y="1420940"/>
+              <a:ext cx="416053" cy="539496"/>
+            </a:xfrm>
+            <a:prstGeom prst="rect">
+              <a:avLst/>
+            </a:prstGeom>
+          </p:spPr>
+          <p:style>
+            <a:lnRef idx="2">
+              <a:schemeClr val="accent1">
+                <a:shade val="50000"/>
+              </a:schemeClr>
+            </a:lnRef>
+            <a:fillRef idx="1">
+              <a:schemeClr val="accent1"/>
+            </a:fillRef>
+            <a:effectRef idx="0">
+              <a:schemeClr val="accent1"/>
+            </a:effectRef>
+            <a:fontRef idx="minor">
+              <a:schemeClr val="lt1"/>
+            </a:fontRef>
+          </p:style>
+          <p:txBody>
+            <a:bodyPr rtlCol="0" anchor="ctr"/>
+            <a:lstStyle/>
+            <a:p>
+              <a:pPr algn="ctr"/>
+              <a:endParaRPr lang="zh-TW" altLang="en-US"/>
+            </a:p>
+          </p:txBody>
+        </p:sp>
+        <p:sp>
+          <p:nvSpPr>
+            <p:cNvPr id="6" name="矩形 5"/>
+            <p:cNvSpPr/>
+            <p:nvPr/>
+          </p:nvSpPr>
+          <p:spPr>
+            <a:xfrm>
+              <a:off x="6181344" y="2746503"/>
+              <a:ext cx="260605" cy="539496"/>
+            </a:xfrm>
+            <a:prstGeom prst="rect">
+              <a:avLst/>
+            </a:prstGeom>
+            <a:solidFill>
+              <a:srgbClr val="FF0000"/>
+            </a:solidFill>
+          </p:spPr>
+          <p:style>
+            <a:lnRef idx="2">
+              <a:schemeClr val="accent1">
+                <a:shade val="50000"/>
+              </a:schemeClr>
+            </a:lnRef>
+            <a:fillRef idx="1">
+              <a:schemeClr val="accent1"/>
+            </a:fillRef>
+            <a:effectRef idx="0">
+              <a:schemeClr val="accent1"/>
+            </a:effectRef>
+            <a:fontRef idx="minor">
+              <a:schemeClr val="lt1"/>
+            </a:fontRef>
+          </p:style>
+          <p:txBody>
+            <a:bodyPr rtlCol="0" anchor="ctr"/>
+            <a:lstStyle/>
+            <a:p>
+              <a:pPr algn="ctr"/>
+              <a:endParaRPr lang="zh-TW" altLang="en-US"/>
+            </a:p>
+          </p:txBody>
+        </p:sp>
+        <p:cxnSp>
+          <p:nvCxnSpPr>
+            <p:cNvPr id="8" name="直線單箭頭接點 7"/>
+            <p:cNvCxnSpPr>
+              <a:stCxn id="3" idx="2"/>
+            </p:cNvCxnSpPr>
+            <p:nvPr/>
+          </p:nvCxnSpPr>
+          <p:spPr>
+            <a:xfrm flipH="1">
+              <a:off x="5760720" y="1960436"/>
+              <a:ext cx="4572" cy="786067"/>
+            </a:xfrm>
+            <a:prstGeom prst="straightConnector1">
+              <a:avLst/>
+            </a:prstGeom>
+            <a:ln>
+              <a:solidFill>
+                <a:schemeClr val="tx1"/>
+              </a:solidFill>
+              <a:tailEnd type="triangle"/>
+            </a:ln>
+          </p:spPr>
+          <p:style>
+            <a:lnRef idx="1">
+              <a:schemeClr val="accent1"/>
+            </a:lnRef>
+            <a:fillRef idx="0">
+              <a:schemeClr val="accent1"/>
+            </a:fillRef>
+            <a:effectRef idx="0">
+              <a:schemeClr val="accent1"/>
+            </a:effectRef>
+            <a:fontRef idx="minor">
+              <a:schemeClr val="tx1"/>
+            </a:fontRef>
+          </p:style>
+        </p:cxnSp>
+        <p:cxnSp>
+          <p:nvCxnSpPr>
+            <p:cNvPr id="12" name="直線接點 11"/>
+            <p:cNvCxnSpPr/>
+            <p:nvPr/>
+          </p:nvCxnSpPr>
+          <p:spPr>
+            <a:xfrm>
+              <a:off x="6181344" y="1960436"/>
+              <a:ext cx="0" cy="786067"/>
+            </a:xfrm>
+            <a:prstGeom prst="line">
+              <a:avLst/>
+            </a:prstGeom>
+            <a:ln w="19050">
+              <a:solidFill>
+                <a:srgbClr val="FF0000"/>
+              </a:solidFill>
+              <a:prstDash val="dash"/>
+            </a:ln>
+          </p:spPr>
+          <p:style>
+            <a:lnRef idx="1">
+              <a:schemeClr val="accent1"/>
+            </a:lnRef>
+            <a:fillRef idx="0">
+              <a:schemeClr val="accent1"/>
+            </a:fillRef>
+            <a:effectRef idx="0">
+              <a:schemeClr val="accent1"/>
+            </a:effectRef>
+            <a:fontRef idx="minor">
+              <a:schemeClr val="tx1"/>
+            </a:fontRef>
+          </p:style>
+        </p:cxnSp>
+        <p:cxnSp>
+          <p:nvCxnSpPr>
+            <p:cNvPr id="13" name="直線接點 12"/>
+            <p:cNvCxnSpPr/>
+            <p:nvPr/>
+          </p:nvCxnSpPr>
+          <p:spPr>
+            <a:xfrm flipH="1">
+              <a:off x="6425946" y="1960436"/>
+              <a:ext cx="171450" cy="786067"/>
+            </a:xfrm>
+            <a:prstGeom prst="line">
+              <a:avLst/>
+            </a:prstGeom>
+            <a:ln w="19050">
+              <a:solidFill>
+                <a:srgbClr val="FF0000"/>
+              </a:solidFill>
+              <a:prstDash val="dash"/>
+            </a:ln>
+          </p:spPr>
+          <p:style>
+            <a:lnRef idx="1">
+              <a:schemeClr val="accent1"/>
+            </a:lnRef>
+            <a:fillRef idx="0">
+              <a:schemeClr val="accent1"/>
+            </a:fillRef>
+            <a:effectRef idx="0">
+              <a:schemeClr val="accent1"/>
+            </a:effectRef>
+            <a:fontRef idx="minor">
+              <a:schemeClr val="tx1"/>
+            </a:fontRef>
+          </p:style>
+        </p:cxnSp>
+        <p:sp>
+          <p:nvSpPr>
+            <p:cNvPr id="16" name="矩形 15"/>
+            <p:cNvSpPr/>
+            <p:nvPr/>
+          </p:nvSpPr>
+          <p:spPr>
+            <a:xfrm>
+              <a:off x="4608576" y="4072066"/>
+              <a:ext cx="2539745" cy="539496"/>
+            </a:xfrm>
+            <a:prstGeom prst="rect">
+              <a:avLst/>
+            </a:prstGeom>
+            <a:solidFill>
+              <a:schemeClr val="bg1"/>
+            </a:solidFill>
+            <a:ln>
+              <a:solidFill>
+                <a:schemeClr val="tx1"/>
+              </a:solidFill>
+            </a:ln>
+          </p:spPr>
+          <p:style>
+            <a:lnRef idx="2">
+              <a:schemeClr val="accent1">
+                <a:shade val="50000"/>
+              </a:schemeClr>
+            </a:lnRef>
+            <a:fillRef idx="1">
+              <a:schemeClr val="accent1"/>
+            </a:fillRef>
+            <a:effectRef idx="0">
+              <a:schemeClr val="accent1"/>
+            </a:effectRef>
+            <a:fontRef idx="minor">
+              <a:schemeClr val="lt1"/>
+            </a:fontRef>
+          </p:style>
+          <p:txBody>
+            <a:bodyPr rtlCol="0" anchor="ctr"/>
+            <a:lstStyle/>
+            <a:p>
+              <a:r>
+                <a:rPr lang="zh-TW" altLang="en-US" dirty="0" smtClean="0">
+                  <a:solidFill>
+                    <a:schemeClr val="tx1"/>
+                  </a:solidFill>
+                </a:rPr>
+                <a:t>衍生類別</a:t>
+              </a:r>
+              <a:endParaRPr lang="zh-TW" altLang="en-US" dirty="0">
+                <a:solidFill>
+                  <a:schemeClr val="tx1"/>
+                </a:solidFill>
+              </a:endParaRPr>
+            </a:p>
+          </p:txBody>
+        </p:sp>
+        <p:cxnSp>
+          <p:nvCxnSpPr>
+            <p:cNvPr id="18" name="直線單箭頭接點 17"/>
+            <p:cNvCxnSpPr/>
+            <p:nvPr/>
+          </p:nvCxnSpPr>
+          <p:spPr>
+            <a:xfrm flipH="1">
+              <a:off x="5760720" y="3285999"/>
+              <a:ext cx="4572" cy="786067"/>
+            </a:xfrm>
+            <a:prstGeom prst="straightConnector1">
+              <a:avLst/>
+            </a:prstGeom>
+            <a:ln>
+              <a:solidFill>
+                <a:schemeClr val="tx1"/>
+              </a:solidFill>
+              <a:tailEnd type="triangle"/>
+            </a:ln>
+          </p:spPr>
+          <p:style>
+            <a:lnRef idx="1">
+              <a:schemeClr val="accent1"/>
+            </a:lnRef>
+            <a:fillRef idx="0">
+              <a:schemeClr val="accent1"/>
+            </a:fillRef>
+            <a:effectRef idx="0">
+              <a:schemeClr val="accent1"/>
+            </a:effectRef>
+            <a:fontRef idx="minor">
+              <a:schemeClr val="tx1"/>
+            </a:fontRef>
+          </p:style>
+        </p:cxnSp>
+        <p:sp>
+          <p:nvSpPr>
+            <p:cNvPr id="24" name="矩形 23"/>
+            <p:cNvSpPr/>
+            <p:nvPr/>
+          </p:nvSpPr>
+          <p:spPr>
+            <a:xfrm>
+              <a:off x="7148321" y="2746503"/>
+              <a:ext cx="201168" cy="539496"/>
+            </a:xfrm>
+            <a:prstGeom prst="rect">
+              <a:avLst/>
+            </a:prstGeom>
+            <a:solidFill>
+              <a:srgbClr val="FFFF00"/>
+            </a:solidFill>
+          </p:spPr>
+          <p:style>
+            <a:lnRef idx="2">
+              <a:schemeClr val="accent1">
+                <a:shade val="50000"/>
+              </a:schemeClr>
+            </a:lnRef>
+            <a:fillRef idx="1">
+              <a:schemeClr val="accent1"/>
+            </a:fillRef>
+            <a:effectRef idx="0">
+              <a:schemeClr val="accent1"/>
+            </a:effectRef>
+            <a:fontRef idx="minor">
+              <a:schemeClr val="lt1"/>
+            </a:fontRef>
+          </p:style>
+          <p:txBody>
+            <a:bodyPr rtlCol="0" anchor="ctr"/>
+            <a:lstStyle/>
+            <a:p>
+              <a:pPr algn="ctr"/>
+              <a:endParaRPr lang="zh-TW" altLang="en-US"/>
+            </a:p>
+          </p:txBody>
+        </p:sp>
+        <p:sp>
+          <p:nvSpPr>
+            <p:cNvPr id="28" name="矩形 27"/>
+            <p:cNvSpPr/>
+            <p:nvPr/>
+          </p:nvSpPr>
+          <p:spPr>
+            <a:xfrm>
+              <a:off x="6183630" y="4072066"/>
+              <a:ext cx="260605" cy="539496"/>
+            </a:xfrm>
+            <a:prstGeom prst="rect">
+              <a:avLst/>
+            </a:prstGeom>
+            <a:solidFill>
+              <a:srgbClr val="FF0000"/>
+            </a:solidFill>
+          </p:spPr>
+          <p:style>
+            <a:lnRef idx="2">
+              <a:schemeClr val="accent1">
+                <a:shade val="50000"/>
+              </a:schemeClr>
+            </a:lnRef>
+            <a:fillRef idx="1">
+              <a:schemeClr val="accent1"/>
+            </a:fillRef>
+            <a:effectRef idx="0">
+              <a:schemeClr val="accent1"/>
+            </a:effectRef>
+            <a:fontRef idx="minor">
+              <a:schemeClr val="lt1"/>
+            </a:fontRef>
+          </p:style>
+          <p:txBody>
+            <a:bodyPr rtlCol="0" anchor="ctr"/>
+            <a:lstStyle/>
+            <a:p>
+              <a:pPr algn="ctr"/>
+              <a:endParaRPr lang="zh-TW" altLang="en-US"/>
+            </a:p>
+          </p:txBody>
+        </p:sp>
+        <p:sp>
+          <p:nvSpPr>
+            <p:cNvPr id="29" name="文字方塊 28"/>
+            <p:cNvSpPr txBox="1"/>
+            <p:nvPr/>
+          </p:nvSpPr>
+          <p:spPr>
+            <a:xfrm>
+              <a:off x="7162036" y="4157148"/>
+              <a:ext cx="304892" cy="369332"/>
+            </a:xfrm>
+            <a:prstGeom prst="rect">
+              <a:avLst/>
+            </a:prstGeom>
+            <a:noFill/>
+          </p:spPr>
+          <p:txBody>
+            <a:bodyPr wrap="none" rtlCol="0">
+              <a:spAutoFit/>
+            </a:bodyPr>
+            <a:lstStyle/>
+            <a:p>
+              <a:r>
+                <a:rPr lang="en-US" altLang="zh-TW" dirty="0" smtClean="0"/>
+                <a:t>X</a:t>
+              </a:r>
+              <a:endParaRPr lang="zh-TW" altLang="en-US" dirty="0"/>
+            </a:p>
+          </p:txBody>
+        </p:sp>
+        <p:cxnSp>
+          <p:nvCxnSpPr>
+            <p:cNvPr id="30" name="直線接點 29"/>
+            <p:cNvCxnSpPr/>
+            <p:nvPr/>
+          </p:nvCxnSpPr>
+          <p:spPr>
+            <a:xfrm>
+              <a:off x="7114793" y="3285999"/>
+              <a:ext cx="26671" cy="786067"/>
+            </a:xfrm>
+            <a:prstGeom prst="line">
+              <a:avLst/>
+            </a:prstGeom>
+            <a:ln w="19050">
+              <a:solidFill>
+                <a:srgbClr val="FF0000"/>
+              </a:solidFill>
+              <a:prstDash val="dash"/>
+            </a:ln>
+          </p:spPr>
+          <p:style>
+            <a:lnRef idx="1">
+              <a:schemeClr val="accent1"/>
+            </a:lnRef>
+            <a:fillRef idx="0">
+              <a:schemeClr val="accent1"/>
+            </a:fillRef>
+            <a:effectRef idx="0">
+              <a:schemeClr val="accent1"/>
+            </a:effectRef>
+            <a:fontRef idx="minor">
+              <a:schemeClr val="tx1"/>
+            </a:fontRef>
+          </p:style>
+        </p:cxnSp>
+      </p:grpSp>
+    </p:spTree>
+    <p:extLst>
+      <p:ext uri="{BB962C8B-B14F-4D97-AF65-F5344CB8AC3E}">
+        <p14:creationId xmlns:p14="http://schemas.microsoft.com/office/powerpoint/2010/main" val="379633434"/>
+      </p:ext>
+    </p:extLst>
+  </p:cSld>
+  <p:clrMapOvr>
+    <a:masterClrMapping/>
+  </p:clrMapOvr>
+  <p:timing>
+    <p:tnLst>
+      <p:par>
+        <p:cTn id="1" dur="indefinite" restart="never" nodeType="tmRoot"/>
+      </p:par>
+    </p:tnLst>
+  </p:timing>
+</p:sld>
+</file>
+
+<file path=ppt/slides/slide39.xml><?xml version="1.0" encoding="utf-8"?>
+<p:sld xmlns:a="http://schemas.openxmlformats.org/drawingml/2006/main" xmlns:r="http://schemas.openxmlformats.org/officeDocument/2006/relationships" xmlns:p="http://schemas.openxmlformats.org/presentationml/2006/main">
+  <p:cSld>
+    <p:spTree>
+      <p:nvGrpSpPr>
+        <p:cNvPr id="1" name=""/>
+        <p:cNvGrpSpPr/>
+        <p:nvPr/>
+      </p:nvGrpSpPr>
+      <p:grpSpPr>
+        <a:xfrm>
+          <a:off x="0" y="0"/>
+          <a:ext cx="0" cy="0"/>
+          <a:chOff x="0" y="0"/>
+          <a:chExt cx="0" cy="0"/>
+        </a:xfrm>
+      </p:grpSpPr>
+      <p:sp>
+        <p:nvSpPr>
+          <p:cNvPr id="2" name="標題 1"/>
+          <p:cNvSpPr>
+            <a:spLocks noGrp="1"/>
+          </p:cNvSpPr>
+          <p:nvPr>
+            <p:ph type="title"/>
+          </p:nvPr>
+        </p:nvSpPr>
+        <p:spPr/>
+        <p:txBody>
+          <a:bodyPr/>
+          <a:lstStyle/>
+          <a:p>
+            <a:r>
+              <a:rPr lang="en-US" altLang="zh-TW" dirty="0" smtClean="0"/>
+              <a:t>Java</a:t>
+            </a:r>
+            <a:r>
+              <a:rPr lang="zh-TW" altLang="en-US" dirty="0" smtClean="0"/>
+              <a:t>中繼承的語法</a:t>
+            </a:r>
+            <a:r>
+              <a:rPr lang="en-US" altLang="zh-TW" dirty="0" smtClean="0"/>
+              <a:t/>
+            </a:r>
+            <a:br>
+              <a:rPr lang="en-US" altLang="zh-TW" dirty="0" smtClean="0"/>
+            </a:br>
+            <a:r>
+              <a:rPr lang="en-US" altLang="zh-TW" dirty="0"/>
+              <a:t>	</a:t>
+            </a:r>
+            <a:r>
+              <a:rPr lang="en-US" altLang="zh-TW" dirty="0" smtClean="0"/>
+              <a:t>--</a:t>
+            </a:r>
+            <a:r>
+              <a:rPr lang="zh-TW" altLang="en-US" dirty="0" smtClean="0"/>
+              <a:t>完整的類別宣告架構</a:t>
+            </a:r>
+            <a:endParaRPr lang="zh-TW" altLang="en-US" dirty="0"/>
+          </a:p>
+        </p:txBody>
+      </p:sp>
+      <p:sp>
+        <p:nvSpPr>
+          <p:cNvPr id="3" name="內容版面配置區 2"/>
+          <p:cNvSpPr>
+            <a:spLocks noGrp="1"/>
+          </p:cNvSpPr>
+          <p:nvPr>
+            <p:ph idx="1"/>
+          </p:nvPr>
+        </p:nvSpPr>
+        <p:spPr>
+          <a:xfrm>
+            <a:off x="1344846" y="1847088"/>
+            <a:ext cx="8164914" cy="4681728"/>
+          </a:xfrm>
+        </p:spPr>
+        <p:txBody>
+          <a:bodyPr>
+            <a:normAutofit/>
+          </a:bodyPr>
+          <a:lstStyle/>
+          <a:p>
+            <a:pPr marL="0" indent="0">
+              <a:buNone/>
+            </a:pPr>
+            <a:r>
+              <a:rPr lang="en-US" altLang="zh-TW" dirty="0"/>
+              <a:t>[</a:t>
+            </a:r>
+            <a:r>
+              <a:rPr lang="zh-TW" altLang="en-US" dirty="0"/>
+              <a:t>封裝等級</a:t>
+            </a:r>
+            <a:r>
+              <a:rPr lang="en-US" altLang="zh-TW" dirty="0"/>
+              <a:t>] [</a:t>
+            </a:r>
+            <a:r>
+              <a:rPr lang="zh-TW" altLang="en-US" dirty="0"/>
+              <a:t>修飾字</a:t>
+            </a:r>
+            <a:r>
+              <a:rPr lang="en-US" altLang="zh-TW" dirty="0"/>
+              <a:t>]  class  </a:t>
+            </a:r>
+            <a:r>
+              <a:rPr lang="zh-TW" altLang="en-US" dirty="0"/>
+              <a:t>類別名稱   </a:t>
+            </a:r>
+            <a:r>
+              <a:rPr lang="en-US" altLang="zh-TW" dirty="0"/>
+              <a:t>[</a:t>
+            </a:r>
+            <a:r>
+              <a:rPr lang="en-US" altLang="zh-TW" dirty="0">
+                <a:solidFill>
+                  <a:schemeClr val="accent5"/>
+                </a:solidFill>
+              </a:rPr>
+              <a:t>extends</a:t>
+            </a:r>
+            <a:r>
+              <a:rPr lang="en-US" altLang="zh-TW" dirty="0"/>
+              <a:t> </a:t>
+            </a:r>
+            <a:r>
+              <a:rPr lang="zh-TW" altLang="en-US" dirty="0"/>
+              <a:t>父類別</a:t>
+            </a:r>
+            <a:r>
+              <a:rPr lang="en-US" altLang="zh-TW" dirty="0"/>
+              <a:t>] [</a:t>
+            </a:r>
+            <a:r>
+              <a:rPr lang="en-US" altLang="zh-TW" dirty="0">
+                <a:solidFill>
+                  <a:schemeClr val="accent5"/>
+                </a:solidFill>
+              </a:rPr>
+              <a:t>implements</a:t>
+            </a:r>
+            <a:r>
+              <a:rPr lang="zh-TW" altLang="en-US" dirty="0"/>
+              <a:t>介面</a:t>
+            </a:r>
+            <a:r>
+              <a:rPr lang="en-US" altLang="zh-TW" dirty="0" smtClean="0"/>
+              <a:t>]</a:t>
+            </a:r>
+            <a:r>
+              <a:rPr lang="zh-TW" altLang="en-US" dirty="0" smtClean="0"/>
+              <a:t>  </a:t>
+            </a:r>
+            <a:r>
+              <a:rPr lang="en-US" altLang="zh-TW" dirty="0" smtClean="0"/>
+              <a:t>{</a:t>
+            </a:r>
+            <a:r>
+              <a:rPr lang="zh-TW" altLang="en-US" dirty="0" smtClean="0"/>
+              <a:t> </a:t>
+            </a:r>
+            <a:endParaRPr lang="en-US" altLang="zh-TW" dirty="0"/>
+          </a:p>
+          <a:p>
+            <a:pPr marL="0" indent="0">
+              <a:buNone/>
+            </a:pPr>
+            <a:r>
+              <a:rPr lang="en-US" altLang="zh-TW" dirty="0"/>
+              <a:t>    [</a:t>
+            </a:r>
+            <a:r>
+              <a:rPr lang="zh-TW" altLang="en-US" dirty="0"/>
+              <a:t>封裝等級</a:t>
+            </a:r>
+            <a:r>
+              <a:rPr lang="en-US" altLang="zh-TW" dirty="0"/>
+              <a:t>] [</a:t>
+            </a:r>
+            <a:r>
+              <a:rPr lang="zh-TW" altLang="en-US" dirty="0"/>
+              <a:t>修飾字</a:t>
+            </a:r>
+            <a:r>
+              <a:rPr lang="en-US" altLang="zh-TW" dirty="0"/>
+              <a:t>]   </a:t>
+            </a:r>
+            <a:r>
+              <a:rPr lang="zh-TW" altLang="en-US" dirty="0"/>
+              <a:t>資料型態   </a:t>
+            </a:r>
+            <a:r>
+              <a:rPr lang="en-US" altLang="zh-TW" dirty="0">
+                <a:solidFill>
+                  <a:srgbClr val="00B0F0"/>
+                </a:solidFill>
+              </a:rPr>
+              <a:t>field</a:t>
+            </a:r>
+            <a:r>
+              <a:rPr lang="zh-TW" altLang="en-US" dirty="0">
+                <a:solidFill>
+                  <a:srgbClr val="00B0F0"/>
+                </a:solidFill>
+              </a:rPr>
+              <a:t>名稱</a:t>
+            </a:r>
+            <a:r>
+              <a:rPr lang="en-US" altLang="zh-TW" dirty="0">
+                <a:solidFill>
+                  <a:srgbClr val="00B0F0"/>
+                </a:solidFill>
+              </a:rPr>
+              <a:t>1</a:t>
+            </a:r>
+            <a:r>
+              <a:rPr lang="en-US" altLang="zh-TW" dirty="0"/>
+              <a:t>; </a:t>
+            </a:r>
+          </a:p>
+          <a:p>
+            <a:pPr marL="0" indent="0">
+              <a:buNone/>
+            </a:pPr>
+            <a:r>
+              <a:rPr lang="en-US" altLang="zh-TW" dirty="0"/>
+              <a:t>    [</a:t>
+            </a:r>
+            <a:r>
+              <a:rPr lang="zh-TW" altLang="en-US" dirty="0"/>
+              <a:t>封裝等級</a:t>
+            </a:r>
+            <a:r>
+              <a:rPr lang="en-US" altLang="zh-TW" dirty="0"/>
+              <a:t>] [</a:t>
+            </a:r>
+            <a:r>
+              <a:rPr lang="zh-TW" altLang="en-US" dirty="0"/>
+              <a:t>修飾字</a:t>
+            </a:r>
+            <a:r>
+              <a:rPr lang="en-US" altLang="zh-TW" dirty="0"/>
+              <a:t>]   </a:t>
+            </a:r>
+            <a:r>
+              <a:rPr lang="zh-TW" altLang="en-US" dirty="0"/>
+              <a:t>資料型態   </a:t>
+            </a:r>
+            <a:r>
+              <a:rPr lang="en-US" altLang="zh-TW" dirty="0">
+                <a:solidFill>
+                  <a:srgbClr val="00B0F0"/>
+                </a:solidFill>
+              </a:rPr>
+              <a:t>field</a:t>
+            </a:r>
+            <a:r>
+              <a:rPr lang="zh-TW" altLang="en-US" dirty="0">
+                <a:solidFill>
+                  <a:srgbClr val="00B0F0"/>
+                </a:solidFill>
+              </a:rPr>
+              <a:t>名稱</a:t>
+            </a:r>
+            <a:r>
+              <a:rPr lang="en-US" altLang="zh-TW" dirty="0">
+                <a:solidFill>
+                  <a:srgbClr val="00B0F0"/>
+                </a:solidFill>
+              </a:rPr>
+              <a:t>2</a:t>
+            </a:r>
+            <a:r>
+              <a:rPr lang="en-US" altLang="zh-TW" dirty="0"/>
+              <a:t>; </a:t>
+            </a:r>
+            <a:endParaRPr lang="en-US" altLang="zh-TW" dirty="0" smtClean="0"/>
+          </a:p>
+          <a:p>
+            <a:pPr marL="0" indent="0">
+              <a:buNone/>
+            </a:pPr>
+            <a:endParaRPr lang="en-US" altLang="zh-TW" dirty="0"/>
+          </a:p>
+          <a:p>
+            <a:pPr marL="0" indent="0">
+              <a:buNone/>
+            </a:pPr>
+            <a:r>
+              <a:rPr lang="en-US" altLang="zh-TW" dirty="0" smtClean="0"/>
+              <a:t>    </a:t>
+            </a:r>
+            <a:r>
+              <a:rPr lang="en-US" altLang="zh-TW" dirty="0"/>
+              <a:t>[</a:t>
+            </a:r>
+            <a:r>
+              <a:rPr lang="zh-TW" altLang="en-US" dirty="0"/>
+              <a:t>封裝等級</a:t>
+            </a:r>
+            <a:r>
+              <a:rPr lang="en-US" altLang="zh-TW" dirty="0"/>
+              <a:t>] [</a:t>
+            </a:r>
+            <a:r>
+              <a:rPr lang="zh-TW" altLang="en-US" dirty="0"/>
+              <a:t>修飾字</a:t>
+            </a:r>
+            <a:r>
+              <a:rPr lang="en-US" altLang="zh-TW" dirty="0"/>
+              <a:t>]   </a:t>
+            </a:r>
+            <a:r>
+              <a:rPr lang="zh-TW" altLang="en-US" dirty="0"/>
+              <a:t>回傳值資料型態   </a:t>
+            </a:r>
+            <a:r>
+              <a:rPr lang="en-US" altLang="zh-TW" dirty="0">
+                <a:solidFill>
+                  <a:schemeClr val="accent5">
+                    <a:lumMod val="60000"/>
+                    <a:lumOff val="40000"/>
+                  </a:schemeClr>
+                </a:solidFill>
+              </a:rPr>
+              <a:t>method</a:t>
+            </a:r>
+            <a:r>
+              <a:rPr lang="zh-TW" altLang="en-US" dirty="0">
+                <a:solidFill>
+                  <a:schemeClr val="accent5">
+                    <a:lumMod val="60000"/>
+                    <a:lumOff val="40000"/>
+                  </a:schemeClr>
+                </a:solidFill>
+              </a:rPr>
+              <a:t>名稱</a:t>
+            </a:r>
+            <a:r>
+              <a:rPr lang="en-US" altLang="zh-TW" dirty="0">
+                <a:solidFill>
+                  <a:schemeClr val="accent5">
+                    <a:lumMod val="60000"/>
+                    <a:lumOff val="40000"/>
+                  </a:schemeClr>
+                </a:solidFill>
+              </a:rPr>
+              <a:t>1</a:t>
+            </a:r>
+            <a:r>
+              <a:rPr lang="en-US" altLang="zh-TW" dirty="0"/>
+              <a:t>(</a:t>
+            </a:r>
+            <a:r>
+              <a:rPr lang="zh-TW" altLang="en-US" dirty="0"/>
+              <a:t>參數串宣告</a:t>
+            </a:r>
+            <a:r>
+              <a:rPr lang="en-US" altLang="zh-TW" dirty="0"/>
+              <a:t>) </a:t>
+            </a:r>
+            <a:r>
+              <a:rPr lang="en-US" altLang="zh-TW" dirty="0" smtClean="0"/>
+              <a:t> </a:t>
+            </a:r>
+            <a:r>
+              <a:rPr lang="en-US" altLang="zh-TW" dirty="0"/>
+              <a:t>{</a:t>
+            </a:r>
+          </a:p>
+          <a:p>
+            <a:pPr marL="0" indent="0">
+              <a:buNone/>
+            </a:pPr>
+            <a:r>
+              <a:rPr lang="en-US" altLang="zh-TW" dirty="0"/>
+              <a:t>            method</a:t>
+            </a:r>
+            <a:r>
+              <a:rPr lang="zh-TW" altLang="en-US" dirty="0"/>
+              <a:t>的內容</a:t>
+            </a:r>
+          </a:p>
+          <a:p>
+            <a:pPr marL="0" indent="0">
+              <a:buNone/>
+            </a:pPr>
+            <a:r>
+              <a:rPr lang="zh-TW" altLang="en-US" dirty="0"/>
+              <a:t>    </a:t>
+            </a:r>
+            <a:r>
+              <a:rPr lang="en-US" altLang="zh-TW" dirty="0"/>
+              <a:t>}</a:t>
+            </a:r>
+          </a:p>
+          <a:p>
+            <a:pPr marL="0" indent="0">
+              <a:buNone/>
+            </a:pPr>
+            <a:r>
+              <a:rPr lang="en-US" altLang="zh-TW" dirty="0"/>
+              <a:t>    [</a:t>
+            </a:r>
+            <a:r>
+              <a:rPr lang="zh-TW" altLang="en-US" dirty="0"/>
+              <a:t>封裝等級</a:t>
+            </a:r>
+            <a:r>
+              <a:rPr lang="en-US" altLang="zh-TW" dirty="0"/>
+              <a:t>] [</a:t>
+            </a:r>
+            <a:r>
+              <a:rPr lang="zh-TW" altLang="en-US" dirty="0"/>
+              <a:t>修飾字</a:t>
+            </a:r>
+            <a:r>
+              <a:rPr lang="en-US" altLang="zh-TW" dirty="0"/>
+              <a:t>]   </a:t>
+            </a:r>
+            <a:r>
+              <a:rPr lang="zh-TW" altLang="en-US" dirty="0"/>
+              <a:t>回傳值資料型態   </a:t>
+            </a:r>
+            <a:r>
+              <a:rPr lang="en-US" altLang="zh-TW" dirty="0">
+                <a:solidFill>
+                  <a:schemeClr val="accent5">
+                    <a:lumMod val="60000"/>
+                    <a:lumOff val="40000"/>
+                  </a:schemeClr>
+                </a:solidFill>
+              </a:rPr>
+              <a:t>method</a:t>
+            </a:r>
+            <a:r>
+              <a:rPr lang="zh-TW" altLang="en-US" dirty="0">
+                <a:solidFill>
+                  <a:schemeClr val="accent5">
+                    <a:lumMod val="60000"/>
+                    <a:lumOff val="40000"/>
+                  </a:schemeClr>
+                </a:solidFill>
+              </a:rPr>
+              <a:t>名稱</a:t>
+            </a:r>
+            <a:r>
+              <a:rPr lang="en-US" altLang="zh-TW" dirty="0">
+                <a:solidFill>
+                  <a:schemeClr val="accent5">
+                    <a:lumMod val="60000"/>
+                    <a:lumOff val="40000"/>
+                  </a:schemeClr>
+                </a:solidFill>
+              </a:rPr>
+              <a:t>2</a:t>
+            </a:r>
+            <a:r>
+              <a:rPr lang="en-US" altLang="zh-TW" dirty="0"/>
+              <a:t>(</a:t>
+            </a:r>
+            <a:r>
+              <a:rPr lang="zh-TW" altLang="en-US" dirty="0"/>
+              <a:t>參數串宣告</a:t>
+            </a:r>
+            <a:r>
+              <a:rPr lang="en-US" altLang="zh-TW" dirty="0" smtClean="0"/>
+              <a:t>)</a:t>
+            </a:r>
+            <a:r>
+              <a:rPr lang="zh-TW" altLang="en-US" dirty="0" smtClean="0"/>
+              <a:t>  </a:t>
+            </a:r>
+            <a:r>
+              <a:rPr lang="en-US" altLang="zh-TW" dirty="0" smtClean="0"/>
+              <a:t>{</a:t>
+            </a:r>
+            <a:endParaRPr lang="en-US" altLang="zh-TW" dirty="0"/>
+          </a:p>
+          <a:p>
+            <a:pPr marL="0" indent="0">
+              <a:buNone/>
+            </a:pPr>
+            <a:r>
+              <a:rPr lang="en-US" altLang="zh-TW" dirty="0"/>
+              <a:t>            method</a:t>
+            </a:r>
+            <a:r>
+              <a:rPr lang="zh-TW" altLang="en-US" dirty="0"/>
+              <a:t>的內容</a:t>
+            </a:r>
+          </a:p>
+          <a:p>
+            <a:pPr marL="0" indent="0">
+              <a:buNone/>
+            </a:pPr>
+            <a:r>
+              <a:rPr lang="zh-TW" altLang="en-US" dirty="0"/>
+              <a:t>    </a:t>
+            </a:r>
+            <a:r>
+              <a:rPr lang="en-US" altLang="zh-TW" dirty="0" smtClean="0"/>
+              <a:t>} </a:t>
+            </a:r>
+            <a:endParaRPr lang="en-US" altLang="zh-TW" dirty="0"/>
+          </a:p>
+          <a:p>
+            <a:pPr marL="0" indent="0">
+              <a:buNone/>
+            </a:pPr>
+            <a:r>
+              <a:rPr lang="en-US" altLang="zh-TW" dirty="0"/>
+              <a:t>}</a:t>
+            </a:r>
+          </a:p>
+        </p:txBody>
+      </p:sp>
+    </p:spTree>
+    <p:extLst>
+      <p:ext uri="{BB962C8B-B14F-4D97-AF65-F5344CB8AC3E}">
+        <p14:creationId xmlns:p14="http://schemas.microsoft.com/office/powerpoint/2010/main" val="2783751800"/>
+      </p:ext>
+    </p:extLst>
+  </p:cSld>
+  <p:clrMapOvr>
+    <a:masterClrMapping/>
+  </p:clrMapOvr>
+  <p:timing>
+    <p:tnLst>
+      <p:par>
+        <p:cTn id="1" dur="indefinite" restart="never" nodeType="tmRoot"/>
+      </p:par>
+    </p:tnLst>
+  </p:timing>
+</p:sld>
+</file>
+
 <file path=ppt/slides/slide4.xml><?xml version="1.0" encoding="utf-8"?>
+<p:sld xmlns:a="http://schemas.openxmlformats.org/drawingml/2006/main" xmlns:r="http://schemas.openxmlformats.org/officeDocument/2006/relationships" xmlns:p="http://schemas.openxmlformats.org/presentationml/2006/main">
+  <p:cSld>
+    <p:spTree>
+      <p:nvGrpSpPr>
+        <p:cNvPr id="1" name=""/>
+        <p:cNvGrpSpPr/>
+        <p:nvPr/>
+      </p:nvGrpSpPr>
+      <p:grpSpPr>
+        <a:xfrm>
+          <a:off x="0" y="0"/>
+          <a:ext cx="0" cy="0"/>
+          <a:chOff x="0" y="0"/>
+          <a:chExt cx="0" cy="0"/>
+        </a:xfrm>
+      </p:grpSpPr>
+      <p:sp>
+        <p:nvSpPr>
+          <p:cNvPr id="2" name="標題 1"/>
+          <p:cNvSpPr>
+            <a:spLocks noGrp="1"/>
+          </p:cNvSpPr>
+          <p:nvPr>
+            <p:ph type="title"/>
+          </p:nvPr>
+        </p:nvSpPr>
+        <p:spPr/>
+        <p:txBody>
+          <a:bodyPr/>
+          <a:lstStyle/>
+          <a:p>
+            <a:r>
+              <a:rPr lang="zh-TW" altLang="en-US" dirty="0" smtClean="0"/>
+              <a:t>物件導向三大特性</a:t>
+            </a:r>
+            <a:endParaRPr lang="zh-TW" altLang="en-US" dirty="0"/>
+          </a:p>
+        </p:txBody>
+      </p:sp>
+      <p:sp>
+        <p:nvSpPr>
+          <p:cNvPr id="3" name="內容版面配置區 2"/>
+          <p:cNvSpPr>
+            <a:spLocks noGrp="1"/>
+          </p:cNvSpPr>
+          <p:nvPr>
+            <p:ph idx="1"/>
+          </p:nvPr>
+        </p:nvSpPr>
+        <p:spPr/>
+        <p:txBody>
+          <a:bodyPr/>
+          <a:lstStyle/>
+          <a:p>
+            <a:r>
+              <a:rPr lang="zh-TW" altLang="en-US" dirty="0" smtClean="0"/>
+              <a:t>封裝性</a:t>
+            </a:r>
+            <a:endParaRPr lang="en-US" altLang="zh-TW" dirty="0" smtClean="0"/>
+          </a:p>
+          <a:p>
+            <a:pPr lvl="1"/>
+            <a:r>
+              <a:rPr lang="zh-TW" altLang="en-US" dirty="0" smtClean="0"/>
+              <a:t>分層級</a:t>
+            </a:r>
+            <a:r>
+              <a:rPr lang="zh-TW" altLang="en-US" dirty="0"/>
+              <a:t>：</a:t>
+            </a:r>
+            <a:r>
+              <a:rPr lang="en-US" altLang="zh-TW" dirty="0" smtClean="0"/>
+              <a:t>p</a:t>
+            </a:r>
+            <a:r>
+              <a:rPr lang="en-US" altLang="zh-TW" dirty="0" smtClean="0"/>
+              <a:t>ublic</a:t>
+            </a:r>
+            <a:r>
+              <a:rPr lang="en-US" altLang="zh-TW" dirty="0" smtClean="0"/>
+              <a:t>, protected, private</a:t>
+            </a:r>
+          </a:p>
+          <a:p>
+            <a:r>
+              <a:rPr lang="zh-TW" altLang="en-US" dirty="0" smtClean="0"/>
+              <a:t>繼承性</a:t>
+            </a:r>
+            <a:endParaRPr lang="en-US" altLang="zh-TW" dirty="0" smtClean="0"/>
+          </a:p>
+          <a:p>
+            <a:pPr lvl="1"/>
+            <a:r>
+              <a:rPr lang="zh-TW" altLang="en-US" dirty="0" smtClean="0"/>
+              <a:t>透過季層可以達到：增加</a:t>
+            </a:r>
+            <a:r>
+              <a:rPr lang="zh-TW" altLang="en-US" dirty="0"/>
+              <a:t>、限縮、改變</a:t>
+            </a:r>
+            <a:endParaRPr lang="en-US" altLang="zh-TW" dirty="0" smtClean="0"/>
+          </a:p>
+          <a:p>
+            <a:r>
+              <a:rPr lang="zh-TW" altLang="en-US" dirty="0"/>
+              <a:t>多形</a:t>
+            </a:r>
+            <a:r>
+              <a:rPr lang="zh-TW" altLang="en-US" dirty="0" smtClean="0"/>
+              <a:t>性</a:t>
+            </a:r>
+            <a:endParaRPr lang="en-US" altLang="zh-TW" dirty="0" smtClean="0"/>
+          </a:p>
+          <a:p>
+            <a:pPr lvl="1"/>
+            <a:r>
+              <a:rPr lang="en-US" altLang="zh-TW" dirty="0" smtClean="0"/>
+              <a:t>Overriding(</a:t>
+            </a:r>
+            <a:r>
+              <a:rPr lang="zh-TW" altLang="en-US" dirty="0" smtClean="0"/>
+              <a:t>覆載</a:t>
+            </a:r>
+            <a:r>
+              <a:rPr lang="en-US" altLang="zh-TW" dirty="0" smtClean="0"/>
+              <a:t>)</a:t>
+            </a:r>
+          </a:p>
+          <a:p>
+            <a:pPr lvl="1"/>
+            <a:r>
+              <a:rPr lang="en-US" altLang="zh-TW" dirty="0" smtClean="0"/>
+              <a:t>Overloading(</a:t>
+            </a:r>
+            <a:r>
+              <a:rPr lang="zh-TW" altLang="en-US" dirty="0" smtClean="0"/>
+              <a:t>多載</a:t>
+            </a:r>
+            <a:r>
+              <a:rPr lang="en-US" altLang="zh-TW" dirty="0" smtClean="0"/>
+              <a:t>)</a:t>
+            </a:r>
+          </a:p>
+          <a:p>
+            <a:pPr lvl="1"/>
+            <a:endParaRPr lang="zh-TW" altLang="en-US" dirty="0"/>
+          </a:p>
+        </p:txBody>
+      </p:sp>
+      <p:sp>
+        <p:nvSpPr>
+          <p:cNvPr id="4" name="文字方塊 3"/>
+          <p:cNvSpPr txBox="1"/>
+          <p:nvPr/>
+        </p:nvSpPr>
+        <p:spPr>
+          <a:xfrm>
+            <a:off x="677334" y="5257800"/>
+            <a:ext cx="5519460" cy="584775"/>
+          </a:xfrm>
+          <a:prstGeom prst="rect">
+            <a:avLst/>
+          </a:prstGeom>
+          <a:noFill/>
+        </p:spPr>
+        <p:txBody>
+          <a:bodyPr wrap="none" rtlCol="0">
+            <a:spAutoFit/>
+          </a:bodyPr>
+          <a:lstStyle/>
+          <a:p>
+            <a:r>
+              <a:rPr lang="zh-TW" altLang="en-US" sz="3200" b="1" dirty="0" smtClean="0">
+                <a:solidFill>
+                  <a:srgbClr val="FF0000"/>
+                </a:solidFill>
+              </a:rPr>
+              <a:t>我們將從封裝開始學物件導向</a:t>
+            </a:r>
+            <a:endParaRPr lang="zh-TW" altLang="en-US" sz="3200" b="1" dirty="0">
+              <a:solidFill>
+                <a:srgbClr val="FF0000"/>
+              </a:solidFill>
+            </a:endParaRPr>
+          </a:p>
+        </p:txBody>
+      </p:sp>
+    </p:spTree>
+    <p:extLst>
+      <p:ext uri="{BB962C8B-B14F-4D97-AF65-F5344CB8AC3E}">
+        <p14:creationId xmlns:p14="http://schemas.microsoft.com/office/powerpoint/2010/main" val="2430110158"/>
+      </p:ext>
+    </p:extLst>
+  </p:cSld>
+  <p:clrMapOvr>
+    <a:masterClrMapping/>
+  </p:clrMapOvr>
+  <p:timing>
+    <p:tnLst>
+      <p:par>
+        <p:cTn id="1" dur="indefinite" restart="never" nodeType="tmRoot">
+          <p:childTnLst>
+            <p:seq concurrent="1" nextAc="seek">
+              <p:cTn id="2" dur="indefinite" nodeType="mainSeq">
+                <p:childTnLst>
+                  <p:par>
+                    <p:cTn id="3" fill="hold">
+                      <p:stCondLst>
+                        <p:cond delay="indefinite"/>
+                      </p:stCondLst>
+                      <p:childTnLst>
+                        <p:par>
+                          <p:cTn id="4" fill="hold">
+                            <p:stCondLst>
+                              <p:cond delay="0"/>
+                            </p:stCondLst>
+                            <p:childTnLst>
+                              <p:par>
+                                <p:cTn id="5" presetID="1" presetClass="entr" presetSubtype="0" fill="hold" grpId="0" nodeType="clickEffect">
+                                  <p:stCondLst>
+                                    <p:cond delay="0"/>
+                                  </p:stCondLst>
+                                  <p:childTnLst>
+                                    <p:set>
+                                      <p:cBhvr>
+                                        <p:cTn id="6" dur="1" fill="hold">
+                                          <p:stCondLst>
+                                            <p:cond delay="0"/>
+                                          </p:stCondLst>
+                                        </p:cTn>
+                                        <p:tgtEl>
+                                          <p:spTgt spid="4"/>
+                                        </p:tgtEl>
+                                        <p:attrNameLst>
+                                          <p:attrName>style.visibility</p:attrName>
+                                        </p:attrNameLst>
+                                      </p:cBhvr>
+                                      <p:to>
+                                        <p:strVal val="visible"/>
+                                      </p:to>
+                                    </p:set>
+                                  </p:childTnLst>
+                                </p:cTn>
+                              </p:par>
+                            </p:childTnLst>
+                          </p:cTn>
+                        </p:par>
+                      </p:childTnLst>
+                    </p:cTn>
+                  </p:par>
+                </p:childTnLst>
+              </p:cTn>
+              <p:prevCondLst>
+                <p:cond evt="onPrev" delay="0">
+                  <p:tgtEl>
+                    <p:sldTgt/>
+                  </p:tgtEl>
+                </p:cond>
+              </p:prevCondLst>
+              <p:nextCondLst>
+                <p:cond evt="onNext" delay="0">
+                  <p:tgtEl>
+                    <p:sldTgt/>
+                  </p:tgtEl>
+                </p:cond>
+              </p:nextCondLst>
+            </p:seq>
+          </p:childTnLst>
+        </p:cTn>
+      </p:par>
+    </p:tnLst>
+    <p:bldLst>
+      <p:bldP spid="4" grpId="0"/>
+    </p:bldLst>
+  </p:timing>
+</p:sld>
+</file>
+
+<file path=ppt/slides/slide40.xml><?xml version="1.0" encoding="utf-8"?>
+<p:sld xmlns:a="http://schemas.openxmlformats.org/drawingml/2006/main" xmlns:r="http://schemas.openxmlformats.org/officeDocument/2006/relationships" xmlns:p="http://schemas.openxmlformats.org/presentationml/2006/main">
+  <p:cSld>
+    <p:spTree>
+      <p:nvGrpSpPr>
+        <p:cNvPr id="1" name=""/>
+        <p:cNvGrpSpPr/>
+        <p:nvPr/>
+      </p:nvGrpSpPr>
+      <p:grpSpPr>
+        <a:xfrm>
+          <a:off x="0" y="0"/>
+          <a:ext cx="0" cy="0"/>
+          <a:chOff x="0" y="0"/>
+          <a:chExt cx="0" cy="0"/>
+        </a:xfrm>
+      </p:grpSpPr>
+      <p:sp>
+        <p:nvSpPr>
+          <p:cNvPr id="2" name="標題 1"/>
+          <p:cNvSpPr>
+            <a:spLocks noGrp="1"/>
+          </p:cNvSpPr>
+          <p:nvPr>
+            <p:ph type="title"/>
+          </p:nvPr>
+        </p:nvSpPr>
+        <p:spPr/>
+        <p:txBody>
+          <a:bodyPr/>
+          <a:lstStyle/>
+          <a:p>
+            <a:r>
+              <a:rPr lang="zh-TW" altLang="en-US" dirty="0" smtClean="0"/>
+              <a:t>實際範例</a:t>
+            </a:r>
+            <a:r>
+              <a:rPr lang="en-US" altLang="zh-TW" dirty="0" smtClean="0"/>
+              <a:t/>
+            </a:r>
+            <a:br>
+              <a:rPr lang="en-US" altLang="zh-TW" dirty="0" smtClean="0"/>
+            </a:br>
+            <a:r>
+              <a:rPr lang="en-US" altLang="zh-TW" dirty="0" err="1" smtClean="0"/>
+              <a:t>Employee</a:t>
+            </a:r>
+            <a:r>
+              <a:rPr lang="en-US" altLang="zh-TW" dirty="0" err="1" smtClean="0">
+                <a:sym typeface="Wingdings" panose="05000000000000000000" pitchFamily="2" charset="2"/>
+              </a:rPr>
+              <a:t>Manager</a:t>
+            </a:r>
+            <a:endParaRPr lang="zh-TW" altLang="en-US" dirty="0"/>
+          </a:p>
+        </p:txBody>
+      </p:sp>
+      <p:sp>
+        <p:nvSpPr>
+          <p:cNvPr id="3" name="內容版面配置區 2"/>
+          <p:cNvSpPr>
+            <a:spLocks noGrp="1"/>
+          </p:cNvSpPr>
+          <p:nvPr>
+            <p:ph idx="1"/>
+          </p:nvPr>
+        </p:nvSpPr>
+        <p:spPr/>
+        <p:txBody>
+          <a:bodyPr/>
+          <a:lstStyle/>
+          <a:p>
+            <a:r>
+              <a:rPr lang="en-US" altLang="zh-TW" dirty="0" smtClean="0"/>
+              <a:t>Manager</a:t>
+            </a:r>
+            <a:r>
+              <a:rPr lang="zh-TW" altLang="en-US" dirty="0" smtClean="0"/>
+              <a:t>也是一種</a:t>
+            </a:r>
+            <a:r>
+              <a:rPr lang="en-US" altLang="zh-TW" dirty="0" smtClean="0"/>
+              <a:t>Employee</a:t>
+            </a:r>
+            <a:r>
+              <a:rPr lang="zh-TW" altLang="en-US" dirty="0" smtClean="0"/>
+              <a:t>，只是多出可以分紅，以及底薪更高。</a:t>
+            </a:r>
+            <a:endParaRPr lang="en-US" altLang="zh-TW" dirty="0" smtClean="0"/>
+          </a:p>
+          <a:p>
+            <a:r>
+              <a:rPr lang="zh-TW" altLang="en-US" dirty="0"/>
+              <a:t>所以</a:t>
+            </a:r>
+            <a:r>
+              <a:rPr lang="zh-TW" altLang="en-US" dirty="0" smtClean="0"/>
+              <a:t>，</a:t>
+            </a:r>
+            <a:r>
+              <a:rPr lang="en-US" altLang="zh-TW" dirty="0" smtClean="0"/>
+              <a:t>Manager</a:t>
+            </a:r>
+            <a:r>
+              <a:rPr lang="zh-TW" altLang="en-US" dirty="0" smtClean="0"/>
+              <a:t>不必重新寫所有程式碼，可以繼承</a:t>
+            </a:r>
+            <a:r>
+              <a:rPr lang="en-US" altLang="zh-TW" dirty="0" smtClean="0"/>
+              <a:t>Employee</a:t>
+            </a:r>
+            <a:r>
+              <a:rPr lang="zh-TW" altLang="en-US" dirty="0" smtClean="0"/>
+              <a:t>，然後修改需要改的部分即可。</a:t>
+            </a:r>
+            <a:endParaRPr lang="en-US" altLang="zh-TW" dirty="0" smtClean="0"/>
+          </a:p>
+          <a:p>
+            <a:endParaRPr lang="zh-TW" altLang="en-US" dirty="0"/>
+          </a:p>
+        </p:txBody>
+      </p:sp>
+    </p:spTree>
+    <p:extLst>
+      <p:ext uri="{BB962C8B-B14F-4D97-AF65-F5344CB8AC3E}">
+        <p14:creationId xmlns:p14="http://schemas.microsoft.com/office/powerpoint/2010/main" val="3947714325"/>
+      </p:ext>
+    </p:extLst>
+  </p:cSld>
+  <p:clrMapOvr>
+    <a:masterClrMapping/>
+  </p:clrMapOvr>
+  <p:timing>
+    <p:tnLst>
+      <p:par>
+        <p:cTn id="1" dur="indefinite" restart="never" nodeType="tmRoot"/>
+      </p:par>
+    </p:tnLst>
+  </p:timing>
+</p:sld>
+</file>
+
+<file path=ppt/slides/slide5.xml><?xml version="1.0" encoding="utf-8"?>
 <p:sld xmlns:a="http://schemas.openxmlformats.org/drawingml/2006/main" xmlns:r="http://schemas.openxmlformats.org/officeDocument/2006/relationships" xmlns:p="http://schemas.openxmlformats.org/presentationml/2006/main">
   <p:cSld>
     <p:spTree>
@@ -13611,7 +18532,7 @@
             </a:br>
             <a:r>
               <a:rPr lang="zh-TW" altLang="en-US" dirty="0" smtClean="0"/>
-              <a:t>簡餐</a:t>
+              <a:t>個人套餐</a:t>
             </a:r>
             <a:r>
               <a:rPr lang="en-US" altLang="zh-TW" dirty="0" smtClean="0"/>
@@ -13690,14 +18611,30 @@
             </a:r>
             <a:r>
               <a:rPr lang="zh-TW" altLang="en-US" dirty="0" smtClean="0"/>
-              <a:t>，可能因為遠在美國的工程師亂改變數內容，導致程式執行錯誤！</a:t>
+              <a:t>，可能因為遠在美國的工程師亂</a:t>
+            </a:r>
+            <a:r>
+              <a:rPr lang="zh-TW" altLang="en-US" dirty="0" smtClean="0"/>
+              <a:t>改某個變數</a:t>
+            </a:r>
+            <a:r>
+              <a:rPr lang="zh-TW" altLang="en-US" dirty="0" smtClean="0"/>
+              <a:t>內容，導致程式執行錯誤！</a:t>
             </a:r>
             <a:endParaRPr lang="en-US" altLang="zh-TW" dirty="0" smtClean="0"/>
           </a:p>
           <a:p>
             <a:r>
               <a:rPr lang="zh-TW" altLang="en-US" dirty="0" smtClean="0"/>
-              <a:t>物件導向程式設計就是改自助餐為簡餐或定食。每個人專心對付自己該掌握的菜，別人家的菜誰都不準動！除非主人自己夾給你分享！</a:t>
+              <a:t>物件導向程式設計就是改自助餐</a:t>
+            </a:r>
+            <a:r>
+              <a:rPr lang="zh-TW" altLang="en-US" dirty="0" smtClean="0"/>
+              <a:t>為個人套餐</a:t>
+            </a:r>
+            <a:r>
+              <a:rPr lang="zh-TW" altLang="en-US" dirty="0" smtClean="0"/>
+              <a:t>或定食。每個人專心對付自己該掌握的菜，別人家的菜誰都不準動！除非主人自己夾給你分享！</a:t>
             </a:r>
             <a:endParaRPr lang="en-US" altLang="zh-TW" dirty="0" smtClean="0"/>
           </a:p>
@@ -13729,10 +18666,17 @@
   <p:clrMapOvr>
     <a:masterClrMapping/>
   </p:clrMapOvr>
+  <p:timing>
+    <p:tnLst>
+      <p:par>
+        <p:cTn id="1" dur="indefinite" restart="never" nodeType="tmRoot"/>
+      </p:par>
+    </p:tnLst>
+  </p:timing>
 </p:sld>
 </file>
 
-<file path=ppt/slides/slide5.xml><?xml version="1.0" encoding="utf-8"?>
+<file path=ppt/slides/slide6.xml><?xml version="1.0" encoding="utf-8"?>
 <p:sld xmlns:a="http://schemas.openxmlformats.org/drawingml/2006/main" xmlns:r="http://schemas.openxmlformats.org/officeDocument/2006/relationships" xmlns:p="http://schemas.openxmlformats.org/presentationml/2006/main">
   <p:cSld>
     <p:spTree>
@@ -13951,7 +18895,7 @@
 </p:sld>
 </file>
 
-<file path=ppt/slides/slide6.xml><?xml version="1.0" encoding="utf-8"?>
+<file path=ppt/slides/slide7.xml><?xml version="1.0" encoding="utf-8"?>
 <p:sld xmlns:a="http://schemas.openxmlformats.org/drawingml/2006/main" xmlns:r="http://schemas.openxmlformats.org/officeDocument/2006/relationships" xmlns:p="http://schemas.openxmlformats.org/presentationml/2006/main">
   <p:cSld>
     <p:spTree>
@@ -15045,7 +19989,7 @@
 </p:sld>
 </file>
 
-<file path=ppt/slides/slide7.xml><?xml version="1.0" encoding="utf-8"?>
+<file path=ppt/slides/slide8.xml><?xml version="1.0" encoding="utf-8"?>
 <p:sld xmlns:a="http://schemas.openxmlformats.org/drawingml/2006/main" xmlns:r="http://schemas.openxmlformats.org/officeDocument/2006/relationships" xmlns:p="http://schemas.openxmlformats.org/presentationml/2006/main">
   <p:cSld>
     <p:spTree>
@@ -15101,24 +20045,28 @@
           <a:lstStyle/>
           <a:p>
             <a:r>
-              <a:rPr lang="zh-TW" altLang="en-US" dirty="0" smtClean="0"/>
-              <a:t>類別</a:t>
-            </a:r>
-            <a:endParaRPr lang="en-US" altLang="zh-TW" dirty="0" smtClean="0"/>
-          </a:p>
-          <a:p>
-            <a:pPr lvl="1"/>
-            <a:r>
-              <a:rPr lang="zh-TW" altLang="en-US" dirty="0" smtClean="0"/>
-              <a:t>宣告方式</a:t>
-            </a:r>
-            <a:endParaRPr lang="en-US" altLang="zh-TW" dirty="0" smtClean="0"/>
-          </a:p>
-          <a:p>
-            <a:pPr lvl="1"/>
-            <a:r>
-              <a:rPr lang="zh-TW" altLang="en-US" dirty="0" smtClean="0"/>
-              <a:t>繼承</a:t>
+              <a:rPr lang="zh-TW" altLang="en-US" dirty="0"/>
+              <a:t>屬性</a:t>
+            </a:r>
+            <a:r>
+              <a:rPr lang="en-US" altLang="zh-TW" dirty="0"/>
+              <a:t>(property)</a:t>
+            </a:r>
+          </a:p>
+          <a:p>
+            <a:r>
+              <a:rPr lang="zh-TW" altLang="en-US" dirty="0"/>
+              <a:t>方法</a:t>
+            </a:r>
+            <a:r>
+              <a:rPr lang="en-US" altLang="zh-TW" dirty="0"/>
+              <a:t>(method)</a:t>
+            </a:r>
+          </a:p>
+          <a:p>
+            <a:r>
+              <a:rPr lang="zh-TW" altLang="en-US" dirty="0"/>
+              <a:t>事件</a:t>
             </a:r>
             <a:r>
               <a:rPr lang="en-US" altLang="zh-TW" dirty="0"/>
@@ -15126,14 +20074,17 @@
             </a:r>
             <a:r>
               <a:rPr lang="en-US" altLang="zh-TW" dirty="0" smtClean="0"/>
-              <a:t>Inheritance)</a:t>
-            </a:r>
-          </a:p>
-          <a:p>
-            <a:pPr lvl="1"/>
-            <a:r>
-              <a:rPr lang="zh-TW" altLang="en-US" dirty="0" smtClean="0"/>
-              <a:t>多形</a:t>
+              <a:t>event, callback)</a:t>
+            </a:r>
+            <a:endParaRPr lang="en-US" altLang="zh-TW" dirty="0"/>
+          </a:p>
+          <a:p>
+            <a:endParaRPr lang="en-US" altLang="zh-TW" dirty="0" smtClean="0"/>
+          </a:p>
+          <a:p>
+            <a:r>
+              <a:rPr lang="zh-TW" altLang="en-US" dirty="0" smtClean="0"/>
+              <a:t>繼承</a:t>
             </a:r>
             <a:r>
               <a:rPr lang="en-US" altLang="zh-TW" dirty="0"/>
@@ -15141,6 +20092,20 @@
             </a:r>
             <a:r>
               <a:rPr lang="en-US" altLang="zh-TW" dirty="0" smtClean="0"/>
+              <a:t>Inheritance)</a:t>
+            </a:r>
+          </a:p>
+          <a:p>
+            <a:r>
+              <a:rPr lang="zh-TW" altLang="en-US" dirty="0" smtClean="0"/>
+              <a:t>多形</a:t>
+            </a:r>
+            <a:r>
+              <a:rPr lang="en-US" altLang="zh-TW" dirty="0"/>
+              <a:t>(</a:t>
+            </a:r>
+            <a:r>
+              <a:rPr lang="en-US" altLang="zh-TW" dirty="0" smtClean="0"/>
               <a:t>polymorphism)</a:t>
             </a:r>
             <a:r>
@@ -15153,7 +20118,6 @@
             </a:r>
           </a:p>
           <a:p>
-            <a:pPr lvl="1"/>
             <a:r>
               <a:rPr lang="zh-TW" altLang="en-US" dirty="0"/>
               <a:t>覆</a:t>
@@ -15165,46 +20129,6 @@
             <a:r>
               <a:rPr lang="en-US" altLang="zh-TW" dirty="0" smtClean="0"/>
               <a:t>(overriding)</a:t>
-            </a:r>
-          </a:p>
-          <a:p>
-            <a:r>
-              <a:rPr lang="zh-TW" altLang="en-US" dirty="0" smtClean="0"/>
-              <a:t>物件</a:t>
-            </a:r>
-            <a:endParaRPr lang="en-US" altLang="zh-TW" dirty="0" smtClean="0"/>
-          </a:p>
-          <a:p>
-            <a:pPr lvl="1"/>
-            <a:r>
-              <a:rPr lang="zh-TW" altLang="en-US" dirty="0" smtClean="0"/>
-              <a:t>屬性</a:t>
-            </a:r>
-            <a:r>
-              <a:rPr lang="en-US" altLang="zh-TW" dirty="0" smtClean="0"/>
-              <a:t>(property)</a:t>
-            </a:r>
-          </a:p>
-          <a:p>
-            <a:pPr lvl="1"/>
-            <a:r>
-              <a:rPr lang="zh-TW" altLang="en-US" dirty="0" smtClean="0"/>
-              <a:t>方法</a:t>
-            </a:r>
-            <a:r>
-              <a:rPr lang="en-US" altLang="zh-TW" dirty="0" smtClean="0"/>
-              <a:t>(method)</a:t>
-            </a:r>
-          </a:p>
-          <a:p>
-            <a:pPr lvl="1"/>
-            <a:r>
-              <a:rPr lang="zh-TW" altLang="en-US" dirty="0" smtClean="0"/>
-              <a:t>事件</a:t>
-            </a:r>
-            <a:r>
-              <a:rPr lang="en-US" altLang="zh-TW" dirty="0" smtClean="0"/>
-              <a:t>(event)</a:t>
             </a:r>
           </a:p>
           <a:p>
@@ -15233,7 +20157,7 @@
 </p:sld>
 </file>
 
-<file path=ppt/slides/slide8.xml><?xml version="1.0" encoding="utf-8"?>
+<file path=ppt/slides/slide9.xml><?xml version="1.0" encoding="utf-8"?>
 <p:sld xmlns:a="http://schemas.openxmlformats.org/drawingml/2006/main" xmlns:r="http://schemas.openxmlformats.org/officeDocument/2006/relationships" xmlns:p="http://schemas.openxmlformats.org/presentationml/2006/main">
   <p:cSld>
     <p:spTree>
@@ -15767,310 +20691,6 @@
     <p:extLst>
       <p:ext uri="{BB962C8B-B14F-4D97-AF65-F5344CB8AC3E}">
         <p14:creationId xmlns:p14="http://schemas.microsoft.com/office/powerpoint/2010/main" val="4114768793"/>
-      </p:ext>
-    </p:extLst>
-  </p:cSld>
-  <p:clrMapOvr>
-    <a:masterClrMapping/>
-  </p:clrMapOvr>
-  <p:timing>
-    <p:tnLst>
-      <p:par>
-        <p:cTn id="1" dur="indefinite" restart="never" nodeType="tmRoot"/>
-      </p:par>
-    </p:tnLst>
-  </p:timing>
-</p:sld>
-</file>
-
-<file path=ppt/slides/slide9.xml><?xml version="1.0" encoding="utf-8"?>
-<p:sld xmlns:a="http://schemas.openxmlformats.org/drawingml/2006/main" xmlns:r="http://schemas.openxmlformats.org/officeDocument/2006/relationships" xmlns:p="http://schemas.openxmlformats.org/presentationml/2006/main">
-  <p:cSld>
-    <p:spTree>
-      <p:nvGrpSpPr>
-        <p:cNvPr id="1" name=""/>
-        <p:cNvGrpSpPr/>
-        <p:nvPr/>
-      </p:nvGrpSpPr>
-      <p:grpSpPr>
-        <a:xfrm>
-          <a:off x="0" y="0"/>
-          <a:ext cx="0" cy="0"/>
-          <a:chOff x="0" y="0"/>
-          <a:chExt cx="0" cy="0"/>
-        </a:xfrm>
-      </p:grpSpPr>
-      <p:sp>
-        <p:nvSpPr>
-          <p:cNvPr id="2" name="標題 1"/>
-          <p:cNvSpPr>
-            <a:spLocks noGrp="1"/>
-          </p:cNvSpPr>
-          <p:nvPr>
-            <p:ph type="title"/>
-          </p:nvPr>
-        </p:nvSpPr>
-        <p:spPr/>
-        <p:txBody>
-          <a:bodyPr/>
-          <a:lstStyle/>
-          <a:p>
-            <a:r>
-              <a:rPr lang="zh-TW" altLang="en-US" dirty="0"/>
-              <a:t>物件導向初探 </a:t>
-            </a:r>
-            <a:r>
-              <a:rPr lang="en-US" altLang="zh-TW" dirty="0"/>
-              <a:t>--</a:t>
-            </a:r>
-            <a:r>
-              <a:rPr lang="zh-TW" altLang="en-US" dirty="0" smtClean="0">
-                <a:solidFill>
-                  <a:srgbClr val="C00000"/>
-                </a:solidFill>
-              </a:rPr>
-              <a:t>物件</a:t>
-            </a:r>
-            <a:endParaRPr lang="zh-TW" altLang="en-US" dirty="0">
-              <a:solidFill>
-                <a:srgbClr val="C00000"/>
-              </a:solidFill>
-            </a:endParaRPr>
-          </a:p>
-        </p:txBody>
-      </p:sp>
-      <p:sp>
-        <p:nvSpPr>
-          <p:cNvPr id="3" name="內容版面配置區 2"/>
-          <p:cNvSpPr>
-            <a:spLocks noGrp="1"/>
-          </p:cNvSpPr>
-          <p:nvPr>
-            <p:ph idx="1"/>
-          </p:nvPr>
-        </p:nvSpPr>
-        <p:spPr/>
-        <p:txBody>
-          <a:bodyPr/>
-          <a:lstStyle/>
-          <a:p>
-            <a:r>
-              <a:rPr lang="zh-TW" altLang="en-US" dirty="0" smtClean="0"/>
-              <a:t>依照規格書去生產出產品，這個產品就是</a:t>
-            </a:r>
-            <a:r>
-              <a:rPr lang="zh-TW" altLang="en-US" sz="2800" b="1" dirty="0" smtClean="0">
-                <a:solidFill>
-                  <a:srgbClr val="C00000"/>
-                </a:solidFill>
-              </a:rPr>
-              <a:t>物件</a:t>
-            </a:r>
-            <a:r>
-              <a:rPr lang="zh-TW" altLang="en-US" dirty="0" smtClean="0"/>
-              <a:t>！</a:t>
-            </a:r>
-            <a:endParaRPr lang="en-US" altLang="zh-TW" dirty="0" smtClean="0"/>
-          </a:p>
-          <a:p>
-            <a:r>
-              <a:rPr lang="zh-TW" altLang="en-US" dirty="0" smtClean="0"/>
-              <a:t>例如依照汽車規格</a:t>
-            </a:r>
-            <a:r>
-              <a:rPr lang="zh-TW" altLang="en-US" dirty="0"/>
-              <a:t>書去生產製造出</a:t>
-            </a:r>
-            <a:r>
-              <a:rPr lang="zh-TW" altLang="en-US" dirty="0" smtClean="0"/>
-              <a:t>真的一台汽車，這台車才是我們可以真的操作的物件</a:t>
-            </a:r>
-            <a:endParaRPr lang="en-US" altLang="zh-TW" dirty="0" smtClean="0"/>
-          </a:p>
-          <a:p>
-            <a:r>
-              <a:rPr lang="zh-TW" altLang="en-US" dirty="0"/>
-              <a:t>前面練習中的程式碼</a:t>
-            </a:r>
-            <a:r>
-              <a:rPr lang="zh-TW" altLang="en-US" dirty="0" smtClean="0"/>
-              <a:t>：</a:t>
-            </a:r>
-            <a:endParaRPr lang="en-US" altLang="zh-TW" dirty="0" smtClean="0"/>
-          </a:p>
-          <a:p>
-            <a:r>
-              <a:rPr lang="zh-TW" altLang="en-US" dirty="0"/>
-              <a:t>這行程式就是告訴</a:t>
-            </a:r>
-            <a:r>
-              <a:rPr lang="zh-TW" altLang="en-US" dirty="0" smtClean="0"/>
-              <a:t>電腦，我要依照</a:t>
-            </a:r>
-            <a:r>
-              <a:rPr lang="en-US" altLang="zh-TW" dirty="0" smtClean="0"/>
-              <a:t>Scanner</a:t>
-            </a:r>
-            <a:r>
-              <a:rPr lang="zh-TW" altLang="en-US" dirty="0" smtClean="0"/>
-              <a:t>這個類別</a:t>
-            </a:r>
-            <a:r>
-              <a:rPr lang="en-US" altLang="zh-TW" dirty="0" smtClean="0"/>
-              <a:t>(</a:t>
-            </a:r>
-            <a:r>
-              <a:rPr lang="zh-TW" altLang="en-US" dirty="0" smtClean="0"/>
-              <a:t>規格書</a:t>
-            </a:r>
-            <a:r>
-              <a:rPr lang="en-US" altLang="zh-TW" dirty="0" smtClean="0"/>
-              <a:t>)</a:t>
-            </a:r>
-            <a:r>
-              <a:rPr lang="zh-TW" altLang="en-US" dirty="0" smtClean="0"/>
-              <a:t>去製造一個物件，這個物件叫做</a:t>
-            </a:r>
-            <a:r>
-              <a:rPr lang="en-US" altLang="zh-TW" dirty="0" err="1" smtClean="0">
-                <a:solidFill>
-                  <a:srgbClr val="C00000"/>
-                </a:solidFill>
-              </a:rPr>
-              <a:t>sc</a:t>
-            </a:r>
-            <a:r>
-              <a:rPr lang="zh-TW" altLang="en-US" dirty="0" smtClean="0"/>
-              <a:t>。</a:t>
-            </a:r>
-            <a:endParaRPr lang="en-US" altLang="zh-TW" dirty="0" smtClean="0"/>
-          </a:p>
-          <a:p>
-            <a:r>
-              <a:rPr lang="en-US" altLang="zh-TW" dirty="0" err="1" smtClean="0">
-                <a:solidFill>
-                  <a:srgbClr val="C00000"/>
-                </a:solidFill>
-              </a:rPr>
-              <a:t>sc</a:t>
-            </a:r>
-            <a:r>
-              <a:rPr lang="zh-TW" altLang="en-US" dirty="0" smtClean="0"/>
-              <a:t>就是我們可以操作的</a:t>
-            </a:r>
-            <a:r>
-              <a:rPr lang="en-US" altLang="zh-TW" dirty="0" smtClean="0"/>
-              <a:t>Scanner</a:t>
-            </a:r>
-            <a:r>
-              <a:rPr lang="zh-TW" altLang="en-US" dirty="0" smtClean="0"/>
-              <a:t>物件了！</a:t>
-            </a:r>
-            <a:endParaRPr lang="en-US" altLang="zh-TW" dirty="0" smtClean="0"/>
-          </a:p>
-          <a:p>
-            <a:r>
-              <a:rPr lang="zh-TW" altLang="en-US" dirty="0" smtClean="0"/>
-              <a:t>所以後面的程式碼才能使用</a:t>
-            </a:r>
-            <a:r>
-              <a:rPr lang="en-US" altLang="zh-TW" dirty="0" err="1" smtClean="0"/>
-              <a:t>sc</a:t>
-            </a:r>
-            <a:r>
-              <a:rPr lang="zh-TW" altLang="en-US" dirty="0" smtClean="0"/>
-              <a:t>去做輸入。</a:t>
-            </a:r>
-            <a:endParaRPr lang="en-US" altLang="zh-TW" dirty="0"/>
-          </a:p>
-          <a:p>
-            <a:pPr marL="0" indent="0">
-              <a:buNone/>
-            </a:pPr>
-            <a:r>
-              <a:rPr lang="en-US" altLang="zh-TW" dirty="0" smtClean="0"/>
-              <a:t>										</a:t>
-            </a:r>
-            <a:r>
-              <a:rPr lang="zh-TW" altLang="en-US" i="1" dirty="0" smtClean="0"/>
-              <a:t>叫</a:t>
-            </a:r>
-            <a:r>
-              <a:rPr lang="en-US" altLang="zh-TW" i="1" dirty="0" err="1" smtClean="0"/>
-              <a:t>sc</a:t>
-            </a:r>
-            <a:r>
-              <a:rPr lang="zh-TW" altLang="en-US" i="1" dirty="0" smtClean="0"/>
-              <a:t>這個物件去做</a:t>
-            </a:r>
-            <a:r>
-              <a:rPr lang="en-US" altLang="zh-TW" i="1" dirty="0" err="1" smtClean="0"/>
-              <a:t>nextInt</a:t>
-            </a:r>
-            <a:r>
-              <a:rPr lang="en-US" altLang="zh-TW" i="1" dirty="0" smtClean="0"/>
-              <a:t>()</a:t>
-            </a:r>
-            <a:r>
-              <a:rPr lang="zh-TW" altLang="en-US" i="1" dirty="0" smtClean="0"/>
-              <a:t>的方法。</a:t>
-            </a:r>
-            <a:endParaRPr lang="zh-TW" altLang="en-US" i="1" dirty="0"/>
-          </a:p>
-        </p:txBody>
-      </p:sp>
-      <p:pic>
-        <p:nvPicPr>
-          <p:cNvPr id="5" name="圖片 4"/>
-          <p:cNvPicPr>
-            <a:picLocks noChangeAspect="1"/>
-          </p:cNvPicPr>
-          <p:nvPr/>
-        </p:nvPicPr>
-        <p:blipFill>
-          <a:blip r:embed="rId2"/>
-          <a:stretch>
-            <a:fillRect/>
-          </a:stretch>
-        </p:blipFill>
-        <p:spPr>
-          <a:xfrm>
-            <a:off x="3409950" y="3346793"/>
-            <a:ext cx="5372100" cy="409575"/>
-          </a:xfrm>
-          <a:prstGeom prst="rect">
-            <a:avLst/>
-          </a:prstGeom>
-        </p:spPr>
-      </p:pic>
-      <p:pic>
-        <p:nvPicPr>
-          <p:cNvPr id="6" name="圖片 5"/>
-          <p:cNvPicPr>
-            <a:picLocks noChangeAspect="1"/>
-          </p:cNvPicPr>
-          <p:nvPr/>
-        </p:nvPicPr>
-        <p:blipFill>
-          <a:blip r:embed="rId3"/>
-          <a:stretch>
-            <a:fillRect/>
-          </a:stretch>
-        </p:blipFill>
-        <p:spPr>
-          <a:xfrm>
-            <a:off x="5293233" y="4830732"/>
-            <a:ext cx="2876550" cy="361950"/>
-          </a:xfrm>
-          <a:prstGeom prst="rect">
-            <a:avLst/>
-          </a:prstGeom>
-        </p:spPr>
-      </p:pic>
-    </p:spTree>
-    <p:extLst>
-      <p:ext uri="{BB962C8B-B14F-4D97-AF65-F5344CB8AC3E}">
-        <p14:creationId xmlns:p14="http://schemas.microsoft.com/office/powerpoint/2010/main" val="480029509"/>
       </p:ext>
     </p:extLst>
   </p:cSld>

--- a/LCC/Java/10_物件導向程式設計.pptx
+++ b/LCC/Java/10_物件導向程式設計.pptx
@@ -34,17 +34,34 @@
     <p:sldId id="286" r:id="rId28"/>
     <p:sldId id="284" r:id="rId29"/>
     <p:sldId id="285" r:id="rId30"/>
-    <p:sldId id="287" r:id="rId31"/>
-    <p:sldId id="288" r:id="rId32"/>
-    <p:sldId id="291" r:id="rId33"/>
-    <p:sldId id="299" r:id="rId34"/>
-    <p:sldId id="292" r:id="rId35"/>
-    <p:sldId id="293" r:id="rId36"/>
-    <p:sldId id="295" r:id="rId37"/>
-    <p:sldId id="296" r:id="rId38"/>
-    <p:sldId id="297" r:id="rId39"/>
-    <p:sldId id="294" r:id="rId40"/>
-    <p:sldId id="298" r:id="rId41"/>
+    <p:sldId id="300" r:id="rId31"/>
+    <p:sldId id="301" r:id="rId32"/>
+    <p:sldId id="302" r:id="rId33"/>
+    <p:sldId id="292" r:id="rId34"/>
+    <p:sldId id="293" r:id="rId35"/>
+    <p:sldId id="295" r:id="rId36"/>
+    <p:sldId id="296" r:id="rId37"/>
+    <p:sldId id="297" r:id="rId38"/>
+    <p:sldId id="294" r:id="rId39"/>
+    <p:sldId id="298" r:id="rId40"/>
+    <p:sldId id="287" r:id="rId41"/>
+    <p:sldId id="288" r:id="rId42"/>
+    <p:sldId id="291" r:id="rId43"/>
+    <p:sldId id="299" r:id="rId44"/>
+    <p:sldId id="304" r:id="rId45"/>
+    <p:sldId id="305" r:id="rId46"/>
+    <p:sldId id="307" r:id="rId47"/>
+    <p:sldId id="309" r:id="rId48"/>
+    <p:sldId id="306" r:id="rId49"/>
+    <p:sldId id="308" r:id="rId50"/>
+    <p:sldId id="310" r:id="rId51"/>
+    <p:sldId id="315" r:id="rId52"/>
+    <p:sldId id="316" r:id="rId53"/>
+    <p:sldId id="311" r:id="rId54"/>
+    <p:sldId id="303" r:id="rId55"/>
+    <p:sldId id="312" r:id="rId56"/>
+    <p:sldId id="313" r:id="rId57"/>
+    <p:sldId id="314" r:id="rId58"/>
   </p:sldIdLst>
   <p:sldSz cx="12192000" cy="6858000"/>
   <p:notesSz cx="6858000" cy="9144000"/>
@@ -885,7 +902,7 @@
             <a:fld id="{B61BEF0D-F0BB-DE4B-95CE-6DB70DBA9567}" type="datetimeFigureOut">
               <a:rPr lang="en-US" dirty="0"/>
               <a:pPr/>
-              <a:t>10/1/2021</a:t>
+              <a:t>11/4/2021</a:t>
             </a:fld>
             <a:endParaRPr lang="en-US" dirty="0"/>
           </a:p>
@@ -1133,7 +1150,7 @@
             <a:fld id="{B61BEF0D-F0BB-DE4B-95CE-6DB70DBA9567}" type="datetimeFigureOut">
               <a:rPr lang="en-US" dirty="0"/>
               <a:pPr/>
-              <a:t>10/1/2021</a:t>
+              <a:t>11/4/2021</a:t>
             </a:fld>
             <a:endParaRPr lang="en-US" dirty="0"/>
           </a:p>
@@ -1444,7 +1461,7 @@
             <a:fld id="{B61BEF0D-F0BB-DE4B-95CE-6DB70DBA9567}" type="datetimeFigureOut">
               <a:rPr lang="en-US" dirty="0"/>
               <a:pPr/>
-              <a:t>10/1/2021</a:t>
+              <a:t>11/4/2021</a:t>
             </a:fld>
             <a:endParaRPr lang="en-US" dirty="0"/>
           </a:p>
@@ -1782,7 +1799,7 @@
             <a:fld id="{B61BEF0D-F0BB-DE4B-95CE-6DB70DBA9567}" type="datetimeFigureOut">
               <a:rPr lang="en-US" dirty="0"/>
               <a:pPr/>
-              <a:t>10/1/2021</a:t>
+              <a:t>11/4/2021</a:t>
             </a:fld>
             <a:endParaRPr lang="en-US" dirty="0"/>
           </a:p>
@@ -2093,7 +2110,7 @@
             <a:fld id="{B61BEF0D-F0BB-DE4B-95CE-6DB70DBA9567}" type="datetimeFigureOut">
               <a:rPr lang="en-US" dirty="0"/>
               <a:pPr/>
-              <a:t>10/1/2021</a:t>
+              <a:t>11/4/2021</a:t>
             </a:fld>
             <a:endParaRPr lang="en-US" dirty="0"/>
           </a:p>
@@ -2483,7 +2500,7 @@
             <a:fld id="{B61BEF0D-F0BB-DE4B-95CE-6DB70DBA9567}" type="datetimeFigureOut">
               <a:rPr lang="en-US" dirty="0"/>
               <a:pPr/>
-              <a:t>10/1/2021</a:t>
+              <a:t>11/4/2021</a:t>
             </a:fld>
             <a:endParaRPr lang="en-US" dirty="0"/>
           </a:p>
@@ -2649,7 +2666,7 @@
           <a:p>
             <a:fld id="{55C6B4A9-1611-4792-9094-5F34BCA07E0B}" type="datetimeFigureOut">
               <a:rPr lang="en-US" dirty="0"/>
-              <a:t>10/1/2021</a:t>
+              <a:t>11/4/2021</a:t>
             </a:fld>
             <a:endParaRPr lang="en-US" dirty="0"/>
           </a:p>
@@ -2825,7 +2842,7 @@
             <a:fld id="{B61BEF0D-F0BB-DE4B-95CE-6DB70DBA9567}" type="datetimeFigureOut">
               <a:rPr lang="en-US" dirty="0"/>
               <a:pPr/>
-              <a:t>10/1/2021</a:t>
+              <a:t>11/4/2021</a:t>
             </a:fld>
             <a:endParaRPr lang="en-US" dirty="0"/>
           </a:p>
@@ -3022,7 +3039,7 @@
             <a:fld id="{B61BEF0D-F0BB-DE4B-95CE-6DB70DBA9567}" type="datetimeFigureOut">
               <a:rPr lang="en-US" dirty="0"/>
               <a:pPr/>
-              <a:t>10/1/2021</a:t>
+              <a:t>11/4/2021</a:t>
             </a:fld>
             <a:endParaRPr lang="en-US" dirty="0"/>
           </a:p>
@@ -3266,7 +3283,7 @@
             <a:fld id="{B61BEF0D-F0BB-DE4B-95CE-6DB70DBA9567}" type="datetimeFigureOut">
               <a:rPr lang="en-US" dirty="0"/>
               <a:pPr/>
-              <a:t>10/1/2021</a:t>
+              <a:t>11/4/2021</a:t>
             </a:fld>
             <a:endParaRPr lang="en-US" dirty="0"/>
           </a:p>
@@ -3494,7 +3511,7 @@
           <a:p>
             <a:fld id="{EB712588-04B1-427B-82EE-E8DB90309F08}" type="datetimeFigureOut">
               <a:rPr lang="en-US" dirty="0"/>
-              <a:t>10/1/2021</a:t>
+              <a:t>11/4/2021</a:t>
             </a:fld>
             <a:endParaRPr lang="en-US" dirty="0"/>
           </a:p>
@@ -3864,7 +3881,7 @@
             <a:fld id="{B61BEF0D-F0BB-DE4B-95CE-6DB70DBA9567}" type="datetimeFigureOut">
               <a:rPr lang="en-US" dirty="0"/>
               <a:pPr/>
-              <a:t>10/1/2021</a:t>
+              <a:t>11/4/2021</a:t>
             </a:fld>
             <a:endParaRPr lang="en-US" dirty="0"/>
           </a:p>
@@ -3984,7 +4001,7 @@
             <a:fld id="{B61BEF0D-F0BB-DE4B-95CE-6DB70DBA9567}" type="datetimeFigureOut">
               <a:rPr lang="en-US" dirty="0"/>
               <a:pPr/>
-              <a:t>10/1/2021</a:t>
+              <a:t>11/4/2021</a:t>
             </a:fld>
             <a:endParaRPr lang="en-US" dirty="0"/>
           </a:p>
@@ -4076,7 +4093,7 @@
             <a:fld id="{B61BEF0D-F0BB-DE4B-95CE-6DB70DBA9567}" type="datetimeFigureOut">
               <a:rPr lang="en-US" dirty="0"/>
               <a:pPr/>
-              <a:t>10/1/2021</a:t>
+              <a:t>11/4/2021</a:t>
             </a:fld>
             <a:endParaRPr lang="en-US" dirty="0"/>
           </a:p>
@@ -4327,7 +4344,7 @@
           <a:p>
             <a:fld id="{42A54C80-263E-416B-A8E0-580EDEADCBDC}" type="datetimeFigureOut">
               <a:rPr lang="en-US" dirty="0"/>
-              <a:t>10/1/2021</a:t>
+              <a:t>11/4/2021</a:t>
             </a:fld>
             <a:endParaRPr lang="en-US" dirty="0"/>
           </a:p>
@@ -4586,7 +4603,7 @@
             <a:fld id="{B61BEF0D-F0BB-DE4B-95CE-6DB70DBA9567}" type="datetimeFigureOut">
               <a:rPr lang="en-US" dirty="0"/>
               <a:pPr/>
-              <a:t>10/1/2021</a:t>
+              <a:t>11/4/2021</a:t>
             </a:fld>
             <a:endParaRPr lang="en-US" dirty="0"/>
           </a:p>
@@ -5326,7 +5343,7 @@
             <a:fld id="{B61BEF0D-F0BB-DE4B-95CE-6DB70DBA9567}" type="datetimeFigureOut">
               <a:rPr lang="en-US" dirty="0"/>
               <a:pPr/>
-              <a:t>10/1/2021</a:t>
+              <a:t>11/4/2021</a:t>
             </a:fld>
             <a:endParaRPr lang="en-US" dirty="0"/>
           </a:p>
@@ -5452,14 +5469,14 @@
       </p:pic>
       <p:sp>
         <p:nvSpPr>
-          <p:cNvPr id="19" name="矩形 18"/>
+          <p:cNvPr id="30" name="矩形 29"/>
           <p:cNvSpPr/>
           <p:nvPr userDrawn="1"/>
         </p:nvSpPr>
         <p:spPr>
           <a:xfrm>
-            <a:off x="444564" y="6509203"/>
-            <a:ext cx="2728632" cy="369332"/>
+            <a:off x="379705" y="6488668"/>
+            <a:ext cx="2496196" cy="369332"/>
           </a:xfrm>
           <a:prstGeom prst="rect">
             <a:avLst/>
@@ -5566,8 +5583,8 @@
           </a:lstStyle>
           <a:p>
             <a:r>
-              <a:rPr lang="zh-TW" altLang="en-US" dirty="0" smtClean="0"/>
-              <a:t>https://reurl.cc/522ARv</a:t>
+              <a:rPr lang="en-US" altLang="zh-TW" dirty="0" smtClean="0"/>
+              <a:t>http://lccn.io/vgENMI</a:t>
             </a:r>
             <a:endParaRPr lang="zh-TW" altLang="en-US" dirty="0"/>
           </a:p>
@@ -6059,7 +6076,7 @@
             <a:fld id="{4805910D-2C61-424F-80CE-807290CF0E1E}" type="datetime4">
               <a:rPr lang="zh-TW" altLang="zh-TW"/>
               <a:pPr/>
-              <a:t>110年10月1日星期五</a:t>
+              <a:t>110年11月4日星期四</a:t>
             </a:fld>
             <a:endParaRPr lang="zh-TW" altLang="en-US" dirty="0"/>
           </a:p>
@@ -9358,11 +9375,7 @@
             </a:r>
             <a:r>
               <a:rPr lang="zh-TW" altLang="en-US" dirty="0" smtClean="0"/>
-              <a:t> ：餘額</a:t>
-            </a:r>
-            <a:r>
-              <a:rPr lang="zh-TW" altLang="en-US" dirty="0" smtClean="0"/>
-              <a:t>查詢</a:t>
+              <a:t> ：餘額查詢</a:t>
             </a:r>
             <a:endParaRPr lang="en-US" altLang="zh-TW" dirty="0" smtClean="0"/>
           </a:p>
@@ -12823,15 +12836,7 @@
             </a:r>
             <a:r>
               <a:rPr lang="zh-TW" altLang="en-US" dirty="0" smtClean="0"/>
-              <a:t>或是類似功能</a:t>
-            </a:r>
-            <a:r>
-              <a:rPr lang="zh-TW" altLang="en-US" dirty="0" smtClean="0"/>
-              <a:t>的其他方法</a:t>
-            </a:r>
-            <a:r>
-              <a:rPr lang="zh-TW" altLang="en-US" dirty="0" smtClean="0"/>
-              <a:t>操作之。</a:t>
+              <a:t>或是類似功能的其他方法操作之。</a:t>
             </a:r>
             <a:endParaRPr lang="en-US" altLang="zh-TW" dirty="0" smtClean="0"/>
           </a:p>
@@ -13344,45 +13349,65 @@
           <a:p>
             <a:pPr algn="ctr"/>
             <a:r>
-              <a:rPr lang="zh-TW" altLang="en-US" sz="1400" dirty="0" smtClean="0"/>
+              <a:rPr lang="zh-TW" altLang="en-US" sz="1600" dirty="0" smtClean="0"/>
               <a:t>有</a:t>
             </a:r>
             <a:r>
-              <a:rPr lang="zh-TW" altLang="en-US" sz="1400" dirty="0"/>
+              <a:rPr lang="zh-TW" altLang="en-US" sz="1600" dirty="0"/>
               <a:t>專門</a:t>
             </a:r>
             <a:r>
-              <a:rPr lang="zh-TW" altLang="en-US" sz="1400" dirty="0" smtClean="0"/>
+              <a:rPr lang="zh-TW" altLang="en-US" sz="1600" dirty="0" smtClean="0"/>
               <a:t>處理</a:t>
             </a:r>
             <a:r>
-              <a:rPr lang="zh-TW" altLang="en-US" sz="1400" dirty="0"/>
-              <a:t>事件的方法</a:t>
-            </a:r>
-            <a:r>
-              <a:rPr lang="en-US" altLang="zh-TW" sz="1400" dirty="0"/>
+              <a:rPr lang="zh-TW" altLang="en-US" sz="1600" dirty="0"/>
+              <a:t>事件</a:t>
+            </a:r>
+            <a:r>
+              <a:rPr lang="zh-TW" altLang="en-US" sz="1600" dirty="0" smtClean="0"/>
+              <a:t>的</a:t>
+            </a:r>
+            <a:endParaRPr lang="en-US" altLang="zh-TW" sz="1600" dirty="0" smtClean="0"/>
+          </a:p>
+          <a:p>
+            <a:pPr algn="ctr"/>
+            <a:r>
+              <a:rPr lang="zh-TW" altLang="en-US" sz="1600" dirty="0" smtClean="0"/>
+              <a:t>方法</a:t>
+            </a:r>
+            <a:r>
+              <a:rPr lang="en-US" altLang="zh-TW" sz="1600" b="1" dirty="0"/>
               <a:t>m</a:t>
             </a:r>
             <a:r>
-              <a:rPr lang="en-US" altLang="zh-TW" sz="1400" dirty="0" smtClean="0"/>
+              <a:rPr lang="en-US" altLang="zh-TW" sz="1600" b="1" dirty="0" smtClean="0"/>
               <a:t>();</a:t>
             </a:r>
           </a:p>
           <a:p>
             <a:pPr algn="ctr"/>
             <a:r>
-              <a:rPr lang="zh-TW" altLang="en-US" sz="1400" dirty="0" smtClean="0"/>
-              <a:t>這個方法是依照事件的介面</a:t>
-            </a:r>
-            <a:r>
-              <a:rPr lang="en-US" altLang="zh-TW" sz="1400" dirty="0" smtClean="0"/>
+              <a:rPr lang="zh-TW" altLang="en-US" sz="1600" dirty="0" smtClean="0"/>
+              <a:t>這個方法是依照事件的</a:t>
+            </a:r>
+            <a:endParaRPr lang="en-US" altLang="zh-TW" sz="1600" dirty="0" smtClean="0"/>
+          </a:p>
+          <a:p>
+            <a:pPr algn="ctr"/>
+            <a:r>
+              <a:rPr lang="zh-TW" altLang="en-US" sz="1600" dirty="0" smtClean="0"/>
+              <a:t>介面</a:t>
+            </a:r>
+            <a:r>
+              <a:rPr lang="en-US" altLang="zh-TW" sz="1600" dirty="0" smtClean="0"/>
               <a:t>C</a:t>
             </a:r>
             <a:r>
-              <a:rPr lang="zh-TW" altLang="en-US" sz="1400" dirty="0" smtClean="0"/>
+              <a:rPr lang="zh-TW" altLang="en-US" sz="1600" dirty="0" smtClean="0"/>
               <a:t>去寫的。</a:t>
             </a:r>
-            <a:endParaRPr lang="zh-TW" altLang="en-US" sz="1400" dirty="0"/>
+            <a:endParaRPr lang="zh-TW" altLang="en-US" sz="1600" dirty="0"/>
           </a:p>
         </p:txBody>
       </p:sp>
@@ -13783,7 +13808,18 @@
               <a:rPr lang="zh-TW" altLang="en-US" dirty="0" smtClean="0"/>
               <a:t>類別中加入下面程式碼：</a:t>
             </a:r>
-            <a:endParaRPr lang="en-US" altLang="zh-TW" dirty="0" smtClean="0"/>
+            <a:r>
+              <a:rPr lang="en-US" altLang="zh-TW" dirty="0" smtClean="0"/>
+              <a:t>(</a:t>
+            </a:r>
+            <a:r>
+              <a:rPr lang="zh-TW" altLang="en-US" dirty="0" smtClean="0"/>
+              <a:t>讓別人來註冊用的</a:t>
+            </a:r>
+            <a:r>
+              <a:rPr lang="en-US" altLang="zh-TW" dirty="0" smtClean="0"/>
+              <a:t>)</a:t>
+            </a:r>
           </a:p>
           <a:p>
             <a:endParaRPr lang="en-US" altLang="zh-TW" dirty="0"/>
@@ -13891,6 +13927,102 @@
           </a:prstGeom>
         </p:spPr>
       </p:pic>
+      <p:sp>
+        <p:nvSpPr>
+          <p:cNvPr id="7" name="向右箭號 6"/>
+          <p:cNvSpPr/>
+          <p:nvPr/>
+        </p:nvSpPr>
+        <p:spPr>
+          <a:xfrm rot="10800000">
+            <a:off x="5319345" y="3384108"/>
+            <a:ext cx="284230" cy="131885"/>
+          </a:xfrm>
+          <a:prstGeom prst="rightArrow">
+            <a:avLst/>
+          </a:prstGeom>
+          <a:solidFill>
+            <a:srgbClr val="FF0000"/>
+          </a:solidFill>
+          <a:ln>
+            <a:solidFill>
+              <a:srgbClr val="FF0000"/>
+            </a:solidFill>
+          </a:ln>
+        </p:spPr>
+        <p:style>
+          <a:lnRef idx="2">
+            <a:schemeClr val="accent1">
+              <a:shade val="50000"/>
+            </a:schemeClr>
+          </a:lnRef>
+          <a:fillRef idx="1">
+            <a:schemeClr val="accent1"/>
+          </a:fillRef>
+          <a:effectRef idx="0">
+            <a:schemeClr val="accent1"/>
+          </a:effectRef>
+          <a:fontRef idx="minor">
+            <a:schemeClr val="lt1"/>
+          </a:fontRef>
+        </p:style>
+        <p:txBody>
+          <a:bodyPr rtlCol="0" anchor="ctr"/>
+          <a:lstStyle/>
+          <a:p>
+            <a:pPr algn="ctr"/>
+            <a:endParaRPr lang="zh-TW" altLang="en-US"/>
+          </a:p>
+        </p:txBody>
+      </p:sp>
+      <p:sp>
+        <p:nvSpPr>
+          <p:cNvPr id="8" name="向右箭號 7"/>
+          <p:cNvSpPr/>
+          <p:nvPr/>
+        </p:nvSpPr>
+        <p:spPr>
+          <a:xfrm rot="10800000">
+            <a:off x="6768269" y="3786104"/>
+            <a:ext cx="284230" cy="131885"/>
+          </a:xfrm>
+          <a:prstGeom prst="rightArrow">
+            <a:avLst/>
+          </a:prstGeom>
+          <a:solidFill>
+            <a:srgbClr val="FF0000"/>
+          </a:solidFill>
+          <a:ln>
+            <a:solidFill>
+              <a:srgbClr val="FF0000"/>
+            </a:solidFill>
+          </a:ln>
+        </p:spPr>
+        <p:style>
+          <a:lnRef idx="2">
+            <a:schemeClr val="accent1">
+              <a:shade val="50000"/>
+            </a:schemeClr>
+          </a:lnRef>
+          <a:fillRef idx="1">
+            <a:schemeClr val="accent1"/>
+          </a:fillRef>
+          <a:effectRef idx="0">
+            <a:schemeClr val="accent1"/>
+          </a:effectRef>
+          <a:fontRef idx="minor">
+            <a:schemeClr val="lt1"/>
+          </a:fontRef>
+        </p:style>
+        <p:txBody>
+          <a:bodyPr rtlCol="0" anchor="ctr"/>
+          <a:lstStyle/>
+          <a:p>
+            <a:pPr algn="ctr"/>
+            <a:endParaRPr lang="zh-TW" altLang="en-US"/>
+          </a:p>
+        </p:txBody>
+      </p:sp>
     </p:spTree>
     <p:extLst>
       <p:ext uri="{BB962C8B-B14F-4D97-AF65-F5344CB8AC3E}">
@@ -14190,7 +14322,19 @@
             <a:pPr lvl="1"/>
             <a:r>
               <a:rPr lang="zh-TW" altLang="en-US" dirty="0" smtClean="0"/>
-              <a:t>是一種藝術！同樣目的的一個程式有百百種寫法</a:t>
+              <a:t>是一種</a:t>
+            </a:r>
+            <a:r>
+              <a:rPr lang="zh-TW" altLang="en-US" b="1" dirty="0" smtClean="0">
+                <a:solidFill>
+                  <a:srgbClr val="7030A0"/>
+                </a:solidFill>
+              </a:rPr>
+              <a:t>藝術！</a:t>
+            </a:r>
+            <a:r>
+              <a:rPr lang="zh-TW" altLang="en-US" dirty="0" smtClean="0"/>
+              <a:t>同樣目的的一個程式有百百種寫法</a:t>
             </a:r>
             <a:endParaRPr lang="en-US" altLang="zh-TW" dirty="0" smtClean="0"/>
           </a:p>
@@ -14322,7 +14466,7 @@
       </p:grpSpPr>
       <p:sp>
         <p:nvSpPr>
-          <p:cNvPr id="4" name="標題 3"/>
+          <p:cNvPr id="2" name="標題 1"/>
           <p:cNvSpPr>
             <a:spLocks noGrp="1"/>
           </p:cNvSpPr>
@@ -14337,7 +14481,15 @@
           <a:p>
             <a:r>
               <a:rPr lang="zh-TW" altLang="en-US" dirty="0" smtClean="0"/>
-              <a:t>範例：員工類別</a:t>
+              <a:t>練習</a:t>
+            </a:r>
+            <a:r>
+              <a:rPr lang="en-US" altLang="zh-TW" dirty="0" smtClean="0"/>
+              <a:t>1 </a:t>
+            </a:r>
+            <a:r>
+              <a:rPr lang="zh-TW" altLang="en-US" dirty="0" smtClean="0"/>
+              <a:t>學生成績類別</a:t>
             </a:r>
             <a:endParaRPr lang="zh-TW" altLang="en-US" dirty="0"/>
           </a:p>
@@ -14345,12 +14497,12 @@
       </p:sp>
       <p:sp>
         <p:nvSpPr>
-          <p:cNvPr id="5" name="文字版面配置區 4"/>
+          <p:cNvPr id="3" name="內容版面配置區 2"/>
           <p:cNvSpPr>
             <a:spLocks noGrp="1"/>
           </p:cNvSpPr>
           <p:nvPr>
-            <p:ph type="body" idx="1"/>
+            <p:ph idx="1"/>
           </p:nvPr>
         </p:nvSpPr>
         <p:spPr/>
@@ -14360,37 +14512,126 @@
           <a:p>
             <a:r>
               <a:rPr lang="zh-TW" altLang="en-US" dirty="0" smtClean="0"/>
-              <a:t>初步了解</a:t>
-            </a:r>
-            <a:r>
-              <a:rPr lang="zh-TW" altLang="en-US" b="1" dirty="0" smtClean="0"/>
-              <a:t>繼承</a:t>
-            </a:r>
-            <a:r>
-              <a:rPr lang="zh-TW" altLang="en-US" dirty="0" smtClean="0"/>
-              <a:t>概念與方式</a:t>
-            </a:r>
-            <a:endParaRPr lang="zh-TW" altLang="en-US" dirty="0"/>
+              <a:t>試著撰寫一個類別，用來記錄學生數學成績、英文成績、學號、姓名。</a:t>
+            </a:r>
+            <a:endParaRPr lang="en-US" altLang="zh-TW" dirty="0" smtClean="0"/>
+          </a:p>
+          <a:p>
+            <a:r>
+              <a:rPr lang="zh-TW" altLang="en-US" dirty="0"/>
+              <a:t>謹記封裝</a:t>
+            </a:r>
+            <a:r>
+              <a:rPr lang="zh-TW" altLang="en-US" dirty="0" smtClean="0"/>
+              <a:t>原則，屬性應該都要</a:t>
+            </a:r>
+            <a:r>
+              <a:rPr lang="en-US" altLang="zh-TW" dirty="0" smtClean="0"/>
+              <a:t>private</a:t>
+            </a:r>
+          </a:p>
+          <a:p>
+            <a:pPr lvl="1"/>
+            <a:r>
+              <a:rPr lang="zh-TW" altLang="en-US" dirty="0"/>
+              <a:t>用</a:t>
+            </a:r>
+            <a:r>
+              <a:rPr lang="zh-TW" altLang="en-US" dirty="0" smtClean="0"/>
+              <a:t>公開</a:t>
+            </a:r>
+            <a:r>
+              <a:rPr lang="en-US" altLang="zh-TW" dirty="0" smtClean="0"/>
+              <a:t>(public)</a:t>
+            </a:r>
+            <a:r>
+              <a:rPr lang="zh-TW" altLang="en-US" dirty="0" smtClean="0"/>
+              <a:t>的</a:t>
+            </a:r>
+            <a:r>
+              <a:rPr lang="zh-TW" altLang="en-US" dirty="0"/>
+              <a:t>方法</a:t>
+            </a:r>
+            <a:r>
+              <a:rPr lang="en-US" altLang="zh-TW" dirty="0"/>
+              <a:t>(method)</a:t>
+            </a:r>
+            <a:r>
+              <a:rPr lang="zh-TW" altLang="en-US" dirty="0"/>
+              <a:t>去操作屬性</a:t>
+            </a:r>
+            <a:r>
+              <a:rPr lang="zh-TW" altLang="en-US" dirty="0" smtClean="0"/>
+              <a:t>。</a:t>
+            </a:r>
+            <a:endParaRPr lang="en-US" altLang="zh-TW" dirty="0" smtClean="0"/>
+          </a:p>
+          <a:p>
+            <a:pPr lvl="1"/>
+            <a:r>
+              <a:rPr lang="zh-TW" altLang="en-US" dirty="0"/>
+              <a:t>一般普通的都會</a:t>
+            </a:r>
+            <a:r>
+              <a:rPr lang="zh-TW" altLang="en-US" dirty="0" smtClean="0"/>
+              <a:t>用</a:t>
+            </a:r>
+            <a:r>
+              <a:rPr lang="en-US" altLang="zh-TW" dirty="0" err="1" smtClean="0"/>
+              <a:t>setXXX</a:t>
+            </a:r>
+            <a:r>
+              <a:rPr lang="en-US" altLang="zh-TW" dirty="0" smtClean="0"/>
+              <a:t>()</a:t>
+            </a:r>
+            <a:r>
+              <a:rPr lang="zh-TW" altLang="en-US" dirty="0" smtClean="0"/>
+              <a:t>與</a:t>
+            </a:r>
+            <a:r>
+              <a:rPr lang="en-US" altLang="zh-TW" dirty="0" err="1" smtClean="0"/>
+              <a:t>getXXX</a:t>
+            </a:r>
+            <a:r>
+              <a:rPr lang="en-US" altLang="zh-TW" dirty="0" smtClean="0"/>
+              <a:t>()</a:t>
+            </a:r>
+          </a:p>
+          <a:p>
+            <a:r>
+              <a:rPr lang="zh-TW" altLang="en-US" dirty="0"/>
+              <a:t>用建</a:t>
+            </a:r>
+            <a:r>
+              <a:rPr lang="zh-TW" altLang="en-US" dirty="0" smtClean="0"/>
+              <a:t>構式</a:t>
+            </a:r>
+            <a:r>
+              <a:rPr lang="en-US" altLang="zh-TW" dirty="0" smtClean="0"/>
+              <a:t>(Constructor)</a:t>
+            </a:r>
+            <a:r>
+              <a:rPr lang="zh-TW" altLang="en-US" dirty="0" smtClean="0"/>
+              <a:t>初始化</a:t>
+            </a:r>
+            <a:r>
+              <a:rPr lang="zh-TW" altLang="en-US" dirty="0"/>
+              <a:t>。</a:t>
+            </a:r>
+            <a:endParaRPr lang="en-US" altLang="zh-TW" dirty="0" smtClean="0"/>
           </a:p>
         </p:txBody>
       </p:sp>
     </p:spTree>
     <p:extLst>
       <p:ext uri="{BB962C8B-B14F-4D97-AF65-F5344CB8AC3E}">
-        <p14:creationId xmlns:p14="http://schemas.microsoft.com/office/powerpoint/2010/main" val="1306444337"/>
+        <p14:creationId xmlns:p14="http://schemas.microsoft.com/office/powerpoint/2010/main" val="1431522486"/>
       </p:ext>
     </p:extLst>
   </p:cSld>
   <p:clrMapOvr>
     <a:masterClrMapping/>
   </p:clrMapOvr>
-  <p:timing>
-    <p:tnLst>
-      <p:par>
-        <p:cTn id="1" dur="indefinite" restart="never" nodeType="tmRoot"/>
-      </p:par>
-    </p:tnLst>
-  </p:timing>
 </p:sld>
 </file>
 
@@ -14427,8 +14668,32 @@
           <a:lstStyle/>
           <a:p>
             <a:r>
-              <a:rPr lang="zh-TW" altLang="en-US" dirty="0" smtClean="0"/>
-              <a:t>員工類別</a:t>
+              <a:rPr lang="zh-TW" altLang="en-US" dirty="0"/>
+              <a:t>練習</a:t>
+            </a:r>
+            <a:r>
+              <a:rPr lang="en-US" altLang="zh-TW" dirty="0"/>
+              <a:t>1</a:t>
+            </a:r>
+            <a:r>
+              <a:rPr lang="zh-TW" altLang="en-US" dirty="0"/>
+              <a:t>參考</a:t>
+            </a:r>
+            <a:r>
+              <a:rPr lang="zh-TW" altLang="en-US" dirty="0" smtClean="0"/>
+              <a:t>程式碼</a:t>
+            </a:r>
+            <a:r>
+              <a:rPr lang="en-US" altLang="zh-TW" dirty="0" smtClean="0"/>
+              <a:t>(</a:t>
+            </a:r>
+            <a:r>
+              <a:rPr lang="zh-TW" altLang="en-US" dirty="0" smtClean="0"/>
+              <a:t>類別部分</a:t>
+            </a:r>
+            <a:r>
+              <a:rPr lang="en-US" altLang="zh-TW" dirty="0" smtClean="0"/>
+              <a:t>)</a:t>
             </a:r>
             <a:endParaRPr lang="zh-TW" altLang="en-US" dirty="0"/>
           </a:p>
@@ -14449,105 +14714,7 @@
           <a:bodyPr/>
           <a:lstStyle/>
           <a:p>
-            <a:r>
-              <a:rPr lang="zh-TW" altLang="en-US" dirty="0" smtClean="0"/>
-              <a:t>屬性：</a:t>
-            </a:r>
-            <a:endParaRPr lang="en-US" altLang="zh-TW" dirty="0" smtClean="0"/>
-          </a:p>
-          <a:p>
-            <a:pPr lvl="1"/>
-            <a:r>
-              <a:rPr lang="zh-TW" altLang="en-US" dirty="0" smtClean="0"/>
-              <a:t>員工編號：</a:t>
-            </a:r>
-            <a:r>
-              <a:rPr lang="en-US" altLang="zh-TW" dirty="0" smtClean="0"/>
-              <a:t>ID</a:t>
-            </a:r>
-          </a:p>
-          <a:p>
-            <a:pPr lvl="1"/>
-            <a:r>
-              <a:rPr lang="zh-TW" altLang="en-US" dirty="0" smtClean="0"/>
-              <a:t>姓名：</a:t>
-            </a:r>
-            <a:r>
-              <a:rPr lang="en-US" altLang="zh-TW" dirty="0" smtClean="0"/>
-              <a:t>name</a:t>
-            </a:r>
-          </a:p>
-          <a:p>
-            <a:pPr lvl="1"/>
-            <a:r>
-              <a:rPr lang="zh-TW" altLang="en-US" dirty="0" smtClean="0"/>
-              <a:t>月薪：</a:t>
-            </a:r>
-            <a:r>
-              <a:rPr lang="en-US" altLang="zh-TW" dirty="0" smtClean="0"/>
-              <a:t>pay</a:t>
-            </a:r>
-          </a:p>
-          <a:p>
-            <a:pPr lvl="1"/>
-            <a:r>
-              <a:rPr lang="zh-TW" altLang="en-US" dirty="0"/>
-              <a:t>其他</a:t>
-            </a:r>
-            <a:r>
-              <a:rPr lang="zh-TW" altLang="en-US" dirty="0" smtClean="0"/>
-              <a:t>資訊</a:t>
-            </a:r>
-            <a:r>
-              <a:rPr lang="en-US" altLang="zh-TW" dirty="0" smtClean="0"/>
-              <a:t>(</a:t>
-            </a:r>
-            <a:r>
-              <a:rPr lang="zh-TW" altLang="en-US" dirty="0" smtClean="0"/>
-              <a:t>本次省略</a:t>
-            </a:r>
-            <a:r>
-              <a:rPr lang="en-US" altLang="zh-TW" dirty="0" smtClean="0"/>
-              <a:t>)</a:t>
-            </a:r>
-          </a:p>
-          <a:p>
-            <a:r>
-              <a:rPr lang="zh-TW" altLang="en-US" dirty="0"/>
-              <a:t>方法</a:t>
-            </a:r>
-            <a:r>
-              <a:rPr lang="zh-TW" altLang="en-US" dirty="0" smtClean="0"/>
-              <a:t>：</a:t>
-            </a:r>
-            <a:endParaRPr lang="en-US" altLang="zh-TW" dirty="0" smtClean="0"/>
-          </a:p>
-          <a:p>
-            <a:pPr lvl="1"/>
-            <a:r>
-              <a:rPr lang="zh-TW" altLang="en-US" dirty="0"/>
-              <a:t>基本存取與建構式</a:t>
-            </a:r>
-            <a:endParaRPr lang="en-US" altLang="zh-TW" dirty="0" smtClean="0"/>
-          </a:p>
-          <a:p>
-            <a:pPr lvl="1"/>
-            <a:r>
-              <a:rPr lang="zh-TW" altLang="en-US" dirty="0" smtClean="0"/>
-              <a:t>顯示</a:t>
-            </a:r>
-            <a:endParaRPr lang="en-US" altLang="zh-TW" dirty="0" smtClean="0"/>
-          </a:p>
-          <a:p>
-            <a:r>
-              <a:rPr lang="zh-TW" altLang="en-US" dirty="0"/>
-              <a:t>先寫一個基本</a:t>
-            </a:r>
-            <a:r>
-              <a:rPr lang="zh-TW" altLang="en-US" dirty="0" smtClean="0"/>
-              <a:t>樣子再修改，如右。</a:t>
-            </a:r>
-            <a:endParaRPr lang="en-US" altLang="zh-TW" dirty="0" smtClean="0"/>
+            <a:endParaRPr lang="zh-TW" altLang="en-US"/>
           </a:p>
         </p:txBody>
       </p:sp>
@@ -14567,8 +14734,32 @@
         </p:blipFill>
         <p:spPr>
           <a:xfrm>
-            <a:off x="4740831" y="1362456"/>
-            <a:ext cx="7300681" cy="5111495"/>
+            <a:off x="285750" y="1504949"/>
+            <a:ext cx="5874167" cy="5191125"/>
+          </a:xfrm>
+          <a:prstGeom prst="rect">
+            <a:avLst/>
+          </a:prstGeom>
+        </p:spPr>
+      </p:pic>
+      <p:pic>
+        <p:nvPicPr>
+          <p:cNvPr id="6" name="圖片 5"/>
+          <p:cNvPicPr>
+            <a:picLocks noChangeAspect="1"/>
+          </p:cNvPicPr>
+          <p:nvPr/>
+        </p:nvPicPr>
+        <p:blipFill>
+          <a:blip r:embed="rId3"/>
+          <a:stretch>
+            <a:fillRect/>
+          </a:stretch>
+        </p:blipFill>
+        <p:spPr>
+          <a:xfrm>
+            <a:off x="6217067" y="1514474"/>
+            <a:ext cx="5740244" cy="4200525"/>
           </a:xfrm>
           <a:prstGeom prst="rect">
             <a:avLst/>
@@ -14578,20 +14769,13 @@
     </p:spTree>
     <p:extLst>
       <p:ext uri="{BB962C8B-B14F-4D97-AF65-F5344CB8AC3E}">
-        <p14:creationId xmlns:p14="http://schemas.microsoft.com/office/powerpoint/2010/main" val="3179638467"/>
+        <p14:creationId xmlns:p14="http://schemas.microsoft.com/office/powerpoint/2010/main" val="427191406"/>
       </p:ext>
     </p:extLst>
   </p:cSld>
   <p:clrMapOvr>
     <a:masterClrMapping/>
   </p:clrMapOvr>
-  <p:timing>
-    <p:tnLst>
-      <p:par>
-        <p:cTn id="1" dur="indefinite" restart="never" nodeType="tmRoot"/>
-      </p:par>
-    </p:tnLst>
-  </p:timing>
 </p:sld>
 </file>
 
@@ -14629,158 +14813,19 @@
           <a:p>
             <a:r>
               <a:rPr lang="zh-TW" altLang="en-US" dirty="0" smtClean="0"/>
-              <a:t>主程式部分</a:t>
-            </a:r>
-            <a:endParaRPr lang="zh-TW" altLang="en-US" dirty="0"/>
-          </a:p>
-        </p:txBody>
-      </p:sp>
-      <p:sp>
-        <p:nvSpPr>
-          <p:cNvPr id="3" name="內容版面配置區 2"/>
-          <p:cNvSpPr>
-            <a:spLocks noGrp="1"/>
-          </p:cNvSpPr>
-          <p:nvPr>
-            <p:ph idx="1"/>
-          </p:nvPr>
-        </p:nvSpPr>
-        <p:spPr>
-          <a:xfrm>
-            <a:off x="677334" y="2160589"/>
-            <a:ext cx="4342722" cy="3880773"/>
-          </a:xfrm>
-        </p:spPr>
-        <p:txBody>
-          <a:bodyPr/>
-          <a:lstStyle/>
-          <a:p>
-            <a:r>
-              <a:rPr lang="zh-TW" altLang="en-US" dirty="0" smtClean="0"/>
-              <a:t>示範了兩種設定屬性方式：</a:t>
-            </a:r>
-            <a:endParaRPr lang="en-US" altLang="zh-TW" dirty="0" smtClean="0"/>
-          </a:p>
-          <a:p>
-            <a:pPr lvl="1"/>
-            <a:r>
-              <a:rPr lang="zh-TW" altLang="en-US" dirty="0"/>
-              <a:t>透過建構</a:t>
-            </a:r>
-            <a:r>
-              <a:rPr lang="zh-TW" altLang="en-US" dirty="0" smtClean="0"/>
-              <a:t>式</a:t>
-            </a:r>
-            <a:endParaRPr lang="en-US" altLang="zh-TW" dirty="0" smtClean="0"/>
-          </a:p>
-          <a:p>
-            <a:pPr lvl="1"/>
-            <a:r>
-              <a:rPr lang="zh-TW" altLang="en-US" dirty="0"/>
-              <a:t>透過</a:t>
-            </a:r>
-            <a:r>
-              <a:rPr lang="en-US" altLang="zh-TW" dirty="0" err="1"/>
-              <a:t>SetXXX</a:t>
-            </a:r>
-            <a:r>
-              <a:rPr lang="en-US" altLang="zh-TW" dirty="0"/>
-              <a:t>()</a:t>
-            </a:r>
-            <a:r>
-              <a:rPr lang="zh-TW" altLang="en-US" dirty="0"/>
-              <a:t>方法</a:t>
-            </a:r>
-          </a:p>
-        </p:txBody>
-      </p:sp>
-      <p:pic>
-        <p:nvPicPr>
-          <p:cNvPr id="4" name="圖片 3"/>
-          <p:cNvPicPr>
-            <a:picLocks noChangeAspect="1"/>
-          </p:cNvPicPr>
-          <p:nvPr/>
-        </p:nvPicPr>
-        <p:blipFill>
-          <a:blip r:embed="rId2"/>
-          <a:stretch>
-            <a:fillRect/>
-          </a:stretch>
-        </p:blipFill>
-        <p:spPr>
-          <a:xfrm>
-            <a:off x="5185073" y="609600"/>
-            <a:ext cx="6866720" cy="6156959"/>
-          </a:xfrm>
-          <a:prstGeom prst="rect">
-            <a:avLst/>
-          </a:prstGeom>
-        </p:spPr>
-      </p:pic>
-    </p:spTree>
-    <p:extLst>
-      <p:ext uri="{BB962C8B-B14F-4D97-AF65-F5344CB8AC3E}">
-        <p14:creationId xmlns:p14="http://schemas.microsoft.com/office/powerpoint/2010/main" val="2403245631"/>
-      </p:ext>
-    </p:extLst>
-  </p:cSld>
-  <p:clrMapOvr>
-    <a:masterClrMapping/>
-  </p:clrMapOvr>
-  <p:timing>
-    <p:tnLst>
-      <p:par>
-        <p:cTn id="1" dur="indefinite" restart="never" nodeType="tmRoot"/>
-      </p:par>
-    </p:tnLst>
-  </p:timing>
-</p:sld>
-</file>
-
-<file path=ppt/slides/slide33.xml><?xml version="1.0" encoding="utf-8"?>
-<p:sld xmlns:a="http://schemas.openxmlformats.org/drawingml/2006/main" xmlns:r="http://schemas.openxmlformats.org/officeDocument/2006/relationships" xmlns:p="http://schemas.openxmlformats.org/presentationml/2006/main">
-  <p:cSld>
-    <p:spTree>
-      <p:nvGrpSpPr>
-        <p:cNvPr id="1" name=""/>
-        <p:cNvGrpSpPr/>
-        <p:nvPr/>
-      </p:nvGrpSpPr>
-      <p:grpSpPr>
-        <a:xfrm>
-          <a:off x="0" y="0"/>
-          <a:ext cx="0" cy="0"/>
-          <a:chOff x="0" y="0"/>
-          <a:chExt cx="0" cy="0"/>
-        </a:xfrm>
-      </p:grpSpPr>
-      <p:sp>
-        <p:nvSpPr>
-          <p:cNvPr id="2" name="標題 1"/>
-          <p:cNvSpPr>
-            <a:spLocks noGrp="1"/>
-          </p:cNvSpPr>
-          <p:nvPr>
-            <p:ph type="title"/>
-          </p:nvPr>
-        </p:nvSpPr>
-        <p:spPr/>
-        <p:txBody>
-          <a:bodyPr/>
-          <a:lstStyle/>
-          <a:p>
-            <a:r>
-              <a:rPr lang="en-US" altLang="zh-TW" dirty="0" err="1" smtClean="0"/>
-              <a:t>SetXXX</a:t>
+              <a:t>課後練習 </a:t>
             </a:r>
             <a:r>
               <a:rPr lang="en-US" altLang="zh-TW" dirty="0" smtClean="0"/>
-              <a:t>()</a:t>
-            </a:r>
-            <a:r>
-              <a:rPr lang="zh-TW" altLang="en-US" dirty="0" smtClean="0"/>
-              <a:t>方法可以用來限制屬性的範圍</a:t>
+              <a:t>Car</a:t>
+            </a:r>
+            <a:r>
+              <a:rPr lang="zh-TW" altLang="en-US" dirty="0" smtClean="0"/>
+              <a:t> </a:t>
+            </a:r>
+            <a:r>
+              <a:rPr lang="en-US" altLang="zh-TW" dirty="0" smtClean="0"/>
+              <a:t>class</a:t>
             </a:r>
             <a:endParaRPr lang="zh-TW" altLang="en-US" dirty="0"/>
           </a:p>
@@ -14803,103 +14848,175 @@
           <a:p>
             <a:r>
               <a:rPr lang="zh-TW" altLang="en-US" dirty="0" smtClean="0"/>
-              <a:t>例如，員工底薪不可以低於</a:t>
+              <a:t>如果又寫一個汽車類別，其中</a:t>
+            </a:r>
+            <a:endParaRPr lang="en-US" altLang="zh-TW" dirty="0" smtClean="0"/>
+          </a:p>
+          <a:p>
+            <a:pPr lvl="1"/>
+            <a:r>
+              <a:rPr lang="zh-TW" altLang="en-US" dirty="0" smtClean="0"/>
+              <a:t>屬性有：油量</a:t>
             </a:r>
             <a:r>
               <a:rPr lang="en-US" altLang="zh-TW" dirty="0" smtClean="0"/>
-              <a:t>25000</a:t>
-            </a:r>
-            <a:r>
-              <a:rPr lang="zh-TW" altLang="en-US" dirty="0" smtClean="0"/>
-              <a:t>元，也不會高過</a:t>
+              <a:t>(</a:t>
+            </a:r>
+            <a:r>
+              <a:rPr lang="zh-TW" altLang="en-US" dirty="0" smtClean="0"/>
+              <a:t>公升</a:t>
             </a:r>
             <a:r>
               <a:rPr lang="en-US" altLang="zh-TW" dirty="0" smtClean="0"/>
-              <a:t>40000</a:t>
-            </a:r>
-            <a:r>
-              <a:rPr lang="zh-TW" altLang="en-US" dirty="0" smtClean="0"/>
-              <a:t>元。</a:t>
-            </a:r>
-            <a:endParaRPr lang="en-US" altLang="zh-TW" dirty="0" smtClean="0"/>
-          </a:p>
-          <a:p>
-            <a:r>
-              <a:rPr lang="zh-TW" altLang="en-US" dirty="0"/>
-              <a:t>只要修改</a:t>
-            </a:r>
-            <a:r>
-              <a:rPr lang="en-US" altLang="zh-TW" dirty="0" err="1"/>
-              <a:t>SetPay</a:t>
-            </a:r>
-            <a:r>
-              <a:rPr lang="en-US" altLang="zh-TW" dirty="0"/>
-              <a:t>()</a:t>
-            </a:r>
+              <a:t>)</a:t>
+            </a:r>
+            <a:r>
+              <a:rPr lang="zh-TW" altLang="en-US" dirty="0" smtClean="0"/>
+              <a:t>、油耗</a:t>
+            </a:r>
+            <a:r>
+              <a:rPr lang="en-US" altLang="zh-TW" dirty="0" smtClean="0"/>
+              <a:t>(km/</a:t>
+            </a:r>
+            <a:r>
+              <a:rPr lang="zh-TW" altLang="en-US" dirty="0" smtClean="0"/>
+              <a:t>公升，可以設為固定值</a:t>
+            </a:r>
+            <a:r>
+              <a:rPr lang="en-US" altLang="zh-TW" dirty="0" smtClean="0"/>
+              <a:t>)</a:t>
+            </a:r>
+          </a:p>
+          <a:p>
+            <a:pPr lvl="1"/>
             <a:r>
               <a:rPr lang="zh-TW" altLang="en-US" dirty="0"/>
               <a:t>方法</a:t>
             </a:r>
             <a:r>
               <a:rPr lang="zh-TW" altLang="en-US" dirty="0" smtClean="0"/>
-              <a:t>，即可增加此規則。</a:t>
+              <a:t>有：行駛</a:t>
+            </a:r>
+            <a:r>
+              <a:rPr lang="en-US" altLang="zh-TW" dirty="0" smtClean="0"/>
+              <a:t>(float </a:t>
+            </a:r>
+            <a:r>
+              <a:rPr lang="zh-TW" altLang="en-US" dirty="0" smtClean="0"/>
+              <a:t>公里</a:t>
+            </a:r>
+            <a:r>
+              <a:rPr lang="zh-TW" altLang="en-US" dirty="0"/>
+              <a:t>數</a:t>
+            </a:r>
+            <a:r>
+              <a:rPr lang="en-US" altLang="zh-TW" dirty="0" smtClean="0"/>
+              <a:t>)</a:t>
+            </a:r>
+            <a:r>
+              <a:rPr lang="zh-TW" altLang="en-US" dirty="0" smtClean="0"/>
+              <a:t>、加油</a:t>
+            </a:r>
+            <a:r>
+              <a:rPr lang="en-US" altLang="zh-TW" dirty="0" smtClean="0"/>
+              <a:t>(float </a:t>
+            </a:r>
+            <a:r>
+              <a:rPr lang="zh-TW" altLang="en-US" dirty="0" smtClean="0"/>
+              <a:t>公升</a:t>
+            </a:r>
+            <a:r>
+              <a:rPr lang="en-US" altLang="zh-TW" dirty="0" smtClean="0"/>
+              <a:t>)</a:t>
+            </a:r>
+            <a:endParaRPr lang="en-US" altLang="zh-TW" dirty="0"/>
+          </a:p>
+          <a:p>
+            <a:pPr lvl="1"/>
+            <a:r>
+              <a:rPr lang="zh-TW" altLang="en-US" dirty="0" smtClean="0"/>
+              <a:t>試著用這個類別，寫一個測試程式</a:t>
             </a:r>
             <a:endParaRPr lang="en-US" altLang="zh-TW" dirty="0" smtClean="0"/>
           </a:p>
           <a:p>
-            <a:r>
-              <a:rPr lang="zh-TW" altLang="en-US" dirty="0" smtClean="0"/>
-              <a:t>修改後如下：</a:t>
-            </a:r>
-            <a:endParaRPr lang="zh-TW" altLang="en-US" dirty="0"/>
+            <a:pPr lvl="2"/>
+            <a:r>
+              <a:rPr lang="zh-TW" altLang="en-US" dirty="0"/>
+              <a:t>輸入行駛公里</a:t>
+            </a:r>
+            <a:r>
+              <a:rPr lang="zh-TW" altLang="en-US" dirty="0" smtClean="0"/>
+              <a:t>數，然後顯示目前剩餘油量、或者油量不足顯示油料用盡，只開了多遠。</a:t>
+            </a:r>
+            <a:endParaRPr lang="en-US" altLang="zh-TW" dirty="0" smtClean="0"/>
+          </a:p>
+          <a:p>
+            <a:pPr lvl="2"/>
+            <a:r>
+              <a:rPr lang="zh-TW" altLang="en-US" dirty="0" smtClean="0"/>
+              <a:t>每次輸入行駛公里數後，如果</a:t>
+            </a:r>
+            <a:r>
+              <a:rPr lang="zh-TW" altLang="en-US" dirty="0"/>
+              <a:t>油量</a:t>
+            </a:r>
+            <a:r>
+              <a:rPr lang="zh-TW" altLang="en-US" dirty="0" smtClean="0"/>
+              <a:t>低於</a:t>
+            </a:r>
+            <a:r>
+              <a:rPr lang="en-US" altLang="zh-TW" dirty="0" smtClean="0"/>
+              <a:t>5</a:t>
+            </a:r>
+            <a:r>
+              <a:rPr lang="zh-TW" altLang="en-US" dirty="0" smtClean="0"/>
+              <a:t>公升，自動加油到</a:t>
+            </a:r>
+            <a:r>
+              <a:rPr lang="en-US" altLang="zh-TW" dirty="0" smtClean="0"/>
+              <a:t>40</a:t>
+            </a:r>
+            <a:r>
+              <a:rPr lang="zh-TW" altLang="en-US" dirty="0" smtClean="0"/>
+              <a:t>公升</a:t>
+            </a:r>
+            <a:endParaRPr lang="en-US" altLang="zh-TW" dirty="0" smtClean="0"/>
+          </a:p>
+          <a:p>
+            <a:endParaRPr lang="en-US" altLang="zh-TW" dirty="0"/>
+          </a:p>
+          <a:p>
+            <a:r>
+              <a:rPr lang="zh-TW" altLang="en-US" b="1" i="1" dirty="0" smtClean="0">
+                <a:solidFill>
+                  <a:srgbClr val="C00000"/>
+                </a:solidFill>
+              </a:rPr>
+              <a:t>沒標準答案！完全看你自己規劃！</a:t>
+            </a:r>
+            <a:endParaRPr lang="zh-TW" altLang="en-US" b="1" i="1" dirty="0">
+              <a:solidFill>
+                <a:srgbClr val="C00000"/>
+              </a:solidFill>
+            </a:endParaRPr>
           </a:p>
         </p:txBody>
       </p:sp>
-      <p:pic>
-        <p:nvPicPr>
-          <p:cNvPr id="4" name="圖片 3"/>
-          <p:cNvPicPr>
-            <a:picLocks noChangeAspect="1"/>
-          </p:cNvPicPr>
-          <p:nvPr/>
-        </p:nvPicPr>
-        <p:blipFill>
-          <a:blip r:embed="rId2"/>
-          <a:stretch>
-            <a:fillRect/>
-          </a:stretch>
-        </p:blipFill>
-        <p:spPr>
-          <a:xfrm>
-            <a:off x="1033272" y="3517582"/>
-            <a:ext cx="6535930" cy="1575626"/>
-          </a:xfrm>
-          <a:prstGeom prst="rect">
-            <a:avLst/>
-          </a:prstGeom>
-        </p:spPr>
-      </p:pic>
     </p:spTree>
     <p:extLst>
       <p:ext uri="{BB962C8B-B14F-4D97-AF65-F5344CB8AC3E}">
-        <p14:creationId xmlns:p14="http://schemas.microsoft.com/office/powerpoint/2010/main" val="3461266428"/>
+        <p14:creationId xmlns:p14="http://schemas.microsoft.com/office/powerpoint/2010/main" val="167055640"/>
       </p:ext>
     </p:extLst>
   </p:cSld>
   <p:clrMapOvr>
     <a:masterClrMapping/>
   </p:clrMapOvr>
-  <p:timing>
-    <p:tnLst>
-      <p:par>
-        <p:cTn id="1" dur="indefinite" restart="never" nodeType="tmRoot"/>
-      </p:par>
-    </p:tnLst>
-  </p:timing>
 </p:sld>
 </file>
 
-<file path=ppt/slides/slide34.xml><?xml version="1.0" encoding="utf-8"?>
+<file path=ppt/slides/slide33.xml><?xml version="1.0" encoding="utf-8"?>
 <p:sld xmlns:a="http://schemas.openxmlformats.org/drawingml/2006/main" xmlns:r="http://schemas.openxmlformats.org/officeDocument/2006/relationships" xmlns:p="http://schemas.openxmlformats.org/presentationml/2006/main">
   <p:cSld>
     <p:spTree>
@@ -15899,7 +16016,7 @@
 </p:sld>
 </file>
 
-<file path=ppt/slides/slide35.xml><?xml version="1.0" encoding="utf-8"?>
+<file path=ppt/slides/slide34.xml><?xml version="1.0" encoding="utf-8"?>
 <p:sld xmlns:a="http://schemas.openxmlformats.org/drawingml/2006/main" xmlns:r="http://schemas.openxmlformats.org/officeDocument/2006/relationships" xmlns:p="http://schemas.openxmlformats.org/presentationml/2006/main">
   <p:cSld>
     <p:spTree>
@@ -16045,8 +16162,44 @@
           <a:p>
             <a:pPr lvl="1"/>
             <a:r>
+              <a:rPr lang="zh-TW" altLang="en-US" dirty="0" smtClean="0"/>
+              <a:t>基底類別通常是比較</a:t>
+            </a:r>
+            <a:r>
+              <a:rPr lang="zh-TW" altLang="en-US" b="1" dirty="0" smtClean="0"/>
+              <a:t>一般化</a:t>
+            </a:r>
+            <a:r>
+              <a:rPr lang="zh-TW" altLang="en-US" dirty="0" smtClean="0"/>
+              <a:t>、比較</a:t>
+            </a:r>
+            <a:r>
+              <a:rPr lang="zh-TW" altLang="en-US" b="1" dirty="0" smtClean="0"/>
+              <a:t>抽象</a:t>
+            </a:r>
+            <a:r>
+              <a:rPr lang="zh-TW" altLang="en-US" dirty="0" smtClean="0"/>
+              <a:t>、比較</a:t>
+            </a:r>
+            <a:r>
+              <a:rPr lang="zh-TW" altLang="en-US" b="1" dirty="0" smtClean="0"/>
+              <a:t>共通</a:t>
+            </a:r>
+            <a:r>
+              <a:rPr lang="zh-TW" altLang="en-US" dirty="0" smtClean="0"/>
+              <a:t>的類別。</a:t>
+            </a:r>
+            <a:endParaRPr lang="en-US" altLang="zh-TW" dirty="0" smtClean="0"/>
+          </a:p>
+          <a:p>
+            <a:pPr lvl="1"/>
+            <a:r>
+              <a:rPr lang="zh-TW" altLang="en-US" dirty="0" smtClean="0"/>
+              <a:t>其中</a:t>
+            </a:r>
+            <a:r>
               <a:rPr lang="zh-TW" altLang="en-US" dirty="0"/>
-              <a:t>其中衍生類別允許繼承基底類別的屬性及方法，並「加入新的屬性及方法」或者改寫</a:t>
+              <a:t>衍生類別允許繼承基底類別的屬性及方法，並「加入新的屬性及方法」或者改寫</a:t>
             </a:r>
             <a:r>
               <a:rPr lang="en-US" altLang="zh-TW" dirty="0"/>
@@ -16091,7 +16244,7 @@
 </p:sld>
 </file>
 
-<file path=ppt/slides/slide36.xml><?xml version="1.0" encoding="utf-8"?>
+<file path=ppt/slides/slide35.xml><?xml version="1.0" encoding="utf-8"?>
 <p:sld xmlns:a="http://schemas.openxmlformats.org/drawingml/2006/main" xmlns:r="http://schemas.openxmlformats.org/officeDocument/2006/relationships" xmlns:p="http://schemas.openxmlformats.org/presentationml/2006/main">
   <p:cSld>
     <p:spTree>
@@ -16205,7 +16358,7 @@
 </p:sld>
 </file>
 
-<file path=ppt/slides/slide37.xml><?xml version="1.0" encoding="utf-8"?>
+<file path=ppt/slides/slide36.xml><?xml version="1.0" encoding="utf-8"?>
 <p:sld xmlns:a="http://schemas.openxmlformats.org/drawingml/2006/main" xmlns:r="http://schemas.openxmlformats.org/officeDocument/2006/relationships" xmlns:p="http://schemas.openxmlformats.org/presentationml/2006/main">
   <p:cSld>
     <p:spTree>
@@ -16887,7 +17040,7 @@
 </p:sld>
 </file>
 
-<file path=ppt/slides/slide38.xml><?xml version="1.0" encoding="utf-8"?>
+<file path=ppt/slides/slide37.xml><?xml version="1.0" encoding="utf-8"?>
 <p:sld xmlns:a="http://schemas.openxmlformats.org/drawingml/2006/main" xmlns:r="http://schemas.openxmlformats.org/officeDocument/2006/relationships" xmlns:p="http://schemas.openxmlformats.org/presentationml/2006/main">
   <p:cSld>
     <p:spTree>
@@ -17520,6 +17673,546 @@
 </p:sld>
 </file>
 
+<file path=ppt/slides/slide38.xml><?xml version="1.0" encoding="utf-8"?>
+<p:sld xmlns:a="http://schemas.openxmlformats.org/drawingml/2006/main" xmlns:r="http://schemas.openxmlformats.org/officeDocument/2006/relationships" xmlns:p="http://schemas.openxmlformats.org/presentationml/2006/main">
+  <p:cSld>
+    <p:spTree>
+      <p:nvGrpSpPr>
+        <p:cNvPr id="1" name=""/>
+        <p:cNvGrpSpPr/>
+        <p:nvPr/>
+      </p:nvGrpSpPr>
+      <p:grpSpPr>
+        <a:xfrm>
+          <a:off x="0" y="0"/>
+          <a:ext cx="0" cy="0"/>
+          <a:chOff x="0" y="0"/>
+          <a:chExt cx="0" cy="0"/>
+        </a:xfrm>
+      </p:grpSpPr>
+      <p:sp>
+        <p:nvSpPr>
+          <p:cNvPr id="2" name="標題 1"/>
+          <p:cNvSpPr>
+            <a:spLocks noGrp="1"/>
+          </p:cNvSpPr>
+          <p:nvPr>
+            <p:ph type="title"/>
+          </p:nvPr>
+        </p:nvSpPr>
+        <p:spPr/>
+        <p:txBody>
+          <a:bodyPr/>
+          <a:lstStyle/>
+          <a:p>
+            <a:r>
+              <a:rPr lang="en-US" altLang="zh-TW" dirty="0" smtClean="0"/>
+              <a:t>Java</a:t>
+            </a:r>
+            <a:r>
+              <a:rPr lang="zh-TW" altLang="en-US" dirty="0" smtClean="0"/>
+              <a:t>中繼承的語法</a:t>
+            </a:r>
+            <a:r>
+              <a:rPr lang="en-US" altLang="zh-TW" dirty="0" smtClean="0"/>
+              <a:t/>
+            </a:r>
+            <a:br>
+              <a:rPr lang="en-US" altLang="zh-TW" dirty="0" smtClean="0"/>
+            </a:br>
+            <a:r>
+              <a:rPr lang="en-US" altLang="zh-TW" dirty="0"/>
+              <a:t>	</a:t>
+            </a:r>
+            <a:r>
+              <a:rPr lang="en-US" altLang="zh-TW" dirty="0" smtClean="0"/>
+              <a:t>--</a:t>
+            </a:r>
+            <a:r>
+              <a:rPr lang="zh-TW" altLang="en-US" dirty="0" smtClean="0"/>
+              <a:t>完整的類別宣告架構</a:t>
+            </a:r>
+            <a:endParaRPr lang="zh-TW" altLang="en-US" dirty="0"/>
+          </a:p>
+        </p:txBody>
+      </p:sp>
+      <p:sp>
+        <p:nvSpPr>
+          <p:cNvPr id="3" name="內容版面配置區 2"/>
+          <p:cNvSpPr>
+            <a:spLocks noGrp="1"/>
+          </p:cNvSpPr>
+          <p:nvPr>
+            <p:ph idx="1"/>
+          </p:nvPr>
+        </p:nvSpPr>
+        <p:spPr>
+          <a:xfrm>
+            <a:off x="1344846" y="1847088"/>
+            <a:ext cx="8164914" cy="4681728"/>
+          </a:xfrm>
+        </p:spPr>
+        <p:txBody>
+          <a:bodyPr>
+            <a:normAutofit/>
+          </a:bodyPr>
+          <a:lstStyle/>
+          <a:p>
+            <a:pPr marL="0" indent="0">
+              <a:buNone/>
+            </a:pPr>
+            <a:r>
+              <a:rPr lang="en-US" altLang="zh-TW" dirty="0"/>
+              <a:t>[</a:t>
+            </a:r>
+            <a:r>
+              <a:rPr lang="zh-TW" altLang="en-US" dirty="0"/>
+              <a:t>封裝等級</a:t>
+            </a:r>
+            <a:r>
+              <a:rPr lang="en-US" altLang="zh-TW" dirty="0"/>
+              <a:t>] [</a:t>
+            </a:r>
+            <a:r>
+              <a:rPr lang="zh-TW" altLang="en-US" dirty="0"/>
+              <a:t>修飾字</a:t>
+            </a:r>
+            <a:r>
+              <a:rPr lang="en-US" altLang="zh-TW" dirty="0"/>
+              <a:t>]  class  </a:t>
+            </a:r>
+            <a:r>
+              <a:rPr lang="zh-TW" altLang="en-US" dirty="0"/>
+              <a:t>類別名稱   </a:t>
+            </a:r>
+            <a:r>
+              <a:rPr lang="en-US" altLang="zh-TW" dirty="0"/>
+              <a:t>[</a:t>
+            </a:r>
+            <a:r>
+              <a:rPr lang="en-US" altLang="zh-TW" dirty="0">
+                <a:solidFill>
+                  <a:schemeClr val="accent5"/>
+                </a:solidFill>
+              </a:rPr>
+              <a:t>extends</a:t>
+            </a:r>
+            <a:r>
+              <a:rPr lang="en-US" altLang="zh-TW" dirty="0"/>
+              <a:t> </a:t>
+            </a:r>
+            <a:r>
+              <a:rPr lang="zh-TW" altLang="en-US" dirty="0"/>
+              <a:t>父類別</a:t>
+            </a:r>
+            <a:r>
+              <a:rPr lang="en-US" altLang="zh-TW" dirty="0"/>
+              <a:t>] [</a:t>
+            </a:r>
+            <a:r>
+              <a:rPr lang="en-US" altLang="zh-TW" dirty="0">
+                <a:solidFill>
+                  <a:schemeClr val="accent5"/>
+                </a:solidFill>
+              </a:rPr>
+              <a:t>implements</a:t>
+            </a:r>
+            <a:r>
+              <a:rPr lang="zh-TW" altLang="en-US" dirty="0"/>
+              <a:t>介面</a:t>
+            </a:r>
+            <a:r>
+              <a:rPr lang="en-US" altLang="zh-TW" dirty="0" smtClean="0"/>
+              <a:t>]</a:t>
+            </a:r>
+            <a:r>
+              <a:rPr lang="zh-TW" altLang="en-US" dirty="0" smtClean="0"/>
+              <a:t>  </a:t>
+            </a:r>
+            <a:r>
+              <a:rPr lang="en-US" altLang="zh-TW" dirty="0" smtClean="0"/>
+              <a:t>{</a:t>
+            </a:r>
+            <a:r>
+              <a:rPr lang="zh-TW" altLang="en-US" dirty="0" smtClean="0"/>
+              <a:t> </a:t>
+            </a:r>
+            <a:endParaRPr lang="en-US" altLang="zh-TW" dirty="0"/>
+          </a:p>
+          <a:p>
+            <a:pPr marL="0" indent="0">
+              <a:buNone/>
+            </a:pPr>
+            <a:r>
+              <a:rPr lang="en-US" altLang="zh-TW" dirty="0"/>
+              <a:t>    [</a:t>
+            </a:r>
+            <a:r>
+              <a:rPr lang="zh-TW" altLang="en-US" dirty="0"/>
+              <a:t>封裝等級</a:t>
+            </a:r>
+            <a:r>
+              <a:rPr lang="en-US" altLang="zh-TW" dirty="0"/>
+              <a:t>] [</a:t>
+            </a:r>
+            <a:r>
+              <a:rPr lang="zh-TW" altLang="en-US" dirty="0"/>
+              <a:t>修飾字</a:t>
+            </a:r>
+            <a:r>
+              <a:rPr lang="en-US" altLang="zh-TW" dirty="0"/>
+              <a:t>]   </a:t>
+            </a:r>
+            <a:r>
+              <a:rPr lang="zh-TW" altLang="en-US" dirty="0"/>
+              <a:t>資料型態   </a:t>
+            </a:r>
+            <a:r>
+              <a:rPr lang="en-US" altLang="zh-TW" dirty="0">
+                <a:solidFill>
+                  <a:srgbClr val="00B0F0"/>
+                </a:solidFill>
+              </a:rPr>
+              <a:t>field</a:t>
+            </a:r>
+            <a:r>
+              <a:rPr lang="zh-TW" altLang="en-US" dirty="0">
+                <a:solidFill>
+                  <a:srgbClr val="00B0F0"/>
+                </a:solidFill>
+              </a:rPr>
+              <a:t>名稱</a:t>
+            </a:r>
+            <a:r>
+              <a:rPr lang="en-US" altLang="zh-TW" dirty="0">
+                <a:solidFill>
+                  <a:srgbClr val="00B0F0"/>
+                </a:solidFill>
+              </a:rPr>
+              <a:t>1</a:t>
+            </a:r>
+            <a:r>
+              <a:rPr lang="en-US" altLang="zh-TW" dirty="0"/>
+              <a:t>; </a:t>
+            </a:r>
+          </a:p>
+          <a:p>
+            <a:pPr marL="0" indent="0">
+              <a:buNone/>
+            </a:pPr>
+            <a:r>
+              <a:rPr lang="en-US" altLang="zh-TW" dirty="0"/>
+              <a:t>    [</a:t>
+            </a:r>
+            <a:r>
+              <a:rPr lang="zh-TW" altLang="en-US" dirty="0"/>
+              <a:t>封裝等級</a:t>
+            </a:r>
+            <a:r>
+              <a:rPr lang="en-US" altLang="zh-TW" dirty="0"/>
+              <a:t>] [</a:t>
+            </a:r>
+            <a:r>
+              <a:rPr lang="zh-TW" altLang="en-US" dirty="0"/>
+              <a:t>修飾字</a:t>
+            </a:r>
+            <a:r>
+              <a:rPr lang="en-US" altLang="zh-TW" dirty="0"/>
+              <a:t>]   </a:t>
+            </a:r>
+            <a:r>
+              <a:rPr lang="zh-TW" altLang="en-US" dirty="0"/>
+              <a:t>資料型態   </a:t>
+            </a:r>
+            <a:r>
+              <a:rPr lang="en-US" altLang="zh-TW" dirty="0">
+                <a:solidFill>
+                  <a:srgbClr val="00B0F0"/>
+                </a:solidFill>
+              </a:rPr>
+              <a:t>field</a:t>
+            </a:r>
+            <a:r>
+              <a:rPr lang="zh-TW" altLang="en-US" dirty="0">
+                <a:solidFill>
+                  <a:srgbClr val="00B0F0"/>
+                </a:solidFill>
+              </a:rPr>
+              <a:t>名稱</a:t>
+            </a:r>
+            <a:r>
+              <a:rPr lang="en-US" altLang="zh-TW" dirty="0">
+                <a:solidFill>
+                  <a:srgbClr val="00B0F0"/>
+                </a:solidFill>
+              </a:rPr>
+              <a:t>2</a:t>
+            </a:r>
+            <a:r>
+              <a:rPr lang="en-US" altLang="zh-TW" dirty="0"/>
+              <a:t>; </a:t>
+            </a:r>
+            <a:endParaRPr lang="en-US" altLang="zh-TW" dirty="0" smtClean="0"/>
+          </a:p>
+          <a:p>
+            <a:pPr marL="0" indent="0">
+              <a:buNone/>
+            </a:pPr>
+            <a:endParaRPr lang="en-US" altLang="zh-TW" dirty="0"/>
+          </a:p>
+          <a:p>
+            <a:pPr marL="0" indent="0">
+              <a:buNone/>
+            </a:pPr>
+            <a:r>
+              <a:rPr lang="en-US" altLang="zh-TW" dirty="0" smtClean="0"/>
+              <a:t>    </a:t>
+            </a:r>
+            <a:r>
+              <a:rPr lang="en-US" altLang="zh-TW" dirty="0"/>
+              <a:t>[</a:t>
+            </a:r>
+            <a:r>
+              <a:rPr lang="zh-TW" altLang="en-US" dirty="0"/>
+              <a:t>封裝等級</a:t>
+            </a:r>
+            <a:r>
+              <a:rPr lang="en-US" altLang="zh-TW" dirty="0"/>
+              <a:t>] [</a:t>
+            </a:r>
+            <a:r>
+              <a:rPr lang="zh-TW" altLang="en-US" dirty="0"/>
+              <a:t>修飾字</a:t>
+            </a:r>
+            <a:r>
+              <a:rPr lang="en-US" altLang="zh-TW" dirty="0"/>
+              <a:t>]   </a:t>
+            </a:r>
+            <a:r>
+              <a:rPr lang="zh-TW" altLang="en-US" dirty="0"/>
+              <a:t>回傳值資料型態   </a:t>
+            </a:r>
+            <a:r>
+              <a:rPr lang="en-US" altLang="zh-TW" dirty="0">
+                <a:solidFill>
+                  <a:schemeClr val="accent5">
+                    <a:lumMod val="60000"/>
+                    <a:lumOff val="40000"/>
+                  </a:schemeClr>
+                </a:solidFill>
+              </a:rPr>
+              <a:t>method</a:t>
+            </a:r>
+            <a:r>
+              <a:rPr lang="zh-TW" altLang="en-US" dirty="0">
+                <a:solidFill>
+                  <a:schemeClr val="accent5">
+                    <a:lumMod val="60000"/>
+                    <a:lumOff val="40000"/>
+                  </a:schemeClr>
+                </a:solidFill>
+              </a:rPr>
+              <a:t>名稱</a:t>
+            </a:r>
+            <a:r>
+              <a:rPr lang="en-US" altLang="zh-TW" dirty="0">
+                <a:solidFill>
+                  <a:schemeClr val="accent5">
+                    <a:lumMod val="60000"/>
+                    <a:lumOff val="40000"/>
+                  </a:schemeClr>
+                </a:solidFill>
+              </a:rPr>
+              <a:t>1</a:t>
+            </a:r>
+            <a:r>
+              <a:rPr lang="en-US" altLang="zh-TW" dirty="0"/>
+              <a:t>(</a:t>
+            </a:r>
+            <a:r>
+              <a:rPr lang="zh-TW" altLang="en-US" dirty="0"/>
+              <a:t>參數串宣告</a:t>
+            </a:r>
+            <a:r>
+              <a:rPr lang="en-US" altLang="zh-TW" dirty="0"/>
+              <a:t>) </a:t>
+            </a:r>
+            <a:r>
+              <a:rPr lang="en-US" altLang="zh-TW" dirty="0" smtClean="0"/>
+              <a:t> </a:t>
+            </a:r>
+            <a:r>
+              <a:rPr lang="en-US" altLang="zh-TW" dirty="0"/>
+              <a:t>{</a:t>
+            </a:r>
+          </a:p>
+          <a:p>
+            <a:pPr marL="0" indent="0">
+              <a:buNone/>
+            </a:pPr>
+            <a:r>
+              <a:rPr lang="en-US" altLang="zh-TW" dirty="0"/>
+              <a:t>            method</a:t>
+            </a:r>
+            <a:r>
+              <a:rPr lang="zh-TW" altLang="en-US" dirty="0"/>
+              <a:t>的內容</a:t>
+            </a:r>
+          </a:p>
+          <a:p>
+            <a:pPr marL="0" indent="0">
+              <a:buNone/>
+            </a:pPr>
+            <a:r>
+              <a:rPr lang="zh-TW" altLang="en-US" dirty="0"/>
+              <a:t>    </a:t>
+            </a:r>
+            <a:r>
+              <a:rPr lang="en-US" altLang="zh-TW" dirty="0"/>
+              <a:t>}</a:t>
+            </a:r>
+          </a:p>
+          <a:p>
+            <a:pPr marL="0" indent="0">
+              <a:buNone/>
+            </a:pPr>
+            <a:r>
+              <a:rPr lang="en-US" altLang="zh-TW" dirty="0"/>
+              <a:t>    [</a:t>
+            </a:r>
+            <a:r>
+              <a:rPr lang="zh-TW" altLang="en-US" dirty="0"/>
+              <a:t>封裝等級</a:t>
+            </a:r>
+            <a:r>
+              <a:rPr lang="en-US" altLang="zh-TW" dirty="0"/>
+              <a:t>] [</a:t>
+            </a:r>
+            <a:r>
+              <a:rPr lang="zh-TW" altLang="en-US" dirty="0"/>
+              <a:t>修飾字</a:t>
+            </a:r>
+            <a:r>
+              <a:rPr lang="en-US" altLang="zh-TW" dirty="0"/>
+              <a:t>]   </a:t>
+            </a:r>
+            <a:r>
+              <a:rPr lang="zh-TW" altLang="en-US" dirty="0"/>
+              <a:t>回傳值資料型態   </a:t>
+            </a:r>
+            <a:r>
+              <a:rPr lang="en-US" altLang="zh-TW" dirty="0">
+                <a:solidFill>
+                  <a:schemeClr val="accent5">
+                    <a:lumMod val="60000"/>
+                    <a:lumOff val="40000"/>
+                  </a:schemeClr>
+                </a:solidFill>
+              </a:rPr>
+              <a:t>method</a:t>
+            </a:r>
+            <a:r>
+              <a:rPr lang="zh-TW" altLang="en-US" dirty="0">
+                <a:solidFill>
+                  <a:schemeClr val="accent5">
+                    <a:lumMod val="60000"/>
+                    <a:lumOff val="40000"/>
+                  </a:schemeClr>
+                </a:solidFill>
+              </a:rPr>
+              <a:t>名稱</a:t>
+            </a:r>
+            <a:r>
+              <a:rPr lang="en-US" altLang="zh-TW" dirty="0">
+                <a:solidFill>
+                  <a:schemeClr val="accent5">
+                    <a:lumMod val="60000"/>
+                    <a:lumOff val="40000"/>
+                  </a:schemeClr>
+                </a:solidFill>
+              </a:rPr>
+              <a:t>2</a:t>
+            </a:r>
+            <a:r>
+              <a:rPr lang="en-US" altLang="zh-TW" dirty="0"/>
+              <a:t>(</a:t>
+            </a:r>
+            <a:r>
+              <a:rPr lang="zh-TW" altLang="en-US" dirty="0"/>
+              <a:t>參數串宣告</a:t>
+            </a:r>
+            <a:r>
+              <a:rPr lang="en-US" altLang="zh-TW" dirty="0" smtClean="0"/>
+              <a:t>)</a:t>
+            </a:r>
+            <a:r>
+              <a:rPr lang="zh-TW" altLang="en-US" dirty="0" smtClean="0"/>
+              <a:t>  </a:t>
+            </a:r>
+            <a:r>
+              <a:rPr lang="en-US" altLang="zh-TW" dirty="0" smtClean="0"/>
+              <a:t>{</a:t>
+            </a:r>
+            <a:endParaRPr lang="en-US" altLang="zh-TW" dirty="0"/>
+          </a:p>
+          <a:p>
+            <a:pPr marL="0" indent="0">
+              <a:buNone/>
+            </a:pPr>
+            <a:r>
+              <a:rPr lang="en-US" altLang="zh-TW" dirty="0"/>
+              <a:t>            method</a:t>
+            </a:r>
+            <a:r>
+              <a:rPr lang="zh-TW" altLang="en-US" dirty="0"/>
+              <a:t>的內容</a:t>
+            </a:r>
+          </a:p>
+          <a:p>
+            <a:pPr marL="0" indent="0">
+              <a:buNone/>
+            </a:pPr>
+            <a:r>
+              <a:rPr lang="zh-TW" altLang="en-US" dirty="0"/>
+              <a:t>    </a:t>
+            </a:r>
+            <a:r>
+              <a:rPr lang="en-US" altLang="zh-TW" dirty="0" smtClean="0"/>
+              <a:t>} </a:t>
+            </a:r>
+            <a:endParaRPr lang="en-US" altLang="zh-TW" dirty="0"/>
+          </a:p>
+          <a:p>
+            <a:pPr marL="0" indent="0">
+              <a:buNone/>
+            </a:pPr>
+            <a:r>
+              <a:rPr lang="en-US" altLang="zh-TW" dirty="0"/>
+              <a:t>}</a:t>
+            </a:r>
+          </a:p>
+        </p:txBody>
+      </p:sp>
+    </p:spTree>
+    <p:extLst>
+      <p:ext uri="{BB962C8B-B14F-4D97-AF65-F5344CB8AC3E}">
+        <p14:creationId xmlns:p14="http://schemas.microsoft.com/office/powerpoint/2010/main" val="2783751800"/>
+      </p:ext>
+    </p:extLst>
+  </p:cSld>
+  <p:clrMapOvr>
+    <a:masterClrMapping/>
+  </p:clrMapOvr>
+  <p:timing>
+    <p:tnLst>
+      <p:par>
+        <p:cTn id="1" dur="indefinite" restart="never" nodeType="tmRoot"/>
+      </p:par>
+    </p:tnLst>
+  </p:timing>
+</p:sld>
+</file>
+
 <file path=ppt/slides/slide39.xml><?xml version="1.0" encoding="utf-8"?>
 <p:sld xmlns:a="http://schemas.openxmlformats.org/drawingml/2006/main" xmlns:r="http://schemas.openxmlformats.org/officeDocument/2006/relationships" xmlns:p="http://schemas.openxmlformats.org/presentationml/2006/main">
   <p:cSld>
@@ -17553,12 +18246,8 @@
           <a:lstStyle/>
           <a:p>
             <a:r>
-              <a:rPr lang="en-US" altLang="zh-TW" dirty="0" smtClean="0"/>
-              <a:t>Java</a:t>
-            </a:r>
-            <a:r>
-              <a:rPr lang="zh-TW" altLang="en-US" dirty="0" smtClean="0"/>
-              <a:t>中繼承的語法</a:t>
+              <a:rPr lang="zh-TW" altLang="en-US" dirty="0" smtClean="0"/>
+              <a:t>實際範例</a:t>
             </a:r>
             <a:r>
               <a:rPr lang="en-US" altLang="zh-TW" dirty="0" smtClean="0"/>
@@ -17568,16 +18257,14 @@
               <a:rPr lang="en-US" altLang="zh-TW" dirty="0" smtClean="0"/>
             </a:br>
             <a:r>
-              <a:rPr lang="en-US" altLang="zh-TW" dirty="0"/>
-              <a:t>	</a:t>
-            </a:r>
-            <a:r>
-              <a:rPr lang="en-US" altLang="zh-TW" dirty="0" smtClean="0"/>
-              <a:t>--</a:t>
-            </a:r>
-            <a:r>
-              <a:rPr lang="zh-TW" altLang="en-US" dirty="0" smtClean="0"/>
-              <a:t>完整的類別宣告架構</a:t>
+              <a:rPr lang="en-US" altLang="zh-TW" dirty="0" err="1" smtClean="0"/>
+              <a:t>Employee</a:t>
+            </a:r>
+            <a:r>
+              <a:rPr lang="en-US" altLang="zh-TW" dirty="0" err="1" smtClean="0">
+                <a:sym typeface="Wingdings" panose="05000000000000000000" pitchFamily="2" charset="2"/>
+              </a:rPr>
+              <a:t>Manager</a:t>
             </a:r>
             <a:endParaRPr lang="zh-TW" altLang="en-US" dirty="0"/>
           </a:p>
@@ -17593,400 +18280,18 @@
             <p:ph idx="1"/>
           </p:nvPr>
         </p:nvSpPr>
-        <p:spPr>
-          <a:xfrm>
-            <a:off x="1344846" y="1847088"/>
-            <a:ext cx="8164914" cy="4681728"/>
-          </a:xfrm>
-        </p:spPr>
+        <p:spPr/>
         <p:txBody>
-          <a:bodyPr>
-            <a:normAutofit/>
-          </a:bodyPr>
+          <a:bodyPr/>
           <a:lstStyle/>
           <a:p>
-            <a:pPr marL="0" indent="0">
-              <a:buNone/>
-            </a:pPr>
-            <a:r>
-              <a:rPr lang="en-US" altLang="zh-TW" dirty="0"/>
-              <a:t>[</a:t>
-            </a:r>
-            <a:r>
-              <a:rPr lang="zh-TW" altLang="en-US" dirty="0"/>
-              <a:t>封裝等級</a:t>
-            </a:r>
-            <a:r>
-              <a:rPr lang="en-US" altLang="zh-TW" dirty="0"/>
-              <a:t>] [</a:t>
-            </a:r>
-            <a:r>
-              <a:rPr lang="zh-TW" altLang="en-US" dirty="0"/>
-              <a:t>修飾字</a:t>
-            </a:r>
-            <a:r>
-              <a:rPr lang="en-US" altLang="zh-TW" dirty="0"/>
-              <a:t>]  class  </a:t>
-            </a:r>
-            <a:r>
-              <a:rPr lang="zh-TW" altLang="en-US" dirty="0"/>
-              <a:t>類別名稱   </a:t>
-            </a:r>
-            <a:r>
-              <a:rPr lang="en-US" altLang="zh-TW" dirty="0"/>
-              <a:t>[</a:t>
-            </a:r>
-            <a:r>
-              <a:rPr lang="en-US" altLang="zh-TW" dirty="0">
-                <a:solidFill>
-                  <a:schemeClr val="accent5"/>
-                </a:solidFill>
-              </a:rPr>
-              <a:t>extends</a:t>
-            </a:r>
-            <a:r>
-              <a:rPr lang="en-US" altLang="zh-TW" dirty="0"/>
-              <a:t> </a:t>
-            </a:r>
-            <a:r>
-              <a:rPr lang="zh-TW" altLang="en-US" dirty="0"/>
-              <a:t>父類別</a:t>
-            </a:r>
-            <a:r>
-              <a:rPr lang="en-US" altLang="zh-TW" dirty="0"/>
-              <a:t>] [</a:t>
-            </a:r>
-            <a:r>
-              <a:rPr lang="en-US" altLang="zh-TW" dirty="0">
-                <a:solidFill>
-                  <a:schemeClr val="accent5"/>
-                </a:solidFill>
-              </a:rPr>
-              <a:t>implements</a:t>
-            </a:r>
-            <a:r>
-              <a:rPr lang="zh-TW" altLang="en-US" dirty="0"/>
-              <a:t>介面</a:t>
-            </a:r>
             <a:r>
               <a:rPr lang="en-US" altLang="zh-TW" dirty="0" smtClean="0"/>
-              <a:t>]</a:t>
-            </a:r>
-            <a:r>
-              <a:rPr lang="zh-TW" altLang="en-US" dirty="0" smtClean="0"/>
-              <a:t>  </a:t>
-            </a:r>
-            <a:r>
-              <a:rPr lang="en-US" altLang="zh-TW" dirty="0" smtClean="0"/>
-              <a:t>{</a:t>
-            </a:r>
-            <a:r>
-              <a:rPr lang="zh-TW" altLang="en-US" dirty="0" smtClean="0"/>
-              <a:t> </a:t>
-            </a:r>
-            <a:endParaRPr lang="en-US" altLang="zh-TW" dirty="0"/>
-          </a:p>
-          <a:p>
-            <a:pPr marL="0" indent="0">
-              <a:buNone/>
-            </a:pPr>
-            <a:r>
-              <a:rPr lang="en-US" altLang="zh-TW" dirty="0"/>
-              <a:t>    [</a:t>
-            </a:r>
-            <a:r>
-              <a:rPr lang="zh-TW" altLang="en-US" dirty="0"/>
-              <a:t>封裝等級</a:t>
-            </a:r>
-            <a:r>
-              <a:rPr lang="en-US" altLang="zh-TW" dirty="0"/>
-              <a:t>] [</a:t>
-            </a:r>
-            <a:r>
-              <a:rPr lang="zh-TW" altLang="en-US" dirty="0"/>
-              <a:t>修飾字</a:t>
-            </a:r>
-            <a:r>
-              <a:rPr lang="en-US" altLang="zh-TW" dirty="0"/>
-              <a:t>]   </a:t>
-            </a:r>
-            <a:r>
-              <a:rPr lang="zh-TW" altLang="en-US" dirty="0"/>
-              <a:t>資料型態   </a:t>
-            </a:r>
-            <a:r>
-              <a:rPr lang="en-US" altLang="zh-TW" dirty="0">
-                <a:solidFill>
-                  <a:srgbClr val="00B0F0"/>
-                </a:solidFill>
-              </a:rPr>
-              <a:t>field</a:t>
-            </a:r>
-            <a:r>
-              <a:rPr lang="zh-TW" altLang="en-US" dirty="0">
-                <a:solidFill>
-                  <a:srgbClr val="00B0F0"/>
-                </a:solidFill>
-              </a:rPr>
-              <a:t>名稱</a:t>
-            </a:r>
-            <a:r>
-              <a:rPr lang="en-US" altLang="zh-TW" dirty="0">
-                <a:solidFill>
-                  <a:srgbClr val="00B0F0"/>
-                </a:solidFill>
-              </a:rPr>
-              <a:t>1</a:t>
-            </a:r>
-            <a:r>
-              <a:rPr lang="en-US" altLang="zh-TW" dirty="0"/>
-              <a:t>; </a:t>
-            </a:r>
-          </a:p>
-          <a:p>
-            <a:pPr marL="0" indent="0">
-              <a:buNone/>
-            </a:pPr>
-            <a:r>
-              <a:rPr lang="en-US" altLang="zh-TW" dirty="0"/>
-              <a:t>    [</a:t>
-            </a:r>
-            <a:r>
-              <a:rPr lang="zh-TW" altLang="en-US" dirty="0"/>
-              <a:t>封裝等級</a:t>
-            </a:r>
-            <a:r>
-              <a:rPr lang="en-US" altLang="zh-TW" dirty="0"/>
-              <a:t>] [</a:t>
-            </a:r>
-            <a:r>
-              <a:rPr lang="zh-TW" altLang="en-US" dirty="0"/>
-              <a:t>修飾字</a:t>
-            </a:r>
-            <a:r>
-              <a:rPr lang="en-US" altLang="zh-TW" dirty="0"/>
-              <a:t>]   </a:t>
-            </a:r>
-            <a:r>
-              <a:rPr lang="zh-TW" altLang="en-US" dirty="0"/>
-              <a:t>資料型態   </a:t>
-            </a:r>
-            <a:r>
-              <a:rPr lang="en-US" altLang="zh-TW" dirty="0">
-                <a:solidFill>
-                  <a:srgbClr val="00B0F0"/>
-                </a:solidFill>
-              </a:rPr>
-              <a:t>field</a:t>
-            </a:r>
-            <a:r>
-              <a:rPr lang="zh-TW" altLang="en-US" dirty="0">
-                <a:solidFill>
-                  <a:srgbClr val="00B0F0"/>
-                </a:solidFill>
-              </a:rPr>
-              <a:t>名稱</a:t>
-            </a:r>
-            <a:r>
-              <a:rPr lang="en-US" altLang="zh-TW" dirty="0">
-                <a:solidFill>
-                  <a:srgbClr val="00B0F0"/>
-                </a:solidFill>
-              </a:rPr>
-              <a:t>2</a:t>
-            </a:r>
-            <a:r>
-              <a:rPr lang="en-US" altLang="zh-TW" dirty="0"/>
-              <a:t>; </a:t>
-            </a:r>
-            <a:endParaRPr lang="en-US" altLang="zh-TW" dirty="0" smtClean="0"/>
-          </a:p>
-          <a:p>
-            <a:pPr marL="0" indent="0">
-              <a:buNone/>
-            </a:pPr>
-            <a:endParaRPr lang="en-US" altLang="zh-TW" dirty="0"/>
-          </a:p>
-          <a:p>
-            <a:pPr marL="0" indent="0">
-              <a:buNone/>
-            </a:pPr>
-            <a:r>
-              <a:rPr lang="en-US" altLang="zh-TW" dirty="0" smtClean="0"/>
-              <a:t>    </a:t>
-            </a:r>
-            <a:r>
-              <a:rPr lang="en-US" altLang="zh-TW" dirty="0"/>
-              <a:t>[</a:t>
-            </a:r>
-            <a:r>
-              <a:rPr lang="zh-TW" altLang="en-US" dirty="0"/>
-              <a:t>封裝等級</a:t>
-            </a:r>
-            <a:r>
-              <a:rPr lang="en-US" altLang="zh-TW" dirty="0"/>
-              <a:t>] [</a:t>
-            </a:r>
-            <a:r>
-              <a:rPr lang="zh-TW" altLang="en-US" dirty="0"/>
-              <a:t>修飾字</a:t>
-            </a:r>
-            <a:r>
-              <a:rPr lang="en-US" altLang="zh-TW" dirty="0"/>
-              <a:t>]   </a:t>
-            </a:r>
-            <a:r>
-              <a:rPr lang="zh-TW" altLang="en-US" dirty="0"/>
-              <a:t>回傳值資料型態   </a:t>
-            </a:r>
-            <a:r>
-              <a:rPr lang="en-US" altLang="zh-TW" dirty="0">
-                <a:solidFill>
-                  <a:schemeClr val="accent5">
-                    <a:lumMod val="60000"/>
-                    <a:lumOff val="40000"/>
-                  </a:schemeClr>
-                </a:solidFill>
-              </a:rPr>
-              <a:t>method</a:t>
-            </a:r>
-            <a:r>
-              <a:rPr lang="zh-TW" altLang="en-US" dirty="0">
-                <a:solidFill>
-                  <a:schemeClr val="accent5">
-                    <a:lumMod val="60000"/>
-                    <a:lumOff val="40000"/>
-                  </a:schemeClr>
-                </a:solidFill>
-              </a:rPr>
-              <a:t>名稱</a:t>
-            </a:r>
-            <a:r>
-              <a:rPr lang="en-US" altLang="zh-TW" dirty="0">
-                <a:solidFill>
-                  <a:schemeClr val="accent5">
-                    <a:lumMod val="60000"/>
-                    <a:lumOff val="40000"/>
-                  </a:schemeClr>
-                </a:solidFill>
-              </a:rPr>
-              <a:t>1</a:t>
-            </a:r>
-            <a:r>
-              <a:rPr lang="en-US" altLang="zh-TW" dirty="0"/>
-              <a:t>(</a:t>
-            </a:r>
-            <a:r>
-              <a:rPr lang="zh-TW" altLang="en-US" dirty="0"/>
-              <a:t>參數串宣告</a:t>
-            </a:r>
-            <a:r>
-              <a:rPr lang="en-US" altLang="zh-TW" dirty="0"/>
-              <a:t>) </a:t>
-            </a:r>
-            <a:r>
-              <a:rPr lang="en-US" altLang="zh-TW" dirty="0" smtClean="0"/>
-              <a:t> </a:t>
-            </a:r>
-            <a:r>
-              <a:rPr lang="en-US" altLang="zh-TW" dirty="0"/>
-              <a:t>{</a:t>
-            </a:r>
-          </a:p>
-          <a:p>
-            <a:pPr marL="0" indent="0">
-              <a:buNone/>
-            </a:pPr>
-            <a:r>
-              <a:rPr lang="en-US" altLang="zh-TW" dirty="0"/>
-              <a:t>            method</a:t>
-            </a:r>
-            <a:r>
-              <a:rPr lang="zh-TW" altLang="en-US" dirty="0"/>
-              <a:t>的內容</a:t>
-            </a:r>
-          </a:p>
-          <a:p>
-            <a:pPr marL="0" indent="0">
-              <a:buNone/>
-            </a:pPr>
-            <a:r>
-              <a:rPr lang="zh-TW" altLang="en-US" dirty="0"/>
-              <a:t>    </a:t>
-            </a:r>
-            <a:r>
-              <a:rPr lang="en-US" altLang="zh-TW" dirty="0"/>
-              <a:t>}</a:t>
-            </a:r>
-          </a:p>
-          <a:p>
-            <a:pPr marL="0" indent="0">
-              <a:buNone/>
-            </a:pPr>
-            <a:r>
-              <a:rPr lang="en-US" altLang="zh-TW" dirty="0"/>
-              <a:t>    [</a:t>
-            </a:r>
-            <a:r>
-              <a:rPr lang="zh-TW" altLang="en-US" dirty="0"/>
-              <a:t>封裝等級</a:t>
-            </a:r>
-            <a:r>
-              <a:rPr lang="en-US" altLang="zh-TW" dirty="0"/>
-              <a:t>] [</a:t>
-            </a:r>
-            <a:r>
-              <a:rPr lang="zh-TW" altLang="en-US" dirty="0"/>
-              <a:t>修飾字</a:t>
-            </a:r>
-            <a:r>
-              <a:rPr lang="en-US" altLang="zh-TW" dirty="0"/>
-              <a:t>]   </a:t>
-            </a:r>
-            <a:r>
-              <a:rPr lang="zh-TW" altLang="en-US" dirty="0"/>
-              <a:t>回傳值資料型態   </a:t>
-            </a:r>
-            <a:r>
-              <a:rPr lang="en-US" altLang="zh-TW" dirty="0">
-                <a:solidFill>
-                  <a:schemeClr val="accent5">
-                    <a:lumMod val="60000"/>
-                    <a:lumOff val="40000"/>
-                  </a:schemeClr>
-                </a:solidFill>
-              </a:rPr>
-              <a:t>method</a:t>
-            </a:r>
-            <a:r>
-              <a:rPr lang="zh-TW" altLang="en-US" dirty="0">
-                <a:solidFill>
-                  <a:schemeClr val="accent5">
-                    <a:lumMod val="60000"/>
-                    <a:lumOff val="40000"/>
-                  </a:schemeClr>
-                </a:solidFill>
-              </a:rPr>
-              <a:t>名稱</a:t>
-            </a:r>
-            <a:r>
-              <a:rPr lang="en-US" altLang="zh-TW" dirty="0">
-                <a:solidFill>
-                  <a:schemeClr val="accent5">
-                    <a:lumMod val="60000"/>
-                    <a:lumOff val="40000"/>
-                  </a:schemeClr>
-                </a:solidFill>
-              </a:rPr>
-              <a:t>2</a:t>
-            </a:r>
-            <a:r>
-              <a:rPr lang="en-US" altLang="zh-TW" dirty="0"/>
-              <a:t>(</a:t>
-            </a:r>
-            <a:r>
-              <a:rPr lang="zh-TW" altLang="en-US" dirty="0"/>
-              <a:t>參數串宣告</a:t>
+              <a:t>Employee(</a:t>
+            </a:r>
+            <a:r>
+              <a:rPr lang="zh-TW" altLang="en-US" dirty="0" smtClean="0"/>
+              <a:t>員工</a:t>
             </a:r>
             <a:r>
               <a:rPr lang="en-US" altLang="zh-TW" dirty="0" smtClean="0"/>
@@ -17994,56 +18299,81 @@
             </a:r>
             <a:r>
               <a:rPr lang="zh-TW" altLang="en-US" dirty="0" smtClean="0"/>
-              <a:t>  </a:t>
+              <a:t>，是基礎類別</a:t>
             </a:r>
             <a:r>
               <a:rPr lang="en-US" altLang="zh-TW" dirty="0" smtClean="0"/>
-              <a:t>{</a:t>
-            </a:r>
-            <a:endParaRPr lang="en-US" altLang="zh-TW" dirty="0"/>
-          </a:p>
-          <a:p>
-            <a:pPr marL="0" indent="0">
-              <a:buNone/>
-            </a:pPr>
-            <a:r>
-              <a:rPr lang="en-US" altLang="zh-TW" dirty="0"/>
-              <a:t>            method</a:t>
-            </a:r>
+              <a:t>(</a:t>
+            </a:r>
+            <a:r>
+              <a:rPr lang="zh-TW" altLang="en-US" dirty="0" smtClean="0"/>
+              <a:t>基底類別、父類別</a:t>
+            </a:r>
+            <a:r>
+              <a:rPr lang="en-US" altLang="zh-TW" dirty="0" smtClean="0"/>
+              <a:t>)</a:t>
+            </a:r>
+            <a:r>
+              <a:rPr lang="zh-TW" altLang="en-US" dirty="0" smtClean="0"/>
+              <a:t>。</a:t>
+            </a:r>
+            <a:endParaRPr lang="en-US" altLang="zh-TW" dirty="0" smtClean="0"/>
+          </a:p>
+          <a:p>
+            <a:r>
+              <a:rPr lang="en-US" altLang="zh-TW" dirty="0" smtClean="0"/>
+              <a:t>Manager</a:t>
+            </a:r>
+            <a:r>
+              <a:rPr lang="zh-TW" altLang="en-US" dirty="0" smtClean="0"/>
+              <a:t>也是一種</a:t>
+            </a:r>
+            <a:r>
+              <a:rPr lang="en-US" altLang="zh-TW" dirty="0" smtClean="0"/>
+              <a:t>Employee</a:t>
+            </a:r>
+            <a:r>
+              <a:rPr lang="zh-TW" altLang="en-US" dirty="0" smtClean="0"/>
+              <a:t>，只是多出可以分紅，以及底薪更高。</a:t>
+            </a:r>
+            <a:endParaRPr lang="en-US" altLang="zh-TW" dirty="0" smtClean="0"/>
+          </a:p>
+          <a:p>
             <a:r>
               <a:rPr lang="zh-TW" altLang="en-US" dirty="0"/>
-              <a:t>的內容</a:t>
-            </a:r>
-          </a:p>
-          <a:p>
-            <a:pPr marL="0" indent="0">
-              <a:buNone/>
-            </a:pPr>
-            <a:r>
-              <a:rPr lang="zh-TW" altLang="en-US" dirty="0"/>
-              <a:t>    </a:t>
+              <a:t>所以</a:t>
+            </a:r>
+            <a:r>
+              <a:rPr lang="zh-TW" altLang="en-US" dirty="0" smtClean="0"/>
+              <a:t>，</a:t>
             </a:r>
             <a:r>
               <a:rPr lang="en-US" altLang="zh-TW" dirty="0" smtClean="0"/>
-              <a:t>} </a:t>
-            </a:r>
-            <a:endParaRPr lang="en-US" altLang="zh-TW" dirty="0"/>
-          </a:p>
-          <a:p>
-            <a:pPr marL="0" indent="0">
-              <a:buNone/>
-            </a:pPr>
-            <a:r>
-              <a:rPr lang="en-US" altLang="zh-TW" dirty="0"/>
-              <a:t>}</a:t>
-            </a:r>
+              <a:t>Manager</a:t>
+            </a:r>
+            <a:r>
+              <a:rPr lang="zh-TW" altLang="en-US" dirty="0" smtClean="0"/>
+              <a:t>不必重新寫所有程式碼，可以繼承</a:t>
+            </a:r>
+            <a:r>
+              <a:rPr lang="en-US" altLang="zh-TW" dirty="0" smtClean="0"/>
+              <a:t>Employee</a:t>
+            </a:r>
+            <a:r>
+              <a:rPr lang="zh-TW" altLang="en-US" dirty="0" smtClean="0"/>
+              <a:t>，然後修改需要改的部分即可。</a:t>
+            </a:r>
+            <a:endParaRPr lang="en-US" altLang="zh-TW" dirty="0" smtClean="0"/>
+          </a:p>
+          <a:p>
+            <a:endParaRPr lang="zh-TW" altLang="en-US" dirty="0"/>
           </a:p>
         </p:txBody>
       </p:sp>
     </p:spTree>
     <p:extLst>
       <p:ext uri="{BB962C8B-B14F-4D97-AF65-F5344CB8AC3E}">
-        <p14:creationId xmlns:p14="http://schemas.microsoft.com/office/powerpoint/2010/main" val="2783751800"/>
+        <p14:creationId xmlns:p14="http://schemas.microsoft.com/office/powerpoint/2010/main" val="3947714325"/>
       </p:ext>
     </p:extLst>
   </p:cSld>
@@ -18100,116 +18430,184 @@
           </a:p>
         </p:txBody>
       </p:sp>
-      <p:sp>
-        <p:nvSpPr>
-          <p:cNvPr id="3" name="內容版面配置區 2"/>
-          <p:cNvSpPr>
-            <a:spLocks noGrp="1"/>
-          </p:cNvSpPr>
-          <p:nvPr>
-            <p:ph idx="1"/>
-          </p:nvPr>
-        </p:nvSpPr>
-        <p:spPr/>
-        <p:txBody>
-          <a:bodyPr/>
-          <a:lstStyle/>
-          <a:p>
-            <a:r>
-              <a:rPr lang="zh-TW" altLang="en-US" dirty="0" smtClean="0"/>
-              <a:t>封裝性</a:t>
-            </a:r>
-            <a:endParaRPr lang="en-US" altLang="zh-TW" dirty="0" smtClean="0"/>
-          </a:p>
-          <a:p>
-            <a:pPr lvl="1"/>
-            <a:r>
-              <a:rPr lang="zh-TW" altLang="en-US" dirty="0" smtClean="0"/>
-              <a:t>分層級</a:t>
-            </a:r>
-            <a:r>
-              <a:rPr lang="zh-TW" altLang="en-US" dirty="0"/>
-              <a:t>：</a:t>
-            </a:r>
-            <a:r>
-              <a:rPr lang="en-US" altLang="zh-TW" dirty="0" smtClean="0"/>
-              <a:t>p</a:t>
-            </a:r>
-            <a:r>
-              <a:rPr lang="en-US" altLang="zh-TW" dirty="0" smtClean="0"/>
-              <a:t>ublic</a:t>
-            </a:r>
-            <a:r>
-              <a:rPr lang="en-US" altLang="zh-TW" dirty="0" smtClean="0"/>
-              <a:t>, protected, private</a:t>
-            </a:r>
-          </a:p>
-          <a:p>
-            <a:r>
-              <a:rPr lang="zh-TW" altLang="en-US" dirty="0" smtClean="0"/>
-              <a:t>繼承性</a:t>
-            </a:r>
-            <a:endParaRPr lang="en-US" altLang="zh-TW" dirty="0" smtClean="0"/>
-          </a:p>
-          <a:p>
-            <a:pPr lvl="1"/>
-            <a:r>
-              <a:rPr lang="zh-TW" altLang="en-US" dirty="0" smtClean="0"/>
-              <a:t>透過季層可以達到：增加</a:t>
-            </a:r>
-            <a:r>
-              <a:rPr lang="zh-TW" altLang="en-US" dirty="0"/>
-              <a:t>、限縮、改變</a:t>
-            </a:r>
-            <a:endParaRPr lang="en-US" altLang="zh-TW" dirty="0" smtClean="0"/>
-          </a:p>
-          <a:p>
-            <a:r>
-              <a:rPr lang="zh-TW" altLang="en-US" dirty="0"/>
-              <a:t>多形</a:t>
-            </a:r>
-            <a:r>
-              <a:rPr lang="zh-TW" altLang="en-US" dirty="0" smtClean="0"/>
-              <a:t>性</a:t>
-            </a:r>
-            <a:endParaRPr lang="en-US" altLang="zh-TW" dirty="0" smtClean="0"/>
-          </a:p>
-          <a:p>
-            <a:pPr lvl="1"/>
-            <a:r>
-              <a:rPr lang="en-US" altLang="zh-TW" dirty="0" smtClean="0"/>
-              <a:t>Overriding(</a:t>
-            </a:r>
-            <a:r>
-              <a:rPr lang="zh-TW" altLang="en-US" dirty="0" smtClean="0"/>
-              <a:t>覆載</a:t>
-            </a:r>
-            <a:r>
-              <a:rPr lang="en-US" altLang="zh-TW" dirty="0" smtClean="0"/>
-              <a:t>)</a:t>
-            </a:r>
-          </a:p>
-          <a:p>
-            <a:pPr lvl="1"/>
-            <a:r>
-              <a:rPr lang="en-US" altLang="zh-TW" dirty="0" smtClean="0"/>
-              <a:t>Overloading(</a:t>
-            </a:r>
-            <a:r>
-              <a:rPr lang="zh-TW" altLang="en-US" dirty="0" smtClean="0"/>
-              <a:t>多載</a:t>
-            </a:r>
-            <a:r>
-              <a:rPr lang="en-US" altLang="zh-TW" dirty="0" smtClean="0"/>
-              <a:t>)</a:t>
-            </a:r>
-          </a:p>
-          <a:p>
-            <a:pPr lvl="1"/>
-            <a:endParaRPr lang="zh-TW" altLang="en-US" dirty="0"/>
-          </a:p>
-        </p:txBody>
-      </p:sp>
+      <mc:AlternateContent xmlns:mc="http://schemas.openxmlformats.org/markup-compatibility/2006" xmlns:a14="http://schemas.microsoft.com/office/drawing/2010/main">
+        <mc:Choice Requires="a14">
+          <p:sp>
+            <p:nvSpPr>
+              <p:cNvPr id="3" name="內容版面配置區 2"/>
+              <p:cNvSpPr>
+                <a:spLocks noGrp="1"/>
+              </p:cNvSpPr>
+              <p:nvPr>
+                <p:ph idx="1"/>
+              </p:nvPr>
+            </p:nvSpPr>
+            <p:spPr/>
+            <p:txBody>
+              <a:bodyPr/>
+              <a:lstStyle/>
+              <a:p>
+                <a:r>
+                  <a:rPr lang="zh-TW" altLang="en-US" dirty="0" smtClean="0"/>
+                  <a:t>封裝性</a:t>
+                </a:r>
+                <a:endParaRPr lang="en-US" altLang="zh-TW" dirty="0" smtClean="0"/>
+              </a:p>
+              <a:p>
+                <a:pPr lvl="1"/>
+                <a:r>
+                  <a:rPr lang="zh-TW" altLang="en-US" dirty="0" smtClean="0"/>
+                  <a:t>還分層級</a:t>
+                </a:r>
+                <a:r>
+                  <a:rPr lang="zh-TW" altLang="en-US" dirty="0"/>
+                  <a:t>：</a:t>
+                </a:r>
+                <a:r>
+                  <a:rPr lang="en-US" altLang="zh-TW" dirty="0" smtClean="0"/>
+                  <a:t>public, protected, private</a:t>
+                </a:r>
+              </a:p>
+              <a:p>
+                <a:r>
+                  <a:rPr lang="zh-TW" altLang="en-US" dirty="0" smtClean="0"/>
+                  <a:t>繼承性</a:t>
+                </a:r>
+                <a:endParaRPr lang="en-US" altLang="zh-TW" dirty="0" smtClean="0"/>
+              </a:p>
+              <a:p>
+                <a:pPr lvl="1"/>
+                <a:r>
+                  <a:rPr lang="zh-TW" altLang="en-US" dirty="0" smtClean="0"/>
+                  <a:t>透過繼承可以達到：增加</a:t>
+                </a:r>
+                <a:r>
+                  <a:rPr lang="zh-TW" altLang="en-US" dirty="0"/>
+                  <a:t>、限縮、</a:t>
+                </a:r>
+                <a:r>
+                  <a:rPr lang="zh-TW" altLang="en-US" dirty="0" smtClean="0"/>
+                  <a:t>改變、除錯等目的</a:t>
+                </a:r>
+                <a:r>
+                  <a:rPr lang="en-US" altLang="zh-TW" dirty="0" smtClean="0"/>
+                  <a:t>(</a:t>
+                </a:r>
+                <a:r>
+                  <a:rPr lang="zh-TW" altLang="en-US" dirty="0" smtClean="0"/>
+                  <a:t> </a:t>
+                </a:r>
+                <a14:m>
+                  <m:oMath xmlns:m="http://schemas.openxmlformats.org/officeDocument/2006/math">
+                    <m:r>
+                      <a:rPr lang="en-US" altLang="zh-TW" b="0" i="1" smtClean="0">
+                        <a:latin typeface="Cambria Math" panose="02040503050406030204" pitchFamily="18" charset="0"/>
+                      </a:rPr>
+                      <m:t>+  −  </m:t>
+                    </m:r>
+                    <m:r>
+                      <a:rPr lang="en-US" altLang="zh-TW" b="0" i="1" smtClean="0">
+                        <a:latin typeface="Cambria Math" panose="02040503050406030204" pitchFamily="18" charset="0"/>
+                        <a:ea typeface="Cambria Math" panose="02040503050406030204" pitchFamily="18" charset="0"/>
+                      </a:rPr>
+                      <m:t>×  ÷</m:t>
+                    </m:r>
+                    <m:r>
+                      <a:rPr lang="zh-TW" altLang="en-US" i="1">
+                        <a:latin typeface="Cambria Math" panose="02040503050406030204" pitchFamily="18" charset="0"/>
+                        <a:ea typeface="Cambria Math" panose="02040503050406030204" pitchFamily="18" charset="0"/>
+                      </a:rPr>
+                      <m:t> </m:t>
+                    </m:r>
+                  </m:oMath>
+                </a14:m>
+                <a:r>
+                  <a:rPr lang="en-US" altLang="zh-TW" dirty="0" smtClean="0"/>
+                  <a:t>)</a:t>
+                </a:r>
+              </a:p>
+              <a:p>
+                <a:r>
+                  <a:rPr lang="zh-TW" altLang="en-US" dirty="0"/>
+                  <a:t>多形</a:t>
+                </a:r>
+                <a:r>
+                  <a:rPr lang="zh-TW" altLang="en-US" dirty="0" smtClean="0"/>
+                  <a:t>性</a:t>
+                </a:r>
+                <a:endParaRPr lang="en-US" altLang="zh-TW" dirty="0" smtClean="0"/>
+              </a:p>
+              <a:p>
+                <a:pPr lvl="1"/>
+                <a:r>
+                  <a:rPr lang="en-US" altLang="zh-TW" dirty="0" smtClean="0"/>
+                  <a:t>Overriding(</a:t>
+                </a:r>
+                <a:r>
+                  <a:rPr lang="zh-TW" altLang="en-US" dirty="0" smtClean="0"/>
+                  <a:t>覆載</a:t>
+                </a:r>
+                <a:r>
+                  <a:rPr lang="en-US" altLang="zh-TW" dirty="0" smtClean="0"/>
+                  <a:t>)</a:t>
+                </a:r>
+              </a:p>
+              <a:p>
+                <a:pPr lvl="1"/>
+                <a:r>
+                  <a:rPr lang="en-US" altLang="zh-TW" dirty="0" smtClean="0"/>
+                  <a:t>Overloading(</a:t>
+                </a:r>
+                <a:r>
+                  <a:rPr lang="zh-TW" altLang="en-US" dirty="0" smtClean="0"/>
+                  <a:t>多載</a:t>
+                </a:r>
+                <a:r>
+                  <a:rPr lang="en-US" altLang="zh-TW" dirty="0" smtClean="0"/>
+                  <a:t>)</a:t>
+                </a:r>
+              </a:p>
+              <a:p>
+                <a:pPr lvl="1"/>
+                <a:endParaRPr lang="zh-TW" altLang="en-US" dirty="0"/>
+              </a:p>
+            </p:txBody>
+          </p:sp>
+        </mc:Choice>
+        <mc:Fallback xmlns="">
+          <p:sp>
+            <p:nvSpPr>
+              <p:cNvPr id="3" name="內容版面配置區 2"/>
+              <p:cNvSpPr>
+                <a:spLocks noGrp="1" noRot="1" noChangeAspect="1" noMove="1" noResize="1" noEditPoints="1" noAdjustHandles="1" noChangeArrowheads="1" noChangeShapeType="1" noTextEdit="1"/>
+              </p:cNvSpPr>
+              <p:nvPr>
+                <p:ph idx="1"/>
+              </p:nvPr>
+            </p:nvSpPr>
+            <p:spPr>
+              <a:blipFill>
+                <a:blip r:embed="rId2"/>
+                <a:stretch>
+                  <a:fillRect l="-142" t="-785"/>
+                </a:stretch>
+              </a:blipFill>
+            </p:spPr>
+            <p:txBody>
+              <a:bodyPr/>
+              <a:lstStyle/>
+              <a:p>
+                <a:r>
+                  <a:rPr lang="zh-TW" altLang="en-US">
+                    <a:noFill/>
+                  </a:rPr>
+                  <a:t> </a:t>
+                </a:r>
+              </a:p>
+            </p:txBody>
+          </p:sp>
+        </mc:Fallback>
+      </mc:AlternateContent>
       <p:sp>
         <p:nvSpPr>
           <p:cNvPr id="4" name="文字方塊 3"/>
@@ -18358,6 +18756,97 @@
       </p:grpSpPr>
       <p:sp>
         <p:nvSpPr>
+          <p:cNvPr id="4" name="標題 3"/>
+          <p:cNvSpPr>
+            <a:spLocks noGrp="1"/>
+          </p:cNvSpPr>
+          <p:nvPr>
+            <p:ph type="title"/>
+          </p:nvPr>
+        </p:nvSpPr>
+        <p:spPr/>
+        <p:txBody>
+          <a:bodyPr/>
+          <a:lstStyle/>
+          <a:p>
+            <a:r>
+              <a:rPr lang="zh-TW" altLang="en-US" dirty="0" smtClean="0"/>
+              <a:t>範例：員工類別</a:t>
+            </a:r>
+            <a:endParaRPr lang="zh-TW" altLang="en-US" dirty="0"/>
+          </a:p>
+        </p:txBody>
+      </p:sp>
+      <p:sp>
+        <p:nvSpPr>
+          <p:cNvPr id="5" name="文字版面配置區 4"/>
+          <p:cNvSpPr>
+            <a:spLocks noGrp="1"/>
+          </p:cNvSpPr>
+          <p:nvPr>
+            <p:ph type="body" idx="1"/>
+          </p:nvPr>
+        </p:nvSpPr>
+        <p:spPr/>
+        <p:txBody>
+          <a:bodyPr/>
+          <a:lstStyle/>
+          <a:p>
+            <a:r>
+              <a:rPr lang="zh-TW" altLang="en-US" dirty="0" smtClean="0"/>
+              <a:t>初步了解</a:t>
+            </a:r>
+            <a:r>
+              <a:rPr lang="zh-TW" altLang="en-US" b="1" dirty="0" smtClean="0"/>
+              <a:t>繼承</a:t>
+            </a:r>
+            <a:r>
+              <a:rPr lang="zh-TW" altLang="en-US" dirty="0" smtClean="0"/>
+              <a:t>概念與方式</a:t>
+            </a:r>
+            <a:endParaRPr lang="zh-TW" altLang="en-US" dirty="0"/>
+          </a:p>
+        </p:txBody>
+      </p:sp>
+    </p:spTree>
+    <p:extLst>
+      <p:ext uri="{BB962C8B-B14F-4D97-AF65-F5344CB8AC3E}">
+        <p14:creationId xmlns:p14="http://schemas.microsoft.com/office/powerpoint/2010/main" val="1306444337"/>
+      </p:ext>
+    </p:extLst>
+  </p:cSld>
+  <p:clrMapOvr>
+    <a:masterClrMapping/>
+  </p:clrMapOvr>
+  <p:timing>
+    <p:tnLst>
+      <p:par>
+        <p:cTn id="1" dur="indefinite" restart="never" nodeType="tmRoot"/>
+      </p:par>
+    </p:tnLst>
+  </p:timing>
+</p:sld>
+</file>
+
+<file path=ppt/slides/slide41.xml><?xml version="1.0" encoding="utf-8"?>
+<p:sld xmlns:a="http://schemas.openxmlformats.org/drawingml/2006/main" xmlns:r="http://schemas.openxmlformats.org/officeDocument/2006/relationships" xmlns:p="http://schemas.openxmlformats.org/presentationml/2006/main">
+  <p:cSld>
+    <p:spTree>
+      <p:nvGrpSpPr>
+        <p:cNvPr id="1" name=""/>
+        <p:cNvGrpSpPr/>
+        <p:nvPr/>
+      </p:nvGrpSpPr>
+      <p:grpSpPr>
+        <a:xfrm>
+          <a:off x="0" y="0"/>
+          <a:ext cx="0" cy="0"/>
+          <a:chOff x="0" y="0"/>
+          <a:chExt cx="0" cy="0"/>
+        </a:xfrm>
+      </p:grpSpPr>
+      <p:sp>
+        <p:nvSpPr>
           <p:cNvPr id="2" name="標題 1"/>
           <p:cNvSpPr>
             <a:spLocks noGrp="1"/>
@@ -18373,24 +18862,7 @@
           <a:p>
             <a:r>
               <a:rPr lang="zh-TW" altLang="en-US" dirty="0" smtClean="0"/>
-              <a:t>實際範例</a:t>
-            </a:r>
-            <a:r>
-              <a:rPr lang="en-US" altLang="zh-TW" dirty="0" smtClean="0"/>
-              <a:t/>
-            </a:r>
-            <a:br>
-              <a:rPr lang="en-US" altLang="zh-TW" dirty="0" smtClean="0"/>
-            </a:br>
-            <a:r>
-              <a:rPr lang="en-US" altLang="zh-TW" dirty="0" err="1" smtClean="0"/>
-              <a:t>Employee</a:t>
-            </a:r>
-            <a:r>
-              <a:rPr lang="en-US" altLang="zh-TW" dirty="0" err="1" smtClean="0">
-                <a:sym typeface="Wingdings" panose="05000000000000000000" pitchFamily="2" charset="2"/>
-              </a:rPr>
-              <a:t>Manager</a:t>
+              <a:t>員工類別</a:t>
             </a:r>
             <a:endParaRPr lang="zh-TW" altLang="en-US" dirty="0"/>
           </a:p>
@@ -18412,59 +18884,135 @@
           <a:lstStyle/>
           <a:p>
             <a:r>
+              <a:rPr lang="zh-TW" altLang="en-US" dirty="0" smtClean="0"/>
+              <a:t>屬性：</a:t>
+            </a:r>
+            <a:endParaRPr lang="en-US" altLang="zh-TW" dirty="0" smtClean="0"/>
+          </a:p>
+          <a:p>
+            <a:pPr lvl="1"/>
+            <a:r>
+              <a:rPr lang="zh-TW" altLang="en-US" dirty="0" smtClean="0"/>
+              <a:t>員工編號：</a:t>
+            </a:r>
+            <a:r>
               <a:rPr lang="en-US" altLang="zh-TW" dirty="0" smtClean="0"/>
-              <a:t>Manager</a:t>
-            </a:r>
-            <a:r>
-              <a:rPr lang="zh-TW" altLang="en-US" dirty="0" smtClean="0"/>
-              <a:t>也是一種</a:t>
+              <a:t>ID</a:t>
+            </a:r>
+          </a:p>
+          <a:p>
+            <a:pPr lvl="1"/>
+            <a:r>
+              <a:rPr lang="zh-TW" altLang="en-US" dirty="0" smtClean="0"/>
+              <a:t>姓名：</a:t>
             </a:r>
             <a:r>
               <a:rPr lang="en-US" altLang="zh-TW" dirty="0" smtClean="0"/>
-              <a:t>Employee</a:t>
-            </a:r>
-            <a:r>
-              <a:rPr lang="zh-TW" altLang="en-US" dirty="0" smtClean="0"/>
-              <a:t>，只是多出可以分紅，以及底薪更高。</a:t>
+              <a:t>name</a:t>
+            </a:r>
+          </a:p>
+          <a:p>
+            <a:pPr lvl="1"/>
+            <a:r>
+              <a:rPr lang="zh-TW" altLang="en-US" dirty="0" smtClean="0"/>
+              <a:t>月薪：</a:t>
+            </a:r>
+            <a:r>
+              <a:rPr lang="en-US" altLang="zh-TW" dirty="0" smtClean="0"/>
+              <a:t>pay</a:t>
+            </a:r>
+          </a:p>
+          <a:p>
+            <a:pPr lvl="1"/>
+            <a:r>
+              <a:rPr lang="zh-TW" altLang="en-US" dirty="0"/>
+              <a:t>其他</a:t>
+            </a:r>
+            <a:r>
+              <a:rPr lang="zh-TW" altLang="en-US" dirty="0" smtClean="0"/>
+              <a:t>資訊</a:t>
+            </a:r>
+            <a:r>
+              <a:rPr lang="en-US" altLang="zh-TW" dirty="0" smtClean="0"/>
+              <a:t>(</a:t>
+            </a:r>
+            <a:r>
+              <a:rPr lang="zh-TW" altLang="en-US" dirty="0" smtClean="0"/>
+              <a:t>本次省略</a:t>
+            </a:r>
+            <a:r>
+              <a:rPr lang="en-US" altLang="zh-TW" dirty="0" smtClean="0"/>
+              <a:t>)</a:t>
+            </a:r>
+          </a:p>
+          <a:p>
+            <a:r>
+              <a:rPr lang="zh-TW" altLang="en-US" dirty="0"/>
+              <a:t>方法</a:t>
+            </a:r>
+            <a:r>
+              <a:rPr lang="zh-TW" altLang="en-US" dirty="0" smtClean="0"/>
+              <a:t>：</a:t>
             </a:r>
             <a:endParaRPr lang="en-US" altLang="zh-TW" dirty="0" smtClean="0"/>
           </a:p>
           <a:p>
+            <a:pPr lvl="1"/>
             <a:r>
               <a:rPr lang="zh-TW" altLang="en-US" dirty="0"/>
-              <a:t>所以</a:t>
-            </a:r>
-            <a:r>
-              <a:rPr lang="zh-TW" altLang="en-US" dirty="0" smtClean="0"/>
-              <a:t>，</a:t>
-            </a:r>
-            <a:r>
-              <a:rPr lang="en-US" altLang="zh-TW" dirty="0" smtClean="0"/>
-              <a:t>Manager</a:t>
-            </a:r>
-            <a:r>
-              <a:rPr lang="zh-TW" altLang="en-US" dirty="0" smtClean="0"/>
-              <a:t>不必重新寫所有程式碼，可以繼承</a:t>
-            </a:r>
-            <a:r>
-              <a:rPr lang="en-US" altLang="zh-TW" dirty="0" smtClean="0"/>
-              <a:t>Employee</a:t>
-            </a:r>
-            <a:r>
-              <a:rPr lang="zh-TW" altLang="en-US" dirty="0" smtClean="0"/>
-              <a:t>，然後修改需要改的部分即可。</a:t>
+              <a:t>基本存取與建構式</a:t>
             </a:r>
             <a:endParaRPr lang="en-US" altLang="zh-TW" dirty="0" smtClean="0"/>
           </a:p>
           <a:p>
-            <a:endParaRPr lang="zh-TW" altLang="en-US" dirty="0"/>
+            <a:pPr lvl="1"/>
+            <a:r>
+              <a:rPr lang="zh-TW" altLang="en-US" dirty="0" smtClean="0"/>
+              <a:t>顯示</a:t>
+            </a:r>
+            <a:endParaRPr lang="en-US" altLang="zh-TW" dirty="0" smtClean="0"/>
+          </a:p>
+          <a:p>
+            <a:r>
+              <a:rPr lang="zh-TW" altLang="en-US" dirty="0"/>
+              <a:t>先寫一個基本</a:t>
+            </a:r>
+            <a:r>
+              <a:rPr lang="zh-TW" altLang="en-US" dirty="0" smtClean="0"/>
+              <a:t>樣子再修改，如右。</a:t>
+            </a:r>
+            <a:endParaRPr lang="en-US" altLang="zh-TW" dirty="0" smtClean="0"/>
           </a:p>
         </p:txBody>
       </p:sp>
+      <p:pic>
+        <p:nvPicPr>
+          <p:cNvPr id="4" name="圖片 3"/>
+          <p:cNvPicPr>
+            <a:picLocks noChangeAspect="1"/>
+          </p:cNvPicPr>
+          <p:nvPr/>
+        </p:nvPicPr>
+        <p:blipFill>
+          <a:blip r:embed="rId2"/>
+          <a:stretch>
+            <a:fillRect/>
+          </a:stretch>
+        </p:blipFill>
+        <p:spPr>
+          <a:xfrm>
+            <a:off x="4740831" y="1362456"/>
+            <a:ext cx="7300681" cy="5111495"/>
+          </a:xfrm>
+          <a:prstGeom prst="rect">
+            <a:avLst/>
+          </a:prstGeom>
+        </p:spPr>
+      </p:pic>
     </p:spTree>
     <p:extLst>
       <p:ext uri="{BB962C8B-B14F-4D97-AF65-F5344CB8AC3E}">
-        <p14:creationId xmlns:p14="http://schemas.microsoft.com/office/powerpoint/2010/main" val="3947714325"/>
+        <p14:creationId xmlns:p14="http://schemas.microsoft.com/office/powerpoint/2010/main" val="3179638467"/>
       </p:ext>
     </p:extLst>
   </p:cSld>
@@ -18478,6 +19026,1284 @@
       </p:par>
     </p:tnLst>
   </p:timing>
+</p:sld>
+</file>
+
+<file path=ppt/slides/slide42.xml><?xml version="1.0" encoding="utf-8"?>
+<p:sld xmlns:a="http://schemas.openxmlformats.org/drawingml/2006/main" xmlns:r="http://schemas.openxmlformats.org/officeDocument/2006/relationships" xmlns:p="http://schemas.openxmlformats.org/presentationml/2006/main">
+  <p:cSld>
+    <p:spTree>
+      <p:nvGrpSpPr>
+        <p:cNvPr id="1" name=""/>
+        <p:cNvGrpSpPr/>
+        <p:nvPr/>
+      </p:nvGrpSpPr>
+      <p:grpSpPr>
+        <a:xfrm>
+          <a:off x="0" y="0"/>
+          <a:ext cx="0" cy="0"/>
+          <a:chOff x="0" y="0"/>
+          <a:chExt cx="0" cy="0"/>
+        </a:xfrm>
+      </p:grpSpPr>
+      <p:sp>
+        <p:nvSpPr>
+          <p:cNvPr id="2" name="標題 1"/>
+          <p:cNvSpPr>
+            <a:spLocks noGrp="1"/>
+          </p:cNvSpPr>
+          <p:nvPr>
+            <p:ph type="title"/>
+          </p:nvPr>
+        </p:nvSpPr>
+        <p:spPr/>
+        <p:txBody>
+          <a:bodyPr/>
+          <a:lstStyle/>
+          <a:p>
+            <a:r>
+              <a:rPr lang="zh-TW" altLang="en-US" dirty="0" smtClean="0"/>
+              <a:t>主程式部分</a:t>
+            </a:r>
+            <a:endParaRPr lang="zh-TW" altLang="en-US" dirty="0"/>
+          </a:p>
+        </p:txBody>
+      </p:sp>
+      <p:sp>
+        <p:nvSpPr>
+          <p:cNvPr id="3" name="內容版面配置區 2"/>
+          <p:cNvSpPr>
+            <a:spLocks noGrp="1"/>
+          </p:cNvSpPr>
+          <p:nvPr>
+            <p:ph idx="1"/>
+          </p:nvPr>
+        </p:nvSpPr>
+        <p:spPr>
+          <a:xfrm>
+            <a:off x="677334" y="2160589"/>
+            <a:ext cx="4342722" cy="3880773"/>
+          </a:xfrm>
+        </p:spPr>
+        <p:txBody>
+          <a:bodyPr/>
+          <a:lstStyle/>
+          <a:p>
+            <a:r>
+              <a:rPr lang="zh-TW" altLang="en-US" dirty="0" smtClean="0"/>
+              <a:t>示範了兩種設定屬性方式：</a:t>
+            </a:r>
+            <a:endParaRPr lang="en-US" altLang="zh-TW" dirty="0" smtClean="0"/>
+          </a:p>
+          <a:p>
+            <a:pPr lvl="1"/>
+            <a:r>
+              <a:rPr lang="zh-TW" altLang="en-US" dirty="0"/>
+              <a:t>透過建構</a:t>
+            </a:r>
+            <a:r>
+              <a:rPr lang="zh-TW" altLang="en-US" dirty="0" smtClean="0"/>
+              <a:t>式</a:t>
+            </a:r>
+            <a:endParaRPr lang="en-US" altLang="zh-TW" dirty="0" smtClean="0"/>
+          </a:p>
+          <a:p>
+            <a:pPr lvl="1"/>
+            <a:r>
+              <a:rPr lang="zh-TW" altLang="en-US" dirty="0"/>
+              <a:t>透過</a:t>
+            </a:r>
+            <a:r>
+              <a:rPr lang="en-US" altLang="zh-TW" dirty="0" err="1"/>
+              <a:t>SetXXX</a:t>
+            </a:r>
+            <a:r>
+              <a:rPr lang="en-US" altLang="zh-TW" dirty="0"/>
+              <a:t>()</a:t>
+            </a:r>
+            <a:r>
+              <a:rPr lang="zh-TW" altLang="en-US" dirty="0"/>
+              <a:t>方法</a:t>
+            </a:r>
+          </a:p>
+        </p:txBody>
+      </p:sp>
+      <p:pic>
+        <p:nvPicPr>
+          <p:cNvPr id="4" name="圖片 3"/>
+          <p:cNvPicPr>
+            <a:picLocks noChangeAspect="1"/>
+          </p:cNvPicPr>
+          <p:nvPr/>
+        </p:nvPicPr>
+        <p:blipFill>
+          <a:blip r:embed="rId2"/>
+          <a:stretch>
+            <a:fillRect/>
+          </a:stretch>
+        </p:blipFill>
+        <p:spPr>
+          <a:xfrm>
+            <a:off x="5185073" y="609600"/>
+            <a:ext cx="6866720" cy="6156959"/>
+          </a:xfrm>
+          <a:prstGeom prst="rect">
+            <a:avLst/>
+          </a:prstGeom>
+        </p:spPr>
+      </p:pic>
+    </p:spTree>
+    <p:extLst>
+      <p:ext uri="{BB962C8B-B14F-4D97-AF65-F5344CB8AC3E}">
+        <p14:creationId xmlns:p14="http://schemas.microsoft.com/office/powerpoint/2010/main" val="2403245631"/>
+      </p:ext>
+    </p:extLst>
+  </p:cSld>
+  <p:clrMapOvr>
+    <a:masterClrMapping/>
+  </p:clrMapOvr>
+  <p:timing>
+    <p:tnLst>
+      <p:par>
+        <p:cTn id="1" dur="indefinite" restart="never" nodeType="tmRoot"/>
+      </p:par>
+    </p:tnLst>
+  </p:timing>
+</p:sld>
+</file>
+
+<file path=ppt/slides/slide43.xml><?xml version="1.0" encoding="utf-8"?>
+<p:sld xmlns:a="http://schemas.openxmlformats.org/drawingml/2006/main" xmlns:r="http://schemas.openxmlformats.org/officeDocument/2006/relationships" xmlns:p="http://schemas.openxmlformats.org/presentationml/2006/main">
+  <p:cSld>
+    <p:spTree>
+      <p:nvGrpSpPr>
+        <p:cNvPr id="1" name=""/>
+        <p:cNvGrpSpPr/>
+        <p:nvPr/>
+      </p:nvGrpSpPr>
+      <p:grpSpPr>
+        <a:xfrm>
+          <a:off x="0" y="0"/>
+          <a:ext cx="0" cy="0"/>
+          <a:chOff x="0" y="0"/>
+          <a:chExt cx="0" cy="0"/>
+        </a:xfrm>
+      </p:grpSpPr>
+      <p:sp>
+        <p:nvSpPr>
+          <p:cNvPr id="2" name="標題 1"/>
+          <p:cNvSpPr>
+            <a:spLocks noGrp="1"/>
+          </p:cNvSpPr>
+          <p:nvPr>
+            <p:ph type="title"/>
+          </p:nvPr>
+        </p:nvSpPr>
+        <p:spPr/>
+        <p:txBody>
+          <a:bodyPr/>
+          <a:lstStyle/>
+          <a:p>
+            <a:r>
+              <a:rPr lang="en-US" altLang="zh-TW" dirty="0" err="1" smtClean="0"/>
+              <a:t>SetXXX</a:t>
+            </a:r>
+            <a:r>
+              <a:rPr lang="en-US" altLang="zh-TW" dirty="0" smtClean="0"/>
+              <a:t>()</a:t>
+            </a:r>
+            <a:r>
+              <a:rPr lang="zh-TW" altLang="en-US" dirty="0" smtClean="0"/>
+              <a:t>方法可以用來限制屬性的範圍</a:t>
+            </a:r>
+            <a:endParaRPr lang="zh-TW" altLang="en-US" dirty="0"/>
+          </a:p>
+        </p:txBody>
+      </p:sp>
+      <p:sp>
+        <p:nvSpPr>
+          <p:cNvPr id="3" name="內容版面配置區 2"/>
+          <p:cNvSpPr>
+            <a:spLocks noGrp="1"/>
+          </p:cNvSpPr>
+          <p:nvPr>
+            <p:ph idx="1"/>
+          </p:nvPr>
+        </p:nvSpPr>
+        <p:spPr/>
+        <p:txBody>
+          <a:bodyPr/>
+          <a:lstStyle/>
+          <a:p>
+            <a:r>
+              <a:rPr lang="zh-TW" altLang="en-US" dirty="0" smtClean="0"/>
+              <a:t>例如，員工底薪不可以低於</a:t>
+            </a:r>
+            <a:r>
+              <a:rPr lang="en-US" altLang="zh-TW" dirty="0" smtClean="0"/>
+              <a:t>25000</a:t>
+            </a:r>
+            <a:r>
+              <a:rPr lang="zh-TW" altLang="en-US" dirty="0" smtClean="0"/>
+              <a:t>元，也不會高過</a:t>
+            </a:r>
+            <a:r>
+              <a:rPr lang="en-US" altLang="zh-TW" dirty="0" smtClean="0"/>
+              <a:t>40000</a:t>
+            </a:r>
+            <a:r>
+              <a:rPr lang="zh-TW" altLang="en-US" dirty="0" smtClean="0"/>
+              <a:t>元。</a:t>
+            </a:r>
+            <a:endParaRPr lang="en-US" altLang="zh-TW" dirty="0" smtClean="0"/>
+          </a:p>
+          <a:p>
+            <a:r>
+              <a:rPr lang="zh-TW" altLang="en-US" dirty="0"/>
+              <a:t>只要修改</a:t>
+            </a:r>
+            <a:r>
+              <a:rPr lang="en-US" altLang="zh-TW" dirty="0" err="1"/>
+              <a:t>SetPay</a:t>
+            </a:r>
+            <a:r>
+              <a:rPr lang="en-US" altLang="zh-TW" dirty="0"/>
+              <a:t>()</a:t>
+            </a:r>
+            <a:r>
+              <a:rPr lang="zh-TW" altLang="en-US" dirty="0"/>
+              <a:t>方法</a:t>
+            </a:r>
+            <a:r>
+              <a:rPr lang="zh-TW" altLang="en-US" dirty="0" smtClean="0"/>
+              <a:t>，即可增加此規則。</a:t>
+            </a:r>
+            <a:endParaRPr lang="en-US" altLang="zh-TW" dirty="0" smtClean="0"/>
+          </a:p>
+          <a:p>
+            <a:r>
+              <a:rPr lang="zh-TW" altLang="en-US" dirty="0" smtClean="0"/>
+              <a:t>修改後如下：</a:t>
+            </a:r>
+            <a:endParaRPr lang="zh-TW" altLang="en-US" dirty="0"/>
+          </a:p>
+        </p:txBody>
+      </p:sp>
+      <p:pic>
+        <p:nvPicPr>
+          <p:cNvPr id="4" name="圖片 3"/>
+          <p:cNvPicPr>
+            <a:picLocks noChangeAspect="1"/>
+          </p:cNvPicPr>
+          <p:nvPr/>
+        </p:nvPicPr>
+        <p:blipFill>
+          <a:blip r:embed="rId2"/>
+          <a:stretch>
+            <a:fillRect/>
+          </a:stretch>
+        </p:blipFill>
+        <p:spPr>
+          <a:xfrm>
+            <a:off x="1033272" y="3517582"/>
+            <a:ext cx="6535930" cy="1575626"/>
+          </a:xfrm>
+          <a:prstGeom prst="rect">
+            <a:avLst/>
+          </a:prstGeom>
+        </p:spPr>
+      </p:pic>
+    </p:spTree>
+    <p:extLst>
+      <p:ext uri="{BB962C8B-B14F-4D97-AF65-F5344CB8AC3E}">
+        <p14:creationId xmlns:p14="http://schemas.microsoft.com/office/powerpoint/2010/main" val="3461266428"/>
+      </p:ext>
+    </p:extLst>
+  </p:cSld>
+  <p:clrMapOvr>
+    <a:masterClrMapping/>
+  </p:clrMapOvr>
+  <p:timing>
+    <p:tnLst>
+      <p:par>
+        <p:cTn id="1" dur="indefinite" restart="never" nodeType="tmRoot"/>
+      </p:par>
+    </p:tnLst>
+  </p:timing>
+</p:sld>
+</file>
+
+<file path=ppt/slides/slide44.xml><?xml version="1.0" encoding="utf-8"?>
+<p:sld xmlns:a="http://schemas.openxmlformats.org/drawingml/2006/main" xmlns:r="http://schemas.openxmlformats.org/officeDocument/2006/relationships" xmlns:p="http://schemas.openxmlformats.org/presentationml/2006/main">
+  <p:cSld>
+    <p:spTree>
+      <p:nvGrpSpPr>
+        <p:cNvPr id="1" name=""/>
+        <p:cNvGrpSpPr/>
+        <p:nvPr/>
+      </p:nvGrpSpPr>
+      <p:grpSpPr>
+        <a:xfrm>
+          <a:off x="0" y="0"/>
+          <a:ext cx="0" cy="0"/>
+          <a:chOff x="0" y="0"/>
+          <a:chExt cx="0" cy="0"/>
+        </a:xfrm>
+      </p:grpSpPr>
+      <p:sp>
+        <p:nvSpPr>
+          <p:cNvPr id="2" name="標題 1"/>
+          <p:cNvSpPr>
+            <a:spLocks noGrp="1"/>
+          </p:cNvSpPr>
+          <p:nvPr>
+            <p:ph type="title"/>
+          </p:nvPr>
+        </p:nvSpPr>
+        <p:spPr/>
+        <p:txBody>
+          <a:bodyPr/>
+          <a:lstStyle/>
+          <a:p>
+            <a:r>
+              <a:rPr lang="zh-TW" altLang="en-US" dirty="0" smtClean="0"/>
+              <a:t>測試一下</a:t>
+            </a:r>
+            <a:r>
+              <a:rPr lang="en-US" altLang="zh-TW" dirty="0" smtClean="0"/>
+              <a:t>Employee</a:t>
+            </a:r>
+            <a:r>
+              <a:rPr lang="zh-TW" altLang="en-US" dirty="0" smtClean="0"/>
+              <a:t>類別吧！</a:t>
+            </a:r>
+            <a:endParaRPr lang="zh-TW" altLang="en-US" dirty="0"/>
+          </a:p>
+        </p:txBody>
+      </p:sp>
+      <p:sp>
+        <p:nvSpPr>
+          <p:cNvPr id="3" name="內容版面配置區 2"/>
+          <p:cNvSpPr>
+            <a:spLocks noGrp="1"/>
+          </p:cNvSpPr>
+          <p:nvPr>
+            <p:ph idx="1"/>
+          </p:nvPr>
+        </p:nvSpPr>
+        <p:spPr/>
+        <p:txBody>
+          <a:bodyPr/>
+          <a:lstStyle/>
+          <a:p>
+            <a:r>
+              <a:rPr lang="zh-TW" altLang="en-US" dirty="0" smtClean="0"/>
+              <a:t>隨意測試，只是試看看怎麼用。</a:t>
+            </a:r>
+            <a:endParaRPr lang="en-US" altLang="zh-TW" dirty="0" smtClean="0"/>
+          </a:p>
+          <a:p>
+            <a:r>
+              <a:rPr lang="zh-TW" altLang="en-US" dirty="0"/>
+              <a:t>尤其</a:t>
+            </a:r>
+            <a:r>
+              <a:rPr lang="zh-TW" altLang="en-US" dirty="0" smtClean="0"/>
+              <a:t>測試薪資設定，試看看超出範圍。</a:t>
+            </a:r>
+            <a:endParaRPr lang="en-US" altLang="zh-TW" dirty="0" smtClean="0"/>
+          </a:p>
+          <a:p>
+            <a:endParaRPr lang="zh-TW" altLang="en-US" dirty="0"/>
+          </a:p>
+        </p:txBody>
+      </p:sp>
+    </p:spTree>
+    <p:extLst>
+      <p:ext uri="{BB962C8B-B14F-4D97-AF65-F5344CB8AC3E}">
+        <p14:creationId xmlns:p14="http://schemas.microsoft.com/office/powerpoint/2010/main" val="1751423885"/>
+      </p:ext>
+    </p:extLst>
+  </p:cSld>
+  <p:clrMapOvr>
+    <a:masterClrMapping/>
+  </p:clrMapOvr>
+</p:sld>
+</file>
+
+<file path=ppt/slides/slide45.xml><?xml version="1.0" encoding="utf-8"?>
+<p:sld xmlns:a="http://schemas.openxmlformats.org/drawingml/2006/main" xmlns:r="http://schemas.openxmlformats.org/officeDocument/2006/relationships" xmlns:p="http://schemas.openxmlformats.org/presentationml/2006/main">
+  <p:cSld>
+    <p:spTree>
+      <p:nvGrpSpPr>
+        <p:cNvPr id="1" name=""/>
+        <p:cNvGrpSpPr/>
+        <p:nvPr/>
+      </p:nvGrpSpPr>
+      <p:grpSpPr>
+        <a:xfrm>
+          <a:off x="0" y="0"/>
+          <a:ext cx="0" cy="0"/>
+          <a:chOff x="0" y="0"/>
+          <a:chExt cx="0" cy="0"/>
+        </a:xfrm>
+      </p:grpSpPr>
+      <p:sp>
+        <p:nvSpPr>
+          <p:cNvPr id="2" name="標題 1"/>
+          <p:cNvSpPr>
+            <a:spLocks noGrp="1"/>
+          </p:cNvSpPr>
+          <p:nvPr>
+            <p:ph type="title"/>
+          </p:nvPr>
+        </p:nvSpPr>
+        <p:spPr/>
+        <p:txBody>
+          <a:bodyPr/>
+          <a:lstStyle/>
+          <a:p>
+            <a:r>
+              <a:rPr lang="zh-TW" altLang="en-US" dirty="0" smtClean="0"/>
+              <a:t>增加一個類別</a:t>
+            </a:r>
+            <a:r>
+              <a:rPr lang="en-US" altLang="zh-TW" dirty="0" smtClean="0"/>
+              <a:t>Manager</a:t>
+            </a:r>
+            <a:endParaRPr lang="zh-TW" altLang="en-US" dirty="0"/>
+          </a:p>
+        </p:txBody>
+      </p:sp>
+      <p:sp>
+        <p:nvSpPr>
+          <p:cNvPr id="3" name="內容版面配置區 2"/>
+          <p:cNvSpPr>
+            <a:spLocks noGrp="1"/>
+          </p:cNvSpPr>
+          <p:nvPr>
+            <p:ph idx="1"/>
+          </p:nvPr>
+        </p:nvSpPr>
+        <p:spPr/>
+        <p:txBody>
+          <a:bodyPr/>
+          <a:lstStyle/>
+          <a:p>
+            <a:r>
+              <a:rPr lang="en-US" altLang="zh-TW" dirty="0" smtClean="0"/>
+              <a:t>Manager</a:t>
+            </a:r>
+            <a:r>
+              <a:rPr lang="zh-TW" altLang="en-US" dirty="0" smtClean="0"/>
+              <a:t>比起一般員工，多出一個屬性：</a:t>
+            </a:r>
+            <a:r>
+              <a:rPr lang="en-US" altLang="zh-TW" dirty="0" smtClean="0"/>
+              <a:t>bonus</a:t>
+            </a:r>
+            <a:r>
+              <a:rPr lang="zh-TW" altLang="en-US" dirty="0" smtClean="0"/>
+              <a:t>。以及薪資範圍為</a:t>
+            </a:r>
+            <a:r>
+              <a:rPr lang="en-US" altLang="zh-TW" dirty="0" smtClean="0"/>
+              <a:t>40000~80000</a:t>
+            </a:r>
+            <a:r>
+              <a:rPr lang="zh-TW" altLang="en-US" dirty="0" smtClean="0"/>
+              <a:t>元</a:t>
+            </a:r>
+            <a:endParaRPr lang="en-US" altLang="zh-TW" dirty="0" smtClean="0"/>
+          </a:p>
+          <a:p>
+            <a:r>
+              <a:rPr lang="en-US" altLang="zh-TW" dirty="0" smtClean="0"/>
+              <a:t>Manager</a:t>
+            </a:r>
+            <a:r>
+              <a:rPr lang="zh-TW" altLang="en-US" dirty="0" smtClean="0"/>
+              <a:t>也是員工的一種，所以讓他繼承</a:t>
+            </a:r>
+            <a:r>
+              <a:rPr lang="en-US" altLang="zh-TW" dirty="0" smtClean="0"/>
+              <a:t>Employee</a:t>
+            </a:r>
+            <a:r>
+              <a:rPr lang="zh-TW" altLang="en-US" dirty="0" smtClean="0"/>
+              <a:t>類別，再增加屬性，修改方法。</a:t>
+            </a:r>
+            <a:endParaRPr lang="en-US" altLang="zh-TW" dirty="0" smtClean="0"/>
+          </a:p>
+          <a:p>
+            <a:r>
+              <a:rPr lang="zh-TW" altLang="en-US" dirty="0" smtClean="0"/>
+              <a:t>詳細操作跟著老師做。</a:t>
+            </a:r>
+            <a:endParaRPr lang="en-US" altLang="zh-TW" dirty="0" smtClean="0"/>
+          </a:p>
+          <a:p>
+            <a:r>
+              <a:rPr lang="zh-TW" altLang="en-US" dirty="0"/>
+              <a:t>第一</a:t>
+            </a:r>
+            <a:r>
+              <a:rPr lang="zh-TW" altLang="en-US" dirty="0" smtClean="0"/>
+              <a:t>步寫出如下程式碼：</a:t>
+            </a:r>
+            <a:endParaRPr lang="zh-TW" altLang="en-US" dirty="0"/>
+          </a:p>
+        </p:txBody>
+      </p:sp>
+      <p:pic>
+        <p:nvPicPr>
+          <p:cNvPr id="4" name="圖片 3"/>
+          <p:cNvPicPr>
+            <a:picLocks noChangeAspect="1"/>
+          </p:cNvPicPr>
+          <p:nvPr/>
+        </p:nvPicPr>
+        <p:blipFill>
+          <a:blip r:embed="rId2"/>
+          <a:stretch>
+            <a:fillRect/>
+          </a:stretch>
+        </p:blipFill>
+        <p:spPr>
+          <a:xfrm>
+            <a:off x="1000125" y="3866538"/>
+            <a:ext cx="8616777" cy="2405013"/>
+          </a:xfrm>
+          <a:prstGeom prst="rect">
+            <a:avLst/>
+          </a:prstGeom>
+        </p:spPr>
+      </p:pic>
+      <p:sp>
+        <p:nvSpPr>
+          <p:cNvPr id="6" name="文字方塊 5"/>
+          <p:cNvSpPr txBox="1"/>
+          <p:nvPr/>
+        </p:nvSpPr>
+        <p:spPr>
+          <a:xfrm>
+            <a:off x="4422531" y="5020381"/>
+            <a:ext cx="1569660" cy="369332"/>
+          </a:xfrm>
+          <a:prstGeom prst="rect">
+            <a:avLst/>
+          </a:prstGeom>
+          <a:noFill/>
+        </p:spPr>
+        <p:txBody>
+          <a:bodyPr wrap="none" rtlCol="0">
+            <a:spAutoFit/>
+          </a:bodyPr>
+          <a:lstStyle/>
+          <a:p>
+            <a:r>
+              <a:rPr lang="zh-TW" altLang="en-US" b="1" dirty="0" smtClean="0">
+                <a:solidFill>
+                  <a:srgbClr val="FFFF00"/>
+                </a:solidFill>
+              </a:rPr>
+              <a:t>有點問題喔！</a:t>
+            </a:r>
+            <a:endParaRPr lang="zh-TW" altLang="en-US" b="1" dirty="0">
+              <a:solidFill>
+                <a:srgbClr val="FFFF00"/>
+              </a:solidFill>
+            </a:endParaRPr>
+          </a:p>
+        </p:txBody>
+      </p:sp>
+      <p:sp>
+        <p:nvSpPr>
+          <p:cNvPr id="7" name="右大括弧 6"/>
+          <p:cNvSpPr/>
+          <p:nvPr/>
+        </p:nvSpPr>
+        <p:spPr>
+          <a:xfrm>
+            <a:off x="3886200" y="4862147"/>
+            <a:ext cx="536331" cy="685800"/>
+          </a:xfrm>
+          <a:prstGeom prst="rightBrace">
+            <a:avLst/>
+          </a:prstGeom>
+        </p:spPr>
+        <p:style>
+          <a:lnRef idx="1">
+            <a:schemeClr val="accent1"/>
+          </a:lnRef>
+          <a:fillRef idx="0">
+            <a:schemeClr val="accent1"/>
+          </a:fillRef>
+          <a:effectRef idx="0">
+            <a:schemeClr val="accent1"/>
+          </a:effectRef>
+          <a:fontRef idx="minor">
+            <a:schemeClr val="tx1"/>
+          </a:fontRef>
+        </p:style>
+        <p:txBody>
+          <a:bodyPr rtlCol="0" anchor="ctr"/>
+          <a:lstStyle/>
+          <a:p>
+            <a:pPr algn="ctr"/>
+            <a:endParaRPr lang="zh-TW" altLang="en-US"/>
+          </a:p>
+        </p:txBody>
+      </p:sp>
+    </p:spTree>
+    <p:extLst>
+      <p:ext uri="{BB962C8B-B14F-4D97-AF65-F5344CB8AC3E}">
+        <p14:creationId xmlns:p14="http://schemas.microsoft.com/office/powerpoint/2010/main" val="3735554993"/>
+      </p:ext>
+    </p:extLst>
+  </p:cSld>
+  <p:clrMapOvr>
+    <a:masterClrMapping/>
+  </p:clrMapOvr>
+</p:sld>
+</file>
+
+<file path=ppt/slides/slide46.xml><?xml version="1.0" encoding="utf-8"?>
+<p:sld xmlns:a="http://schemas.openxmlformats.org/drawingml/2006/main" xmlns:r="http://schemas.openxmlformats.org/officeDocument/2006/relationships" xmlns:p="http://schemas.openxmlformats.org/presentationml/2006/main">
+  <p:cSld>
+    <p:spTree>
+      <p:nvGrpSpPr>
+        <p:cNvPr id="1" name=""/>
+        <p:cNvGrpSpPr/>
+        <p:nvPr/>
+      </p:nvGrpSpPr>
+      <p:grpSpPr>
+        <a:xfrm>
+          <a:off x="0" y="0"/>
+          <a:ext cx="0" cy="0"/>
+          <a:chOff x="0" y="0"/>
+          <a:chExt cx="0" cy="0"/>
+        </a:xfrm>
+      </p:grpSpPr>
+      <p:sp>
+        <p:nvSpPr>
+          <p:cNvPr id="2" name="標題 1"/>
+          <p:cNvSpPr>
+            <a:spLocks noGrp="1"/>
+          </p:cNvSpPr>
+          <p:nvPr>
+            <p:ph type="title"/>
+          </p:nvPr>
+        </p:nvSpPr>
+        <p:spPr/>
+        <p:txBody>
+          <a:bodyPr/>
+          <a:lstStyle/>
+          <a:p>
+            <a:r>
+              <a:rPr lang="en-US" altLang="zh-TW" dirty="0" smtClean="0"/>
+              <a:t>Manager</a:t>
+            </a:r>
+            <a:r>
+              <a:rPr lang="zh-TW" altLang="en-US" dirty="0" smtClean="0"/>
+              <a:t> </a:t>
+            </a:r>
+            <a:r>
+              <a:rPr lang="en-US" altLang="zh-TW" dirty="0" smtClean="0"/>
+              <a:t>class</a:t>
+            </a:r>
+            <a:r>
+              <a:rPr lang="zh-TW" altLang="en-US" dirty="0" smtClean="0"/>
+              <a:t>的新問題</a:t>
+            </a:r>
+            <a:endParaRPr lang="zh-TW" altLang="en-US" dirty="0"/>
+          </a:p>
+        </p:txBody>
+      </p:sp>
+      <p:sp>
+        <p:nvSpPr>
+          <p:cNvPr id="3" name="內容版面配置區 2"/>
+          <p:cNvSpPr>
+            <a:spLocks noGrp="1"/>
+          </p:cNvSpPr>
+          <p:nvPr>
+            <p:ph idx="1"/>
+          </p:nvPr>
+        </p:nvSpPr>
+        <p:spPr/>
+        <p:txBody>
+          <a:bodyPr/>
+          <a:lstStyle/>
+          <a:p>
+            <a:r>
+              <a:rPr lang="zh-TW" altLang="en-US" dirty="0"/>
+              <a:t>三個繼承來的</a:t>
+            </a:r>
+            <a:r>
+              <a:rPr lang="zh-TW" altLang="en-US" dirty="0" smtClean="0"/>
+              <a:t>屬性出現紅色底線警告！</a:t>
+            </a:r>
+            <a:endParaRPr lang="en-US" altLang="zh-TW" dirty="0" smtClean="0"/>
+          </a:p>
+          <a:p>
+            <a:endParaRPr lang="en-US" altLang="zh-TW" dirty="0"/>
+          </a:p>
+          <a:p>
+            <a:r>
+              <a:rPr lang="zh-TW" altLang="en-US" dirty="0" smtClean="0"/>
+              <a:t>原來，父類別的修飾字為</a:t>
+            </a:r>
+            <a:r>
+              <a:rPr lang="en-US" altLang="zh-TW" dirty="0" smtClean="0"/>
+              <a:t>private</a:t>
+            </a:r>
+          </a:p>
+          <a:p>
+            <a:pPr lvl="1"/>
+            <a:r>
+              <a:rPr lang="zh-TW" altLang="en-US" dirty="0"/>
+              <a:t>意思是字類別也不能用他！</a:t>
+            </a:r>
+            <a:endParaRPr lang="en-US" altLang="zh-TW" dirty="0"/>
+          </a:p>
+          <a:p>
+            <a:r>
+              <a:rPr lang="zh-TW" altLang="en-US" dirty="0" smtClean="0"/>
+              <a:t>所以，把父類別的屬性改為 </a:t>
+            </a:r>
+            <a:r>
+              <a:rPr lang="en-US" altLang="zh-TW" dirty="0" smtClean="0"/>
+              <a:t>protected</a:t>
+            </a:r>
+            <a:r>
+              <a:rPr lang="zh-TW" altLang="en-US" dirty="0" smtClean="0"/>
+              <a:t>即可</a:t>
+            </a:r>
+            <a:endParaRPr lang="en-US" altLang="zh-TW" dirty="0" smtClean="0"/>
+          </a:p>
+          <a:p>
+            <a:pPr lvl="1"/>
+            <a:r>
+              <a:rPr lang="en-US" altLang="zh-TW" dirty="0" smtClean="0"/>
+              <a:t>Protected</a:t>
+            </a:r>
+            <a:r>
+              <a:rPr lang="zh-TW" altLang="en-US" dirty="0" smtClean="0"/>
+              <a:t>意思是家人可以用！</a:t>
+            </a:r>
+            <a:endParaRPr lang="zh-TW" altLang="en-US" dirty="0"/>
+          </a:p>
+        </p:txBody>
+      </p:sp>
+    </p:spTree>
+    <p:extLst>
+      <p:ext uri="{BB962C8B-B14F-4D97-AF65-F5344CB8AC3E}">
+        <p14:creationId xmlns:p14="http://schemas.microsoft.com/office/powerpoint/2010/main" val="471632145"/>
+      </p:ext>
+    </p:extLst>
+  </p:cSld>
+  <p:clrMapOvr>
+    <a:masterClrMapping/>
+  </p:clrMapOvr>
+</p:sld>
+</file>
+
+<file path=ppt/slides/slide47.xml><?xml version="1.0" encoding="utf-8"?>
+<p:sld xmlns:a="http://schemas.openxmlformats.org/drawingml/2006/main" xmlns:r="http://schemas.openxmlformats.org/officeDocument/2006/relationships" xmlns:p="http://schemas.openxmlformats.org/presentationml/2006/main">
+  <p:cSld>
+    <p:spTree>
+      <p:nvGrpSpPr>
+        <p:cNvPr id="1" name=""/>
+        <p:cNvGrpSpPr/>
+        <p:nvPr/>
+      </p:nvGrpSpPr>
+      <p:grpSpPr>
+        <a:xfrm>
+          <a:off x="0" y="0"/>
+          <a:ext cx="0" cy="0"/>
+          <a:chOff x="0" y="0"/>
+          <a:chExt cx="0" cy="0"/>
+        </a:xfrm>
+      </p:grpSpPr>
+      <p:sp>
+        <p:nvSpPr>
+          <p:cNvPr id="2" name="標題 1"/>
+          <p:cNvSpPr>
+            <a:spLocks noGrp="1"/>
+          </p:cNvSpPr>
+          <p:nvPr>
+            <p:ph type="title"/>
+          </p:nvPr>
+        </p:nvSpPr>
+        <p:spPr/>
+        <p:txBody>
+          <a:bodyPr/>
+          <a:lstStyle/>
+          <a:p>
+            <a:r>
+              <a:rPr lang="zh-TW" altLang="en-US" dirty="0" smtClean="0"/>
+              <a:t>把</a:t>
+            </a:r>
+            <a:r>
+              <a:rPr lang="en-US" altLang="zh-TW" dirty="0" smtClean="0"/>
+              <a:t>bonus</a:t>
+            </a:r>
+            <a:r>
+              <a:rPr lang="zh-TW" altLang="en-US" dirty="0" smtClean="0"/>
+              <a:t>遺忘了嗎？</a:t>
+            </a:r>
+            <a:endParaRPr lang="zh-TW" altLang="en-US" dirty="0"/>
+          </a:p>
+        </p:txBody>
+      </p:sp>
+      <p:sp>
+        <p:nvSpPr>
+          <p:cNvPr id="3" name="內容版面配置區 2"/>
+          <p:cNvSpPr>
+            <a:spLocks noGrp="1"/>
+          </p:cNvSpPr>
+          <p:nvPr>
+            <p:ph idx="1"/>
+          </p:nvPr>
+        </p:nvSpPr>
+        <p:spPr/>
+        <p:txBody>
+          <a:bodyPr/>
+          <a:lstStyle/>
+          <a:p>
+            <a:r>
+              <a:rPr lang="zh-TW" altLang="en-US" dirty="0" smtClean="0"/>
+              <a:t>先補一下</a:t>
+            </a:r>
+            <a:r>
+              <a:rPr lang="en-US" altLang="zh-TW" dirty="0" err="1" smtClean="0"/>
+              <a:t>setBonus</a:t>
+            </a:r>
+            <a:r>
+              <a:rPr lang="en-US" altLang="zh-TW" dirty="0" smtClean="0"/>
+              <a:t>();</a:t>
+            </a:r>
+            <a:r>
+              <a:rPr lang="zh-TW" altLang="en-US" dirty="0" smtClean="0"/>
+              <a:t>跟</a:t>
+            </a:r>
+            <a:r>
+              <a:rPr lang="en-US" altLang="zh-TW" dirty="0" err="1" smtClean="0"/>
+              <a:t>getBonus</a:t>
+            </a:r>
+            <a:r>
+              <a:rPr lang="en-US" altLang="zh-TW" dirty="0" smtClean="0"/>
+              <a:t>();</a:t>
+            </a:r>
+            <a:r>
+              <a:rPr lang="zh-TW" altLang="en-US" dirty="0" smtClean="0"/>
+              <a:t> 吧！</a:t>
+            </a:r>
+            <a:endParaRPr lang="en-US" altLang="zh-TW" dirty="0" smtClean="0"/>
+          </a:p>
+          <a:p>
+            <a:endParaRPr lang="en-US" altLang="zh-TW" dirty="0"/>
+          </a:p>
+          <a:p>
+            <a:r>
+              <a:rPr lang="zh-TW" altLang="en-US" dirty="0" smtClean="0"/>
+              <a:t>補一下，下面的程式碼：</a:t>
+            </a:r>
+            <a:endParaRPr lang="zh-TW" altLang="en-US" dirty="0"/>
+          </a:p>
+        </p:txBody>
+      </p:sp>
+      <p:pic>
+        <p:nvPicPr>
+          <p:cNvPr id="4" name="圖片 3"/>
+          <p:cNvPicPr>
+            <a:picLocks noChangeAspect="1"/>
+          </p:cNvPicPr>
+          <p:nvPr/>
+        </p:nvPicPr>
+        <p:blipFill>
+          <a:blip r:embed="rId2"/>
+          <a:stretch>
+            <a:fillRect/>
+          </a:stretch>
+        </p:blipFill>
+        <p:spPr>
+          <a:xfrm>
+            <a:off x="1042986" y="3469664"/>
+            <a:ext cx="6677025" cy="2257425"/>
+          </a:xfrm>
+          <a:prstGeom prst="rect">
+            <a:avLst/>
+          </a:prstGeom>
+        </p:spPr>
+      </p:pic>
+    </p:spTree>
+    <p:extLst>
+      <p:ext uri="{BB962C8B-B14F-4D97-AF65-F5344CB8AC3E}">
+        <p14:creationId xmlns:p14="http://schemas.microsoft.com/office/powerpoint/2010/main" val="1061167204"/>
+      </p:ext>
+    </p:extLst>
+  </p:cSld>
+  <p:clrMapOvr>
+    <a:masterClrMapping/>
+  </p:clrMapOvr>
+</p:sld>
+</file>
+
+<file path=ppt/slides/slide48.xml><?xml version="1.0" encoding="utf-8"?>
+<p:sld xmlns:a="http://schemas.openxmlformats.org/drawingml/2006/main" xmlns:r="http://schemas.openxmlformats.org/officeDocument/2006/relationships" xmlns:p="http://schemas.openxmlformats.org/presentationml/2006/main">
+  <p:cSld>
+    <p:spTree>
+      <p:nvGrpSpPr>
+        <p:cNvPr id="1" name=""/>
+        <p:cNvGrpSpPr/>
+        <p:nvPr/>
+      </p:nvGrpSpPr>
+      <p:grpSpPr>
+        <a:xfrm>
+          <a:off x="0" y="0"/>
+          <a:ext cx="0" cy="0"/>
+          <a:chOff x="0" y="0"/>
+          <a:chExt cx="0" cy="0"/>
+        </a:xfrm>
+      </p:grpSpPr>
+      <p:sp>
+        <p:nvSpPr>
+          <p:cNvPr id="2" name="標題 1"/>
+          <p:cNvSpPr>
+            <a:spLocks noGrp="1"/>
+          </p:cNvSpPr>
+          <p:nvPr>
+            <p:ph type="title"/>
+          </p:nvPr>
+        </p:nvSpPr>
+        <p:spPr/>
+        <p:txBody>
+          <a:bodyPr/>
+          <a:lstStyle/>
+          <a:p>
+            <a:r>
+              <a:rPr lang="zh-TW" altLang="en-US" dirty="0" smtClean="0"/>
+              <a:t>談談</a:t>
+            </a:r>
+            <a:r>
+              <a:rPr lang="en-US" altLang="zh-TW" dirty="0" smtClean="0"/>
+              <a:t>overriding(</a:t>
+            </a:r>
+            <a:r>
+              <a:rPr lang="zh-TW" altLang="en-US" dirty="0" smtClean="0"/>
+              <a:t>覆寫</a:t>
+            </a:r>
+            <a:r>
+              <a:rPr lang="en-US" altLang="zh-TW" dirty="0" smtClean="0"/>
+              <a:t>)</a:t>
+            </a:r>
+            <a:endParaRPr lang="zh-TW" altLang="en-US" dirty="0"/>
+          </a:p>
+        </p:txBody>
+      </p:sp>
+      <p:sp>
+        <p:nvSpPr>
+          <p:cNvPr id="3" name="內容版面配置區 2"/>
+          <p:cNvSpPr>
+            <a:spLocks noGrp="1"/>
+          </p:cNvSpPr>
+          <p:nvPr>
+            <p:ph idx="1"/>
+          </p:nvPr>
+        </p:nvSpPr>
+        <p:spPr/>
+        <p:txBody>
+          <a:bodyPr/>
+          <a:lstStyle/>
+          <a:p>
+            <a:r>
+              <a:rPr lang="en-US" altLang="zh-TW" dirty="0"/>
+              <a:t>Manager</a:t>
+            </a:r>
+            <a:r>
+              <a:rPr lang="zh-TW" altLang="en-US" dirty="0"/>
+              <a:t>的</a:t>
+            </a:r>
+            <a:r>
+              <a:rPr lang="en-US" altLang="zh-TW" dirty="0" err="1"/>
+              <a:t>setPay</a:t>
+            </a:r>
+            <a:r>
+              <a:rPr lang="zh-TW" altLang="en-US" dirty="0"/>
+              <a:t>與</a:t>
+            </a:r>
+            <a:r>
+              <a:rPr lang="en-US" altLang="zh-TW" dirty="0"/>
+              <a:t>Employee</a:t>
+            </a:r>
+            <a:r>
+              <a:rPr lang="zh-TW" altLang="en-US" dirty="0"/>
+              <a:t>的</a:t>
+            </a:r>
+            <a:r>
+              <a:rPr lang="en-US" altLang="zh-TW" dirty="0" err="1" smtClean="0"/>
+              <a:t>setPay</a:t>
+            </a:r>
+            <a:endParaRPr lang="en-US" altLang="zh-TW" dirty="0"/>
+          </a:p>
+          <a:p>
+            <a:pPr lvl="1"/>
+            <a:r>
+              <a:rPr lang="zh-TW" altLang="en-US" dirty="0" smtClean="0"/>
+              <a:t>因為</a:t>
+            </a:r>
+            <a:r>
+              <a:rPr lang="zh-TW" altLang="en-US" dirty="0" smtClean="0">
+                <a:solidFill>
+                  <a:srgbClr val="FF0000"/>
+                </a:solidFill>
+              </a:rPr>
+              <a:t>薪資範圍不同</a:t>
+            </a:r>
+            <a:r>
+              <a:rPr lang="zh-TW" altLang="en-US" dirty="0" smtClean="0"/>
+              <a:t>，程式無法用同一個！</a:t>
+            </a:r>
+            <a:endParaRPr lang="en-US" altLang="zh-TW" dirty="0"/>
+          </a:p>
+          <a:p>
+            <a:r>
+              <a:rPr lang="zh-TW" altLang="en-US" b="1" dirty="0" smtClean="0">
+                <a:solidFill>
+                  <a:srgbClr val="FF0000"/>
+                </a:solidFill>
+              </a:rPr>
+              <a:t>引入</a:t>
+            </a:r>
+            <a:r>
+              <a:rPr lang="en-US" altLang="zh-TW" b="1" dirty="0" smtClean="0">
+                <a:solidFill>
+                  <a:srgbClr val="FF0000"/>
+                </a:solidFill>
+              </a:rPr>
+              <a:t>overriding</a:t>
+            </a:r>
+            <a:r>
+              <a:rPr lang="zh-TW" altLang="en-US" b="1" dirty="0" smtClean="0">
+                <a:solidFill>
+                  <a:srgbClr val="FF0000"/>
+                </a:solidFill>
+              </a:rPr>
+              <a:t>概念！子類別可以覆蓋父類別的方法。</a:t>
+            </a:r>
+            <a:endParaRPr lang="en-US" altLang="zh-TW" b="1" dirty="0" smtClean="0">
+              <a:solidFill>
+                <a:srgbClr val="FF0000"/>
+              </a:solidFill>
+            </a:endParaRPr>
+          </a:p>
+          <a:p>
+            <a:pPr lvl="1"/>
+            <a:r>
+              <a:rPr lang="en-US" altLang="zh-TW" dirty="0" smtClean="0"/>
+              <a:t>Manager class</a:t>
+            </a:r>
+            <a:r>
+              <a:rPr lang="zh-TW" altLang="en-US" dirty="0" smtClean="0"/>
+              <a:t>重新寫一個</a:t>
+            </a:r>
+            <a:r>
+              <a:rPr lang="en-US" altLang="zh-TW" dirty="0" err="1" smtClean="0"/>
+              <a:t>setPay</a:t>
+            </a:r>
+            <a:r>
+              <a:rPr lang="en-US" altLang="zh-TW" dirty="0" smtClean="0"/>
+              <a:t>()</a:t>
+            </a:r>
+            <a:r>
+              <a:rPr lang="zh-TW" altLang="en-US" dirty="0" smtClean="0"/>
+              <a:t>去蓋過</a:t>
+            </a:r>
+            <a:r>
+              <a:rPr lang="en-US" altLang="zh-TW" dirty="0" smtClean="0"/>
+              <a:t>Employee</a:t>
+            </a:r>
+            <a:r>
+              <a:rPr lang="zh-TW" altLang="en-US" dirty="0" smtClean="0"/>
+              <a:t>原先的</a:t>
+            </a:r>
+            <a:r>
+              <a:rPr lang="en-US" altLang="zh-TW" dirty="0" err="1" smtClean="0"/>
+              <a:t>setPay</a:t>
+            </a:r>
+            <a:r>
+              <a:rPr lang="en-US" altLang="zh-TW" dirty="0" smtClean="0"/>
+              <a:t>()</a:t>
+            </a:r>
+            <a:endParaRPr lang="en-US" altLang="zh-TW" dirty="0"/>
+          </a:p>
+          <a:p>
+            <a:r>
+              <a:rPr lang="zh-TW" altLang="en-US" dirty="0"/>
+              <a:t>父子</a:t>
+            </a:r>
+            <a:r>
+              <a:rPr lang="zh-TW" altLang="en-US" dirty="0" smtClean="0"/>
+              <a:t>傳承，兒子可以改進父親傳下來的手藝跟技術吧！</a:t>
+            </a:r>
+            <a:endParaRPr lang="en-US" altLang="zh-TW" dirty="0" smtClean="0"/>
+          </a:p>
+          <a:p>
+            <a:pPr lvl="1"/>
+            <a:r>
+              <a:rPr lang="zh-TW" altLang="en-US" dirty="0"/>
+              <a:t>聽起來好有道理</a:t>
+            </a:r>
+            <a:r>
+              <a:rPr lang="zh-TW" altLang="en-US" dirty="0" smtClean="0"/>
+              <a:t>啊～是吧</a:t>
+            </a:r>
+            <a:endParaRPr lang="en-US" altLang="zh-TW" dirty="0"/>
+          </a:p>
+          <a:p>
+            <a:r>
+              <a:rPr lang="zh-TW" altLang="en-US" dirty="0" smtClean="0"/>
+              <a:t>程式碼如右：</a:t>
+            </a:r>
+            <a:endParaRPr lang="zh-TW" altLang="en-US" dirty="0"/>
+          </a:p>
+        </p:txBody>
+      </p:sp>
+      <p:pic>
+        <p:nvPicPr>
+          <p:cNvPr id="4" name="圖片 3"/>
+          <p:cNvPicPr>
+            <a:picLocks noChangeAspect="1"/>
+          </p:cNvPicPr>
+          <p:nvPr/>
+        </p:nvPicPr>
+        <p:blipFill>
+          <a:blip r:embed="rId2"/>
+          <a:stretch>
+            <a:fillRect/>
+          </a:stretch>
+        </p:blipFill>
+        <p:spPr>
+          <a:xfrm>
+            <a:off x="2617543" y="4540016"/>
+            <a:ext cx="6403365" cy="1570637"/>
+          </a:xfrm>
+          <a:prstGeom prst="rect">
+            <a:avLst/>
+          </a:prstGeom>
+        </p:spPr>
+      </p:pic>
+    </p:spTree>
+    <p:extLst>
+      <p:ext uri="{BB962C8B-B14F-4D97-AF65-F5344CB8AC3E}">
+        <p14:creationId xmlns:p14="http://schemas.microsoft.com/office/powerpoint/2010/main" val="261137196"/>
+      </p:ext>
+    </p:extLst>
+  </p:cSld>
+  <p:clrMapOvr>
+    <a:masterClrMapping/>
+  </p:clrMapOvr>
+</p:sld>
+</file>
+
+<file path=ppt/slides/slide49.xml><?xml version="1.0" encoding="utf-8"?>
+<p:sld xmlns:a="http://schemas.openxmlformats.org/drawingml/2006/main" xmlns:r="http://schemas.openxmlformats.org/officeDocument/2006/relationships" xmlns:p="http://schemas.openxmlformats.org/presentationml/2006/main">
+  <p:cSld>
+    <p:spTree>
+      <p:nvGrpSpPr>
+        <p:cNvPr id="1" name=""/>
+        <p:cNvGrpSpPr/>
+        <p:nvPr/>
+      </p:nvGrpSpPr>
+      <p:grpSpPr>
+        <a:xfrm>
+          <a:off x="0" y="0"/>
+          <a:ext cx="0" cy="0"/>
+          <a:chOff x="0" y="0"/>
+          <a:chExt cx="0" cy="0"/>
+        </a:xfrm>
+      </p:grpSpPr>
+      <p:sp>
+        <p:nvSpPr>
+          <p:cNvPr id="2" name="標題 1"/>
+          <p:cNvSpPr>
+            <a:spLocks noGrp="1"/>
+          </p:cNvSpPr>
+          <p:nvPr>
+            <p:ph type="title"/>
+          </p:nvPr>
+        </p:nvSpPr>
+        <p:spPr/>
+        <p:txBody>
+          <a:bodyPr/>
+          <a:lstStyle/>
+          <a:p>
+            <a:r>
+              <a:rPr lang="en-US" altLang="zh-TW" dirty="0" smtClean="0"/>
+              <a:t>Manager class</a:t>
+            </a:r>
+            <a:r>
+              <a:rPr lang="zh-TW" altLang="en-US" dirty="0" smtClean="0"/>
+              <a:t>目前為止程式碼</a:t>
+            </a:r>
+            <a:endParaRPr lang="zh-TW" altLang="en-US" dirty="0"/>
+          </a:p>
+        </p:txBody>
+      </p:sp>
+      <p:sp>
+        <p:nvSpPr>
+          <p:cNvPr id="3" name="內容版面配置區 2"/>
+          <p:cNvSpPr>
+            <a:spLocks noGrp="1"/>
+          </p:cNvSpPr>
+          <p:nvPr>
+            <p:ph idx="1"/>
+          </p:nvPr>
+        </p:nvSpPr>
+        <p:spPr/>
+        <p:txBody>
+          <a:bodyPr/>
+          <a:lstStyle/>
+          <a:p>
+            <a:endParaRPr lang="zh-TW" altLang="en-US"/>
+          </a:p>
+        </p:txBody>
+      </p:sp>
+      <p:pic>
+        <p:nvPicPr>
+          <p:cNvPr id="5" name="圖片 4"/>
+          <p:cNvPicPr>
+            <a:picLocks noChangeAspect="1"/>
+          </p:cNvPicPr>
+          <p:nvPr/>
+        </p:nvPicPr>
+        <p:blipFill>
+          <a:blip r:embed="rId2"/>
+          <a:stretch>
+            <a:fillRect/>
+          </a:stretch>
+        </p:blipFill>
+        <p:spPr>
+          <a:xfrm>
+            <a:off x="770747" y="1343589"/>
+            <a:ext cx="8409842" cy="5238918"/>
+          </a:xfrm>
+          <a:prstGeom prst="rect">
+            <a:avLst/>
+          </a:prstGeom>
+        </p:spPr>
+      </p:pic>
+    </p:spTree>
+    <p:extLst>
+      <p:ext uri="{BB962C8B-B14F-4D97-AF65-F5344CB8AC3E}">
+        <p14:creationId xmlns:p14="http://schemas.microsoft.com/office/powerpoint/2010/main" val="3344206634"/>
+      </p:ext>
+    </p:extLst>
+  </p:cSld>
+  <p:clrMapOvr>
+    <a:masterClrMapping/>
+  </p:clrMapOvr>
 </p:sld>
 </file>
 
@@ -18563,7 +20389,7 @@
           <a:p>
             <a:r>
               <a:rPr lang="zh-TW" altLang="en-US" dirty="0" smtClean="0"/>
-              <a:t>非物件導向的程式設計，有點像是自助餐，所有的菜</a:t>
+              <a:t>傳統非物件導向的程式設計，有點像是自助餐，所有的菜</a:t>
             </a:r>
             <a:r>
               <a:rPr lang="en-US" altLang="zh-TW" dirty="0" smtClean="0"/>
@@ -18597,7 +20423,10 @@
               <a:rPr lang="zh-TW" altLang="en-US" dirty="0" smtClean="0"/>
               <a:t>傳播的溫床。</a:t>
             </a:r>
-            <a:endParaRPr lang="en-US" altLang="zh-TW" dirty="0" smtClean="0"/>
+            <a:r>
+              <a:rPr lang="en-US" altLang="zh-TW" dirty="0" smtClean="0"/>
+              <a:t>(COVID-19)</a:t>
+            </a:r>
           </a:p>
           <a:p>
             <a:pPr lvl="1"/>
@@ -18611,30 +20440,14 @@
             </a:r>
             <a:r>
               <a:rPr lang="zh-TW" altLang="en-US" dirty="0" smtClean="0"/>
-              <a:t>，可能因為遠在美國的工程師亂</a:t>
-            </a:r>
-            <a:r>
-              <a:rPr lang="zh-TW" altLang="en-US" dirty="0" smtClean="0"/>
-              <a:t>改某個變數</a:t>
-            </a:r>
-            <a:r>
-              <a:rPr lang="zh-TW" altLang="en-US" dirty="0" smtClean="0"/>
-              <a:t>內容，導致程式執行錯誤！</a:t>
+              <a:t>，可能因為遠在美國的工程師亂改某個變數內容，導致程式執行錯誤！</a:t>
             </a:r>
             <a:endParaRPr lang="en-US" altLang="zh-TW" dirty="0" smtClean="0"/>
           </a:p>
           <a:p>
             <a:r>
               <a:rPr lang="zh-TW" altLang="en-US" dirty="0" smtClean="0"/>
-              <a:t>物件導向程式設計就是改自助餐</a:t>
-            </a:r>
-            <a:r>
-              <a:rPr lang="zh-TW" altLang="en-US" dirty="0" smtClean="0"/>
-              <a:t>為個人套餐</a:t>
-            </a:r>
-            <a:r>
-              <a:rPr lang="zh-TW" altLang="en-US" dirty="0" smtClean="0"/>
-              <a:t>或定食。每個人專心對付自己該掌握的菜，別人家的菜誰都不準動！除非主人自己夾給你分享！</a:t>
+              <a:t>物件導向程式設計就是改自助餐為個人套餐或定食。每個人專心對付自己該掌握的菜，別人家的菜誰都不準動！除非主人自己夾給你分享！</a:t>
             </a:r>
             <a:endParaRPr lang="en-US" altLang="zh-TW" dirty="0" smtClean="0"/>
           </a:p>
@@ -18673,6 +20486,1825 @@
       </p:par>
     </p:tnLst>
   </p:timing>
+</p:sld>
+</file>
+
+<file path=ppt/slides/slide50.xml><?xml version="1.0" encoding="utf-8"?>
+<p:sld xmlns:a="http://schemas.openxmlformats.org/drawingml/2006/main" xmlns:r="http://schemas.openxmlformats.org/officeDocument/2006/relationships" xmlns:p="http://schemas.openxmlformats.org/presentationml/2006/main">
+  <p:cSld>
+    <p:spTree>
+      <p:nvGrpSpPr>
+        <p:cNvPr id="1" name=""/>
+        <p:cNvGrpSpPr/>
+        <p:nvPr/>
+      </p:nvGrpSpPr>
+      <p:grpSpPr>
+        <a:xfrm>
+          <a:off x="0" y="0"/>
+          <a:ext cx="0" cy="0"/>
+          <a:chOff x="0" y="0"/>
+          <a:chExt cx="0" cy="0"/>
+        </a:xfrm>
+      </p:grpSpPr>
+      <p:sp>
+        <p:nvSpPr>
+          <p:cNvPr id="2" name="標題 1"/>
+          <p:cNvSpPr>
+            <a:spLocks noGrp="1"/>
+          </p:cNvSpPr>
+          <p:nvPr>
+            <p:ph type="title"/>
+          </p:nvPr>
+        </p:nvSpPr>
+        <p:spPr/>
+        <p:txBody>
+          <a:bodyPr/>
+          <a:lstStyle/>
+          <a:p>
+            <a:r>
+              <a:rPr lang="zh-TW" altLang="en-US" dirty="0" smtClean="0"/>
+              <a:t>回顧繼承二三事</a:t>
+            </a:r>
+            <a:endParaRPr lang="zh-TW" altLang="en-US" dirty="0"/>
+          </a:p>
+        </p:txBody>
+      </p:sp>
+      <p:sp>
+        <p:nvSpPr>
+          <p:cNvPr id="3" name="內容版面配置區 2"/>
+          <p:cNvSpPr>
+            <a:spLocks noGrp="1"/>
+          </p:cNvSpPr>
+          <p:nvPr>
+            <p:ph idx="1"/>
+          </p:nvPr>
+        </p:nvSpPr>
+        <p:spPr/>
+        <p:txBody>
+          <a:bodyPr/>
+          <a:lstStyle/>
+          <a:p>
+            <a:r>
+              <a:rPr lang="zh-TW" altLang="en-US" dirty="0" smtClean="0"/>
+              <a:t>繼承可以直接沿用父類別的所有屬性、方法。</a:t>
+            </a:r>
+            <a:endParaRPr lang="en-US" altLang="zh-TW" dirty="0" smtClean="0"/>
+          </a:p>
+          <a:p>
+            <a:r>
+              <a:rPr lang="zh-TW" altLang="en-US" dirty="0" smtClean="0"/>
+              <a:t>繼承者通常會對父</a:t>
+            </a:r>
+            <a:r>
+              <a:rPr lang="zh-TW" altLang="en-US" dirty="0"/>
+              <a:t>類別的</a:t>
+            </a:r>
+            <a:r>
+              <a:rPr lang="zh-TW" altLang="en-US" b="1" dirty="0"/>
+              <a:t>屬性或方法</a:t>
+            </a:r>
+            <a:r>
+              <a:rPr lang="zh-TW" altLang="en-US" dirty="0" smtClean="0"/>
+              <a:t>做</a:t>
+            </a:r>
+            <a:r>
+              <a:rPr lang="zh-TW" altLang="en-US" b="1" dirty="0">
+                <a:solidFill>
+                  <a:srgbClr val="FF0000"/>
+                </a:solidFill>
+              </a:rPr>
+              <a:t>限</a:t>
+            </a:r>
+            <a:r>
+              <a:rPr lang="zh-TW" altLang="en-US" b="1" dirty="0" smtClean="0">
+                <a:solidFill>
+                  <a:srgbClr val="FF0000"/>
+                </a:solidFill>
+              </a:rPr>
+              <a:t>縮、</a:t>
+            </a:r>
+            <a:r>
+              <a:rPr lang="zh-TW" altLang="en-US" b="1" dirty="0">
+                <a:solidFill>
+                  <a:srgbClr val="FF0000"/>
+                </a:solidFill>
+              </a:rPr>
+              <a:t>增加、</a:t>
+            </a:r>
+            <a:r>
+              <a:rPr lang="zh-TW" altLang="en-US" b="1" dirty="0" smtClean="0">
+                <a:solidFill>
+                  <a:srgbClr val="FF0000"/>
+                </a:solidFill>
+              </a:rPr>
+              <a:t>修改、覆加</a:t>
+            </a:r>
+            <a:r>
+              <a:rPr lang="zh-TW" altLang="en-US" dirty="0" smtClean="0">
+                <a:solidFill>
+                  <a:schemeClr val="tx1"/>
+                </a:solidFill>
+              </a:rPr>
+              <a:t>等變動</a:t>
+            </a:r>
+            <a:r>
+              <a:rPr lang="zh-TW" altLang="en-US" dirty="0" smtClean="0"/>
+              <a:t>。</a:t>
+            </a:r>
+            <a:endParaRPr lang="en-US" altLang="zh-TW" dirty="0" smtClean="0"/>
+          </a:p>
+          <a:p>
+            <a:r>
+              <a:rPr lang="en-US" altLang="zh-TW" dirty="0" smtClean="0"/>
+              <a:t>public</a:t>
+            </a:r>
+            <a:r>
+              <a:rPr lang="zh-TW" altLang="en-US" dirty="0"/>
+              <a:t>、</a:t>
+            </a:r>
+            <a:r>
+              <a:rPr lang="en-US" altLang="zh-TW" dirty="0" smtClean="0"/>
+              <a:t>protected</a:t>
+            </a:r>
+            <a:r>
+              <a:rPr lang="zh-TW" altLang="en-US" dirty="0" smtClean="0"/>
+              <a:t>、</a:t>
+            </a:r>
+            <a:r>
+              <a:rPr lang="en-US" altLang="zh-TW" dirty="0" err="1" smtClean="0"/>
+              <a:t>privat</a:t>
+            </a:r>
+            <a:r>
+              <a:rPr lang="zh-TW" altLang="en-US" dirty="0" smtClean="0"/>
+              <a:t>這些修飾字的意義與用途要記得。</a:t>
+            </a:r>
+            <a:endParaRPr lang="en-US" altLang="zh-TW" dirty="0" smtClean="0"/>
+          </a:p>
+          <a:p>
+            <a:r>
+              <a:rPr lang="zh-TW" altLang="en-US" dirty="0"/>
+              <a:t>通常屬性都會宣告為</a:t>
+            </a:r>
+            <a:r>
+              <a:rPr lang="en-US" altLang="zh-TW" dirty="0" err="1" smtClean="0"/>
+              <a:t>privat</a:t>
+            </a:r>
+            <a:r>
+              <a:rPr lang="zh-TW" altLang="en-US" dirty="0" smtClean="0"/>
+              <a:t>或是</a:t>
+            </a:r>
+            <a:r>
+              <a:rPr lang="en-US" altLang="zh-TW" dirty="0" smtClean="0"/>
+              <a:t>protected</a:t>
+            </a:r>
+            <a:endParaRPr lang="en-US" altLang="zh-TW" dirty="0"/>
+          </a:p>
+          <a:p>
+            <a:pPr lvl="1"/>
+            <a:r>
+              <a:rPr lang="zh-TW" altLang="en-US" dirty="0" smtClean="0"/>
+              <a:t>再搭配一組</a:t>
+            </a:r>
+            <a:r>
+              <a:rPr lang="en-US" altLang="zh-TW" dirty="0" err="1" smtClean="0"/>
+              <a:t>publi</a:t>
+            </a:r>
+            <a:r>
+              <a:rPr lang="zh-TW" altLang="en-US" dirty="0" smtClean="0"/>
+              <a:t>的 </a:t>
+            </a:r>
+            <a:r>
+              <a:rPr lang="en-US" altLang="zh-TW" dirty="0" err="1" smtClean="0"/>
+              <a:t>setXXX</a:t>
+            </a:r>
+            <a:r>
+              <a:rPr lang="en-US" altLang="zh-TW" dirty="0" smtClean="0"/>
+              <a:t>();</a:t>
+            </a:r>
+            <a:r>
+              <a:rPr lang="en-US" altLang="zh-TW" dirty="0" err="1" smtClean="0"/>
+              <a:t>getXXX</a:t>
+            </a:r>
+            <a:r>
+              <a:rPr lang="en-US" altLang="zh-TW" dirty="0" smtClean="0"/>
+              <a:t>();</a:t>
+            </a:r>
+          </a:p>
+          <a:p>
+            <a:r>
+              <a:rPr lang="en-US" altLang="zh-TW" dirty="0" smtClean="0"/>
+              <a:t>Override</a:t>
+            </a:r>
+            <a:r>
+              <a:rPr lang="zh-TW" altLang="en-US" dirty="0" smtClean="0"/>
+              <a:t>父類別的方法時，方法的名稱、參數、傳回值都要與父類別的一致。</a:t>
+            </a:r>
+            <a:endParaRPr lang="en-US" altLang="zh-TW" dirty="0" smtClean="0"/>
+          </a:p>
+          <a:p>
+            <a:endParaRPr lang="en-US" altLang="zh-TW" dirty="0" smtClean="0"/>
+          </a:p>
+          <a:p>
+            <a:endParaRPr lang="en-US" altLang="zh-TW" dirty="0" smtClean="0"/>
+          </a:p>
+          <a:p>
+            <a:endParaRPr lang="zh-TW" altLang="en-US" dirty="0"/>
+          </a:p>
+        </p:txBody>
+      </p:sp>
+    </p:spTree>
+    <p:extLst>
+      <p:ext uri="{BB962C8B-B14F-4D97-AF65-F5344CB8AC3E}">
+        <p14:creationId xmlns:p14="http://schemas.microsoft.com/office/powerpoint/2010/main" val="2436403406"/>
+      </p:ext>
+    </p:extLst>
+  </p:cSld>
+  <p:clrMapOvr>
+    <a:masterClrMapping/>
+  </p:clrMapOvr>
+</p:sld>
+</file>
+
+<file path=ppt/slides/slide51.xml><?xml version="1.0" encoding="utf-8"?>
+<p:sld xmlns:a="http://schemas.openxmlformats.org/drawingml/2006/main" xmlns:r="http://schemas.openxmlformats.org/officeDocument/2006/relationships" xmlns:p="http://schemas.openxmlformats.org/presentationml/2006/main">
+  <p:cSld>
+    <p:spTree>
+      <p:nvGrpSpPr>
+        <p:cNvPr id="1" name=""/>
+        <p:cNvGrpSpPr/>
+        <p:nvPr/>
+      </p:nvGrpSpPr>
+      <p:grpSpPr>
+        <a:xfrm>
+          <a:off x="0" y="0"/>
+          <a:ext cx="0" cy="0"/>
+          <a:chOff x="0" y="0"/>
+          <a:chExt cx="0" cy="0"/>
+        </a:xfrm>
+      </p:grpSpPr>
+      <p:sp>
+        <p:nvSpPr>
+          <p:cNvPr id="4" name="標題 3"/>
+          <p:cNvSpPr>
+            <a:spLocks noGrp="1"/>
+          </p:cNvSpPr>
+          <p:nvPr>
+            <p:ph type="title"/>
+          </p:nvPr>
+        </p:nvSpPr>
+        <p:spPr/>
+        <p:txBody>
+          <a:bodyPr/>
+          <a:lstStyle/>
+          <a:p>
+            <a:r>
+              <a:rPr lang="en-US" altLang="zh-TW" dirty="0" smtClean="0"/>
+              <a:t>Override vs. overload</a:t>
+            </a:r>
+            <a:endParaRPr lang="zh-TW" altLang="en-US" dirty="0"/>
+          </a:p>
+        </p:txBody>
+      </p:sp>
+      <p:sp>
+        <p:nvSpPr>
+          <p:cNvPr id="5" name="文字版面配置區 4"/>
+          <p:cNvSpPr>
+            <a:spLocks noGrp="1"/>
+          </p:cNvSpPr>
+          <p:nvPr>
+            <p:ph type="body" idx="1"/>
+          </p:nvPr>
+        </p:nvSpPr>
+        <p:spPr/>
+        <p:txBody>
+          <a:bodyPr/>
+          <a:lstStyle/>
+          <a:p>
+            <a:r>
+              <a:rPr lang="zh-TW" altLang="en-US" dirty="0"/>
+              <a:t>覆蓋與過載</a:t>
+            </a:r>
+          </a:p>
+        </p:txBody>
+      </p:sp>
+    </p:spTree>
+    <p:extLst>
+      <p:ext uri="{BB962C8B-B14F-4D97-AF65-F5344CB8AC3E}">
+        <p14:creationId xmlns:p14="http://schemas.microsoft.com/office/powerpoint/2010/main" val="2199287834"/>
+      </p:ext>
+    </p:extLst>
+  </p:cSld>
+  <p:clrMapOvr>
+    <a:masterClrMapping/>
+  </p:clrMapOvr>
+</p:sld>
+</file>
+
+<file path=ppt/slides/slide52.xml><?xml version="1.0" encoding="utf-8"?>
+<p:sld xmlns:a="http://schemas.openxmlformats.org/drawingml/2006/main" xmlns:r="http://schemas.openxmlformats.org/officeDocument/2006/relationships" xmlns:p="http://schemas.openxmlformats.org/presentationml/2006/main">
+  <p:cSld>
+    <p:spTree>
+      <p:nvGrpSpPr>
+        <p:cNvPr id="1" name=""/>
+        <p:cNvGrpSpPr/>
+        <p:nvPr/>
+      </p:nvGrpSpPr>
+      <p:grpSpPr>
+        <a:xfrm>
+          <a:off x="0" y="0"/>
+          <a:ext cx="0" cy="0"/>
+          <a:chOff x="0" y="0"/>
+          <a:chExt cx="0" cy="0"/>
+        </a:xfrm>
+      </p:grpSpPr>
+      <p:sp>
+        <p:nvSpPr>
+          <p:cNvPr id="2" name="標題 1"/>
+          <p:cNvSpPr>
+            <a:spLocks noGrp="1"/>
+          </p:cNvSpPr>
+          <p:nvPr>
+            <p:ph type="title"/>
+          </p:nvPr>
+        </p:nvSpPr>
+        <p:spPr/>
+        <p:txBody>
+          <a:bodyPr/>
+          <a:lstStyle/>
+          <a:p>
+            <a:r>
+              <a:rPr lang="en-US" altLang="zh-TW" dirty="0" smtClean="0"/>
+              <a:t>overloading</a:t>
+            </a:r>
+            <a:endParaRPr lang="zh-TW" altLang="en-US" dirty="0"/>
+          </a:p>
+        </p:txBody>
+      </p:sp>
+      <p:sp>
+        <p:nvSpPr>
+          <p:cNvPr id="3" name="內容版面配置區 2"/>
+          <p:cNvSpPr>
+            <a:spLocks noGrp="1"/>
+          </p:cNvSpPr>
+          <p:nvPr>
+            <p:ph idx="1"/>
+          </p:nvPr>
+        </p:nvSpPr>
+        <p:spPr/>
+        <p:txBody>
+          <a:bodyPr>
+            <a:normAutofit lnSpcReduction="10000"/>
+          </a:bodyPr>
+          <a:lstStyle/>
+          <a:p>
+            <a:r>
+              <a:rPr lang="en-US" altLang="zh-TW" dirty="0" smtClean="0"/>
+              <a:t>overloading</a:t>
+            </a:r>
+            <a:r>
+              <a:rPr lang="zh-TW" altLang="en-US" dirty="0" smtClean="0"/>
+              <a:t>我喜歡翻譯他為：</a:t>
+            </a:r>
+            <a:r>
+              <a:rPr lang="zh-TW" altLang="en-US" b="1" dirty="0" smtClean="0"/>
+              <a:t>同名</a:t>
+            </a:r>
+            <a:r>
+              <a:rPr lang="zh-TW" altLang="en-US" b="1" dirty="0"/>
+              <a:t>異</a:t>
+            </a:r>
+            <a:r>
+              <a:rPr lang="zh-TW" altLang="en-US" b="1" dirty="0" smtClean="0"/>
+              <a:t>式</a:t>
+            </a:r>
+            <a:endParaRPr lang="en-US" altLang="zh-TW" b="1" dirty="0" smtClean="0"/>
+          </a:p>
+          <a:p>
+            <a:pPr lvl="1"/>
+            <a:r>
+              <a:rPr lang="zh-TW" altLang="en-US" b="1" dirty="0"/>
+              <a:t>也有翻譯：多載、多</a:t>
+            </a:r>
+            <a:r>
+              <a:rPr lang="zh-TW" altLang="en-US" b="1" dirty="0" smtClean="0"/>
+              <a:t>形等</a:t>
+            </a:r>
+            <a:endParaRPr lang="en-US" altLang="zh-TW" b="1" dirty="0" smtClean="0"/>
+          </a:p>
+          <a:p>
+            <a:r>
+              <a:rPr lang="zh-TW" altLang="en-US" dirty="0"/>
+              <a:t>至於</a:t>
+            </a:r>
+            <a:r>
+              <a:rPr lang="en-US" altLang="zh-TW" dirty="0"/>
+              <a:t>overriding</a:t>
+            </a:r>
+            <a:r>
+              <a:rPr lang="zh-TW" altLang="en-US" dirty="0"/>
+              <a:t>則為：同名同</a:t>
+            </a:r>
+            <a:r>
+              <a:rPr lang="zh-TW" altLang="en-US" dirty="0" smtClean="0"/>
+              <a:t>式</a:t>
+            </a:r>
+            <a:r>
+              <a:rPr lang="en-US" altLang="zh-TW" dirty="0" smtClean="0"/>
+              <a:t>(</a:t>
+            </a:r>
+            <a:r>
+              <a:rPr lang="zh-TW" altLang="en-US" dirty="0" smtClean="0"/>
+              <a:t>或覆載</a:t>
+            </a:r>
+            <a:r>
+              <a:rPr lang="en-US" altLang="zh-TW" dirty="0" smtClean="0"/>
+              <a:t>)</a:t>
+            </a:r>
+            <a:endParaRPr lang="en-US" altLang="zh-TW" dirty="0" smtClean="0"/>
+          </a:p>
+          <a:p>
+            <a:r>
+              <a:rPr lang="en-US" altLang="zh-TW" dirty="0" smtClean="0"/>
+              <a:t>Overloading</a:t>
+            </a:r>
+            <a:r>
+              <a:rPr lang="zh-TW" altLang="en-US" dirty="0" smtClean="0"/>
+              <a:t>是指同一件事情，可能有多種方式去完成，依照參數的形式與數量不同，可以做出不一樣的結果。</a:t>
+            </a:r>
+            <a:endParaRPr lang="en-US" altLang="zh-TW" dirty="0" smtClean="0"/>
+          </a:p>
+          <a:p>
+            <a:r>
+              <a:rPr lang="zh-TW" altLang="en-US" dirty="0"/>
+              <a:t>例如：三角形面積算</a:t>
+            </a:r>
+            <a:r>
+              <a:rPr lang="zh-TW" altLang="en-US" dirty="0" smtClean="0"/>
+              <a:t>法</a:t>
+            </a:r>
+            <a:endParaRPr lang="en-US" altLang="zh-TW" dirty="0" smtClean="0"/>
+          </a:p>
+          <a:p>
+            <a:pPr lvl="1"/>
+            <a:r>
+              <a:rPr lang="zh-TW" altLang="en-US" dirty="0"/>
+              <a:t>方法一：</a:t>
+            </a:r>
+            <a:r>
+              <a:rPr lang="en-US" altLang="zh-TW" dirty="0"/>
+              <a:t>area( float </a:t>
+            </a:r>
+            <a:r>
+              <a:rPr lang="zh-TW" altLang="en-US" dirty="0"/>
+              <a:t>底長</a:t>
+            </a:r>
+            <a:r>
+              <a:rPr lang="en-US" altLang="zh-TW" dirty="0" smtClean="0"/>
+              <a:t>, float </a:t>
+            </a:r>
+            <a:r>
+              <a:rPr lang="zh-TW" altLang="en-US" dirty="0" smtClean="0"/>
+              <a:t>高</a:t>
+            </a:r>
+            <a:r>
+              <a:rPr lang="en-US" altLang="zh-TW" dirty="0" smtClean="0"/>
+              <a:t>);</a:t>
+            </a:r>
+          </a:p>
+          <a:p>
+            <a:pPr lvl="1"/>
+            <a:r>
+              <a:rPr lang="zh-TW" altLang="en-US" dirty="0"/>
+              <a:t>方法二：</a:t>
+            </a:r>
+            <a:r>
+              <a:rPr lang="en-US" altLang="zh-TW" dirty="0"/>
+              <a:t>area( float x1</a:t>
+            </a:r>
+            <a:r>
+              <a:rPr lang="en-US" altLang="zh-TW" dirty="0" smtClean="0"/>
+              <a:t>, float y1, float x2, float y2, float x3, float y3);</a:t>
+            </a:r>
+          </a:p>
+          <a:p>
+            <a:pPr lvl="1"/>
+            <a:r>
+              <a:rPr lang="zh-TW" altLang="en-US" dirty="0"/>
+              <a:t>方法三</a:t>
+            </a:r>
+            <a:r>
+              <a:rPr lang="zh-TW" altLang="en-US" dirty="0" smtClean="0"/>
+              <a:t>：</a:t>
+            </a:r>
+            <a:r>
+              <a:rPr lang="en-US" altLang="zh-TW" dirty="0" smtClean="0"/>
+              <a:t>area( float</a:t>
+            </a:r>
+            <a:r>
+              <a:rPr lang="zh-TW" altLang="en-US" dirty="0" smtClean="0"/>
+              <a:t> 夾角角度</a:t>
+            </a:r>
+            <a:r>
+              <a:rPr lang="en-US" altLang="zh-TW" dirty="0" smtClean="0"/>
+              <a:t>, float </a:t>
+            </a:r>
+            <a:r>
+              <a:rPr lang="zh-TW" altLang="en-US" dirty="0" smtClean="0"/>
+              <a:t>邊長</a:t>
+            </a:r>
+            <a:r>
+              <a:rPr lang="en-US" altLang="zh-TW" dirty="0" smtClean="0"/>
+              <a:t>1, float </a:t>
+            </a:r>
+            <a:r>
+              <a:rPr lang="zh-TW" altLang="en-US" dirty="0" smtClean="0"/>
+              <a:t>邊長</a:t>
+            </a:r>
+            <a:r>
+              <a:rPr lang="en-US" altLang="zh-TW" dirty="0" smtClean="0"/>
+              <a:t>2);</a:t>
+            </a:r>
+          </a:p>
+          <a:p>
+            <a:r>
+              <a:rPr lang="zh-TW" altLang="en-US" dirty="0" smtClean="0"/>
+              <a:t>唯，必須不同</a:t>
+            </a:r>
+            <a:r>
+              <a:rPr lang="zh-TW" altLang="en-US" dirty="0"/>
+              <a:t>方法必須參數的</a:t>
+            </a:r>
+            <a:r>
+              <a:rPr lang="zh-TW" altLang="en-US" b="1" dirty="0">
+                <a:solidFill>
+                  <a:srgbClr val="FF0000"/>
+                </a:solidFill>
+              </a:rPr>
+              <a:t>個數或是型態不同</a:t>
+            </a:r>
+            <a:r>
+              <a:rPr lang="zh-TW" altLang="en-US" dirty="0" smtClean="0"/>
+              <a:t>。</a:t>
+            </a:r>
+            <a:endParaRPr lang="en-US" altLang="zh-TW" dirty="0" smtClean="0"/>
+          </a:p>
+          <a:p>
+            <a:pPr lvl="1"/>
+            <a:r>
+              <a:rPr lang="zh-TW" altLang="en-US" dirty="0" smtClean="0"/>
+              <a:t>正式說法叫簽名不一樣。</a:t>
+            </a:r>
+            <a:endParaRPr lang="zh-TW" altLang="en-US" dirty="0"/>
+          </a:p>
+        </p:txBody>
+      </p:sp>
+    </p:spTree>
+    <p:extLst>
+      <p:ext uri="{BB962C8B-B14F-4D97-AF65-F5344CB8AC3E}">
+        <p14:creationId xmlns:p14="http://schemas.microsoft.com/office/powerpoint/2010/main" val="2544909941"/>
+      </p:ext>
+    </p:extLst>
+  </p:cSld>
+  <p:clrMapOvr>
+    <a:masterClrMapping/>
+  </p:clrMapOvr>
+</p:sld>
+</file>
+
+<file path=ppt/slides/slide53.xml><?xml version="1.0" encoding="utf-8"?>
+<p:sld xmlns:a="http://schemas.openxmlformats.org/drawingml/2006/main" xmlns:r="http://schemas.openxmlformats.org/officeDocument/2006/relationships" xmlns:p="http://schemas.openxmlformats.org/presentationml/2006/main">
+  <p:cSld>
+    <p:spTree>
+      <p:nvGrpSpPr>
+        <p:cNvPr id="1" name=""/>
+        <p:cNvGrpSpPr/>
+        <p:nvPr/>
+      </p:nvGrpSpPr>
+      <p:grpSpPr>
+        <a:xfrm>
+          <a:off x="0" y="0"/>
+          <a:ext cx="0" cy="0"/>
+          <a:chOff x="0" y="0"/>
+          <a:chExt cx="0" cy="0"/>
+        </a:xfrm>
+      </p:grpSpPr>
+      <p:sp>
+        <p:nvSpPr>
+          <p:cNvPr id="6" name="標題 5"/>
+          <p:cNvSpPr>
+            <a:spLocks noGrp="1"/>
+          </p:cNvSpPr>
+          <p:nvPr>
+            <p:ph type="title"/>
+          </p:nvPr>
+        </p:nvSpPr>
+        <p:spPr/>
+        <p:txBody>
+          <a:bodyPr/>
+          <a:lstStyle/>
+          <a:p>
+            <a:r>
+              <a:rPr lang="en-US" altLang="zh-TW" dirty="0" smtClean="0"/>
+              <a:t>this</a:t>
+            </a:r>
+            <a:r>
+              <a:rPr lang="zh-TW" altLang="en-US" dirty="0" smtClean="0"/>
+              <a:t>與</a:t>
+            </a:r>
+            <a:r>
+              <a:rPr lang="en-US" altLang="zh-TW" dirty="0" smtClean="0"/>
+              <a:t>super</a:t>
+            </a:r>
+            <a:endParaRPr lang="zh-TW" altLang="en-US" dirty="0"/>
+          </a:p>
+        </p:txBody>
+      </p:sp>
+      <p:sp>
+        <p:nvSpPr>
+          <p:cNvPr id="7" name="文字版面配置區 6"/>
+          <p:cNvSpPr>
+            <a:spLocks noGrp="1"/>
+          </p:cNvSpPr>
+          <p:nvPr>
+            <p:ph type="body" idx="1"/>
+          </p:nvPr>
+        </p:nvSpPr>
+        <p:spPr/>
+        <p:txBody>
+          <a:bodyPr/>
+          <a:lstStyle/>
+          <a:p>
+            <a:r>
+              <a:rPr lang="zh-TW" altLang="en-US" dirty="0" smtClean="0"/>
+              <a:t>兒子與老子的差別</a:t>
+            </a:r>
+            <a:endParaRPr lang="zh-TW" altLang="en-US" dirty="0"/>
+          </a:p>
+        </p:txBody>
+      </p:sp>
+    </p:spTree>
+    <p:extLst>
+      <p:ext uri="{BB962C8B-B14F-4D97-AF65-F5344CB8AC3E}">
+        <p14:creationId xmlns:p14="http://schemas.microsoft.com/office/powerpoint/2010/main" val="1332914933"/>
+      </p:ext>
+    </p:extLst>
+  </p:cSld>
+  <p:clrMapOvr>
+    <a:masterClrMapping/>
+  </p:clrMapOvr>
+</p:sld>
+</file>
+
+<file path=ppt/slides/slide54.xml><?xml version="1.0" encoding="utf-8"?>
+<p:sld xmlns:a="http://schemas.openxmlformats.org/drawingml/2006/main" xmlns:r="http://schemas.openxmlformats.org/officeDocument/2006/relationships" xmlns:p="http://schemas.openxmlformats.org/presentationml/2006/main">
+  <p:cSld>
+    <p:spTree>
+      <p:nvGrpSpPr>
+        <p:cNvPr id="1" name=""/>
+        <p:cNvGrpSpPr/>
+        <p:nvPr/>
+      </p:nvGrpSpPr>
+      <p:grpSpPr>
+        <a:xfrm>
+          <a:off x="0" y="0"/>
+          <a:ext cx="0" cy="0"/>
+          <a:chOff x="0" y="0"/>
+          <a:chExt cx="0" cy="0"/>
+        </a:xfrm>
+      </p:grpSpPr>
+      <p:sp>
+        <p:nvSpPr>
+          <p:cNvPr id="2" name="標題 1"/>
+          <p:cNvSpPr>
+            <a:spLocks noGrp="1"/>
+          </p:cNvSpPr>
+          <p:nvPr>
+            <p:ph type="title"/>
+          </p:nvPr>
+        </p:nvSpPr>
+        <p:spPr/>
+        <p:txBody>
+          <a:bodyPr/>
+          <a:lstStyle/>
+          <a:p>
+            <a:r>
+              <a:rPr lang="zh-TW" altLang="en-US" dirty="0" smtClean="0"/>
+              <a:t>談談</a:t>
+            </a:r>
+            <a:r>
+              <a:rPr lang="en-US" altLang="zh-TW" dirty="0" smtClean="0"/>
+              <a:t>this</a:t>
+            </a:r>
+            <a:r>
+              <a:rPr lang="zh-TW" altLang="en-US" dirty="0" smtClean="0"/>
+              <a:t>跟</a:t>
+            </a:r>
+            <a:r>
+              <a:rPr lang="en-US" altLang="zh-TW" dirty="0" smtClean="0"/>
+              <a:t>super</a:t>
+            </a:r>
+            <a:endParaRPr lang="zh-TW" altLang="en-US" dirty="0"/>
+          </a:p>
+        </p:txBody>
+      </p:sp>
+      <p:sp>
+        <p:nvSpPr>
+          <p:cNvPr id="3" name="內容版面配置區 2"/>
+          <p:cNvSpPr>
+            <a:spLocks noGrp="1"/>
+          </p:cNvSpPr>
+          <p:nvPr>
+            <p:ph idx="1"/>
+          </p:nvPr>
+        </p:nvSpPr>
+        <p:spPr/>
+        <p:txBody>
+          <a:bodyPr/>
+          <a:lstStyle/>
+          <a:p>
+            <a:r>
+              <a:rPr lang="en-US" altLang="zh-TW" dirty="0" smtClean="0"/>
+              <a:t>this</a:t>
+            </a:r>
+            <a:r>
+              <a:rPr lang="zh-TW" altLang="en-US" dirty="0" smtClean="0"/>
+              <a:t>表示</a:t>
+            </a:r>
+            <a:r>
+              <a:rPr lang="zh-TW" altLang="en-US" dirty="0"/>
+              <a:t>當前</a:t>
+            </a:r>
+            <a:r>
+              <a:rPr lang="zh-TW" altLang="en-US" dirty="0" smtClean="0"/>
+              <a:t>物件</a:t>
+            </a:r>
+            <a:endParaRPr lang="en-US" altLang="zh-TW" dirty="0" smtClean="0"/>
+          </a:p>
+          <a:p>
+            <a:pPr lvl="1"/>
+            <a:r>
+              <a:rPr lang="zh-TW" altLang="en-US" dirty="0"/>
+              <a:t>如：</a:t>
+            </a:r>
+            <a:r>
+              <a:rPr lang="en-US" altLang="zh-TW" dirty="0" smtClean="0"/>
+              <a:t>this.</a:t>
+            </a:r>
+            <a:r>
+              <a:rPr lang="zh-TW" altLang="en-US" dirty="0" smtClean="0"/>
+              <a:t>屬性</a:t>
+            </a:r>
+            <a:endParaRPr lang="en-US" altLang="zh-TW" dirty="0" smtClean="0"/>
+          </a:p>
+          <a:p>
+            <a:pPr lvl="1"/>
+            <a:r>
+              <a:rPr lang="zh-TW" altLang="en-US" dirty="0"/>
+              <a:t>如</a:t>
+            </a:r>
+            <a:r>
+              <a:rPr lang="zh-TW" altLang="en-US" dirty="0" smtClean="0"/>
+              <a:t>：</a:t>
+            </a:r>
+            <a:r>
+              <a:rPr lang="en-US" altLang="zh-TW" dirty="0" smtClean="0"/>
+              <a:t>this.</a:t>
+            </a:r>
+            <a:r>
+              <a:rPr lang="zh-TW" altLang="en-US" dirty="0" smtClean="0"/>
+              <a:t>方法</a:t>
+            </a:r>
+            <a:r>
+              <a:rPr lang="en-US" altLang="zh-TW" dirty="0" smtClean="0"/>
+              <a:t>();</a:t>
+            </a:r>
+          </a:p>
+          <a:p>
+            <a:pPr lvl="1"/>
+            <a:r>
+              <a:rPr lang="zh-TW" altLang="en-US" dirty="0" smtClean="0"/>
+              <a:t>當名稱出現混淆時可以用來明確指出自己物件內的屬性與方法。</a:t>
+            </a:r>
+            <a:endParaRPr lang="en-US" altLang="zh-TW" dirty="0"/>
+          </a:p>
+          <a:p>
+            <a:r>
+              <a:rPr lang="en-US" altLang="zh-TW" dirty="0" smtClean="0"/>
+              <a:t>super</a:t>
+            </a:r>
+            <a:r>
+              <a:rPr lang="zh-TW" altLang="en-US" dirty="0"/>
+              <a:t>是指向</a:t>
+            </a:r>
+            <a:r>
+              <a:rPr lang="zh-TW" altLang="en-US" dirty="0" smtClean="0"/>
+              <a:t>自己父類</a:t>
+            </a:r>
+            <a:r>
+              <a:rPr lang="zh-TW" altLang="en-US" dirty="0"/>
+              <a:t>物件的一個</a:t>
+            </a:r>
+            <a:r>
+              <a:rPr lang="zh-TW" altLang="en-US" dirty="0" smtClean="0"/>
+              <a:t>指標</a:t>
+            </a:r>
+            <a:endParaRPr lang="en-US" altLang="zh-TW" dirty="0" smtClean="0"/>
+          </a:p>
+          <a:p>
+            <a:pPr lvl="1"/>
+            <a:r>
+              <a:rPr lang="zh-TW" altLang="en-US" dirty="0"/>
+              <a:t>如</a:t>
+            </a:r>
+            <a:r>
+              <a:rPr lang="zh-TW" altLang="en-US" dirty="0" smtClean="0"/>
+              <a:t>：</a:t>
+            </a:r>
+            <a:r>
+              <a:rPr lang="en-US" altLang="zh-TW" dirty="0" smtClean="0"/>
+              <a:t>super.</a:t>
+            </a:r>
+            <a:r>
+              <a:rPr lang="zh-TW" altLang="en-US" dirty="0"/>
+              <a:t>屬性</a:t>
+            </a:r>
+            <a:endParaRPr lang="en-US" altLang="zh-TW" dirty="0"/>
+          </a:p>
+          <a:p>
+            <a:pPr lvl="1"/>
+            <a:r>
+              <a:rPr lang="zh-TW" altLang="en-US" dirty="0"/>
+              <a:t>如</a:t>
+            </a:r>
+            <a:r>
+              <a:rPr lang="zh-TW" altLang="en-US" dirty="0" smtClean="0"/>
+              <a:t>：</a:t>
+            </a:r>
+            <a:r>
+              <a:rPr lang="en-US" altLang="zh-TW" dirty="0" smtClean="0"/>
+              <a:t>super.</a:t>
+            </a:r>
+            <a:r>
+              <a:rPr lang="zh-TW" altLang="en-US" dirty="0"/>
+              <a:t>方法</a:t>
+            </a:r>
+            <a:r>
+              <a:rPr lang="en-US" altLang="zh-TW" dirty="0" smtClean="0"/>
+              <a:t>();</a:t>
+            </a:r>
+          </a:p>
+          <a:p>
+            <a:pPr lvl="1"/>
+            <a:r>
+              <a:rPr lang="zh-TW" altLang="en-US" dirty="0"/>
+              <a:t>另一種</a:t>
+            </a:r>
+            <a:r>
+              <a:rPr lang="zh-TW" altLang="en-US" dirty="0" smtClean="0"/>
+              <a:t>，呼叫父類別的建構式：</a:t>
+            </a:r>
+            <a:r>
+              <a:rPr lang="en-US" altLang="zh-TW" dirty="0" smtClean="0"/>
+              <a:t>super();</a:t>
+            </a:r>
+            <a:endParaRPr lang="en-US" altLang="zh-TW" dirty="0"/>
+          </a:p>
+          <a:p>
+            <a:pPr lvl="1"/>
+            <a:endParaRPr lang="zh-TW" altLang="en-US" dirty="0"/>
+          </a:p>
+        </p:txBody>
+      </p:sp>
+      <p:sp>
+        <p:nvSpPr>
+          <p:cNvPr id="7" name="矩形 6"/>
+          <p:cNvSpPr/>
+          <p:nvPr/>
+        </p:nvSpPr>
+        <p:spPr>
+          <a:xfrm>
+            <a:off x="7408984" y="609600"/>
+            <a:ext cx="4689231" cy="5909310"/>
+          </a:xfrm>
+          <a:prstGeom prst="rect">
+            <a:avLst/>
+          </a:prstGeom>
+          <a:solidFill>
+            <a:schemeClr val="tx1"/>
+          </a:solidFill>
+        </p:spPr>
+        <p:txBody>
+          <a:bodyPr wrap="square">
+            <a:spAutoFit/>
+          </a:bodyPr>
+          <a:lstStyle/>
+          <a:p>
+            <a:r>
+              <a:rPr lang="zh-TW" altLang="en-US" dirty="0">
+                <a:solidFill>
+                  <a:schemeClr val="bg1"/>
+                </a:solidFill>
+              </a:rPr>
+              <a:t>class </a:t>
+            </a:r>
+            <a:r>
+              <a:rPr lang="zh-TW" altLang="en-US" dirty="0">
+                <a:solidFill>
+                  <a:srgbClr val="00B050"/>
+                </a:solidFill>
+              </a:rPr>
+              <a:t>Country</a:t>
+            </a:r>
+            <a:r>
+              <a:rPr lang="zh-TW" altLang="en-US" dirty="0">
+                <a:solidFill>
+                  <a:schemeClr val="bg1"/>
+                </a:solidFill>
+              </a:rPr>
+              <a:t> {</a:t>
+            </a:r>
+          </a:p>
+          <a:p>
+            <a:r>
+              <a:rPr lang="zh-TW" altLang="en-US" dirty="0">
+                <a:solidFill>
+                  <a:schemeClr val="bg1"/>
+                </a:solidFill>
+              </a:rPr>
+              <a:t>    String </a:t>
+            </a:r>
+            <a:r>
+              <a:rPr lang="zh-TW" altLang="en-US" dirty="0">
+                <a:solidFill>
+                  <a:srgbClr val="FFFF00"/>
+                </a:solidFill>
+              </a:rPr>
+              <a:t>name</a:t>
+            </a:r>
+            <a:r>
+              <a:rPr lang="zh-TW" altLang="en-US" dirty="0">
+                <a:solidFill>
+                  <a:schemeClr val="bg1"/>
+                </a:solidFill>
+              </a:rPr>
+              <a:t>;</a:t>
+            </a:r>
+          </a:p>
+          <a:p>
+            <a:r>
+              <a:rPr lang="zh-TW" altLang="en-US" dirty="0">
+                <a:solidFill>
+                  <a:schemeClr val="bg1"/>
+                </a:solidFill>
+              </a:rPr>
+              <a:t>    void value() {</a:t>
+            </a:r>
+          </a:p>
+          <a:p>
+            <a:r>
+              <a:rPr lang="zh-TW" altLang="en-US" dirty="0">
+                <a:solidFill>
+                  <a:schemeClr val="bg1"/>
+                </a:solidFill>
+              </a:rPr>
+              <a:t>       </a:t>
+            </a:r>
+            <a:r>
+              <a:rPr lang="zh-TW" altLang="en-US" dirty="0">
+                <a:solidFill>
+                  <a:srgbClr val="FFFF00"/>
+                </a:solidFill>
+              </a:rPr>
+              <a:t>name</a:t>
+            </a:r>
+            <a:r>
+              <a:rPr lang="zh-TW" altLang="en-US" dirty="0">
+                <a:solidFill>
+                  <a:schemeClr val="bg1"/>
+                </a:solidFill>
+              </a:rPr>
+              <a:t> = "China";</a:t>
+            </a:r>
+          </a:p>
+          <a:p>
+            <a:r>
+              <a:rPr lang="zh-TW" altLang="en-US" dirty="0">
+                <a:solidFill>
+                  <a:schemeClr val="bg1"/>
+                </a:solidFill>
+              </a:rPr>
+              <a:t>    }</a:t>
+            </a:r>
+          </a:p>
+          <a:p>
+            <a:r>
+              <a:rPr lang="zh-TW" altLang="en-US" dirty="0">
+                <a:solidFill>
+                  <a:schemeClr val="bg1"/>
+                </a:solidFill>
+              </a:rPr>
+              <a:t>}</a:t>
+            </a:r>
+          </a:p>
+          <a:p>
+            <a:r>
+              <a:rPr lang="zh-TW" altLang="en-US" dirty="0">
+                <a:solidFill>
+                  <a:schemeClr val="bg1"/>
+                </a:solidFill>
+              </a:rPr>
+              <a:t>  </a:t>
+            </a:r>
+          </a:p>
+          <a:p>
+            <a:r>
+              <a:rPr lang="zh-TW" altLang="en-US" dirty="0">
+                <a:solidFill>
+                  <a:schemeClr val="bg1"/>
+                </a:solidFill>
+              </a:rPr>
+              <a:t>class </a:t>
+            </a:r>
+            <a:r>
+              <a:rPr lang="zh-TW" altLang="en-US" dirty="0">
+                <a:solidFill>
+                  <a:srgbClr val="00B050"/>
+                </a:solidFill>
+              </a:rPr>
+              <a:t>City</a:t>
+            </a:r>
+            <a:r>
+              <a:rPr lang="zh-TW" altLang="en-US" dirty="0">
+                <a:solidFill>
+                  <a:schemeClr val="bg1"/>
+                </a:solidFill>
+              </a:rPr>
+              <a:t> </a:t>
+            </a:r>
+            <a:r>
+              <a:rPr lang="zh-TW" altLang="en-US" dirty="0">
+                <a:solidFill>
+                  <a:srgbClr val="00B0F0"/>
+                </a:solidFill>
+              </a:rPr>
+              <a:t>extends</a:t>
+            </a:r>
+            <a:r>
+              <a:rPr lang="zh-TW" altLang="en-US" dirty="0">
+                <a:solidFill>
+                  <a:schemeClr val="bg1"/>
+                </a:solidFill>
+              </a:rPr>
+              <a:t> </a:t>
+            </a:r>
+            <a:r>
+              <a:rPr lang="zh-TW" altLang="en-US" dirty="0">
+                <a:solidFill>
+                  <a:srgbClr val="00B050"/>
+                </a:solidFill>
+              </a:rPr>
+              <a:t>Country</a:t>
+            </a:r>
+            <a:r>
+              <a:rPr lang="zh-TW" altLang="en-US" dirty="0">
+                <a:solidFill>
+                  <a:schemeClr val="bg1"/>
+                </a:solidFill>
+              </a:rPr>
+              <a:t> {</a:t>
+            </a:r>
+          </a:p>
+          <a:p>
+            <a:r>
+              <a:rPr lang="zh-TW" altLang="en-US" dirty="0">
+                <a:solidFill>
+                  <a:schemeClr val="bg1"/>
+                </a:solidFill>
+              </a:rPr>
+              <a:t>    String </a:t>
+            </a:r>
+            <a:r>
+              <a:rPr lang="zh-TW" altLang="en-US" dirty="0">
+                <a:solidFill>
+                  <a:srgbClr val="FFFF00"/>
+                </a:solidFill>
+              </a:rPr>
+              <a:t>name</a:t>
+            </a:r>
+            <a:r>
+              <a:rPr lang="zh-TW" altLang="en-US" dirty="0">
+                <a:solidFill>
+                  <a:schemeClr val="bg1"/>
+                </a:solidFill>
+              </a:rPr>
+              <a:t>;</a:t>
+            </a:r>
+          </a:p>
+          <a:p>
+            <a:r>
+              <a:rPr lang="zh-TW" altLang="en-US" dirty="0">
+                <a:solidFill>
+                  <a:schemeClr val="bg1"/>
+                </a:solidFill>
+              </a:rPr>
+              <a:t>    void value() {</a:t>
+            </a:r>
+          </a:p>
+          <a:p>
+            <a:r>
+              <a:rPr lang="zh-TW" altLang="en-US" dirty="0">
+                <a:solidFill>
+                  <a:schemeClr val="bg1"/>
+                </a:solidFill>
+              </a:rPr>
+              <a:t>    </a:t>
+            </a:r>
+            <a:r>
+              <a:rPr lang="zh-TW" altLang="en-US" dirty="0">
+                <a:solidFill>
+                  <a:srgbClr val="FFFF00"/>
+                </a:solidFill>
+              </a:rPr>
+              <a:t>name</a:t>
+            </a:r>
+            <a:r>
+              <a:rPr lang="zh-TW" altLang="en-US" dirty="0">
+                <a:solidFill>
+                  <a:schemeClr val="bg1"/>
+                </a:solidFill>
+              </a:rPr>
+              <a:t> = "Shanghai";</a:t>
+            </a:r>
+          </a:p>
+          <a:p>
+            <a:r>
+              <a:rPr lang="zh-TW" altLang="en-US" dirty="0">
+                <a:solidFill>
+                  <a:schemeClr val="bg1"/>
+                </a:solidFill>
+              </a:rPr>
+              <a:t>    super.value();      //呼叫父類的方法</a:t>
+            </a:r>
+          </a:p>
+          <a:p>
+            <a:r>
+              <a:rPr lang="zh-TW" altLang="en-US" dirty="0">
+                <a:solidFill>
+                  <a:schemeClr val="bg1"/>
+                </a:solidFill>
+              </a:rPr>
+              <a:t>    System.out.println</a:t>
+            </a:r>
+            <a:r>
+              <a:rPr lang="zh-TW" altLang="en-US" dirty="0" smtClean="0">
+                <a:solidFill>
+                  <a:schemeClr val="bg1"/>
+                </a:solidFill>
+              </a:rPr>
+              <a:t>(</a:t>
+            </a:r>
+            <a:r>
+              <a:rPr lang="en-US" altLang="zh-TW" dirty="0" smtClean="0">
+                <a:solidFill>
+                  <a:srgbClr val="FFFF00"/>
+                </a:solidFill>
+              </a:rPr>
+              <a:t>this.</a:t>
+            </a:r>
+            <a:r>
+              <a:rPr lang="zh-TW" altLang="en-US" dirty="0" smtClean="0">
+                <a:solidFill>
+                  <a:srgbClr val="FFFF00"/>
+                </a:solidFill>
+              </a:rPr>
+              <a:t>name</a:t>
+            </a:r>
+            <a:r>
+              <a:rPr lang="zh-TW" altLang="en-US" dirty="0">
+                <a:solidFill>
+                  <a:schemeClr val="bg1"/>
+                </a:solidFill>
+              </a:rPr>
+              <a:t>);</a:t>
+            </a:r>
+          </a:p>
+          <a:p>
+            <a:r>
+              <a:rPr lang="zh-TW" altLang="en-US" dirty="0">
+                <a:solidFill>
+                  <a:schemeClr val="bg1"/>
+                </a:solidFill>
+              </a:rPr>
+              <a:t>    System.out.println(</a:t>
+            </a:r>
+            <a:r>
+              <a:rPr lang="zh-TW" altLang="en-US" dirty="0">
+                <a:solidFill>
+                  <a:srgbClr val="FF00FF"/>
+                </a:solidFill>
+              </a:rPr>
+              <a:t>super.name</a:t>
+            </a:r>
+            <a:r>
+              <a:rPr lang="zh-TW" altLang="en-US" dirty="0">
+                <a:solidFill>
+                  <a:schemeClr val="bg1"/>
+                </a:solidFill>
+              </a:rPr>
+              <a:t>);</a:t>
+            </a:r>
+          </a:p>
+          <a:p>
+            <a:r>
+              <a:rPr lang="zh-TW" altLang="en-US" dirty="0">
+                <a:solidFill>
+                  <a:schemeClr val="bg1"/>
+                </a:solidFill>
+              </a:rPr>
+              <a:t>    }</a:t>
+            </a:r>
+          </a:p>
+          <a:p>
+            <a:r>
+              <a:rPr lang="zh-TW" altLang="en-US" dirty="0">
+                <a:solidFill>
+                  <a:schemeClr val="bg1"/>
+                </a:solidFill>
+              </a:rPr>
+              <a:t>  </a:t>
+            </a:r>
+          </a:p>
+          <a:p>
+            <a:r>
+              <a:rPr lang="zh-TW" altLang="en-US" dirty="0">
+                <a:solidFill>
+                  <a:schemeClr val="bg1"/>
+                </a:solidFill>
+              </a:rPr>
+              <a:t>    public static void main(String[] args) {</a:t>
+            </a:r>
+          </a:p>
+          <a:p>
+            <a:r>
+              <a:rPr lang="zh-TW" altLang="en-US" dirty="0">
+                <a:solidFill>
+                  <a:schemeClr val="bg1"/>
+                </a:solidFill>
+              </a:rPr>
+              <a:t>       City c=new City();</a:t>
+            </a:r>
+          </a:p>
+          <a:p>
+            <a:r>
+              <a:rPr lang="zh-TW" altLang="en-US" dirty="0">
+                <a:solidFill>
+                  <a:schemeClr val="bg1"/>
+                </a:solidFill>
+              </a:rPr>
+              <a:t>       c.value();</a:t>
+            </a:r>
+          </a:p>
+          <a:p>
+            <a:r>
+              <a:rPr lang="zh-TW" altLang="en-US" dirty="0">
+                <a:solidFill>
+                  <a:schemeClr val="bg1"/>
+                </a:solidFill>
+              </a:rPr>
+              <a:t>       }</a:t>
+            </a:r>
+          </a:p>
+          <a:p>
+            <a:r>
+              <a:rPr lang="zh-TW" altLang="en-US" dirty="0">
+                <a:solidFill>
+                  <a:schemeClr val="bg1"/>
+                </a:solidFill>
+              </a:rPr>
+              <a:t>}</a:t>
+            </a:r>
+          </a:p>
+        </p:txBody>
+      </p:sp>
+    </p:spTree>
+    <p:extLst>
+      <p:ext uri="{BB962C8B-B14F-4D97-AF65-F5344CB8AC3E}">
+        <p14:creationId xmlns:p14="http://schemas.microsoft.com/office/powerpoint/2010/main" val="1156035669"/>
+      </p:ext>
+    </p:extLst>
+  </p:cSld>
+  <p:clrMapOvr>
+    <a:masterClrMapping/>
+  </p:clrMapOvr>
+</p:sld>
+</file>
+
+<file path=ppt/slides/slide55.xml><?xml version="1.0" encoding="utf-8"?>
+<p:sld xmlns:a="http://schemas.openxmlformats.org/drawingml/2006/main" xmlns:r="http://schemas.openxmlformats.org/officeDocument/2006/relationships" xmlns:p="http://schemas.openxmlformats.org/presentationml/2006/main">
+  <p:cSld>
+    <p:spTree>
+      <p:nvGrpSpPr>
+        <p:cNvPr id="1" name=""/>
+        <p:cNvGrpSpPr/>
+        <p:nvPr/>
+      </p:nvGrpSpPr>
+      <p:grpSpPr>
+        <a:xfrm>
+          <a:off x="0" y="0"/>
+          <a:ext cx="0" cy="0"/>
+          <a:chOff x="0" y="0"/>
+          <a:chExt cx="0" cy="0"/>
+        </a:xfrm>
+      </p:grpSpPr>
+      <p:sp>
+        <p:nvSpPr>
+          <p:cNvPr id="4" name="標題 3"/>
+          <p:cNvSpPr>
+            <a:spLocks noGrp="1"/>
+          </p:cNvSpPr>
+          <p:nvPr>
+            <p:ph type="title"/>
+          </p:nvPr>
+        </p:nvSpPr>
+        <p:spPr/>
+        <p:txBody>
+          <a:bodyPr/>
+          <a:lstStyle/>
+          <a:p>
+            <a:r>
+              <a:rPr lang="en-US" altLang="zh-TW" dirty="0" smtClean="0"/>
+              <a:t>Static</a:t>
+            </a:r>
+            <a:r>
+              <a:rPr lang="zh-TW" altLang="en-US" dirty="0" smtClean="0"/>
+              <a:t>與</a:t>
+            </a:r>
+            <a:r>
+              <a:rPr lang="en-US" altLang="zh-TW" dirty="0" smtClean="0"/>
+              <a:t>final</a:t>
+            </a:r>
+            <a:endParaRPr lang="zh-TW" altLang="en-US" dirty="0"/>
+          </a:p>
+        </p:txBody>
+      </p:sp>
+      <p:sp>
+        <p:nvSpPr>
+          <p:cNvPr id="5" name="文字版面配置區 4"/>
+          <p:cNvSpPr>
+            <a:spLocks noGrp="1"/>
+          </p:cNvSpPr>
+          <p:nvPr>
+            <p:ph type="body" idx="1"/>
+          </p:nvPr>
+        </p:nvSpPr>
+        <p:spPr/>
+        <p:txBody>
+          <a:bodyPr/>
+          <a:lstStyle/>
+          <a:p>
+            <a:r>
+              <a:rPr lang="zh-TW" altLang="en-US" dirty="0" smtClean="0"/>
+              <a:t>靜態與最終</a:t>
+            </a:r>
+            <a:endParaRPr lang="zh-TW" altLang="en-US" dirty="0"/>
+          </a:p>
+        </p:txBody>
+      </p:sp>
+    </p:spTree>
+    <p:extLst>
+      <p:ext uri="{BB962C8B-B14F-4D97-AF65-F5344CB8AC3E}">
+        <p14:creationId xmlns:p14="http://schemas.microsoft.com/office/powerpoint/2010/main" val="2081488167"/>
+      </p:ext>
+    </p:extLst>
+  </p:cSld>
+  <p:clrMapOvr>
+    <a:masterClrMapping/>
+  </p:clrMapOvr>
+</p:sld>
+</file>
+
+<file path=ppt/slides/slide56.xml><?xml version="1.0" encoding="utf-8"?>
+<p:sld xmlns:a="http://schemas.openxmlformats.org/drawingml/2006/main" xmlns:r="http://schemas.openxmlformats.org/officeDocument/2006/relationships" xmlns:p="http://schemas.openxmlformats.org/presentationml/2006/main">
+  <p:cSld>
+    <p:spTree>
+      <p:nvGrpSpPr>
+        <p:cNvPr id="1" name=""/>
+        <p:cNvGrpSpPr/>
+        <p:nvPr/>
+      </p:nvGrpSpPr>
+      <p:grpSpPr>
+        <a:xfrm>
+          <a:off x="0" y="0"/>
+          <a:ext cx="0" cy="0"/>
+          <a:chOff x="0" y="0"/>
+          <a:chExt cx="0" cy="0"/>
+        </a:xfrm>
+      </p:grpSpPr>
+      <p:sp>
+        <p:nvSpPr>
+          <p:cNvPr id="2" name="標題 1"/>
+          <p:cNvSpPr>
+            <a:spLocks noGrp="1"/>
+          </p:cNvSpPr>
+          <p:nvPr>
+            <p:ph type="title"/>
+          </p:nvPr>
+        </p:nvSpPr>
+        <p:spPr/>
+        <p:txBody>
+          <a:bodyPr/>
+          <a:lstStyle/>
+          <a:p>
+            <a:r>
+              <a:rPr lang="zh-TW" altLang="en-US" dirty="0"/>
+              <a:t>先說說</a:t>
+            </a:r>
+            <a:r>
+              <a:rPr lang="en-US" altLang="zh-TW" dirty="0"/>
+              <a:t>static</a:t>
+            </a:r>
+            <a:endParaRPr lang="zh-TW" altLang="en-US" dirty="0"/>
+          </a:p>
+        </p:txBody>
+      </p:sp>
+      <p:sp>
+        <p:nvSpPr>
+          <p:cNvPr id="3" name="內容版面配置區 2"/>
+          <p:cNvSpPr>
+            <a:spLocks noGrp="1"/>
+          </p:cNvSpPr>
+          <p:nvPr>
+            <p:ph idx="1"/>
+          </p:nvPr>
+        </p:nvSpPr>
+        <p:spPr/>
+        <p:txBody>
+          <a:bodyPr/>
+          <a:lstStyle/>
+          <a:p>
+            <a:r>
+              <a:rPr lang="en-US" altLang="zh-TW" dirty="0"/>
+              <a:t>static</a:t>
+            </a:r>
+            <a:r>
+              <a:rPr lang="zh-TW" altLang="en-US" dirty="0"/>
+              <a:t>表示“全域性”或者“靜態”的意思</a:t>
+            </a:r>
+            <a:endParaRPr lang="en-US" altLang="zh-TW" dirty="0" smtClean="0"/>
+          </a:p>
+          <a:p>
+            <a:r>
+              <a:rPr lang="en-US" altLang="zh-TW" dirty="0" smtClean="0"/>
+              <a:t>Static</a:t>
+            </a:r>
+            <a:r>
+              <a:rPr lang="zh-TW" altLang="en-US" dirty="0" smtClean="0"/>
+              <a:t>放在屬性宣告前，表示該屬性</a:t>
+            </a:r>
+            <a:r>
+              <a:rPr lang="zh-TW" altLang="en-US" b="1" dirty="0" smtClean="0">
+                <a:solidFill>
+                  <a:srgbClr val="FF0000"/>
+                </a:solidFill>
+              </a:rPr>
+              <a:t>同類別的所有物件共用一份資料</a:t>
+            </a:r>
+            <a:r>
+              <a:rPr lang="zh-TW" altLang="en-US" dirty="0" smtClean="0"/>
+              <a:t>。</a:t>
+            </a:r>
+            <a:endParaRPr lang="en-US" altLang="zh-TW" dirty="0" smtClean="0"/>
+          </a:p>
+          <a:p>
+            <a:r>
+              <a:rPr lang="zh-TW" altLang="en-US" dirty="0" smtClean="0"/>
+              <a:t>一般的屬性是一個物件一份資料，彼此獨立，互不干擾，各自藏好。</a:t>
+            </a:r>
+            <a:endParaRPr lang="en-US" altLang="zh-TW" dirty="0" smtClean="0"/>
+          </a:p>
+          <a:p>
+            <a:r>
+              <a:rPr lang="zh-TW" altLang="en-US" dirty="0"/>
+              <a:t>加了</a:t>
+            </a:r>
+            <a:r>
+              <a:rPr lang="en-US" altLang="zh-TW" dirty="0"/>
+              <a:t>static</a:t>
+            </a:r>
+            <a:r>
+              <a:rPr lang="zh-TW" altLang="en-US" dirty="0"/>
+              <a:t>就變成公共</a:t>
+            </a:r>
+            <a:r>
+              <a:rPr lang="zh-TW" altLang="en-US" dirty="0" smtClean="0"/>
+              <a:t>財產。</a:t>
+            </a:r>
+            <a:endParaRPr lang="en-US" altLang="zh-TW" dirty="0" smtClean="0"/>
+          </a:p>
+          <a:p>
+            <a:r>
+              <a:rPr lang="zh-TW" altLang="en-US" dirty="0"/>
+              <a:t>有點像是同一家人</a:t>
+            </a:r>
+            <a:r>
+              <a:rPr lang="zh-TW" altLang="en-US" dirty="0" smtClean="0"/>
+              <a:t>，每個人的個資都有一個地址，但是一家人是同一個類別的不同物件，所以只要把地址屬性宣告為 </a:t>
+            </a:r>
+            <a:r>
+              <a:rPr lang="en-US" altLang="zh-TW" dirty="0" smtClean="0"/>
+              <a:t>static</a:t>
+            </a:r>
+            <a:r>
+              <a:rPr lang="zh-TW" altLang="en-US" dirty="0" smtClean="0"/>
+              <a:t>，就大家共用了。</a:t>
+            </a:r>
+            <a:endParaRPr lang="en-US" altLang="zh-TW" dirty="0" smtClean="0"/>
+          </a:p>
+          <a:p>
+            <a:r>
+              <a:rPr lang="zh-TW" altLang="en-US" dirty="0"/>
+              <a:t>好處是</a:t>
+            </a:r>
+            <a:r>
+              <a:rPr lang="zh-TW" altLang="en-US" dirty="0" smtClean="0"/>
+              <a:t>，只要某一個物件把內容變動，所有物件的那個屬性都會一起變了！</a:t>
+            </a:r>
+            <a:endParaRPr lang="en-US" altLang="zh-TW" dirty="0" smtClean="0"/>
+          </a:p>
+          <a:p>
+            <a:r>
+              <a:rPr lang="en-US" altLang="zh-TW" dirty="0" smtClean="0"/>
+              <a:t>static</a:t>
+            </a:r>
+            <a:r>
+              <a:rPr lang="zh-TW" altLang="en-US" dirty="0" smtClean="0"/>
+              <a:t>屬性不需要</a:t>
+            </a:r>
+            <a:r>
+              <a:rPr lang="en-US" altLang="zh-TW" dirty="0" smtClean="0"/>
+              <a:t>new</a:t>
+            </a:r>
+            <a:r>
+              <a:rPr lang="zh-TW" altLang="en-US" dirty="0" smtClean="0"/>
+              <a:t>出物件即可使用，用 </a:t>
+            </a:r>
+            <a:r>
+              <a:rPr lang="zh-TW" altLang="en-US" b="1" u="sng" dirty="0" smtClean="0"/>
+              <a:t>類別名稱</a:t>
+            </a:r>
+            <a:r>
+              <a:rPr lang="en-US" altLang="zh-TW" b="1" u="sng" dirty="0" smtClean="0"/>
+              <a:t>.</a:t>
+            </a:r>
+            <a:r>
+              <a:rPr lang="zh-TW" altLang="en-US" b="1" u="sng" dirty="0" smtClean="0"/>
+              <a:t>靜態屬性名 </a:t>
+            </a:r>
+            <a:r>
+              <a:rPr lang="zh-TW" altLang="en-US" dirty="0" smtClean="0"/>
+              <a:t>即可引用。</a:t>
+            </a:r>
+            <a:endParaRPr lang="zh-TW" altLang="en-US" b="1" u="sng" dirty="0"/>
+          </a:p>
+        </p:txBody>
+      </p:sp>
+    </p:spTree>
+    <p:extLst>
+      <p:ext uri="{BB962C8B-B14F-4D97-AF65-F5344CB8AC3E}">
+        <p14:creationId xmlns:p14="http://schemas.microsoft.com/office/powerpoint/2010/main" val="260136301"/>
+      </p:ext>
+    </p:extLst>
+  </p:cSld>
+  <p:clrMapOvr>
+    <a:masterClrMapping/>
+  </p:clrMapOvr>
+</p:sld>
+</file>
+
+<file path=ppt/slides/slide57.xml><?xml version="1.0" encoding="utf-8"?>
+<p:sld xmlns:a="http://schemas.openxmlformats.org/drawingml/2006/main" xmlns:r="http://schemas.openxmlformats.org/officeDocument/2006/relationships" xmlns:p="http://schemas.openxmlformats.org/presentationml/2006/main">
+  <p:cSld>
+    <p:spTree>
+      <p:nvGrpSpPr>
+        <p:cNvPr id="1" name=""/>
+        <p:cNvGrpSpPr/>
+        <p:nvPr/>
+      </p:nvGrpSpPr>
+      <p:grpSpPr>
+        <a:xfrm>
+          <a:off x="0" y="0"/>
+          <a:ext cx="0" cy="0"/>
+          <a:chOff x="0" y="0"/>
+          <a:chExt cx="0" cy="0"/>
+        </a:xfrm>
+      </p:grpSpPr>
+      <p:sp>
+        <p:nvSpPr>
+          <p:cNvPr id="2" name="標題 1"/>
+          <p:cNvSpPr>
+            <a:spLocks noGrp="1"/>
+          </p:cNvSpPr>
+          <p:nvPr>
+            <p:ph type="title"/>
+          </p:nvPr>
+        </p:nvSpPr>
+        <p:spPr/>
+        <p:txBody>
+          <a:bodyPr/>
+          <a:lstStyle/>
+          <a:p>
+            <a:r>
+              <a:rPr lang="en-US" altLang="zh-TW" dirty="0" smtClean="0"/>
+              <a:t>final</a:t>
+            </a:r>
+            <a:endParaRPr lang="zh-TW" altLang="en-US" dirty="0"/>
+          </a:p>
+        </p:txBody>
+      </p:sp>
+      <p:sp>
+        <p:nvSpPr>
+          <p:cNvPr id="3" name="內容版面配置區 2"/>
+          <p:cNvSpPr>
+            <a:spLocks noGrp="1"/>
+          </p:cNvSpPr>
+          <p:nvPr>
+            <p:ph idx="1"/>
+          </p:nvPr>
+        </p:nvSpPr>
+        <p:spPr/>
+        <p:txBody>
+          <a:bodyPr/>
+          <a:lstStyle/>
+          <a:p>
+            <a:r>
+              <a:rPr lang="en-US" altLang="zh-TW" dirty="0"/>
+              <a:t>final</a:t>
+            </a:r>
+            <a:r>
+              <a:rPr lang="zh-TW" altLang="en-US" dirty="0"/>
+              <a:t>有“這是無法改變的”或者“終態的”</a:t>
+            </a:r>
+            <a:r>
+              <a:rPr lang="zh-TW" altLang="en-US" dirty="0" smtClean="0"/>
+              <a:t>含義</a:t>
+            </a:r>
+            <a:endParaRPr lang="en-US" altLang="zh-TW" dirty="0" smtClean="0"/>
+          </a:p>
+          <a:p>
+            <a:r>
+              <a:rPr lang="zh-TW" altLang="en-US" dirty="0"/>
+              <a:t>變數一旦被初始化便不可</a:t>
+            </a:r>
+            <a:r>
+              <a:rPr lang="zh-TW" altLang="en-US" dirty="0" smtClean="0"/>
+              <a:t>改變</a:t>
+            </a:r>
+            <a:endParaRPr lang="en-US" altLang="zh-TW" dirty="0" smtClean="0"/>
+          </a:p>
+          <a:p>
+            <a:pPr lvl="1"/>
+            <a:r>
+              <a:rPr lang="zh-TW" altLang="en-US" dirty="0"/>
+              <a:t>也就是說</a:t>
+            </a:r>
+            <a:r>
+              <a:rPr lang="zh-TW" altLang="en-US" dirty="0" smtClean="0"/>
+              <a:t>，該變數或是屬性的值，</a:t>
+            </a:r>
+            <a:r>
+              <a:rPr lang="zh-TW" altLang="en-US" b="1" dirty="0" smtClean="0">
+                <a:solidFill>
+                  <a:srgbClr val="FF0000"/>
+                </a:solidFill>
+              </a:rPr>
+              <a:t>只能被設定一次！</a:t>
+            </a:r>
+            <a:r>
+              <a:rPr lang="zh-TW" altLang="en-US" dirty="0" smtClean="0"/>
+              <a:t>之後都不能被改變！</a:t>
+            </a:r>
+            <a:endParaRPr lang="en-US" altLang="zh-TW" dirty="0" smtClean="0"/>
+          </a:p>
+          <a:p>
+            <a:endParaRPr lang="en-US" altLang="zh-TW" dirty="0" smtClean="0"/>
+          </a:p>
+          <a:p>
+            <a:r>
+              <a:rPr lang="en-US" altLang="zh-TW" dirty="0"/>
+              <a:t>final</a:t>
+            </a:r>
+            <a:r>
+              <a:rPr lang="zh-TW" altLang="en-US" dirty="0" smtClean="0"/>
+              <a:t>類別不能</a:t>
+            </a:r>
+            <a:r>
+              <a:rPr lang="zh-TW" altLang="en-US" dirty="0"/>
+              <a:t>被繼承，沒有子類，</a:t>
+            </a:r>
+            <a:r>
+              <a:rPr lang="en-US" altLang="zh-TW" dirty="0"/>
+              <a:t>final</a:t>
+            </a:r>
+            <a:r>
+              <a:rPr lang="zh-TW" altLang="en-US" dirty="0"/>
+              <a:t>類中的方法預設是</a:t>
+            </a:r>
+            <a:r>
+              <a:rPr lang="en-US" altLang="zh-TW" dirty="0"/>
+              <a:t>final</a:t>
+            </a:r>
+            <a:r>
+              <a:rPr lang="zh-TW" altLang="en-US" dirty="0"/>
+              <a:t>的</a:t>
+            </a:r>
+            <a:r>
+              <a:rPr lang="zh-TW" altLang="en-US" dirty="0" smtClean="0"/>
+              <a:t>。</a:t>
+            </a:r>
+            <a:endParaRPr lang="en-US" altLang="zh-TW" dirty="0" smtClean="0"/>
+          </a:p>
+          <a:p>
+            <a:r>
+              <a:rPr lang="en-US" altLang="zh-TW" dirty="0" smtClean="0"/>
+              <a:t>final</a:t>
+            </a:r>
+            <a:r>
+              <a:rPr lang="zh-TW" altLang="en-US" dirty="0"/>
+              <a:t>方法不能被子類的方法覆蓋，但可以被繼承</a:t>
+            </a:r>
+            <a:r>
+              <a:rPr lang="zh-TW" altLang="en-US" dirty="0" smtClean="0"/>
+              <a:t>。</a:t>
+            </a:r>
+            <a:endParaRPr lang="en-US" altLang="zh-TW" dirty="0" smtClean="0"/>
+          </a:p>
+          <a:p>
+            <a:r>
+              <a:rPr lang="en-US" altLang="zh-TW" dirty="0" smtClean="0"/>
+              <a:t>final</a:t>
+            </a:r>
+            <a:r>
+              <a:rPr lang="zh-TW" altLang="en-US" dirty="0" smtClean="0"/>
+              <a:t>成員屬性表示</a:t>
+            </a:r>
+            <a:r>
+              <a:rPr lang="zh-TW" altLang="en-US" dirty="0"/>
+              <a:t>常量，只能被賦值一次，賦值後值不再改變</a:t>
+            </a:r>
+            <a:r>
+              <a:rPr lang="zh-TW" altLang="en-US" dirty="0" smtClean="0"/>
+              <a:t>。</a:t>
+            </a:r>
+            <a:endParaRPr lang="en-US" altLang="zh-TW" dirty="0" smtClean="0"/>
+          </a:p>
+          <a:p>
+            <a:pPr lvl="1"/>
+            <a:r>
+              <a:rPr lang="zh-TW" altLang="en-US" dirty="0" smtClean="0"/>
+              <a:t>變數或是屬性一旦</a:t>
+            </a:r>
+            <a:r>
+              <a:rPr lang="zh-TW" altLang="en-US" dirty="0"/>
+              <a:t>被初始化便不可改變</a:t>
+            </a:r>
+            <a:endParaRPr lang="en-US" altLang="zh-TW" dirty="0"/>
+          </a:p>
+          <a:p>
+            <a:pPr lvl="1"/>
+            <a:r>
+              <a:rPr lang="zh-TW" altLang="en-US" dirty="0"/>
+              <a:t>也就是說，該變數或是屬性的值，</a:t>
+            </a:r>
+            <a:r>
+              <a:rPr lang="zh-TW" altLang="en-US" b="1" dirty="0">
+                <a:solidFill>
+                  <a:srgbClr val="FF0000"/>
+                </a:solidFill>
+              </a:rPr>
+              <a:t>只能被設定一次！</a:t>
+            </a:r>
+            <a:r>
+              <a:rPr lang="zh-TW" altLang="en-US" dirty="0"/>
+              <a:t>之後都不能被改變！</a:t>
+            </a:r>
+            <a:endParaRPr lang="en-US" altLang="zh-TW" dirty="0"/>
+          </a:p>
+          <a:p>
+            <a:pPr lvl="1"/>
+            <a:endParaRPr lang="zh-TW" altLang="en-US" dirty="0"/>
+          </a:p>
+        </p:txBody>
+      </p:sp>
+    </p:spTree>
+    <p:extLst>
+      <p:ext uri="{BB962C8B-B14F-4D97-AF65-F5344CB8AC3E}">
+        <p14:creationId xmlns:p14="http://schemas.microsoft.com/office/powerpoint/2010/main" val="2150550285"/>
+      </p:ext>
+    </p:extLst>
+  </p:cSld>
+  <p:clrMapOvr>
+    <a:masterClrMapping/>
+  </p:clrMapOvr>
 </p:sld>
 </file>
 
@@ -18867,6 +22499,56 @@
             <a:r>
               <a:rPr lang="zh-TW" altLang="en-US" dirty="0" smtClean="0"/>
               <a:t>都包在一起，是一種很方便的做法。</a:t>
+            </a:r>
+            <a:endParaRPr lang="en-US" altLang="zh-TW" dirty="0" smtClean="0"/>
+          </a:p>
+          <a:p>
+            <a:endParaRPr lang="en-US" altLang="zh-TW" dirty="0"/>
+          </a:p>
+          <a:p>
+            <a:r>
+              <a:rPr lang="zh-TW" altLang="en-US" dirty="0" smtClean="0"/>
+              <a:t>也可以想像一家公司，有人管</a:t>
+            </a:r>
+            <a:r>
+              <a:rPr lang="zh-TW" altLang="en-US" b="1" dirty="0" smtClean="0"/>
+              <a:t>財務資料</a:t>
+            </a:r>
+            <a:r>
+              <a:rPr lang="zh-TW" altLang="en-US" dirty="0" smtClean="0"/>
+              <a:t>，有人管</a:t>
+            </a:r>
+            <a:r>
+              <a:rPr lang="zh-TW" altLang="en-US" b="1" dirty="0" smtClean="0"/>
+              <a:t>人事資料</a:t>
+            </a:r>
+            <a:r>
+              <a:rPr lang="zh-TW" altLang="en-US" dirty="0" smtClean="0"/>
+              <a:t>，有人管</a:t>
+            </a:r>
+            <a:r>
+              <a:rPr lang="zh-TW" altLang="en-US" b="1" dirty="0" smtClean="0"/>
+              <a:t>生產資料</a:t>
+            </a:r>
+            <a:r>
+              <a:rPr lang="zh-TW" altLang="en-US" dirty="0" smtClean="0"/>
+              <a:t>等等，各司其職，分工清楚，資料該</a:t>
+            </a:r>
+            <a:r>
+              <a:rPr lang="zh-TW" altLang="en-US" b="1" dirty="0" smtClean="0"/>
+              <a:t>找誰要</a:t>
+            </a:r>
+            <a:r>
+              <a:rPr lang="zh-TW" altLang="en-US" dirty="0" smtClean="0"/>
+              <a:t>，</a:t>
+            </a:r>
+            <a:r>
+              <a:rPr lang="zh-TW" altLang="en-US" b="1" dirty="0" smtClean="0"/>
+              <a:t>找誰更新</a:t>
+            </a:r>
+            <a:r>
+              <a:rPr lang="zh-TW" altLang="en-US" dirty="0" smtClean="0"/>
+              <a:t>，都很清楚。</a:t>
             </a:r>
             <a:endParaRPr lang="en-US" altLang="zh-TW" dirty="0" smtClean="0"/>
           </a:p>
@@ -19169,6 +22851,49 @@
             <a:r>
               <a:rPr lang="zh-TW" altLang="en-US" dirty="0" smtClean="0"/>
               <a:t>，就是寫程式該解決的。</a:t>
+            </a:r>
+            <a:endParaRPr lang="en-US" altLang="zh-TW" dirty="0" smtClean="0"/>
+          </a:p>
+          <a:p>
+            <a:endParaRPr lang="en-US" altLang="zh-TW" dirty="0"/>
+          </a:p>
+          <a:p>
+            <a:r>
+              <a:rPr lang="zh-TW" altLang="en-US" dirty="0" smtClean="0"/>
+              <a:t>以公司來說，業務經理接下訂單，然後生產線管理接受</a:t>
+            </a:r>
+            <a:r>
+              <a:rPr lang="en-US" altLang="zh-TW" dirty="0" smtClean="0"/>
+              <a:t/>
+            </a:r>
+            <a:br>
+              <a:rPr lang="en-US" altLang="zh-TW" dirty="0" smtClean="0"/>
+            </a:br>
+            <a:r>
+              <a:rPr lang="zh-TW" altLang="en-US" dirty="0" smtClean="0"/>
+              <a:t>要求後，開始向原料管理要材料，跟人事管理要人員班表</a:t>
+            </a:r>
+            <a:r>
+              <a:rPr lang="en-US" altLang="zh-TW" dirty="0" smtClean="0"/>
+              <a:t/>
+            </a:r>
+            <a:br>
+              <a:rPr lang="en-US" altLang="zh-TW" dirty="0" smtClean="0"/>
+            </a:br>
+            <a:r>
+              <a:rPr lang="zh-TW" altLang="en-US" dirty="0" smtClean="0"/>
+              <a:t>，排好生產班表後生產，交貨後收款找財務管理。一個一</a:t>
+            </a:r>
+            <a:r>
+              <a:rPr lang="en-US" altLang="zh-TW" dirty="0" smtClean="0"/>
+              <a:t/>
+            </a:r>
+            <a:br>
+              <a:rPr lang="en-US" altLang="zh-TW" dirty="0" smtClean="0"/>
+            </a:br>
+            <a:r>
+              <a:rPr lang="zh-TW" altLang="en-US" dirty="0" smtClean="0"/>
+              <a:t>個獨立運行又交互合作，完成整件工作。</a:t>
             </a:r>
             <a:endParaRPr lang="zh-TW" altLang="en-US" dirty="0"/>
           </a:p>

--- a/LCC/Java/10_物件導向程式設計.pptx
+++ b/LCC/Java/10_物件導向程式設計.pptx
@@ -43,25 +43,26 @@
     <p:sldId id="296" r:id="rId37"/>
     <p:sldId id="297" r:id="rId38"/>
     <p:sldId id="294" r:id="rId39"/>
-    <p:sldId id="298" r:id="rId40"/>
+    <p:sldId id="317" r:id="rId40"/>
     <p:sldId id="287" r:id="rId41"/>
-    <p:sldId id="288" r:id="rId42"/>
-    <p:sldId id="291" r:id="rId43"/>
-    <p:sldId id="299" r:id="rId44"/>
-    <p:sldId id="304" r:id="rId45"/>
-    <p:sldId id="305" r:id="rId46"/>
-    <p:sldId id="307" r:id="rId47"/>
-    <p:sldId id="309" r:id="rId48"/>
-    <p:sldId id="306" r:id="rId49"/>
-    <p:sldId id="308" r:id="rId50"/>
-    <p:sldId id="310" r:id="rId51"/>
-    <p:sldId id="315" r:id="rId52"/>
-    <p:sldId id="316" r:id="rId53"/>
-    <p:sldId id="311" r:id="rId54"/>
-    <p:sldId id="303" r:id="rId55"/>
-    <p:sldId id="312" r:id="rId56"/>
-    <p:sldId id="313" r:id="rId57"/>
-    <p:sldId id="314" r:id="rId58"/>
+    <p:sldId id="298" r:id="rId42"/>
+    <p:sldId id="288" r:id="rId43"/>
+    <p:sldId id="291" r:id="rId44"/>
+    <p:sldId id="299" r:id="rId45"/>
+    <p:sldId id="304" r:id="rId46"/>
+    <p:sldId id="305" r:id="rId47"/>
+    <p:sldId id="307" r:id="rId48"/>
+    <p:sldId id="309" r:id="rId49"/>
+    <p:sldId id="306" r:id="rId50"/>
+    <p:sldId id="308" r:id="rId51"/>
+    <p:sldId id="310" r:id="rId52"/>
+    <p:sldId id="315" r:id="rId53"/>
+    <p:sldId id="316" r:id="rId54"/>
+    <p:sldId id="311" r:id="rId55"/>
+    <p:sldId id="303" r:id="rId56"/>
+    <p:sldId id="312" r:id="rId57"/>
+    <p:sldId id="313" r:id="rId58"/>
+    <p:sldId id="314" r:id="rId59"/>
   </p:sldIdLst>
   <p:sldSz cx="12192000" cy="6858000"/>
   <p:notesSz cx="6858000" cy="9144000"/>
@@ -902,7 +903,7 @@
             <a:fld id="{B61BEF0D-F0BB-DE4B-95CE-6DB70DBA9567}" type="datetimeFigureOut">
               <a:rPr lang="en-US" dirty="0"/>
               <a:pPr/>
-              <a:t>11/4/2021</a:t>
+              <a:t>11/5/2021</a:t>
             </a:fld>
             <a:endParaRPr lang="en-US" dirty="0"/>
           </a:p>
@@ -1150,7 +1151,7 @@
             <a:fld id="{B61BEF0D-F0BB-DE4B-95CE-6DB70DBA9567}" type="datetimeFigureOut">
               <a:rPr lang="en-US" dirty="0"/>
               <a:pPr/>
-              <a:t>11/4/2021</a:t>
+              <a:t>11/5/2021</a:t>
             </a:fld>
             <a:endParaRPr lang="en-US" dirty="0"/>
           </a:p>
@@ -1461,7 +1462,7 @@
             <a:fld id="{B61BEF0D-F0BB-DE4B-95CE-6DB70DBA9567}" type="datetimeFigureOut">
               <a:rPr lang="en-US" dirty="0"/>
               <a:pPr/>
-              <a:t>11/4/2021</a:t>
+              <a:t>11/5/2021</a:t>
             </a:fld>
             <a:endParaRPr lang="en-US" dirty="0"/>
           </a:p>
@@ -1799,7 +1800,7 @@
             <a:fld id="{B61BEF0D-F0BB-DE4B-95CE-6DB70DBA9567}" type="datetimeFigureOut">
               <a:rPr lang="en-US" dirty="0"/>
               <a:pPr/>
-              <a:t>11/4/2021</a:t>
+              <a:t>11/5/2021</a:t>
             </a:fld>
             <a:endParaRPr lang="en-US" dirty="0"/>
           </a:p>
@@ -2110,7 +2111,7 @@
             <a:fld id="{B61BEF0D-F0BB-DE4B-95CE-6DB70DBA9567}" type="datetimeFigureOut">
               <a:rPr lang="en-US" dirty="0"/>
               <a:pPr/>
-              <a:t>11/4/2021</a:t>
+              <a:t>11/5/2021</a:t>
             </a:fld>
             <a:endParaRPr lang="en-US" dirty="0"/>
           </a:p>
@@ -2500,7 +2501,7 @@
             <a:fld id="{B61BEF0D-F0BB-DE4B-95CE-6DB70DBA9567}" type="datetimeFigureOut">
               <a:rPr lang="en-US" dirty="0"/>
               <a:pPr/>
-              <a:t>11/4/2021</a:t>
+              <a:t>11/5/2021</a:t>
             </a:fld>
             <a:endParaRPr lang="en-US" dirty="0"/>
           </a:p>
@@ -2666,7 +2667,7 @@
           <a:p>
             <a:fld id="{55C6B4A9-1611-4792-9094-5F34BCA07E0B}" type="datetimeFigureOut">
               <a:rPr lang="en-US" dirty="0"/>
-              <a:t>11/4/2021</a:t>
+              <a:t>11/5/2021</a:t>
             </a:fld>
             <a:endParaRPr lang="en-US" dirty="0"/>
           </a:p>
@@ -2842,7 +2843,7 @@
             <a:fld id="{B61BEF0D-F0BB-DE4B-95CE-6DB70DBA9567}" type="datetimeFigureOut">
               <a:rPr lang="en-US" dirty="0"/>
               <a:pPr/>
-              <a:t>11/4/2021</a:t>
+              <a:t>11/5/2021</a:t>
             </a:fld>
             <a:endParaRPr lang="en-US" dirty="0"/>
           </a:p>
@@ -3039,7 +3040,7 @@
             <a:fld id="{B61BEF0D-F0BB-DE4B-95CE-6DB70DBA9567}" type="datetimeFigureOut">
               <a:rPr lang="en-US" dirty="0"/>
               <a:pPr/>
-              <a:t>11/4/2021</a:t>
+              <a:t>11/5/2021</a:t>
             </a:fld>
             <a:endParaRPr lang="en-US" dirty="0"/>
           </a:p>
@@ -3283,7 +3284,7 @@
             <a:fld id="{B61BEF0D-F0BB-DE4B-95CE-6DB70DBA9567}" type="datetimeFigureOut">
               <a:rPr lang="en-US" dirty="0"/>
               <a:pPr/>
-              <a:t>11/4/2021</a:t>
+              <a:t>11/5/2021</a:t>
             </a:fld>
             <a:endParaRPr lang="en-US" dirty="0"/>
           </a:p>
@@ -3511,7 +3512,7 @@
           <a:p>
             <a:fld id="{EB712588-04B1-427B-82EE-E8DB90309F08}" type="datetimeFigureOut">
               <a:rPr lang="en-US" dirty="0"/>
-              <a:t>11/4/2021</a:t>
+              <a:t>11/5/2021</a:t>
             </a:fld>
             <a:endParaRPr lang="en-US" dirty="0"/>
           </a:p>
@@ -3881,7 +3882,7 @@
             <a:fld id="{B61BEF0D-F0BB-DE4B-95CE-6DB70DBA9567}" type="datetimeFigureOut">
               <a:rPr lang="en-US" dirty="0"/>
               <a:pPr/>
-              <a:t>11/4/2021</a:t>
+              <a:t>11/5/2021</a:t>
             </a:fld>
             <a:endParaRPr lang="en-US" dirty="0"/>
           </a:p>
@@ -4001,7 +4002,7 @@
             <a:fld id="{B61BEF0D-F0BB-DE4B-95CE-6DB70DBA9567}" type="datetimeFigureOut">
               <a:rPr lang="en-US" dirty="0"/>
               <a:pPr/>
-              <a:t>11/4/2021</a:t>
+              <a:t>11/5/2021</a:t>
             </a:fld>
             <a:endParaRPr lang="en-US" dirty="0"/>
           </a:p>
@@ -4093,7 +4094,7 @@
             <a:fld id="{B61BEF0D-F0BB-DE4B-95CE-6DB70DBA9567}" type="datetimeFigureOut">
               <a:rPr lang="en-US" dirty="0"/>
               <a:pPr/>
-              <a:t>11/4/2021</a:t>
+              <a:t>11/5/2021</a:t>
             </a:fld>
             <a:endParaRPr lang="en-US" dirty="0"/>
           </a:p>
@@ -4344,7 +4345,7 @@
           <a:p>
             <a:fld id="{42A54C80-263E-416B-A8E0-580EDEADCBDC}" type="datetimeFigureOut">
               <a:rPr lang="en-US" dirty="0"/>
-              <a:t>11/4/2021</a:t>
+              <a:t>11/5/2021</a:t>
             </a:fld>
             <a:endParaRPr lang="en-US" dirty="0"/>
           </a:p>
@@ -4603,7 +4604,7 @@
             <a:fld id="{B61BEF0D-F0BB-DE4B-95CE-6DB70DBA9567}" type="datetimeFigureOut">
               <a:rPr lang="en-US" dirty="0"/>
               <a:pPr/>
-              <a:t>11/4/2021</a:t>
+              <a:t>11/5/2021</a:t>
             </a:fld>
             <a:endParaRPr lang="en-US" dirty="0"/>
           </a:p>
@@ -5343,7 +5344,7 @@
             <a:fld id="{B61BEF0D-F0BB-DE4B-95CE-6DB70DBA9567}" type="datetimeFigureOut">
               <a:rPr lang="en-US" dirty="0"/>
               <a:pPr/>
-              <a:t>11/4/2021</a:t>
+              <a:t>11/5/2021</a:t>
             </a:fld>
             <a:endParaRPr lang="en-US" dirty="0"/>
           </a:p>
@@ -6076,7 +6077,7 @@
             <a:fld id="{4805910D-2C61-424F-80CE-807290CF0E1E}" type="datetime4">
               <a:rPr lang="zh-TW" altLang="zh-TW"/>
               <a:pPr/>
-              <a:t>110年11月4日星期四</a:t>
+              <a:t>110年11月5日星期五</a:t>
             </a:fld>
             <a:endParaRPr lang="zh-TW" altLang="en-US" dirty="0"/>
           </a:p>
@@ -7565,6 +7566,67 @@
           <a:p>
             <a:pPr algn="ctr"/>
             <a:endParaRPr lang="zh-TW" altLang="en-US"/>
+          </a:p>
+        </p:txBody>
+      </p:sp>
+      <p:sp>
+        <p:nvSpPr>
+          <p:cNvPr id="15" name="文字方塊 14"/>
+          <p:cNvSpPr txBox="1"/>
+          <p:nvPr/>
+        </p:nvSpPr>
+        <p:spPr>
+          <a:xfrm>
+            <a:off x="5185525" y="4673015"/>
+            <a:ext cx="1800493" cy="646331"/>
+          </a:xfrm>
+          <a:prstGeom prst="rect">
+            <a:avLst/>
+          </a:prstGeom>
+          <a:noFill/>
+        </p:spPr>
+        <p:txBody>
+          <a:bodyPr wrap="none" rtlCol="0">
+            <a:spAutoFit/>
+          </a:bodyPr>
+          <a:lstStyle/>
+          <a:p>
+            <a:r>
+              <a:rPr lang="zh-TW" altLang="en-US" dirty="0" smtClean="0">
+                <a:solidFill>
+                  <a:srgbClr val="C00000"/>
+                </a:solidFill>
+              </a:rPr>
+              <a:t>也許會下指令給</a:t>
+            </a:r>
+            <a:endParaRPr lang="en-US" altLang="zh-TW" dirty="0" smtClean="0">
+              <a:solidFill>
+                <a:srgbClr val="C00000"/>
+              </a:solidFill>
+            </a:endParaRPr>
+          </a:p>
+          <a:p>
+            <a:r>
+              <a:rPr lang="zh-TW" altLang="en-US" dirty="0">
+                <a:solidFill>
+                  <a:srgbClr val="C00000"/>
+                </a:solidFill>
+              </a:rPr>
+              <a:t>別的</a:t>
+            </a:r>
+            <a:r>
+              <a:rPr lang="zh-TW" altLang="en-US" dirty="0" smtClean="0">
+                <a:solidFill>
+                  <a:srgbClr val="C00000"/>
+                </a:solidFill>
+              </a:rPr>
+              <a:t>物件</a:t>
+            </a:r>
+            <a:endParaRPr lang="zh-TW" altLang="en-US" dirty="0">
+              <a:solidFill>
+                <a:srgbClr val="C00000"/>
+              </a:solidFill>
+            </a:endParaRPr>
           </a:p>
         </p:txBody>
       </p:sp>
@@ -7994,6 +8056,41 @@
                                   </p:childTnLst>
                                 </p:cTn>
                               </p:par>
+                              <p:par>
+                                <p:cTn id="41" presetID="22" presetClass="entr" presetSubtype="1" fill="hold" grpId="0" nodeType="withEffect">
+                                  <p:stCondLst>
+                                    <p:cond delay="0"/>
+                                  </p:stCondLst>
+                                  <p:childTnLst>
+                                    <p:set>
+                                      <p:cBhvr>
+                                        <p:cTn id="42" dur="1" fill="hold">
+                                          <p:stCondLst>
+                                            <p:cond delay="0"/>
+                                          </p:stCondLst>
+                                        </p:cTn>
+                                        <p:tgtEl>
+                                          <p:spTgt spid="15"/>
+                                        </p:tgtEl>
+                                        <p:attrNameLst>
+                                          <p:attrName>style.visibility</p:attrName>
+                                        </p:attrNameLst>
+                                      </p:cBhvr>
+                                      <p:to>
+                                        <p:strVal val="visible"/>
+                                      </p:to>
+                                    </p:set>
+                                    <p:animEffect transition="in" filter="wipe(up)">
+                                      <p:cBhvr>
+                                        <p:cTn id="43" dur="500"/>
+                                        <p:tgtEl>
+                                          <p:spTgt spid="15"/>
+                                        </p:tgtEl>
+                                      </p:cBhvr>
+                                    </p:animEffect>
+                                  </p:childTnLst>
+                                </p:cTn>
+                              </p:par>
                             </p:childTnLst>
                           </p:cTn>
                         </p:par>
@@ -8030,6 +8127,7 @@
       <p:bldP spid="4" grpId="0" animBg="1"/>
       <p:bldP spid="5" grpId="0"/>
       <p:bldP spid="13" grpId="0" animBg="1"/>
+      <p:bldP spid="15" grpId="0"/>
     </p:bldLst>
   </p:timing>
 </p:sld>
@@ -12143,8 +12241,8 @@
         </p:nvSpPr>
         <p:spPr>
           <a:xfrm>
-            <a:off x="407598" y="1217515"/>
-            <a:ext cx="9741769" cy="646331"/>
+            <a:off x="1862914" y="1292424"/>
+            <a:ext cx="7619394" cy="523220"/>
           </a:xfrm>
           <a:prstGeom prst="rect">
             <a:avLst/>
@@ -12158,7 +12256,7 @@
           <a:lstStyle/>
           <a:p>
             <a:r>
-              <a:rPr lang="zh-TW" altLang="en-US" sz="3600" b="1" dirty="0" smtClean="0">
+              <a:rPr lang="zh-TW" altLang="en-US" sz="2800" b="1" dirty="0" smtClean="0">
                 <a:solidFill>
                   <a:srgbClr val="FF0000"/>
                 </a:solidFill>
@@ -12167,7 +12265,7 @@
               <a:t>直接存取屬性改為執行指定方法</a:t>
             </a:r>
             <a:r>
-              <a:rPr lang="en-US" altLang="zh-TW" sz="3600" b="1" dirty="0" smtClean="0">
+              <a:rPr lang="en-US" altLang="zh-TW" sz="2800" b="1" dirty="0" smtClean="0">
                 <a:solidFill>
                   <a:srgbClr val="FF0000"/>
                 </a:solidFill>
@@ -12176,7 +12274,7 @@
               <a:t>(</a:t>
             </a:r>
             <a:r>
-              <a:rPr lang="zh-TW" altLang="en-US" sz="3600" b="1" dirty="0" smtClean="0">
+              <a:rPr lang="zh-TW" altLang="en-US" sz="2800" b="1" dirty="0" smtClean="0">
                 <a:solidFill>
                   <a:srgbClr val="FF0000"/>
                 </a:solidFill>
@@ -12185,7 +12283,7 @@
               <a:t>呼叫指定方法</a:t>
             </a:r>
             <a:r>
-              <a:rPr lang="en-US" altLang="zh-TW" sz="3600" b="1" dirty="0" smtClean="0">
+              <a:rPr lang="en-US" altLang="zh-TW" sz="2800" b="1" dirty="0" smtClean="0">
                 <a:solidFill>
                   <a:srgbClr val="FF0000"/>
                 </a:solidFill>
@@ -12193,7 +12291,7 @@
               </a:rPr>
               <a:t>)</a:t>
             </a:r>
-            <a:endParaRPr lang="zh-TW" altLang="en-US" sz="3600" b="1" dirty="0">
+            <a:endParaRPr lang="zh-TW" altLang="en-US" sz="2800" b="1" dirty="0">
               <a:solidFill>
                 <a:srgbClr val="FF0000"/>
               </a:solidFill>
@@ -12784,8 +12882,35 @@
           <a:lstStyle/>
           <a:p>
             <a:r>
+              <a:rPr lang="zh-TW" altLang="en-US" dirty="0" smtClean="0"/>
+              <a:t>也就是屬性應該都是</a:t>
+            </a:r>
+            <a:r>
+              <a:rPr lang="en-US" altLang="zh-TW" dirty="0" smtClean="0"/>
+              <a:t>private</a:t>
+            </a:r>
+            <a:r>
+              <a:rPr lang="zh-TW" altLang="en-US" dirty="0" smtClean="0"/>
+              <a:t>或是</a:t>
+            </a:r>
+            <a:r>
+              <a:rPr lang="en-US" altLang="zh-TW" dirty="0" smtClean="0"/>
+              <a:t>protected</a:t>
+            </a:r>
+            <a:r>
+              <a:rPr lang="zh-TW" altLang="en-US" dirty="0" smtClean="0"/>
+              <a:t>的。</a:t>
+            </a:r>
+            <a:endParaRPr lang="en-US" altLang="zh-TW" dirty="0" smtClean="0"/>
+          </a:p>
+          <a:p>
+            <a:r>
+              <a:rPr lang="zh-TW" altLang="en-US" dirty="0" smtClean="0"/>
+              <a:t>如果</a:t>
+            </a:r>
+            <a:r>
               <a:rPr lang="zh-TW" altLang="en-US" dirty="0"/>
-              <a:t>如果出現無法封裝的</a:t>
+              <a:t>出現無法封裝的</a:t>
             </a:r>
             <a:r>
               <a:rPr lang="zh-TW" altLang="en-US" dirty="0" smtClean="0"/>
@@ -14632,6 +14757,13 @@
   <p:clrMapOvr>
     <a:masterClrMapping/>
   </p:clrMapOvr>
+  <p:timing>
+    <p:tnLst>
+      <p:par>
+        <p:cTn id="1" dur="indefinite" restart="never" nodeType="tmRoot"/>
+      </p:par>
+    </p:tnLst>
+  </p:timing>
 </p:sld>
 </file>
 
@@ -14776,6 +14908,13 @@
   <p:clrMapOvr>
     <a:masterClrMapping/>
   </p:clrMapOvr>
+  <p:timing>
+    <p:tnLst>
+      <p:par>
+        <p:cTn id="1" dur="indefinite" restart="never" nodeType="tmRoot"/>
+      </p:par>
+    </p:tnLst>
+  </p:timing>
 </p:sld>
 </file>
 
@@ -15013,6 +15152,13 @@
   <p:clrMapOvr>
     <a:masterClrMapping/>
   </p:clrMapOvr>
+  <p:timing>
+    <p:tnLst>
+      <p:par>
+        <p:cTn id="1" dur="indefinite" restart="never" nodeType="tmRoot"/>
+      </p:par>
+    </p:tnLst>
+  </p:timing>
 </p:sld>
 </file>
 
@@ -16119,10 +16265,26 @@
               <a:defRPr/>
             </a:pPr>
             <a:r>
+              <a:rPr lang="zh-TW" altLang="zh-TW" dirty="0" smtClean="0"/>
+              <a:t>滾輪滑鼠</a:t>
+            </a:r>
+            <a:r>
+              <a:rPr lang="zh-TW" altLang="en-US" dirty="0" smtClean="0"/>
+              <a:t>跟一般滑鼠一</a:t>
+            </a:r>
+            <a:r>
+              <a:rPr lang="zh-TW" altLang="zh-TW" dirty="0" smtClean="0"/>
+              <a:t>樣</a:t>
+            </a:r>
+            <a:r>
               <a:rPr lang="zh-TW" altLang="zh-TW" dirty="0"/>
-              <a:t>但滾輪滑鼠也同樣可以上下左右移動改變指標位置，也可以按兩下執行程式，只不過現在又多了一個滾輪使得瀏覽網頁時更加方便</a:t>
-            </a:r>
-            <a:endParaRPr lang="en-US" altLang="zh-TW" dirty="0"/>
+              <a:t>可以上下左右移動改變指標位置，也可以按兩下執行程式，只不過現在又</a:t>
+            </a:r>
+            <a:r>
+              <a:rPr lang="zh-TW" altLang="zh-TW" b="1" dirty="0"/>
+              <a:t>多了一個滾輪使得瀏覽網頁時更加方便</a:t>
+            </a:r>
+            <a:endParaRPr lang="en-US" altLang="zh-TW" b="1" dirty="0"/>
           </a:p>
           <a:p>
             <a:pPr lvl="1">
@@ -16130,7 +16292,23 @@
             </a:pPr>
             <a:r>
               <a:rPr lang="zh-TW" altLang="zh-TW" dirty="0"/>
-              <a:t>因此，這個滾輪滑鼠類別可繼承滑鼠類別再加以擴充。</a:t>
+              <a:t>因此，這個滾輪滑鼠類別可</a:t>
+            </a:r>
+            <a:r>
+              <a:rPr lang="zh-TW" altLang="zh-TW" b="1" dirty="0"/>
+              <a:t>繼承</a:t>
+            </a:r>
+            <a:r>
+              <a:rPr lang="zh-TW" altLang="zh-TW" dirty="0"/>
+              <a:t>滑鼠類別再加以</a:t>
+            </a:r>
+            <a:r>
+              <a:rPr lang="zh-TW" altLang="zh-TW" b="1" dirty="0"/>
+              <a:t>擴充</a:t>
+            </a:r>
+            <a:r>
+              <a:rPr lang="zh-TW" altLang="zh-TW" dirty="0"/>
+              <a:t>。</a:t>
             </a:r>
           </a:p>
           <a:p>
@@ -17020,6 +17198,146 @@
           </p:txBody>
         </p:sp>
       </p:grpSp>
+      <p:sp>
+        <p:nvSpPr>
+          <p:cNvPr id="3" name="弧形 2"/>
+          <p:cNvSpPr/>
+          <p:nvPr/>
+        </p:nvSpPr>
+        <p:spPr>
+          <a:xfrm>
+            <a:off x="5086728" y="2962403"/>
+            <a:ext cx="3298321" cy="1152144"/>
+          </a:xfrm>
+          <a:prstGeom prst="arc">
+            <a:avLst>
+              <a:gd name="adj1" fmla="val 11001141"/>
+              <a:gd name="adj2" fmla="val 16767739"/>
+            </a:avLst>
+          </a:prstGeom>
+          <a:ln w="19050">
+            <a:solidFill>
+              <a:srgbClr val="FF0000"/>
+            </a:solidFill>
+            <a:headEnd type="triangle" w="med" len="med"/>
+            <a:tailEnd type="none" w="med" len="med"/>
+          </a:ln>
+        </p:spPr>
+        <p:style>
+          <a:lnRef idx="1">
+            <a:schemeClr val="accent1"/>
+          </a:lnRef>
+          <a:fillRef idx="0">
+            <a:schemeClr val="accent1"/>
+          </a:fillRef>
+          <a:effectRef idx="0">
+            <a:schemeClr val="accent1"/>
+          </a:effectRef>
+          <a:fontRef idx="minor">
+            <a:schemeClr val="tx1"/>
+          </a:fontRef>
+        </p:style>
+        <p:txBody>
+          <a:bodyPr rtlCol="0" anchor="ctr"/>
+          <a:lstStyle/>
+          <a:p>
+            <a:pPr algn="ctr"/>
+            <a:endParaRPr lang="zh-TW" altLang="en-US"/>
+          </a:p>
+        </p:txBody>
+      </p:sp>
+      <p:sp>
+        <p:nvSpPr>
+          <p:cNvPr id="4" name="文字方塊 3"/>
+          <p:cNvSpPr txBox="1"/>
+          <p:nvPr/>
+        </p:nvSpPr>
+        <p:spPr>
+          <a:xfrm>
+            <a:off x="6849719" y="2800680"/>
+            <a:ext cx="3877985" cy="923330"/>
+          </a:xfrm>
+          <a:prstGeom prst="rect">
+            <a:avLst/>
+          </a:prstGeom>
+          <a:noFill/>
+        </p:spPr>
+        <p:txBody>
+          <a:bodyPr wrap="none" rtlCol="0">
+            <a:spAutoFit/>
+          </a:bodyPr>
+          <a:lstStyle/>
+          <a:p>
+            <a:r>
+              <a:rPr lang="zh-TW" altLang="en-US" dirty="0" smtClean="0"/>
+              <a:t>這裡與基底類別不一樣了！</a:t>
+            </a:r>
+            <a:endParaRPr lang="en-US" altLang="zh-TW" dirty="0" smtClean="0"/>
+          </a:p>
+          <a:p>
+            <a:r>
+              <a:rPr lang="zh-TW" altLang="en-US" dirty="0"/>
+              <a:t>改變可能是增加或修改功能等因素</a:t>
+            </a:r>
+            <a:r>
+              <a:rPr lang="zh-TW" altLang="en-US" dirty="0" smtClean="0"/>
+              <a:t>。</a:t>
+            </a:r>
+            <a:endParaRPr lang="en-US" altLang="zh-TW" dirty="0" smtClean="0"/>
+          </a:p>
+          <a:p>
+            <a:endParaRPr lang="zh-TW" altLang="en-US" dirty="0"/>
+          </a:p>
+        </p:txBody>
+      </p:sp>
+      <p:sp>
+        <p:nvSpPr>
+          <p:cNvPr id="32" name="弧形 31"/>
+          <p:cNvSpPr/>
+          <p:nvPr/>
+        </p:nvSpPr>
+        <p:spPr>
+          <a:xfrm>
+            <a:off x="5937118" y="3073847"/>
+            <a:ext cx="4261100" cy="2878897"/>
+          </a:xfrm>
+          <a:prstGeom prst="arc">
+            <a:avLst>
+              <a:gd name="adj1" fmla="val 10736662"/>
+              <a:gd name="adj2" fmla="val 13563392"/>
+            </a:avLst>
+          </a:prstGeom>
+          <a:ln w="19050">
+            <a:solidFill>
+              <a:srgbClr val="FF0000"/>
+            </a:solidFill>
+            <a:headEnd type="triangle" w="med" len="med"/>
+            <a:tailEnd type="none" w="med" len="med"/>
+          </a:ln>
+        </p:spPr>
+        <p:style>
+          <a:lnRef idx="1">
+            <a:schemeClr val="accent1"/>
+          </a:lnRef>
+          <a:fillRef idx="0">
+            <a:schemeClr val="accent1"/>
+          </a:fillRef>
+          <a:effectRef idx="0">
+            <a:schemeClr val="accent1"/>
+          </a:effectRef>
+          <a:fontRef idx="minor">
+            <a:schemeClr val="tx1"/>
+          </a:fontRef>
+        </p:style>
+        <p:txBody>
+          <a:bodyPr rtlCol="0" anchor="ctr"/>
+          <a:lstStyle/>
+          <a:p>
+            <a:pPr algn="ctr"/>
+            <a:endParaRPr lang="zh-TW" altLang="en-US"/>
+          </a:p>
+        </p:txBody>
+      </p:sp>
     </p:spTree>
     <p:extLst>
       <p:ext uri="{BB962C8B-B14F-4D97-AF65-F5344CB8AC3E}">
@@ -17754,7 +18072,7 @@
         </p:spPr>
         <p:txBody>
           <a:bodyPr>
-            <a:normAutofit/>
+            <a:normAutofit lnSpcReduction="10000"/>
           </a:bodyPr>
           <a:lstStyle/>
           <a:p>
@@ -17958,6 +18276,10 @@
             <a:pPr marL="0" indent="0">
               <a:buNone/>
             </a:pPr>
+            <a:r>
+              <a:rPr lang="en-US" altLang="zh-TW" dirty="0" smtClean="0"/>
+              <a:t>			…………</a:t>
+            </a:r>
             <a:endParaRPr lang="en-US" altLang="zh-TW" dirty="0"/>
           </a:p>
           <a:p>
@@ -18179,6 +18501,19 @@
             <a:r>
               <a:rPr lang="en-US" altLang="zh-TW" dirty="0" smtClean="0"/>
               <a:t>} </a:t>
+            </a:r>
+          </a:p>
+          <a:p>
+            <a:pPr marL="0" indent="0">
+              <a:buNone/>
+            </a:pPr>
+            <a:r>
+              <a:rPr lang="en-US" altLang="zh-TW" dirty="0"/>
+              <a:t>	</a:t>
+            </a:r>
+            <a:r>
+              <a:rPr lang="en-US" altLang="zh-TW" dirty="0" smtClean="0"/>
+              <a:t>		…………</a:t>
             </a:r>
             <a:endParaRPr lang="en-US" altLang="zh-TW" dirty="0"/>
           </a:p>
@@ -18246,25 +18581,16 @@
           <a:lstStyle/>
           <a:p>
             <a:r>
-              <a:rPr lang="zh-TW" altLang="en-US" dirty="0" smtClean="0"/>
-              <a:t>實際範例</a:t>
-            </a:r>
-            <a:r>
-              <a:rPr lang="en-US" altLang="zh-TW" dirty="0" smtClean="0"/>
-              <a:t/>
-            </a:r>
-            <a:br>
-              <a:rPr lang="en-US" altLang="zh-TW" dirty="0" smtClean="0"/>
-            </a:br>
-            <a:r>
-              <a:rPr lang="en-US" altLang="zh-TW" dirty="0" err="1" smtClean="0"/>
-              <a:t>Employee</a:t>
-            </a:r>
-            <a:r>
-              <a:rPr lang="en-US" altLang="zh-TW" dirty="0" err="1" smtClean="0">
-                <a:sym typeface="Wingdings" panose="05000000000000000000" pitchFamily="2" charset="2"/>
-              </a:rPr>
-              <a:t>Manager</a:t>
+              <a:rPr lang="en-US" altLang="zh-TW" dirty="0" smtClean="0"/>
+              <a:t>Extends</a:t>
+            </a:r>
+            <a:r>
+              <a:rPr lang="zh-TW" altLang="en-US" dirty="0" smtClean="0"/>
+              <a:t>與</a:t>
+            </a:r>
+            <a:r>
+              <a:rPr lang="en-US" altLang="zh-TW" dirty="0" smtClean="0"/>
+              <a:t>implements</a:t>
             </a:r>
             <a:endParaRPr lang="zh-TW" altLang="en-US" dirty="0"/>
           </a:p>
@@ -18287,11 +18613,38 @@
           <a:p>
             <a:r>
               <a:rPr lang="en-US" altLang="zh-TW" dirty="0" smtClean="0"/>
-              <a:t>Employee(</a:t>
-            </a:r>
-            <a:r>
-              <a:rPr lang="zh-TW" altLang="en-US" dirty="0" smtClean="0"/>
-              <a:t>員工</a:t>
+              <a:t>Extends</a:t>
+            </a:r>
+            <a:r>
+              <a:rPr lang="zh-TW" altLang="en-US" dirty="0" smtClean="0"/>
+              <a:t>是繼承父類別的所有屬性與方法。</a:t>
+            </a:r>
+            <a:endParaRPr lang="en-US" altLang="zh-TW" dirty="0" smtClean="0"/>
+          </a:p>
+          <a:p>
+            <a:r>
+              <a:rPr lang="en-US" altLang="zh-TW" dirty="0" smtClean="0"/>
+              <a:t>Implements</a:t>
+            </a:r>
+            <a:r>
+              <a:rPr lang="zh-TW" altLang="en-US" dirty="0" smtClean="0"/>
+              <a:t>是只去實踐父類別所規定要實作的介面</a:t>
+            </a:r>
+            <a:r>
+              <a:rPr lang="en-US" altLang="zh-TW" dirty="0" smtClean="0"/>
+              <a:t>(</a:t>
+            </a:r>
+            <a:r>
+              <a:rPr lang="zh-TW" altLang="en-US" dirty="0" smtClean="0"/>
+              <a:t>也就是</a:t>
+            </a:r>
+            <a:r>
+              <a:rPr lang="en-US" altLang="zh-TW" dirty="0" smtClean="0"/>
+              <a:t>method, </a:t>
+            </a:r>
+            <a:r>
+              <a:rPr lang="zh-TW" altLang="en-US" dirty="0" smtClean="0"/>
+              <a:t>方法</a:t>
             </a:r>
             <a:r>
               <a:rPr lang="en-US" altLang="zh-TW" dirty="0" smtClean="0"/>
@@ -18299,94 +18652,56 @@
             </a:r>
             <a:r>
               <a:rPr lang="zh-TW" altLang="en-US" dirty="0" smtClean="0"/>
-              <a:t>，是基礎類別</a:t>
-            </a:r>
-            <a:r>
-              <a:rPr lang="en-US" altLang="zh-TW" dirty="0" smtClean="0"/>
-              <a:t>(</a:t>
-            </a:r>
-            <a:r>
-              <a:rPr lang="zh-TW" altLang="en-US" dirty="0" smtClean="0"/>
-              <a:t>基底類別、父類別</a:t>
-            </a:r>
-            <a:r>
-              <a:rPr lang="en-US" altLang="zh-TW" dirty="0" smtClean="0"/>
-              <a:t>)</a:t>
-            </a:r>
-            <a:r>
-              <a:rPr lang="zh-TW" altLang="en-US" dirty="0" smtClean="0"/>
               <a:t>。</a:t>
             </a:r>
             <a:endParaRPr lang="en-US" altLang="zh-TW" dirty="0" smtClean="0"/>
           </a:p>
           <a:p>
-            <a:r>
-              <a:rPr lang="en-US" altLang="zh-TW" dirty="0" smtClean="0"/>
-              <a:t>Manager</a:t>
-            </a:r>
-            <a:r>
-              <a:rPr lang="zh-TW" altLang="en-US" dirty="0" smtClean="0"/>
-              <a:t>也是一種</a:t>
-            </a:r>
-            <a:r>
-              <a:rPr lang="en-US" altLang="zh-TW" dirty="0" smtClean="0"/>
-              <a:t>Employee</a:t>
-            </a:r>
-            <a:r>
-              <a:rPr lang="zh-TW" altLang="en-US" dirty="0" smtClean="0"/>
-              <a:t>，只是多出可以分紅，以及底薪更高。</a:t>
+            <a:pPr lvl="1"/>
+            <a:r>
+              <a:rPr lang="zh-TW" altLang="en-US" dirty="0" smtClean="0"/>
+              <a:t>父類別很可能是空殼，只規定了介面長相而已。</a:t>
             </a:r>
             <a:endParaRPr lang="en-US" altLang="zh-TW" dirty="0" smtClean="0"/>
           </a:p>
           <a:p>
+            <a:pPr lvl="1"/>
+            <a:r>
+              <a:rPr lang="en-US" altLang="zh-TW" dirty="0" smtClean="0"/>
+              <a:t>Java</a:t>
+            </a:r>
+            <a:r>
+              <a:rPr lang="zh-TW" altLang="en-US" dirty="0" smtClean="0"/>
+              <a:t>是單一繼承的語言，這是用來實現多重繼承的變通方式。</a:t>
+            </a:r>
+            <a:endParaRPr lang="en-US" altLang="zh-TW" dirty="0" smtClean="0"/>
+          </a:p>
+          <a:p>
             <a:r>
               <a:rPr lang="zh-TW" altLang="en-US" dirty="0"/>
-              <a:t>所以</a:t>
-            </a:r>
-            <a:r>
-              <a:rPr lang="zh-TW" altLang="en-US" dirty="0" smtClean="0"/>
-              <a:t>，</a:t>
-            </a:r>
-            <a:r>
-              <a:rPr lang="en-US" altLang="zh-TW" dirty="0" smtClean="0"/>
-              <a:t>Manager</a:t>
-            </a:r>
-            <a:r>
-              <a:rPr lang="zh-TW" altLang="en-US" dirty="0" smtClean="0"/>
-              <a:t>不必重新寫所有程式碼，可以繼承</a:t>
-            </a:r>
-            <a:r>
-              <a:rPr lang="en-US" altLang="zh-TW" dirty="0" smtClean="0"/>
-              <a:t>Employee</a:t>
-            </a:r>
-            <a:r>
-              <a:rPr lang="zh-TW" altLang="en-US" dirty="0" smtClean="0"/>
-              <a:t>，然後修改需要改的部分即可。</a:t>
-            </a:r>
-            <a:endParaRPr lang="en-US" altLang="zh-TW" dirty="0" smtClean="0"/>
-          </a:p>
-          <a:p>
-            <a:endParaRPr lang="zh-TW" altLang="en-US" dirty="0"/>
+              <a:t>本課程先關注在</a:t>
+            </a:r>
+            <a:r>
+              <a:rPr lang="en-US" altLang="zh-TW" dirty="0"/>
+              <a:t>extends</a:t>
+            </a:r>
+            <a:r>
+              <a:rPr lang="zh-TW" altLang="en-US" dirty="0"/>
+              <a:t>。</a:t>
+            </a:r>
           </a:p>
         </p:txBody>
       </p:sp>
     </p:spTree>
     <p:extLst>
       <p:ext uri="{BB962C8B-B14F-4D97-AF65-F5344CB8AC3E}">
-        <p14:creationId xmlns:p14="http://schemas.microsoft.com/office/powerpoint/2010/main" val="3947714325"/>
+        <p14:creationId xmlns:p14="http://schemas.microsoft.com/office/powerpoint/2010/main" val="864996913"/>
       </p:ext>
     </p:extLst>
   </p:cSld>
   <p:clrMapOvr>
     <a:masterClrMapping/>
   </p:clrMapOvr>
-  <p:timing>
-    <p:tnLst>
-      <p:par>
-        <p:cTn id="1" dur="indefinite" restart="never" nodeType="tmRoot"/>
-      </p:par>
-    </p:tnLst>
-  </p:timing>
 </p:sld>
 </file>
 
@@ -18862,7 +19177,24 @@
           <a:p>
             <a:r>
               <a:rPr lang="zh-TW" altLang="en-US" dirty="0" smtClean="0"/>
-              <a:t>員工類別</a:t>
+              <a:t>實際範例</a:t>
+            </a:r>
+            <a:r>
+              <a:rPr lang="en-US" altLang="zh-TW" dirty="0" smtClean="0"/>
+              <a:t/>
+            </a:r>
+            <a:br>
+              <a:rPr lang="en-US" altLang="zh-TW" dirty="0" smtClean="0"/>
+            </a:br>
+            <a:r>
+              <a:rPr lang="en-US" altLang="zh-TW" dirty="0" err="1" smtClean="0"/>
+              <a:t>Employee</a:t>
+            </a:r>
+            <a:r>
+              <a:rPr lang="en-US" altLang="zh-TW" dirty="0" err="1" smtClean="0">
+                <a:sym typeface="Wingdings" panose="05000000000000000000" pitchFamily="2" charset="2"/>
+              </a:rPr>
+              <a:t>Manager</a:t>
             </a:r>
             <a:endParaRPr lang="zh-TW" altLang="en-US" dirty="0"/>
           </a:p>
@@ -18884,135 +19216,94 @@
           <a:lstStyle/>
           <a:p>
             <a:r>
-              <a:rPr lang="zh-TW" altLang="en-US" dirty="0" smtClean="0"/>
-              <a:t>屬性：</a:t>
+              <a:rPr lang="en-US" altLang="zh-TW" dirty="0" smtClean="0"/>
+              <a:t>Employee(</a:t>
+            </a:r>
+            <a:r>
+              <a:rPr lang="zh-TW" altLang="en-US" dirty="0" smtClean="0"/>
+              <a:t>員工</a:t>
+            </a:r>
+            <a:r>
+              <a:rPr lang="en-US" altLang="zh-TW" dirty="0" smtClean="0"/>
+              <a:t>)</a:t>
+            </a:r>
+            <a:r>
+              <a:rPr lang="zh-TW" altLang="en-US" dirty="0" smtClean="0"/>
+              <a:t>，是基礎類別</a:t>
+            </a:r>
+            <a:r>
+              <a:rPr lang="en-US" altLang="zh-TW" dirty="0" smtClean="0"/>
+              <a:t>(</a:t>
+            </a:r>
+            <a:r>
+              <a:rPr lang="zh-TW" altLang="en-US" dirty="0" smtClean="0"/>
+              <a:t>基底類別、父類別</a:t>
+            </a:r>
+            <a:r>
+              <a:rPr lang="en-US" altLang="zh-TW" dirty="0" smtClean="0"/>
+              <a:t>)</a:t>
+            </a:r>
+            <a:r>
+              <a:rPr lang="zh-TW" altLang="en-US" dirty="0" smtClean="0"/>
+              <a:t>。</a:t>
             </a:r>
             <a:endParaRPr lang="en-US" altLang="zh-TW" dirty="0" smtClean="0"/>
           </a:p>
           <a:p>
-            <a:pPr lvl="1"/>
-            <a:r>
-              <a:rPr lang="zh-TW" altLang="en-US" dirty="0" smtClean="0"/>
-              <a:t>員工編號：</a:t>
-            </a:r>
-            <a:r>
-              <a:rPr lang="en-US" altLang="zh-TW" dirty="0" smtClean="0"/>
-              <a:t>ID</a:t>
-            </a:r>
-          </a:p>
-          <a:p>
-            <a:pPr lvl="1"/>
-            <a:r>
-              <a:rPr lang="zh-TW" altLang="en-US" dirty="0" smtClean="0"/>
-              <a:t>姓名：</a:t>
-            </a:r>
-            <a:r>
-              <a:rPr lang="en-US" altLang="zh-TW" dirty="0" smtClean="0"/>
-              <a:t>name</a:t>
-            </a:r>
-          </a:p>
-          <a:p>
-            <a:pPr lvl="1"/>
-            <a:r>
-              <a:rPr lang="zh-TW" altLang="en-US" dirty="0" smtClean="0"/>
-              <a:t>月薪：</a:t>
-            </a:r>
-            <a:r>
-              <a:rPr lang="en-US" altLang="zh-TW" dirty="0" smtClean="0"/>
-              <a:t>pay</a:t>
-            </a:r>
-          </a:p>
-          <a:p>
-            <a:pPr lvl="1"/>
+            <a:r>
+              <a:rPr lang="en-US" altLang="zh-TW" dirty="0" smtClean="0"/>
+              <a:t>Manager</a:t>
+            </a:r>
+            <a:r>
+              <a:rPr lang="zh-TW" altLang="en-US" dirty="0" smtClean="0"/>
+              <a:t>也是一種</a:t>
+            </a:r>
+            <a:r>
+              <a:rPr lang="en-US" altLang="zh-TW" dirty="0" smtClean="0"/>
+              <a:t>Employee</a:t>
+            </a:r>
+            <a:r>
+              <a:rPr lang="zh-TW" altLang="en-US" dirty="0" smtClean="0"/>
+              <a:t>，只是多出可以分紅，以及底薪更高。</a:t>
+            </a:r>
+            <a:endParaRPr lang="en-US" altLang="zh-TW" dirty="0" smtClean="0"/>
+          </a:p>
+          <a:p>
             <a:r>
               <a:rPr lang="zh-TW" altLang="en-US" dirty="0"/>
-              <a:t>其他</a:t>
-            </a:r>
-            <a:r>
-              <a:rPr lang="zh-TW" altLang="en-US" dirty="0" smtClean="0"/>
-              <a:t>資訊</a:t>
-            </a:r>
-            <a:r>
-              <a:rPr lang="en-US" altLang="zh-TW" dirty="0" smtClean="0"/>
-              <a:t>(</a:t>
-            </a:r>
-            <a:r>
-              <a:rPr lang="zh-TW" altLang="en-US" dirty="0" smtClean="0"/>
-              <a:t>本次省略</a:t>
-            </a:r>
-            <a:r>
-              <a:rPr lang="en-US" altLang="zh-TW" dirty="0" smtClean="0"/>
-              <a:t>)</a:t>
-            </a:r>
-          </a:p>
-          <a:p>
-            <a:r>
-              <a:rPr lang="zh-TW" altLang="en-US" dirty="0"/>
-              <a:t>方法</a:t>
-            </a:r>
-            <a:r>
-              <a:rPr lang="zh-TW" altLang="en-US" dirty="0" smtClean="0"/>
-              <a:t>：</a:t>
+              <a:t>所以</a:t>
+            </a:r>
+            <a:r>
+              <a:rPr lang="zh-TW" altLang="en-US" dirty="0" smtClean="0"/>
+              <a:t>，</a:t>
+            </a:r>
+            <a:r>
+              <a:rPr lang="en-US" altLang="zh-TW" dirty="0" smtClean="0"/>
+              <a:t>Manager</a:t>
+            </a:r>
+            <a:r>
+              <a:rPr lang="zh-TW" altLang="en-US" dirty="0" smtClean="0"/>
+              <a:t>不必重新寫所有程式碼，可以繼承</a:t>
+            </a:r>
+            <a:r>
+              <a:rPr lang="en-US" altLang="zh-TW" dirty="0" smtClean="0"/>
+              <a:t>Employee</a:t>
+            </a:r>
+            <a:r>
+              <a:rPr lang="zh-TW" altLang="en-US" dirty="0" smtClean="0"/>
+              <a:t>，然後修改需要改的部分即可。</a:t>
             </a:r>
             <a:endParaRPr lang="en-US" altLang="zh-TW" dirty="0" smtClean="0"/>
           </a:p>
           <a:p>
-            <a:pPr lvl="1"/>
-            <a:r>
-              <a:rPr lang="zh-TW" altLang="en-US" dirty="0"/>
-              <a:t>基本存取與建構式</a:t>
-            </a:r>
-            <a:endParaRPr lang="en-US" altLang="zh-TW" dirty="0" smtClean="0"/>
-          </a:p>
-          <a:p>
-            <a:pPr lvl="1"/>
-            <a:r>
-              <a:rPr lang="zh-TW" altLang="en-US" dirty="0" smtClean="0"/>
-              <a:t>顯示</a:t>
-            </a:r>
-            <a:endParaRPr lang="en-US" altLang="zh-TW" dirty="0" smtClean="0"/>
-          </a:p>
-          <a:p>
-            <a:r>
-              <a:rPr lang="zh-TW" altLang="en-US" dirty="0"/>
-              <a:t>先寫一個基本</a:t>
-            </a:r>
-            <a:r>
-              <a:rPr lang="zh-TW" altLang="en-US" dirty="0" smtClean="0"/>
-              <a:t>樣子再修改，如右。</a:t>
-            </a:r>
-            <a:endParaRPr lang="en-US" altLang="zh-TW" dirty="0" smtClean="0"/>
+            <a:endParaRPr lang="zh-TW" altLang="en-US" dirty="0"/>
           </a:p>
         </p:txBody>
       </p:sp>
-      <p:pic>
-        <p:nvPicPr>
-          <p:cNvPr id="4" name="圖片 3"/>
-          <p:cNvPicPr>
-            <a:picLocks noChangeAspect="1"/>
-          </p:cNvPicPr>
-          <p:nvPr/>
-        </p:nvPicPr>
-        <p:blipFill>
-          <a:blip r:embed="rId2"/>
-          <a:stretch>
-            <a:fillRect/>
-          </a:stretch>
-        </p:blipFill>
-        <p:spPr>
-          <a:xfrm>
-            <a:off x="4740831" y="1362456"/>
-            <a:ext cx="7300681" cy="5111495"/>
-          </a:xfrm>
-          <a:prstGeom prst="rect">
-            <a:avLst/>
-          </a:prstGeom>
-        </p:spPr>
-      </p:pic>
     </p:spTree>
     <p:extLst>
       <p:ext uri="{BB962C8B-B14F-4D97-AF65-F5344CB8AC3E}">
-        <p14:creationId xmlns:p14="http://schemas.microsoft.com/office/powerpoint/2010/main" val="3179638467"/>
+        <p14:creationId xmlns:p14="http://schemas.microsoft.com/office/powerpoint/2010/main" val="3947714325"/>
       </p:ext>
     </p:extLst>
   </p:cSld>
@@ -19063,7 +19354,7 @@
           <a:p>
             <a:r>
               <a:rPr lang="zh-TW" altLang="en-US" dirty="0" smtClean="0"/>
-              <a:t>主程式部分</a:t>
+              <a:t>員工類別</a:t>
             </a:r>
             <a:endParaRPr lang="zh-TW" altLang="en-US" dirty="0"/>
           </a:p>
@@ -19079,52 +19370,110 @@
             <p:ph idx="1"/>
           </p:nvPr>
         </p:nvSpPr>
-        <p:spPr>
-          <a:xfrm>
-            <a:off x="677334" y="2160589"/>
-            <a:ext cx="4342722" cy="3880773"/>
-          </a:xfrm>
-        </p:spPr>
+        <p:spPr/>
         <p:txBody>
           <a:bodyPr/>
           <a:lstStyle/>
           <a:p>
             <a:r>
               <a:rPr lang="zh-TW" altLang="en-US" dirty="0" smtClean="0"/>
-              <a:t>示範了兩種設定屬性方式：</a:t>
+              <a:t>屬性：</a:t>
             </a:r>
             <a:endParaRPr lang="en-US" altLang="zh-TW" dirty="0" smtClean="0"/>
           </a:p>
           <a:p>
             <a:pPr lvl="1"/>
             <a:r>
+              <a:rPr lang="zh-TW" altLang="en-US" dirty="0" smtClean="0"/>
+              <a:t>員工編號：</a:t>
+            </a:r>
+            <a:r>
+              <a:rPr lang="en-US" altLang="zh-TW" dirty="0" smtClean="0"/>
+              <a:t>ID</a:t>
+            </a:r>
+          </a:p>
+          <a:p>
+            <a:pPr lvl="1"/>
+            <a:r>
+              <a:rPr lang="zh-TW" altLang="en-US" dirty="0" smtClean="0"/>
+              <a:t>姓名：</a:t>
+            </a:r>
+            <a:r>
+              <a:rPr lang="en-US" altLang="zh-TW" dirty="0" smtClean="0"/>
+              <a:t>name</a:t>
+            </a:r>
+          </a:p>
+          <a:p>
+            <a:pPr lvl="1"/>
+            <a:r>
+              <a:rPr lang="zh-TW" altLang="en-US" dirty="0" smtClean="0"/>
+              <a:t>月薪：</a:t>
+            </a:r>
+            <a:r>
+              <a:rPr lang="en-US" altLang="zh-TW" dirty="0" smtClean="0"/>
+              <a:t>pay</a:t>
+            </a:r>
+          </a:p>
+          <a:p>
+            <a:pPr lvl="1"/>
+            <a:r>
               <a:rPr lang="zh-TW" altLang="en-US" dirty="0"/>
-              <a:t>透過建構</a:t>
-            </a:r>
-            <a:r>
-              <a:rPr lang="zh-TW" altLang="en-US" dirty="0" smtClean="0"/>
-              <a:t>式</a:t>
-            </a:r>
-            <a:endParaRPr lang="en-US" altLang="zh-TW" dirty="0" smtClean="0"/>
-          </a:p>
-          <a:p>
-            <a:pPr lvl="1"/>
-            <a:r>
-              <a:rPr lang="zh-TW" altLang="en-US" dirty="0"/>
-              <a:t>透過</a:t>
-            </a:r>
-            <a:r>
-              <a:rPr lang="en-US" altLang="zh-TW" dirty="0" err="1"/>
-              <a:t>SetXXX</a:t>
-            </a:r>
-            <a:r>
-              <a:rPr lang="en-US" altLang="zh-TW" dirty="0"/>
-              <a:t>()</a:t>
-            </a:r>
+              <a:t>其他</a:t>
+            </a:r>
+            <a:r>
+              <a:rPr lang="zh-TW" altLang="en-US" dirty="0" smtClean="0"/>
+              <a:t>資訊</a:t>
+            </a:r>
+            <a:r>
+              <a:rPr lang="en-US" altLang="zh-TW" dirty="0" smtClean="0"/>
+              <a:t>(</a:t>
+            </a:r>
+            <a:r>
+              <a:rPr lang="zh-TW" altLang="en-US" dirty="0" smtClean="0"/>
+              <a:t>本次省略</a:t>
+            </a:r>
+            <a:r>
+              <a:rPr lang="en-US" altLang="zh-TW" dirty="0" smtClean="0"/>
+              <a:t>)</a:t>
+            </a:r>
+          </a:p>
+          <a:p>
             <a:r>
               <a:rPr lang="zh-TW" altLang="en-US" dirty="0"/>
               <a:t>方法</a:t>
             </a:r>
+            <a:r>
+              <a:rPr lang="zh-TW" altLang="en-US" dirty="0" smtClean="0"/>
+              <a:t>：</a:t>
+            </a:r>
+            <a:endParaRPr lang="en-US" altLang="zh-TW" dirty="0" smtClean="0"/>
+          </a:p>
+          <a:p>
+            <a:pPr lvl="1"/>
+            <a:r>
+              <a:rPr lang="zh-TW" altLang="en-US" dirty="0"/>
+              <a:t>基本存取與建構式</a:t>
+            </a:r>
+            <a:endParaRPr lang="en-US" altLang="zh-TW" dirty="0" smtClean="0"/>
+          </a:p>
+          <a:p>
+            <a:pPr lvl="1"/>
+            <a:r>
+              <a:rPr lang="zh-TW" altLang="en-US" dirty="0" smtClean="0"/>
+              <a:t>顯示</a:t>
+            </a:r>
+            <a:endParaRPr lang="en-US" altLang="zh-TW" dirty="0" smtClean="0"/>
+          </a:p>
+          <a:p>
+            <a:r>
+              <a:rPr lang="zh-TW" altLang="en-US" dirty="0"/>
+              <a:t>先寫一個基本</a:t>
+            </a:r>
+            <a:r>
+              <a:rPr lang="zh-TW" altLang="en-US" dirty="0" smtClean="0"/>
+              <a:t>樣子再修改，如右。</a:t>
+            </a:r>
+            <a:endParaRPr lang="en-US" altLang="zh-TW" dirty="0" smtClean="0"/>
           </a:p>
         </p:txBody>
       </p:sp>
@@ -19144,8 +19493,8 @@
         </p:blipFill>
         <p:spPr>
           <a:xfrm>
-            <a:off x="5185073" y="609600"/>
-            <a:ext cx="6866720" cy="6156959"/>
+            <a:off x="4740831" y="1362456"/>
+            <a:ext cx="7300681" cy="5111495"/>
           </a:xfrm>
           <a:prstGeom prst="rect">
             <a:avLst/>
@@ -19155,7 +19504,7 @@
     </p:spTree>
     <p:extLst>
       <p:ext uri="{BB962C8B-B14F-4D97-AF65-F5344CB8AC3E}">
-        <p14:creationId xmlns:p14="http://schemas.microsoft.com/office/powerpoint/2010/main" val="2403245631"/>
+        <p14:creationId xmlns:p14="http://schemas.microsoft.com/office/powerpoint/2010/main" val="3179638467"/>
       </p:ext>
     </p:extLst>
   </p:cSld>
@@ -19205,16 +19554,8 @@
           <a:lstStyle/>
           <a:p>
             <a:r>
-              <a:rPr lang="en-US" altLang="zh-TW" dirty="0" err="1" smtClean="0"/>
-              <a:t>SetXXX</a:t>
-            </a:r>
-            <a:r>
-              <a:rPr lang="en-US" altLang="zh-TW" dirty="0" smtClean="0"/>
-              <a:t>()</a:t>
-            </a:r>
-            <a:r>
-              <a:rPr lang="zh-TW" altLang="en-US" dirty="0" smtClean="0"/>
-              <a:t>方法可以用來限制屬性的範圍</a:t>
+              <a:rPr lang="zh-TW" altLang="en-US" dirty="0" smtClean="0"/>
+              <a:t>主程式部分</a:t>
             </a:r>
             <a:endParaRPr lang="zh-TW" altLang="en-US" dirty="0"/>
           </a:p>
@@ -19230,41 +19571,43 @@
             <p:ph idx="1"/>
           </p:nvPr>
         </p:nvSpPr>
-        <p:spPr/>
+        <p:spPr>
+          <a:xfrm>
+            <a:off x="677334" y="2160589"/>
+            <a:ext cx="4342722" cy="3880773"/>
+          </a:xfrm>
+        </p:spPr>
         <p:txBody>
           <a:bodyPr/>
           <a:lstStyle/>
           <a:p>
             <a:r>
               <a:rPr lang="zh-TW" altLang="en-US" dirty="0" smtClean="0"/>
-              <a:t>例如，員工底薪不可以低於</a:t>
-            </a:r>
-            <a:r>
-              <a:rPr lang="en-US" altLang="zh-TW" dirty="0" smtClean="0"/>
-              <a:t>25000</a:t>
-            </a:r>
-            <a:r>
-              <a:rPr lang="zh-TW" altLang="en-US" dirty="0" smtClean="0"/>
-              <a:t>元，也不會高過</a:t>
-            </a:r>
-            <a:r>
-              <a:rPr lang="en-US" altLang="zh-TW" dirty="0" smtClean="0"/>
-              <a:t>40000</a:t>
-            </a:r>
-            <a:r>
-              <a:rPr lang="zh-TW" altLang="en-US" dirty="0" smtClean="0"/>
-              <a:t>元。</a:t>
+              <a:t>示範了兩種設定屬性方式：</a:t>
             </a:r>
             <a:endParaRPr lang="en-US" altLang="zh-TW" dirty="0" smtClean="0"/>
           </a:p>
           <a:p>
+            <a:pPr lvl="1"/>
             <a:r>
               <a:rPr lang="zh-TW" altLang="en-US" dirty="0"/>
-              <a:t>只要修改</a:t>
+              <a:t>透過建構</a:t>
+            </a:r>
+            <a:r>
+              <a:rPr lang="zh-TW" altLang="en-US" dirty="0" smtClean="0"/>
+              <a:t>式</a:t>
+            </a:r>
+            <a:endParaRPr lang="en-US" altLang="zh-TW" dirty="0" smtClean="0"/>
+          </a:p>
+          <a:p>
+            <a:pPr lvl="1"/>
+            <a:r>
+              <a:rPr lang="zh-TW" altLang="en-US" dirty="0"/>
+              <a:t>透過</a:t>
             </a:r>
             <a:r>
               <a:rPr lang="en-US" altLang="zh-TW" dirty="0" err="1"/>
-              <a:t>SetPay</a:t>
+              <a:t>SetXXX</a:t>
             </a:r>
             <a:r>
               <a:rPr lang="en-US" altLang="zh-TW" dirty="0"/>
@@ -19274,18 +19617,6 @@
               <a:rPr lang="zh-TW" altLang="en-US" dirty="0"/>
               <a:t>方法</a:t>
             </a:r>
-            <a:r>
-              <a:rPr lang="zh-TW" altLang="en-US" dirty="0" smtClean="0"/>
-              <a:t>，即可增加此規則。</a:t>
-            </a:r>
-            <a:endParaRPr lang="en-US" altLang="zh-TW" dirty="0" smtClean="0"/>
-          </a:p>
-          <a:p>
-            <a:r>
-              <a:rPr lang="zh-TW" altLang="en-US" dirty="0" smtClean="0"/>
-              <a:t>修改後如下：</a:t>
-            </a:r>
-            <a:endParaRPr lang="zh-TW" altLang="en-US" dirty="0"/>
           </a:p>
         </p:txBody>
       </p:sp>
@@ -19305,8 +19636,8 @@
         </p:blipFill>
         <p:spPr>
           <a:xfrm>
-            <a:off x="1033272" y="3517582"/>
-            <a:ext cx="6535930" cy="1575626"/>
+            <a:off x="5185073" y="609600"/>
+            <a:ext cx="6866720" cy="6156959"/>
           </a:xfrm>
           <a:prstGeom prst="rect">
             <a:avLst/>
@@ -19316,7 +19647,7 @@
     </p:spTree>
     <p:extLst>
       <p:ext uri="{BB962C8B-B14F-4D97-AF65-F5344CB8AC3E}">
-        <p14:creationId xmlns:p14="http://schemas.microsoft.com/office/powerpoint/2010/main" val="3461266428"/>
+        <p14:creationId xmlns:p14="http://schemas.microsoft.com/office/powerpoint/2010/main" val="2403245631"/>
       </p:ext>
     </p:extLst>
   </p:cSld>
@@ -19366,16 +19697,16 @@
           <a:lstStyle/>
           <a:p>
             <a:r>
-              <a:rPr lang="zh-TW" altLang="en-US" dirty="0" smtClean="0"/>
-              <a:t>測試一下</a:t>
-            </a:r>
-            <a:r>
-              <a:rPr lang="en-US" altLang="zh-TW" dirty="0" smtClean="0"/>
-              <a:t>Employee</a:t>
-            </a:r>
-            <a:r>
-              <a:rPr lang="zh-TW" altLang="en-US" dirty="0" smtClean="0"/>
-              <a:t>類別吧！</a:t>
+              <a:rPr lang="en-US" altLang="zh-TW" dirty="0" err="1" smtClean="0"/>
+              <a:t>SetXXX</a:t>
+            </a:r>
+            <a:r>
+              <a:rPr lang="en-US" altLang="zh-TW" dirty="0" smtClean="0"/>
+              <a:t>()</a:t>
+            </a:r>
+            <a:r>
+              <a:rPr lang="zh-TW" altLang="en-US" dirty="0" smtClean="0"/>
+              <a:t>方法可以用來限制屬性的範圍</a:t>
             </a:r>
             <a:endParaRPr lang="zh-TW" altLang="en-US" dirty="0"/>
           </a:p>
@@ -19398,6 +19729,167 @@
           <a:p>
             <a:r>
               <a:rPr lang="zh-TW" altLang="en-US" dirty="0" smtClean="0"/>
+              <a:t>例如，員工底薪不可以低於</a:t>
+            </a:r>
+            <a:r>
+              <a:rPr lang="en-US" altLang="zh-TW" dirty="0" smtClean="0"/>
+              <a:t>25000</a:t>
+            </a:r>
+            <a:r>
+              <a:rPr lang="zh-TW" altLang="en-US" dirty="0" smtClean="0"/>
+              <a:t>元，也不會高過</a:t>
+            </a:r>
+            <a:r>
+              <a:rPr lang="en-US" altLang="zh-TW" dirty="0" smtClean="0"/>
+              <a:t>40000</a:t>
+            </a:r>
+            <a:r>
+              <a:rPr lang="zh-TW" altLang="en-US" dirty="0" smtClean="0"/>
+              <a:t>元。</a:t>
+            </a:r>
+            <a:endParaRPr lang="en-US" altLang="zh-TW" dirty="0" smtClean="0"/>
+          </a:p>
+          <a:p>
+            <a:r>
+              <a:rPr lang="zh-TW" altLang="en-US" dirty="0"/>
+              <a:t>只要修改</a:t>
+            </a:r>
+            <a:r>
+              <a:rPr lang="en-US" altLang="zh-TW" dirty="0" err="1"/>
+              <a:t>SetPay</a:t>
+            </a:r>
+            <a:r>
+              <a:rPr lang="en-US" altLang="zh-TW" dirty="0"/>
+              <a:t>()</a:t>
+            </a:r>
+            <a:r>
+              <a:rPr lang="zh-TW" altLang="en-US" dirty="0"/>
+              <a:t>方法</a:t>
+            </a:r>
+            <a:r>
+              <a:rPr lang="zh-TW" altLang="en-US" dirty="0" smtClean="0"/>
+              <a:t>，即可增加此規則。</a:t>
+            </a:r>
+            <a:endParaRPr lang="en-US" altLang="zh-TW" dirty="0" smtClean="0"/>
+          </a:p>
+          <a:p>
+            <a:r>
+              <a:rPr lang="zh-TW" altLang="en-US" dirty="0" smtClean="0"/>
+              <a:t>修改後如下：</a:t>
+            </a:r>
+            <a:endParaRPr lang="zh-TW" altLang="en-US" dirty="0"/>
+          </a:p>
+        </p:txBody>
+      </p:sp>
+      <p:pic>
+        <p:nvPicPr>
+          <p:cNvPr id="4" name="圖片 3"/>
+          <p:cNvPicPr>
+            <a:picLocks noChangeAspect="1"/>
+          </p:cNvPicPr>
+          <p:nvPr/>
+        </p:nvPicPr>
+        <p:blipFill>
+          <a:blip r:embed="rId2"/>
+          <a:stretch>
+            <a:fillRect/>
+          </a:stretch>
+        </p:blipFill>
+        <p:spPr>
+          <a:xfrm>
+            <a:off x="1033272" y="3517582"/>
+            <a:ext cx="6535930" cy="1575626"/>
+          </a:xfrm>
+          <a:prstGeom prst="rect">
+            <a:avLst/>
+          </a:prstGeom>
+        </p:spPr>
+      </p:pic>
+    </p:spTree>
+    <p:extLst>
+      <p:ext uri="{BB962C8B-B14F-4D97-AF65-F5344CB8AC3E}">
+        <p14:creationId xmlns:p14="http://schemas.microsoft.com/office/powerpoint/2010/main" val="3461266428"/>
+      </p:ext>
+    </p:extLst>
+  </p:cSld>
+  <p:clrMapOvr>
+    <a:masterClrMapping/>
+  </p:clrMapOvr>
+  <p:timing>
+    <p:tnLst>
+      <p:par>
+        <p:cTn id="1" dur="indefinite" restart="never" nodeType="tmRoot"/>
+      </p:par>
+    </p:tnLst>
+  </p:timing>
+</p:sld>
+</file>
+
+<file path=ppt/slides/slide45.xml><?xml version="1.0" encoding="utf-8"?>
+<p:sld xmlns:a="http://schemas.openxmlformats.org/drawingml/2006/main" xmlns:r="http://schemas.openxmlformats.org/officeDocument/2006/relationships" xmlns:p="http://schemas.openxmlformats.org/presentationml/2006/main">
+  <p:cSld>
+    <p:spTree>
+      <p:nvGrpSpPr>
+        <p:cNvPr id="1" name=""/>
+        <p:cNvGrpSpPr/>
+        <p:nvPr/>
+      </p:nvGrpSpPr>
+      <p:grpSpPr>
+        <a:xfrm>
+          <a:off x="0" y="0"/>
+          <a:ext cx="0" cy="0"/>
+          <a:chOff x="0" y="0"/>
+          <a:chExt cx="0" cy="0"/>
+        </a:xfrm>
+      </p:grpSpPr>
+      <p:sp>
+        <p:nvSpPr>
+          <p:cNvPr id="2" name="標題 1"/>
+          <p:cNvSpPr>
+            <a:spLocks noGrp="1"/>
+          </p:cNvSpPr>
+          <p:nvPr>
+            <p:ph type="title"/>
+          </p:nvPr>
+        </p:nvSpPr>
+        <p:spPr/>
+        <p:txBody>
+          <a:bodyPr/>
+          <a:lstStyle/>
+          <a:p>
+            <a:r>
+              <a:rPr lang="zh-TW" altLang="en-US" dirty="0" smtClean="0"/>
+              <a:t>測試一下</a:t>
+            </a:r>
+            <a:r>
+              <a:rPr lang="en-US" altLang="zh-TW" dirty="0" smtClean="0"/>
+              <a:t>Employee</a:t>
+            </a:r>
+            <a:r>
+              <a:rPr lang="zh-TW" altLang="en-US" dirty="0" smtClean="0"/>
+              <a:t>類別吧！</a:t>
+            </a:r>
+            <a:endParaRPr lang="zh-TW" altLang="en-US" dirty="0"/>
+          </a:p>
+        </p:txBody>
+      </p:sp>
+      <p:sp>
+        <p:nvSpPr>
+          <p:cNvPr id="3" name="內容版面配置區 2"/>
+          <p:cNvSpPr>
+            <a:spLocks noGrp="1"/>
+          </p:cNvSpPr>
+          <p:nvPr>
+            <p:ph idx="1"/>
+          </p:nvPr>
+        </p:nvSpPr>
+        <p:spPr/>
+        <p:txBody>
+          <a:bodyPr/>
+          <a:lstStyle/>
+          <a:p>
+            <a:r>
+              <a:rPr lang="zh-TW" altLang="en-US" dirty="0" smtClean="0"/>
               <a:t>隨意測試，只是試看看怎麼用。</a:t>
             </a:r>
             <a:endParaRPr lang="en-US" altLang="zh-TW" dirty="0" smtClean="0"/>
@@ -19431,7 +19923,7 @@
 </p:sld>
 </file>
 
-<file path=ppt/slides/slide45.xml><?xml version="1.0" encoding="utf-8"?>
+<file path=ppt/slides/slide46.xml><?xml version="1.0" encoding="utf-8"?>
 <p:sld xmlns:a="http://schemas.openxmlformats.org/drawingml/2006/main" xmlns:r="http://schemas.openxmlformats.org/officeDocument/2006/relationships" xmlns:p="http://schemas.openxmlformats.org/presentationml/2006/main">
   <p:cSld>
     <p:spTree>
@@ -19668,146 +20160,6 @@
 </p:sld>
 </file>
 
-<file path=ppt/slides/slide46.xml><?xml version="1.0" encoding="utf-8"?>
-<p:sld xmlns:a="http://schemas.openxmlformats.org/drawingml/2006/main" xmlns:r="http://schemas.openxmlformats.org/officeDocument/2006/relationships" xmlns:p="http://schemas.openxmlformats.org/presentationml/2006/main">
-  <p:cSld>
-    <p:spTree>
-      <p:nvGrpSpPr>
-        <p:cNvPr id="1" name=""/>
-        <p:cNvGrpSpPr/>
-        <p:nvPr/>
-      </p:nvGrpSpPr>
-      <p:grpSpPr>
-        <a:xfrm>
-          <a:off x="0" y="0"/>
-          <a:ext cx="0" cy="0"/>
-          <a:chOff x="0" y="0"/>
-          <a:chExt cx="0" cy="0"/>
-        </a:xfrm>
-      </p:grpSpPr>
-      <p:sp>
-        <p:nvSpPr>
-          <p:cNvPr id="2" name="標題 1"/>
-          <p:cNvSpPr>
-            <a:spLocks noGrp="1"/>
-          </p:cNvSpPr>
-          <p:nvPr>
-            <p:ph type="title"/>
-          </p:nvPr>
-        </p:nvSpPr>
-        <p:spPr/>
-        <p:txBody>
-          <a:bodyPr/>
-          <a:lstStyle/>
-          <a:p>
-            <a:r>
-              <a:rPr lang="en-US" altLang="zh-TW" dirty="0" smtClean="0"/>
-              <a:t>Manager</a:t>
-            </a:r>
-            <a:r>
-              <a:rPr lang="zh-TW" altLang="en-US" dirty="0" smtClean="0"/>
-              <a:t> </a:t>
-            </a:r>
-            <a:r>
-              <a:rPr lang="en-US" altLang="zh-TW" dirty="0" smtClean="0"/>
-              <a:t>class</a:t>
-            </a:r>
-            <a:r>
-              <a:rPr lang="zh-TW" altLang="en-US" dirty="0" smtClean="0"/>
-              <a:t>的新問題</a:t>
-            </a:r>
-            <a:endParaRPr lang="zh-TW" altLang="en-US" dirty="0"/>
-          </a:p>
-        </p:txBody>
-      </p:sp>
-      <p:sp>
-        <p:nvSpPr>
-          <p:cNvPr id="3" name="內容版面配置區 2"/>
-          <p:cNvSpPr>
-            <a:spLocks noGrp="1"/>
-          </p:cNvSpPr>
-          <p:nvPr>
-            <p:ph idx="1"/>
-          </p:nvPr>
-        </p:nvSpPr>
-        <p:spPr/>
-        <p:txBody>
-          <a:bodyPr/>
-          <a:lstStyle/>
-          <a:p>
-            <a:r>
-              <a:rPr lang="zh-TW" altLang="en-US" dirty="0"/>
-              <a:t>三個繼承來的</a:t>
-            </a:r>
-            <a:r>
-              <a:rPr lang="zh-TW" altLang="en-US" dirty="0" smtClean="0"/>
-              <a:t>屬性出現紅色底線警告！</a:t>
-            </a:r>
-            <a:endParaRPr lang="en-US" altLang="zh-TW" dirty="0" smtClean="0"/>
-          </a:p>
-          <a:p>
-            <a:endParaRPr lang="en-US" altLang="zh-TW" dirty="0"/>
-          </a:p>
-          <a:p>
-            <a:r>
-              <a:rPr lang="zh-TW" altLang="en-US" dirty="0" smtClean="0"/>
-              <a:t>原來，父類別的修飾字為</a:t>
-            </a:r>
-            <a:r>
-              <a:rPr lang="en-US" altLang="zh-TW" dirty="0" smtClean="0"/>
-              <a:t>private</a:t>
-            </a:r>
-          </a:p>
-          <a:p>
-            <a:pPr lvl="1"/>
-            <a:r>
-              <a:rPr lang="zh-TW" altLang="en-US" dirty="0"/>
-              <a:t>意思是字類別也不能用他！</a:t>
-            </a:r>
-            <a:endParaRPr lang="en-US" altLang="zh-TW" dirty="0"/>
-          </a:p>
-          <a:p>
-            <a:r>
-              <a:rPr lang="zh-TW" altLang="en-US" dirty="0" smtClean="0"/>
-              <a:t>所以，把父類別的屬性改為 </a:t>
-            </a:r>
-            <a:r>
-              <a:rPr lang="en-US" altLang="zh-TW" dirty="0" smtClean="0"/>
-              <a:t>protected</a:t>
-            </a:r>
-            <a:r>
-              <a:rPr lang="zh-TW" altLang="en-US" dirty="0" smtClean="0"/>
-              <a:t>即可</a:t>
-            </a:r>
-            <a:endParaRPr lang="en-US" altLang="zh-TW" dirty="0" smtClean="0"/>
-          </a:p>
-          <a:p>
-            <a:pPr lvl="1"/>
-            <a:r>
-              <a:rPr lang="en-US" altLang="zh-TW" dirty="0" smtClean="0"/>
-              <a:t>Protected</a:t>
-            </a:r>
-            <a:r>
-              <a:rPr lang="zh-TW" altLang="en-US" dirty="0" smtClean="0"/>
-              <a:t>意思是家人可以用！</a:t>
-            </a:r>
-            <a:endParaRPr lang="zh-TW" altLang="en-US" dirty="0"/>
-          </a:p>
-        </p:txBody>
-      </p:sp>
-    </p:spTree>
-    <p:extLst>
-      <p:ext uri="{BB962C8B-B14F-4D97-AF65-F5344CB8AC3E}">
-        <p14:creationId xmlns:p14="http://schemas.microsoft.com/office/powerpoint/2010/main" val="471632145"/>
-      </p:ext>
-    </p:extLst>
-  </p:cSld>
-  <p:clrMapOvr>
-    <a:masterClrMapping/>
-  </p:clrMapOvr>
-</p:sld>
-</file>
-
 <file path=ppt/slides/slide47.xml><?xml version="1.0" encoding="utf-8"?>
 <p:sld xmlns:a="http://schemas.openxmlformats.org/drawingml/2006/main" xmlns:r="http://schemas.openxmlformats.org/officeDocument/2006/relationships" xmlns:p="http://schemas.openxmlformats.org/presentationml/2006/main">
   <p:cSld>
@@ -19841,16 +20193,20 @@
           <a:lstStyle/>
           <a:p>
             <a:r>
-              <a:rPr lang="zh-TW" altLang="en-US" dirty="0" smtClean="0"/>
-              <a:t>把</a:t>
-            </a:r>
-            <a:r>
-              <a:rPr lang="en-US" altLang="zh-TW" dirty="0" smtClean="0"/>
-              <a:t>bonus</a:t>
-            </a:r>
-            <a:r>
-              <a:rPr lang="zh-TW" altLang="en-US" dirty="0" smtClean="0"/>
-              <a:t>遺忘了嗎？</a:t>
+              <a:rPr lang="en-US" altLang="zh-TW" dirty="0" smtClean="0"/>
+              <a:t>Manager</a:t>
+            </a:r>
+            <a:r>
+              <a:rPr lang="zh-TW" altLang="en-US" dirty="0" smtClean="0"/>
+              <a:t> </a:t>
+            </a:r>
+            <a:r>
+              <a:rPr lang="en-US" altLang="zh-TW" dirty="0" smtClean="0"/>
+              <a:t>class</a:t>
+            </a:r>
+            <a:r>
+              <a:rPr lang="zh-TW" altLang="en-US" dirty="0" smtClean="0"/>
+              <a:t>的新問題</a:t>
             </a:r>
             <a:endParaRPr lang="zh-TW" altLang="en-US" dirty="0"/>
           </a:p>
@@ -19872,75 +20228,116 @@
           <a:lstStyle/>
           <a:p>
             <a:r>
-              <a:rPr lang="zh-TW" altLang="en-US" dirty="0" smtClean="0"/>
-              <a:t>先補一下</a:t>
-            </a:r>
-            <a:r>
-              <a:rPr lang="en-US" altLang="zh-TW" dirty="0" err="1" smtClean="0"/>
-              <a:t>setBonus</a:t>
-            </a:r>
-            <a:r>
-              <a:rPr lang="en-US" altLang="zh-TW" dirty="0" smtClean="0"/>
-              <a:t>();</a:t>
-            </a:r>
-            <a:r>
-              <a:rPr lang="zh-TW" altLang="en-US" dirty="0" smtClean="0"/>
-              <a:t>跟</a:t>
-            </a:r>
-            <a:r>
-              <a:rPr lang="en-US" altLang="zh-TW" dirty="0" err="1" smtClean="0"/>
-              <a:t>getBonus</a:t>
-            </a:r>
-            <a:r>
-              <a:rPr lang="en-US" altLang="zh-TW" dirty="0" smtClean="0"/>
-              <a:t>();</a:t>
-            </a:r>
-            <a:r>
-              <a:rPr lang="zh-TW" altLang="en-US" dirty="0" smtClean="0"/>
-              <a:t> 吧！</a:t>
+              <a:rPr lang="zh-TW" altLang="en-US" dirty="0">
+                <a:solidFill>
+                  <a:srgbClr val="C00000"/>
+                </a:solidFill>
+              </a:rPr>
+              <a:t>三個繼承來的</a:t>
+            </a:r>
+            <a:r>
+              <a:rPr lang="zh-TW" altLang="en-US" dirty="0" smtClean="0">
+                <a:solidFill>
+                  <a:srgbClr val="C00000"/>
+                </a:solidFill>
+              </a:rPr>
+              <a:t>屬性出現紅色底線警告！</a:t>
+            </a:r>
+            <a:endParaRPr lang="en-US" altLang="zh-TW" dirty="0" smtClean="0">
+              <a:solidFill>
+                <a:srgbClr val="C00000"/>
+              </a:solidFill>
+            </a:endParaRPr>
+          </a:p>
+          <a:p>
+            <a:endParaRPr lang="en-US" altLang="zh-TW" dirty="0"/>
+          </a:p>
+          <a:p>
+            <a:r>
+              <a:rPr lang="zh-TW" altLang="en-US" dirty="0" smtClean="0"/>
+              <a:t>原來，父類別的修飾字為</a:t>
+            </a:r>
+            <a:r>
+              <a:rPr lang="en-US" altLang="zh-TW" dirty="0" smtClean="0"/>
+              <a:t>private</a:t>
+            </a:r>
+          </a:p>
+          <a:p>
+            <a:pPr lvl="1"/>
+            <a:r>
+              <a:rPr lang="zh-TW" altLang="en-US" dirty="0"/>
+              <a:t>意思</a:t>
+            </a:r>
+            <a:r>
+              <a:rPr lang="zh-TW" altLang="en-US" dirty="0" smtClean="0"/>
+              <a:t>是子類別</a:t>
+            </a:r>
+            <a:r>
+              <a:rPr lang="zh-TW" altLang="en-US" dirty="0"/>
+              <a:t>也不能用他！</a:t>
+            </a:r>
+            <a:endParaRPr lang="en-US" altLang="zh-TW" dirty="0"/>
+          </a:p>
+          <a:p>
+            <a:r>
+              <a:rPr lang="zh-TW" altLang="en-US" dirty="0" smtClean="0"/>
+              <a:t>所以，把父類別的屬性改為 </a:t>
+            </a:r>
+            <a:r>
+              <a:rPr lang="en-US" altLang="zh-TW" dirty="0" smtClean="0"/>
+              <a:t>protected</a:t>
+            </a:r>
+            <a:r>
+              <a:rPr lang="zh-TW" altLang="en-US" dirty="0" smtClean="0"/>
+              <a:t>即可</a:t>
             </a:r>
             <a:endParaRPr lang="en-US" altLang="zh-TW" dirty="0" smtClean="0"/>
           </a:p>
           <a:p>
+            <a:pPr lvl="1"/>
+            <a:r>
+              <a:rPr lang="en-US" altLang="zh-TW" dirty="0" smtClean="0"/>
+              <a:t>Protected</a:t>
+            </a:r>
+            <a:r>
+              <a:rPr lang="zh-TW" altLang="en-US" dirty="0" smtClean="0"/>
+              <a:t>意思是家人可以用</a:t>
+            </a:r>
+            <a:r>
+              <a:rPr lang="zh-TW" altLang="en-US" dirty="0" smtClean="0"/>
+              <a:t>！</a:t>
+            </a:r>
+            <a:endParaRPr lang="en-US" altLang="zh-TW" dirty="0" smtClean="0"/>
+          </a:p>
+          <a:p>
+            <a:pPr lvl="1"/>
             <a:endParaRPr lang="en-US" altLang="zh-TW" dirty="0"/>
           </a:p>
           <a:p>
             <a:r>
               <a:rPr lang="zh-TW" altLang="en-US" dirty="0" smtClean="0"/>
-              <a:t>補一下，下面的程式碼：</a:t>
+              <a:t>學到了，如果打算讓繼承類別使用的屬性，不可以用</a:t>
+            </a:r>
+            <a:r>
+              <a:rPr lang="en-US" altLang="zh-TW" dirty="0" smtClean="0"/>
+              <a:t>private</a:t>
+            </a:r>
+            <a:r>
+              <a:rPr lang="zh-TW" altLang="en-US" dirty="0" smtClean="0"/>
+              <a:t>而要用</a:t>
+            </a:r>
+            <a:r>
+              <a:rPr lang="en-US" altLang="zh-TW" dirty="0" smtClean="0"/>
+              <a:t>protected</a:t>
             </a:r>
             <a:endParaRPr lang="zh-TW" altLang="en-US" dirty="0"/>
           </a:p>
         </p:txBody>
       </p:sp>
-      <p:pic>
-        <p:nvPicPr>
-          <p:cNvPr id="4" name="圖片 3"/>
-          <p:cNvPicPr>
-            <a:picLocks noChangeAspect="1"/>
-          </p:cNvPicPr>
-          <p:nvPr/>
-        </p:nvPicPr>
-        <p:blipFill>
-          <a:blip r:embed="rId2"/>
-          <a:stretch>
-            <a:fillRect/>
-          </a:stretch>
-        </p:blipFill>
-        <p:spPr>
-          <a:xfrm>
-            <a:off x="1042986" y="3469664"/>
-            <a:ext cx="6677025" cy="2257425"/>
-          </a:xfrm>
-          <a:prstGeom prst="rect">
-            <a:avLst/>
-          </a:prstGeom>
-        </p:spPr>
-      </p:pic>
     </p:spTree>
     <p:extLst>
       <p:ext uri="{BB962C8B-B14F-4D97-AF65-F5344CB8AC3E}">
-        <p14:creationId xmlns:p14="http://schemas.microsoft.com/office/powerpoint/2010/main" val="1061167204"/>
+        <p14:creationId xmlns:p14="http://schemas.microsoft.com/office/powerpoint/2010/main" val="471632145"/>
       </p:ext>
     </p:extLst>
   </p:cSld>
@@ -19984,19 +20381,15 @@
           <a:p>
             <a:r>
               <a:rPr lang="zh-TW" altLang="en-US" dirty="0" smtClean="0"/>
-              <a:t>談談</a:t>
-            </a:r>
-            <a:r>
-              <a:rPr lang="en-US" altLang="zh-TW" dirty="0" smtClean="0"/>
-              <a:t>overriding(</a:t>
-            </a:r>
-            <a:r>
-              <a:rPr lang="zh-TW" altLang="en-US" dirty="0" smtClean="0"/>
-              <a:t>覆寫</a:t>
-            </a:r>
-            <a:r>
-              <a:rPr lang="en-US" altLang="zh-TW" dirty="0" smtClean="0"/>
-              <a:t>)</a:t>
+              <a:t>把</a:t>
+            </a:r>
+            <a:r>
+              <a:rPr lang="en-US" altLang="zh-TW" dirty="0" smtClean="0"/>
+              <a:t>bonus</a:t>
+            </a:r>
+            <a:r>
+              <a:rPr lang="zh-TW" altLang="en-US" dirty="0" smtClean="0"/>
+              <a:t>遺忘了嗎？</a:t>
             </a:r>
             <a:endParaRPr lang="zh-TW" altLang="en-US" dirty="0"/>
           </a:p>
@@ -20014,157 +20407,89 @@
         </p:nvSpPr>
         <p:spPr/>
         <p:txBody>
-          <a:bodyPr/>
+          <a:bodyPr>
+            <a:normAutofit lnSpcReduction="10000"/>
+          </a:bodyPr>
           <a:lstStyle/>
           <a:p>
             <a:r>
-              <a:rPr lang="en-US" altLang="zh-TW" dirty="0"/>
-              <a:t>Manager</a:t>
-            </a:r>
+              <a:rPr lang="zh-TW" altLang="en-US" dirty="0" smtClean="0"/>
+              <a:t>先補一下</a:t>
+            </a:r>
+            <a:r>
+              <a:rPr lang="en-US" altLang="zh-TW" dirty="0" err="1" smtClean="0"/>
+              <a:t>setBonus</a:t>
+            </a:r>
+            <a:r>
+              <a:rPr lang="en-US" altLang="zh-TW" dirty="0" smtClean="0"/>
+              <a:t>();</a:t>
+            </a:r>
+            <a:r>
+              <a:rPr lang="zh-TW" altLang="en-US" dirty="0" smtClean="0"/>
+              <a:t>跟</a:t>
+            </a:r>
+            <a:r>
+              <a:rPr lang="en-US" altLang="zh-TW" dirty="0" err="1" smtClean="0"/>
+              <a:t>getBonus</a:t>
+            </a:r>
+            <a:r>
+              <a:rPr lang="en-US" altLang="zh-TW" dirty="0" smtClean="0"/>
+              <a:t>();</a:t>
+            </a:r>
+            <a:r>
+              <a:rPr lang="zh-TW" altLang="en-US" dirty="0" smtClean="0"/>
+              <a:t> 吧！</a:t>
+            </a:r>
+            <a:endParaRPr lang="en-US" altLang="zh-TW" dirty="0" smtClean="0"/>
+          </a:p>
+          <a:p>
+            <a:endParaRPr lang="en-US" altLang="zh-TW" dirty="0"/>
+          </a:p>
+          <a:p>
+            <a:r>
+              <a:rPr lang="zh-TW" altLang="en-US" dirty="0" smtClean="0"/>
+              <a:t>補一下，下面的程式碼</a:t>
+            </a:r>
+            <a:r>
+              <a:rPr lang="zh-TW" altLang="en-US" dirty="0" smtClean="0"/>
+              <a:t>：</a:t>
+            </a:r>
+            <a:endParaRPr lang="en-US" altLang="zh-TW" dirty="0" smtClean="0"/>
+          </a:p>
+          <a:p>
+            <a:endParaRPr lang="en-US" altLang="zh-TW" dirty="0"/>
+          </a:p>
+          <a:p>
+            <a:endParaRPr lang="en-US" altLang="zh-TW" dirty="0" smtClean="0"/>
+          </a:p>
+          <a:p>
+            <a:endParaRPr lang="en-US" altLang="zh-TW" dirty="0"/>
+          </a:p>
+          <a:p>
+            <a:endParaRPr lang="en-US" altLang="zh-TW" dirty="0" smtClean="0"/>
+          </a:p>
+          <a:p>
+            <a:endParaRPr lang="en-US" altLang="zh-TW" dirty="0"/>
+          </a:p>
+          <a:p>
+            <a:endParaRPr lang="en-US" altLang="zh-TW" dirty="0" smtClean="0"/>
+          </a:p>
+          <a:p>
             <a:r>
               <a:rPr lang="zh-TW" altLang="en-US" dirty="0"/>
-              <a:t>的</a:t>
-            </a:r>
-            <a:r>
-              <a:rPr lang="en-US" altLang="zh-TW" dirty="0" err="1"/>
-              <a:t>setPay</a:t>
-            </a:r>
-            <a:r>
-              <a:rPr lang="zh-TW" altLang="en-US" dirty="0"/>
-              <a:t>與</a:t>
-            </a:r>
-            <a:r>
-              <a:rPr lang="en-US" altLang="zh-TW" dirty="0"/>
-              <a:t>Employee</a:t>
-            </a:r>
-            <a:r>
-              <a:rPr lang="zh-TW" altLang="en-US" dirty="0"/>
-              <a:t>的</a:t>
-            </a:r>
-            <a:r>
-              <a:rPr lang="en-US" altLang="zh-TW" dirty="0" err="1" smtClean="0"/>
-              <a:t>setPay</a:t>
-            </a:r>
-            <a:endParaRPr lang="en-US" altLang="zh-TW" dirty="0"/>
-          </a:p>
-          <a:p>
-            <a:pPr lvl="1"/>
-            <a:r>
-              <a:rPr lang="zh-TW" altLang="en-US" dirty="0" smtClean="0"/>
-              <a:t>因為</a:t>
-            </a:r>
-            <a:r>
-              <a:rPr lang="zh-TW" altLang="en-US" dirty="0" smtClean="0">
-                <a:solidFill>
-                  <a:srgbClr val="FF0000"/>
-                </a:solidFill>
-              </a:rPr>
-              <a:t>薪資範圍不同</a:t>
-            </a:r>
-            <a:r>
-              <a:rPr lang="zh-TW" altLang="en-US" dirty="0" smtClean="0"/>
-              <a:t>，程式無法用同一個！</a:t>
-            </a:r>
-            <a:endParaRPr lang="en-US" altLang="zh-TW" dirty="0"/>
-          </a:p>
-          <a:p>
-            <a:r>
-              <a:rPr lang="zh-TW" altLang="en-US" b="1" dirty="0" smtClean="0">
-                <a:solidFill>
-                  <a:srgbClr val="FF0000"/>
-                </a:solidFill>
-              </a:rPr>
-              <a:t>引入</a:t>
-            </a:r>
-            <a:r>
-              <a:rPr lang="en-US" altLang="zh-TW" b="1" dirty="0" smtClean="0">
-                <a:solidFill>
-                  <a:srgbClr val="FF0000"/>
-                </a:solidFill>
-              </a:rPr>
-              <a:t>overriding</a:t>
-            </a:r>
-            <a:r>
-              <a:rPr lang="zh-TW" altLang="en-US" b="1" dirty="0" smtClean="0">
-                <a:solidFill>
-                  <a:srgbClr val="FF0000"/>
-                </a:solidFill>
-              </a:rPr>
-              <a:t>概念！子類別可以覆蓋父類別的方法。</a:t>
-            </a:r>
-            <a:endParaRPr lang="en-US" altLang="zh-TW" b="1" dirty="0" smtClean="0">
-              <a:solidFill>
-                <a:srgbClr val="FF0000"/>
-              </a:solidFill>
-            </a:endParaRPr>
-          </a:p>
-          <a:p>
-            <a:pPr lvl="1"/>
-            <a:r>
-              <a:rPr lang="en-US" altLang="zh-TW" dirty="0" smtClean="0"/>
-              <a:t>Manager class</a:t>
-            </a:r>
-            <a:r>
-              <a:rPr lang="zh-TW" altLang="en-US" dirty="0" smtClean="0"/>
-              <a:t>重新寫一個</a:t>
-            </a:r>
-            <a:r>
-              <a:rPr lang="en-US" altLang="zh-TW" dirty="0" err="1" smtClean="0"/>
-              <a:t>setPay</a:t>
-            </a:r>
-            <a:r>
-              <a:rPr lang="en-US" altLang="zh-TW" dirty="0" smtClean="0"/>
-              <a:t>()</a:t>
-            </a:r>
-            <a:r>
-              <a:rPr lang="zh-TW" altLang="en-US" dirty="0" smtClean="0"/>
-              <a:t>去蓋過</a:t>
-            </a:r>
-            <a:r>
-              <a:rPr lang="en-US" altLang="zh-TW" dirty="0" smtClean="0"/>
-              <a:t>Employee</a:t>
-            </a:r>
-            <a:r>
-              <a:rPr lang="zh-TW" altLang="en-US" dirty="0" smtClean="0"/>
-              <a:t>原先的</a:t>
-            </a:r>
-            <a:r>
-              <a:rPr lang="en-US" altLang="zh-TW" dirty="0" err="1" smtClean="0"/>
-              <a:t>setPay</a:t>
-            </a:r>
-            <a:r>
-              <a:rPr lang="en-US" altLang="zh-TW" dirty="0" smtClean="0"/>
-              <a:t>()</a:t>
-            </a:r>
-            <a:endParaRPr lang="en-US" altLang="zh-TW" dirty="0"/>
-          </a:p>
-          <a:p>
-            <a:r>
-              <a:rPr lang="zh-TW" altLang="en-US" dirty="0"/>
-              <a:t>父子</a:t>
-            </a:r>
-            <a:r>
-              <a:rPr lang="zh-TW" altLang="en-US" dirty="0" smtClean="0"/>
-              <a:t>傳承，兒子可以改進父親傳下來的手藝跟技術吧！</a:t>
-            </a:r>
-            <a:endParaRPr lang="en-US" altLang="zh-TW" dirty="0" smtClean="0"/>
-          </a:p>
-          <a:p>
-            <a:pPr lvl="1"/>
-            <a:r>
-              <a:rPr lang="zh-TW" altLang="en-US" dirty="0"/>
-              <a:t>聽起來好有道理</a:t>
-            </a:r>
-            <a:r>
-              <a:rPr lang="zh-TW" altLang="en-US" dirty="0" smtClean="0"/>
-              <a:t>啊～是吧</a:t>
-            </a:r>
-            <a:endParaRPr lang="en-US" altLang="zh-TW" dirty="0"/>
-          </a:p>
-          <a:p>
-            <a:r>
-              <a:rPr lang="zh-TW" altLang="en-US" dirty="0" smtClean="0"/>
-              <a:t>程式碼如右：</a:t>
+              <a:t>同樣的</a:t>
+            </a:r>
+            <a:r>
+              <a:rPr lang="zh-TW" altLang="en-US" dirty="0" smtClean="0"/>
+              <a:t>，限制</a:t>
+            </a:r>
+            <a:r>
+              <a:rPr lang="en-US" altLang="zh-TW" dirty="0" smtClean="0"/>
+              <a:t>bonus</a:t>
+            </a:r>
+            <a:r>
+              <a:rPr lang="zh-TW" altLang="en-US" dirty="0" smtClean="0"/>
+              <a:t>不可為負數。</a:t>
             </a:r>
             <a:endParaRPr lang="zh-TW" altLang="en-US" dirty="0"/>
           </a:p>
@@ -20186,8 +20511,8 @@
         </p:blipFill>
         <p:spPr>
           <a:xfrm>
-            <a:off x="2617543" y="4540016"/>
-            <a:ext cx="6403365" cy="1570637"/>
+            <a:off x="1088707" y="3277641"/>
+            <a:ext cx="6354510" cy="2148386"/>
           </a:xfrm>
           <a:prstGeom prst="rect">
             <a:avLst/>
@@ -20197,7 +20522,7 @@
     </p:spTree>
     <p:extLst>
       <p:ext uri="{BB962C8B-B14F-4D97-AF65-F5344CB8AC3E}">
-        <p14:creationId xmlns:p14="http://schemas.microsoft.com/office/powerpoint/2010/main" val="261137196"/>
+        <p14:creationId xmlns:p14="http://schemas.microsoft.com/office/powerpoint/2010/main" val="1061167204"/>
       </p:ext>
     </p:extLst>
   </p:cSld>
@@ -20240,12 +20565,20 @@
           <a:lstStyle/>
           <a:p>
             <a:r>
-              <a:rPr lang="en-US" altLang="zh-TW" dirty="0" smtClean="0"/>
-              <a:t>Manager class</a:t>
-            </a:r>
-            <a:r>
-              <a:rPr lang="zh-TW" altLang="en-US" dirty="0" smtClean="0"/>
-              <a:t>目前為止程式碼</a:t>
+              <a:rPr lang="zh-TW" altLang="en-US" dirty="0" smtClean="0"/>
+              <a:t>談談</a:t>
+            </a:r>
+            <a:r>
+              <a:rPr lang="en-US" altLang="zh-TW" dirty="0" smtClean="0"/>
+              <a:t>overriding(</a:t>
+            </a:r>
+            <a:r>
+              <a:rPr lang="zh-TW" altLang="en-US" dirty="0" smtClean="0"/>
+              <a:t>覆寫</a:t>
+            </a:r>
+            <a:r>
+              <a:rPr lang="en-US" altLang="zh-TW" dirty="0" smtClean="0"/>
+              <a:t>)</a:t>
             </a:r>
             <a:endParaRPr lang="zh-TW" altLang="en-US" dirty="0"/>
           </a:p>
@@ -20266,13 +20599,162 @@
           <a:bodyPr/>
           <a:lstStyle/>
           <a:p>
-            <a:endParaRPr lang="zh-TW" altLang="en-US"/>
+            <a:r>
+              <a:rPr lang="en-US" altLang="zh-TW" dirty="0"/>
+              <a:t>Manager</a:t>
+            </a:r>
+            <a:r>
+              <a:rPr lang="zh-TW" altLang="en-US" dirty="0"/>
+              <a:t>的</a:t>
+            </a:r>
+            <a:r>
+              <a:rPr lang="en-US" altLang="zh-TW" dirty="0" err="1"/>
+              <a:t>setPay</a:t>
+            </a:r>
+            <a:r>
+              <a:rPr lang="zh-TW" altLang="en-US" dirty="0"/>
+              <a:t>與</a:t>
+            </a:r>
+            <a:r>
+              <a:rPr lang="en-US" altLang="zh-TW" dirty="0"/>
+              <a:t>Employee</a:t>
+            </a:r>
+            <a:r>
+              <a:rPr lang="zh-TW" altLang="en-US" dirty="0"/>
+              <a:t>的</a:t>
+            </a:r>
+            <a:r>
+              <a:rPr lang="en-US" altLang="zh-TW" dirty="0" err="1" smtClean="0"/>
+              <a:t>setPay</a:t>
+            </a:r>
+            <a:endParaRPr lang="en-US" altLang="zh-TW" dirty="0"/>
+          </a:p>
+          <a:p>
+            <a:pPr lvl="1"/>
+            <a:r>
+              <a:rPr lang="zh-TW" altLang="en-US" dirty="0" smtClean="0"/>
+              <a:t>因為</a:t>
+            </a:r>
+            <a:r>
+              <a:rPr lang="zh-TW" altLang="en-US" dirty="0" smtClean="0">
+                <a:solidFill>
+                  <a:srgbClr val="FF0000"/>
+                </a:solidFill>
+              </a:rPr>
+              <a:t>薪資範圍不同</a:t>
+            </a:r>
+            <a:r>
+              <a:rPr lang="zh-TW" altLang="en-US" dirty="0" smtClean="0"/>
+              <a:t>，程式無法用同一個！</a:t>
+            </a:r>
+            <a:endParaRPr lang="en-US" altLang="zh-TW" dirty="0"/>
+          </a:p>
+          <a:p>
+            <a:r>
+              <a:rPr lang="zh-TW" altLang="en-US" b="1" dirty="0" smtClean="0">
+                <a:solidFill>
+                  <a:srgbClr val="FF0000"/>
+                </a:solidFill>
+              </a:rPr>
+              <a:t>引入</a:t>
+            </a:r>
+            <a:r>
+              <a:rPr lang="en-US" altLang="zh-TW" b="1" dirty="0" smtClean="0">
+                <a:solidFill>
+                  <a:srgbClr val="FF0000"/>
+                </a:solidFill>
+              </a:rPr>
+              <a:t>overriding</a:t>
+            </a:r>
+            <a:r>
+              <a:rPr lang="zh-TW" altLang="en-US" b="1" dirty="0" smtClean="0">
+                <a:solidFill>
+                  <a:srgbClr val="FF0000"/>
+                </a:solidFill>
+              </a:rPr>
+              <a:t>概念！子類別可以覆蓋父類別的方法。</a:t>
+            </a:r>
+            <a:endParaRPr lang="en-US" altLang="zh-TW" b="1" dirty="0" smtClean="0">
+              <a:solidFill>
+                <a:srgbClr val="FF0000"/>
+              </a:solidFill>
+            </a:endParaRPr>
+          </a:p>
+          <a:p>
+            <a:pPr lvl="1"/>
+            <a:r>
+              <a:rPr lang="en-US" altLang="zh-TW" dirty="0" smtClean="0"/>
+              <a:t>Manager class</a:t>
+            </a:r>
+            <a:r>
+              <a:rPr lang="zh-TW" altLang="en-US" dirty="0" smtClean="0"/>
+              <a:t>重新寫一個</a:t>
+            </a:r>
+            <a:r>
+              <a:rPr lang="en-US" altLang="zh-TW" dirty="0" err="1" smtClean="0"/>
+              <a:t>setPay</a:t>
+            </a:r>
+            <a:r>
+              <a:rPr lang="en-US" altLang="zh-TW" dirty="0" smtClean="0"/>
+              <a:t>()</a:t>
+            </a:r>
+            <a:r>
+              <a:rPr lang="zh-TW" altLang="en-US" dirty="0" smtClean="0"/>
+              <a:t>去蓋過</a:t>
+            </a:r>
+            <a:r>
+              <a:rPr lang="en-US" altLang="zh-TW" dirty="0" smtClean="0"/>
+              <a:t>Employee</a:t>
+            </a:r>
+            <a:r>
+              <a:rPr lang="zh-TW" altLang="en-US" dirty="0" smtClean="0"/>
+              <a:t>原先的</a:t>
+            </a:r>
+            <a:r>
+              <a:rPr lang="en-US" altLang="zh-TW" dirty="0" err="1" smtClean="0"/>
+              <a:t>setPay</a:t>
+            </a:r>
+            <a:r>
+              <a:rPr lang="en-US" altLang="zh-TW" dirty="0" smtClean="0"/>
+              <a:t>()</a:t>
+            </a:r>
+            <a:endParaRPr lang="en-US" altLang="zh-TW" dirty="0"/>
+          </a:p>
+          <a:p>
+            <a:r>
+              <a:rPr lang="zh-TW" altLang="en-US" dirty="0"/>
+              <a:t>父子</a:t>
+            </a:r>
+            <a:r>
+              <a:rPr lang="zh-TW" altLang="en-US" dirty="0" smtClean="0"/>
+              <a:t>傳承，兒子可以改進父親傳下來的手藝跟技術吧！</a:t>
+            </a:r>
+            <a:endParaRPr lang="en-US" altLang="zh-TW" dirty="0" smtClean="0"/>
+          </a:p>
+          <a:p>
+            <a:pPr lvl="1"/>
+            <a:r>
+              <a:rPr lang="zh-TW" altLang="en-US" dirty="0"/>
+              <a:t>聽起來好有道理</a:t>
+            </a:r>
+            <a:r>
+              <a:rPr lang="zh-TW" altLang="en-US" dirty="0" smtClean="0"/>
+              <a:t>啊～是吧</a:t>
+            </a:r>
+            <a:endParaRPr lang="en-US" altLang="zh-TW" dirty="0"/>
+          </a:p>
+          <a:p>
+            <a:r>
+              <a:rPr lang="zh-TW" altLang="en-US" dirty="0" smtClean="0"/>
+              <a:t>程式碼如右：</a:t>
+            </a:r>
+            <a:endParaRPr lang="zh-TW" altLang="en-US" dirty="0"/>
           </a:p>
         </p:txBody>
       </p:sp>
       <p:pic>
         <p:nvPicPr>
-          <p:cNvPr id="5" name="圖片 4"/>
+          <p:cNvPr id="4" name="圖片 3"/>
           <p:cNvPicPr>
             <a:picLocks noChangeAspect="1"/>
           </p:cNvPicPr>
@@ -20286,8 +20768,8 @@
         </p:blipFill>
         <p:spPr>
           <a:xfrm>
-            <a:off x="770747" y="1343589"/>
-            <a:ext cx="8409842" cy="5238918"/>
+            <a:off x="2617543" y="4540016"/>
+            <a:ext cx="6403365" cy="1570637"/>
           </a:xfrm>
           <a:prstGeom prst="rect">
             <a:avLst/>
@@ -20297,7 +20779,7 @@
     </p:spTree>
     <p:extLst>
       <p:ext uri="{BB962C8B-B14F-4D97-AF65-F5344CB8AC3E}">
-        <p14:creationId xmlns:p14="http://schemas.microsoft.com/office/powerpoint/2010/main" val="3344206634"/>
+        <p14:creationId xmlns:p14="http://schemas.microsoft.com/office/powerpoint/2010/main" val="261137196"/>
       </p:ext>
     </p:extLst>
   </p:cSld>
@@ -20522,8 +21004,12 @@
           <a:lstStyle/>
           <a:p>
             <a:r>
-              <a:rPr lang="zh-TW" altLang="en-US" dirty="0" smtClean="0"/>
-              <a:t>回顧繼承二三事</a:t>
+              <a:rPr lang="en-US" altLang="zh-TW" dirty="0" smtClean="0"/>
+              <a:t>Manager class</a:t>
+            </a:r>
+            <a:r>
+              <a:rPr lang="zh-TW" altLang="en-US" dirty="0" smtClean="0"/>
+              <a:t>目前為止程式碼</a:t>
             </a:r>
             <a:endParaRPr lang="zh-TW" altLang="en-US" dirty="0"/>
           </a:p>
@@ -20544,6 +21030,102 @@
           <a:bodyPr/>
           <a:lstStyle/>
           <a:p>
+            <a:endParaRPr lang="zh-TW" altLang="en-US"/>
+          </a:p>
+        </p:txBody>
+      </p:sp>
+      <p:pic>
+        <p:nvPicPr>
+          <p:cNvPr id="5" name="圖片 4"/>
+          <p:cNvPicPr>
+            <a:picLocks noChangeAspect="1"/>
+          </p:cNvPicPr>
+          <p:nvPr/>
+        </p:nvPicPr>
+        <p:blipFill>
+          <a:blip r:embed="rId2"/>
+          <a:stretch>
+            <a:fillRect/>
+          </a:stretch>
+        </p:blipFill>
+        <p:spPr>
+          <a:xfrm>
+            <a:off x="770747" y="1343589"/>
+            <a:ext cx="8409842" cy="5238918"/>
+          </a:xfrm>
+          <a:prstGeom prst="rect">
+            <a:avLst/>
+          </a:prstGeom>
+        </p:spPr>
+      </p:pic>
+    </p:spTree>
+    <p:extLst>
+      <p:ext uri="{BB962C8B-B14F-4D97-AF65-F5344CB8AC3E}">
+        <p14:creationId xmlns:p14="http://schemas.microsoft.com/office/powerpoint/2010/main" val="3344206634"/>
+      </p:ext>
+    </p:extLst>
+  </p:cSld>
+  <p:clrMapOvr>
+    <a:masterClrMapping/>
+  </p:clrMapOvr>
+</p:sld>
+</file>
+
+<file path=ppt/slides/slide51.xml><?xml version="1.0" encoding="utf-8"?>
+<p:sld xmlns:a="http://schemas.openxmlformats.org/drawingml/2006/main" xmlns:r="http://schemas.openxmlformats.org/officeDocument/2006/relationships" xmlns:p="http://schemas.openxmlformats.org/presentationml/2006/main">
+  <p:cSld>
+    <p:spTree>
+      <p:nvGrpSpPr>
+        <p:cNvPr id="1" name=""/>
+        <p:cNvGrpSpPr/>
+        <p:nvPr/>
+      </p:nvGrpSpPr>
+      <p:grpSpPr>
+        <a:xfrm>
+          <a:off x="0" y="0"/>
+          <a:ext cx="0" cy="0"/>
+          <a:chOff x="0" y="0"/>
+          <a:chExt cx="0" cy="0"/>
+        </a:xfrm>
+      </p:grpSpPr>
+      <p:sp>
+        <p:nvSpPr>
+          <p:cNvPr id="2" name="標題 1"/>
+          <p:cNvSpPr>
+            <a:spLocks noGrp="1"/>
+          </p:cNvSpPr>
+          <p:nvPr>
+            <p:ph type="title"/>
+          </p:nvPr>
+        </p:nvSpPr>
+        <p:spPr/>
+        <p:txBody>
+          <a:bodyPr/>
+          <a:lstStyle/>
+          <a:p>
+            <a:r>
+              <a:rPr lang="zh-TW" altLang="en-US" dirty="0" smtClean="0"/>
+              <a:t>回顧繼承二三事</a:t>
+            </a:r>
+            <a:endParaRPr lang="zh-TW" altLang="en-US" dirty="0"/>
+          </a:p>
+        </p:txBody>
+      </p:sp>
+      <p:sp>
+        <p:nvSpPr>
+          <p:cNvPr id="3" name="內容版面配置區 2"/>
+          <p:cNvSpPr>
+            <a:spLocks noGrp="1"/>
+          </p:cNvSpPr>
+          <p:nvPr>
+            <p:ph idx="1"/>
+          </p:nvPr>
+        </p:nvSpPr>
+        <p:spPr/>
+        <p:txBody>
+          <a:bodyPr/>
+          <a:lstStyle/>
+          <a:p>
             <a:r>
               <a:rPr lang="zh-TW" altLang="en-US" dirty="0" smtClean="0"/>
               <a:t>繼承可以直接沿用父類別的所有屬性、方法。</a:t>
@@ -20725,7 +21307,7 @@
 </p:sld>
 </file>
 
-<file path=ppt/slides/slide51.xml><?xml version="1.0" encoding="utf-8"?>
+<file path=ppt/slides/slide52.xml><?xml version="1.0" encoding="utf-8"?>
 <p:sld xmlns:a="http://schemas.openxmlformats.org/drawingml/2006/main" xmlns:r="http://schemas.openxmlformats.org/officeDocument/2006/relationships" xmlns:p="http://schemas.openxmlformats.org/presentationml/2006/main">
   <p:cSld>
     <p:spTree>
@@ -20800,7 +21382,7 @@
 </p:sld>
 </file>
 
-<file path=ppt/slides/slide52.xml><?xml version="1.0" encoding="utf-8"?>
+<file path=ppt/slides/slide53.xml><?xml version="1.0" encoding="utf-8"?>
 <p:sld xmlns:a="http://schemas.openxmlformats.org/drawingml/2006/main" xmlns:r="http://schemas.openxmlformats.org/officeDocument/2006/relationships" xmlns:p="http://schemas.openxmlformats.org/presentationml/2006/main">
   <p:cSld>
     <p:spTree>
@@ -20920,7 +21502,6 @@
               <a:rPr lang="en-US" altLang="zh-TW" dirty="0" smtClean="0"/>
               <a:t>)</a:t>
             </a:r>
-            <a:endParaRPr lang="en-US" altLang="zh-TW" dirty="0" smtClean="0"/>
           </a:p>
           <a:p>
             <a:r>
@@ -21071,7 +21652,7 @@
 </p:sld>
 </file>
 
-<file path=ppt/slides/slide53.xml><?xml version="1.0" encoding="utf-8"?>
+<file path=ppt/slides/slide54.xml><?xml version="1.0" encoding="utf-8"?>
 <p:sld xmlns:a="http://schemas.openxmlformats.org/drawingml/2006/main" xmlns:r="http://schemas.openxmlformats.org/officeDocument/2006/relationships" xmlns:p="http://schemas.openxmlformats.org/presentationml/2006/main">
   <p:cSld>
     <p:spTree>
@@ -21155,7 +21736,7 @@
 </p:sld>
 </file>
 
-<file path=ppt/slides/slide54.xml><?xml version="1.0" encoding="utf-8"?>
+<file path=ppt/slides/slide55.xml><?xml version="1.0" encoding="utf-8"?>
 <p:sld xmlns:a="http://schemas.openxmlformats.org/drawingml/2006/main" xmlns:r="http://schemas.openxmlformats.org/officeDocument/2006/relationships" xmlns:p="http://schemas.openxmlformats.org/presentationml/2006/main">
   <p:cSld>
     <p:spTree>
@@ -21799,7 +22380,7 @@
 </p:sld>
 </file>
 
-<file path=ppt/slides/slide55.xml><?xml version="1.0" encoding="utf-8"?>
+<file path=ppt/slides/slide56.xml><?xml version="1.0" encoding="utf-8"?>
 <p:sld xmlns:a="http://schemas.openxmlformats.org/drawingml/2006/main" xmlns:r="http://schemas.openxmlformats.org/officeDocument/2006/relationships" xmlns:p="http://schemas.openxmlformats.org/presentationml/2006/main">
   <p:cSld>
     <p:spTree>
@@ -21883,7 +22464,7 @@
 </p:sld>
 </file>
 
-<file path=ppt/slides/slide56.xml><?xml version="1.0" encoding="utf-8"?>
+<file path=ppt/slides/slide57.xml><?xml version="1.0" encoding="utf-8"?>
 <p:sld xmlns:a="http://schemas.openxmlformats.org/drawingml/2006/main" xmlns:r="http://schemas.openxmlformats.org/officeDocument/2006/relationships" xmlns:p="http://schemas.openxmlformats.org/presentationml/2006/main">
   <p:cSld>
     <p:spTree>
@@ -22081,7 +22662,7 @@
 </p:sld>
 </file>
 
-<file path=ppt/slides/slide57.xml><?xml version="1.0" encoding="utf-8"?>
+<file path=ppt/slides/slide58.xml><?xml version="1.0" encoding="utf-8"?>
 <p:sld xmlns:a="http://schemas.openxmlformats.org/drawingml/2006/main" xmlns:r="http://schemas.openxmlformats.org/officeDocument/2006/relationships" xmlns:p="http://schemas.openxmlformats.org/presentationml/2006/main">
   <p:cSld>
     <p:spTree>
@@ -22500,9 +23081,6 @@
               <a:rPr lang="zh-TW" altLang="en-US" dirty="0" smtClean="0"/>
               <a:t>都包在一起，是一種很方便的做法。</a:t>
             </a:r>
-            <a:endParaRPr lang="en-US" altLang="zh-TW" dirty="0" smtClean="0"/>
-          </a:p>
-          <a:p>
             <a:endParaRPr lang="en-US" altLang="zh-TW" dirty="0"/>
           </a:p>
           <a:p>
@@ -22549,6 +23127,18 @@
             <a:r>
               <a:rPr lang="zh-TW" altLang="en-US" dirty="0" smtClean="0"/>
               <a:t>，都很清楚。</a:t>
+            </a:r>
+            <a:endParaRPr lang="en-US" altLang="zh-TW" dirty="0" smtClean="0"/>
+          </a:p>
+          <a:p>
+            <a:pPr lvl="1"/>
+            <a:r>
+              <a:rPr lang="zh-TW" altLang="en-US" dirty="0"/>
+              <a:t>所有資料都有人負責</a:t>
+            </a:r>
+            <a:r>
+              <a:rPr lang="zh-TW" altLang="en-US" dirty="0" smtClean="0"/>
+              <a:t>，文件都要蓋章的！所以都會對自己的資料小心謹慎。</a:t>
             </a:r>
             <a:endParaRPr lang="en-US" altLang="zh-TW" dirty="0" smtClean="0"/>
           </a:p>
@@ -23771,6 +24361,33 @@
           <a:p>
             <a:r>
               <a:rPr lang="zh-TW" altLang="en-US" dirty="0"/>
+              <a:t>前面描述</a:t>
+            </a:r>
+            <a:r>
+              <a:rPr lang="zh-TW" altLang="en-US" dirty="0" smtClean="0"/>
+              <a:t>的故事與運作方式很美好，</a:t>
+            </a:r>
+            <a:r>
+              <a:rPr lang="zh-TW" altLang="en-US" dirty="0"/>
+              <a:t>可是軟體程式如何達到前面描述呢？</a:t>
+            </a:r>
+            <a:endParaRPr lang="en-US" altLang="zh-TW" dirty="0"/>
+          </a:p>
+          <a:p>
+            <a:r>
+              <a:rPr lang="zh-TW" altLang="en-US" dirty="0"/>
+              <a:t>靠的</a:t>
+            </a:r>
+            <a:r>
+              <a:rPr lang="zh-TW" altLang="en-US" dirty="0" smtClean="0"/>
+              <a:t>就是下面所列：</a:t>
+            </a:r>
+            <a:endParaRPr lang="en-US" altLang="zh-TW" dirty="0" smtClean="0"/>
+          </a:p>
+          <a:p>
+            <a:pPr lvl="1"/>
+            <a:r>
+              <a:rPr lang="zh-TW" altLang="en-US" dirty="0" smtClean="0"/>
               <a:t>屬性</a:t>
             </a:r>
             <a:r>
@@ -23779,6 +24396,7 @@
             </a:r>
           </a:p>
           <a:p>
+            <a:pPr lvl="1"/>
             <a:r>
               <a:rPr lang="zh-TW" altLang="en-US" dirty="0"/>
               <a:t>方法</a:t>
@@ -23789,6 +24407,7 @@
             </a:r>
           </a:p>
           <a:p>
+            <a:pPr lvl="1"/>
             <a:r>
               <a:rPr lang="zh-TW" altLang="en-US" dirty="0"/>
               <a:t>事件</a:t>
@@ -23807,6 +24426,7 @@
             <a:endParaRPr lang="en-US" altLang="zh-TW" dirty="0" smtClean="0"/>
           </a:p>
           <a:p>
+            <a:pPr lvl="1"/>
             <a:r>
               <a:rPr lang="zh-TW" altLang="en-US" dirty="0" smtClean="0"/>
               <a:t>繼承</a:t>
@@ -23821,6 +24441,7 @@
             </a:r>
           </a:p>
           <a:p>
+            <a:pPr lvl="1"/>
             <a:r>
               <a:rPr lang="zh-TW" altLang="en-US" dirty="0" smtClean="0"/>
               <a:t>多形</a:t>
@@ -23843,6 +24464,7 @@
             </a:r>
           </a:p>
           <a:p>
+            <a:pPr lvl="1"/>
             <a:r>
               <a:rPr lang="zh-TW" altLang="en-US" dirty="0"/>
               <a:t>覆</a:t>

--- a/LCC/Java/10_物件導向程式設計.pptx
+++ b/LCC/Java/10_物件導向程式設計.pptx
@@ -63,6 +63,10 @@
     <p:sldId id="312" r:id="rId57"/>
     <p:sldId id="313" r:id="rId58"/>
     <p:sldId id="314" r:id="rId59"/>
+    <p:sldId id="318" r:id="rId60"/>
+    <p:sldId id="319" r:id="rId61"/>
+    <p:sldId id="320" r:id="rId62"/>
+    <p:sldId id="321" r:id="rId63"/>
   </p:sldIdLst>
   <p:sldSz cx="12192000" cy="6858000"/>
   <p:notesSz cx="6858000" cy="9144000"/>
@@ -20301,11 +20305,7 @@
             </a:r>
             <a:r>
               <a:rPr lang="zh-TW" altLang="en-US" dirty="0" smtClean="0"/>
-              <a:t>意思是家人可以用</a:t>
-            </a:r>
-            <a:r>
-              <a:rPr lang="zh-TW" altLang="en-US" dirty="0" smtClean="0"/>
-              <a:t>！</a:t>
+              <a:t>意思是家人可以用！</a:t>
             </a:r>
             <a:endParaRPr lang="en-US" altLang="zh-TW" dirty="0" smtClean="0"/>
           </a:p>
@@ -20448,11 +20448,7 @@
           <a:p>
             <a:r>
               <a:rPr lang="zh-TW" altLang="en-US" dirty="0" smtClean="0"/>
-              <a:t>補一下，下面的程式碼</a:t>
-            </a:r>
-            <a:r>
-              <a:rPr lang="zh-TW" altLang="en-US" dirty="0" smtClean="0"/>
-              <a:t>：</a:t>
+              <a:t>補一下，下面的程式碼：</a:t>
             </a:r>
             <a:endParaRPr lang="en-US" altLang="zh-TW" dirty="0" smtClean="0"/>
           </a:p>
@@ -22889,6 +22885,102 @@
 </p:sld>
 </file>
 
+<file path=ppt/slides/slide59.xml><?xml version="1.0" encoding="utf-8"?>
+<p:sld xmlns:a="http://schemas.openxmlformats.org/drawingml/2006/main" xmlns:r="http://schemas.openxmlformats.org/officeDocument/2006/relationships" xmlns:p="http://schemas.openxmlformats.org/presentationml/2006/main">
+  <p:cSld>
+    <p:spTree>
+      <p:nvGrpSpPr>
+        <p:cNvPr id="1" name=""/>
+        <p:cNvGrpSpPr/>
+        <p:nvPr/>
+      </p:nvGrpSpPr>
+      <p:grpSpPr>
+        <a:xfrm>
+          <a:off x="0" y="0"/>
+          <a:ext cx="0" cy="0"/>
+          <a:chOff x="0" y="0"/>
+          <a:chExt cx="0" cy="0"/>
+        </a:xfrm>
+      </p:grpSpPr>
+      <p:sp>
+        <p:nvSpPr>
+          <p:cNvPr id="4" name="標題 3"/>
+          <p:cNvSpPr>
+            <a:spLocks noGrp="1"/>
+          </p:cNvSpPr>
+          <p:nvPr>
+            <p:ph type="title"/>
+          </p:nvPr>
+        </p:nvSpPr>
+        <p:spPr/>
+        <p:txBody>
+          <a:bodyPr/>
+          <a:lstStyle/>
+          <a:p>
+            <a:r>
+              <a:rPr lang="zh-TW" altLang="en-US" dirty="0" smtClean="0"/>
+              <a:t>是一個</a:t>
+            </a:r>
+            <a:r>
+              <a:rPr lang="en-US" altLang="zh-TW" dirty="0" smtClean="0"/>
+              <a:t>XX</a:t>
+            </a:r>
+            <a:r>
+              <a:rPr lang="zh-TW" altLang="en-US" dirty="0" smtClean="0"/>
+              <a:t>東西 </a:t>
+            </a:r>
+            <a:r>
+              <a:rPr lang="en-US" altLang="zh-TW" dirty="0" smtClean="0"/>
+              <a:t>vs. </a:t>
+            </a:r>
+            <a:r>
+              <a:rPr lang="zh-TW" altLang="en-US" dirty="0" smtClean="0"/>
+              <a:t>有一個</a:t>
+            </a:r>
+            <a:r>
+              <a:rPr lang="en-US" altLang="zh-TW" dirty="0" smtClean="0"/>
+              <a:t>XX</a:t>
+            </a:r>
+            <a:r>
+              <a:rPr lang="zh-TW" altLang="en-US" dirty="0" smtClean="0"/>
+              <a:t>東西</a:t>
+            </a:r>
+            <a:endParaRPr lang="zh-TW" altLang="en-US" dirty="0"/>
+          </a:p>
+        </p:txBody>
+      </p:sp>
+      <p:sp>
+        <p:nvSpPr>
+          <p:cNvPr id="5" name="文字版面配置區 4"/>
+          <p:cNvSpPr>
+            <a:spLocks noGrp="1"/>
+          </p:cNvSpPr>
+          <p:nvPr>
+            <p:ph type="body" idx="1"/>
+          </p:nvPr>
+        </p:nvSpPr>
+        <p:spPr/>
+        <p:txBody>
+          <a:bodyPr/>
+          <a:lstStyle/>
+          <a:p>
+            <a:endParaRPr lang="zh-TW" altLang="en-US"/>
+          </a:p>
+        </p:txBody>
+      </p:sp>
+    </p:spTree>
+    <p:extLst>
+      <p:ext uri="{BB962C8B-B14F-4D97-AF65-F5344CB8AC3E}">
+        <p14:creationId xmlns:p14="http://schemas.microsoft.com/office/powerpoint/2010/main" val="1421674612"/>
+      </p:ext>
+    </p:extLst>
+  </p:cSld>
+  <p:clrMapOvr>
+    <a:masterClrMapping/>
+  </p:clrMapOvr>
+</p:sld>
+</file>
+
 <file path=ppt/slides/slide6.xml><?xml version="1.0" encoding="utf-8"?>
 <p:sld xmlns:a="http://schemas.openxmlformats.org/drawingml/2006/main" xmlns:r="http://schemas.openxmlformats.org/officeDocument/2006/relationships" xmlns:p="http://schemas.openxmlformats.org/presentationml/2006/main">
   <p:cSld>
@@ -23164,6 +23256,642 @@
       </p:par>
     </p:tnLst>
   </p:timing>
+</p:sld>
+</file>
+
+<file path=ppt/slides/slide60.xml><?xml version="1.0" encoding="utf-8"?>
+<p:sld xmlns:a="http://schemas.openxmlformats.org/drawingml/2006/main" xmlns:r="http://schemas.openxmlformats.org/officeDocument/2006/relationships" xmlns:p="http://schemas.openxmlformats.org/presentationml/2006/main">
+  <p:cSld>
+    <p:spTree>
+      <p:nvGrpSpPr>
+        <p:cNvPr id="1" name=""/>
+        <p:cNvGrpSpPr/>
+        <p:nvPr/>
+      </p:nvGrpSpPr>
+      <p:grpSpPr>
+        <a:xfrm>
+          <a:off x="0" y="0"/>
+          <a:ext cx="0" cy="0"/>
+          <a:chOff x="0" y="0"/>
+          <a:chExt cx="0" cy="0"/>
+        </a:xfrm>
+      </p:grpSpPr>
+      <p:sp>
+        <p:nvSpPr>
+          <p:cNvPr id="4" name="標題 3"/>
+          <p:cNvSpPr>
+            <a:spLocks noGrp="1"/>
+          </p:cNvSpPr>
+          <p:nvPr>
+            <p:ph type="title"/>
+          </p:nvPr>
+        </p:nvSpPr>
+        <p:spPr/>
+        <p:txBody>
+          <a:bodyPr/>
+          <a:lstStyle/>
+          <a:p>
+            <a:r>
+              <a:rPr lang="zh-TW" altLang="en-US" dirty="0" smtClean="0"/>
+              <a:t>是一個</a:t>
+            </a:r>
+            <a:r>
+              <a:rPr lang="en-US" altLang="zh-TW" dirty="0" smtClean="0"/>
+              <a:t>XX</a:t>
+            </a:r>
+            <a:r>
+              <a:rPr lang="zh-TW" altLang="en-US" dirty="0" smtClean="0"/>
+              <a:t>東西</a:t>
+            </a:r>
+            <a:endParaRPr lang="zh-TW" altLang="en-US" dirty="0"/>
+          </a:p>
+        </p:txBody>
+      </p:sp>
+      <p:sp>
+        <p:nvSpPr>
+          <p:cNvPr id="5" name="內容版面配置區 4"/>
+          <p:cNvSpPr>
+            <a:spLocks noGrp="1"/>
+          </p:cNvSpPr>
+          <p:nvPr>
+            <p:ph idx="1"/>
+          </p:nvPr>
+        </p:nvSpPr>
+        <p:spPr/>
+        <p:txBody>
+          <a:bodyPr/>
+          <a:lstStyle/>
+          <a:p>
+            <a:r>
+              <a:rPr lang="zh-TW" altLang="en-US" dirty="0" smtClean="0"/>
+              <a:t>是一個</a:t>
+            </a:r>
+            <a:r>
+              <a:rPr lang="en-US" altLang="zh-TW" dirty="0" smtClean="0"/>
+              <a:t>XX</a:t>
+            </a:r>
+            <a:r>
+              <a:rPr lang="zh-TW" altLang="en-US" dirty="0" smtClean="0"/>
+              <a:t>東西通常就是繼承關係。</a:t>
+            </a:r>
+            <a:endParaRPr lang="en-US" altLang="zh-TW" dirty="0" smtClean="0"/>
+          </a:p>
+          <a:p>
+            <a:r>
+              <a:rPr lang="zh-TW" altLang="en-US" dirty="0"/>
+              <a:t>例如：</a:t>
+            </a:r>
+            <a:r>
+              <a:rPr lang="zh-TW" altLang="en-US" dirty="0" smtClean="0"/>
+              <a:t>貓、狗、獅、虎都</a:t>
+            </a:r>
+            <a:r>
+              <a:rPr lang="zh-TW" altLang="en-US" b="1" dirty="0" smtClean="0">
+                <a:solidFill>
+                  <a:srgbClr val="FF0000"/>
+                </a:solidFill>
+              </a:rPr>
+              <a:t>是動物</a:t>
+            </a:r>
+            <a:r>
+              <a:rPr lang="zh-TW" altLang="en-US" dirty="0" smtClean="0">
+                <a:solidFill>
+                  <a:schemeClr val="tx1"/>
+                </a:solidFill>
+              </a:rPr>
+              <a:t>，所以類別設計上就是有一個父類別叫做</a:t>
+            </a:r>
+            <a:r>
+              <a:rPr lang="zh-TW" altLang="en-US" b="1" dirty="0" smtClean="0">
+                <a:solidFill>
+                  <a:srgbClr val="0070C0"/>
+                </a:solidFill>
+              </a:rPr>
+              <a:t>動物</a:t>
+            </a:r>
+            <a:r>
+              <a:rPr lang="zh-TW" altLang="en-US" dirty="0" smtClean="0">
+                <a:solidFill>
+                  <a:schemeClr val="tx1"/>
+                </a:solidFill>
+              </a:rPr>
+              <a:t>，然後所有的</a:t>
+            </a:r>
+            <a:r>
+              <a:rPr lang="zh-TW" altLang="en-US" dirty="0"/>
+              <a:t>貓、狗、獅、</a:t>
+            </a:r>
+            <a:r>
+              <a:rPr lang="zh-TW" altLang="en-US" dirty="0" smtClean="0"/>
+              <a:t>虎都</a:t>
+            </a:r>
+            <a:r>
+              <a:rPr lang="zh-TW" altLang="en-US" b="1" dirty="0" smtClean="0">
+                <a:solidFill>
+                  <a:srgbClr val="7030A0"/>
+                </a:solidFill>
+              </a:rPr>
+              <a:t>繼承</a:t>
+            </a:r>
+            <a:r>
+              <a:rPr lang="zh-TW" altLang="en-US" dirty="0" smtClean="0"/>
+              <a:t>了動物這個類別。</a:t>
+            </a:r>
+            <a:endParaRPr lang="en-US" altLang="zh-TW" dirty="0" smtClean="0"/>
+          </a:p>
+          <a:p>
+            <a:r>
+              <a:rPr lang="zh-TW" altLang="en-US" dirty="0" smtClean="0">
+                <a:solidFill>
+                  <a:schemeClr val="tx1"/>
+                </a:solidFill>
+              </a:rPr>
+              <a:t>例如：汽車、機車、飛機、船都</a:t>
+            </a:r>
+            <a:r>
+              <a:rPr lang="zh-TW" altLang="en-US" b="1" dirty="0" smtClean="0">
+                <a:solidFill>
+                  <a:srgbClr val="FF0000"/>
+                </a:solidFill>
+              </a:rPr>
+              <a:t>是交通工具</a:t>
+            </a:r>
+            <a:r>
+              <a:rPr lang="zh-TW" altLang="en-US" dirty="0" smtClean="0">
+                <a:solidFill>
+                  <a:schemeClr val="tx1"/>
+                </a:solidFill>
+              </a:rPr>
+              <a:t>，所以設計類別就是有父類別</a:t>
+            </a:r>
+            <a:r>
+              <a:rPr lang="zh-TW" altLang="en-US" b="1" dirty="0" smtClean="0">
+                <a:solidFill>
+                  <a:srgbClr val="0070C0"/>
+                </a:solidFill>
+              </a:rPr>
+              <a:t>交通工具</a:t>
+            </a:r>
+            <a:r>
+              <a:rPr lang="zh-TW" altLang="en-US" dirty="0" smtClean="0">
+                <a:solidFill>
+                  <a:schemeClr val="tx1"/>
+                </a:solidFill>
+              </a:rPr>
+              <a:t>。然後</a:t>
+            </a:r>
+            <a:r>
+              <a:rPr lang="zh-TW" altLang="en-US" dirty="0">
+                <a:solidFill>
+                  <a:schemeClr val="tx1"/>
+                </a:solidFill>
+              </a:rPr>
+              <a:t>汽車、機車、飛機、</a:t>
+            </a:r>
+            <a:r>
+              <a:rPr lang="zh-TW" altLang="en-US" dirty="0" smtClean="0">
+                <a:solidFill>
+                  <a:schemeClr val="tx1"/>
+                </a:solidFill>
+              </a:rPr>
+              <a:t>船</a:t>
+            </a:r>
+            <a:r>
+              <a:rPr lang="zh-TW" altLang="en-US" dirty="0"/>
+              <a:t>都</a:t>
+            </a:r>
+            <a:r>
+              <a:rPr lang="zh-TW" altLang="en-US" b="1" dirty="0">
+                <a:solidFill>
+                  <a:srgbClr val="7030A0"/>
+                </a:solidFill>
+              </a:rPr>
+              <a:t>繼承</a:t>
+            </a:r>
+            <a:r>
+              <a:rPr lang="zh-TW" altLang="en-US" dirty="0" smtClean="0"/>
+              <a:t>了交通工具這個</a:t>
+            </a:r>
+            <a:r>
+              <a:rPr lang="zh-TW" altLang="en-US" dirty="0"/>
+              <a:t>類別</a:t>
+            </a:r>
+            <a:r>
+              <a:rPr lang="zh-TW" altLang="en-US" dirty="0" smtClean="0"/>
+              <a:t>。</a:t>
+            </a:r>
+            <a:endParaRPr lang="en-US" altLang="zh-TW" dirty="0" smtClean="0"/>
+          </a:p>
+          <a:p>
+            <a:pPr lvl="1"/>
+            <a:r>
+              <a:rPr lang="zh-TW" altLang="en-US" dirty="0"/>
+              <a:t>當然要是再仔細一點</a:t>
+            </a:r>
+            <a:r>
+              <a:rPr lang="zh-TW" altLang="en-US" dirty="0" smtClean="0"/>
+              <a:t>，中間可以再加一層</a:t>
+            </a:r>
+            <a:r>
+              <a:rPr lang="zh-TW" altLang="en-US" b="1" dirty="0" smtClean="0"/>
+              <a:t>陸上交通工具</a:t>
+            </a:r>
+            <a:r>
+              <a:rPr lang="zh-TW" altLang="en-US" dirty="0" smtClean="0"/>
+              <a:t>、</a:t>
+            </a:r>
+            <a:r>
+              <a:rPr lang="zh-TW" altLang="en-US" b="1" dirty="0" smtClean="0"/>
+              <a:t>海上交通工具</a:t>
+            </a:r>
+            <a:r>
+              <a:rPr lang="zh-TW" altLang="en-US" dirty="0" smtClean="0"/>
+              <a:t>、</a:t>
+            </a:r>
+            <a:r>
+              <a:rPr lang="zh-TW" altLang="en-US" b="1" dirty="0"/>
+              <a:t>空中</a:t>
+            </a:r>
+            <a:r>
+              <a:rPr lang="zh-TW" altLang="en-US" b="1" dirty="0" smtClean="0"/>
+              <a:t>交通工具</a:t>
+            </a:r>
+            <a:r>
+              <a:rPr lang="zh-TW" altLang="en-US" dirty="0" smtClean="0"/>
+              <a:t>。變成三層的 </a:t>
+            </a:r>
+            <a:r>
+              <a:rPr lang="zh-TW" altLang="en-US" b="1" dirty="0" smtClean="0"/>
+              <a:t>祖</a:t>
+            </a:r>
+            <a:r>
+              <a:rPr lang="en-US" altLang="zh-TW" b="1" dirty="0" smtClean="0"/>
+              <a:t>-</a:t>
+            </a:r>
+            <a:r>
+              <a:rPr lang="zh-TW" altLang="en-US" b="1" dirty="0" smtClean="0"/>
+              <a:t>父</a:t>
+            </a:r>
+            <a:r>
+              <a:rPr lang="en-US" altLang="zh-TW" b="1" dirty="0" smtClean="0"/>
+              <a:t>-</a:t>
+            </a:r>
+            <a:r>
+              <a:rPr lang="zh-TW" altLang="en-US" b="1" dirty="0" smtClean="0"/>
+              <a:t>子</a:t>
+            </a:r>
+            <a:r>
+              <a:rPr lang="zh-TW" altLang="en-US" dirty="0" smtClean="0"/>
+              <a:t> 關係</a:t>
+            </a:r>
+            <a:endParaRPr lang="en-US" altLang="zh-TW" dirty="0"/>
+          </a:p>
+          <a:p>
+            <a:endParaRPr lang="zh-TW" altLang="en-US" dirty="0">
+              <a:solidFill>
+                <a:schemeClr val="tx1"/>
+              </a:solidFill>
+            </a:endParaRPr>
+          </a:p>
+        </p:txBody>
+      </p:sp>
+    </p:spTree>
+    <p:extLst>
+      <p:ext uri="{BB962C8B-B14F-4D97-AF65-F5344CB8AC3E}">
+        <p14:creationId xmlns:p14="http://schemas.microsoft.com/office/powerpoint/2010/main" val="1096093732"/>
+      </p:ext>
+    </p:extLst>
+  </p:cSld>
+  <p:clrMapOvr>
+    <a:masterClrMapping/>
+  </p:clrMapOvr>
+</p:sld>
+</file>
+
+<file path=ppt/slides/slide61.xml><?xml version="1.0" encoding="utf-8"?>
+<p:sld xmlns:a="http://schemas.openxmlformats.org/drawingml/2006/main" xmlns:r="http://schemas.openxmlformats.org/officeDocument/2006/relationships" xmlns:p="http://schemas.openxmlformats.org/presentationml/2006/main">
+  <p:cSld>
+    <p:spTree>
+      <p:nvGrpSpPr>
+        <p:cNvPr id="1" name=""/>
+        <p:cNvGrpSpPr/>
+        <p:nvPr/>
+      </p:nvGrpSpPr>
+      <p:grpSpPr>
+        <a:xfrm>
+          <a:off x="0" y="0"/>
+          <a:ext cx="0" cy="0"/>
+          <a:chOff x="0" y="0"/>
+          <a:chExt cx="0" cy="0"/>
+        </a:xfrm>
+      </p:grpSpPr>
+      <p:sp>
+        <p:nvSpPr>
+          <p:cNvPr id="2" name="標題 1"/>
+          <p:cNvSpPr>
+            <a:spLocks noGrp="1"/>
+          </p:cNvSpPr>
+          <p:nvPr>
+            <p:ph type="title"/>
+          </p:nvPr>
+        </p:nvSpPr>
+        <p:spPr/>
+        <p:txBody>
+          <a:bodyPr/>
+          <a:lstStyle/>
+          <a:p>
+            <a:r>
+              <a:rPr lang="zh-TW" altLang="en-US" dirty="0" smtClean="0"/>
+              <a:t>有一個</a:t>
+            </a:r>
+            <a:r>
+              <a:rPr lang="en-US" altLang="zh-TW" dirty="0" smtClean="0"/>
+              <a:t>XX</a:t>
+            </a:r>
+            <a:r>
+              <a:rPr lang="zh-TW" altLang="en-US" dirty="0" smtClean="0"/>
+              <a:t>東西</a:t>
+            </a:r>
+            <a:endParaRPr lang="zh-TW" altLang="en-US" dirty="0"/>
+          </a:p>
+        </p:txBody>
+      </p:sp>
+      <p:sp>
+        <p:nvSpPr>
+          <p:cNvPr id="3" name="內容版面配置區 2"/>
+          <p:cNvSpPr>
+            <a:spLocks noGrp="1"/>
+          </p:cNvSpPr>
+          <p:nvPr>
+            <p:ph idx="1"/>
+          </p:nvPr>
+        </p:nvSpPr>
+        <p:spPr/>
+        <p:txBody>
+          <a:bodyPr/>
+          <a:lstStyle/>
+          <a:p>
+            <a:r>
+              <a:rPr lang="zh-TW" altLang="en-US" dirty="0"/>
+              <a:t>有一個</a:t>
+            </a:r>
+            <a:r>
+              <a:rPr lang="en-US" altLang="zh-TW" dirty="0"/>
+              <a:t>XX</a:t>
+            </a:r>
+            <a:r>
+              <a:rPr lang="zh-TW" altLang="en-US" dirty="0" smtClean="0"/>
+              <a:t>東西</a:t>
+            </a:r>
+            <a:r>
+              <a:rPr lang="zh-TW" altLang="en-US" b="1" dirty="0" smtClean="0"/>
+              <a:t>不是繼承</a:t>
+            </a:r>
+            <a:r>
+              <a:rPr lang="zh-TW" altLang="en-US" dirty="0" smtClean="0"/>
+              <a:t>，而是</a:t>
+            </a:r>
+            <a:r>
+              <a:rPr lang="zh-TW" altLang="en-US" b="1" dirty="0" smtClean="0">
+                <a:solidFill>
+                  <a:srgbClr val="FF0000"/>
+                </a:solidFill>
+              </a:rPr>
+              <a:t>組成</a:t>
+            </a:r>
+            <a:r>
+              <a:rPr lang="zh-TW" altLang="en-US" dirty="0" smtClean="0"/>
+              <a:t>。</a:t>
+            </a:r>
+            <a:r>
+              <a:rPr lang="en-US" altLang="zh-TW" dirty="0"/>
+              <a:t>(aggregation</a:t>
+            </a:r>
+            <a:r>
+              <a:rPr lang="en-US" altLang="zh-TW" dirty="0" smtClean="0"/>
+              <a:t>)</a:t>
+            </a:r>
+          </a:p>
+          <a:p>
+            <a:r>
+              <a:rPr lang="zh-TW" altLang="en-US" dirty="0" smtClean="0"/>
+              <a:t>例如：一台汽車</a:t>
+            </a:r>
+            <a:r>
+              <a:rPr lang="zh-TW" altLang="en-US" b="1" u="sng" dirty="0" smtClean="0"/>
+              <a:t>有</a:t>
+            </a:r>
+            <a:r>
+              <a:rPr lang="zh-TW" altLang="en-US" b="1" dirty="0" smtClean="0"/>
+              <a:t>車殼、輪子、引擎、車燈</a:t>
+            </a:r>
+            <a:r>
+              <a:rPr lang="zh-TW" altLang="en-US" dirty="0" smtClean="0"/>
+              <a:t>、</a:t>
+            </a:r>
+            <a:r>
+              <a:rPr lang="en-US" altLang="zh-TW" dirty="0" smtClean="0"/>
+              <a:t>…….</a:t>
+            </a:r>
+          </a:p>
+          <a:p>
+            <a:pPr lvl="1"/>
+            <a:r>
+              <a:rPr lang="zh-TW" altLang="en-US" dirty="0"/>
+              <a:t>所以汽車是</a:t>
+            </a:r>
+            <a:r>
+              <a:rPr lang="zh-TW" altLang="en-US" dirty="0" smtClean="0"/>
+              <a:t>由那些物件所</a:t>
+            </a:r>
+            <a:r>
+              <a:rPr lang="zh-TW" altLang="en-US" b="1" dirty="0" smtClean="0"/>
+              <a:t>組成</a:t>
+            </a:r>
+            <a:r>
+              <a:rPr lang="zh-TW" altLang="en-US" dirty="0" smtClean="0"/>
+              <a:t>，</a:t>
+            </a:r>
+            <a:r>
+              <a:rPr lang="zh-TW" altLang="en-US" b="1" dirty="0" smtClean="0"/>
+              <a:t>不是繼承</a:t>
+            </a:r>
+            <a:r>
+              <a:rPr lang="zh-TW" altLang="en-US" dirty="0" smtClean="0"/>
+              <a:t>。</a:t>
+            </a:r>
+            <a:endParaRPr lang="en-US" altLang="zh-TW" dirty="0" smtClean="0"/>
+          </a:p>
+          <a:p>
+            <a:pPr lvl="1"/>
+            <a:endParaRPr lang="en-US" altLang="zh-TW" dirty="0"/>
+          </a:p>
+          <a:p>
+            <a:r>
+              <a:rPr lang="zh-TW" altLang="en-US" dirty="0" smtClean="0"/>
+              <a:t>在物件導向世界裡，組成的重要性不下於繼承。</a:t>
+            </a:r>
+            <a:endParaRPr lang="en-US" altLang="zh-TW" dirty="0" smtClean="0"/>
+          </a:p>
+          <a:p>
+            <a:r>
+              <a:rPr lang="zh-TW" altLang="en-US" dirty="0" smtClean="0"/>
+              <a:t>適當的規劃</a:t>
+            </a:r>
+            <a:r>
+              <a:rPr lang="zh-TW" altLang="en-US" dirty="0"/>
+              <a:t>組成的物件</a:t>
+            </a:r>
+            <a:r>
+              <a:rPr lang="zh-TW" altLang="en-US" dirty="0" smtClean="0"/>
+              <a:t>，開發類組成元件的類別至關重要！</a:t>
+            </a:r>
+            <a:endParaRPr lang="en-US" altLang="zh-TW" dirty="0" smtClean="0"/>
+          </a:p>
+          <a:p>
+            <a:r>
+              <a:rPr lang="zh-TW" altLang="en-US" dirty="0"/>
+              <a:t>規劃得好</a:t>
+            </a:r>
+            <a:r>
+              <a:rPr lang="zh-TW" altLang="en-US" dirty="0" smtClean="0"/>
+              <a:t>，個個元件的</a:t>
+            </a:r>
+            <a:r>
+              <a:rPr lang="zh-TW" altLang="en-US" b="1" dirty="0" smtClean="0">
+                <a:solidFill>
+                  <a:srgbClr val="FF0000"/>
+                </a:solidFill>
+              </a:rPr>
+              <a:t>可再使用性</a:t>
+            </a:r>
+            <a:r>
+              <a:rPr lang="zh-TW" altLang="en-US" dirty="0" smtClean="0"/>
+              <a:t>會很高。跟實體世界一樣，螺絲釘、引擎是不是一直重複在不同車子上出現。</a:t>
+            </a:r>
+            <a:endParaRPr lang="en-US" altLang="zh-TW" dirty="0" smtClean="0"/>
+          </a:p>
+          <a:p>
+            <a:r>
+              <a:rPr lang="zh-TW" altLang="en-US" dirty="0"/>
+              <a:t>這邊強調的是</a:t>
+            </a:r>
+            <a:r>
+              <a:rPr lang="zh-TW" altLang="en-US" dirty="0" smtClean="0"/>
+              <a:t>，不是把所有東西包進一個物件就好，而是適當拆解成較小物件，重複適用的機率會提高，萬一程式出錯影響範圍也最小。</a:t>
+            </a:r>
+            <a:endParaRPr lang="zh-TW" altLang="en-US" dirty="0"/>
+          </a:p>
+        </p:txBody>
+      </p:sp>
+    </p:spTree>
+    <p:extLst>
+      <p:ext uri="{BB962C8B-B14F-4D97-AF65-F5344CB8AC3E}">
+        <p14:creationId xmlns:p14="http://schemas.microsoft.com/office/powerpoint/2010/main" val="515302315"/>
+      </p:ext>
+    </p:extLst>
+  </p:cSld>
+  <p:clrMapOvr>
+    <a:masterClrMapping/>
+  </p:clrMapOvr>
+</p:sld>
+</file>
+
+<file path=ppt/slides/slide62.xml><?xml version="1.0" encoding="utf-8"?>
+<p:sld xmlns:a="http://schemas.openxmlformats.org/drawingml/2006/main" xmlns:r="http://schemas.openxmlformats.org/officeDocument/2006/relationships" xmlns:p="http://schemas.openxmlformats.org/presentationml/2006/main">
+  <p:cSld>
+    <p:spTree>
+      <p:nvGrpSpPr>
+        <p:cNvPr id="1" name=""/>
+        <p:cNvGrpSpPr/>
+        <p:nvPr/>
+      </p:nvGrpSpPr>
+      <p:grpSpPr>
+        <a:xfrm>
+          <a:off x="0" y="0"/>
+          <a:ext cx="0" cy="0"/>
+          <a:chOff x="0" y="0"/>
+          <a:chExt cx="0" cy="0"/>
+        </a:xfrm>
+      </p:grpSpPr>
+      <p:sp>
+        <p:nvSpPr>
+          <p:cNvPr id="4" name="標題 3"/>
+          <p:cNvSpPr>
+            <a:spLocks noGrp="1"/>
+          </p:cNvSpPr>
+          <p:nvPr>
+            <p:ph type="ctrTitle"/>
+          </p:nvPr>
+        </p:nvSpPr>
+        <p:spPr/>
+        <p:txBody>
+          <a:bodyPr/>
+          <a:lstStyle/>
+          <a:p>
+            <a:r>
+              <a:rPr lang="en-US" altLang="zh-TW" dirty="0" smtClean="0"/>
+              <a:t>Final………</a:t>
+            </a:r>
+            <a:br>
+              <a:rPr lang="en-US" altLang="zh-TW" dirty="0" smtClean="0"/>
+            </a:br>
+            <a:r>
+              <a:rPr lang="zh-TW" altLang="en-US" dirty="0" smtClean="0"/>
+              <a:t>有沒有鬆一口氣了</a:t>
+            </a:r>
+            <a:endParaRPr lang="zh-TW" altLang="en-US" dirty="0"/>
+          </a:p>
+        </p:txBody>
+      </p:sp>
+      <p:sp>
+        <p:nvSpPr>
+          <p:cNvPr id="5" name="副標題 4"/>
+          <p:cNvSpPr>
+            <a:spLocks noGrp="1"/>
+          </p:cNvSpPr>
+          <p:nvPr>
+            <p:ph type="subTitle" idx="1"/>
+          </p:nvPr>
+        </p:nvSpPr>
+        <p:spPr/>
+        <p:txBody>
+          <a:bodyPr/>
+          <a:lstStyle/>
+          <a:p>
+            <a:r>
+              <a:rPr lang="zh-TW" altLang="en-US" dirty="0" smtClean="0"/>
+              <a:t>其實這只是物件導向的入門，後面的學問還很深，</a:t>
+            </a:r>
+            <a:endParaRPr lang="en-US" altLang="zh-TW" dirty="0" smtClean="0"/>
+          </a:p>
+          <a:p>
+            <a:r>
+              <a:rPr lang="zh-TW" altLang="en-US"/>
+              <a:t>需要各位同學自己</a:t>
+            </a:r>
+            <a:r>
+              <a:rPr lang="zh-TW" altLang="en-US"/>
+              <a:t>再</a:t>
+            </a:r>
+            <a:r>
+              <a:rPr lang="zh-TW" altLang="en-US" smtClean="0"/>
+              <a:t>努力了！</a:t>
+            </a:r>
+            <a:endParaRPr lang="zh-TW" altLang="en-US"/>
+          </a:p>
+        </p:txBody>
+      </p:sp>
+    </p:spTree>
+    <p:extLst>
+      <p:ext uri="{BB962C8B-B14F-4D97-AF65-F5344CB8AC3E}">
+        <p14:creationId xmlns:p14="http://schemas.microsoft.com/office/powerpoint/2010/main" val="3504739553"/>
+      </p:ext>
+    </p:extLst>
+  </p:cSld>
+  <p:clrMapOvr>
+    <a:masterClrMapping/>
+  </p:clrMapOvr>
 </p:sld>
 </file>
 

--- a/LCC/Java/10_物件導向程式設計.pptx
+++ b/LCC/Java/10_物件導向程式設計.pptx
@@ -907,7 +907,7 @@
             <a:fld id="{B61BEF0D-F0BB-DE4B-95CE-6DB70DBA9567}" type="datetimeFigureOut">
               <a:rPr lang="en-US" dirty="0"/>
               <a:pPr/>
-              <a:t>11/5/2021</a:t>
+              <a:t>11/6/2021</a:t>
             </a:fld>
             <a:endParaRPr lang="en-US" dirty="0"/>
           </a:p>
@@ -1155,7 +1155,7 @@
             <a:fld id="{B61BEF0D-F0BB-DE4B-95CE-6DB70DBA9567}" type="datetimeFigureOut">
               <a:rPr lang="en-US" dirty="0"/>
               <a:pPr/>
-              <a:t>11/5/2021</a:t>
+              <a:t>11/6/2021</a:t>
             </a:fld>
             <a:endParaRPr lang="en-US" dirty="0"/>
           </a:p>
@@ -1466,7 +1466,7 @@
             <a:fld id="{B61BEF0D-F0BB-DE4B-95CE-6DB70DBA9567}" type="datetimeFigureOut">
               <a:rPr lang="en-US" dirty="0"/>
               <a:pPr/>
-              <a:t>11/5/2021</a:t>
+              <a:t>11/6/2021</a:t>
             </a:fld>
             <a:endParaRPr lang="en-US" dirty="0"/>
           </a:p>
@@ -1804,7 +1804,7 @@
             <a:fld id="{B61BEF0D-F0BB-DE4B-95CE-6DB70DBA9567}" type="datetimeFigureOut">
               <a:rPr lang="en-US" dirty="0"/>
               <a:pPr/>
-              <a:t>11/5/2021</a:t>
+              <a:t>11/6/2021</a:t>
             </a:fld>
             <a:endParaRPr lang="en-US" dirty="0"/>
           </a:p>
@@ -2115,7 +2115,7 @@
             <a:fld id="{B61BEF0D-F0BB-DE4B-95CE-6DB70DBA9567}" type="datetimeFigureOut">
               <a:rPr lang="en-US" dirty="0"/>
               <a:pPr/>
-              <a:t>11/5/2021</a:t>
+              <a:t>11/6/2021</a:t>
             </a:fld>
             <a:endParaRPr lang="en-US" dirty="0"/>
           </a:p>
@@ -2505,7 +2505,7 @@
             <a:fld id="{B61BEF0D-F0BB-DE4B-95CE-6DB70DBA9567}" type="datetimeFigureOut">
               <a:rPr lang="en-US" dirty="0"/>
               <a:pPr/>
-              <a:t>11/5/2021</a:t>
+              <a:t>11/6/2021</a:t>
             </a:fld>
             <a:endParaRPr lang="en-US" dirty="0"/>
           </a:p>
@@ -2671,7 +2671,7 @@
           <a:p>
             <a:fld id="{55C6B4A9-1611-4792-9094-5F34BCA07E0B}" type="datetimeFigureOut">
               <a:rPr lang="en-US" dirty="0"/>
-              <a:t>11/5/2021</a:t>
+              <a:t>11/6/2021</a:t>
             </a:fld>
             <a:endParaRPr lang="en-US" dirty="0"/>
           </a:p>
@@ -2847,7 +2847,7 @@
             <a:fld id="{B61BEF0D-F0BB-DE4B-95CE-6DB70DBA9567}" type="datetimeFigureOut">
               <a:rPr lang="en-US" dirty="0"/>
               <a:pPr/>
-              <a:t>11/5/2021</a:t>
+              <a:t>11/6/2021</a:t>
             </a:fld>
             <a:endParaRPr lang="en-US" dirty="0"/>
           </a:p>
@@ -3044,7 +3044,7 @@
             <a:fld id="{B61BEF0D-F0BB-DE4B-95CE-6DB70DBA9567}" type="datetimeFigureOut">
               <a:rPr lang="en-US" dirty="0"/>
               <a:pPr/>
-              <a:t>11/5/2021</a:t>
+              <a:t>11/6/2021</a:t>
             </a:fld>
             <a:endParaRPr lang="en-US" dirty="0"/>
           </a:p>
@@ -3288,7 +3288,7 @@
             <a:fld id="{B61BEF0D-F0BB-DE4B-95CE-6DB70DBA9567}" type="datetimeFigureOut">
               <a:rPr lang="en-US" dirty="0"/>
               <a:pPr/>
-              <a:t>11/5/2021</a:t>
+              <a:t>11/6/2021</a:t>
             </a:fld>
             <a:endParaRPr lang="en-US" dirty="0"/>
           </a:p>
@@ -3516,7 +3516,7 @@
           <a:p>
             <a:fld id="{EB712588-04B1-427B-82EE-E8DB90309F08}" type="datetimeFigureOut">
               <a:rPr lang="en-US" dirty="0"/>
-              <a:t>11/5/2021</a:t>
+              <a:t>11/6/2021</a:t>
             </a:fld>
             <a:endParaRPr lang="en-US" dirty="0"/>
           </a:p>
@@ -3886,7 +3886,7 @@
             <a:fld id="{B61BEF0D-F0BB-DE4B-95CE-6DB70DBA9567}" type="datetimeFigureOut">
               <a:rPr lang="en-US" dirty="0"/>
               <a:pPr/>
-              <a:t>11/5/2021</a:t>
+              <a:t>11/6/2021</a:t>
             </a:fld>
             <a:endParaRPr lang="en-US" dirty="0"/>
           </a:p>
@@ -4006,7 +4006,7 @@
             <a:fld id="{B61BEF0D-F0BB-DE4B-95CE-6DB70DBA9567}" type="datetimeFigureOut">
               <a:rPr lang="en-US" dirty="0"/>
               <a:pPr/>
-              <a:t>11/5/2021</a:t>
+              <a:t>11/6/2021</a:t>
             </a:fld>
             <a:endParaRPr lang="en-US" dirty="0"/>
           </a:p>
@@ -4098,7 +4098,7 @@
             <a:fld id="{B61BEF0D-F0BB-DE4B-95CE-6DB70DBA9567}" type="datetimeFigureOut">
               <a:rPr lang="en-US" dirty="0"/>
               <a:pPr/>
-              <a:t>11/5/2021</a:t>
+              <a:t>11/6/2021</a:t>
             </a:fld>
             <a:endParaRPr lang="en-US" dirty="0"/>
           </a:p>
@@ -4349,7 +4349,7 @@
           <a:p>
             <a:fld id="{42A54C80-263E-416B-A8E0-580EDEADCBDC}" type="datetimeFigureOut">
               <a:rPr lang="en-US" dirty="0"/>
-              <a:t>11/5/2021</a:t>
+              <a:t>11/6/2021</a:t>
             </a:fld>
             <a:endParaRPr lang="en-US" dirty="0"/>
           </a:p>
@@ -4608,7 +4608,7 @@
             <a:fld id="{B61BEF0D-F0BB-DE4B-95CE-6DB70DBA9567}" type="datetimeFigureOut">
               <a:rPr lang="en-US" dirty="0"/>
               <a:pPr/>
-              <a:t>11/5/2021</a:t>
+              <a:t>11/6/2021</a:t>
             </a:fld>
             <a:endParaRPr lang="en-US" dirty="0"/>
           </a:p>
@@ -5348,7 +5348,7 @@
             <a:fld id="{B61BEF0D-F0BB-DE4B-95CE-6DB70DBA9567}" type="datetimeFigureOut">
               <a:rPr lang="en-US" dirty="0"/>
               <a:pPr/>
-              <a:t>11/5/2021</a:t>
+              <a:t>11/6/2021</a:t>
             </a:fld>
             <a:endParaRPr lang="en-US" dirty="0"/>
           </a:p>
@@ -5592,6 +5592,60 @@
               <a:t>http://lccn.io/vgENMI</a:t>
             </a:r>
             <a:endParaRPr lang="zh-TW" altLang="en-US" dirty="0"/>
+          </a:p>
+        </p:txBody>
+      </p:sp>
+      <p:sp>
+        <p:nvSpPr>
+          <p:cNvPr id="31" name="文字方塊 30"/>
+          <p:cNvSpPr txBox="1"/>
+          <p:nvPr userDrawn="1"/>
+        </p:nvSpPr>
+        <p:spPr>
+          <a:xfrm>
+            <a:off x="3184419" y="6488668"/>
+            <a:ext cx="2662908" cy="369332"/>
+          </a:xfrm>
+          <a:prstGeom prst="rect">
+            <a:avLst/>
+          </a:prstGeom>
+          <a:noFill/>
+        </p:spPr>
+        <p:txBody>
+          <a:bodyPr wrap="none" rtlCol="0">
+            <a:spAutoFit/>
+          </a:bodyPr>
+          <a:lstStyle/>
+          <a:p>
+            <a:r>
+              <a:rPr lang="zh-TW" altLang="en-US" dirty="0" smtClean="0">
+                <a:solidFill>
+                  <a:srgbClr val="FF0000"/>
+                </a:solidFill>
+              </a:rPr>
+              <a:t>請下載</a:t>
+            </a:r>
+            <a:r>
+              <a:rPr lang="en-US" altLang="zh-TW" dirty="0" smtClean="0">
+                <a:solidFill>
+                  <a:srgbClr val="FF0000"/>
+                </a:solidFill>
+              </a:rPr>
+              <a:t>section6</a:t>
+            </a:r>
+            <a:r>
+              <a:rPr lang="zh-TW" altLang="en-US" dirty="0" smtClean="0">
+                <a:solidFill>
+                  <a:srgbClr val="FF0000"/>
+                </a:solidFill>
+              </a:rPr>
+              <a:t>的投影片</a:t>
+            </a:r>
+            <a:endParaRPr lang="zh-TW" altLang="en-US" dirty="0">
+              <a:solidFill>
+                <a:srgbClr val="FF0000"/>
+              </a:solidFill>
+            </a:endParaRPr>
           </a:p>
         </p:txBody>
       </p:sp>
@@ -6081,7 +6135,7 @@
             <a:fld id="{4805910D-2C61-424F-80CE-807290CF0E1E}" type="datetime4">
               <a:rPr lang="zh-TW" altLang="zh-TW"/>
               <a:pPr/>
-              <a:t>110年11月5日星期五</a:t>
+              <a:t>110年11月6日星期六</a:t>
             </a:fld>
             <a:endParaRPr lang="zh-TW" altLang="en-US" dirty="0"/>
           </a:p>
@@ -6141,6 +6195,13 @@
   <p:clrMapOvr>
     <a:masterClrMapping/>
   </p:clrMapOvr>
+  <p:timing>
+    <p:tnLst>
+      <p:par>
+        <p:cTn id="1" dur="indefinite" restart="never" nodeType="tmRoot"/>
+      </p:par>
+    </p:tnLst>
+  </p:timing>
 </p:sld>
 </file>
 
@@ -18706,6 +18767,13 @@
   <p:clrMapOvr>
     <a:masterClrMapping/>
   </p:clrMapOvr>
+  <p:timing>
+    <p:tnLst>
+      <p:par>
+        <p:cTn id="1" dur="indefinite" restart="never" nodeType="tmRoot"/>
+      </p:par>
+    </p:tnLst>
+  </p:timing>
 </p:sld>
 </file>
 
@@ -19924,6 +19992,13 @@
   <p:clrMapOvr>
     <a:masterClrMapping/>
   </p:clrMapOvr>
+  <p:timing>
+    <p:tnLst>
+      <p:par>
+        <p:cTn id="1" dur="indefinite" restart="never" nodeType="tmRoot"/>
+      </p:par>
+    </p:tnLst>
+  </p:timing>
 </p:sld>
 </file>
 
@@ -20161,6 +20236,13 @@
   <p:clrMapOvr>
     <a:masterClrMapping/>
   </p:clrMapOvr>
+  <p:timing>
+    <p:tnLst>
+      <p:par>
+        <p:cTn id="1" dur="indefinite" restart="never" nodeType="tmRoot"/>
+      </p:par>
+    </p:tnLst>
+  </p:timing>
 </p:sld>
 </file>
 
@@ -20344,6 +20426,13 @@
   <p:clrMapOvr>
     <a:masterClrMapping/>
   </p:clrMapOvr>
+  <p:timing>
+    <p:tnLst>
+      <p:par>
+        <p:cTn id="1" dur="indefinite" restart="never" nodeType="tmRoot"/>
+      </p:par>
+    </p:tnLst>
+  </p:timing>
 </p:sld>
 </file>
 
@@ -20525,6 +20614,13 @@
   <p:clrMapOvr>
     <a:masterClrMapping/>
   </p:clrMapOvr>
+  <p:timing>
+    <p:tnLst>
+      <p:par>
+        <p:cTn id="1" dur="indefinite" restart="never" nodeType="tmRoot"/>
+      </p:par>
+    </p:tnLst>
+  </p:timing>
 </p:sld>
 </file>
 
@@ -20782,6 +20878,13 @@
   <p:clrMapOvr>
     <a:masterClrMapping/>
   </p:clrMapOvr>
+  <p:timing>
+    <p:tnLst>
+      <p:par>
+        <p:cTn id="1" dur="indefinite" restart="never" nodeType="tmRoot"/>
+      </p:par>
+    </p:tnLst>
+  </p:timing>
 </p:sld>
 </file>
 
@@ -21064,6 +21167,13 @@
   <p:clrMapOvr>
     <a:masterClrMapping/>
   </p:clrMapOvr>
+  <p:timing>
+    <p:tnLst>
+      <p:par>
+        <p:cTn id="1" dur="indefinite" restart="never" nodeType="tmRoot"/>
+      </p:par>
+    </p:tnLst>
+  </p:timing>
 </p:sld>
 </file>
 
@@ -21175,7 +21285,15 @@
                   <a:srgbClr val="FF0000"/>
                 </a:solidFill>
               </a:rPr>
-              <a:t>修改、覆加</a:t>
+              <a:t>修改</a:t>
+            </a:r>
+            <a:r>
+              <a:rPr lang="zh-TW" altLang="en-US" b="1" dirty="0" smtClean="0">
+                <a:solidFill>
+                  <a:srgbClr val="FF0000"/>
+                </a:solidFill>
+              </a:rPr>
+              <a:t>、附加</a:t>
             </a:r>
             <a:r>
               <a:rPr lang="zh-TW" altLang="en-US" dirty="0" smtClean="0">
@@ -21209,12 +21327,16 @@
               <a:t>、</a:t>
             </a:r>
             <a:r>
-              <a:rPr lang="en-US" altLang="zh-TW" dirty="0" err="1" smtClean="0"/>
-              <a:t>privat</a:t>
-            </a:r>
-            <a:r>
-              <a:rPr lang="zh-TW" altLang="en-US" dirty="0" smtClean="0"/>
-              <a:t>這些修飾字的意義與用途要記得。</a:t>
+              <a:rPr lang="en-US" altLang="zh-TW" dirty="0" smtClean="0"/>
+              <a:t>private</a:t>
+            </a:r>
+            <a:r>
+              <a:rPr lang="zh-TW" altLang="en-US" dirty="0" smtClean="0"/>
+              <a:t>這些</a:t>
+            </a:r>
+            <a:r>
+              <a:rPr lang="zh-TW" altLang="en-US" dirty="0" smtClean="0"/>
+              <a:t>修飾字的意義與用途要記得。</a:t>
             </a:r>
             <a:endParaRPr lang="en-US" altLang="zh-TW" dirty="0" smtClean="0"/>
           </a:p>
@@ -21224,8 +21346,8 @@
               <a:t>通常屬性都會宣告為</a:t>
             </a:r>
             <a:r>
-              <a:rPr lang="en-US" altLang="zh-TW" dirty="0" err="1" smtClean="0"/>
-              <a:t>privat</a:t>
+              <a:rPr lang="en-US" altLang="zh-TW" dirty="0" smtClean="0"/>
+              <a:t>private</a:t>
             </a:r>
             <a:r>
               <a:rPr lang="zh-TW" altLang="en-US" dirty="0" smtClean="0"/>
@@ -21244,8 +21366,8 @@
               <a:t>再搭配一組</a:t>
             </a:r>
             <a:r>
-              <a:rPr lang="en-US" altLang="zh-TW" dirty="0" err="1" smtClean="0"/>
-              <a:t>publi</a:t>
+              <a:rPr lang="en-US" altLang="zh-TW" dirty="0" smtClean="0"/>
+              <a:t>public</a:t>
             </a:r>
             <a:r>
               <a:rPr lang="zh-TW" altLang="en-US" dirty="0" smtClean="0"/>
@@ -21300,6 +21422,13 @@
   <p:clrMapOvr>
     <a:masterClrMapping/>
   </p:clrMapOvr>
+  <p:timing>
+    <p:tnLst>
+      <p:par>
+        <p:cTn id="1" dur="indefinite" restart="never" nodeType="tmRoot"/>
+      </p:par>
+    </p:tnLst>
+  </p:timing>
 </p:sld>
 </file>
 
@@ -21375,6 +21504,13 @@
   <p:clrMapOvr>
     <a:masterClrMapping/>
   </p:clrMapOvr>
+  <p:timing>
+    <p:tnLst>
+      <p:par>
+        <p:cTn id="1" dur="indefinite" restart="never" nodeType="tmRoot"/>
+      </p:par>
+    </p:tnLst>
+  </p:timing>
 </p:sld>
 </file>
 
@@ -21645,6 +21781,13 @@
   <p:clrMapOvr>
     <a:masterClrMapping/>
   </p:clrMapOvr>
+  <p:timing>
+    <p:tnLst>
+      <p:par>
+        <p:cTn id="1" dur="indefinite" restart="never" nodeType="tmRoot"/>
+      </p:par>
+    </p:tnLst>
+  </p:timing>
 </p:sld>
 </file>
 
@@ -21729,6 +21872,13 @@
   <p:clrMapOvr>
     <a:masterClrMapping/>
   </p:clrMapOvr>
+  <p:timing>
+    <p:tnLst>
+      <p:par>
+        <p:cTn id="1" dur="indefinite" restart="never" nodeType="tmRoot"/>
+      </p:par>
+    </p:tnLst>
+  </p:timing>
 </p:sld>
 </file>
 
@@ -22373,6 +22523,13 @@
   <p:clrMapOvr>
     <a:masterClrMapping/>
   </p:clrMapOvr>
+  <p:timing>
+    <p:tnLst>
+      <p:par>
+        <p:cTn id="1" dur="indefinite" restart="never" nodeType="tmRoot"/>
+      </p:par>
+    </p:tnLst>
+  </p:timing>
 </p:sld>
 </file>
 
@@ -22457,6 +22614,13 @@
   <p:clrMapOvr>
     <a:masterClrMapping/>
   </p:clrMapOvr>
+  <p:timing>
+    <p:tnLst>
+      <p:par>
+        <p:cTn id="1" dur="indefinite" restart="never" nodeType="tmRoot"/>
+      </p:par>
+    </p:tnLst>
+  </p:timing>
 </p:sld>
 </file>
 
@@ -22655,6 +22819,13 @@
   <p:clrMapOvr>
     <a:masterClrMapping/>
   </p:clrMapOvr>
+  <p:timing>
+    <p:tnLst>
+      <p:par>
+        <p:cTn id="1" dur="indefinite" restart="never" nodeType="tmRoot"/>
+      </p:par>
+    </p:tnLst>
+  </p:timing>
 </p:sld>
 </file>
 
@@ -22882,6 +23053,13 @@
   <p:clrMapOvr>
     <a:masterClrMapping/>
   </p:clrMapOvr>
+  <p:timing>
+    <p:tnLst>
+      <p:par>
+        <p:cTn id="1" dur="indefinite" restart="never" nodeType="tmRoot"/>
+      </p:par>
+    </p:tnLst>
+  </p:timing>
 </p:sld>
 </file>
 
@@ -22978,6 +23156,13 @@
   <p:clrMapOvr>
     <a:masterClrMapping/>
   </p:clrMapOvr>
+  <p:timing>
+    <p:tnLst>
+      <p:par>
+        <p:cTn id="1" dur="indefinite" restart="never" nodeType="tmRoot"/>
+      </p:par>
+    </p:tnLst>
+  </p:timing>
 </p:sld>
 </file>
 
@@ -23565,6 +23750,13 @@
   <p:clrMapOvr>
     <a:masterClrMapping/>
   </p:clrMapOvr>
+  <p:timing>
+    <p:tnLst>
+      <p:par>
+        <p:cTn id="1" dur="indefinite" restart="never" nodeType="tmRoot"/>
+      </p:par>
+    </p:tnLst>
+  </p:timing>
 </p:sld>
 </file>
 
@@ -23794,6 +23986,13 @@
   <p:clrMapOvr>
     <a:masterClrMapping/>
   </p:clrMapOvr>
+  <p:timing>
+    <p:tnLst>
+      <p:par>
+        <p:cTn id="1" dur="indefinite" restart="never" nodeType="tmRoot"/>
+      </p:par>
+    </p:tnLst>
+  </p:timing>
 </p:sld>
 </file>
 
@@ -23868,11 +24067,7 @@
           <a:p>
             <a:r>
               <a:rPr lang="zh-TW" altLang="en-US"/>
-              <a:t>需要各位同學自己</a:t>
-            </a:r>
-            <a:r>
-              <a:rPr lang="zh-TW" altLang="en-US"/>
-              <a:t>再</a:t>
+              <a:t>需要各位同學自己再</a:t>
             </a:r>
             <a:r>
               <a:rPr lang="zh-TW" altLang="en-US" smtClean="0"/>
@@ -23892,6 +24087,13 @@
   <p:clrMapOvr>
     <a:masterClrMapping/>
   </p:clrMapOvr>
+  <p:timing>
+    <p:tnLst>
+      <p:par>
+        <p:cTn id="1" dur="indefinite" restart="never" nodeType="tmRoot"/>
+      </p:par>
+    </p:tnLst>
+  </p:timing>
 </p:sld>
 </file>
 

--- a/LCC/Java/10_物件導向程式設計.pptx
+++ b/LCC/Java/10_物件導向程式設計.pptx
@@ -907,7 +907,7 @@
             <a:fld id="{B61BEF0D-F0BB-DE4B-95CE-6DB70DBA9567}" type="datetimeFigureOut">
               <a:rPr lang="en-US" dirty="0"/>
               <a:pPr/>
-              <a:t>11/6/2021</a:t>
+              <a:t>3/13/2022</a:t>
             </a:fld>
             <a:endParaRPr lang="en-US" dirty="0"/>
           </a:p>
@@ -1155,7 +1155,7 @@
             <a:fld id="{B61BEF0D-F0BB-DE4B-95CE-6DB70DBA9567}" type="datetimeFigureOut">
               <a:rPr lang="en-US" dirty="0"/>
               <a:pPr/>
-              <a:t>11/6/2021</a:t>
+              <a:t>3/13/2022</a:t>
             </a:fld>
             <a:endParaRPr lang="en-US" dirty="0"/>
           </a:p>
@@ -1466,7 +1466,7 @@
             <a:fld id="{B61BEF0D-F0BB-DE4B-95CE-6DB70DBA9567}" type="datetimeFigureOut">
               <a:rPr lang="en-US" dirty="0"/>
               <a:pPr/>
-              <a:t>11/6/2021</a:t>
+              <a:t>3/13/2022</a:t>
             </a:fld>
             <a:endParaRPr lang="en-US" dirty="0"/>
           </a:p>
@@ -1804,7 +1804,7 @@
             <a:fld id="{B61BEF0D-F0BB-DE4B-95CE-6DB70DBA9567}" type="datetimeFigureOut">
               <a:rPr lang="en-US" dirty="0"/>
               <a:pPr/>
-              <a:t>11/6/2021</a:t>
+              <a:t>3/13/2022</a:t>
             </a:fld>
             <a:endParaRPr lang="en-US" dirty="0"/>
           </a:p>
@@ -2115,7 +2115,7 @@
             <a:fld id="{B61BEF0D-F0BB-DE4B-95CE-6DB70DBA9567}" type="datetimeFigureOut">
               <a:rPr lang="en-US" dirty="0"/>
               <a:pPr/>
-              <a:t>11/6/2021</a:t>
+              <a:t>3/13/2022</a:t>
             </a:fld>
             <a:endParaRPr lang="en-US" dirty="0"/>
           </a:p>
@@ -2505,7 +2505,7 @@
             <a:fld id="{B61BEF0D-F0BB-DE4B-95CE-6DB70DBA9567}" type="datetimeFigureOut">
               <a:rPr lang="en-US" dirty="0"/>
               <a:pPr/>
-              <a:t>11/6/2021</a:t>
+              <a:t>3/13/2022</a:t>
             </a:fld>
             <a:endParaRPr lang="en-US" dirty="0"/>
           </a:p>
@@ -2671,7 +2671,7 @@
           <a:p>
             <a:fld id="{55C6B4A9-1611-4792-9094-5F34BCA07E0B}" type="datetimeFigureOut">
               <a:rPr lang="en-US" dirty="0"/>
-              <a:t>11/6/2021</a:t>
+              <a:t>3/13/2022</a:t>
             </a:fld>
             <a:endParaRPr lang="en-US" dirty="0"/>
           </a:p>
@@ -2847,7 +2847,7 @@
             <a:fld id="{B61BEF0D-F0BB-DE4B-95CE-6DB70DBA9567}" type="datetimeFigureOut">
               <a:rPr lang="en-US" dirty="0"/>
               <a:pPr/>
-              <a:t>11/6/2021</a:t>
+              <a:t>3/13/2022</a:t>
             </a:fld>
             <a:endParaRPr lang="en-US" dirty="0"/>
           </a:p>
@@ -3044,7 +3044,7 @@
             <a:fld id="{B61BEF0D-F0BB-DE4B-95CE-6DB70DBA9567}" type="datetimeFigureOut">
               <a:rPr lang="en-US" dirty="0"/>
               <a:pPr/>
-              <a:t>11/6/2021</a:t>
+              <a:t>3/13/2022</a:t>
             </a:fld>
             <a:endParaRPr lang="en-US" dirty="0"/>
           </a:p>
@@ -3288,7 +3288,7 @@
             <a:fld id="{B61BEF0D-F0BB-DE4B-95CE-6DB70DBA9567}" type="datetimeFigureOut">
               <a:rPr lang="en-US" dirty="0"/>
               <a:pPr/>
-              <a:t>11/6/2021</a:t>
+              <a:t>3/13/2022</a:t>
             </a:fld>
             <a:endParaRPr lang="en-US" dirty="0"/>
           </a:p>
@@ -3516,7 +3516,7 @@
           <a:p>
             <a:fld id="{EB712588-04B1-427B-82EE-E8DB90309F08}" type="datetimeFigureOut">
               <a:rPr lang="en-US" dirty="0"/>
-              <a:t>11/6/2021</a:t>
+              <a:t>3/13/2022</a:t>
             </a:fld>
             <a:endParaRPr lang="en-US" dirty="0"/>
           </a:p>
@@ -3886,7 +3886,7 @@
             <a:fld id="{B61BEF0D-F0BB-DE4B-95CE-6DB70DBA9567}" type="datetimeFigureOut">
               <a:rPr lang="en-US" dirty="0"/>
               <a:pPr/>
-              <a:t>11/6/2021</a:t>
+              <a:t>3/13/2022</a:t>
             </a:fld>
             <a:endParaRPr lang="en-US" dirty="0"/>
           </a:p>
@@ -4006,7 +4006,7 @@
             <a:fld id="{B61BEF0D-F0BB-DE4B-95CE-6DB70DBA9567}" type="datetimeFigureOut">
               <a:rPr lang="en-US" dirty="0"/>
               <a:pPr/>
-              <a:t>11/6/2021</a:t>
+              <a:t>3/13/2022</a:t>
             </a:fld>
             <a:endParaRPr lang="en-US" dirty="0"/>
           </a:p>
@@ -4098,7 +4098,7 @@
             <a:fld id="{B61BEF0D-F0BB-DE4B-95CE-6DB70DBA9567}" type="datetimeFigureOut">
               <a:rPr lang="en-US" dirty="0"/>
               <a:pPr/>
-              <a:t>11/6/2021</a:t>
+              <a:t>3/13/2022</a:t>
             </a:fld>
             <a:endParaRPr lang="en-US" dirty="0"/>
           </a:p>
@@ -4349,7 +4349,7 @@
           <a:p>
             <a:fld id="{42A54C80-263E-416B-A8E0-580EDEADCBDC}" type="datetimeFigureOut">
               <a:rPr lang="en-US" dirty="0"/>
-              <a:t>11/6/2021</a:t>
+              <a:t>3/13/2022</a:t>
             </a:fld>
             <a:endParaRPr lang="en-US" dirty="0"/>
           </a:p>
@@ -4608,7 +4608,7 @@
             <a:fld id="{B61BEF0D-F0BB-DE4B-95CE-6DB70DBA9567}" type="datetimeFigureOut">
               <a:rPr lang="en-US" dirty="0"/>
               <a:pPr/>
-              <a:t>11/6/2021</a:t>
+              <a:t>3/13/2022</a:t>
             </a:fld>
             <a:endParaRPr lang="en-US" dirty="0"/>
           </a:p>
@@ -5348,7 +5348,7 @@
             <a:fld id="{B61BEF0D-F0BB-DE4B-95CE-6DB70DBA9567}" type="datetimeFigureOut">
               <a:rPr lang="en-US" dirty="0"/>
               <a:pPr/>
-              <a:t>11/6/2021</a:t>
+              <a:t>3/13/2022</a:t>
             </a:fld>
             <a:endParaRPr lang="en-US" dirty="0"/>
           </a:p>
@@ -5481,7 +5481,7 @@
         <p:spPr>
           <a:xfrm>
             <a:off x="379705" y="6488668"/>
-            <a:ext cx="2496196" cy="369332"/>
+            <a:ext cx="2800767" cy="369332"/>
           </a:xfrm>
           <a:prstGeom prst="rect">
             <a:avLst/>
@@ -5588,64 +5588,10 @@
           </a:lstStyle>
           <a:p>
             <a:r>
-              <a:rPr lang="en-US" altLang="zh-TW" dirty="0" smtClean="0"/>
-              <a:t>http://lccn.io/vgENMI</a:t>
+              <a:rPr lang="fr-FR" altLang="zh-TW" dirty="0" smtClean="0"/>
+              <a:t>https://reurl.cc/2Dom14</a:t>
             </a:r>
             <a:endParaRPr lang="zh-TW" altLang="en-US" dirty="0"/>
-          </a:p>
-        </p:txBody>
-      </p:sp>
-      <p:sp>
-        <p:nvSpPr>
-          <p:cNvPr id="31" name="文字方塊 30"/>
-          <p:cNvSpPr txBox="1"/>
-          <p:nvPr userDrawn="1"/>
-        </p:nvSpPr>
-        <p:spPr>
-          <a:xfrm>
-            <a:off x="3184419" y="6488668"/>
-            <a:ext cx="2662908" cy="369332"/>
-          </a:xfrm>
-          <a:prstGeom prst="rect">
-            <a:avLst/>
-          </a:prstGeom>
-          <a:noFill/>
-        </p:spPr>
-        <p:txBody>
-          <a:bodyPr wrap="none" rtlCol="0">
-            <a:spAutoFit/>
-          </a:bodyPr>
-          <a:lstStyle/>
-          <a:p>
-            <a:r>
-              <a:rPr lang="zh-TW" altLang="en-US" dirty="0" smtClean="0">
-                <a:solidFill>
-                  <a:srgbClr val="FF0000"/>
-                </a:solidFill>
-              </a:rPr>
-              <a:t>請下載</a:t>
-            </a:r>
-            <a:r>
-              <a:rPr lang="en-US" altLang="zh-TW" dirty="0" smtClean="0">
-                <a:solidFill>
-                  <a:srgbClr val="FF0000"/>
-                </a:solidFill>
-              </a:rPr>
-              <a:t>section6</a:t>
-            </a:r>
-            <a:r>
-              <a:rPr lang="zh-TW" altLang="en-US" dirty="0" smtClean="0">
-                <a:solidFill>
-                  <a:srgbClr val="FF0000"/>
-                </a:solidFill>
-              </a:rPr>
-              <a:t>的投影片</a:t>
-            </a:r>
-            <a:endParaRPr lang="zh-TW" altLang="en-US" dirty="0">
-              <a:solidFill>
-                <a:srgbClr val="FF0000"/>
-              </a:solidFill>
-            </a:endParaRPr>
           </a:p>
         </p:txBody>
       </p:sp>
@@ -6135,7 +6081,7 @@
             <a:fld id="{4805910D-2C61-424F-80CE-807290CF0E1E}" type="datetime4">
               <a:rPr lang="zh-TW" altLang="zh-TW"/>
               <a:pPr/>
-              <a:t>110年11月6日星期六</a:t>
+              <a:t>111年3月13日星期日</a:t>
             </a:fld>
             <a:endParaRPr lang="zh-TW" altLang="en-US" dirty="0"/>
           </a:p>
@@ -6185,6 +6131,159 @@
           </a:extLst>
         </p:spPr>
       </p:pic>
+      <p:pic>
+        <p:nvPicPr>
+          <p:cNvPr id="5" name="圖片 4"/>
+          <p:cNvPicPr>
+            <a:picLocks noChangeAspect="1"/>
+          </p:cNvPicPr>
+          <p:nvPr/>
+        </p:nvPicPr>
+        <p:blipFill>
+          <a:blip r:embed="rId3">
+            <a:extLst>
+              <a:ext uri="{28A0092B-C50C-407E-A947-70E740481C1C}">
+                <a14:useLocalDpi xmlns:a14="http://schemas.microsoft.com/office/drawing/2010/main" val="0"/>
+              </a:ext>
+            </a:extLst>
+          </a:blip>
+          <a:stretch>
+            <a:fillRect/>
+          </a:stretch>
+        </p:blipFill>
+        <p:spPr>
+          <a:xfrm>
+            <a:off x="927354" y="457267"/>
+            <a:ext cx="1428750" cy="1428750"/>
+          </a:xfrm>
+          <a:prstGeom prst="rect">
+            <a:avLst/>
+          </a:prstGeom>
+        </p:spPr>
+      </p:pic>
+      <p:sp>
+        <p:nvSpPr>
+          <p:cNvPr id="6" name="矩形 5"/>
+          <p:cNvSpPr/>
+          <p:nvPr/>
+        </p:nvSpPr>
+        <p:spPr>
+          <a:xfrm>
+            <a:off x="827704" y="87935"/>
+            <a:ext cx="2800767" cy="369332"/>
+          </a:xfrm>
+          <a:prstGeom prst="rect">
+            <a:avLst/>
+          </a:prstGeom>
+        </p:spPr>
+        <p:txBody>
+          <a:bodyPr wrap="none">
+            <a:spAutoFit/>
+          </a:bodyPr>
+          <a:lstStyle>
+            <a:defPPr>
+              <a:defRPr lang="en-US"/>
+            </a:defPPr>
+            <a:lvl1pPr marL="0" algn="l" defTabSz="457200" rtl="0" eaLnBrk="1" latinLnBrk="0" hangingPunct="1">
+              <a:defRPr sz="1800" kern="1200">
+                <a:solidFill>
+                  <a:schemeClr val="tx1"/>
+                </a:solidFill>
+                <a:latin typeface="+mn-lt"/>
+                <a:ea typeface="+mn-ea"/>
+                <a:cs typeface="+mn-cs"/>
+              </a:defRPr>
+            </a:lvl1pPr>
+            <a:lvl2pPr marL="457200" algn="l" defTabSz="457200" rtl="0" eaLnBrk="1" latinLnBrk="0" hangingPunct="1">
+              <a:defRPr sz="1800" kern="1200">
+                <a:solidFill>
+                  <a:schemeClr val="tx1"/>
+                </a:solidFill>
+                <a:latin typeface="+mn-lt"/>
+                <a:ea typeface="+mn-ea"/>
+                <a:cs typeface="+mn-cs"/>
+              </a:defRPr>
+            </a:lvl2pPr>
+            <a:lvl3pPr marL="914400" algn="l" defTabSz="457200" rtl="0" eaLnBrk="1" latinLnBrk="0" hangingPunct="1">
+              <a:defRPr sz="1800" kern="1200">
+                <a:solidFill>
+                  <a:schemeClr val="tx1"/>
+                </a:solidFill>
+                <a:latin typeface="+mn-lt"/>
+                <a:ea typeface="+mn-ea"/>
+                <a:cs typeface="+mn-cs"/>
+              </a:defRPr>
+            </a:lvl3pPr>
+            <a:lvl4pPr marL="1371600" algn="l" defTabSz="457200" rtl="0" eaLnBrk="1" latinLnBrk="0" hangingPunct="1">
+              <a:defRPr sz="1800" kern="1200">
+                <a:solidFill>
+                  <a:schemeClr val="tx1"/>
+                </a:solidFill>
+                <a:latin typeface="+mn-lt"/>
+                <a:ea typeface="+mn-ea"/>
+                <a:cs typeface="+mn-cs"/>
+              </a:defRPr>
+            </a:lvl4pPr>
+            <a:lvl5pPr marL="1828800" algn="l" defTabSz="457200" rtl="0" eaLnBrk="1" latinLnBrk="0" hangingPunct="1">
+              <a:defRPr sz="1800" kern="1200">
+                <a:solidFill>
+                  <a:schemeClr val="tx1"/>
+                </a:solidFill>
+                <a:latin typeface="+mn-lt"/>
+                <a:ea typeface="+mn-ea"/>
+                <a:cs typeface="+mn-cs"/>
+              </a:defRPr>
+            </a:lvl5pPr>
+            <a:lvl6pPr marL="2286000" algn="l" defTabSz="457200" rtl="0" eaLnBrk="1" latinLnBrk="0" hangingPunct="1">
+              <a:defRPr sz="1800" kern="1200">
+                <a:solidFill>
+                  <a:schemeClr val="tx1"/>
+                </a:solidFill>
+                <a:latin typeface="+mn-lt"/>
+                <a:ea typeface="+mn-ea"/>
+                <a:cs typeface="+mn-cs"/>
+              </a:defRPr>
+            </a:lvl6pPr>
+            <a:lvl7pPr marL="2743200" algn="l" defTabSz="457200" rtl="0" eaLnBrk="1" latinLnBrk="0" hangingPunct="1">
+              <a:defRPr sz="1800" kern="1200">
+                <a:solidFill>
+                  <a:schemeClr val="tx1"/>
+                </a:solidFill>
+                <a:latin typeface="+mn-lt"/>
+                <a:ea typeface="+mn-ea"/>
+                <a:cs typeface="+mn-cs"/>
+              </a:defRPr>
+            </a:lvl7pPr>
+            <a:lvl8pPr marL="3200400" algn="l" defTabSz="457200" rtl="0" eaLnBrk="1" latinLnBrk="0" hangingPunct="1">
+              <a:defRPr sz="1800" kern="1200">
+                <a:solidFill>
+                  <a:schemeClr val="tx1"/>
+                </a:solidFill>
+                <a:latin typeface="+mn-lt"/>
+                <a:ea typeface="+mn-ea"/>
+                <a:cs typeface="+mn-cs"/>
+              </a:defRPr>
+            </a:lvl8pPr>
+            <a:lvl9pPr marL="3657600" algn="l" defTabSz="457200" rtl="0" eaLnBrk="1" latinLnBrk="0" hangingPunct="1">
+              <a:defRPr sz="1800" kern="1200">
+                <a:solidFill>
+                  <a:schemeClr val="tx1"/>
+                </a:solidFill>
+                <a:latin typeface="+mn-lt"/>
+                <a:ea typeface="+mn-ea"/>
+                <a:cs typeface="+mn-cs"/>
+              </a:defRPr>
+            </a:lvl9pPr>
+          </a:lstStyle>
+          <a:p>
+            <a:r>
+              <a:rPr lang="fr-FR" altLang="zh-TW" dirty="0" smtClean="0"/>
+              <a:t>https://reurl.cc/2Dom14</a:t>
+            </a:r>
+            <a:endParaRPr lang="zh-TW" altLang="en-US" dirty="0"/>
+          </a:p>
+        </p:txBody>
+      </p:sp>
     </p:spTree>
     <p:extLst>
       <p:ext uri="{BB962C8B-B14F-4D97-AF65-F5344CB8AC3E}">
@@ -11878,8 +11977,8 @@
               <a:t> </a:t>
             </a:r>
             <a:r>
-              <a:rPr lang="en-US" altLang="zh-TW" dirty="0" err="1" smtClean="0"/>
-              <a:t>Ccard</a:t>
+              <a:rPr lang="en-US" altLang="zh-TW" dirty="0" smtClean="0"/>
+              <a:t>Card</a:t>
             </a:r>
             <a:r>
               <a:rPr lang="zh-TW" altLang="en-US" dirty="0" smtClean="0"/>
@@ -19805,7 +19904,7 @@
             </a:r>
             <a:r>
               <a:rPr lang="en-US" altLang="zh-TW" dirty="0" smtClean="0"/>
-              <a:t>25000</a:t>
+              <a:t>25250</a:t>
             </a:r>
             <a:r>
               <a:rPr lang="zh-TW" altLang="en-US" dirty="0" smtClean="0"/>
@@ -21234,9 +21333,57 @@
           <a:p>
             <a:r>
               <a:rPr lang="zh-TW" altLang="en-US" dirty="0" smtClean="0"/>
-              <a:t>繼承可以直接沿用父類別的所有屬性、方法。</a:t>
-            </a:r>
-            <a:endParaRPr lang="en-US" altLang="zh-TW" dirty="0" smtClean="0"/>
+              <a:t>繼承可以直接沿用父類別的所有屬性、方法</a:t>
+            </a:r>
+            <a:r>
+              <a:rPr lang="zh-TW" altLang="en-US" dirty="0" smtClean="0"/>
+              <a:t>。</a:t>
+            </a:r>
+            <a:r>
+              <a:rPr lang="en-US" altLang="zh-TW" dirty="0" smtClean="0">
+                <a:solidFill>
+                  <a:srgbClr val="FF0000"/>
+                </a:solidFill>
+              </a:rPr>
+              <a:t>(</a:t>
+            </a:r>
+            <a:r>
+              <a:rPr lang="zh-TW" altLang="en-US" dirty="0" smtClean="0">
+                <a:solidFill>
+                  <a:srgbClr val="FF0000"/>
+                </a:solidFill>
+              </a:rPr>
+              <a:t>除了</a:t>
+            </a:r>
+            <a:r>
+              <a:rPr lang="en-US" altLang="zh-TW" dirty="0" err="1" smtClean="0">
+                <a:solidFill>
+                  <a:srgbClr val="FF0000"/>
+                </a:solidFill>
+              </a:rPr>
+              <a:t>privat</a:t>
+            </a:r>
+            <a:r>
+              <a:rPr lang="zh-TW" altLang="en-US" dirty="0" smtClean="0">
+                <a:solidFill>
+                  <a:srgbClr val="FF0000"/>
+                </a:solidFill>
+              </a:rPr>
+              <a:t>以外</a:t>
+            </a:r>
+            <a:r>
+              <a:rPr lang="en-US" altLang="zh-TW" dirty="0">
+                <a:solidFill>
+                  <a:srgbClr val="FF0000"/>
+                </a:solidFill>
+              </a:rPr>
+              <a:t>)</a:t>
+            </a:r>
+            <a:endParaRPr lang="en-US" altLang="zh-TW" dirty="0" smtClean="0">
+              <a:solidFill>
+                <a:srgbClr val="FF0000"/>
+              </a:solidFill>
+            </a:endParaRPr>
           </a:p>
           <a:p>
             <a:r>
@@ -21285,15 +21432,7 @@
                   <a:srgbClr val="FF0000"/>
                 </a:solidFill>
               </a:rPr>
-              <a:t>修改</a:t>
-            </a:r>
-            <a:r>
-              <a:rPr lang="zh-TW" altLang="en-US" b="1" dirty="0" smtClean="0">
-                <a:solidFill>
-                  <a:srgbClr val="FF0000"/>
-                </a:solidFill>
-              </a:rPr>
-              <a:t>、附加</a:t>
+              <a:t>修改、附加</a:t>
             </a:r>
             <a:r>
               <a:rPr lang="zh-TW" altLang="en-US" dirty="0" smtClean="0">
@@ -21332,11 +21471,7 @@
             </a:r>
             <a:r>
               <a:rPr lang="zh-TW" altLang="en-US" dirty="0" smtClean="0"/>
-              <a:t>這些</a:t>
-            </a:r>
-            <a:r>
-              <a:rPr lang="zh-TW" altLang="en-US" dirty="0" smtClean="0"/>
-              <a:t>修飾字的意義與用途要記得。</a:t>
+              <a:t>這些修飾字的意義與用途要記得。</a:t>
             </a:r>
             <a:endParaRPr lang="en-US" altLang="zh-TW" dirty="0" smtClean="0"/>
           </a:p>
@@ -22210,12 +22345,36 @@
                   <a:schemeClr val="bg1"/>
                 </a:solidFill>
               </a:rPr>
-              <a:t> = "China";</a:t>
-            </a:r>
-          </a:p>
-          <a:p>
-            <a:r>
-              <a:rPr lang="zh-TW" altLang="en-US" dirty="0">
+              <a:t> = </a:t>
+            </a:r>
+            <a:r>
+              <a:rPr lang="zh-TW" altLang="en-US" dirty="0" smtClean="0">
+                <a:solidFill>
+                  <a:schemeClr val="bg1"/>
+                </a:solidFill>
+              </a:rPr>
+              <a:t>“</a:t>
+            </a:r>
+            <a:r>
+              <a:rPr lang="en-US" altLang="zh-TW" dirty="0" smtClean="0">
+                <a:solidFill>
+                  <a:schemeClr val="bg1"/>
+                </a:solidFill>
+              </a:rPr>
+              <a:t>Taiwan</a:t>
+            </a:r>
+            <a:r>
+              <a:rPr lang="zh-TW" altLang="en-US" dirty="0" smtClean="0">
+                <a:solidFill>
+                  <a:schemeClr val="bg1"/>
+                </a:solidFill>
+              </a:rPr>
+              <a:t>";</a:t>
+            </a:r>
+          </a:p>
+          <a:p>
+            <a:r>
+              <a:rPr lang="zh-TW" altLang="en-US" dirty="0" smtClean="0">
                 <a:solidFill>
                   <a:schemeClr val="bg1"/>
                 </a:solidFill>
@@ -22225,13 +22384,18 @@
           </a:p>
           <a:p>
             <a:r>
-              <a:rPr lang="zh-TW" altLang="en-US" dirty="0">
+              <a:rPr lang="zh-TW" altLang="en-US" dirty="0" smtClean="0">
                 <a:solidFill>
                   <a:schemeClr val="bg1"/>
                 </a:solidFill>
               </a:rPr>
               <a:t>}</a:t>
             </a:r>
+            <a:endParaRPr lang="zh-TW" altLang="en-US" dirty="0">
+              <a:solidFill>
+                <a:schemeClr val="bg1"/>
+              </a:solidFill>
+            </a:endParaRPr>
           </a:p>
           <a:p>
             <a:r>
@@ -22360,7 +22524,23 @@
                   <a:schemeClr val="bg1"/>
                 </a:solidFill>
               </a:rPr>
-              <a:t> = "Shanghai";</a:t>
+              <a:t> = </a:t>
+            </a:r>
+            <a:r>
+              <a:rPr lang="zh-TW" altLang="en-US" dirty="0" smtClean="0">
+                <a:solidFill>
+                  <a:schemeClr val="bg1"/>
+                </a:solidFill>
+              </a:rPr>
+              <a:t>“台北"</a:t>
+            </a:r>
+            <a:r>
+              <a:rPr lang="zh-TW" altLang="en-US" dirty="0">
+                <a:solidFill>
+                  <a:schemeClr val="bg1"/>
+                </a:solidFill>
+              </a:rPr>
+              <a:t>;</a:t>
             </a:r>
           </a:p>
           <a:p>

--- a/LCC/Java/10_物件導向程式設計.pptx
+++ b/LCC/Java/10_物件導向程式設計.pptx
@@ -70,7 +70,14 @@
     <p:sldId id="318" r:id="rId64"/>
     <p:sldId id="319" r:id="rId65"/>
     <p:sldId id="320" r:id="rId66"/>
-    <p:sldId id="321" r:id="rId67"/>
+    <p:sldId id="326" r:id="rId67"/>
+    <p:sldId id="327" r:id="rId68"/>
+    <p:sldId id="328" r:id="rId69"/>
+    <p:sldId id="329" r:id="rId70"/>
+    <p:sldId id="330" r:id="rId71"/>
+    <p:sldId id="331" r:id="rId72"/>
+    <p:sldId id="332" r:id="rId73"/>
+    <p:sldId id="321" r:id="rId74"/>
   </p:sldIdLst>
   <p:sldSz cx="12192000" cy="6858000"/>
   <p:notesSz cx="6858000" cy="9144000"/>
@@ -911,7 +918,7 @@
             <a:fld id="{B61BEF0D-F0BB-DE4B-95CE-6DB70DBA9567}" type="datetimeFigureOut">
               <a:rPr lang="en-US" dirty="0"/>
               <a:pPr/>
-              <a:t>8/5/2022</a:t>
+              <a:t>3/21/2024</a:t>
             </a:fld>
             <a:endParaRPr lang="en-US" dirty="0"/>
           </a:p>
@@ -1159,7 +1166,7 @@
             <a:fld id="{B61BEF0D-F0BB-DE4B-95CE-6DB70DBA9567}" type="datetimeFigureOut">
               <a:rPr lang="en-US" dirty="0"/>
               <a:pPr/>
-              <a:t>8/5/2022</a:t>
+              <a:t>3/21/2024</a:t>
             </a:fld>
             <a:endParaRPr lang="en-US" dirty="0"/>
           </a:p>
@@ -1470,7 +1477,7 @@
             <a:fld id="{B61BEF0D-F0BB-DE4B-95CE-6DB70DBA9567}" type="datetimeFigureOut">
               <a:rPr lang="en-US" dirty="0"/>
               <a:pPr/>
-              <a:t>8/5/2022</a:t>
+              <a:t>3/21/2024</a:t>
             </a:fld>
             <a:endParaRPr lang="en-US" dirty="0"/>
           </a:p>
@@ -1808,7 +1815,7 @@
             <a:fld id="{B61BEF0D-F0BB-DE4B-95CE-6DB70DBA9567}" type="datetimeFigureOut">
               <a:rPr lang="en-US" dirty="0"/>
               <a:pPr/>
-              <a:t>8/5/2022</a:t>
+              <a:t>3/21/2024</a:t>
             </a:fld>
             <a:endParaRPr lang="en-US" dirty="0"/>
           </a:p>
@@ -2119,7 +2126,7 @@
             <a:fld id="{B61BEF0D-F0BB-DE4B-95CE-6DB70DBA9567}" type="datetimeFigureOut">
               <a:rPr lang="en-US" dirty="0"/>
               <a:pPr/>
-              <a:t>8/5/2022</a:t>
+              <a:t>3/21/2024</a:t>
             </a:fld>
             <a:endParaRPr lang="en-US" dirty="0"/>
           </a:p>
@@ -2509,7 +2516,7 @@
             <a:fld id="{B61BEF0D-F0BB-DE4B-95CE-6DB70DBA9567}" type="datetimeFigureOut">
               <a:rPr lang="en-US" dirty="0"/>
               <a:pPr/>
-              <a:t>8/5/2022</a:t>
+              <a:t>3/21/2024</a:t>
             </a:fld>
             <a:endParaRPr lang="en-US" dirty="0"/>
           </a:p>
@@ -2675,7 +2682,7 @@
           <a:p>
             <a:fld id="{55C6B4A9-1611-4792-9094-5F34BCA07E0B}" type="datetimeFigureOut">
               <a:rPr lang="en-US" dirty="0"/>
-              <a:t>8/5/2022</a:t>
+              <a:t>3/21/2024</a:t>
             </a:fld>
             <a:endParaRPr lang="en-US" dirty="0"/>
           </a:p>
@@ -2851,7 +2858,7 @@
             <a:fld id="{B61BEF0D-F0BB-DE4B-95CE-6DB70DBA9567}" type="datetimeFigureOut">
               <a:rPr lang="en-US" dirty="0"/>
               <a:pPr/>
-              <a:t>8/5/2022</a:t>
+              <a:t>3/21/2024</a:t>
             </a:fld>
             <a:endParaRPr lang="en-US" dirty="0"/>
           </a:p>
@@ -3048,7 +3055,7 @@
             <a:fld id="{B61BEF0D-F0BB-DE4B-95CE-6DB70DBA9567}" type="datetimeFigureOut">
               <a:rPr lang="en-US" dirty="0"/>
               <a:pPr/>
-              <a:t>8/5/2022</a:t>
+              <a:t>3/21/2024</a:t>
             </a:fld>
             <a:endParaRPr lang="en-US" dirty="0"/>
           </a:p>
@@ -3292,7 +3299,7 @@
             <a:fld id="{B61BEF0D-F0BB-DE4B-95CE-6DB70DBA9567}" type="datetimeFigureOut">
               <a:rPr lang="en-US" dirty="0"/>
               <a:pPr/>
-              <a:t>8/5/2022</a:t>
+              <a:t>3/21/2024</a:t>
             </a:fld>
             <a:endParaRPr lang="en-US" dirty="0"/>
           </a:p>
@@ -3520,7 +3527,7 @@
           <a:p>
             <a:fld id="{EB712588-04B1-427B-82EE-E8DB90309F08}" type="datetimeFigureOut">
               <a:rPr lang="en-US" dirty="0"/>
-              <a:t>8/5/2022</a:t>
+              <a:t>3/21/2024</a:t>
             </a:fld>
             <a:endParaRPr lang="en-US" dirty="0"/>
           </a:p>
@@ -3890,7 +3897,7 @@
             <a:fld id="{B61BEF0D-F0BB-DE4B-95CE-6DB70DBA9567}" type="datetimeFigureOut">
               <a:rPr lang="en-US" dirty="0"/>
               <a:pPr/>
-              <a:t>8/5/2022</a:t>
+              <a:t>3/21/2024</a:t>
             </a:fld>
             <a:endParaRPr lang="en-US" dirty="0"/>
           </a:p>
@@ -4010,7 +4017,7 @@
             <a:fld id="{B61BEF0D-F0BB-DE4B-95CE-6DB70DBA9567}" type="datetimeFigureOut">
               <a:rPr lang="en-US" dirty="0"/>
               <a:pPr/>
-              <a:t>8/5/2022</a:t>
+              <a:t>3/21/2024</a:t>
             </a:fld>
             <a:endParaRPr lang="en-US" dirty="0"/>
           </a:p>
@@ -4102,7 +4109,7 @@
             <a:fld id="{B61BEF0D-F0BB-DE4B-95CE-6DB70DBA9567}" type="datetimeFigureOut">
               <a:rPr lang="en-US" dirty="0"/>
               <a:pPr/>
-              <a:t>8/5/2022</a:t>
+              <a:t>3/21/2024</a:t>
             </a:fld>
             <a:endParaRPr lang="en-US" dirty="0"/>
           </a:p>
@@ -4353,7 +4360,7 @@
           <a:p>
             <a:fld id="{42A54C80-263E-416B-A8E0-580EDEADCBDC}" type="datetimeFigureOut">
               <a:rPr lang="en-US" dirty="0"/>
-              <a:t>8/5/2022</a:t>
+              <a:t>3/21/2024</a:t>
             </a:fld>
             <a:endParaRPr lang="en-US" dirty="0"/>
           </a:p>
@@ -4612,7 +4619,7 @@
             <a:fld id="{B61BEF0D-F0BB-DE4B-95CE-6DB70DBA9567}" type="datetimeFigureOut">
               <a:rPr lang="en-US" dirty="0"/>
               <a:pPr/>
-              <a:t>8/5/2022</a:t>
+              <a:t>3/21/2024</a:t>
             </a:fld>
             <a:endParaRPr lang="en-US" dirty="0"/>
           </a:p>
@@ -5352,7 +5359,7 @@
             <a:fld id="{B61BEF0D-F0BB-DE4B-95CE-6DB70DBA9567}" type="datetimeFigureOut">
               <a:rPr lang="en-US" dirty="0"/>
               <a:pPr/>
-              <a:t>8/5/2022</a:t>
+              <a:t>3/21/2024</a:t>
             </a:fld>
             <a:endParaRPr lang="en-US" dirty="0"/>
           </a:p>
@@ -6085,7 +6092,7 @@
             <a:fld id="{4805910D-2C61-424F-80CE-807290CF0E1E}" type="datetime4">
               <a:rPr lang="zh-TW" altLang="zh-TW"/>
               <a:pPr/>
-              <a:t>111年8月5日星期五</a:t>
+              <a:t>113年3月21日星期四</a:t>
             </a:fld>
             <a:endParaRPr lang="zh-TW" altLang="en-US" dirty="0"/>
           </a:p>
@@ -17775,11 +17782,7 @@
           <a:p>
             <a:r>
               <a:rPr lang="zh-TW" altLang="en-US" dirty="0" smtClean="0"/>
-              <a:t>繼承後</a:t>
-            </a:r>
-            <a:r>
-              <a:rPr lang="zh-TW" altLang="en-US" dirty="0" smtClean="0"/>
-              <a:t>改變</a:t>
+              <a:t>繼承後改變</a:t>
             </a:r>
             <a:r>
               <a:rPr lang="en-US" altLang="zh-TW" dirty="0" smtClean="0"/>
@@ -18656,11 +18659,7 @@
           <a:p>
             <a:r>
               <a:rPr lang="zh-TW" altLang="en-US" dirty="0" smtClean="0"/>
-              <a:t>繼承後限</a:t>
-            </a:r>
-            <a:r>
-              <a:rPr lang="zh-TW" altLang="en-US" dirty="0" smtClean="0"/>
-              <a:t>縮</a:t>
+              <a:t>繼承後限縮</a:t>
             </a:r>
             <a:r>
               <a:rPr lang="en-US" altLang="zh-TW" dirty="0" smtClean="0"/>
@@ -23144,7 +23143,19 @@
             <a:pPr lvl="1"/>
             <a:r>
               <a:rPr lang="zh-TW" altLang="en-US" dirty="0" smtClean="0"/>
-              <a:t>正式說法叫簽名不一樣。</a:t>
+              <a:t>正式說法叫</a:t>
+            </a:r>
+            <a:r>
+              <a:rPr lang="zh-TW" altLang="en-US" b="1" dirty="0" smtClean="0">
+                <a:solidFill>
+                  <a:srgbClr val="FF0000"/>
+                </a:solidFill>
+              </a:rPr>
+              <a:t>簽名</a:t>
+            </a:r>
+            <a:r>
+              <a:rPr lang="zh-TW" altLang="en-US" dirty="0" smtClean="0"/>
+              <a:t>不一樣。</a:t>
             </a:r>
             <a:endParaRPr lang="zh-TW" altLang="en-US" dirty="0"/>
           </a:p>
@@ -24141,7 +24152,7 @@
         <p:spPr>
           <a:xfrm>
             <a:off x="1249989" y="1842857"/>
-            <a:ext cx="6096000" cy="1323439"/>
+            <a:ext cx="7847828" cy="1323439"/>
           </a:xfrm>
           <a:prstGeom prst="rect">
             <a:avLst/>
@@ -24154,7 +24165,7 @@
           </a:solidFill>
         </p:spPr>
         <p:txBody>
-          <a:bodyPr>
+          <a:bodyPr wrap="square">
             <a:spAutoFit/>
           </a:bodyPr>
           <a:lstStyle/>
@@ -24405,8 +24416,8 @@
         </p:nvSpPr>
         <p:spPr>
           <a:xfrm>
-            <a:off x="1249989" y="3329712"/>
-            <a:ext cx="6096000" cy="3170099"/>
+            <a:off x="1249988" y="3329712"/>
+            <a:ext cx="7847829" cy="2862322"/>
           </a:xfrm>
           <a:prstGeom prst="rect">
             <a:avLst/>
@@ -24419,7 +24430,7 @@
           </a:solidFill>
         </p:spPr>
         <p:txBody>
-          <a:bodyPr>
+          <a:bodyPr wrap="square">
             <a:spAutoFit/>
           </a:bodyPr>
           <a:lstStyle/>
@@ -27334,7 +27345,7 @@
             <a:spLocks noGrp="1"/>
           </p:cNvSpPr>
           <p:nvPr>
-            <p:ph type="ctrTitle"/>
+            <p:ph type="title"/>
           </p:nvPr>
         </p:nvSpPr>
         <p:spPr/>
@@ -27343,28 +27354,24 @@
           <a:lstStyle/>
           <a:p>
             <a:r>
-              <a:rPr lang="en-US" altLang="zh-TW" dirty="0" smtClean="0"/>
-              <a:t>Final………</a:t>
-            </a:r>
-            <a:br>
-              <a:rPr lang="en-US" altLang="zh-TW" dirty="0" smtClean="0"/>
-            </a:br>
-            <a:r>
-              <a:rPr lang="zh-TW" altLang="en-US" dirty="0" smtClean="0"/>
-              <a:t>有沒有鬆一口氣了</a:t>
-            </a:r>
-            <a:endParaRPr lang="zh-TW" altLang="en-US" dirty="0"/>
+              <a:rPr lang="en-US" altLang="zh-TW" dirty="0"/>
+              <a:t>UML </a:t>
+            </a:r>
+            <a:r>
+              <a:rPr lang="zh-TW" altLang="en-US" dirty="0"/>
+              <a:t>類別圖</a:t>
+            </a:r>
           </a:p>
         </p:txBody>
       </p:sp>
       <p:sp>
         <p:nvSpPr>
-          <p:cNvPr id="5" name="副標題 4"/>
+          <p:cNvPr id="5" name="文字版面配置區 4"/>
           <p:cNvSpPr>
             <a:spLocks noGrp="1"/>
           </p:cNvSpPr>
           <p:nvPr>
-            <p:ph type="subTitle" idx="1"/>
+            <p:ph type="body" idx="1"/>
           </p:nvPr>
         </p:nvSpPr>
         <p:spPr/>
@@ -27374,40 +27381,568 @@
           <a:p>
             <a:r>
               <a:rPr lang="zh-TW" altLang="en-US" dirty="0" smtClean="0"/>
-              <a:t>其實這只是物件導向的入門，後面的學問還很深，</a:t>
-            </a:r>
-            <a:endParaRPr lang="en-US" altLang="zh-TW" dirty="0" smtClean="0"/>
-          </a:p>
-          <a:p>
-            <a:r>
-              <a:rPr lang="zh-TW" altLang="en-US"/>
-              <a:t>需要各位同學自己再</a:t>
-            </a:r>
-            <a:r>
-              <a:rPr lang="zh-TW" altLang="en-US" smtClean="0"/>
-              <a:t>努力了！</a:t>
-            </a:r>
-            <a:endParaRPr lang="zh-TW" altLang="en-US"/>
+              <a:t>簡單介紹而已不要緊張</a:t>
+            </a:r>
+            <a:endParaRPr lang="zh-TW" altLang="en-US" dirty="0"/>
           </a:p>
         </p:txBody>
       </p:sp>
     </p:spTree>
     <p:extLst>
       <p:ext uri="{BB962C8B-B14F-4D97-AF65-F5344CB8AC3E}">
-        <p14:creationId xmlns:p14="http://schemas.microsoft.com/office/powerpoint/2010/main" val="3504739553"/>
+        <p14:creationId xmlns:p14="http://schemas.microsoft.com/office/powerpoint/2010/main" val="337634209"/>
       </p:ext>
     </p:extLst>
   </p:cSld>
   <p:clrMapOvr>
     <a:masterClrMapping/>
   </p:clrMapOvr>
-  <p:timing>
-    <p:tnLst>
-      <p:par>
-        <p:cTn id="1" dur="indefinite" restart="never" nodeType="tmRoot"/>
-      </p:par>
-    </p:tnLst>
-  </p:timing>
+</p:sld>
+</file>
+
+<file path=ppt/slides/slide67.xml><?xml version="1.0" encoding="utf-8"?>
+<p:sld xmlns:a="http://schemas.openxmlformats.org/drawingml/2006/main" xmlns:r="http://schemas.openxmlformats.org/officeDocument/2006/relationships" xmlns:p="http://schemas.openxmlformats.org/presentationml/2006/main">
+  <p:cSld>
+    <p:spTree>
+      <p:nvGrpSpPr>
+        <p:cNvPr id="1" name=""/>
+        <p:cNvGrpSpPr/>
+        <p:nvPr/>
+      </p:nvGrpSpPr>
+      <p:grpSpPr>
+        <a:xfrm>
+          <a:off x="0" y="0"/>
+          <a:ext cx="0" cy="0"/>
+          <a:chOff x="0" y="0"/>
+          <a:chExt cx="0" cy="0"/>
+        </a:xfrm>
+      </p:grpSpPr>
+      <p:sp>
+        <p:nvSpPr>
+          <p:cNvPr id="2" name="標題 1"/>
+          <p:cNvSpPr>
+            <a:spLocks noGrp="1"/>
+          </p:cNvSpPr>
+          <p:nvPr>
+            <p:ph type="title"/>
+          </p:nvPr>
+        </p:nvSpPr>
+        <p:spPr/>
+        <p:txBody>
+          <a:bodyPr/>
+          <a:lstStyle/>
+          <a:p>
+            <a:endParaRPr lang="zh-TW" altLang="en-US"/>
+          </a:p>
+        </p:txBody>
+      </p:sp>
+      <p:sp>
+        <p:nvSpPr>
+          <p:cNvPr id="3" name="文字版面配置區 2"/>
+          <p:cNvSpPr>
+            <a:spLocks noGrp="1"/>
+          </p:cNvSpPr>
+          <p:nvPr>
+            <p:ph type="body" idx="1"/>
+          </p:nvPr>
+        </p:nvSpPr>
+        <p:spPr/>
+        <p:txBody>
+          <a:bodyPr/>
+          <a:lstStyle/>
+          <a:p>
+            <a:endParaRPr lang="zh-TW" altLang="en-US"/>
+          </a:p>
+        </p:txBody>
+      </p:sp>
+    </p:spTree>
+    <p:extLst>
+      <p:ext uri="{BB962C8B-B14F-4D97-AF65-F5344CB8AC3E}">
+        <p14:creationId xmlns:p14="http://schemas.microsoft.com/office/powerpoint/2010/main" val="3237312481"/>
+      </p:ext>
+    </p:extLst>
+  </p:cSld>
+  <p:clrMapOvr>
+    <a:masterClrMapping/>
+  </p:clrMapOvr>
+</p:sld>
+</file>
+
+<file path=ppt/slides/slide68.xml><?xml version="1.0" encoding="utf-8"?>
+<p:sld xmlns:a="http://schemas.openxmlformats.org/drawingml/2006/main" xmlns:r="http://schemas.openxmlformats.org/officeDocument/2006/relationships" xmlns:p="http://schemas.openxmlformats.org/presentationml/2006/main">
+  <p:cSld>
+    <p:spTree>
+      <p:nvGrpSpPr>
+        <p:cNvPr id="1" name=""/>
+        <p:cNvGrpSpPr/>
+        <p:nvPr/>
+      </p:nvGrpSpPr>
+      <p:grpSpPr>
+        <a:xfrm>
+          <a:off x="0" y="0"/>
+          <a:ext cx="0" cy="0"/>
+          <a:chOff x="0" y="0"/>
+          <a:chExt cx="0" cy="0"/>
+        </a:xfrm>
+      </p:grpSpPr>
+      <p:sp>
+        <p:nvSpPr>
+          <p:cNvPr id="4" name="標題 3"/>
+          <p:cNvSpPr>
+            <a:spLocks noGrp="1"/>
+          </p:cNvSpPr>
+          <p:nvPr>
+            <p:ph type="title"/>
+          </p:nvPr>
+        </p:nvSpPr>
+        <p:spPr/>
+        <p:txBody>
+          <a:bodyPr/>
+          <a:lstStyle/>
+          <a:p>
+            <a:r>
+              <a:rPr lang="zh-TW" altLang="en-US" dirty="0" smtClean="0"/>
+              <a:t>描述一個類別的</a:t>
+            </a:r>
+            <a:r>
+              <a:rPr lang="en-US" altLang="zh-TW" dirty="0" smtClean="0"/>
+              <a:t>UML</a:t>
+            </a:r>
+            <a:endParaRPr lang="zh-TW" altLang="en-US" dirty="0"/>
+          </a:p>
+        </p:txBody>
+      </p:sp>
+      <p:sp>
+        <p:nvSpPr>
+          <p:cNvPr id="5" name="內容版面配置區 4"/>
+          <p:cNvSpPr>
+            <a:spLocks noGrp="1"/>
+          </p:cNvSpPr>
+          <p:nvPr>
+            <p:ph idx="1"/>
+          </p:nvPr>
+        </p:nvSpPr>
+        <p:spPr/>
+        <p:txBody>
+          <a:bodyPr>
+            <a:normAutofit fontScale="92500" lnSpcReduction="10000"/>
+          </a:bodyPr>
+          <a:lstStyle/>
+          <a:p>
+            <a:r>
+              <a:rPr lang="zh-TW" altLang="en-US" dirty="0"/>
+              <a:t>三個區域由上而下分別代表</a:t>
+            </a:r>
+          </a:p>
+          <a:p>
+            <a:pPr lvl="1"/>
+            <a:r>
+              <a:rPr lang="en-US" altLang="zh-TW" dirty="0" smtClean="0"/>
+              <a:t>Name </a:t>
+            </a:r>
+            <a:r>
+              <a:rPr lang="en-US" altLang="zh-TW" dirty="0"/>
+              <a:t>— </a:t>
+            </a:r>
+            <a:r>
+              <a:rPr lang="zh-TW" altLang="en-US" dirty="0"/>
+              <a:t>必填的名稱（粗體置中且首字大寫，若表示抽象類別則使用斜體）</a:t>
+            </a:r>
+          </a:p>
+          <a:p>
+            <a:pPr lvl="1"/>
+            <a:r>
+              <a:rPr lang="en-US" altLang="zh-TW" dirty="0"/>
+              <a:t>Attributes — </a:t>
+            </a:r>
+            <a:r>
+              <a:rPr lang="zh-TW" altLang="en-US" dirty="0"/>
+              <a:t>屬性，冒號後表示型別（置左且首字小寫）</a:t>
+            </a:r>
+          </a:p>
+          <a:p>
+            <a:pPr lvl="1"/>
+            <a:r>
+              <a:rPr lang="en-US" altLang="zh-TW" dirty="0"/>
+              <a:t>Methods— </a:t>
+            </a:r>
+            <a:r>
+              <a:rPr lang="zh-TW" altLang="en-US" dirty="0"/>
+              <a:t>方法，冒號後表示回傳值（置左且首字小寫）</a:t>
+            </a:r>
+          </a:p>
+          <a:p>
+            <a:r>
+              <a:rPr lang="zh-TW" altLang="en-US" dirty="0"/>
+              <a:t>其中屬性與方法可以在前面加上前綴符號，表示其封裝層級</a:t>
+            </a:r>
+          </a:p>
+          <a:p>
+            <a:pPr lvl="1"/>
+            <a:r>
+              <a:rPr lang="en-US" altLang="zh-TW" dirty="0" smtClean="0"/>
+              <a:t>+      </a:t>
+            </a:r>
+            <a:r>
+              <a:rPr lang="en-US" altLang="zh-TW" dirty="0"/>
+              <a:t>Public, </a:t>
+            </a:r>
+            <a:r>
+              <a:rPr lang="zh-TW" altLang="en-US" dirty="0"/>
+              <a:t>公共</a:t>
+            </a:r>
+          </a:p>
+          <a:p>
+            <a:pPr lvl="1"/>
+            <a:r>
+              <a:rPr lang="en-US" altLang="zh-TW" dirty="0"/>
+              <a:t>-      </a:t>
+            </a:r>
+            <a:r>
+              <a:rPr lang="en-US" altLang="zh-TW" dirty="0" smtClean="0"/>
+              <a:t>Private</a:t>
+            </a:r>
+            <a:r>
+              <a:rPr lang="en-US" altLang="zh-TW" dirty="0"/>
+              <a:t>, </a:t>
+            </a:r>
+            <a:r>
+              <a:rPr lang="zh-TW" altLang="en-US" dirty="0"/>
+              <a:t>私有</a:t>
+            </a:r>
+          </a:p>
+          <a:p>
+            <a:pPr lvl="1"/>
+            <a:r>
+              <a:rPr lang="en-US" altLang="zh-TW" dirty="0"/>
+              <a:t>#      Protected, </a:t>
+            </a:r>
+            <a:r>
+              <a:rPr lang="zh-TW" altLang="en-US" dirty="0"/>
+              <a:t>保護（即對子類可見）</a:t>
+            </a:r>
+          </a:p>
+          <a:p>
+            <a:pPr lvl="1"/>
+            <a:r>
+              <a:rPr lang="en-US" altLang="zh-TW" dirty="0"/>
+              <a:t>~      Package, </a:t>
+            </a:r>
+            <a:r>
+              <a:rPr lang="zh-TW" altLang="en-US" dirty="0"/>
+              <a:t>包（即對包內的其他成員可見）</a:t>
+            </a:r>
+          </a:p>
+          <a:p>
+            <a:pPr lvl="1"/>
+            <a:r>
+              <a:rPr lang="en-US" altLang="zh-TW" dirty="0"/>
+              <a:t>/      Derived, </a:t>
+            </a:r>
+            <a:r>
+              <a:rPr lang="zh-TW" altLang="en-US" dirty="0"/>
+              <a:t>推導（即由其他屬性推導得出，不需要直接給定其值）</a:t>
+            </a:r>
+          </a:p>
+          <a:p>
+            <a:pPr lvl="1"/>
+            <a:r>
+              <a:rPr lang="zh-TW" altLang="en-US" dirty="0"/>
+              <a:t>加底線  </a:t>
+            </a:r>
+            <a:r>
+              <a:rPr lang="en-US" altLang="zh-TW" dirty="0"/>
+              <a:t>Static, </a:t>
+            </a:r>
+            <a:r>
+              <a:rPr lang="zh-TW" altLang="en-US" dirty="0"/>
+              <a:t>靜態（其屬性對任何實體來說都是相同的</a:t>
+            </a:r>
+            <a:r>
+              <a:rPr lang="zh-TW" altLang="en-US" dirty="0" smtClean="0"/>
+              <a:t>）</a:t>
+            </a:r>
+            <a:endParaRPr lang="zh-TW" altLang="en-US" dirty="0"/>
+          </a:p>
+        </p:txBody>
+      </p:sp>
+      <p:pic>
+        <p:nvPicPr>
+          <p:cNvPr id="1026" name="Picture 2" descr="https://miro.medium.com/v2/resize:fit:423/1*lCNkeXjQXvQUe6A3gF023Q.png"/>
+          <p:cNvPicPr>
+            <a:picLocks noChangeAspect="1" noChangeArrowheads="1"/>
+          </p:cNvPicPr>
+          <p:nvPr/>
+        </p:nvPicPr>
+        <p:blipFill>
+          <a:blip r:embed="rId2">
+            <a:extLst>
+              <a:ext uri="{28A0092B-C50C-407E-A947-70E740481C1C}">
+                <a14:useLocalDpi xmlns:a14="http://schemas.microsoft.com/office/drawing/2010/main" val="0"/>
+              </a:ext>
+            </a:extLst>
+          </a:blip>
+          <a:srcRect/>
+          <a:stretch>
+            <a:fillRect/>
+          </a:stretch>
+        </p:blipFill>
+        <p:spPr bwMode="auto">
+          <a:xfrm>
+            <a:off x="8223924" y="1930400"/>
+            <a:ext cx="3722448" cy="2544040"/>
+          </a:xfrm>
+          <a:prstGeom prst="rect">
+            <a:avLst/>
+          </a:prstGeom>
+          <a:noFill/>
+          <a:extLst>
+            <a:ext uri="{909E8E84-426E-40DD-AFC4-6F175D3DCCD1}">
+              <a14:hiddenFill xmlns:a14="http://schemas.microsoft.com/office/drawing/2010/main">
+                <a:solidFill>
+                  <a:srgbClr val="FFFFFF"/>
+                </a:solidFill>
+              </a14:hiddenFill>
+            </a:ext>
+          </a:extLst>
+        </p:spPr>
+      </p:pic>
+      <p:cxnSp>
+        <p:nvCxnSpPr>
+          <p:cNvPr id="7" name="直線單箭頭接點 6"/>
+          <p:cNvCxnSpPr/>
+          <p:nvPr/>
+        </p:nvCxnSpPr>
+        <p:spPr>
+          <a:xfrm flipV="1">
+            <a:off x="7758545" y="2336800"/>
+            <a:ext cx="720437" cy="230909"/>
+          </a:xfrm>
+          <a:prstGeom prst="straightConnector1">
+            <a:avLst/>
+          </a:prstGeom>
+          <a:ln w="28575">
+            <a:solidFill>
+              <a:srgbClr val="FF0000"/>
+            </a:solidFill>
+            <a:tailEnd type="triangle"/>
+          </a:ln>
+        </p:spPr>
+        <p:style>
+          <a:lnRef idx="1">
+            <a:schemeClr val="accent1"/>
+          </a:lnRef>
+          <a:fillRef idx="0">
+            <a:schemeClr val="accent1"/>
+          </a:fillRef>
+          <a:effectRef idx="0">
+            <a:schemeClr val="accent1"/>
+          </a:effectRef>
+          <a:fontRef idx="minor">
+            <a:schemeClr val="tx1"/>
+          </a:fontRef>
+        </p:style>
+      </p:cxnSp>
+      <p:cxnSp>
+        <p:nvCxnSpPr>
+          <p:cNvPr id="9" name="直線單箭頭接點 8"/>
+          <p:cNvCxnSpPr/>
+          <p:nvPr/>
+        </p:nvCxnSpPr>
+        <p:spPr>
+          <a:xfrm>
+            <a:off x="6253018" y="2992583"/>
+            <a:ext cx="2050473" cy="106896"/>
+          </a:xfrm>
+          <a:prstGeom prst="straightConnector1">
+            <a:avLst/>
+          </a:prstGeom>
+          <a:ln w="28575">
+            <a:solidFill>
+              <a:srgbClr val="FF0000"/>
+            </a:solidFill>
+            <a:tailEnd type="triangle"/>
+          </a:ln>
+        </p:spPr>
+        <p:style>
+          <a:lnRef idx="1">
+            <a:schemeClr val="accent1"/>
+          </a:lnRef>
+          <a:fillRef idx="0">
+            <a:schemeClr val="accent1"/>
+          </a:fillRef>
+          <a:effectRef idx="0">
+            <a:schemeClr val="accent1"/>
+          </a:effectRef>
+          <a:fontRef idx="minor">
+            <a:schemeClr val="tx1"/>
+          </a:fontRef>
+        </p:style>
+      </p:cxnSp>
+      <p:cxnSp>
+        <p:nvCxnSpPr>
+          <p:cNvPr id="12" name="直線單箭頭接點 11"/>
+          <p:cNvCxnSpPr/>
+          <p:nvPr/>
+        </p:nvCxnSpPr>
+        <p:spPr>
+          <a:xfrm>
+            <a:off x="6253018" y="3360730"/>
+            <a:ext cx="2050473" cy="624472"/>
+          </a:xfrm>
+          <a:prstGeom prst="straightConnector1">
+            <a:avLst/>
+          </a:prstGeom>
+          <a:ln w="28575">
+            <a:solidFill>
+              <a:srgbClr val="FF0000"/>
+            </a:solidFill>
+            <a:tailEnd type="triangle"/>
+          </a:ln>
+        </p:spPr>
+        <p:style>
+          <a:lnRef idx="1">
+            <a:schemeClr val="accent1"/>
+          </a:lnRef>
+          <a:fillRef idx="0">
+            <a:schemeClr val="accent1"/>
+          </a:fillRef>
+          <a:effectRef idx="0">
+            <a:schemeClr val="accent1"/>
+          </a:effectRef>
+          <a:fontRef idx="minor">
+            <a:schemeClr val="tx1"/>
+          </a:fontRef>
+        </p:style>
+      </p:cxnSp>
+    </p:spTree>
+    <p:extLst>
+      <p:ext uri="{BB962C8B-B14F-4D97-AF65-F5344CB8AC3E}">
+        <p14:creationId xmlns:p14="http://schemas.microsoft.com/office/powerpoint/2010/main" val="2546799477"/>
+      </p:ext>
+    </p:extLst>
+  </p:cSld>
+  <p:clrMapOvr>
+    <a:masterClrMapping/>
+  </p:clrMapOvr>
+</p:sld>
+</file>
+
+<file path=ppt/slides/slide69.xml><?xml version="1.0" encoding="utf-8"?>
+<p:sld xmlns:a="http://schemas.openxmlformats.org/drawingml/2006/main" xmlns:r="http://schemas.openxmlformats.org/officeDocument/2006/relationships" xmlns:p="http://schemas.openxmlformats.org/presentationml/2006/main">
+  <p:cSld>
+    <p:spTree>
+      <p:nvGrpSpPr>
+        <p:cNvPr id="1" name=""/>
+        <p:cNvGrpSpPr/>
+        <p:nvPr/>
+      </p:nvGrpSpPr>
+      <p:grpSpPr>
+        <a:xfrm>
+          <a:off x="0" y="0"/>
+          <a:ext cx="0" cy="0"/>
+          <a:chOff x="0" y="0"/>
+          <a:chExt cx="0" cy="0"/>
+        </a:xfrm>
+      </p:grpSpPr>
+      <p:sp>
+        <p:nvSpPr>
+          <p:cNvPr id="2" name="標題 1"/>
+          <p:cNvSpPr>
+            <a:spLocks noGrp="1"/>
+          </p:cNvSpPr>
+          <p:nvPr>
+            <p:ph type="title"/>
+          </p:nvPr>
+        </p:nvSpPr>
+        <p:spPr/>
+        <p:txBody>
+          <a:bodyPr/>
+          <a:lstStyle/>
+          <a:p>
+            <a:r>
+              <a:rPr lang="zh-TW" altLang="en-US" dirty="0" smtClean="0"/>
+              <a:t>描述</a:t>
+            </a:r>
+            <a:r>
+              <a:rPr lang="zh-TW" altLang="en-US" dirty="0" smtClean="0">
+                <a:solidFill>
+                  <a:srgbClr val="FF0000"/>
+                </a:solidFill>
+              </a:rPr>
+              <a:t>類別之間</a:t>
+            </a:r>
+            <a:r>
+              <a:rPr lang="zh-TW" altLang="en-US" dirty="0" smtClean="0"/>
+              <a:t>以及</a:t>
+            </a:r>
+            <a:r>
+              <a:rPr lang="zh-TW" altLang="en-US" dirty="0" smtClean="0">
+                <a:solidFill>
+                  <a:srgbClr val="FF0000"/>
+                </a:solidFill>
+              </a:rPr>
+              <a:t>物件之間</a:t>
+            </a:r>
+            <a:r>
+              <a:rPr lang="zh-TW" altLang="en-US" dirty="0" smtClean="0"/>
+              <a:t>的關係</a:t>
+            </a:r>
+            <a:endParaRPr lang="zh-TW" altLang="en-US" dirty="0"/>
+          </a:p>
+        </p:txBody>
+      </p:sp>
+      <p:pic>
+        <p:nvPicPr>
+          <p:cNvPr id="2052" name="Picture 4" descr="https://miro.medium.com/v2/resize:fit:875/1*uOMbGIScNWQBSfV0ZSbz3g.png"/>
+          <p:cNvPicPr>
+            <a:picLocks noChangeAspect="1" noChangeArrowheads="1"/>
+          </p:cNvPicPr>
+          <p:nvPr/>
+        </p:nvPicPr>
+        <p:blipFill>
+          <a:blip r:embed="rId2">
+            <a:extLst>
+              <a:ext uri="{28A0092B-C50C-407E-A947-70E740481C1C}">
+                <a14:useLocalDpi xmlns:a14="http://schemas.microsoft.com/office/drawing/2010/main" val="0"/>
+              </a:ext>
+            </a:extLst>
+          </a:blip>
+          <a:srcRect/>
+          <a:stretch>
+            <a:fillRect/>
+          </a:stretch>
+        </p:blipFill>
+        <p:spPr bwMode="auto">
+          <a:xfrm>
+            <a:off x="328189" y="1930400"/>
+            <a:ext cx="10823316" cy="4094306"/>
+          </a:xfrm>
+          <a:prstGeom prst="rect">
+            <a:avLst/>
+          </a:prstGeom>
+          <a:noFill/>
+          <a:extLst>
+            <a:ext uri="{909E8E84-426E-40DD-AFC4-6F175D3DCCD1}">
+              <a14:hiddenFill xmlns:a14="http://schemas.microsoft.com/office/drawing/2010/main">
+                <a:solidFill>
+                  <a:srgbClr val="FFFFFF"/>
+                </a:solidFill>
+              </a14:hiddenFill>
+            </a:ext>
+          </a:extLst>
+        </p:spPr>
+      </p:pic>
+    </p:spTree>
+    <p:extLst>
+      <p:ext uri="{BB962C8B-B14F-4D97-AF65-F5344CB8AC3E}">
+        <p14:creationId xmlns:p14="http://schemas.microsoft.com/office/powerpoint/2010/main" val="3478725253"/>
+      </p:ext>
+    </p:extLst>
+  </p:cSld>
+  <p:clrMapOvr>
+    <a:masterClrMapping/>
+  </p:clrMapOvr>
 </p:sld>
 </file>
 
@@ -28548,6 +29083,6416 @@
 </p:sld>
 </file>
 
+<file path=ppt/slides/slide70.xml><?xml version="1.0" encoding="utf-8"?>
+<p:sld xmlns:a="http://schemas.openxmlformats.org/drawingml/2006/main" xmlns:r="http://schemas.openxmlformats.org/officeDocument/2006/relationships" xmlns:p="http://schemas.openxmlformats.org/presentationml/2006/main">
+  <p:cSld>
+    <p:spTree>
+      <p:nvGrpSpPr>
+        <p:cNvPr id="1" name=""/>
+        <p:cNvGrpSpPr/>
+        <p:nvPr/>
+      </p:nvGrpSpPr>
+      <p:grpSpPr>
+        <a:xfrm>
+          <a:off x="0" y="0"/>
+          <a:ext cx="0" cy="0"/>
+          <a:chOff x="0" y="0"/>
+          <a:chExt cx="0" cy="0"/>
+        </a:xfrm>
+      </p:grpSpPr>
+      <p:sp>
+        <p:nvSpPr>
+          <p:cNvPr id="2" name="標題 1"/>
+          <p:cNvSpPr>
+            <a:spLocks noGrp="1"/>
+          </p:cNvSpPr>
+          <p:nvPr>
+            <p:ph type="title"/>
+          </p:nvPr>
+        </p:nvSpPr>
+        <p:spPr/>
+        <p:txBody>
+          <a:bodyPr/>
+          <a:lstStyle/>
+          <a:p>
+            <a:r>
+              <a:rPr lang="zh-TW" altLang="en-US" dirty="0" smtClean="0"/>
+              <a:t>繼承關係</a:t>
+            </a:r>
+            <a:endParaRPr lang="zh-TW" altLang="en-US" dirty="0"/>
+          </a:p>
+        </p:txBody>
+      </p:sp>
+      <p:sp>
+        <p:nvSpPr>
+          <p:cNvPr id="3" name="文字方塊 2"/>
+          <p:cNvSpPr txBox="1"/>
+          <p:nvPr/>
+        </p:nvSpPr>
+        <p:spPr>
+          <a:xfrm>
+            <a:off x="2434131" y="5569419"/>
+            <a:ext cx="1915909" cy="369332"/>
+          </a:xfrm>
+          <a:prstGeom prst="rect">
+            <a:avLst/>
+          </a:prstGeom>
+          <a:noFill/>
+        </p:spPr>
+        <p:txBody>
+          <a:bodyPr wrap="none" rtlCol="0">
+            <a:spAutoFit/>
+          </a:bodyPr>
+          <a:lstStyle/>
+          <a:p>
+            <a:r>
+              <a:rPr lang="zh-TW" altLang="en-US" dirty="0"/>
+              <a:t>用</a:t>
+            </a:r>
+            <a:r>
+              <a:rPr lang="en-US" altLang="zh-TW" dirty="0" smtClean="0"/>
+              <a:t>extends</a:t>
+            </a:r>
+            <a:r>
+              <a:rPr lang="zh-TW" altLang="en-US" dirty="0" smtClean="0"/>
+              <a:t>的關係</a:t>
+            </a:r>
+            <a:endParaRPr lang="zh-TW" altLang="en-US" dirty="0"/>
+          </a:p>
+        </p:txBody>
+      </p:sp>
+      <p:sp>
+        <p:nvSpPr>
+          <p:cNvPr id="6" name="文字方塊 5"/>
+          <p:cNvSpPr txBox="1"/>
+          <p:nvPr/>
+        </p:nvSpPr>
+        <p:spPr>
+          <a:xfrm>
+            <a:off x="7204715" y="5363470"/>
+            <a:ext cx="2318262" cy="646331"/>
+          </a:xfrm>
+          <a:prstGeom prst="rect">
+            <a:avLst/>
+          </a:prstGeom>
+          <a:noFill/>
+        </p:spPr>
+        <p:txBody>
+          <a:bodyPr wrap="none" rtlCol="0">
+            <a:spAutoFit/>
+          </a:bodyPr>
+          <a:lstStyle/>
+          <a:p>
+            <a:pPr algn="ctr"/>
+            <a:r>
+              <a:rPr lang="zh-TW" altLang="en-US" dirty="0" smtClean="0"/>
+              <a:t>用</a:t>
+            </a:r>
+            <a:r>
+              <a:rPr lang="en-US" altLang="zh-TW" dirty="0" smtClean="0"/>
+              <a:t>implements</a:t>
+            </a:r>
+            <a:r>
+              <a:rPr lang="zh-TW" altLang="en-US" dirty="0" smtClean="0"/>
+              <a:t>的關係</a:t>
+            </a:r>
+            <a:endParaRPr lang="en-US" altLang="zh-TW" dirty="0" smtClean="0"/>
+          </a:p>
+          <a:p>
+            <a:pPr algn="ctr"/>
+            <a:r>
+              <a:rPr lang="en-US" altLang="zh-TW" dirty="0" smtClean="0"/>
+              <a:t>(</a:t>
+            </a:r>
+            <a:r>
+              <a:rPr lang="zh-TW" altLang="en-US" dirty="0" smtClean="0"/>
+              <a:t>就是實作</a:t>
+            </a:r>
+            <a:r>
+              <a:rPr lang="en-US" altLang="zh-TW" dirty="0" smtClean="0"/>
+              <a:t>interface)</a:t>
+            </a:r>
+            <a:endParaRPr lang="zh-TW" altLang="en-US" dirty="0"/>
+          </a:p>
+        </p:txBody>
+      </p:sp>
+      <p:graphicFrame>
+        <p:nvGraphicFramePr>
+          <p:cNvPr id="4" name="表格 3"/>
+          <p:cNvGraphicFramePr>
+            <a:graphicFrameLocks noGrp="1"/>
+          </p:cNvGraphicFramePr>
+          <p:nvPr>
+            <p:extLst>
+              <p:ext uri="{D42A27DB-BD31-4B8C-83A1-F6EECF244321}">
+                <p14:modId xmlns:p14="http://schemas.microsoft.com/office/powerpoint/2010/main" val="2623640420"/>
+              </p:ext>
+            </p:extLst>
+          </p:nvPr>
+        </p:nvGraphicFramePr>
+        <p:xfrm>
+          <a:off x="2551576" y="1514026"/>
+          <a:ext cx="1891115" cy="1371600"/>
+        </p:xfrm>
+        <a:graphic>
+          <a:graphicData uri="http://schemas.openxmlformats.org/drawingml/2006/table">
+            <a:tbl>
+              <a:tblPr firstRow="1" bandRow="1">
+                <a:tableStyleId>{2D5ABB26-0587-4C30-8999-92F81FD0307C}</a:tableStyleId>
+              </a:tblPr>
+              <a:tblGrid>
+                <a:gridCol w="1891115">
+                  <a:extLst>
+                    <a:ext uri="{9D8B030D-6E8A-4147-A177-3AD203B41FA5}">
+                      <a16:colId xmlns:a16="http://schemas.microsoft.com/office/drawing/2014/main" val="27480226"/>
+                    </a:ext>
+                  </a:extLst>
+                </a:gridCol>
+              </a:tblGrid>
+              <a:tr h="285424">
+                <a:tc>
+                  <a:txBody>
+                    <a:bodyPr/>
+                    <a:lstStyle/>
+                    <a:p>
+                      <a:pPr algn="ctr"/>
+                      <a:r>
+                        <a:rPr lang="en-US" altLang="zh-TW" dirty="0" smtClean="0"/>
+                        <a:t>Person</a:t>
+                      </a:r>
+                      <a:endParaRPr lang="zh-TW" altLang="en-US" dirty="0"/>
+                    </a:p>
+                  </a:txBody>
+                  <a:tcPr>
+                    <a:lnL w="12700" cap="flat" cmpd="sng" algn="ctr">
+                      <a:solidFill>
+                        <a:schemeClr val="tx1"/>
+                      </a:solidFill>
+                      <a:prstDash val="solid"/>
+                      <a:round/>
+                      <a:headEnd type="none" w="med" len="med"/>
+                      <a:tailEnd type="none" w="med" len="med"/>
+                    </a:lnL>
+                    <a:lnR w="12700" cap="flat" cmpd="sng" algn="ctr">
+                      <a:solidFill>
+                        <a:schemeClr val="tx1"/>
+                      </a:solidFill>
+                      <a:prstDash val="solid"/>
+                      <a:round/>
+                      <a:headEnd type="none" w="med" len="med"/>
+                      <a:tailEnd type="none" w="med" len="med"/>
+                    </a:lnR>
+                    <a:lnT w="12700" cap="flat" cmpd="sng" algn="ctr">
+                      <a:solidFill>
+                        <a:schemeClr val="tx1"/>
+                      </a:solidFill>
+                      <a:prstDash val="solid"/>
+                      <a:round/>
+                      <a:headEnd type="none" w="med" len="med"/>
+                      <a:tailEnd type="none" w="med" len="med"/>
+                    </a:lnT>
+                    <a:lnB w="12700" cap="flat" cmpd="sng" algn="ctr">
+                      <a:solidFill>
+                        <a:schemeClr val="tx1"/>
+                      </a:solidFill>
+                      <a:prstDash val="solid"/>
+                      <a:round/>
+                      <a:headEnd type="none" w="med" len="med"/>
+                      <a:tailEnd type="none" w="med" len="med"/>
+                    </a:lnB>
+                    <a:lnTlToBr w="12700" cmpd="sng">
+                      <a:noFill/>
+                      <a:prstDash val="solid"/>
+                    </a:lnTlToBr>
+                    <a:lnBlToTr w="12700" cmpd="sng">
+                      <a:noFill/>
+                      <a:prstDash val="solid"/>
+                    </a:lnBlToTr>
+                    <a:solidFill>
+                      <a:schemeClr val="bg1"/>
+                    </a:solidFill>
+                  </a:tcPr>
+                </a:tc>
+                <a:extLst>
+                  <a:ext uri="{0D108BD9-81ED-4DB2-BD59-A6C34878D82A}">
+                    <a16:rowId xmlns:a16="http://schemas.microsoft.com/office/drawing/2014/main" val="562645238"/>
+                  </a:ext>
+                </a:extLst>
+              </a:tr>
+              <a:tr h="499492">
+                <a:tc>
+                  <a:txBody>
+                    <a:bodyPr/>
+                    <a:lstStyle/>
+                    <a:p>
+                      <a:r>
+                        <a:rPr lang="en-US" altLang="zh-TW" dirty="0" smtClean="0"/>
+                        <a:t>+</a:t>
+                      </a:r>
+                      <a:r>
+                        <a:rPr lang="en-US" altLang="zh-TW" dirty="0" err="1" smtClean="0"/>
+                        <a:t>name:string</a:t>
+                      </a:r>
+                      <a:endParaRPr lang="en-US" altLang="zh-TW" dirty="0" smtClean="0"/>
+                    </a:p>
+                    <a:p>
+                      <a:r>
+                        <a:rPr lang="en-US" altLang="zh-TW" dirty="0" smtClean="0"/>
+                        <a:t>+</a:t>
+                      </a:r>
+                      <a:r>
+                        <a:rPr lang="en-US" altLang="zh-TW" dirty="0" err="1" smtClean="0"/>
+                        <a:t>age:int</a:t>
+                      </a:r>
+                      <a:r>
+                        <a:rPr lang="en-US" altLang="zh-TW" dirty="0" smtClean="0"/>
+                        <a:t>=0</a:t>
+                      </a:r>
+                      <a:endParaRPr lang="zh-TW" altLang="en-US" dirty="0"/>
+                    </a:p>
+                  </a:txBody>
+                  <a:tcPr>
+                    <a:lnL w="12700" cap="flat" cmpd="sng" algn="ctr">
+                      <a:solidFill>
+                        <a:schemeClr val="tx1"/>
+                      </a:solidFill>
+                      <a:prstDash val="solid"/>
+                      <a:round/>
+                      <a:headEnd type="none" w="med" len="med"/>
+                      <a:tailEnd type="none" w="med" len="med"/>
+                    </a:lnL>
+                    <a:lnR w="12700" cap="flat" cmpd="sng" algn="ctr">
+                      <a:solidFill>
+                        <a:schemeClr val="tx1"/>
+                      </a:solidFill>
+                      <a:prstDash val="solid"/>
+                      <a:round/>
+                      <a:headEnd type="none" w="med" len="med"/>
+                      <a:tailEnd type="none" w="med" len="med"/>
+                    </a:lnR>
+                    <a:lnT w="12700" cap="flat" cmpd="sng" algn="ctr">
+                      <a:solidFill>
+                        <a:schemeClr val="tx1"/>
+                      </a:solidFill>
+                      <a:prstDash val="solid"/>
+                      <a:round/>
+                      <a:headEnd type="none" w="med" len="med"/>
+                      <a:tailEnd type="none" w="med" len="med"/>
+                    </a:lnT>
+                    <a:lnB w="12700" cap="flat" cmpd="sng" algn="ctr">
+                      <a:solidFill>
+                        <a:schemeClr val="tx1"/>
+                      </a:solidFill>
+                      <a:prstDash val="solid"/>
+                      <a:round/>
+                      <a:headEnd type="none" w="med" len="med"/>
+                      <a:tailEnd type="none" w="med" len="med"/>
+                    </a:lnB>
+                    <a:lnTlToBr w="12700" cmpd="sng">
+                      <a:noFill/>
+                      <a:prstDash val="solid"/>
+                    </a:lnTlToBr>
+                    <a:lnBlToTr w="12700" cmpd="sng">
+                      <a:noFill/>
+                      <a:prstDash val="solid"/>
+                    </a:lnBlToTr>
+                    <a:solidFill>
+                      <a:schemeClr val="bg1"/>
+                    </a:solidFill>
+                  </a:tcPr>
+                </a:tc>
+                <a:extLst>
+                  <a:ext uri="{0D108BD9-81ED-4DB2-BD59-A6C34878D82A}">
+                    <a16:rowId xmlns:a16="http://schemas.microsoft.com/office/drawing/2014/main" val="4249798471"/>
+                  </a:ext>
+                </a:extLst>
+              </a:tr>
+              <a:tr h="285424">
+                <a:tc>
+                  <a:txBody>
+                    <a:bodyPr/>
+                    <a:lstStyle/>
+                    <a:p>
+                      <a:endParaRPr lang="zh-TW" altLang="en-US" dirty="0"/>
+                    </a:p>
+                  </a:txBody>
+                  <a:tcPr>
+                    <a:lnL w="12700" cap="flat" cmpd="sng" algn="ctr">
+                      <a:solidFill>
+                        <a:schemeClr val="tx1"/>
+                      </a:solidFill>
+                      <a:prstDash val="solid"/>
+                      <a:round/>
+                      <a:headEnd type="none" w="med" len="med"/>
+                      <a:tailEnd type="none" w="med" len="med"/>
+                    </a:lnL>
+                    <a:lnR w="12700" cap="flat" cmpd="sng" algn="ctr">
+                      <a:solidFill>
+                        <a:schemeClr val="tx1"/>
+                      </a:solidFill>
+                      <a:prstDash val="solid"/>
+                      <a:round/>
+                      <a:headEnd type="none" w="med" len="med"/>
+                      <a:tailEnd type="none" w="med" len="med"/>
+                    </a:lnR>
+                    <a:lnT w="12700" cap="flat" cmpd="sng" algn="ctr">
+                      <a:solidFill>
+                        <a:schemeClr val="tx1"/>
+                      </a:solidFill>
+                      <a:prstDash val="solid"/>
+                      <a:round/>
+                      <a:headEnd type="none" w="med" len="med"/>
+                      <a:tailEnd type="none" w="med" len="med"/>
+                    </a:lnT>
+                    <a:lnB w="12700" cap="flat" cmpd="sng" algn="ctr">
+                      <a:solidFill>
+                        <a:schemeClr val="tx1"/>
+                      </a:solidFill>
+                      <a:prstDash val="solid"/>
+                      <a:round/>
+                      <a:headEnd type="none" w="med" len="med"/>
+                      <a:tailEnd type="none" w="med" len="med"/>
+                    </a:lnB>
+                    <a:lnTlToBr w="12700" cmpd="sng">
+                      <a:noFill/>
+                      <a:prstDash val="solid"/>
+                    </a:lnTlToBr>
+                    <a:lnBlToTr w="12700" cmpd="sng">
+                      <a:noFill/>
+                      <a:prstDash val="solid"/>
+                    </a:lnBlToTr>
+                    <a:solidFill>
+                      <a:schemeClr val="bg1"/>
+                    </a:solidFill>
+                  </a:tcPr>
+                </a:tc>
+                <a:extLst>
+                  <a:ext uri="{0D108BD9-81ED-4DB2-BD59-A6C34878D82A}">
+                    <a16:rowId xmlns:a16="http://schemas.microsoft.com/office/drawing/2014/main" val="1043476516"/>
+                  </a:ext>
+                </a:extLst>
+              </a:tr>
+            </a:tbl>
+          </a:graphicData>
+        </a:graphic>
+      </p:graphicFrame>
+      <p:graphicFrame>
+        <p:nvGraphicFramePr>
+          <p:cNvPr id="8" name="表格 7"/>
+          <p:cNvGraphicFramePr>
+            <a:graphicFrameLocks noGrp="1"/>
+          </p:cNvGraphicFramePr>
+          <p:nvPr>
+            <p:extLst>
+              <p:ext uri="{D42A27DB-BD31-4B8C-83A1-F6EECF244321}">
+                <p14:modId xmlns:p14="http://schemas.microsoft.com/office/powerpoint/2010/main" val="3459176822"/>
+              </p:ext>
+            </p:extLst>
+          </p:nvPr>
+        </p:nvGraphicFramePr>
+        <p:xfrm>
+          <a:off x="1212303" y="4030935"/>
+          <a:ext cx="1891115" cy="1231012"/>
+        </p:xfrm>
+        <a:graphic>
+          <a:graphicData uri="http://schemas.openxmlformats.org/drawingml/2006/table">
+            <a:tbl>
+              <a:tblPr firstRow="1" bandRow="1">
+                <a:tableStyleId>{2D5ABB26-0587-4C30-8999-92F81FD0307C}</a:tableStyleId>
+              </a:tblPr>
+              <a:tblGrid>
+                <a:gridCol w="1891115">
+                  <a:extLst>
+                    <a:ext uri="{9D8B030D-6E8A-4147-A177-3AD203B41FA5}">
+                      <a16:colId xmlns:a16="http://schemas.microsoft.com/office/drawing/2014/main" val="27480226"/>
+                    </a:ext>
+                  </a:extLst>
+                </a:gridCol>
+              </a:tblGrid>
+              <a:tr h="285424">
+                <a:tc>
+                  <a:txBody>
+                    <a:bodyPr/>
+                    <a:lstStyle/>
+                    <a:p>
+                      <a:pPr algn="ctr"/>
+                      <a:r>
+                        <a:rPr lang="en-US" altLang="zh-TW" dirty="0" smtClean="0"/>
+                        <a:t>Student</a:t>
+                      </a:r>
+                      <a:endParaRPr lang="zh-TW" altLang="en-US" dirty="0"/>
+                    </a:p>
+                  </a:txBody>
+                  <a:tcPr>
+                    <a:lnL w="12700" cap="flat" cmpd="sng" algn="ctr">
+                      <a:solidFill>
+                        <a:schemeClr val="tx1"/>
+                      </a:solidFill>
+                      <a:prstDash val="solid"/>
+                      <a:round/>
+                      <a:headEnd type="none" w="med" len="med"/>
+                      <a:tailEnd type="none" w="med" len="med"/>
+                    </a:lnL>
+                    <a:lnR w="12700" cap="flat" cmpd="sng" algn="ctr">
+                      <a:solidFill>
+                        <a:schemeClr val="tx1"/>
+                      </a:solidFill>
+                      <a:prstDash val="solid"/>
+                      <a:round/>
+                      <a:headEnd type="none" w="med" len="med"/>
+                      <a:tailEnd type="none" w="med" len="med"/>
+                    </a:lnR>
+                    <a:lnT w="12700" cap="flat" cmpd="sng" algn="ctr">
+                      <a:solidFill>
+                        <a:schemeClr val="tx1"/>
+                      </a:solidFill>
+                      <a:prstDash val="solid"/>
+                      <a:round/>
+                      <a:headEnd type="none" w="med" len="med"/>
+                      <a:tailEnd type="none" w="med" len="med"/>
+                    </a:lnT>
+                    <a:lnB w="12700" cap="flat" cmpd="sng" algn="ctr">
+                      <a:solidFill>
+                        <a:schemeClr val="tx1"/>
+                      </a:solidFill>
+                      <a:prstDash val="solid"/>
+                      <a:round/>
+                      <a:headEnd type="none" w="med" len="med"/>
+                      <a:tailEnd type="none" w="med" len="med"/>
+                    </a:lnB>
+                    <a:lnTlToBr w="12700" cmpd="sng">
+                      <a:noFill/>
+                      <a:prstDash val="solid"/>
+                    </a:lnTlToBr>
+                    <a:lnBlToTr w="12700" cmpd="sng">
+                      <a:noFill/>
+                      <a:prstDash val="solid"/>
+                    </a:lnBlToTr>
+                    <a:solidFill>
+                      <a:schemeClr val="bg1"/>
+                    </a:solidFill>
+                  </a:tcPr>
+                </a:tc>
+                <a:extLst>
+                  <a:ext uri="{0D108BD9-81ED-4DB2-BD59-A6C34878D82A}">
+                    <a16:rowId xmlns:a16="http://schemas.microsoft.com/office/drawing/2014/main" val="562645238"/>
+                  </a:ext>
+                </a:extLst>
+              </a:tr>
+              <a:tr h="499492">
+                <a:tc>
+                  <a:txBody>
+                    <a:bodyPr/>
+                    <a:lstStyle/>
+                    <a:p>
+                      <a:r>
+                        <a:rPr lang="en-US" altLang="zh-TW" dirty="0" smtClean="0"/>
+                        <a:t>+</a:t>
+                      </a:r>
+                      <a:r>
+                        <a:rPr lang="en-US" altLang="zh-TW" dirty="0" err="1" smtClean="0"/>
+                        <a:t>grades:list</a:t>
+                      </a:r>
+                      <a:endParaRPr lang="zh-TW" altLang="en-US" dirty="0"/>
+                    </a:p>
+                  </a:txBody>
+                  <a:tcPr>
+                    <a:lnL w="12700" cap="flat" cmpd="sng" algn="ctr">
+                      <a:solidFill>
+                        <a:schemeClr val="tx1"/>
+                      </a:solidFill>
+                      <a:prstDash val="solid"/>
+                      <a:round/>
+                      <a:headEnd type="none" w="med" len="med"/>
+                      <a:tailEnd type="none" w="med" len="med"/>
+                    </a:lnL>
+                    <a:lnR w="12700" cap="flat" cmpd="sng" algn="ctr">
+                      <a:solidFill>
+                        <a:schemeClr val="tx1"/>
+                      </a:solidFill>
+                      <a:prstDash val="solid"/>
+                      <a:round/>
+                      <a:headEnd type="none" w="med" len="med"/>
+                      <a:tailEnd type="none" w="med" len="med"/>
+                    </a:lnR>
+                    <a:lnT w="12700" cap="flat" cmpd="sng" algn="ctr">
+                      <a:solidFill>
+                        <a:schemeClr val="tx1"/>
+                      </a:solidFill>
+                      <a:prstDash val="solid"/>
+                      <a:round/>
+                      <a:headEnd type="none" w="med" len="med"/>
+                      <a:tailEnd type="none" w="med" len="med"/>
+                    </a:lnT>
+                    <a:lnB w="12700" cap="flat" cmpd="sng" algn="ctr">
+                      <a:solidFill>
+                        <a:schemeClr val="tx1"/>
+                      </a:solidFill>
+                      <a:prstDash val="solid"/>
+                      <a:round/>
+                      <a:headEnd type="none" w="med" len="med"/>
+                      <a:tailEnd type="none" w="med" len="med"/>
+                    </a:lnB>
+                    <a:lnTlToBr w="12700" cmpd="sng">
+                      <a:noFill/>
+                      <a:prstDash val="solid"/>
+                    </a:lnTlToBr>
+                    <a:lnBlToTr w="12700" cmpd="sng">
+                      <a:noFill/>
+                      <a:prstDash val="solid"/>
+                    </a:lnBlToTr>
+                    <a:solidFill>
+                      <a:schemeClr val="bg1"/>
+                    </a:solidFill>
+                  </a:tcPr>
+                </a:tc>
+                <a:extLst>
+                  <a:ext uri="{0D108BD9-81ED-4DB2-BD59-A6C34878D82A}">
+                    <a16:rowId xmlns:a16="http://schemas.microsoft.com/office/drawing/2014/main" val="4249798471"/>
+                  </a:ext>
+                </a:extLst>
+              </a:tr>
+              <a:tr h="285424">
+                <a:tc>
+                  <a:txBody>
+                    <a:bodyPr/>
+                    <a:lstStyle/>
+                    <a:p>
+                      <a:endParaRPr lang="zh-TW" altLang="en-US" dirty="0"/>
+                    </a:p>
+                  </a:txBody>
+                  <a:tcPr>
+                    <a:lnL w="12700" cap="flat" cmpd="sng" algn="ctr">
+                      <a:solidFill>
+                        <a:schemeClr val="tx1"/>
+                      </a:solidFill>
+                      <a:prstDash val="solid"/>
+                      <a:round/>
+                      <a:headEnd type="none" w="med" len="med"/>
+                      <a:tailEnd type="none" w="med" len="med"/>
+                    </a:lnL>
+                    <a:lnR w="12700" cap="flat" cmpd="sng" algn="ctr">
+                      <a:solidFill>
+                        <a:schemeClr val="tx1"/>
+                      </a:solidFill>
+                      <a:prstDash val="solid"/>
+                      <a:round/>
+                      <a:headEnd type="none" w="med" len="med"/>
+                      <a:tailEnd type="none" w="med" len="med"/>
+                    </a:lnR>
+                    <a:lnT w="12700" cap="flat" cmpd="sng" algn="ctr">
+                      <a:solidFill>
+                        <a:schemeClr val="tx1"/>
+                      </a:solidFill>
+                      <a:prstDash val="solid"/>
+                      <a:round/>
+                      <a:headEnd type="none" w="med" len="med"/>
+                      <a:tailEnd type="none" w="med" len="med"/>
+                    </a:lnT>
+                    <a:lnB w="12700" cap="flat" cmpd="sng" algn="ctr">
+                      <a:solidFill>
+                        <a:schemeClr val="tx1"/>
+                      </a:solidFill>
+                      <a:prstDash val="solid"/>
+                      <a:round/>
+                      <a:headEnd type="none" w="med" len="med"/>
+                      <a:tailEnd type="none" w="med" len="med"/>
+                    </a:lnB>
+                    <a:lnTlToBr w="12700" cmpd="sng">
+                      <a:noFill/>
+                      <a:prstDash val="solid"/>
+                    </a:lnTlToBr>
+                    <a:lnBlToTr w="12700" cmpd="sng">
+                      <a:noFill/>
+                      <a:prstDash val="solid"/>
+                    </a:lnBlToTr>
+                    <a:solidFill>
+                      <a:schemeClr val="bg1"/>
+                    </a:solidFill>
+                  </a:tcPr>
+                </a:tc>
+                <a:extLst>
+                  <a:ext uri="{0D108BD9-81ED-4DB2-BD59-A6C34878D82A}">
+                    <a16:rowId xmlns:a16="http://schemas.microsoft.com/office/drawing/2014/main" val="1043476516"/>
+                  </a:ext>
+                </a:extLst>
+              </a:tr>
+            </a:tbl>
+          </a:graphicData>
+        </a:graphic>
+      </p:graphicFrame>
+      <p:graphicFrame>
+        <p:nvGraphicFramePr>
+          <p:cNvPr id="9" name="表格 8"/>
+          <p:cNvGraphicFramePr>
+            <a:graphicFrameLocks noGrp="1"/>
+          </p:cNvGraphicFramePr>
+          <p:nvPr>
+            <p:extLst>
+              <p:ext uri="{D42A27DB-BD31-4B8C-83A1-F6EECF244321}">
+                <p14:modId xmlns:p14="http://schemas.microsoft.com/office/powerpoint/2010/main" val="1017352384"/>
+              </p:ext>
+            </p:extLst>
+          </p:nvPr>
+        </p:nvGraphicFramePr>
+        <p:xfrm>
+          <a:off x="3494899" y="3991870"/>
+          <a:ext cx="2201172" cy="1371600"/>
+        </p:xfrm>
+        <a:graphic>
+          <a:graphicData uri="http://schemas.openxmlformats.org/drawingml/2006/table">
+            <a:tbl>
+              <a:tblPr firstRow="1" bandRow="1">
+                <a:tableStyleId>{2D5ABB26-0587-4C30-8999-92F81FD0307C}</a:tableStyleId>
+              </a:tblPr>
+              <a:tblGrid>
+                <a:gridCol w="2201172">
+                  <a:extLst>
+                    <a:ext uri="{9D8B030D-6E8A-4147-A177-3AD203B41FA5}">
+                      <a16:colId xmlns:a16="http://schemas.microsoft.com/office/drawing/2014/main" val="27480226"/>
+                    </a:ext>
+                  </a:extLst>
+                </a:gridCol>
+              </a:tblGrid>
+              <a:tr h="285424">
+                <a:tc>
+                  <a:txBody>
+                    <a:bodyPr/>
+                    <a:lstStyle/>
+                    <a:p>
+                      <a:pPr algn="ctr"/>
+                      <a:r>
+                        <a:rPr lang="en-US" altLang="zh-TW" dirty="0" smtClean="0"/>
+                        <a:t>Professor</a:t>
+                      </a:r>
+                      <a:endParaRPr lang="zh-TW" altLang="en-US" dirty="0"/>
+                    </a:p>
+                  </a:txBody>
+                  <a:tcPr>
+                    <a:lnL w="12700" cap="flat" cmpd="sng" algn="ctr">
+                      <a:solidFill>
+                        <a:schemeClr val="tx1"/>
+                      </a:solidFill>
+                      <a:prstDash val="solid"/>
+                      <a:round/>
+                      <a:headEnd type="none" w="med" len="med"/>
+                      <a:tailEnd type="none" w="med" len="med"/>
+                    </a:lnL>
+                    <a:lnR w="12700" cap="flat" cmpd="sng" algn="ctr">
+                      <a:solidFill>
+                        <a:schemeClr val="tx1"/>
+                      </a:solidFill>
+                      <a:prstDash val="solid"/>
+                      <a:round/>
+                      <a:headEnd type="none" w="med" len="med"/>
+                      <a:tailEnd type="none" w="med" len="med"/>
+                    </a:lnR>
+                    <a:lnT w="12700" cap="flat" cmpd="sng" algn="ctr">
+                      <a:solidFill>
+                        <a:schemeClr val="tx1"/>
+                      </a:solidFill>
+                      <a:prstDash val="solid"/>
+                      <a:round/>
+                      <a:headEnd type="none" w="med" len="med"/>
+                      <a:tailEnd type="none" w="med" len="med"/>
+                    </a:lnT>
+                    <a:lnB w="12700" cap="flat" cmpd="sng" algn="ctr">
+                      <a:solidFill>
+                        <a:schemeClr val="tx1"/>
+                      </a:solidFill>
+                      <a:prstDash val="solid"/>
+                      <a:round/>
+                      <a:headEnd type="none" w="med" len="med"/>
+                      <a:tailEnd type="none" w="med" len="med"/>
+                    </a:lnB>
+                    <a:lnTlToBr w="12700" cmpd="sng">
+                      <a:noFill/>
+                      <a:prstDash val="solid"/>
+                    </a:lnTlToBr>
+                    <a:lnBlToTr w="12700" cmpd="sng">
+                      <a:noFill/>
+                      <a:prstDash val="solid"/>
+                    </a:lnBlToTr>
+                    <a:solidFill>
+                      <a:schemeClr val="bg1"/>
+                    </a:solidFill>
+                  </a:tcPr>
+                </a:tc>
+                <a:extLst>
+                  <a:ext uri="{0D108BD9-81ED-4DB2-BD59-A6C34878D82A}">
+                    <a16:rowId xmlns:a16="http://schemas.microsoft.com/office/drawing/2014/main" val="562645238"/>
+                  </a:ext>
+                </a:extLst>
+              </a:tr>
+              <a:tr h="499492">
+                <a:tc>
+                  <a:txBody>
+                    <a:bodyPr/>
+                    <a:lstStyle/>
+                    <a:p>
+                      <a:r>
+                        <a:rPr lang="en-US" altLang="zh-TW" dirty="0" smtClean="0"/>
+                        <a:t>+</a:t>
+                      </a:r>
+                      <a:r>
+                        <a:rPr lang="en-US" altLang="zh-TW" dirty="0" err="1" smtClean="0"/>
+                        <a:t>listOfClass:list</a:t>
+                      </a:r>
+                      <a:endParaRPr lang="en-US" altLang="zh-TW" dirty="0" smtClean="0"/>
+                    </a:p>
+                    <a:p>
+                      <a:r>
+                        <a:rPr lang="en-US" altLang="zh-TW" dirty="0" smtClean="0"/>
+                        <a:t>+</a:t>
+                      </a:r>
+                      <a:r>
+                        <a:rPr lang="en-US" altLang="zh-TW" dirty="0" err="1" smtClean="0"/>
+                        <a:t>listOfStudent:list</a:t>
+                      </a:r>
+                      <a:endParaRPr lang="zh-TW" altLang="en-US" dirty="0"/>
+                    </a:p>
+                  </a:txBody>
+                  <a:tcPr>
+                    <a:lnL w="12700" cap="flat" cmpd="sng" algn="ctr">
+                      <a:solidFill>
+                        <a:schemeClr val="tx1"/>
+                      </a:solidFill>
+                      <a:prstDash val="solid"/>
+                      <a:round/>
+                      <a:headEnd type="none" w="med" len="med"/>
+                      <a:tailEnd type="none" w="med" len="med"/>
+                    </a:lnL>
+                    <a:lnR w="12700" cap="flat" cmpd="sng" algn="ctr">
+                      <a:solidFill>
+                        <a:schemeClr val="tx1"/>
+                      </a:solidFill>
+                      <a:prstDash val="solid"/>
+                      <a:round/>
+                      <a:headEnd type="none" w="med" len="med"/>
+                      <a:tailEnd type="none" w="med" len="med"/>
+                    </a:lnR>
+                    <a:lnT w="12700" cap="flat" cmpd="sng" algn="ctr">
+                      <a:solidFill>
+                        <a:schemeClr val="tx1"/>
+                      </a:solidFill>
+                      <a:prstDash val="solid"/>
+                      <a:round/>
+                      <a:headEnd type="none" w="med" len="med"/>
+                      <a:tailEnd type="none" w="med" len="med"/>
+                    </a:lnT>
+                    <a:lnB w="12700" cap="flat" cmpd="sng" algn="ctr">
+                      <a:solidFill>
+                        <a:schemeClr val="tx1"/>
+                      </a:solidFill>
+                      <a:prstDash val="solid"/>
+                      <a:round/>
+                      <a:headEnd type="none" w="med" len="med"/>
+                      <a:tailEnd type="none" w="med" len="med"/>
+                    </a:lnB>
+                    <a:lnTlToBr w="12700" cmpd="sng">
+                      <a:noFill/>
+                      <a:prstDash val="solid"/>
+                    </a:lnTlToBr>
+                    <a:lnBlToTr w="12700" cmpd="sng">
+                      <a:noFill/>
+                      <a:prstDash val="solid"/>
+                    </a:lnBlToTr>
+                    <a:solidFill>
+                      <a:schemeClr val="bg1"/>
+                    </a:solidFill>
+                  </a:tcPr>
+                </a:tc>
+                <a:extLst>
+                  <a:ext uri="{0D108BD9-81ED-4DB2-BD59-A6C34878D82A}">
+                    <a16:rowId xmlns:a16="http://schemas.microsoft.com/office/drawing/2014/main" val="4249798471"/>
+                  </a:ext>
+                </a:extLst>
+              </a:tr>
+              <a:tr h="285424">
+                <a:tc>
+                  <a:txBody>
+                    <a:bodyPr/>
+                    <a:lstStyle/>
+                    <a:p>
+                      <a:endParaRPr lang="zh-TW" altLang="en-US" dirty="0"/>
+                    </a:p>
+                  </a:txBody>
+                  <a:tcPr>
+                    <a:lnL w="12700" cap="flat" cmpd="sng" algn="ctr">
+                      <a:solidFill>
+                        <a:schemeClr val="tx1"/>
+                      </a:solidFill>
+                      <a:prstDash val="solid"/>
+                      <a:round/>
+                      <a:headEnd type="none" w="med" len="med"/>
+                      <a:tailEnd type="none" w="med" len="med"/>
+                    </a:lnL>
+                    <a:lnR w="12700" cap="flat" cmpd="sng" algn="ctr">
+                      <a:solidFill>
+                        <a:schemeClr val="tx1"/>
+                      </a:solidFill>
+                      <a:prstDash val="solid"/>
+                      <a:round/>
+                      <a:headEnd type="none" w="med" len="med"/>
+                      <a:tailEnd type="none" w="med" len="med"/>
+                    </a:lnR>
+                    <a:lnT w="12700" cap="flat" cmpd="sng" algn="ctr">
+                      <a:solidFill>
+                        <a:schemeClr val="tx1"/>
+                      </a:solidFill>
+                      <a:prstDash val="solid"/>
+                      <a:round/>
+                      <a:headEnd type="none" w="med" len="med"/>
+                      <a:tailEnd type="none" w="med" len="med"/>
+                    </a:lnT>
+                    <a:lnB w="12700" cap="flat" cmpd="sng" algn="ctr">
+                      <a:solidFill>
+                        <a:schemeClr val="tx1"/>
+                      </a:solidFill>
+                      <a:prstDash val="solid"/>
+                      <a:round/>
+                      <a:headEnd type="none" w="med" len="med"/>
+                      <a:tailEnd type="none" w="med" len="med"/>
+                    </a:lnB>
+                    <a:lnTlToBr w="12700" cmpd="sng">
+                      <a:noFill/>
+                      <a:prstDash val="solid"/>
+                    </a:lnTlToBr>
+                    <a:lnBlToTr w="12700" cmpd="sng">
+                      <a:noFill/>
+                      <a:prstDash val="solid"/>
+                    </a:lnBlToTr>
+                    <a:solidFill>
+                      <a:schemeClr val="bg1"/>
+                    </a:solidFill>
+                  </a:tcPr>
+                </a:tc>
+                <a:extLst>
+                  <a:ext uri="{0D108BD9-81ED-4DB2-BD59-A6C34878D82A}">
+                    <a16:rowId xmlns:a16="http://schemas.microsoft.com/office/drawing/2014/main" val="1043476516"/>
+                  </a:ext>
+                </a:extLst>
+              </a:tr>
+            </a:tbl>
+          </a:graphicData>
+        </a:graphic>
+      </p:graphicFrame>
+      <p:sp>
+        <p:nvSpPr>
+          <p:cNvPr id="5" name="等腰三角形 4"/>
+          <p:cNvSpPr/>
+          <p:nvPr/>
+        </p:nvSpPr>
+        <p:spPr>
+          <a:xfrm>
+            <a:off x="3103418" y="2885626"/>
+            <a:ext cx="175491" cy="190083"/>
+          </a:xfrm>
+          <a:prstGeom prst="triangle">
+            <a:avLst/>
+          </a:prstGeom>
+          <a:solidFill>
+            <a:schemeClr val="bg1"/>
+          </a:solidFill>
+          <a:ln>
+            <a:solidFill>
+              <a:schemeClr val="tx1"/>
+            </a:solidFill>
+          </a:ln>
+        </p:spPr>
+        <p:style>
+          <a:lnRef idx="2">
+            <a:schemeClr val="accent1">
+              <a:shade val="50000"/>
+            </a:schemeClr>
+          </a:lnRef>
+          <a:fillRef idx="1">
+            <a:schemeClr val="accent1"/>
+          </a:fillRef>
+          <a:effectRef idx="0">
+            <a:schemeClr val="accent1"/>
+          </a:effectRef>
+          <a:fontRef idx="minor">
+            <a:schemeClr val="lt1"/>
+          </a:fontRef>
+        </p:style>
+        <p:txBody>
+          <a:bodyPr rtlCol="0" anchor="ctr"/>
+          <a:lstStyle/>
+          <a:p>
+            <a:pPr algn="ctr"/>
+            <a:endParaRPr lang="zh-TW" altLang="en-US"/>
+          </a:p>
+        </p:txBody>
+      </p:sp>
+      <p:cxnSp>
+        <p:nvCxnSpPr>
+          <p:cNvPr id="10" name="肘形接點 9"/>
+          <p:cNvCxnSpPr>
+            <a:stCxn id="8" idx="0"/>
+            <a:endCxn id="5" idx="3"/>
+          </p:cNvCxnSpPr>
+          <p:nvPr/>
+        </p:nvCxnSpPr>
+        <p:spPr>
+          <a:xfrm rot="5400000" flipH="1" flipV="1">
+            <a:off x="2196899" y="3036670"/>
+            <a:ext cx="955226" cy="1033304"/>
+          </a:xfrm>
+          <a:prstGeom prst="bentConnector3">
+            <a:avLst>
+              <a:gd name="adj1" fmla="val 50000"/>
+            </a:avLst>
+          </a:prstGeom>
+          <a:ln>
+            <a:solidFill>
+              <a:schemeClr val="tx1"/>
+            </a:solidFill>
+          </a:ln>
+        </p:spPr>
+        <p:style>
+          <a:lnRef idx="1">
+            <a:schemeClr val="accent1"/>
+          </a:lnRef>
+          <a:fillRef idx="0">
+            <a:schemeClr val="accent1"/>
+          </a:fillRef>
+          <a:effectRef idx="0">
+            <a:schemeClr val="accent1"/>
+          </a:effectRef>
+          <a:fontRef idx="minor">
+            <a:schemeClr val="tx1"/>
+          </a:fontRef>
+        </p:style>
+      </p:cxnSp>
+      <p:sp>
+        <p:nvSpPr>
+          <p:cNvPr id="14" name="等腰三角形 13"/>
+          <p:cNvSpPr/>
+          <p:nvPr/>
+        </p:nvSpPr>
+        <p:spPr>
+          <a:xfrm>
+            <a:off x="3828900" y="2885625"/>
+            <a:ext cx="175491" cy="190083"/>
+          </a:xfrm>
+          <a:prstGeom prst="triangle">
+            <a:avLst/>
+          </a:prstGeom>
+          <a:solidFill>
+            <a:schemeClr val="bg1"/>
+          </a:solidFill>
+          <a:ln>
+            <a:solidFill>
+              <a:schemeClr val="tx1"/>
+            </a:solidFill>
+          </a:ln>
+        </p:spPr>
+        <p:style>
+          <a:lnRef idx="2">
+            <a:schemeClr val="accent1">
+              <a:shade val="50000"/>
+            </a:schemeClr>
+          </a:lnRef>
+          <a:fillRef idx="1">
+            <a:schemeClr val="accent1"/>
+          </a:fillRef>
+          <a:effectRef idx="0">
+            <a:schemeClr val="accent1"/>
+          </a:effectRef>
+          <a:fontRef idx="minor">
+            <a:schemeClr val="lt1"/>
+          </a:fontRef>
+        </p:style>
+        <p:txBody>
+          <a:bodyPr rtlCol="0" anchor="ctr"/>
+          <a:lstStyle/>
+          <a:p>
+            <a:pPr algn="ctr"/>
+            <a:endParaRPr lang="zh-TW" altLang="en-US"/>
+          </a:p>
+        </p:txBody>
+      </p:sp>
+      <p:cxnSp>
+        <p:nvCxnSpPr>
+          <p:cNvPr id="15" name="肘形接點 14"/>
+          <p:cNvCxnSpPr>
+            <a:stCxn id="9" idx="0"/>
+            <a:endCxn id="14" idx="3"/>
+          </p:cNvCxnSpPr>
+          <p:nvPr/>
+        </p:nvCxnSpPr>
+        <p:spPr>
+          <a:xfrm rot="16200000" flipV="1">
+            <a:off x="3797985" y="3194369"/>
+            <a:ext cx="916162" cy="678839"/>
+          </a:xfrm>
+          <a:prstGeom prst="bentConnector3">
+            <a:avLst>
+              <a:gd name="adj1" fmla="val 50000"/>
+            </a:avLst>
+          </a:prstGeom>
+          <a:ln>
+            <a:solidFill>
+              <a:schemeClr val="tx1"/>
+            </a:solidFill>
+          </a:ln>
+        </p:spPr>
+        <p:style>
+          <a:lnRef idx="1">
+            <a:schemeClr val="accent1"/>
+          </a:lnRef>
+          <a:fillRef idx="0">
+            <a:schemeClr val="accent1"/>
+          </a:fillRef>
+          <a:effectRef idx="0">
+            <a:schemeClr val="accent1"/>
+          </a:effectRef>
+          <a:fontRef idx="minor">
+            <a:schemeClr val="tx1"/>
+          </a:fontRef>
+        </p:style>
+      </p:cxnSp>
+      <p:graphicFrame>
+        <p:nvGraphicFramePr>
+          <p:cNvPr id="18" name="表格 17"/>
+          <p:cNvGraphicFramePr>
+            <a:graphicFrameLocks noGrp="1"/>
+          </p:cNvGraphicFramePr>
+          <p:nvPr>
+            <p:extLst>
+              <p:ext uri="{D42A27DB-BD31-4B8C-83A1-F6EECF244321}">
+                <p14:modId xmlns:p14="http://schemas.microsoft.com/office/powerpoint/2010/main" val="3190347755"/>
+              </p:ext>
+            </p:extLst>
+          </p:nvPr>
+        </p:nvGraphicFramePr>
+        <p:xfrm>
+          <a:off x="6934231" y="1389335"/>
+          <a:ext cx="1891115" cy="1375109"/>
+        </p:xfrm>
+        <a:graphic>
+          <a:graphicData uri="http://schemas.openxmlformats.org/drawingml/2006/table">
+            <a:tbl>
+              <a:tblPr firstRow="1" bandRow="1">
+                <a:tableStyleId>{2D5ABB26-0587-4C30-8999-92F81FD0307C}</a:tableStyleId>
+              </a:tblPr>
+              <a:tblGrid>
+                <a:gridCol w="1891115">
+                  <a:extLst>
+                    <a:ext uri="{9D8B030D-6E8A-4147-A177-3AD203B41FA5}">
+                      <a16:colId xmlns:a16="http://schemas.microsoft.com/office/drawing/2014/main" val="27480226"/>
+                    </a:ext>
+                  </a:extLst>
+                </a:gridCol>
+              </a:tblGrid>
+              <a:tr h="285424">
+                <a:tc>
+                  <a:txBody>
+                    <a:bodyPr/>
+                    <a:lstStyle/>
+                    <a:p>
+                      <a:pPr algn="ctr"/>
+                      <a:r>
+                        <a:rPr lang="en-US" altLang="zh-TW" dirty="0" smtClean="0"/>
+                        <a:t>(interface)</a:t>
+                      </a:r>
+                    </a:p>
+                    <a:p>
+                      <a:pPr algn="ctr"/>
+                      <a:r>
+                        <a:rPr lang="en-US" altLang="zh-TW" dirty="0" err="1" smtClean="0"/>
+                        <a:t>IBoxingSkill</a:t>
+                      </a:r>
+                      <a:endParaRPr lang="zh-TW" altLang="en-US" dirty="0"/>
+                    </a:p>
+                  </a:txBody>
+                  <a:tcPr>
+                    <a:lnL w="12700" cap="flat" cmpd="sng" algn="ctr">
+                      <a:solidFill>
+                        <a:schemeClr val="tx1"/>
+                      </a:solidFill>
+                      <a:prstDash val="solid"/>
+                      <a:round/>
+                      <a:headEnd type="none" w="med" len="med"/>
+                      <a:tailEnd type="none" w="med" len="med"/>
+                    </a:lnL>
+                    <a:lnR w="12700" cap="flat" cmpd="sng" algn="ctr">
+                      <a:solidFill>
+                        <a:schemeClr val="tx1"/>
+                      </a:solidFill>
+                      <a:prstDash val="solid"/>
+                      <a:round/>
+                      <a:headEnd type="none" w="med" len="med"/>
+                      <a:tailEnd type="none" w="med" len="med"/>
+                    </a:lnR>
+                    <a:lnT w="12700" cap="flat" cmpd="sng" algn="ctr">
+                      <a:solidFill>
+                        <a:schemeClr val="tx1"/>
+                      </a:solidFill>
+                      <a:prstDash val="solid"/>
+                      <a:round/>
+                      <a:headEnd type="none" w="med" len="med"/>
+                      <a:tailEnd type="none" w="med" len="med"/>
+                    </a:lnT>
+                    <a:lnB w="12700" cap="flat" cmpd="sng" algn="ctr">
+                      <a:solidFill>
+                        <a:schemeClr val="tx1"/>
+                      </a:solidFill>
+                      <a:prstDash val="solid"/>
+                      <a:round/>
+                      <a:headEnd type="none" w="med" len="med"/>
+                      <a:tailEnd type="none" w="med" len="med"/>
+                    </a:lnB>
+                    <a:lnTlToBr w="12700" cmpd="sng">
+                      <a:noFill/>
+                      <a:prstDash val="solid"/>
+                    </a:lnTlToBr>
+                    <a:lnBlToTr w="12700" cmpd="sng">
+                      <a:noFill/>
+                      <a:prstDash val="solid"/>
+                    </a:lnBlToTr>
+                    <a:solidFill>
+                      <a:schemeClr val="bg1"/>
+                    </a:solidFill>
+                  </a:tcPr>
+                </a:tc>
+                <a:extLst>
+                  <a:ext uri="{0D108BD9-81ED-4DB2-BD59-A6C34878D82A}">
+                    <a16:rowId xmlns:a16="http://schemas.microsoft.com/office/drawing/2014/main" val="562645238"/>
+                  </a:ext>
+                </a:extLst>
+              </a:tr>
+              <a:tr h="369269">
+                <a:tc>
+                  <a:txBody>
+                    <a:bodyPr/>
+                    <a:lstStyle/>
+                    <a:p>
+                      <a:endParaRPr lang="zh-TW" altLang="en-US" dirty="0"/>
+                    </a:p>
+                  </a:txBody>
+                  <a:tcPr>
+                    <a:lnL w="12700" cap="flat" cmpd="sng" algn="ctr">
+                      <a:solidFill>
+                        <a:schemeClr val="tx1"/>
+                      </a:solidFill>
+                      <a:prstDash val="solid"/>
+                      <a:round/>
+                      <a:headEnd type="none" w="med" len="med"/>
+                      <a:tailEnd type="none" w="med" len="med"/>
+                    </a:lnL>
+                    <a:lnR w="12700" cap="flat" cmpd="sng" algn="ctr">
+                      <a:solidFill>
+                        <a:schemeClr val="tx1"/>
+                      </a:solidFill>
+                      <a:prstDash val="solid"/>
+                      <a:round/>
+                      <a:headEnd type="none" w="med" len="med"/>
+                      <a:tailEnd type="none" w="med" len="med"/>
+                    </a:lnR>
+                    <a:lnT w="12700" cap="flat" cmpd="sng" algn="ctr">
+                      <a:solidFill>
+                        <a:schemeClr val="tx1"/>
+                      </a:solidFill>
+                      <a:prstDash val="solid"/>
+                      <a:round/>
+                      <a:headEnd type="none" w="med" len="med"/>
+                      <a:tailEnd type="none" w="med" len="med"/>
+                    </a:lnT>
+                    <a:lnB w="12700" cap="flat" cmpd="sng" algn="ctr">
+                      <a:solidFill>
+                        <a:schemeClr val="tx1"/>
+                      </a:solidFill>
+                      <a:prstDash val="solid"/>
+                      <a:round/>
+                      <a:headEnd type="none" w="med" len="med"/>
+                      <a:tailEnd type="none" w="med" len="med"/>
+                    </a:lnB>
+                    <a:lnTlToBr w="12700" cmpd="sng">
+                      <a:noFill/>
+                      <a:prstDash val="solid"/>
+                    </a:lnTlToBr>
+                    <a:lnBlToTr w="12700" cmpd="sng">
+                      <a:noFill/>
+                      <a:prstDash val="solid"/>
+                    </a:lnBlToTr>
+                    <a:solidFill>
+                      <a:schemeClr val="bg1"/>
+                    </a:solidFill>
+                  </a:tcPr>
+                </a:tc>
+                <a:extLst>
+                  <a:ext uri="{0D108BD9-81ED-4DB2-BD59-A6C34878D82A}">
+                    <a16:rowId xmlns:a16="http://schemas.microsoft.com/office/drawing/2014/main" val="4249798471"/>
+                  </a:ext>
+                </a:extLst>
+              </a:tr>
+              <a:tr h="285424">
+                <a:tc>
+                  <a:txBody>
+                    <a:bodyPr/>
+                    <a:lstStyle/>
+                    <a:p>
+                      <a:pPr marL="0" marR="0" lvl="0" indent="0" algn="l" defTabSz="457200" rtl="0" eaLnBrk="1" fontAlgn="auto" latinLnBrk="0" hangingPunct="1">
+                        <a:lnSpc>
+                          <a:spcPct val="100000"/>
+                        </a:lnSpc>
+                        <a:spcBef>
+                          <a:spcPts val="0"/>
+                        </a:spcBef>
+                        <a:spcAft>
+                          <a:spcPts val="0"/>
+                        </a:spcAft>
+                        <a:buClrTx/>
+                        <a:buSzTx/>
+                        <a:buFontTx/>
+                        <a:buNone/>
+                        <a:tabLst/>
+                        <a:defRPr/>
+                      </a:pPr>
+                      <a:r>
+                        <a:rPr lang="en-US" altLang="zh-TW" dirty="0" smtClean="0"/>
+                        <a:t>+Hook():</a:t>
+                      </a:r>
+                      <a:r>
+                        <a:rPr lang="en-US" altLang="zh-TW" baseline="0" dirty="0" smtClean="0"/>
+                        <a:t> void</a:t>
+                      </a:r>
+                      <a:endParaRPr lang="zh-TW" altLang="en-US" dirty="0" smtClean="0"/>
+                    </a:p>
+                  </a:txBody>
+                  <a:tcPr>
+                    <a:lnL w="12700" cap="flat" cmpd="sng" algn="ctr">
+                      <a:solidFill>
+                        <a:schemeClr val="tx1"/>
+                      </a:solidFill>
+                      <a:prstDash val="solid"/>
+                      <a:round/>
+                      <a:headEnd type="none" w="med" len="med"/>
+                      <a:tailEnd type="none" w="med" len="med"/>
+                    </a:lnL>
+                    <a:lnR w="12700" cap="flat" cmpd="sng" algn="ctr">
+                      <a:solidFill>
+                        <a:schemeClr val="tx1"/>
+                      </a:solidFill>
+                      <a:prstDash val="solid"/>
+                      <a:round/>
+                      <a:headEnd type="none" w="med" len="med"/>
+                      <a:tailEnd type="none" w="med" len="med"/>
+                    </a:lnR>
+                    <a:lnT w="12700" cap="flat" cmpd="sng" algn="ctr">
+                      <a:solidFill>
+                        <a:schemeClr val="tx1"/>
+                      </a:solidFill>
+                      <a:prstDash val="solid"/>
+                      <a:round/>
+                      <a:headEnd type="none" w="med" len="med"/>
+                      <a:tailEnd type="none" w="med" len="med"/>
+                    </a:lnT>
+                    <a:lnB w="12700" cap="flat" cmpd="sng" algn="ctr">
+                      <a:solidFill>
+                        <a:schemeClr val="tx1"/>
+                      </a:solidFill>
+                      <a:prstDash val="solid"/>
+                      <a:round/>
+                      <a:headEnd type="none" w="med" len="med"/>
+                      <a:tailEnd type="none" w="med" len="med"/>
+                    </a:lnB>
+                    <a:lnTlToBr w="12700" cmpd="sng">
+                      <a:noFill/>
+                      <a:prstDash val="solid"/>
+                    </a:lnTlToBr>
+                    <a:lnBlToTr w="12700" cmpd="sng">
+                      <a:noFill/>
+                      <a:prstDash val="solid"/>
+                    </a:lnBlToTr>
+                    <a:solidFill>
+                      <a:schemeClr val="bg1"/>
+                    </a:solidFill>
+                  </a:tcPr>
+                </a:tc>
+                <a:extLst>
+                  <a:ext uri="{0D108BD9-81ED-4DB2-BD59-A6C34878D82A}">
+                    <a16:rowId xmlns:a16="http://schemas.microsoft.com/office/drawing/2014/main" val="1043476516"/>
+                  </a:ext>
+                </a:extLst>
+              </a:tr>
+            </a:tbl>
+          </a:graphicData>
+        </a:graphic>
+      </p:graphicFrame>
+      <p:graphicFrame>
+        <p:nvGraphicFramePr>
+          <p:cNvPr id="19" name="表格 18"/>
+          <p:cNvGraphicFramePr>
+            <a:graphicFrameLocks noGrp="1"/>
+          </p:cNvGraphicFramePr>
+          <p:nvPr>
+            <p:extLst>
+              <p:ext uri="{D42A27DB-BD31-4B8C-83A1-F6EECF244321}">
+                <p14:modId xmlns:p14="http://schemas.microsoft.com/office/powerpoint/2010/main" val="3038968367"/>
+              </p:ext>
+            </p:extLst>
+          </p:nvPr>
+        </p:nvGraphicFramePr>
+        <p:xfrm>
+          <a:off x="7590299" y="3843626"/>
+          <a:ext cx="1891115" cy="1371600"/>
+        </p:xfrm>
+        <a:graphic>
+          <a:graphicData uri="http://schemas.openxmlformats.org/drawingml/2006/table">
+            <a:tbl>
+              <a:tblPr firstRow="1" bandRow="1">
+                <a:tableStyleId>{2D5ABB26-0587-4C30-8999-92F81FD0307C}</a:tableStyleId>
+              </a:tblPr>
+              <a:tblGrid>
+                <a:gridCol w="1891115">
+                  <a:extLst>
+                    <a:ext uri="{9D8B030D-6E8A-4147-A177-3AD203B41FA5}">
+                      <a16:colId xmlns:a16="http://schemas.microsoft.com/office/drawing/2014/main" val="27480226"/>
+                    </a:ext>
+                  </a:extLst>
+                </a:gridCol>
+              </a:tblGrid>
+              <a:tr h="285424">
+                <a:tc>
+                  <a:txBody>
+                    <a:bodyPr/>
+                    <a:lstStyle/>
+                    <a:p>
+                      <a:pPr algn="ctr"/>
+                      <a:r>
+                        <a:rPr lang="en-US" altLang="zh-TW" dirty="0" smtClean="0"/>
+                        <a:t>Boxer</a:t>
+                      </a:r>
+                      <a:endParaRPr lang="zh-TW" altLang="en-US" dirty="0"/>
+                    </a:p>
+                  </a:txBody>
+                  <a:tcPr>
+                    <a:lnL w="12700" cap="flat" cmpd="sng" algn="ctr">
+                      <a:solidFill>
+                        <a:schemeClr val="tx1"/>
+                      </a:solidFill>
+                      <a:prstDash val="solid"/>
+                      <a:round/>
+                      <a:headEnd type="none" w="med" len="med"/>
+                      <a:tailEnd type="none" w="med" len="med"/>
+                    </a:lnL>
+                    <a:lnR w="12700" cap="flat" cmpd="sng" algn="ctr">
+                      <a:solidFill>
+                        <a:schemeClr val="tx1"/>
+                      </a:solidFill>
+                      <a:prstDash val="solid"/>
+                      <a:round/>
+                      <a:headEnd type="none" w="med" len="med"/>
+                      <a:tailEnd type="none" w="med" len="med"/>
+                    </a:lnR>
+                    <a:lnT w="12700" cap="flat" cmpd="sng" algn="ctr">
+                      <a:solidFill>
+                        <a:schemeClr val="tx1"/>
+                      </a:solidFill>
+                      <a:prstDash val="solid"/>
+                      <a:round/>
+                      <a:headEnd type="none" w="med" len="med"/>
+                      <a:tailEnd type="none" w="med" len="med"/>
+                    </a:lnT>
+                    <a:lnB w="12700" cap="flat" cmpd="sng" algn="ctr">
+                      <a:solidFill>
+                        <a:schemeClr val="tx1"/>
+                      </a:solidFill>
+                      <a:prstDash val="solid"/>
+                      <a:round/>
+                      <a:headEnd type="none" w="med" len="med"/>
+                      <a:tailEnd type="none" w="med" len="med"/>
+                    </a:lnB>
+                    <a:lnTlToBr w="12700" cmpd="sng">
+                      <a:noFill/>
+                      <a:prstDash val="solid"/>
+                    </a:lnTlToBr>
+                    <a:lnBlToTr w="12700" cmpd="sng">
+                      <a:noFill/>
+                      <a:prstDash val="solid"/>
+                    </a:lnBlToTr>
+                    <a:solidFill>
+                      <a:schemeClr val="bg1"/>
+                    </a:solidFill>
+                  </a:tcPr>
+                </a:tc>
+                <a:extLst>
+                  <a:ext uri="{0D108BD9-81ED-4DB2-BD59-A6C34878D82A}">
+                    <a16:rowId xmlns:a16="http://schemas.microsoft.com/office/drawing/2014/main" val="562645238"/>
+                  </a:ext>
+                </a:extLst>
+              </a:tr>
+              <a:tr h="218429">
+                <a:tc>
+                  <a:txBody>
+                    <a:bodyPr/>
+                    <a:lstStyle/>
+                    <a:p>
+                      <a:endParaRPr lang="zh-TW" altLang="en-US" dirty="0"/>
+                    </a:p>
+                  </a:txBody>
+                  <a:tcPr>
+                    <a:lnL w="12700" cap="flat" cmpd="sng" algn="ctr">
+                      <a:solidFill>
+                        <a:schemeClr val="tx1"/>
+                      </a:solidFill>
+                      <a:prstDash val="solid"/>
+                      <a:round/>
+                      <a:headEnd type="none" w="med" len="med"/>
+                      <a:tailEnd type="none" w="med" len="med"/>
+                    </a:lnL>
+                    <a:lnR w="12700" cap="flat" cmpd="sng" algn="ctr">
+                      <a:solidFill>
+                        <a:schemeClr val="tx1"/>
+                      </a:solidFill>
+                      <a:prstDash val="solid"/>
+                      <a:round/>
+                      <a:headEnd type="none" w="med" len="med"/>
+                      <a:tailEnd type="none" w="med" len="med"/>
+                    </a:lnR>
+                    <a:lnT w="12700" cap="flat" cmpd="sng" algn="ctr">
+                      <a:solidFill>
+                        <a:schemeClr val="tx1"/>
+                      </a:solidFill>
+                      <a:prstDash val="solid"/>
+                      <a:round/>
+                      <a:headEnd type="none" w="med" len="med"/>
+                      <a:tailEnd type="none" w="med" len="med"/>
+                    </a:lnT>
+                    <a:lnB w="12700" cap="flat" cmpd="sng" algn="ctr">
+                      <a:solidFill>
+                        <a:schemeClr val="tx1"/>
+                      </a:solidFill>
+                      <a:prstDash val="solid"/>
+                      <a:round/>
+                      <a:headEnd type="none" w="med" len="med"/>
+                      <a:tailEnd type="none" w="med" len="med"/>
+                    </a:lnB>
+                    <a:lnTlToBr w="12700" cmpd="sng">
+                      <a:noFill/>
+                      <a:prstDash val="solid"/>
+                    </a:lnTlToBr>
+                    <a:lnBlToTr w="12700" cmpd="sng">
+                      <a:noFill/>
+                      <a:prstDash val="solid"/>
+                    </a:lnBlToTr>
+                    <a:solidFill>
+                      <a:schemeClr val="bg1"/>
+                    </a:solidFill>
+                  </a:tcPr>
+                </a:tc>
+                <a:extLst>
+                  <a:ext uri="{0D108BD9-81ED-4DB2-BD59-A6C34878D82A}">
+                    <a16:rowId xmlns:a16="http://schemas.microsoft.com/office/drawing/2014/main" val="4249798471"/>
+                  </a:ext>
+                </a:extLst>
+              </a:tr>
+              <a:tr h="285424">
+                <a:tc>
+                  <a:txBody>
+                    <a:bodyPr/>
+                    <a:lstStyle/>
+                    <a:p>
+                      <a:pPr marL="0" marR="0" lvl="0" indent="0" algn="l" defTabSz="457200" rtl="0" eaLnBrk="1" fontAlgn="auto" latinLnBrk="0" hangingPunct="1">
+                        <a:lnSpc>
+                          <a:spcPct val="100000"/>
+                        </a:lnSpc>
+                        <a:spcBef>
+                          <a:spcPts val="0"/>
+                        </a:spcBef>
+                        <a:spcAft>
+                          <a:spcPts val="0"/>
+                        </a:spcAft>
+                        <a:buClrTx/>
+                        <a:buSzTx/>
+                        <a:buFontTx/>
+                        <a:buNone/>
+                        <a:tabLst/>
+                        <a:defRPr/>
+                      </a:pPr>
+                      <a:r>
+                        <a:rPr lang="en-US" altLang="zh-TW" dirty="0" smtClean="0"/>
+                        <a:t>+Fury():</a:t>
+                      </a:r>
+                      <a:r>
+                        <a:rPr lang="en-US" altLang="zh-TW" baseline="0" dirty="0" smtClean="0"/>
+                        <a:t> void</a:t>
+                      </a:r>
+                    </a:p>
+                    <a:p>
+                      <a:pPr marL="0" marR="0" lvl="0" indent="0" algn="l" defTabSz="457200" rtl="0" eaLnBrk="1" fontAlgn="auto" latinLnBrk="0" hangingPunct="1">
+                        <a:lnSpc>
+                          <a:spcPct val="100000"/>
+                        </a:lnSpc>
+                        <a:spcBef>
+                          <a:spcPts val="0"/>
+                        </a:spcBef>
+                        <a:spcAft>
+                          <a:spcPts val="0"/>
+                        </a:spcAft>
+                        <a:buClrTx/>
+                        <a:buSzTx/>
+                        <a:buFontTx/>
+                        <a:buNone/>
+                        <a:tabLst/>
+                        <a:defRPr/>
+                      </a:pPr>
+                      <a:r>
+                        <a:rPr lang="en-US" altLang="zh-TW" dirty="0" smtClean="0"/>
+                        <a:t>+Hook():void</a:t>
+                      </a:r>
+                      <a:endParaRPr lang="zh-TW" altLang="en-US" dirty="0" smtClean="0"/>
+                    </a:p>
+                  </a:txBody>
+                  <a:tcPr>
+                    <a:lnL w="12700" cap="flat" cmpd="sng" algn="ctr">
+                      <a:solidFill>
+                        <a:schemeClr val="tx1"/>
+                      </a:solidFill>
+                      <a:prstDash val="solid"/>
+                      <a:round/>
+                      <a:headEnd type="none" w="med" len="med"/>
+                      <a:tailEnd type="none" w="med" len="med"/>
+                    </a:lnL>
+                    <a:lnR w="12700" cap="flat" cmpd="sng" algn="ctr">
+                      <a:solidFill>
+                        <a:schemeClr val="tx1"/>
+                      </a:solidFill>
+                      <a:prstDash val="solid"/>
+                      <a:round/>
+                      <a:headEnd type="none" w="med" len="med"/>
+                      <a:tailEnd type="none" w="med" len="med"/>
+                    </a:lnR>
+                    <a:lnT w="12700" cap="flat" cmpd="sng" algn="ctr">
+                      <a:solidFill>
+                        <a:schemeClr val="tx1"/>
+                      </a:solidFill>
+                      <a:prstDash val="solid"/>
+                      <a:round/>
+                      <a:headEnd type="none" w="med" len="med"/>
+                      <a:tailEnd type="none" w="med" len="med"/>
+                    </a:lnT>
+                    <a:lnB w="12700" cap="flat" cmpd="sng" algn="ctr">
+                      <a:solidFill>
+                        <a:schemeClr val="tx1"/>
+                      </a:solidFill>
+                      <a:prstDash val="solid"/>
+                      <a:round/>
+                      <a:headEnd type="none" w="med" len="med"/>
+                      <a:tailEnd type="none" w="med" len="med"/>
+                    </a:lnB>
+                    <a:lnTlToBr w="12700" cmpd="sng">
+                      <a:noFill/>
+                      <a:prstDash val="solid"/>
+                    </a:lnTlToBr>
+                    <a:lnBlToTr w="12700" cmpd="sng">
+                      <a:noFill/>
+                      <a:prstDash val="solid"/>
+                    </a:lnBlToTr>
+                    <a:solidFill>
+                      <a:schemeClr val="bg1"/>
+                    </a:solidFill>
+                  </a:tcPr>
+                </a:tc>
+                <a:extLst>
+                  <a:ext uri="{0D108BD9-81ED-4DB2-BD59-A6C34878D82A}">
+                    <a16:rowId xmlns:a16="http://schemas.microsoft.com/office/drawing/2014/main" val="1043476516"/>
+                  </a:ext>
+                </a:extLst>
+              </a:tr>
+            </a:tbl>
+          </a:graphicData>
+        </a:graphic>
+      </p:graphicFrame>
+      <p:sp>
+        <p:nvSpPr>
+          <p:cNvPr id="20" name="等腰三角形 19"/>
+          <p:cNvSpPr/>
+          <p:nvPr/>
+        </p:nvSpPr>
+        <p:spPr>
+          <a:xfrm>
+            <a:off x="7792042" y="2774934"/>
+            <a:ext cx="175491" cy="190083"/>
+          </a:xfrm>
+          <a:prstGeom prst="triangle">
+            <a:avLst/>
+          </a:prstGeom>
+          <a:solidFill>
+            <a:schemeClr val="bg1"/>
+          </a:solidFill>
+          <a:ln>
+            <a:solidFill>
+              <a:schemeClr val="tx1"/>
+            </a:solidFill>
+          </a:ln>
+        </p:spPr>
+        <p:style>
+          <a:lnRef idx="2">
+            <a:schemeClr val="accent1">
+              <a:shade val="50000"/>
+            </a:schemeClr>
+          </a:lnRef>
+          <a:fillRef idx="1">
+            <a:schemeClr val="accent1"/>
+          </a:fillRef>
+          <a:effectRef idx="0">
+            <a:schemeClr val="accent1"/>
+          </a:effectRef>
+          <a:fontRef idx="minor">
+            <a:schemeClr val="lt1"/>
+          </a:fontRef>
+        </p:style>
+        <p:txBody>
+          <a:bodyPr rtlCol="0" anchor="ctr"/>
+          <a:lstStyle/>
+          <a:p>
+            <a:pPr algn="ctr"/>
+            <a:endParaRPr lang="zh-TW" altLang="en-US"/>
+          </a:p>
+        </p:txBody>
+      </p:sp>
+      <p:cxnSp>
+        <p:nvCxnSpPr>
+          <p:cNvPr id="21" name="肘形接點 20"/>
+          <p:cNvCxnSpPr>
+            <a:stCxn id="19" idx="0"/>
+            <a:endCxn id="20" idx="3"/>
+          </p:cNvCxnSpPr>
+          <p:nvPr/>
+        </p:nvCxnSpPr>
+        <p:spPr>
+          <a:xfrm rot="16200000" flipV="1">
+            <a:off x="7768518" y="3076288"/>
+            <a:ext cx="878609" cy="656068"/>
+          </a:xfrm>
+          <a:prstGeom prst="bentConnector3">
+            <a:avLst>
+              <a:gd name="adj1" fmla="val 50000"/>
+            </a:avLst>
+          </a:prstGeom>
+          <a:ln w="28575">
+            <a:solidFill>
+              <a:schemeClr val="tx1"/>
+            </a:solidFill>
+            <a:prstDash val="dash"/>
+          </a:ln>
+        </p:spPr>
+        <p:style>
+          <a:lnRef idx="1">
+            <a:schemeClr val="accent1"/>
+          </a:lnRef>
+          <a:fillRef idx="0">
+            <a:schemeClr val="accent1"/>
+          </a:fillRef>
+          <a:effectRef idx="0">
+            <a:schemeClr val="accent1"/>
+          </a:effectRef>
+          <a:fontRef idx="minor">
+            <a:schemeClr val="tx1"/>
+          </a:fontRef>
+        </p:style>
+      </p:cxnSp>
+    </p:spTree>
+    <p:extLst>
+      <p:ext uri="{BB962C8B-B14F-4D97-AF65-F5344CB8AC3E}">
+        <p14:creationId xmlns:p14="http://schemas.microsoft.com/office/powerpoint/2010/main" val="3566883062"/>
+      </p:ext>
+    </p:extLst>
+  </p:cSld>
+  <p:clrMapOvr>
+    <a:masterClrMapping/>
+  </p:clrMapOvr>
+  <p:timing>
+    <p:tnLst>
+      <p:par>
+        <p:cTn id="1" dur="indefinite" restart="never" nodeType="tmRoot"/>
+      </p:par>
+    </p:tnLst>
+  </p:timing>
+</p:sld>
+</file>
+
+<file path=ppt/slides/slide71.xml><?xml version="1.0" encoding="utf-8"?>
+<p:sld xmlns:a="http://schemas.openxmlformats.org/drawingml/2006/main" xmlns:r="http://schemas.openxmlformats.org/officeDocument/2006/relationships" xmlns:p="http://schemas.openxmlformats.org/presentationml/2006/main">
+  <p:cSld>
+    <p:spTree>
+      <p:nvGrpSpPr>
+        <p:cNvPr id="1" name=""/>
+        <p:cNvGrpSpPr/>
+        <p:nvPr/>
+      </p:nvGrpSpPr>
+      <p:grpSpPr>
+        <a:xfrm>
+          <a:off x="0" y="0"/>
+          <a:ext cx="0" cy="0"/>
+          <a:chOff x="0" y="0"/>
+          <a:chExt cx="0" cy="0"/>
+        </a:xfrm>
+      </p:grpSpPr>
+      <p:sp>
+        <p:nvSpPr>
+          <p:cNvPr id="2" name="標題 1"/>
+          <p:cNvSpPr>
+            <a:spLocks noGrp="1"/>
+          </p:cNvSpPr>
+          <p:nvPr>
+            <p:ph type="title"/>
+          </p:nvPr>
+        </p:nvSpPr>
+        <p:spPr/>
+        <p:txBody>
+          <a:bodyPr/>
+          <a:lstStyle/>
+          <a:p>
+            <a:r>
+              <a:rPr lang="en-US" altLang="zh-TW" dirty="0" smtClean="0"/>
+              <a:t>Aggregation</a:t>
+            </a:r>
+            <a:r>
+              <a:rPr lang="zh-TW" altLang="en-US" dirty="0" smtClean="0"/>
+              <a:t>與</a:t>
+            </a:r>
+            <a:r>
+              <a:rPr lang="en-US" altLang="zh-TW" dirty="0"/>
+              <a:t>Composition</a:t>
+            </a:r>
+            <a:endParaRPr lang="zh-TW" altLang="en-US" dirty="0"/>
+          </a:p>
+        </p:txBody>
+      </p:sp>
+      <p:sp>
+        <p:nvSpPr>
+          <p:cNvPr id="3" name="內容版面配置區 2"/>
+          <p:cNvSpPr>
+            <a:spLocks noGrp="1"/>
+          </p:cNvSpPr>
+          <p:nvPr>
+            <p:ph sz="half" idx="1"/>
+          </p:nvPr>
+        </p:nvSpPr>
+        <p:spPr/>
+        <p:txBody>
+          <a:bodyPr/>
+          <a:lstStyle/>
+          <a:p>
+            <a:r>
+              <a:rPr lang="en-US" altLang="zh-TW" dirty="0"/>
+              <a:t>Aggregation</a:t>
+            </a:r>
+            <a:r>
+              <a:rPr lang="zh-TW" altLang="en-US" dirty="0"/>
+              <a:t>：</a:t>
+            </a:r>
+            <a:r>
+              <a:rPr lang="en-US" altLang="zh-TW" dirty="0"/>
+              <a:t>A </a:t>
+            </a:r>
+            <a:r>
+              <a:rPr lang="zh-TW" altLang="en-US" dirty="0"/>
+              <a:t>擁有 </a:t>
+            </a:r>
+            <a:r>
+              <a:rPr lang="en-US" altLang="zh-TW" dirty="0"/>
+              <a:t>B</a:t>
+            </a:r>
+            <a:r>
+              <a:rPr lang="zh-TW" altLang="en-US" dirty="0"/>
+              <a:t>，但為弱擁有，</a:t>
+            </a:r>
+            <a:r>
+              <a:rPr lang="en-US" altLang="zh-TW" dirty="0"/>
+              <a:t>A </a:t>
+            </a:r>
+            <a:r>
+              <a:rPr lang="zh-TW" altLang="en-US" dirty="0"/>
+              <a:t>與 </a:t>
+            </a:r>
+            <a:r>
+              <a:rPr lang="en-US" altLang="zh-TW" dirty="0"/>
+              <a:t>B </a:t>
+            </a:r>
+            <a:r>
+              <a:rPr lang="zh-TW" altLang="en-US" dirty="0"/>
+              <a:t>有各自的生命週期。常見用來描述 </a:t>
+            </a:r>
+            <a:r>
+              <a:rPr lang="en-US" altLang="zh-TW" dirty="0"/>
+              <a:t>A </a:t>
+            </a:r>
+            <a:r>
+              <a:rPr lang="zh-TW" altLang="en-US" dirty="0"/>
+              <a:t>類別擁有 </a:t>
+            </a:r>
+            <a:r>
+              <a:rPr lang="en-US" altLang="zh-TW" dirty="0"/>
+              <a:t>B </a:t>
+            </a:r>
+            <a:r>
+              <a:rPr lang="zh-TW" altLang="en-US" dirty="0"/>
+              <a:t>的實體，</a:t>
+            </a:r>
+            <a:r>
+              <a:rPr lang="en-US" altLang="zh-TW" dirty="0"/>
+              <a:t>A </a:t>
+            </a:r>
+            <a:r>
+              <a:rPr lang="zh-TW" altLang="en-US" dirty="0"/>
+              <a:t>與 </a:t>
+            </a:r>
+            <a:r>
+              <a:rPr lang="en-US" altLang="zh-TW" dirty="0"/>
+              <a:t>B </a:t>
+            </a:r>
+            <a:r>
+              <a:rPr lang="zh-TW" altLang="en-US" dirty="0"/>
+              <a:t>彼此協作，但又可各自單獨存在。</a:t>
+            </a:r>
+          </a:p>
+        </p:txBody>
+      </p:sp>
+      <p:sp>
+        <p:nvSpPr>
+          <p:cNvPr id="4" name="內容版面配置區 3"/>
+          <p:cNvSpPr>
+            <a:spLocks noGrp="1"/>
+          </p:cNvSpPr>
+          <p:nvPr>
+            <p:ph sz="half" idx="2"/>
+          </p:nvPr>
+        </p:nvSpPr>
+        <p:spPr>
+          <a:xfrm>
+            <a:off x="5843070" y="2151264"/>
+            <a:ext cx="4184034" cy="3880773"/>
+          </a:xfrm>
+        </p:spPr>
+        <p:txBody>
+          <a:bodyPr/>
+          <a:lstStyle/>
+          <a:p>
+            <a:r>
+              <a:rPr lang="en-US" altLang="zh-TW" dirty="0"/>
+              <a:t>Composition</a:t>
+            </a:r>
+            <a:r>
+              <a:rPr lang="zh-TW" altLang="en-US" dirty="0"/>
+              <a:t>：</a:t>
+            </a:r>
+            <a:r>
+              <a:rPr lang="en-US" altLang="zh-TW" dirty="0"/>
+              <a:t>B </a:t>
+            </a:r>
+            <a:r>
+              <a:rPr lang="zh-TW" altLang="en-US" dirty="0"/>
+              <a:t>為 </a:t>
+            </a:r>
+            <a:r>
+              <a:rPr lang="en-US" altLang="zh-TW" dirty="0"/>
+              <a:t>A </a:t>
+            </a:r>
+            <a:r>
+              <a:rPr lang="zh-TW" altLang="en-US" dirty="0"/>
+              <a:t>的一部分，若 </a:t>
+            </a:r>
+            <a:r>
+              <a:rPr lang="en-US" altLang="zh-TW" dirty="0"/>
+              <a:t>A </a:t>
+            </a:r>
+            <a:r>
+              <a:rPr lang="zh-TW" altLang="en-US" dirty="0"/>
+              <a:t>消失則 </a:t>
+            </a:r>
+            <a:r>
+              <a:rPr lang="en-US" altLang="zh-TW" dirty="0"/>
+              <a:t>B </a:t>
+            </a:r>
+            <a:r>
+              <a:rPr lang="zh-TW" altLang="en-US" dirty="0"/>
+              <a:t>也不會繼續存在。用來描述強烈的相依關係，</a:t>
+            </a:r>
+            <a:r>
+              <a:rPr lang="en-US" altLang="zh-TW" dirty="0"/>
+              <a:t>A </a:t>
+            </a:r>
+            <a:r>
+              <a:rPr lang="zh-TW" altLang="en-US" dirty="0"/>
+              <a:t>與 </a:t>
+            </a:r>
+            <a:r>
+              <a:rPr lang="en-US" altLang="zh-TW" dirty="0"/>
+              <a:t>B </a:t>
+            </a:r>
+            <a:r>
+              <a:rPr lang="zh-TW" altLang="en-US" dirty="0"/>
+              <a:t>同時存在也同時消滅</a:t>
+            </a:r>
+            <a:r>
+              <a:rPr lang="zh-TW" altLang="en-US" dirty="0" smtClean="0"/>
+              <a:t>。</a:t>
+            </a:r>
+            <a:endParaRPr lang="zh-TW" altLang="en-US" dirty="0"/>
+          </a:p>
+        </p:txBody>
+      </p:sp>
+      <p:graphicFrame>
+        <p:nvGraphicFramePr>
+          <p:cNvPr id="5" name="表格 4"/>
+          <p:cNvGraphicFramePr>
+            <a:graphicFrameLocks noGrp="1"/>
+          </p:cNvGraphicFramePr>
+          <p:nvPr>
+            <p:extLst>
+              <p:ext uri="{D42A27DB-BD31-4B8C-83A1-F6EECF244321}">
+                <p14:modId xmlns:p14="http://schemas.microsoft.com/office/powerpoint/2010/main" val="3478581441"/>
+              </p:ext>
+            </p:extLst>
+          </p:nvPr>
+        </p:nvGraphicFramePr>
+        <p:xfrm>
+          <a:off x="2189018" y="3562204"/>
+          <a:ext cx="1323874" cy="821619"/>
+        </p:xfrm>
+        <a:graphic>
+          <a:graphicData uri="http://schemas.openxmlformats.org/drawingml/2006/table">
+            <a:tbl>
+              <a:tblPr firstRow="1" bandRow="1">
+                <a:tableStyleId>{2D5ABB26-0587-4C30-8999-92F81FD0307C}</a:tableStyleId>
+              </a:tblPr>
+              <a:tblGrid>
+                <a:gridCol w="1323874">
+                  <a:extLst>
+                    <a:ext uri="{9D8B030D-6E8A-4147-A177-3AD203B41FA5}">
+                      <a16:colId xmlns:a16="http://schemas.microsoft.com/office/drawing/2014/main" val="27480226"/>
+                    </a:ext>
+                  </a:extLst>
+                </a:gridCol>
+              </a:tblGrid>
+              <a:tr h="310753">
+                <a:tc>
+                  <a:txBody>
+                    <a:bodyPr/>
+                    <a:lstStyle/>
+                    <a:p>
+                      <a:pPr algn="ctr"/>
+                      <a:r>
+                        <a:rPr lang="en-US" altLang="zh-TW" dirty="0" smtClean="0"/>
+                        <a:t>Car</a:t>
+                      </a:r>
+                      <a:endParaRPr lang="zh-TW" altLang="en-US" dirty="0"/>
+                    </a:p>
+                  </a:txBody>
+                  <a:tcPr>
+                    <a:lnL w="12700" cap="flat" cmpd="sng" algn="ctr">
+                      <a:solidFill>
+                        <a:schemeClr val="tx1"/>
+                      </a:solidFill>
+                      <a:prstDash val="solid"/>
+                      <a:round/>
+                      <a:headEnd type="none" w="med" len="med"/>
+                      <a:tailEnd type="none" w="med" len="med"/>
+                    </a:lnL>
+                    <a:lnR w="12700" cap="flat" cmpd="sng" algn="ctr">
+                      <a:solidFill>
+                        <a:schemeClr val="tx1"/>
+                      </a:solidFill>
+                      <a:prstDash val="solid"/>
+                      <a:round/>
+                      <a:headEnd type="none" w="med" len="med"/>
+                      <a:tailEnd type="none" w="med" len="med"/>
+                    </a:lnR>
+                    <a:lnT w="12700" cap="flat" cmpd="sng" algn="ctr">
+                      <a:solidFill>
+                        <a:schemeClr val="tx1"/>
+                      </a:solidFill>
+                      <a:prstDash val="solid"/>
+                      <a:round/>
+                      <a:headEnd type="none" w="med" len="med"/>
+                      <a:tailEnd type="none" w="med" len="med"/>
+                    </a:lnT>
+                    <a:lnB w="12700" cap="flat" cmpd="sng" algn="ctr">
+                      <a:solidFill>
+                        <a:schemeClr val="tx1"/>
+                      </a:solidFill>
+                      <a:prstDash val="solid"/>
+                      <a:round/>
+                      <a:headEnd type="none" w="med" len="med"/>
+                      <a:tailEnd type="none" w="med" len="med"/>
+                    </a:lnB>
+                    <a:lnTlToBr w="12700" cmpd="sng">
+                      <a:noFill/>
+                      <a:prstDash val="solid"/>
+                    </a:lnTlToBr>
+                    <a:lnBlToTr w="12700" cmpd="sng">
+                      <a:noFill/>
+                      <a:prstDash val="solid"/>
+                    </a:lnBlToTr>
+                    <a:solidFill>
+                      <a:schemeClr val="bg1"/>
+                    </a:solidFill>
+                  </a:tcPr>
+                </a:tc>
+                <a:extLst>
+                  <a:ext uri="{0D108BD9-81ED-4DB2-BD59-A6C34878D82A}">
+                    <a16:rowId xmlns:a16="http://schemas.microsoft.com/office/drawing/2014/main" val="562645238"/>
+                  </a:ext>
+                </a:extLst>
+              </a:tr>
+              <a:tr h="207795">
+                <a:tc>
+                  <a:txBody>
+                    <a:bodyPr/>
+                    <a:lstStyle/>
+                    <a:p>
+                      <a:endParaRPr lang="zh-TW" altLang="en-US" sz="800" dirty="0"/>
+                    </a:p>
+                  </a:txBody>
+                  <a:tcPr>
+                    <a:lnL w="12700" cap="flat" cmpd="sng" algn="ctr">
+                      <a:solidFill>
+                        <a:schemeClr val="tx1"/>
+                      </a:solidFill>
+                      <a:prstDash val="solid"/>
+                      <a:round/>
+                      <a:headEnd type="none" w="med" len="med"/>
+                      <a:tailEnd type="none" w="med" len="med"/>
+                    </a:lnL>
+                    <a:lnR w="12700" cap="flat" cmpd="sng" algn="ctr">
+                      <a:solidFill>
+                        <a:schemeClr val="tx1"/>
+                      </a:solidFill>
+                      <a:prstDash val="solid"/>
+                      <a:round/>
+                      <a:headEnd type="none" w="med" len="med"/>
+                      <a:tailEnd type="none" w="med" len="med"/>
+                    </a:lnR>
+                    <a:lnT w="12700" cap="flat" cmpd="sng" algn="ctr">
+                      <a:solidFill>
+                        <a:schemeClr val="tx1"/>
+                      </a:solidFill>
+                      <a:prstDash val="solid"/>
+                      <a:round/>
+                      <a:headEnd type="none" w="med" len="med"/>
+                      <a:tailEnd type="none" w="med" len="med"/>
+                    </a:lnT>
+                    <a:lnB w="12700" cap="flat" cmpd="sng" algn="ctr">
+                      <a:solidFill>
+                        <a:schemeClr val="tx1"/>
+                      </a:solidFill>
+                      <a:prstDash val="solid"/>
+                      <a:round/>
+                      <a:headEnd type="none" w="med" len="med"/>
+                      <a:tailEnd type="none" w="med" len="med"/>
+                    </a:lnB>
+                    <a:lnTlToBr w="12700" cmpd="sng">
+                      <a:noFill/>
+                      <a:prstDash val="solid"/>
+                    </a:lnTlToBr>
+                    <a:lnBlToTr w="12700" cmpd="sng">
+                      <a:noFill/>
+                      <a:prstDash val="solid"/>
+                    </a:lnBlToTr>
+                    <a:solidFill>
+                      <a:schemeClr val="bg1"/>
+                    </a:solidFill>
+                  </a:tcPr>
+                </a:tc>
+                <a:extLst>
+                  <a:ext uri="{0D108BD9-81ED-4DB2-BD59-A6C34878D82A}">
+                    <a16:rowId xmlns:a16="http://schemas.microsoft.com/office/drawing/2014/main" val="4249798471"/>
+                  </a:ext>
+                </a:extLst>
+              </a:tr>
+              <a:tr h="242499">
+                <a:tc>
+                  <a:txBody>
+                    <a:bodyPr/>
+                    <a:lstStyle/>
+                    <a:p>
+                      <a:endParaRPr lang="zh-TW" altLang="en-US" sz="800" dirty="0"/>
+                    </a:p>
+                  </a:txBody>
+                  <a:tcPr>
+                    <a:lnL w="12700" cap="flat" cmpd="sng" algn="ctr">
+                      <a:solidFill>
+                        <a:schemeClr val="tx1"/>
+                      </a:solidFill>
+                      <a:prstDash val="solid"/>
+                      <a:round/>
+                      <a:headEnd type="none" w="med" len="med"/>
+                      <a:tailEnd type="none" w="med" len="med"/>
+                    </a:lnL>
+                    <a:lnR w="12700" cap="flat" cmpd="sng" algn="ctr">
+                      <a:solidFill>
+                        <a:schemeClr val="tx1"/>
+                      </a:solidFill>
+                      <a:prstDash val="solid"/>
+                      <a:round/>
+                      <a:headEnd type="none" w="med" len="med"/>
+                      <a:tailEnd type="none" w="med" len="med"/>
+                    </a:lnR>
+                    <a:lnT w="12700" cap="flat" cmpd="sng" algn="ctr">
+                      <a:solidFill>
+                        <a:schemeClr val="tx1"/>
+                      </a:solidFill>
+                      <a:prstDash val="solid"/>
+                      <a:round/>
+                      <a:headEnd type="none" w="med" len="med"/>
+                      <a:tailEnd type="none" w="med" len="med"/>
+                    </a:lnT>
+                    <a:lnB w="12700" cap="flat" cmpd="sng" algn="ctr">
+                      <a:solidFill>
+                        <a:schemeClr val="tx1"/>
+                      </a:solidFill>
+                      <a:prstDash val="solid"/>
+                      <a:round/>
+                      <a:headEnd type="none" w="med" len="med"/>
+                      <a:tailEnd type="none" w="med" len="med"/>
+                    </a:lnB>
+                    <a:lnTlToBr w="12700" cmpd="sng">
+                      <a:noFill/>
+                      <a:prstDash val="solid"/>
+                    </a:lnTlToBr>
+                    <a:lnBlToTr w="12700" cmpd="sng">
+                      <a:noFill/>
+                      <a:prstDash val="solid"/>
+                    </a:lnBlToTr>
+                    <a:solidFill>
+                      <a:schemeClr val="bg1"/>
+                    </a:solidFill>
+                  </a:tcPr>
+                </a:tc>
+                <a:extLst>
+                  <a:ext uri="{0D108BD9-81ED-4DB2-BD59-A6C34878D82A}">
+                    <a16:rowId xmlns:a16="http://schemas.microsoft.com/office/drawing/2014/main" val="1043476516"/>
+                  </a:ext>
+                </a:extLst>
+              </a:tr>
+            </a:tbl>
+          </a:graphicData>
+        </a:graphic>
+      </p:graphicFrame>
+      <p:graphicFrame>
+        <p:nvGraphicFramePr>
+          <p:cNvPr id="6" name="表格 5"/>
+          <p:cNvGraphicFramePr>
+            <a:graphicFrameLocks noGrp="1"/>
+          </p:cNvGraphicFramePr>
+          <p:nvPr>
+            <p:extLst>
+              <p:ext uri="{D42A27DB-BD31-4B8C-83A1-F6EECF244321}">
+                <p14:modId xmlns:p14="http://schemas.microsoft.com/office/powerpoint/2010/main" val="3113363842"/>
+              </p:ext>
+            </p:extLst>
+          </p:nvPr>
+        </p:nvGraphicFramePr>
+        <p:xfrm>
+          <a:off x="1188103" y="5316250"/>
+          <a:ext cx="1210741" cy="734980"/>
+        </p:xfrm>
+        <a:graphic>
+          <a:graphicData uri="http://schemas.openxmlformats.org/drawingml/2006/table">
+            <a:tbl>
+              <a:tblPr firstRow="1" bandRow="1">
+                <a:tableStyleId>{2D5ABB26-0587-4C30-8999-92F81FD0307C}</a:tableStyleId>
+              </a:tblPr>
+              <a:tblGrid>
+                <a:gridCol w="1210741">
+                  <a:extLst>
+                    <a:ext uri="{9D8B030D-6E8A-4147-A177-3AD203B41FA5}">
+                      <a16:colId xmlns:a16="http://schemas.microsoft.com/office/drawing/2014/main" val="27480226"/>
+                    </a:ext>
+                  </a:extLst>
+                </a:gridCol>
+              </a:tblGrid>
+              <a:tr h="299781">
+                <a:tc>
+                  <a:txBody>
+                    <a:bodyPr/>
+                    <a:lstStyle/>
+                    <a:p>
+                      <a:pPr algn="ctr"/>
+                      <a:r>
+                        <a:rPr lang="en-US" altLang="zh-TW" dirty="0" smtClean="0"/>
+                        <a:t>Engine</a:t>
+                      </a:r>
+                      <a:endParaRPr lang="zh-TW" altLang="en-US" dirty="0"/>
+                    </a:p>
+                  </a:txBody>
+                  <a:tcPr>
+                    <a:lnL w="12700" cap="flat" cmpd="sng" algn="ctr">
+                      <a:solidFill>
+                        <a:schemeClr val="tx1"/>
+                      </a:solidFill>
+                      <a:prstDash val="solid"/>
+                      <a:round/>
+                      <a:headEnd type="none" w="med" len="med"/>
+                      <a:tailEnd type="none" w="med" len="med"/>
+                    </a:lnL>
+                    <a:lnR w="12700" cap="flat" cmpd="sng" algn="ctr">
+                      <a:solidFill>
+                        <a:schemeClr val="tx1"/>
+                      </a:solidFill>
+                      <a:prstDash val="solid"/>
+                      <a:round/>
+                      <a:headEnd type="none" w="med" len="med"/>
+                      <a:tailEnd type="none" w="med" len="med"/>
+                    </a:lnR>
+                    <a:lnT w="12700" cap="flat" cmpd="sng" algn="ctr">
+                      <a:solidFill>
+                        <a:schemeClr val="tx1"/>
+                      </a:solidFill>
+                      <a:prstDash val="solid"/>
+                      <a:round/>
+                      <a:headEnd type="none" w="med" len="med"/>
+                      <a:tailEnd type="none" w="med" len="med"/>
+                    </a:lnT>
+                    <a:lnB w="12700" cap="flat" cmpd="sng" algn="ctr">
+                      <a:solidFill>
+                        <a:schemeClr val="tx1"/>
+                      </a:solidFill>
+                      <a:prstDash val="solid"/>
+                      <a:round/>
+                      <a:headEnd type="none" w="med" len="med"/>
+                      <a:tailEnd type="none" w="med" len="med"/>
+                    </a:lnB>
+                    <a:lnTlToBr w="12700" cmpd="sng">
+                      <a:noFill/>
+                      <a:prstDash val="solid"/>
+                    </a:lnTlToBr>
+                    <a:lnBlToTr w="12700" cmpd="sng">
+                      <a:noFill/>
+                      <a:prstDash val="solid"/>
+                    </a:lnBlToTr>
+                    <a:solidFill>
+                      <a:schemeClr val="bg1"/>
+                    </a:solidFill>
+                  </a:tcPr>
+                </a:tc>
+                <a:extLst>
+                  <a:ext uri="{0D108BD9-81ED-4DB2-BD59-A6C34878D82A}">
+                    <a16:rowId xmlns:a16="http://schemas.microsoft.com/office/drawing/2014/main" val="562645238"/>
+                  </a:ext>
+                </a:extLst>
+              </a:tr>
+              <a:tr h="170382">
+                <a:tc>
+                  <a:txBody>
+                    <a:bodyPr/>
+                    <a:lstStyle/>
+                    <a:p>
+                      <a:endParaRPr lang="zh-TW" altLang="en-US" sz="500" dirty="0"/>
+                    </a:p>
+                  </a:txBody>
+                  <a:tcPr>
+                    <a:lnL w="12700" cap="flat" cmpd="sng" algn="ctr">
+                      <a:solidFill>
+                        <a:schemeClr val="tx1"/>
+                      </a:solidFill>
+                      <a:prstDash val="solid"/>
+                      <a:round/>
+                      <a:headEnd type="none" w="med" len="med"/>
+                      <a:tailEnd type="none" w="med" len="med"/>
+                    </a:lnL>
+                    <a:lnR w="12700" cap="flat" cmpd="sng" algn="ctr">
+                      <a:solidFill>
+                        <a:schemeClr val="tx1"/>
+                      </a:solidFill>
+                      <a:prstDash val="solid"/>
+                      <a:round/>
+                      <a:headEnd type="none" w="med" len="med"/>
+                      <a:tailEnd type="none" w="med" len="med"/>
+                    </a:lnR>
+                    <a:lnT w="12700" cap="flat" cmpd="sng" algn="ctr">
+                      <a:solidFill>
+                        <a:schemeClr val="tx1"/>
+                      </a:solidFill>
+                      <a:prstDash val="solid"/>
+                      <a:round/>
+                      <a:headEnd type="none" w="med" len="med"/>
+                      <a:tailEnd type="none" w="med" len="med"/>
+                    </a:lnT>
+                    <a:lnB w="12700" cap="flat" cmpd="sng" algn="ctr">
+                      <a:solidFill>
+                        <a:schemeClr val="tx1"/>
+                      </a:solidFill>
+                      <a:prstDash val="solid"/>
+                      <a:round/>
+                      <a:headEnd type="none" w="med" len="med"/>
+                      <a:tailEnd type="none" w="med" len="med"/>
+                    </a:lnB>
+                    <a:lnTlToBr w="12700" cmpd="sng">
+                      <a:noFill/>
+                      <a:prstDash val="solid"/>
+                    </a:lnTlToBr>
+                    <a:lnBlToTr w="12700" cmpd="sng">
+                      <a:noFill/>
+                      <a:prstDash val="solid"/>
+                    </a:lnBlToTr>
+                    <a:solidFill>
+                      <a:schemeClr val="bg1"/>
+                    </a:solidFill>
+                  </a:tcPr>
+                </a:tc>
+                <a:extLst>
+                  <a:ext uri="{0D108BD9-81ED-4DB2-BD59-A6C34878D82A}">
+                    <a16:rowId xmlns:a16="http://schemas.microsoft.com/office/drawing/2014/main" val="4249798471"/>
+                  </a:ext>
+                </a:extLst>
+              </a:tr>
+              <a:tr h="198838">
+                <a:tc>
+                  <a:txBody>
+                    <a:bodyPr/>
+                    <a:lstStyle/>
+                    <a:p>
+                      <a:endParaRPr lang="zh-TW" altLang="en-US" sz="500" dirty="0"/>
+                    </a:p>
+                  </a:txBody>
+                  <a:tcPr>
+                    <a:lnL w="12700" cap="flat" cmpd="sng" algn="ctr">
+                      <a:solidFill>
+                        <a:schemeClr val="tx1"/>
+                      </a:solidFill>
+                      <a:prstDash val="solid"/>
+                      <a:round/>
+                      <a:headEnd type="none" w="med" len="med"/>
+                      <a:tailEnd type="none" w="med" len="med"/>
+                    </a:lnL>
+                    <a:lnR w="12700" cap="flat" cmpd="sng" algn="ctr">
+                      <a:solidFill>
+                        <a:schemeClr val="tx1"/>
+                      </a:solidFill>
+                      <a:prstDash val="solid"/>
+                      <a:round/>
+                      <a:headEnd type="none" w="med" len="med"/>
+                      <a:tailEnd type="none" w="med" len="med"/>
+                    </a:lnR>
+                    <a:lnT w="12700" cap="flat" cmpd="sng" algn="ctr">
+                      <a:solidFill>
+                        <a:schemeClr val="tx1"/>
+                      </a:solidFill>
+                      <a:prstDash val="solid"/>
+                      <a:round/>
+                      <a:headEnd type="none" w="med" len="med"/>
+                      <a:tailEnd type="none" w="med" len="med"/>
+                    </a:lnT>
+                    <a:lnB w="12700" cap="flat" cmpd="sng" algn="ctr">
+                      <a:solidFill>
+                        <a:schemeClr val="tx1"/>
+                      </a:solidFill>
+                      <a:prstDash val="solid"/>
+                      <a:round/>
+                      <a:headEnd type="none" w="med" len="med"/>
+                      <a:tailEnd type="none" w="med" len="med"/>
+                    </a:lnB>
+                    <a:lnTlToBr w="12700" cmpd="sng">
+                      <a:noFill/>
+                      <a:prstDash val="solid"/>
+                    </a:lnTlToBr>
+                    <a:lnBlToTr w="12700" cmpd="sng">
+                      <a:noFill/>
+                      <a:prstDash val="solid"/>
+                    </a:lnBlToTr>
+                    <a:solidFill>
+                      <a:schemeClr val="bg1"/>
+                    </a:solidFill>
+                  </a:tcPr>
+                </a:tc>
+                <a:extLst>
+                  <a:ext uri="{0D108BD9-81ED-4DB2-BD59-A6C34878D82A}">
+                    <a16:rowId xmlns:a16="http://schemas.microsoft.com/office/drawing/2014/main" val="1043476516"/>
+                  </a:ext>
+                </a:extLst>
+              </a:tr>
+            </a:tbl>
+          </a:graphicData>
+        </a:graphic>
+      </p:graphicFrame>
+      <p:graphicFrame>
+        <p:nvGraphicFramePr>
+          <p:cNvPr id="7" name="表格 6"/>
+          <p:cNvGraphicFramePr>
+            <a:graphicFrameLocks noGrp="1"/>
+          </p:cNvGraphicFramePr>
+          <p:nvPr>
+            <p:extLst>
+              <p:ext uri="{D42A27DB-BD31-4B8C-83A1-F6EECF244321}">
+                <p14:modId xmlns:p14="http://schemas.microsoft.com/office/powerpoint/2010/main" val="436224791"/>
+              </p:ext>
+            </p:extLst>
+          </p:nvPr>
+        </p:nvGraphicFramePr>
+        <p:xfrm>
+          <a:off x="3232419" y="5306381"/>
+          <a:ext cx="1169215" cy="734980"/>
+        </p:xfrm>
+        <a:graphic>
+          <a:graphicData uri="http://schemas.openxmlformats.org/drawingml/2006/table">
+            <a:tbl>
+              <a:tblPr firstRow="1" bandRow="1">
+                <a:tableStyleId>{2D5ABB26-0587-4C30-8999-92F81FD0307C}</a:tableStyleId>
+              </a:tblPr>
+              <a:tblGrid>
+                <a:gridCol w="1169215">
+                  <a:extLst>
+                    <a:ext uri="{9D8B030D-6E8A-4147-A177-3AD203B41FA5}">
+                      <a16:colId xmlns:a16="http://schemas.microsoft.com/office/drawing/2014/main" val="27480226"/>
+                    </a:ext>
+                  </a:extLst>
+                </a:gridCol>
+              </a:tblGrid>
+              <a:tr h="299781">
+                <a:tc>
+                  <a:txBody>
+                    <a:bodyPr/>
+                    <a:lstStyle/>
+                    <a:p>
+                      <a:pPr algn="ctr"/>
+                      <a:r>
+                        <a:rPr lang="en-US" altLang="zh-TW" dirty="0" smtClean="0"/>
+                        <a:t>Wheel</a:t>
+                      </a:r>
+                      <a:endParaRPr lang="zh-TW" altLang="en-US" dirty="0"/>
+                    </a:p>
+                  </a:txBody>
+                  <a:tcPr>
+                    <a:lnL w="12700" cap="flat" cmpd="sng" algn="ctr">
+                      <a:solidFill>
+                        <a:schemeClr val="tx1"/>
+                      </a:solidFill>
+                      <a:prstDash val="solid"/>
+                      <a:round/>
+                      <a:headEnd type="none" w="med" len="med"/>
+                      <a:tailEnd type="none" w="med" len="med"/>
+                    </a:lnL>
+                    <a:lnR w="12700" cap="flat" cmpd="sng" algn="ctr">
+                      <a:solidFill>
+                        <a:schemeClr val="tx1"/>
+                      </a:solidFill>
+                      <a:prstDash val="solid"/>
+                      <a:round/>
+                      <a:headEnd type="none" w="med" len="med"/>
+                      <a:tailEnd type="none" w="med" len="med"/>
+                    </a:lnR>
+                    <a:lnT w="12700" cap="flat" cmpd="sng" algn="ctr">
+                      <a:solidFill>
+                        <a:schemeClr val="tx1"/>
+                      </a:solidFill>
+                      <a:prstDash val="solid"/>
+                      <a:round/>
+                      <a:headEnd type="none" w="med" len="med"/>
+                      <a:tailEnd type="none" w="med" len="med"/>
+                    </a:lnT>
+                    <a:lnB w="12700" cap="flat" cmpd="sng" algn="ctr">
+                      <a:solidFill>
+                        <a:schemeClr val="tx1"/>
+                      </a:solidFill>
+                      <a:prstDash val="solid"/>
+                      <a:round/>
+                      <a:headEnd type="none" w="med" len="med"/>
+                      <a:tailEnd type="none" w="med" len="med"/>
+                    </a:lnB>
+                    <a:lnTlToBr w="12700" cmpd="sng">
+                      <a:noFill/>
+                      <a:prstDash val="solid"/>
+                    </a:lnTlToBr>
+                    <a:lnBlToTr w="12700" cmpd="sng">
+                      <a:noFill/>
+                      <a:prstDash val="solid"/>
+                    </a:lnBlToTr>
+                    <a:solidFill>
+                      <a:schemeClr val="bg1"/>
+                    </a:solidFill>
+                  </a:tcPr>
+                </a:tc>
+                <a:extLst>
+                  <a:ext uri="{0D108BD9-81ED-4DB2-BD59-A6C34878D82A}">
+                    <a16:rowId xmlns:a16="http://schemas.microsoft.com/office/drawing/2014/main" val="562645238"/>
+                  </a:ext>
+                </a:extLst>
+              </a:tr>
+              <a:tr h="170382">
+                <a:tc>
+                  <a:txBody>
+                    <a:bodyPr/>
+                    <a:lstStyle/>
+                    <a:p>
+                      <a:endParaRPr lang="zh-TW" altLang="en-US" sz="500" dirty="0"/>
+                    </a:p>
+                  </a:txBody>
+                  <a:tcPr>
+                    <a:lnL w="12700" cap="flat" cmpd="sng" algn="ctr">
+                      <a:solidFill>
+                        <a:schemeClr val="tx1"/>
+                      </a:solidFill>
+                      <a:prstDash val="solid"/>
+                      <a:round/>
+                      <a:headEnd type="none" w="med" len="med"/>
+                      <a:tailEnd type="none" w="med" len="med"/>
+                    </a:lnL>
+                    <a:lnR w="12700" cap="flat" cmpd="sng" algn="ctr">
+                      <a:solidFill>
+                        <a:schemeClr val="tx1"/>
+                      </a:solidFill>
+                      <a:prstDash val="solid"/>
+                      <a:round/>
+                      <a:headEnd type="none" w="med" len="med"/>
+                      <a:tailEnd type="none" w="med" len="med"/>
+                    </a:lnR>
+                    <a:lnT w="12700" cap="flat" cmpd="sng" algn="ctr">
+                      <a:solidFill>
+                        <a:schemeClr val="tx1"/>
+                      </a:solidFill>
+                      <a:prstDash val="solid"/>
+                      <a:round/>
+                      <a:headEnd type="none" w="med" len="med"/>
+                      <a:tailEnd type="none" w="med" len="med"/>
+                    </a:lnT>
+                    <a:lnB w="12700" cap="flat" cmpd="sng" algn="ctr">
+                      <a:solidFill>
+                        <a:schemeClr val="tx1"/>
+                      </a:solidFill>
+                      <a:prstDash val="solid"/>
+                      <a:round/>
+                      <a:headEnd type="none" w="med" len="med"/>
+                      <a:tailEnd type="none" w="med" len="med"/>
+                    </a:lnB>
+                    <a:lnTlToBr w="12700" cmpd="sng">
+                      <a:noFill/>
+                      <a:prstDash val="solid"/>
+                    </a:lnTlToBr>
+                    <a:lnBlToTr w="12700" cmpd="sng">
+                      <a:noFill/>
+                      <a:prstDash val="solid"/>
+                    </a:lnBlToTr>
+                    <a:solidFill>
+                      <a:schemeClr val="bg1"/>
+                    </a:solidFill>
+                  </a:tcPr>
+                </a:tc>
+                <a:extLst>
+                  <a:ext uri="{0D108BD9-81ED-4DB2-BD59-A6C34878D82A}">
+                    <a16:rowId xmlns:a16="http://schemas.microsoft.com/office/drawing/2014/main" val="4249798471"/>
+                  </a:ext>
+                </a:extLst>
+              </a:tr>
+              <a:tr h="198838">
+                <a:tc>
+                  <a:txBody>
+                    <a:bodyPr/>
+                    <a:lstStyle/>
+                    <a:p>
+                      <a:endParaRPr lang="zh-TW" altLang="en-US" sz="500" dirty="0"/>
+                    </a:p>
+                  </a:txBody>
+                  <a:tcPr>
+                    <a:lnL w="12700" cap="flat" cmpd="sng" algn="ctr">
+                      <a:solidFill>
+                        <a:schemeClr val="tx1"/>
+                      </a:solidFill>
+                      <a:prstDash val="solid"/>
+                      <a:round/>
+                      <a:headEnd type="none" w="med" len="med"/>
+                      <a:tailEnd type="none" w="med" len="med"/>
+                    </a:lnL>
+                    <a:lnR w="12700" cap="flat" cmpd="sng" algn="ctr">
+                      <a:solidFill>
+                        <a:schemeClr val="tx1"/>
+                      </a:solidFill>
+                      <a:prstDash val="solid"/>
+                      <a:round/>
+                      <a:headEnd type="none" w="med" len="med"/>
+                      <a:tailEnd type="none" w="med" len="med"/>
+                    </a:lnR>
+                    <a:lnT w="12700" cap="flat" cmpd="sng" algn="ctr">
+                      <a:solidFill>
+                        <a:schemeClr val="tx1"/>
+                      </a:solidFill>
+                      <a:prstDash val="solid"/>
+                      <a:round/>
+                      <a:headEnd type="none" w="med" len="med"/>
+                      <a:tailEnd type="none" w="med" len="med"/>
+                    </a:lnT>
+                    <a:lnB w="12700" cap="flat" cmpd="sng" algn="ctr">
+                      <a:solidFill>
+                        <a:schemeClr val="tx1"/>
+                      </a:solidFill>
+                      <a:prstDash val="solid"/>
+                      <a:round/>
+                      <a:headEnd type="none" w="med" len="med"/>
+                      <a:tailEnd type="none" w="med" len="med"/>
+                    </a:lnB>
+                    <a:lnTlToBr w="12700" cmpd="sng">
+                      <a:noFill/>
+                      <a:prstDash val="solid"/>
+                    </a:lnTlToBr>
+                    <a:lnBlToTr w="12700" cmpd="sng">
+                      <a:noFill/>
+                      <a:prstDash val="solid"/>
+                    </a:lnBlToTr>
+                    <a:solidFill>
+                      <a:schemeClr val="bg1"/>
+                    </a:solidFill>
+                  </a:tcPr>
+                </a:tc>
+                <a:extLst>
+                  <a:ext uri="{0D108BD9-81ED-4DB2-BD59-A6C34878D82A}">
+                    <a16:rowId xmlns:a16="http://schemas.microsoft.com/office/drawing/2014/main" val="1043476516"/>
+                  </a:ext>
+                </a:extLst>
+              </a:tr>
+            </a:tbl>
+          </a:graphicData>
+        </a:graphic>
+      </p:graphicFrame>
+      <p:sp>
+        <p:nvSpPr>
+          <p:cNvPr id="8" name="菱形 7"/>
+          <p:cNvSpPr/>
+          <p:nvPr/>
+        </p:nvSpPr>
+        <p:spPr>
+          <a:xfrm>
+            <a:off x="2512547" y="4383823"/>
+            <a:ext cx="168617" cy="230189"/>
+          </a:xfrm>
+          <a:prstGeom prst="diamond">
+            <a:avLst/>
+          </a:prstGeom>
+          <a:solidFill>
+            <a:schemeClr val="bg1"/>
+          </a:solidFill>
+          <a:ln>
+            <a:solidFill>
+              <a:schemeClr val="tx1"/>
+            </a:solidFill>
+          </a:ln>
+        </p:spPr>
+        <p:style>
+          <a:lnRef idx="2">
+            <a:schemeClr val="accent1">
+              <a:shade val="50000"/>
+            </a:schemeClr>
+          </a:lnRef>
+          <a:fillRef idx="1">
+            <a:schemeClr val="accent1"/>
+          </a:fillRef>
+          <a:effectRef idx="0">
+            <a:schemeClr val="accent1"/>
+          </a:effectRef>
+          <a:fontRef idx="minor">
+            <a:schemeClr val="lt1"/>
+          </a:fontRef>
+        </p:style>
+        <p:txBody>
+          <a:bodyPr rtlCol="0" anchor="ctr"/>
+          <a:lstStyle/>
+          <a:p>
+            <a:pPr algn="ctr"/>
+            <a:endParaRPr lang="zh-TW" altLang="en-US"/>
+          </a:p>
+        </p:txBody>
+      </p:sp>
+      <p:sp>
+        <p:nvSpPr>
+          <p:cNvPr id="9" name="菱形 8"/>
+          <p:cNvSpPr/>
+          <p:nvPr/>
+        </p:nvSpPr>
+        <p:spPr>
+          <a:xfrm>
+            <a:off x="3134658" y="4393148"/>
+            <a:ext cx="168617" cy="230189"/>
+          </a:xfrm>
+          <a:prstGeom prst="diamond">
+            <a:avLst/>
+          </a:prstGeom>
+          <a:solidFill>
+            <a:schemeClr val="bg1"/>
+          </a:solidFill>
+          <a:ln>
+            <a:solidFill>
+              <a:schemeClr val="tx1"/>
+            </a:solidFill>
+          </a:ln>
+        </p:spPr>
+        <p:style>
+          <a:lnRef idx="2">
+            <a:schemeClr val="accent1">
+              <a:shade val="50000"/>
+            </a:schemeClr>
+          </a:lnRef>
+          <a:fillRef idx="1">
+            <a:schemeClr val="accent1"/>
+          </a:fillRef>
+          <a:effectRef idx="0">
+            <a:schemeClr val="accent1"/>
+          </a:effectRef>
+          <a:fontRef idx="minor">
+            <a:schemeClr val="lt1"/>
+          </a:fontRef>
+        </p:style>
+        <p:txBody>
+          <a:bodyPr rtlCol="0" anchor="ctr"/>
+          <a:lstStyle/>
+          <a:p>
+            <a:pPr algn="ctr"/>
+            <a:endParaRPr lang="zh-TW" altLang="en-US"/>
+          </a:p>
+        </p:txBody>
+      </p:sp>
+      <p:cxnSp>
+        <p:nvCxnSpPr>
+          <p:cNvPr id="11" name="肘形接點 10"/>
+          <p:cNvCxnSpPr>
+            <a:stCxn id="8" idx="2"/>
+            <a:endCxn id="6" idx="0"/>
+          </p:cNvCxnSpPr>
+          <p:nvPr/>
+        </p:nvCxnSpPr>
+        <p:spPr>
+          <a:xfrm rot="5400000">
+            <a:off x="1844046" y="4563440"/>
+            <a:ext cx="702238" cy="803383"/>
+          </a:xfrm>
+          <a:prstGeom prst="bentConnector3">
+            <a:avLst/>
+          </a:prstGeom>
+          <a:ln>
+            <a:solidFill>
+              <a:schemeClr val="tx1"/>
+            </a:solidFill>
+          </a:ln>
+        </p:spPr>
+        <p:style>
+          <a:lnRef idx="1">
+            <a:schemeClr val="accent1"/>
+          </a:lnRef>
+          <a:fillRef idx="0">
+            <a:schemeClr val="accent1"/>
+          </a:fillRef>
+          <a:effectRef idx="0">
+            <a:schemeClr val="accent1"/>
+          </a:effectRef>
+          <a:fontRef idx="minor">
+            <a:schemeClr val="tx1"/>
+          </a:fontRef>
+        </p:style>
+      </p:cxnSp>
+      <p:cxnSp>
+        <p:nvCxnSpPr>
+          <p:cNvPr id="12" name="肘形接點 11"/>
+          <p:cNvCxnSpPr>
+            <a:stCxn id="9" idx="2"/>
+            <a:endCxn id="7" idx="0"/>
+          </p:cNvCxnSpPr>
+          <p:nvPr/>
+        </p:nvCxnSpPr>
+        <p:spPr>
+          <a:xfrm rot="16200000" flipH="1">
+            <a:off x="3176474" y="4665829"/>
+            <a:ext cx="683044" cy="598059"/>
+          </a:xfrm>
+          <a:prstGeom prst="bentConnector3">
+            <a:avLst>
+              <a:gd name="adj1" fmla="val 50000"/>
+            </a:avLst>
+          </a:prstGeom>
+          <a:ln>
+            <a:solidFill>
+              <a:schemeClr val="tx1"/>
+            </a:solidFill>
+          </a:ln>
+        </p:spPr>
+        <p:style>
+          <a:lnRef idx="1">
+            <a:schemeClr val="accent1"/>
+          </a:lnRef>
+          <a:fillRef idx="0">
+            <a:schemeClr val="accent1"/>
+          </a:fillRef>
+          <a:effectRef idx="0">
+            <a:schemeClr val="accent1"/>
+          </a:effectRef>
+          <a:fontRef idx="minor">
+            <a:schemeClr val="tx1"/>
+          </a:fontRef>
+        </p:style>
+      </p:cxnSp>
+      <p:graphicFrame>
+        <p:nvGraphicFramePr>
+          <p:cNvPr id="21" name="表格 20"/>
+          <p:cNvGraphicFramePr>
+            <a:graphicFrameLocks noGrp="1"/>
+          </p:cNvGraphicFramePr>
+          <p:nvPr>
+            <p:extLst>
+              <p:ext uri="{D42A27DB-BD31-4B8C-83A1-F6EECF244321}">
+                <p14:modId xmlns:p14="http://schemas.microsoft.com/office/powerpoint/2010/main" val="2377920962"/>
+              </p:ext>
+            </p:extLst>
+          </p:nvPr>
+        </p:nvGraphicFramePr>
+        <p:xfrm>
+          <a:off x="7509608" y="3552334"/>
+          <a:ext cx="1590509" cy="821619"/>
+        </p:xfrm>
+        <a:graphic>
+          <a:graphicData uri="http://schemas.openxmlformats.org/drawingml/2006/table">
+            <a:tbl>
+              <a:tblPr firstRow="1" bandRow="1">
+                <a:tableStyleId>{2D5ABB26-0587-4C30-8999-92F81FD0307C}</a:tableStyleId>
+              </a:tblPr>
+              <a:tblGrid>
+                <a:gridCol w="1590509">
+                  <a:extLst>
+                    <a:ext uri="{9D8B030D-6E8A-4147-A177-3AD203B41FA5}">
+                      <a16:colId xmlns:a16="http://schemas.microsoft.com/office/drawing/2014/main" val="27480226"/>
+                    </a:ext>
+                  </a:extLst>
+                </a:gridCol>
+              </a:tblGrid>
+              <a:tr h="310753">
+                <a:tc>
+                  <a:txBody>
+                    <a:bodyPr/>
+                    <a:lstStyle/>
+                    <a:p>
+                      <a:pPr algn="ctr"/>
+                      <a:r>
+                        <a:rPr lang="en-US" altLang="zh-TW" dirty="0" smtClean="0"/>
+                        <a:t>Person</a:t>
+                      </a:r>
+                      <a:endParaRPr lang="zh-TW" altLang="en-US" dirty="0"/>
+                    </a:p>
+                  </a:txBody>
+                  <a:tcPr>
+                    <a:lnL w="12700" cap="flat" cmpd="sng" algn="ctr">
+                      <a:solidFill>
+                        <a:schemeClr val="tx1"/>
+                      </a:solidFill>
+                      <a:prstDash val="solid"/>
+                      <a:round/>
+                      <a:headEnd type="none" w="med" len="med"/>
+                      <a:tailEnd type="none" w="med" len="med"/>
+                    </a:lnL>
+                    <a:lnR w="12700" cap="flat" cmpd="sng" algn="ctr">
+                      <a:solidFill>
+                        <a:schemeClr val="tx1"/>
+                      </a:solidFill>
+                      <a:prstDash val="solid"/>
+                      <a:round/>
+                      <a:headEnd type="none" w="med" len="med"/>
+                      <a:tailEnd type="none" w="med" len="med"/>
+                    </a:lnR>
+                    <a:lnT w="12700" cap="flat" cmpd="sng" algn="ctr">
+                      <a:solidFill>
+                        <a:schemeClr val="tx1"/>
+                      </a:solidFill>
+                      <a:prstDash val="solid"/>
+                      <a:round/>
+                      <a:headEnd type="none" w="med" len="med"/>
+                      <a:tailEnd type="none" w="med" len="med"/>
+                    </a:lnT>
+                    <a:lnB w="12700" cap="flat" cmpd="sng" algn="ctr">
+                      <a:solidFill>
+                        <a:schemeClr val="tx1"/>
+                      </a:solidFill>
+                      <a:prstDash val="solid"/>
+                      <a:round/>
+                      <a:headEnd type="none" w="med" len="med"/>
+                      <a:tailEnd type="none" w="med" len="med"/>
+                    </a:lnB>
+                    <a:lnTlToBr w="12700" cmpd="sng">
+                      <a:noFill/>
+                      <a:prstDash val="solid"/>
+                    </a:lnTlToBr>
+                    <a:lnBlToTr w="12700" cmpd="sng">
+                      <a:noFill/>
+                      <a:prstDash val="solid"/>
+                    </a:lnBlToTr>
+                    <a:solidFill>
+                      <a:schemeClr val="bg1"/>
+                    </a:solidFill>
+                  </a:tcPr>
+                </a:tc>
+                <a:extLst>
+                  <a:ext uri="{0D108BD9-81ED-4DB2-BD59-A6C34878D82A}">
+                    <a16:rowId xmlns:a16="http://schemas.microsoft.com/office/drawing/2014/main" val="562645238"/>
+                  </a:ext>
+                </a:extLst>
+              </a:tr>
+              <a:tr h="207795">
+                <a:tc>
+                  <a:txBody>
+                    <a:bodyPr/>
+                    <a:lstStyle/>
+                    <a:p>
+                      <a:endParaRPr lang="zh-TW" altLang="en-US" sz="800" dirty="0"/>
+                    </a:p>
+                  </a:txBody>
+                  <a:tcPr>
+                    <a:lnL w="12700" cap="flat" cmpd="sng" algn="ctr">
+                      <a:solidFill>
+                        <a:schemeClr val="tx1"/>
+                      </a:solidFill>
+                      <a:prstDash val="solid"/>
+                      <a:round/>
+                      <a:headEnd type="none" w="med" len="med"/>
+                      <a:tailEnd type="none" w="med" len="med"/>
+                    </a:lnL>
+                    <a:lnR w="12700" cap="flat" cmpd="sng" algn="ctr">
+                      <a:solidFill>
+                        <a:schemeClr val="tx1"/>
+                      </a:solidFill>
+                      <a:prstDash val="solid"/>
+                      <a:round/>
+                      <a:headEnd type="none" w="med" len="med"/>
+                      <a:tailEnd type="none" w="med" len="med"/>
+                    </a:lnR>
+                    <a:lnT w="12700" cap="flat" cmpd="sng" algn="ctr">
+                      <a:solidFill>
+                        <a:schemeClr val="tx1"/>
+                      </a:solidFill>
+                      <a:prstDash val="solid"/>
+                      <a:round/>
+                      <a:headEnd type="none" w="med" len="med"/>
+                      <a:tailEnd type="none" w="med" len="med"/>
+                    </a:lnT>
+                    <a:lnB w="12700" cap="flat" cmpd="sng" algn="ctr">
+                      <a:solidFill>
+                        <a:schemeClr val="tx1"/>
+                      </a:solidFill>
+                      <a:prstDash val="solid"/>
+                      <a:round/>
+                      <a:headEnd type="none" w="med" len="med"/>
+                      <a:tailEnd type="none" w="med" len="med"/>
+                    </a:lnB>
+                    <a:lnTlToBr w="12700" cmpd="sng">
+                      <a:noFill/>
+                      <a:prstDash val="solid"/>
+                    </a:lnTlToBr>
+                    <a:lnBlToTr w="12700" cmpd="sng">
+                      <a:noFill/>
+                      <a:prstDash val="solid"/>
+                    </a:lnBlToTr>
+                    <a:solidFill>
+                      <a:schemeClr val="bg1"/>
+                    </a:solidFill>
+                  </a:tcPr>
+                </a:tc>
+                <a:extLst>
+                  <a:ext uri="{0D108BD9-81ED-4DB2-BD59-A6C34878D82A}">
+                    <a16:rowId xmlns:a16="http://schemas.microsoft.com/office/drawing/2014/main" val="4249798471"/>
+                  </a:ext>
+                </a:extLst>
+              </a:tr>
+              <a:tr h="242499">
+                <a:tc>
+                  <a:txBody>
+                    <a:bodyPr/>
+                    <a:lstStyle/>
+                    <a:p>
+                      <a:endParaRPr lang="zh-TW" altLang="en-US" sz="800" dirty="0"/>
+                    </a:p>
+                  </a:txBody>
+                  <a:tcPr>
+                    <a:lnL w="12700" cap="flat" cmpd="sng" algn="ctr">
+                      <a:solidFill>
+                        <a:schemeClr val="tx1"/>
+                      </a:solidFill>
+                      <a:prstDash val="solid"/>
+                      <a:round/>
+                      <a:headEnd type="none" w="med" len="med"/>
+                      <a:tailEnd type="none" w="med" len="med"/>
+                    </a:lnL>
+                    <a:lnR w="12700" cap="flat" cmpd="sng" algn="ctr">
+                      <a:solidFill>
+                        <a:schemeClr val="tx1"/>
+                      </a:solidFill>
+                      <a:prstDash val="solid"/>
+                      <a:round/>
+                      <a:headEnd type="none" w="med" len="med"/>
+                      <a:tailEnd type="none" w="med" len="med"/>
+                    </a:lnR>
+                    <a:lnT w="12700" cap="flat" cmpd="sng" algn="ctr">
+                      <a:solidFill>
+                        <a:schemeClr val="tx1"/>
+                      </a:solidFill>
+                      <a:prstDash val="solid"/>
+                      <a:round/>
+                      <a:headEnd type="none" w="med" len="med"/>
+                      <a:tailEnd type="none" w="med" len="med"/>
+                    </a:lnT>
+                    <a:lnB w="12700" cap="flat" cmpd="sng" algn="ctr">
+                      <a:solidFill>
+                        <a:schemeClr val="tx1"/>
+                      </a:solidFill>
+                      <a:prstDash val="solid"/>
+                      <a:round/>
+                      <a:headEnd type="none" w="med" len="med"/>
+                      <a:tailEnd type="none" w="med" len="med"/>
+                    </a:lnB>
+                    <a:lnTlToBr w="12700" cmpd="sng">
+                      <a:noFill/>
+                      <a:prstDash val="solid"/>
+                    </a:lnTlToBr>
+                    <a:lnBlToTr w="12700" cmpd="sng">
+                      <a:noFill/>
+                      <a:prstDash val="solid"/>
+                    </a:lnBlToTr>
+                    <a:solidFill>
+                      <a:schemeClr val="bg1"/>
+                    </a:solidFill>
+                  </a:tcPr>
+                </a:tc>
+                <a:extLst>
+                  <a:ext uri="{0D108BD9-81ED-4DB2-BD59-A6C34878D82A}">
+                    <a16:rowId xmlns:a16="http://schemas.microsoft.com/office/drawing/2014/main" val="1043476516"/>
+                  </a:ext>
+                </a:extLst>
+              </a:tr>
+            </a:tbl>
+          </a:graphicData>
+        </a:graphic>
+      </p:graphicFrame>
+      <p:graphicFrame>
+        <p:nvGraphicFramePr>
+          <p:cNvPr id="22" name="表格 21"/>
+          <p:cNvGraphicFramePr>
+            <a:graphicFrameLocks noGrp="1"/>
+          </p:cNvGraphicFramePr>
+          <p:nvPr>
+            <p:extLst>
+              <p:ext uri="{D42A27DB-BD31-4B8C-83A1-F6EECF244321}">
+                <p14:modId xmlns:p14="http://schemas.microsoft.com/office/powerpoint/2010/main" val="2207456412"/>
+              </p:ext>
+            </p:extLst>
+          </p:nvPr>
+        </p:nvGraphicFramePr>
+        <p:xfrm>
+          <a:off x="7658801" y="5296512"/>
+          <a:ext cx="1189635" cy="821619"/>
+        </p:xfrm>
+        <a:graphic>
+          <a:graphicData uri="http://schemas.openxmlformats.org/drawingml/2006/table">
+            <a:tbl>
+              <a:tblPr firstRow="1" bandRow="1">
+                <a:tableStyleId>{2D5ABB26-0587-4C30-8999-92F81FD0307C}</a:tableStyleId>
+              </a:tblPr>
+              <a:tblGrid>
+                <a:gridCol w="1189635">
+                  <a:extLst>
+                    <a:ext uri="{9D8B030D-6E8A-4147-A177-3AD203B41FA5}">
+                      <a16:colId xmlns:a16="http://schemas.microsoft.com/office/drawing/2014/main" val="27480226"/>
+                    </a:ext>
+                  </a:extLst>
+                </a:gridCol>
+              </a:tblGrid>
+              <a:tr h="310753">
+                <a:tc>
+                  <a:txBody>
+                    <a:bodyPr/>
+                    <a:lstStyle/>
+                    <a:p>
+                      <a:pPr algn="ctr"/>
+                      <a:r>
+                        <a:rPr lang="en-US" altLang="zh-TW" dirty="0" smtClean="0"/>
+                        <a:t>Hand</a:t>
+                      </a:r>
+                      <a:endParaRPr lang="zh-TW" altLang="en-US" dirty="0"/>
+                    </a:p>
+                  </a:txBody>
+                  <a:tcPr>
+                    <a:lnL w="12700" cap="flat" cmpd="sng" algn="ctr">
+                      <a:solidFill>
+                        <a:schemeClr val="tx1"/>
+                      </a:solidFill>
+                      <a:prstDash val="solid"/>
+                      <a:round/>
+                      <a:headEnd type="none" w="med" len="med"/>
+                      <a:tailEnd type="none" w="med" len="med"/>
+                    </a:lnL>
+                    <a:lnR w="12700" cap="flat" cmpd="sng" algn="ctr">
+                      <a:solidFill>
+                        <a:schemeClr val="tx1"/>
+                      </a:solidFill>
+                      <a:prstDash val="solid"/>
+                      <a:round/>
+                      <a:headEnd type="none" w="med" len="med"/>
+                      <a:tailEnd type="none" w="med" len="med"/>
+                    </a:lnR>
+                    <a:lnT w="12700" cap="flat" cmpd="sng" algn="ctr">
+                      <a:solidFill>
+                        <a:schemeClr val="tx1"/>
+                      </a:solidFill>
+                      <a:prstDash val="solid"/>
+                      <a:round/>
+                      <a:headEnd type="none" w="med" len="med"/>
+                      <a:tailEnd type="none" w="med" len="med"/>
+                    </a:lnT>
+                    <a:lnB w="12700" cap="flat" cmpd="sng" algn="ctr">
+                      <a:solidFill>
+                        <a:schemeClr val="tx1"/>
+                      </a:solidFill>
+                      <a:prstDash val="solid"/>
+                      <a:round/>
+                      <a:headEnd type="none" w="med" len="med"/>
+                      <a:tailEnd type="none" w="med" len="med"/>
+                    </a:lnB>
+                    <a:lnTlToBr w="12700" cmpd="sng">
+                      <a:noFill/>
+                      <a:prstDash val="solid"/>
+                    </a:lnTlToBr>
+                    <a:lnBlToTr w="12700" cmpd="sng">
+                      <a:noFill/>
+                      <a:prstDash val="solid"/>
+                    </a:lnBlToTr>
+                    <a:solidFill>
+                      <a:schemeClr val="bg1"/>
+                    </a:solidFill>
+                  </a:tcPr>
+                </a:tc>
+                <a:extLst>
+                  <a:ext uri="{0D108BD9-81ED-4DB2-BD59-A6C34878D82A}">
+                    <a16:rowId xmlns:a16="http://schemas.microsoft.com/office/drawing/2014/main" val="562645238"/>
+                  </a:ext>
+                </a:extLst>
+              </a:tr>
+              <a:tr h="207795">
+                <a:tc>
+                  <a:txBody>
+                    <a:bodyPr/>
+                    <a:lstStyle/>
+                    <a:p>
+                      <a:endParaRPr lang="zh-TW" altLang="en-US" sz="800" dirty="0"/>
+                    </a:p>
+                  </a:txBody>
+                  <a:tcPr>
+                    <a:lnL w="12700" cap="flat" cmpd="sng" algn="ctr">
+                      <a:solidFill>
+                        <a:schemeClr val="tx1"/>
+                      </a:solidFill>
+                      <a:prstDash val="solid"/>
+                      <a:round/>
+                      <a:headEnd type="none" w="med" len="med"/>
+                      <a:tailEnd type="none" w="med" len="med"/>
+                    </a:lnL>
+                    <a:lnR w="12700" cap="flat" cmpd="sng" algn="ctr">
+                      <a:solidFill>
+                        <a:schemeClr val="tx1"/>
+                      </a:solidFill>
+                      <a:prstDash val="solid"/>
+                      <a:round/>
+                      <a:headEnd type="none" w="med" len="med"/>
+                      <a:tailEnd type="none" w="med" len="med"/>
+                    </a:lnR>
+                    <a:lnT w="12700" cap="flat" cmpd="sng" algn="ctr">
+                      <a:solidFill>
+                        <a:schemeClr val="tx1"/>
+                      </a:solidFill>
+                      <a:prstDash val="solid"/>
+                      <a:round/>
+                      <a:headEnd type="none" w="med" len="med"/>
+                      <a:tailEnd type="none" w="med" len="med"/>
+                    </a:lnT>
+                    <a:lnB w="12700" cap="flat" cmpd="sng" algn="ctr">
+                      <a:solidFill>
+                        <a:schemeClr val="tx1"/>
+                      </a:solidFill>
+                      <a:prstDash val="solid"/>
+                      <a:round/>
+                      <a:headEnd type="none" w="med" len="med"/>
+                      <a:tailEnd type="none" w="med" len="med"/>
+                    </a:lnB>
+                    <a:lnTlToBr w="12700" cmpd="sng">
+                      <a:noFill/>
+                      <a:prstDash val="solid"/>
+                    </a:lnTlToBr>
+                    <a:lnBlToTr w="12700" cmpd="sng">
+                      <a:noFill/>
+                      <a:prstDash val="solid"/>
+                    </a:lnBlToTr>
+                    <a:solidFill>
+                      <a:schemeClr val="bg1"/>
+                    </a:solidFill>
+                  </a:tcPr>
+                </a:tc>
+                <a:extLst>
+                  <a:ext uri="{0D108BD9-81ED-4DB2-BD59-A6C34878D82A}">
+                    <a16:rowId xmlns:a16="http://schemas.microsoft.com/office/drawing/2014/main" val="4249798471"/>
+                  </a:ext>
+                </a:extLst>
+              </a:tr>
+              <a:tr h="242499">
+                <a:tc>
+                  <a:txBody>
+                    <a:bodyPr/>
+                    <a:lstStyle/>
+                    <a:p>
+                      <a:endParaRPr lang="zh-TW" altLang="en-US" sz="800" dirty="0"/>
+                    </a:p>
+                  </a:txBody>
+                  <a:tcPr>
+                    <a:lnL w="12700" cap="flat" cmpd="sng" algn="ctr">
+                      <a:solidFill>
+                        <a:schemeClr val="tx1"/>
+                      </a:solidFill>
+                      <a:prstDash val="solid"/>
+                      <a:round/>
+                      <a:headEnd type="none" w="med" len="med"/>
+                      <a:tailEnd type="none" w="med" len="med"/>
+                    </a:lnL>
+                    <a:lnR w="12700" cap="flat" cmpd="sng" algn="ctr">
+                      <a:solidFill>
+                        <a:schemeClr val="tx1"/>
+                      </a:solidFill>
+                      <a:prstDash val="solid"/>
+                      <a:round/>
+                      <a:headEnd type="none" w="med" len="med"/>
+                      <a:tailEnd type="none" w="med" len="med"/>
+                    </a:lnR>
+                    <a:lnT w="12700" cap="flat" cmpd="sng" algn="ctr">
+                      <a:solidFill>
+                        <a:schemeClr val="tx1"/>
+                      </a:solidFill>
+                      <a:prstDash val="solid"/>
+                      <a:round/>
+                      <a:headEnd type="none" w="med" len="med"/>
+                      <a:tailEnd type="none" w="med" len="med"/>
+                    </a:lnT>
+                    <a:lnB w="12700" cap="flat" cmpd="sng" algn="ctr">
+                      <a:solidFill>
+                        <a:schemeClr val="tx1"/>
+                      </a:solidFill>
+                      <a:prstDash val="solid"/>
+                      <a:round/>
+                      <a:headEnd type="none" w="med" len="med"/>
+                      <a:tailEnd type="none" w="med" len="med"/>
+                    </a:lnB>
+                    <a:lnTlToBr w="12700" cmpd="sng">
+                      <a:noFill/>
+                      <a:prstDash val="solid"/>
+                    </a:lnTlToBr>
+                    <a:lnBlToTr w="12700" cmpd="sng">
+                      <a:noFill/>
+                      <a:prstDash val="solid"/>
+                    </a:lnBlToTr>
+                    <a:solidFill>
+                      <a:schemeClr val="bg1"/>
+                    </a:solidFill>
+                  </a:tcPr>
+                </a:tc>
+                <a:extLst>
+                  <a:ext uri="{0D108BD9-81ED-4DB2-BD59-A6C34878D82A}">
+                    <a16:rowId xmlns:a16="http://schemas.microsoft.com/office/drawing/2014/main" val="1043476516"/>
+                  </a:ext>
+                </a:extLst>
+              </a:tr>
+            </a:tbl>
+          </a:graphicData>
+        </a:graphic>
+      </p:graphicFrame>
+      <p:graphicFrame>
+        <p:nvGraphicFramePr>
+          <p:cNvPr id="23" name="表格 22"/>
+          <p:cNvGraphicFramePr>
+            <a:graphicFrameLocks noGrp="1"/>
+          </p:cNvGraphicFramePr>
+          <p:nvPr>
+            <p:extLst>
+              <p:ext uri="{D42A27DB-BD31-4B8C-83A1-F6EECF244321}">
+                <p14:modId xmlns:p14="http://schemas.microsoft.com/office/powerpoint/2010/main" val="2564424792"/>
+              </p:ext>
+            </p:extLst>
+          </p:nvPr>
+        </p:nvGraphicFramePr>
+        <p:xfrm>
+          <a:off x="9274002" y="5296511"/>
+          <a:ext cx="1221472" cy="821619"/>
+        </p:xfrm>
+        <a:graphic>
+          <a:graphicData uri="http://schemas.openxmlformats.org/drawingml/2006/table">
+            <a:tbl>
+              <a:tblPr firstRow="1" bandRow="1">
+                <a:tableStyleId>{2D5ABB26-0587-4C30-8999-92F81FD0307C}</a:tableStyleId>
+              </a:tblPr>
+              <a:tblGrid>
+                <a:gridCol w="1221472">
+                  <a:extLst>
+                    <a:ext uri="{9D8B030D-6E8A-4147-A177-3AD203B41FA5}">
+                      <a16:colId xmlns:a16="http://schemas.microsoft.com/office/drawing/2014/main" val="27480226"/>
+                    </a:ext>
+                  </a:extLst>
+                </a:gridCol>
+              </a:tblGrid>
+              <a:tr h="310753">
+                <a:tc>
+                  <a:txBody>
+                    <a:bodyPr/>
+                    <a:lstStyle/>
+                    <a:p>
+                      <a:pPr algn="ctr"/>
+                      <a:r>
+                        <a:rPr lang="en-US" altLang="zh-TW" dirty="0" smtClean="0"/>
+                        <a:t>Leg</a:t>
+                      </a:r>
+                      <a:endParaRPr lang="zh-TW" altLang="en-US" dirty="0"/>
+                    </a:p>
+                  </a:txBody>
+                  <a:tcPr>
+                    <a:lnL w="12700" cap="flat" cmpd="sng" algn="ctr">
+                      <a:solidFill>
+                        <a:schemeClr val="tx1"/>
+                      </a:solidFill>
+                      <a:prstDash val="solid"/>
+                      <a:round/>
+                      <a:headEnd type="none" w="med" len="med"/>
+                      <a:tailEnd type="none" w="med" len="med"/>
+                    </a:lnL>
+                    <a:lnR w="12700" cap="flat" cmpd="sng" algn="ctr">
+                      <a:solidFill>
+                        <a:schemeClr val="tx1"/>
+                      </a:solidFill>
+                      <a:prstDash val="solid"/>
+                      <a:round/>
+                      <a:headEnd type="none" w="med" len="med"/>
+                      <a:tailEnd type="none" w="med" len="med"/>
+                    </a:lnR>
+                    <a:lnT w="12700" cap="flat" cmpd="sng" algn="ctr">
+                      <a:solidFill>
+                        <a:schemeClr val="tx1"/>
+                      </a:solidFill>
+                      <a:prstDash val="solid"/>
+                      <a:round/>
+                      <a:headEnd type="none" w="med" len="med"/>
+                      <a:tailEnd type="none" w="med" len="med"/>
+                    </a:lnT>
+                    <a:lnB w="12700" cap="flat" cmpd="sng" algn="ctr">
+                      <a:solidFill>
+                        <a:schemeClr val="tx1"/>
+                      </a:solidFill>
+                      <a:prstDash val="solid"/>
+                      <a:round/>
+                      <a:headEnd type="none" w="med" len="med"/>
+                      <a:tailEnd type="none" w="med" len="med"/>
+                    </a:lnB>
+                    <a:lnTlToBr w="12700" cmpd="sng">
+                      <a:noFill/>
+                      <a:prstDash val="solid"/>
+                    </a:lnTlToBr>
+                    <a:lnBlToTr w="12700" cmpd="sng">
+                      <a:noFill/>
+                      <a:prstDash val="solid"/>
+                    </a:lnBlToTr>
+                    <a:solidFill>
+                      <a:schemeClr val="bg1"/>
+                    </a:solidFill>
+                  </a:tcPr>
+                </a:tc>
+                <a:extLst>
+                  <a:ext uri="{0D108BD9-81ED-4DB2-BD59-A6C34878D82A}">
+                    <a16:rowId xmlns:a16="http://schemas.microsoft.com/office/drawing/2014/main" val="562645238"/>
+                  </a:ext>
+                </a:extLst>
+              </a:tr>
+              <a:tr h="207795">
+                <a:tc>
+                  <a:txBody>
+                    <a:bodyPr/>
+                    <a:lstStyle/>
+                    <a:p>
+                      <a:endParaRPr lang="zh-TW" altLang="en-US" sz="800" dirty="0"/>
+                    </a:p>
+                  </a:txBody>
+                  <a:tcPr>
+                    <a:lnL w="12700" cap="flat" cmpd="sng" algn="ctr">
+                      <a:solidFill>
+                        <a:schemeClr val="tx1"/>
+                      </a:solidFill>
+                      <a:prstDash val="solid"/>
+                      <a:round/>
+                      <a:headEnd type="none" w="med" len="med"/>
+                      <a:tailEnd type="none" w="med" len="med"/>
+                    </a:lnL>
+                    <a:lnR w="12700" cap="flat" cmpd="sng" algn="ctr">
+                      <a:solidFill>
+                        <a:schemeClr val="tx1"/>
+                      </a:solidFill>
+                      <a:prstDash val="solid"/>
+                      <a:round/>
+                      <a:headEnd type="none" w="med" len="med"/>
+                      <a:tailEnd type="none" w="med" len="med"/>
+                    </a:lnR>
+                    <a:lnT w="12700" cap="flat" cmpd="sng" algn="ctr">
+                      <a:solidFill>
+                        <a:schemeClr val="tx1"/>
+                      </a:solidFill>
+                      <a:prstDash val="solid"/>
+                      <a:round/>
+                      <a:headEnd type="none" w="med" len="med"/>
+                      <a:tailEnd type="none" w="med" len="med"/>
+                    </a:lnT>
+                    <a:lnB w="12700" cap="flat" cmpd="sng" algn="ctr">
+                      <a:solidFill>
+                        <a:schemeClr val="tx1"/>
+                      </a:solidFill>
+                      <a:prstDash val="solid"/>
+                      <a:round/>
+                      <a:headEnd type="none" w="med" len="med"/>
+                      <a:tailEnd type="none" w="med" len="med"/>
+                    </a:lnB>
+                    <a:lnTlToBr w="12700" cmpd="sng">
+                      <a:noFill/>
+                      <a:prstDash val="solid"/>
+                    </a:lnTlToBr>
+                    <a:lnBlToTr w="12700" cmpd="sng">
+                      <a:noFill/>
+                      <a:prstDash val="solid"/>
+                    </a:lnBlToTr>
+                    <a:solidFill>
+                      <a:schemeClr val="bg1"/>
+                    </a:solidFill>
+                  </a:tcPr>
+                </a:tc>
+                <a:extLst>
+                  <a:ext uri="{0D108BD9-81ED-4DB2-BD59-A6C34878D82A}">
+                    <a16:rowId xmlns:a16="http://schemas.microsoft.com/office/drawing/2014/main" val="4249798471"/>
+                  </a:ext>
+                </a:extLst>
+              </a:tr>
+              <a:tr h="242499">
+                <a:tc>
+                  <a:txBody>
+                    <a:bodyPr/>
+                    <a:lstStyle/>
+                    <a:p>
+                      <a:endParaRPr lang="zh-TW" altLang="en-US" sz="800" dirty="0"/>
+                    </a:p>
+                  </a:txBody>
+                  <a:tcPr>
+                    <a:lnL w="12700" cap="flat" cmpd="sng" algn="ctr">
+                      <a:solidFill>
+                        <a:schemeClr val="tx1"/>
+                      </a:solidFill>
+                      <a:prstDash val="solid"/>
+                      <a:round/>
+                      <a:headEnd type="none" w="med" len="med"/>
+                      <a:tailEnd type="none" w="med" len="med"/>
+                    </a:lnL>
+                    <a:lnR w="12700" cap="flat" cmpd="sng" algn="ctr">
+                      <a:solidFill>
+                        <a:schemeClr val="tx1"/>
+                      </a:solidFill>
+                      <a:prstDash val="solid"/>
+                      <a:round/>
+                      <a:headEnd type="none" w="med" len="med"/>
+                      <a:tailEnd type="none" w="med" len="med"/>
+                    </a:lnR>
+                    <a:lnT w="12700" cap="flat" cmpd="sng" algn="ctr">
+                      <a:solidFill>
+                        <a:schemeClr val="tx1"/>
+                      </a:solidFill>
+                      <a:prstDash val="solid"/>
+                      <a:round/>
+                      <a:headEnd type="none" w="med" len="med"/>
+                      <a:tailEnd type="none" w="med" len="med"/>
+                    </a:lnT>
+                    <a:lnB w="12700" cap="flat" cmpd="sng" algn="ctr">
+                      <a:solidFill>
+                        <a:schemeClr val="tx1"/>
+                      </a:solidFill>
+                      <a:prstDash val="solid"/>
+                      <a:round/>
+                      <a:headEnd type="none" w="med" len="med"/>
+                      <a:tailEnd type="none" w="med" len="med"/>
+                    </a:lnB>
+                    <a:lnTlToBr w="12700" cmpd="sng">
+                      <a:noFill/>
+                      <a:prstDash val="solid"/>
+                    </a:lnTlToBr>
+                    <a:lnBlToTr w="12700" cmpd="sng">
+                      <a:noFill/>
+                      <a:prstDash val="solid"/>
+                    </a:lnBlToTr>
+                    <a:solidFill>
+                      <a:schemeClr val="bg1"/>
+                    </a:solidFill>
+                  </a:tcPr>
+                </a:tc>
+                <a:extLst>
+                  <a:ext uri="{0D108BD9-81ED-4DB2-BD59-A6C34878D82A}">
+                    <a16:rowId xmlns:a16="http://schemas.microsoft.com/office/drawing/2014/main" val="1043476516"/>
+                  </a:ext>
+                </a:extLst>
+              </a:tr>
+            </a:tbl>
+          </a:graphicData>
+        </a:graphic>
+      </p:graphicFrame>
+      <p:graphicFrame>
+        <p:nvGraphicFramePr>
+          <p:cNvPr id="24" name="表格 23"/>
+          <p:cNvGraphicFramePr>
+            <a:graphicFrameLocks noGrp="1"/>
+          </p:cNvGraphicFramePr>
+          <p:nvPr>
+            <p:extLst>
+              <p:ext uri="{D42A27DB-BD31-4B8C-83A1-F6EECF244321}">
+                <p14:modId xmlns:p14="http://schemas.microsoft.com/office/powerpoint/2010/main" val="3346091844"/>
+              </p:ext>
+            </p:extLst>
+          </p:nvPr>
+        </p:nvGraphicFramePr>
+        <p:xfrm>
+          <a:off x="6170608" y="5296512"/>
+          <a:ext cx="1124512" cy="821619"/>
+        </p:xfrm>
+        <a:graphic>
+          <a:graphicData uri="http://schemas.openxmlformats.org/drawingml/2006/table">
+            <a:tbl>
+              <a:tblPr firstRow="1" bandRow="1">
+                <a:tableStyleId>{2D5ABB26-0587-4C30-8999-92F81FD0307C}</a:tableStyleId>
+              </a:tblPr>
+              <a:tblGrid>
+                <a:gridCol w="1124512">
+                  <a:extLst>
+                    <a:ext uri="{9D8B030D-6E8A-4147-A177-3AD203B41FA5}">
+                      <a16:colId xmlns:a16="http://schemas.microsoft.com/office/drawing/2014/main" val="27480226"/>
+                    </a:ext>
+                  </a:extLst>
+                </a:gridCol>
+              </a:tblGrid>
+              <a:tr h="310753">
+                <a:tc>
+                  <a:txBody>
+                    <a:bodyPr/>
+                    <a:lstStyle/>
+                    <a:p>
+                      <a:pPr algn="ctr"/>
+                      <a:r>
+                        <a:rPr lang="en-US" altLang="zh-TW" dirty="0" smtClean="0"/>
+                        <a:t>Head</a:t>
+                      </a:r>
+                      <a:endParaRPr lang="zh-TW" altLang="en-US" dirty="0"/>
+                    </a:p>
+                  </a:txBody>
+                  <a:tcPr>
+                    <a:lnL w="12700" cap="flat" cmpd="sng" algn="ctr">
+                      <a:solidFill>
+                        <a:schemeClr val="tx1"/>
+                      </a:solidFill>
+                      <a:prstDash val="solid"/>
+                      <a:round/>
+                      <a:headEnd type="none" w="med" len="med"/>
+                      <a:tailEnd type="none" w="med" len="med"/>
+                    </a:lnL>
+                    <a:lnR w="12700" cap="flat" cmpd="sng" algn="ctr">
+                      <a:solidFill>
+                        <a:schemeClr val="tx1"/>
+                      </a:solidFill>
+                      <a:prstDash val="solid"/>
+                      <a:round/>
+                      <a:headEnd type="none" w="med" len="med"/>
+                      <a:tailEnd type="none" w="med" len="med"/>
+                    </a:lnR>
+                    <a:lnT w="12700" cap="flat" cmpd="sng" algn="ctr">
+                      <a:solidFill>
+                        <a:schemeClr val="tx1"/>
+                      </a:solidFill>
+                      <a:prstDash val="solid"/>
+                      <a:round/>
+                      <a:headEnd type="none" w="med" len="med"/>
+                      <a:tailEnd type="none" w="med" len="med"/>
+                    </a:lnT>
+                    <a:lnB w="12700" cap="flat" cmpd="sng" algn="ctr">
+                      <a:solidFill>
+                        <a:schemeClr val="tx1"/>
+                      </a:solidFill>
+                      <a:prstDash val="solid"/>
+                      <a:round/>
+                      <a:headEnd type="none" w="med" len="med"/>
+                      <a:tailEnd type="none" w="med" len="med"/>
+                    </a:lnB>
+                    <a:lnTlToBr w="12700" cmpd="sng">
+                      <a:noFill/>
+                      <a:prstDash val="solid"/>
+                    </a:lnTlToBr>
+                    <a:lnBlToTr w="12700" cmpd="sng">
+                      <a:noFill/>
+                      <a:prstDash val="solid"/>
+                    </a:lnBlToTr>
+                    <a:solidFill>
+                      <a:schemeClr val="bg1"/>
+                    </a:solidFill>
+                  </a:tcPr>
+                </a:tc>
+                <a:extLst>
+                  <a:ext uri="{0D108BD9-81ED-4DB2-BD59-A6C34878D82A}">
+                    <a16:rowId xmlns:a16="http://schemas.microsoft.com/office/drawing/2014/main" val="562645238"/>
+                  </a:ext>
+                </a:extLst>
+              </a:tr>
+              <a:tr h="207795">
+                <a:tc>
+                  <a:txBody>
+                    <a:bodyPr/>
+                    <a:lstStyle/>
+                    <a:p>
+                      <a:endParaRPr lang="zh-TW" altLang="en-US" sz="800" dirty="0"/>
+                    </a:p>
+                  </a:txBody>
+                  <a:tcPr>
+                    <a:lnL w="12700" cap="flat" cmpd="sng" algn="ctr">
+                      <a:solidFill>
+                        <a:schemeClr val="tx1"/>
+                      </a:solidFill>
+                      <a:prstDash val="solid"/>
+                      <a:round/>
+                      <a:headEnd type="none" w="med" len="med"/>
+                      <a:tailEnd type="none" w="med" len="med"/>
+                    </a:lnL>
+                    <a:lnR w="12700" cap="flat" cmpd="sng" algn="ctr">
+                      <a:solidFill>
+                        <a:schemeClr val="tx1"/>
+                      </a:solidFill>
+                      <a:prstDash val="solid"/>
+                      <a:round/>
+                      <a:headEnd type="none" w="med" len="med"/>
+                      <a:tailEnd type="none" w="med" len="med"/>
+                    </a:lnR>
+                    <a:lnT w="12700" cap="flat" cmpd="sng" algn="ctr">
+                      <a:solidFill>
+                        <a:schemeClr val="tx1"/>
+                      </a:solidFill>
+                      <a:prstDash val="solid"/>
+                      <a:round/>
+                      <a:headEnd type="none" w="med" len="med"/>
+                      <a:tailEnd type="none" w="med" len="med"/>
+                    </a:lnT>
+                    <a:lnB w="12700" cap="flat" cmpd="sng" algn="ctr">
+                      <a:solidFill>
+                        <a:schemeClr val="tx1"/>
+                      </a:solidFill>
+                      <a:prstDash val="solid"/>
+                      <a:round/>
+                      <a:headEnd type="none" w="med" len="med"/>
+                      <a:tailEnd type="none" w="med" len="med"/>
+                    </a:lnB>
+                    <a:lnTlToBr w="12700" cmpd="sng">
+                      <a:noFill/>
+                      <a:prstDash val="solid"/>
+                    </a:lnTlToBr>
+                    <a:lnBlToTr w="12700" cmpd="sng">
+                      <a:noFill/>
+                      <a:prstDash val="solid"/>
+                    </a:lnBlToTr>
+                    <a:solidFill>
+                      <a:schemeClr val="bg1"/>
+                    </a:solidFill>
+                  </a:tcPr>
+                </a:tc>
+                <a:extLst>
+                  <a:ext uri="{0D108BD9-81ED-4DB2-BD59-A6C34878D82A}">
+                    <a16:rowId xmlns:a16="http://schemas.microsoft.com/office/drawing/2014/main" val="4249798471"/>
+                  </a:ext>
+                </a:extLst>
+              </a:tr>
+              <a:tr h="242499">
+                <a:tc>
+                  <a:txBody>
+                    <a:bodyPr/>
+                    <a:lstStyle/>
+                    <a:p>
+                      <a:endParaRPr lang="zh-TW" altLang="en-US" sz="800" dirty="0"/>
+                    </a:p>
+                  </a:txBody>
+                  <a:tcPr>
+                    <a:lnL w="12700" cap="flat" cmpd="sng" algn="ctr">
+                      <a:solidFill>
+                        <a:schemeClr val="tx1"/>
+                      </a:solidFill>
+                      <a:prstDash val="solid"/>
+                      <a:round/>
+                      <a:headEnd type="none" w="med" len="med"/>
+                      <a:tailEnd type="none" w="med" len="med"/>
+                    </a:lnL>
+                    <a:lnR w="12700" cap="flat" cmpd="sng" algn="ctr">
+                      <a:solidFill>
+                        <a:schemeClr val="tx1"/>
+                      </a:solidFill>
+                      <a:prstDash val="solid"/>
+                      <a:round/>
+                      <a:headEnd type="none" w="med" len="med"/>
+                      <a:tailEnd type="none" w="med" len="med"/>
+                    </a:lnR>
+                    <a:lnT w="12700" cap="flat" cmpd="sng" algn="ctr">
+                      <a:solidFill>
+                        <a:schemeClr val="tx1"/>
+                      </a:solidFill>
+                      <a:prstDash val="solid"/>
+                      <a:round/>
+                      <a:headEnd type="none" w="med" len="med"/>
+                      <a:tailEnd type="none" w="med" len="med"/>
+                    </a:lnT>
+                    <a:lnB w="12700" cap="flat" cmpd="sng" algn="ctr">
+                      <a:solidFill>
+                        <a:schemeClr val="tx1"/>
+                      </a:solidFill>
+                      <a:prstDash val="solid"/>
+                      <a:round/>
+                      <a:headEnd type="none" w="med" len="med"/>
+                      <a:tailEnd type="none" w="med" len="med"/>
+                    </a:lnB>
+                    <a:lnTlToBr w="12700" cmpd="sng">
+                      <a:noFill/>
+                      <a:prstDash val="solid"/>
+                    </a:lnTlToBr>
+                    <a:lnBlToTr w="12700" cmpd="sng">
+                      <a:noFill/>
+                      <a:prstDash val="solid"/>
+                    </a:lnBlToTr>
+                    <a:solidFill>
+                      <a:schemeClr val="bg1"/>
+                    </a:solidFill>
+                  </a:tcPr>
+                </a:tc>
+                <a:extLst>
+                  <a:ext uri="{0D108BD9-81ED-4DB2-BD59-A6C34878D82A}">
+                    <a16:rowId xmlns:a16="http://schemas.microsoft.com/office/drawing/2014/main" val="1043476516"/>
+                  </a:ext>
+                </a:extLst>
+              </a:tr>
+            </a:tbl>
+          </a:graphicData>
+        </a:graphic>
+      </p:graphicFrame>
+      <p:sp>
+        <p:nvSpPr>
+          <p:cNvPr id="25" name="菱形 24"/>
+          <p:cNvSpPr/>
+          <p:nvPr/>
+        </p:nvSpPr>
+        <p:spPr>
+          <a:xfrm>
+            <a:off x="7991882" y="4373954"/>
+            <a:ext cx="195522" cy="230189"/>
+          </a:xfrm>
+          <a:prstGeom prst="diamond">
+            <a:avLst/>
+          </a:prstGeom>
+          <a:solidFill>
+            <a:schemeClr val="tx1"/>
+          </a:solidFill>
+          <a:ln>
+            <a:solidFill>
+              <a:schemeClr val="tx1"/>
+            </a:solidFill>
+          </a:ln>
+        </p:spPr>
+        <p:style>
+          <a:lnRef idx="2">
+            <a:schemeClr val="accent1">
+              <a:shade val="50000"/>
+            </a:schemeClr>
+          </a:lnRef>
+          <a:fillRef idx="1">
+            <a:schemeClr val="accent1"/>
+          </a:fillRef>
+          <a:effectRef idx="0">
+            <a:schemeClr val="accent1"/>
+          </a:effectRef>
+          <a:fontRef idx="minor">
+            <a:schemeClr val="lt1"/>
+          </a:fontRef>
+        </p:style>
+        <p:txBody>
+          <a:bodyPr rtlCol="0" anchor="ctr"/>
+          <a:lstStyle/>
+          <a:p>
+            <a:pPr algn="ctr"/>
+            <a:endParaRPr lang="zh-TW" altLang="en-US"/>
+          </a:p>
+        </p:txBody>
+      </p:sp>
+      <p:sp>
+        <p:nvSpPr>
+          <p:cNvPr id="26" name="菱形 25"/>
+          <p:cNvSpPr/>
+          <p:nvPr/>
+        </p:nvSpPr>
+        <p:spPr>
+          <a:xfrm>
+            <a:off x="8781056" y="4383278"/>
+            <a:ext cx="195522" cy="230189"/>
+          </a:xfrm>
+          <a:prstGeom prst="diamond">
+            <a:avLst/>
+          </a:prstGeom>
+          <a:solidFill>
+            <a:schemeClr val="tx1"/>
+          </a:solidFill>
+          <a:ln>
+            <a:solidFill>
+              <a:schemeClr val="tx1"/>
+            </a:solidFill>
+          </a:ln>
+        </p:spPr>
+        <p:style>
+          <a:lnRef idx="2">
+            <a:schemeClr val="accent1">
+              <a:shade val="50000"/>
+            </a:schemeClr>
+          </a:lnRef>
+          <a:fillRef idx="1">
+            <a:schemeClr val="accent1"/>
+          </a:fillRef>
+          <a:effectRef idx="0">
+            <a:schemeClr val="accent1"/>
+          </a:effectRef>
+          <a:fontRef idx="minor">
+            <a:schemeClr val="lt1"/>
+          </a:fontRef>
+        </p:style>
+        <p:txBody>
+          <a:bodyPr rtlCol="0" anchor="ctr"/>
+          <a:lstStyle/>
+          <a:p>
+            <a:pPr algn="ctr"/>
+            <a:endParaRPr lang="zh-TW" altLang="en-US"/>
+          </a:p>
+        </p:txBody>
+      </p:sp>
+      <p:sp>
+        <p:nvSpPr>
+          <p:cNvPr id="27" name="菱形 26"/>
+          <p:cNvSpPr/>
+          <p:nvPr/>
+        </p:nvSpPr>
+        <p:spPr>
+          <a:xfrm>
+            <a:off x="7247957" y="3797550"/>
+            <a:ext cx="261651" cy="175463"/>
+          </a:xfrm>
+          <a:prstGeom prst="diamond">
+            <a:avLst/>
+          </a:prstGeom>
+          <a:solidFill>
+            <a:schemeClr val="tx1"/>
+          </a:solidFill>
+          <a:ln>
+            <a:solidFill>
+              <a:schemeClr val="tx1"/>
+            </a:solidFill>
+          </a:ln>
+        </p:spPr>
+        <p:style>
+          <a:lnRef idx="2">
+            <a:schemeClr val="accent1">
+              <a:shade val="50000"/>
+            </a:schemeClr>
+          </a:lnRef>
+          <a:fillRef idx="1">
+            <a:schemeClr val="accent1"/>
+          </a:fillRef>
+          <a:effectRef idx="0">
+            <a:schemeClr val="accent1"/>
+          </a:effectRef>
+          <a:fontRef idx="minor">
+            <a:schemeClr val="lt1"/>
+          </a:fontRef>
+        </p:style>
+        <p:txBody>
+          <a:bodyPr rtlCol="0" anchor="ctr"/>
+          <a:lstStyle/>
+          <a:p>
+            <a:pPr algn="ctr"/>
+            <a:endParaRPr lang="zh-TW" altLang="en-US"/>
+          </a:p>
+        </p:txBody>
+      </p:sp>
+      <p:cxnSp>
+        <p:nvCxnSpPr>
+          <p:cNvPr id="29" name="肘形接點 28"/>
+          <p:cNvCxnSpPr>
+            <a:stCxn id="27" idx="1"/>
+            <a:endCxn id="24" idx="0"/>
+          </p:cNvCxnSpPr>
+          <p:nvPr/>
+        </p:nvCxnSpPr>
+        <p:spPr>
+          <a:xfrm rot="10800000" flipV="1">
+            <a:off x="6732865" y="3885282"/>
+            <a:ext cx="515093" cy="1411230"/>
+          </a:xfrm>
+          <a:prstGeom prst="bentConnector2">
+            <a:avLst/>
+          </a:prstGeom>
+          <a:ln>
+            <a:solidFill>
+              <a:schemeClr val="tx1"/>
+            </a:solidFill>
+          </a:ln>
+        </p:spPr>
+        <p:style>
+          <a:lnRef idx="1">
+            <a:schemeClr val="accent1"/>
+          </a:lnRef>
+          <a:fillRef idx="0">
+            <a:schemeClr val="accent1"/>
+          </a:fillRef>
+          <a:effectRef idx="0">
+            <a:schemeClr val="accent1"/>
+          </a:effectRef>
+          <a:fontRef idx="minor">
+            <a:schemeClr val="tx1"/>
+          </a:fontRef>
+        </p:style>
+      </p:cxnSp>
+      <p:cxnSp>
+        <p:nvCxnSpPr>
+          <p:cNvPr id="31" name="肘形接點 30"/>
+          <p:cNvCxnSpPr>
+            <a:stCxn id="25" idx="2"/>
+            <a:endCxn id="22" idx="0"/>
+          </p:cNvCxnSpPr>
+          <p:nvPr/>
+        </p:nvCxnSpPr>
+        <p:spPr>
+          <a:xfrm rot="16200000" flipH="1">
+            <a:off x="7825446" y="4868339"/>
+            <a:ext cx="692369" cy="163975"/>
+          </a:xfrm>
+          <a:prstGeom prst="bentConnector3">
+            <a:avLst/>
+          </a:prstGeom>
+          <a:ln>
+            <a:solidFill>
+              <a:schemeClr val="tx1"/>
+            </a:solidFill>
+          </a:ln>
+        </p:spPr>
+        <p:style>
+          <a:lnRef idx="1">
+            <a:schemeClr val="accent1"/>
+          </a:lnRef>
+          <a:fillRef idx="0">
+            <a:schemeClr val="accent1"/>
+          </a:fillRef>
+          <a:effectRef idx="0">
+            <a:schemeClr val="accent1"/>
+          </a:effectRef>
+          <a:fontRef idx="minor">
+            <a:schemeClr val="tx1"/>
+          </a:fontRef>
+        </p:style>
+      </p:cxnSp>
+      <p:cxnSp>
+        <p:nvCxnSpPr>
+          <p:cNvPr id="33" name="肘形接點 32"/>
+          <p:cNvCxnSpPr>
+            <a:stCxn id="26" idx="2"/>
+            <a:endCxn id="23" idx="0"/>
+          </p:cNvCxnSpPr>
+          <p:nvPr/>
+        </p:nvCxnSpPr>
+        <p:spPr>
+          <a:xfrm rot="16200000" flipH="1">
+            <a:off x="9040255" y="4452028"/>
+            <a:ext cx="683044" cy="1005921"/>
+          </a:xfrm>
+          <a:prstGeom prst="bentConnector3">
+            <a:avLst/>
+          </a:prstGeom>
+          <a:ln>
+            <a:solidFill>
+              <a:schemeClr val="tx1"/>
+            </a:solidFill>
+          </a:ln>
+        </p:spPr>
+        <p:style>
+          <a:lnRef idx="1">
+            <a:schemeClr val="accent1"/>
+          </a:lnRef>
+          <a:fillRef idx="0">
+            <a:schemeClr val="accent1"/>
+          </a:fillRef>
+          <a:effectRef idx="0">
+            <a:schemeClr val="accent1"/>
+          </a:effectRef>
+          <a:fontRef idx="minor">
+            <a:schemeClr val="tx1"/>
+          </a:fontRef>
+        </p:style>
+      </p:cxnSp>
+      <p:sp>
+        <p:nvSpPr>
+          <p:cNvPr id="40" name="文字方塊 39"/>
+          <p:cNvSpPr txBox="1"/>
+          <p:nvPr/>
+        </p:nvSpPr>
+        <p:spPr>
+          <a:xfrm>
+            <a:off x="4608244" y="4091575"/>
+            <a:ext cx="2492990" cy="646331"/>
+          </a:xfrm>
+          <a:prstGeom prst="rect">
+            <a:avLst/>
+          </a:prstGeom>
+          <a:noFill/>
+        </p:spPr>
+        <p:txBody>
+          <a:bodyPr wrap="none" rtlCol="0">
+            <a:spAutoFit/>
+          </a:bodyPr>
+          <a:lstStyle/>
+          <a:p>
+            <a:r>
+              <a:rPr lang="zh-TW" altLang="en-US" dirty="0" smtClean="0">
+                <a:solidFill>
+                  <a:srgbClr val="FF0000"/>
+                </a:solidFill>
+              </a:rPr>
+              <a:t>有時候還會加上數字，</a:t>
+            </a:r>
+            <a:endParaRPr lang="en-US" altLang="zh-TW" dirty="0" smtClean="0">
+              <a:solidFill>
+                <a:srgbClr val="FF0000"/>
+              </a:solidFill>
+            </a:endParaRPr>
+          </a:p>
+          <a:p>
+            <a:r>
+              <a:rPr lang="zh-TW" altLang="en-US" dirty="0" smtClean="0">
+                <a:solidFill>
+                  <a:srgbClr val="FF0000"/>
+                </a:solidFill>
+              </a:rPr>
+              <a:t>用來表示數量關係</a:t>
+            </a:r>
+            <a:endParaRPr lang="zh-TW" altLang="en-US" dirty="0">
+              <a:solidFill>
+                <a:srgbClr val="FF0000"/>
+              </a:solidFill>
+            </a:endParaRPr>
+          </a:p>
+        </p:txBody>
+      </p:sp>
+      <p:sp>
+        <p:nvSpPr>
+          <p:cNvPr id="41" name="文字方塊 40"/>
+          <p:cNvSpPr txBox="1"/>
+          <p:nvPr/>
+        </p:nvSpPr>
+        <p:spPr>
+          <a:xfrm>
+            <a:off x="7041238" y="3824545"/>
+            <a:ext cx="306494" cy="369332"/>
+          </a:xfrm>
+          <a:prstGeom prst="rect">
+            <a:avLst/>
+          </a:prstGeom>
+          <a:noFill/>
+        </p:spPr>
+        <p:txBody>
+          <a:bodyPr wrap="none" rtlCol="0">
+            <a:spAutoFit/>
+          </a:bodyPr>
+          <a:lstStyle/>
+          <a:p>
+            <a:r>
+              <a:rPr lang="en-US" altLang="zh-TW" dirty="0" smtClean="0">
+                <a:solidFill>
+                  <a:srgbClr val="FF0000"/>
+                </a:solidFill>
+              </a:rPr>
+              <a:t>1</a:t>
+            </a:r>
+            <a:endParaRPr lang="zh-TW" altLang="en-US" dirty="0">
+              <a:solidFill>
+                <a:srgbClr val="FF0000"/>
+              </a:solidFill>
+            </a:endParaRPr>
+          </a:p>
+        </p:txBody>
+      </p:sp>
+      <p:sp>
+        <p:nvSpPr>
+          <p:cNvPr id="42" name="文字方塊 41"/>
+          <p:cNvSpPr txBox="1"/>
+          <p:nvPr/>
+        </p:nvSpPr>
+        <p:spPr>
+          <a:xfrm>
+            <a:off x="6437251" y="4964858"/>
+            <a:ext cx="306494" cy="369332"/>
+          </a:xfrm>
+          <a:prstGeom prst="rect">
+            <a:avLst/>
+          </a:prstGeom>
+          <a:noFill/>
+        </p:spPr>
+        <p:txBody>
+          <a:bodyPr wrap="none" rtlCol="0">
+            <a:spAutoFit/>
+          </a:bodyPr>
+          <a:lstStyle/>
+          <a:p>
+            <a:r>
+              <a:rPr lang="en-US" altLang="zh-TW" dirty="0" smtClean="0">
+                <a:solidFill>
+                  <a:srgbClr val="FF0000"/>
+                </a:solidFill>
+              </a:rPr>
+              <a:t>1</a:t>
+            </a:r>
+            <a:endParaRPr lang="zh-TW" altLang="en-US" dirty="0">
+              <a:solidFill>
+                <a:srgbClr val="FF0000"/>
+              </a:solidFill>
+            </a:endParaRPr>
+          </a:p>
+        </p:txBody>
+      </p:sp>
+      <p:sp>
+        <p:nvSpPr>
+          <p:cNvPr id="43" name="文字方塊 42"/>
+          <p:cNvSpPr txBox="1"/>
+          <p:nvPr/>
+        </p:nvSpPr>
+        <p:spPr>
+          <a:xfrm>
+            <a:off x="7728636" y="4383278"/>
+            <a:ext cx="306494" cy="369332"/>
+          </a:xfrm>
+          <a:prstGeom prst="rect">
+            <a:avLst/>
+          </a:prstGeom>
+          <a:noFill/>
+        </p:spPr>
+        <p:txBody>
+          <a:bodyPr wrap="none" rtlCol="0">
+            <a:spAutoFit/>
+          </a:bodyPr>
+          <a:lstStyle/>
+          <a:p>
+            <a:r>
+              <a:rPr lang="en-US" altLang="zh-TW" dirty="0" smtClean="0">
+                <a:solidFill>
+                  <a:srgbClr val="FF0000"/>
+                </a:solidFill>
+              </a:rPr>
+              <a:t>1</a:t>
+            </a:r>
+            <a:endParaRPr lang="zh-TW" altLang="en-US" dirty="0">
+              <a:solidFill>
+                <a:srgbClr val="FF0000"/>
+              </a:solidFill>
+            </a:endParaRPr>
+          </a:p>
+        </p:txBody>
+      </p:sp>
+      <p:sp>
+        <p:nvSpPr>
+          <p:cNvPr id="44" name="文字方塊 43"/>
+          <p:cNvSpPr txBox="1"/>
+          <p:nvPr/>
+        </p:nvSpPr>
+        <p:spPr>
+          <a:xfrm>
+            <a:off x="8179424" y="4970226"/>
+            <a:ext cx="598241" cy="369332"/>
+          </a:xfrm>
+          <a:prstGeom prst="rect">
+            <a:avLst/>
+          </a:prstGeom>
+          <a:noFill/>
+        </p:spPr>
+        <p:txBody>
+          <a:bodyPr wrap="none" rtlCol="0">
+            <a:spAutoFit/>
+          </a:bodyPr>
+          <a:lstStyle/>
+          <a:p>
+            <a:r>
+              <a:rPr lang="en-US" altLang="zh-TW" dirty="0" smtClean="0">
+                <a:solidFill>
+                  <a:srgbClr val="FF0000"/>
+                </a:solidFill>
+              </a:rPr>
+              <a:t>0..2</a:t>
+            </a:r>
+            <a:endParaRPr lang="zh-TW" altLang="en-US" dirty="0">
+              <a:solidFill>
+                <a:srgbClr val="FF0000"/>
+              </a:solidFill>
+            </a:endParaRPr>
+          </a:p>
+        </p:txBody>
+      </p:sp>
+      <p:sp>
+        <p:nvSpPr>
+          <p:cNvPr id="45" name="文字方塊 44"/>
+          <p:cNvSpPr txBox="1"/>
+          <p:nvPr/>
+        </p:nvSpPr>
+        <p:spPr>
+          <a:xfrm>
+            <a:off x="8967508" y="4387000"/>
+            <a:ext cx="306494" cy="369332"/>
+          </a:xfrm>
+          <a:prstGeom prst="rect">
+            <a:avLst/>
+          </a:prstGeom>
+          <a:noFill/>
+        </p:spPr>
+        <p:txBody>
+          <a:bodyPr wrap="none" rtlCol="0">
+            <a:spAutoFit/>
+          </a:bodyPr>
+          <a:lstStyle/>
+          <a:p>
+            <a:r>
+              <a:rPr lang="en-US" altLang="zh-TW" dirty="0" smtClean="0">
+                <a:solidFill>
+                  <a:srgbClr val="FF0000"/>
+                </a:solidFill>
+              </a:rPr>
+              <a:t>1</a:t>
+            </a:r>
+            <a:endParaRPr lang="zh-TW" altLang="en-US" dirty="0">
+              <a:solidFill>
+                <a:srgbClr val="FF0000"/>
+              </a:solidFill>
+            </a:endParaRPr>
+          </a:p>
+        </p:txBody>
+      </p:sp>
+      <p:sp>
+        <p:nvSpPr>
+          <p:cNvPr id="46" name="文字方塊 45"/>
+          <p:cNvSpPr txBox="1"/>
+          <p:nvPr/>
+        </p:nvSpPr>
+        <p:spPr>
+          <a:xfrm>
+            <a:off x="9858809" y="4950326"/>
+            <a:ext cx="598241" cy="369332"/>
+          </a:xfrm>
+          <a:prstGeom prst="rect">
+            <a:avLst/>
+          </a:prstGeom>
+          <a:noFill/>
+        </p:spPr>
+        <p:txBody>
+          <a:bodyPr wrap="none" rtlCol="0">
+            <a:spAutoFit/>
+          </a:bodyPr>
+          <a:lstStyle/>
+          <a:p>
+            <a:r>
+              <a:rPr lang="en-US" altLang="zh-TW" dirty="0" smtClean="0">
+                <a:solidFill>
+                  <a:srgbClr val="FF0000"/>
+                </a:solidFill>
+              </a:rPr>
+              <a:t>0..2</a:t>
+            </a:r>
+            <a:endParaRPr lang="zh-TW" altLang="en-US" dirty="0">
+              <a:solidFill>
+                <a:srgbClr val="FF0000"/>
+              </a:solidFill>
+            </a:endParaRPr>
+          </a:p>
+        </p:txBody>
+      </p:sp>
+      <p:sp>
+        <p:nvSpPr>
+          <p:cNvPr id="47" name="文字方塊 46"/>
+          <p:cNvSpPr txBox="1"/>
+          <p:nvPr/>
+        </p:nvSpPr>
+        <p:spPr>
+          <a:xfrm>
+            <a:off x="3232350" y="4374143"/>
+            <a:ext cx="306494" cy="369332"/>
+          </a:xfrm>
+          <a:prstGeom prst="rect">
+            <a:avLst/>
+          </a:prstGeom>
+          <a:noFill/>
+        </p:spPr>
+        <p:txBody>
+          <a:bodyPr wrap="none" rtlCol="0">
+            <a:spAutoFit/>
+          </a:bodyPr>
+          <a:lstStyle/>
+          <a:p>
+            <a:r>
+              <a:rPr lang="en-US" altLang="zh-TW" dirty="0" smtClean="0">
+                <a:solidFill>
+                  <a:srgbClr val="FF0000"/>
+                </a:solidFill>
+              </a:rPr>
+              <a:t>1</a:t>
+            </a:r>
+            <a:endParaRPr lang="zh-TW" altLang="en-US" dirty="0">
+              <a:solidFill>
+                <a:srgbClr val="FF0000"/>
+              </a:solidFill>
+            </a:endParaRPr>
+          </a:p>
+        </p:txBody>
+      </p:sp>
+      <p:sp>
+        <p:nvSpPr>
+          <p:cNvPr id="48" name="文字方塊 47"/>
+          <p:cNvSpPr txBox="1"/>
+          <p:nvPr/>
+        </p:nvSpPr>
+        <p:spPr>
+          <a:xfrm>
+            <a:off x="3398732" y="4979004"/>
+            <a:ext cx="561372" cy="369332"/>
+          </a:xfrm>
+          <a:prstGeom prst="rect">
+            <a:avLst/>
+          </a:prstGeom>
+          <a:noFill/>
+        </p:spPr>
+        <p:txBody>
+          <a:bodyPr wrap="none" rtlCol="0">
+            <a:spAutoFit/>
+          </a:bodyPr>
+          <a:lstStyle/>
+          <a:p>
+            <a:r>
+              <a:rPr lang="en-US" altLang="zh-TW" dirty="0" smtClean="0">
+                <a:solidFill>
+                  <a:srgbClr val="FF0000"/>
+                </a:solidFill>
+              </a:rPr>
+              <a:t>1..*</a:t>
+            </a:r>
+            <a:endParaRPr lang="zh-TW" altLang="en-US" dirty="0">
+              <a:solidFill>
+                <a:srgbClr val="FF0000"/>
+              </a:solidFill>
+            </a:endParaRPr>
+          </a:p>
+        </p:txBody>
+      </p:sp>
+      <p:sp>
+        <p:nvSpPr>
+          <p:cNvPr id="49" name="文字方塊 48"/>
+          <p:cNvSpPr txBox="1"/>
+          <p:nvPr/>
+        </p:nvSpPr>
+        <p:spPr>
+          <a:xfrm>
+            <a:off x="2223620" y="4394448"/>
+            <a:ext cx="306494" cy="369332"/>
+          </a:xfrm>
+          <a:prstGeom prst="rect">
+            <a:avLst/>
+          </a:prstGeom>
+          <a:noFill/>
+        </p:spPr>
+        <p:txBody>
+          <a:bodyPr wrap="none" rtlCol="0">
+            <a:spAutoFit/>
+          </a:bodyPr>
+          <a:lstStyle/>
+          <a:p>
+            <a:r>
+              <a:rPr lang="en-US" altLang="zh-TW" dirty="0" smtClean="0">
+                <a:solidFill>
+                  <a:srgbClr val="FF0000"/>
+                </a:solidFill>
+              </a:rPr>
+              <a:t>1</a:t>
+            </a:r>
+            <a:endParaRPr lang="zh-TW" altLang="en-US" dirty="0">
+              <a:solidFill>
+                <a:srgbClr val="FF0000"/>
+              </a:solidFill>
+            </a:endParaRPr>
+          </a:p>
+        </p:txBody>
+      </p:sp>
+      <p:sp>
+        <p:nvSpPr>
+          <p:cNvPr id="50" name="文字方塊 49"/>
+          <p:cNvSpPr txBox="1"/>
+          <p:nvPr/>
+        </p:nvSpPr>
+        <p:spPr>
+          <a:xfrm>
+            <a:off x="1741305" y="4950326"/>
+            <a:ext cx="561372" cy="369332"/>
+          </a:xfrm>
+          <a:prstGeom prst="rect">
+            <a:avLst/>
+          </a:prstGeom>
+          <a:noFill/>
+        </p:spPr>
+        <p:txBody>
+          <a:bodyPr wrap="none" rtlCol="0">
+            <a:spAutoFit/>
+          </a:bodyPr>
+          <a:lstStyle/>
+          <a:p>
+            <a:r>
+              <a:rPr lang="en-US" altLang="zh-TW" dirty="0" smtClean="0">
+                <a:solidFill>
+                  <a:srgbClr val="FF0000"/>
+                </a:solidFill>
+              </a:rPr>
+              <a:t>0..*</a:t>
+            </a:r>
+            <a:endParaRPr lang="zh-TW" altLang="en-US" dirty="0">
+              <a:solidFill>
+                <a:srgbClr val="FF0000"/>
+              </a:solidFill>
+            </a:endParaRPr>
+          </a:p>
+        </p:txBody>
+      </p:sp>
+    </p:spTree>
+    <p:extLst>
+      <p:ext uri="{BB962C8B-B14F-4D97-AF65-F5344CB8AC3E}">
+        <p14:creationId xmlns:p14="http://schemas.microsoft.com/office/powerpoint/2010/main" val="2789067035"/>
+      </p:ext>
+    </p:extLst>
+  </p:cSld>
+  <p:clrMapOvr>
+    <a:masterClrMapping/>
+  </p:clrMapOvr>
+  <p:timing>
+    <p:tnLst>
+      <p:par>
+        <p:cTn id="1" dur="indefinite" restart="never" nodeType="tmRoot">
+          <p:childTnLst>
+            <p:seq concurrent="1" nextAc="seek">
+              <p:cTn id="2" dur="indefinite" nodeType="mainSeq">
+                <p:childTnLst>
+                  <p:par>
+                    <p:cTn id="3" fill="hold">
+                      <p:stCondLst>
+                        <p:cond delay="indefinite"/>
+                      </p:stCondLst>
+                      <p:childTnLst>
+                        <p:par>
+                          <p:cTn id="4" fill="hold">
+                            <p:stCondLst>
+                              <p:cond delay="0"/>
+                            </p:stCondLst>
+                            <p:childTnLst>
+                              <p:par>
+                                <p:cTn id="5" presetID="1" presetClass="entr" presetSubtype="0" fill="hold" grpId="0" nodeType="clickEffect">
+                                  <p:stCondLst>
+                                    <p:cond delay="0"/>
+                                  </p:stCondLst>
+                                  <p:childTnLst>
+                                    <p:set>
+                                      <p:cBhvr>
+                                        <p:cTn id="6" dur="1" fill="hold">
+                                          <p:stCondLst>
+                                            <p:cond delay="0"/>
+                                          </p:stCondLst>
+                                        </p:cTn>
+                                        <p:tgtEl>
+                                          <p:spTgt spid="44"/>
+                                        </p:tgtEl>
+                                        <p:attrNameLst>
+                                          <p:attrName>style.visibility</p:attrName>
+                                        </p:attrNameLst>
+                                      </p:cBhvr>
+                                      <p:to>
+                                        <p:strVal val="visible"/>
+                                      </p:to>
+                                    </p:set>
+                                  </p:childTnLst>
+                                </p:cTn>
+                              </p:par>
+                              <p:par>
+                                <p:cTn id="7" presetID="1" presetClass="entr" presetSubtype="0" fill="hold" grpId="0" nodeType="withEffect">
+                                  <p:stCondLst>
+                                    <p:cond delay="0"/>
+                                  </p:stCondLst>
+                                  <p:childTnLst>
+                                    <p:set>
+                                      <p:cBhvr>
+                                        <p:cTn id="8" dur="1" fill="hold">
+                                          <p:stCondLst>
+                                            <p:cond delay="0"/>
+                                          </p:stCondLst>
+                                        </p:cTn>
+                                        <p:tgtEl>
+                                          <p:spTgt spid="43"/>
+                                        </p:tgtEl>
+                                        <p:attrNameLst>
+                                          <p:attrName>style.visibility</p:attrName>
+                                        </p:attrNameLst>
+                                      </p:cBhvr>
+                                      <p:to>
+                                        <p:strVal val="visible"/>
+                                      </p:to>
+                                    </p:set>
+                                  </p:childTnLst>
+                                </p:cTn>
+                              </p:par>
+                              <p:par>
+                                <p:cTn id="9" presetID="1" presetClass="entr" presetSubtype="0" fill="hold" grpId="0" nodeType="withEffect">
+                                  <p:stCondLst>
+                                    <p:cond delay="0"/>
+                                  </p:stCondLst>
+                                  <p:childTnLst>
+                                    <p:set>
+                                      <p:cBhvr>
+                                        <p:cTn id="10" dur="1" fill="hold">
+                                          <p:stCondLst>
+                                            <p:cond delay="0"/>
+                                          </p:stCondLst>
+                                        </p:cTn>
+                                        <p:tgtEl>
+                                          <p:spTgt spid="41"/>
+                                        </p:tgtEl>
+                                        <p:attrNameLst>
+                                          <p:attrName>style.visibility</p:attrName>
+                                        </p:attrNameLst>
+                                      </p:cBhvr>
+                                      <p:to>
+                                        <p:strVal val="visible"/>
+                                      </p:to>
+                                    </p:set>
+                                  </p:childTnLst>
+                                </p:cTn>
+                              </p:par>
+                              <p:par>
+                                <p:cTn id="11" presetID="1" presetClass="entr" presetSubtype="0" fill="hold" grpId="0" nodeType="withEffect">
+                                  <p:stCondLst>
+                                    <p:cond delay="0"/>
+                                  </p:stCondLst>
+                                  <p:childTnLst>
+                                    <p:set>
+                                      <p:cBhvr>
+                                        <p:cTn id="12" dur="1" fill="hold">
+                                          <p:stCondLst>
+                                            <p:cond delay="0"/>
+                                          </p:stCondLst>
+                                        </p:cTn>
+                                        <p:tgtEl>
+                                          <p:spTgt spid="42"/>
+                                        </p:tgtEl>
+                                        <p:attrNameLst>
+                                          <p:attrName>style.visibility</p:attrName>
+                                        </p:attrNameLst>
+                                      </p:cBhvr>
+                                      <p:to>
+                                        <p:strVal val="visible"/>
+                                      </p:to>
+                                    </p:set>
+                                  </p:childTnLst>
+                                </p:cTn>
+                              </p:par>
+                              <p:par>
+                                <p:cTn id="13" presetID="1" presetClass="entr" presetSubtype="0" fill="hold" grpId="0" nodeType="withEffect">
+                                  <p:stCondLst>
+                                    <p:cond delay="0"/>
+                                  </p:stCondLst>
+                                  <p:childTnLst>
+                                    <p:set>
+                                      <p:cBhvr>
+                                        <p:cTn id="14" dur="1" fill="hold">
+                                          <p:stCondLst>
+                                            <p:cond delay="0"/>
+                                          </p:stCondLst>
+                                        </p:cTn>
+                                        <p:tgtEl>
+                                          <p:spTgt spid="40"/>
+                                        </p:tgtEl>
+                                        <p:attrNameLst>
+                                          <p:attrName>style.visibility</p:attrName>
+                                        </p:attrNameLst>
+                                      </p:cBhvr>
+                                      <p:to>
+                                        <p:strVal val="visible"/>
+                                      </p:to>
+                                    </p:set>
+                                  </p:childTnLst>
+                                </p:cTn>
+                              </p:par>
+                              <p:par>
+                                <p:cTn id="15" presetID="1" presetClass="entr" presetSubtype="0" fill="hold" grpId="0" nodeType="withEffect">
+                                  <p:stCondLst>
+                                    <p:cond delay="0"/>
+                                  </p:stCondLst>
+                                  <p:childTnLst>
+                                    <p:set>
+                                      <p:cBhvr>
+                                        <p:cTn id="16" dur="1" fill="hold">
+                                          <p:stCondLst>
+                                            <p:cond delay="0"/>
+                                          </p:stCondLst>
+                                        </p:cTn>
+                                        <p:tgtEl>
+                                          <p:spTgt spid="46"/>
+                                        </p:tgtEl>
+                                        <p:attrNameLst>
+                                          <p:attrName>style.visibility</p:attrName>
+                                        </p:attrNameLst>
+                                      </p:cBhvr>
+                                      <p:to>
+                                        <p:strVal val="visible"/>
+                                      </p:to>
+                                    </p:set>
+                                  </p:childTnLst>
+                                </p:cTn>
+                              </p:par>
+                              <p:par>
+                                <p:cTn id="17" presetID="1" presetClass="entr" presetSubtype="0" fill="hold" grpId="0" nodeType="withEffect">
+                                  <p:stCondLst>
+                                    <p:cond delay="0"/>
+                                  </p:stCondLst>
+                                  <p:childTnLst>
+                                    <p:set>
+                                      <p:cBhvr>
+                                        <p:cTn id="18" dur="1" fill="hold">
+                                          <p:stCondLst>
+                                            <p:cond delay="0"/>
+                                          </p:stCondLst>
+                                        </p:cTn>
+                                        <p:tgtEl>
+                                          <p:spTgt spid="45"/>
+                                        </p:tgtEl>
+                                        <p:attrNameLst>
+                                          <p:attrName>style.visibility</p:attrName>
+                                        </p:attrNameLst>
+                                      </p:cBhvr>
+                                      <p:to>
+                                        <p:strVal val="visible"/>
+                                      </p:to>
+                                    </p:set>
+                                  </p:childTnLst>
+                                </p:cTn>
+                              </p:par>
+                              <p:par>
+                                <p:cTn id="19" presetID="1" presetClass="entr" presetSubtype="0" fill="hold" grpId="0" nodeType="withEffect">
+                                  <p:stCondLst>
+                                    <p:cond delay="0"/>
+                                  </p:stCondLst>
+                                  <p:childTnLst>
+                                    <p:set>
+                                      <p:cBhvr>
+                                        <p:cTn id="20" dur="1" fill="hold">
+                                          <p:stCondLst>
+                                            <p:cond delay="0"/>
+                                          </p:stCondLst>
+                                        </p:cTn>
+                                        <p:tgtEl>
+                                          <p:spTgt spid="48"/>
+                                        </p:tgtEl>
+                                        <p:attrNameLst>
+                                          <p:attrName>style.visibility</p:attrName>
+                                        </p:attrNameLst>
+                                      </p:cBhvr>
+                                      <p:to>
+                                        <p:strVal val="visible"/>
+                                      </p:to>
+                                    </p:set>
+                                  </p:childTnLst>
+                                </p:cTn>
+                              </p:par>
+                              <p:par>
+                                <p:cTn id="21" presetID="1" presetClass="entr" presetSubtype="0" fill="hold" grpId="0" nodeType="withEffect">
+                                  <p:stCondLst>
+                                    <p:cond delay="0"/>
+                                  </p:stCondLst>
+                                  <p:childTnLst>
+                                    <p:set>
+                                      <p:cBhvr>
+                                        <p:cTn id="22" dur="1" fill="hold">
+                                          <p:stCondLst>
+                                            <p:cond delay="0"/>
+                                          </p:stCondLst>
+                                        </p:cTn>
+                                        <p:tgtEl>
+                                          <p:spTgt spid="47"/>
+                                        </p:tgtEl>
+                                        <p:attrNameLst>
+                                          <p:attrName>style.visibility</p:attrName>
+                                        </p:attrNameLst>
+                                      </p:cBhvr>
+                                      <p:to>
+                                        <p:strVal val="visible"/>
+                                      </p:to>
+                                    </p:set>
+                                  </p:childTnLst>
+                                </p:cTn>
+                              </p:par>
+                              <p:par>
+                                <p:cTn id="23" presetID="1" presetClass="entr" presetSubtype="0" fill="hold" grpId="0" nodeType="withEffect">
+                                  <p:stCondLst>
+                                    <p:cond delay="0"/>
+                                  </p:stCondLst>
+                                  <p:childTnLst>
+                                    <p:set>
+                                      <p:cBhvr>
+                                        <p:cTn id="24" dur="1" fill="hold">
+                                          <p:stCondLst>
+                                            <p:cond delay="0"/>
+                                          </p:stCondLst>
+                                        </p:cTn>
+                                        <p:tgtEl>
+                                          <p:spTgt spid="50"/>
+                                        </p:tgtEl>
+                                        <p:attrNameLst>
+                                          <p:attrName>style.visibility</p:attrName>
+                                        </p:attrNameLst>
+                                      </p:cBhvr>
+                                      <p:to>
+                                        <p:strVal val="visible"/>
+                                      </p:to>
+                                    </p:set>
+                                  </p:childTnLst>
+                                </p:cTn>
+                              </p:par>
+                              <p:par>
+                                <p:cTn id="25" presetID="1" presetClass="entr" presetSubtype="0" fill="hold" grpId="0" nodeType="withEffect">
+                                  <p:stCondLst>
+                                    <p:cond delay="0"/>
+                                  </p:stCondLst>
+                                  <p:childTnLst>
+                                    <p:set>
+                                      <p:cBhvr>
+                                        <p:cTn id="26" dur="1" fill="hold">
+                                          <p:stCondLst>
+                                            <p:cond delay="0"/>
+                                          </p:stCondLst>
+                                        </p:cTn>
+                                        <p:tgtEl>
+                                          <p:spTgt spid="49"/>
+                                        </p:tgtEl>
+                                        <p:attrNameLst>
+                                          <p:attrName>style.visibility</p:attrName>
+                                        </p:attrNameLst>
+                                      </p:cBhvr>
+                                      <p:to>
+                                        <p:strVal val="visible"/>
+                                      </p:to>
+                                    </p:set>
+                                  </p:childTnLst>
+                                </p:cTn>
+                              </p:par>
+                            </p:childTnLst>
+                          </p:cTn>
+                        </p:par>
+                      </p:childTnLst>
+                    </p:cTn>
+                  </p:par>
+                </p:childTnLst>
+              </p:cTn>
+              <p:prevCondLst>
+                <p:cond evt="onPrev" delay="0">
+                  <p:tgtEl>
+                    <p:sldTgt/>
+                  </p:tgtEl>
+                </p:cond>
+              </p:prevCondLst>
+              <p:nextCondLst>
+                <p:cond evt="onNext" delay="0">
+                  <p:tgtEl>
+                    <p:sldTgt/>
+                  </p:tgtEl>
+                </p:cond>
+              </p:nextCondLst>
+            </p:seq>
+          </p:childTnLst>
+        </p:cTn>
+      </p:par>
+    </p:tnLst>
+    <p:bldLst>
+      <p:bldP spid="40" grpId="0"/>
+      <p:bldP spid="41" grpId="0"/>
+      <p:bldP spid="42" grpId="0"/>
+      <p:bldP spid="43" grpId="0"/>
+      <p:bldP spid="44" grpId="0"/>
+      <p:bldP spid="45" grpId="0"/>
+      <p:bldP spid="46" grpId="0"/>
+      <p:bldP spid="47" grpId="0"/>
+      <p:bldP spid="48" grpId="0"/>
+      <p:bldP spid="49" grpId="0"/>
+      <p:bldP spid="50" grpId="0"/>
+    </p:bldLst>
+  </p:timing>
+</p:sld>
+</file>
+
+<file path=ppt/slides/slide72.xml><?xml version="1.0" encoding="utf-8"?>
+<p:sld xmlns:a="http://schemas.openxmlformats.org/drawingml/2006/main" xmlns:r="http://schemas.openxmlformats.org/officeDocument/2006/relationships" xmlns:p="http://schemas.openxmlformats.org/presentationml/2006/main">
+  <p:cSld>
+    <p:spTree>
+      <p:nvGrpSpPr>
+        <p:cNvPr id="1" name=""/>
+        <p:cNvGrpSpPr/>
+        <p:nvPr/>
+      </p:nvGrpSpPr>
+      <p:grpSpPr>
+        <a:xfrm>
+          <a:off x="0" y="0"/>
+          <a:ext cx="0" cy="0"/>
+          <a:chOff x="0" y="0"/>
+          <a:chExt cx="0" cy="0"/>
+        </a:xfrm>
+      </p:grpSpPr>
+      <p:sp>
+        <p:nvSpPr>
+          <p:cNvPr id="2" name="標題 1"/>
+          <p:cNvSpPr>
+            <a:spLocks noGrp="1"/>
+          </p:cNvSpPr>
+          <p:nvPr>
+            <p:ph type="title"/>
+          </p:nvPr>
+        </p:nvSpPr>
+        <p:spPr/>
+        <p:txBody>
+          <a:bodyPr/>
+          <a:lstStyle/>
+          <a:p>
+            <a:r>
+              <a:rPr lang="en-US" altLang="zh-TW" dirty="0" smtClean="0"/>
+              <a:t>Dependency</a:t>
+            </a:r>
+            <a:r>
+              <a:rPr lang="zh-TW" altLang="en-US" dirty="0" smtClean="0"/>
+              <a:t>與</a:t>
+            </a:r>
+            <a:r>
+              <a:rPr lang="en-US" altLang="zh-TW" dirty="0"/>
+              <a:t>Association</a:t>
+            </a:r>
+            <a:endParaRPr lang="zh-TW" altLang="en-US" dirty="0"/>
+          </a:p>
+        </p:txBody>
+      </p:sp>
+      <p:sp>
+        <p:nvSpPr>
+          <p:cNvPr id="3" name="內容版面配置區 2"/>
+          <p:cNvSpPr>
+            <a:spLocks noGrp="1"/>
+          </p:cNvSpPr>
+          <p:nvPr>
+            <p:ph sz="half" idx="1"/>
+          </p:nvPr>
+        </p:nvSpPr>
+        <p:spPr/>
+        <p:txBody>
+          <a:bodyPr/>
+          <a:lstStyle/>
+          <a:p>
+            <a:r>
+              <a:rPr lang="en-US" altLang="zh-TW" dirty="0"/>
+              <a:t>Dependency</a:t>
+            </a:r>
+            <a:r>
+              <a:rPr lang="zh-TW" altLang="en-US" dirty="0"/>
+              <a:t>：</a:t>
+            </a:r>
+            <a:r>
+              <a:rPr lang="en-US" altLang="zh-TW" dirty="0"/>
+              <a:t>A </a:t>
+            </a:r>
+            <a:r>
+              <a:rPr lang="zh-TW" altLang="en-US" dirty="0"/>
+              <a:t>使用 </a:t>
+            </a:r>
+            <a:r>
+              <a:rPr lang="en-US" altLang="zh-TW" dirty="0"/>
+              <a:t>B</a:t>
+            </a:r>
+            <a:r>
+              <a:rPr lang="zh-TW" altLang="en-US" dirty="0"/>
+              <a:t>，</a:t>
+            </a:r>
+            <a:r>
+              <a:rPr lang="en-US" altLang="zh-TW" dirty="0"/>
+              <a:t>B </a:t>
+            </a:r>
+            <a:r>
+              <a:rPr lang="zh-TW" altLang="en-US" dirty="0"/>
+              <a:t>的變化有可能會影響到 </a:t>
+            </a:r>
+            <a:r>
+              <a:rPr lang="en-US" altLang="zh-TW" dirty="0"/>
+              <a:t>A</a:t>
+            </a:r>
+            <a:r>
+              <a:rPr lang="zh-TW" altLang="en-US" dirty="0"/>
+              <a:t>。常見描述 </a:t>
+            </a:r>
+            <a:r>
+              <a:rPr lang="en-US" altLang="zh-TW" dirty="0"/>
+              <a:t>A </a:t>
+            </a:r>
+            <a:r>
+              <a:rPr lang="zh-TW" altLang="en-US" dirty="0"/>
+              <a:t>在使用某些方法時，會將 </a:t>
+            </a:r>
+            <a:r>
+              <a:rPr lang="en-US" altLang="zh-TW" dirty="0"/>
+              <a:t>B </a:t>
+            </a:r>
+            <a:r>
+              <a:rPr lang="zh-TW" altLang="en-US" dirty="0"/>
+              <a:t>作為參數傳入，但並不持有 </a:t>
+            </a:r>
+            <a:r>
+              <a:rPr lang="en-US" altLang="zh-TW" dirty="0"/>
+              <a:t>B</a:t>
+            </a:r>
+            <a:r>
+              <a:rPr lang="zh-TW" altLang="en-US" dirty="0"/>
+              <a:t>。</a:t>
+            </a:r>
+          </a:p>
+        </p:txBody>
+      </p:sp>
+      <p:sp>
+        <p:nvSpPr>
+          <p:cNvPr id="4" name="內容版面配置區 3"/>
+          <p:cNvSpPr>
+            <a:spLocks noGrp="1"/>
+          </p:cNvSpPr>
+          <p:nvPr>
+            <p:ph sz="half" idx="2"/>
+          </p:nvPr>
+        </p:nvSpPr>
+        <p:spPr>
+          <a:xfrm>
+            <a:off x="5806374" y="2160589"/>
+            <a:ext cx="4184034" cy="3880773"/>
+          </a:xfrm>
+        </p:spPr>
+        <p:txBody>
+          <a:bodyPr/>
+          <a:lstStyle/>
+          <a:p>
+            <a:r>
+              <a:rPr lang="en-US" altLang="zh-TW" dirty="0"/>
+              <a:t>Association</a:t>
+            </a:r>
+            <a:r>
+              <a:rPr lang="zh-TW" altLang="en-US" dirty="0"/>
+              <a:t>：</a:t>
+            </a:r>
+            <a:r>
+              <a:rPr lang="en-US" altLang="zh-TW" dirty="0"/>
+              <a:t>A </a:t>
+            </a:r>
+            <a:r>
+              <a:rPr lang="zh-TW" altLang="en-US" dirty="0"/>
+              <a:t>與 </a:t>
+            </a:r>
+            <a:r>
+              <a:rPr lang="en-US" altLang="zh-TW" dirty="0"/>
+              <a:t>B </a:t>
+            </a:r>
+            <a:r>
+              <a:rPr lang="zh-TW" altLang="en-US" dirty="0"/>
+              <a:t>有直接關聯，是個通用定義，若 </a:t>
+            </a:r>
+            <a:r>
+              <a:rPr lang="en-US" altLang="zh-TW" dirty="0"/>
+              <a:t>A </a:t>
+            </a:r>
+            <a:r>
+              <a:rPr lang="zh-TW" altLang="en-US" dirty="0"/>
+              <a:t>與 </a:t>
+            </a:r>
+            <a:r>
+              <a:rPr lang="en-US" altLang="zh-TW" dirty="0"/>
+              <a:t>B </a:t>
+            </a:r>
+            <a:r>
+              <a:rPr lang="zh-TW" altLang="en-US" dirty="0"/>
+              <a:t>的關聯符合其他關聯定義，則使用其他關聯表示較為妥當。</a:t>
+            </a:r>
+          </a:p>
+        </p:txBody>
+      </p:sp>
+      <p:graphicFrame>
+        <p:nvGraphicFramePr>
+          <p:cNvPr id="7" name="表格 6"/>
+          <p:cNvGraphicFramePr>
+            <a:graphicFrameLocks noGrp="1"/>
+          </p:cNvGraphicFramePr>
+          <p:nvPr>
+            <p:extLst>
+              <p:ext uri="{D42A27DB-BD31-4B8C-83A1-F6EECF244321}">
+                <p14:modId xmlns:p14="http://schemas.microsoft.com/office/powerpoint/2010/main" val="4169502528"/>
+              </p:ext>
+            </p:extLst>
+          </p:nvPr>
+        </p:nvGraphicFramePr>
+        <p:xfrm>
+          <a:off x="472681" y="3680691"/>
+          <a:ext cx="2694223" cy="1322452"/>
+        </p:xfrm>
+        <a:graphic>
+          <a:graphicData uri="http://schemas.openxmlformats.org/drawingml/2006/table">
+            <a:tbl>
+              <a:tblPr firstRow="1" bandRow="1">
+                <a:tableStyleId>{2D5ABB26-0587-4C30-8999-92F81FD0307C}</a:tableStyleId>
+              </a:tblPr>
+              <a:tblGrid>
+                <a:gridCol w="2694223">
+                  <a:extLst>
+                    <a:ext uri="{9D8B030D-6E8A-4147-A177-3AD203B41FA5}">
+                      <a16:colId xmlns:a16="http://schemas.microsoft.com/office/drawing/2014/main" val="27480226"/>
+                    </a:ext>
+                  </a:extLst>
+                </a:gridCol>
+              </a:tblGrid>
+              <a:tr h="285424">
+                <a:tc>
+                  <a:txBody>
+                    <a:bodyPr/>
+                    <a:lstStyle/>
+                    <a:p>
+                      <a:pPr algn="ctr"/>
+                      <a:r>
+                        <a:rPr lang="en-US" altLang="zh-TW" sz="1400" dirty="0" smtClean="0"/>
+                        <a:t>Student</a:t>
+                      </a:r>
+                      <a:endParaRPr lang="zh-TW" altLang="en-US" sz="1400" dirty="0"/>
+                    </a:p>
+                  </a:txBody>
+                  <a:tcPr>
+                    <a:lnL w="12700" cap="flat" cmpd="sng" algn="ctr">
+                      <a:solidFill>
+                        <a:schemeClr val="tx1"/>
+                      </a:solidFill>
+                      <a:prstDash val="solid"/>
+                      <a:round/>
+                      <a:headEnd type="none" w="med" len="med"/>
+                      <a:tailEnd type="none" w="med" len="med"/>
+                    </a:lnL>
+                    <a:lnR w="12700" cap="flat" cmpd="sng" algn="ctr">
+                      <a:solidFill>
+                        <a:schemeClr val="tx1"/>
+                      </a:solidFill>
+                      <a:prstDash val="solid"/>
+                      <a:round/>
+                      <a:headEnd type="none" w="med" len="med"/>
+                      <a:tailEnd type="none" w="med" len="med"/>
+                    </a:lnR>
+                    <a:lnT w="12700" cap="flat" cmpd="sng" algn="ctr">
+                      <a:solidFill>
+                        <a:schemeClr val="tx1"/>
+                      </a:solidFill>
+                      <a:prstDash val="solid"/>
+                      <a:round/>
+                      <a:headEnd type="none" w="med" len="med"/>
+                      <a:tailEnd type="none" w="med" len="med"/>
+                    </a:lnT>
+                    <a:lnB w="12700" cap="flat" cmpd="sng" algn="ctr">
+                      <a:solidFill>
+                        <a:schemeClr val="tx1"/>
+                      </a:solidFill>
+                      <a:prstDash val="solid"/>
+                      <a:round/>
+                      <a:headEnd type="none" w="med" len="med"/>
+                      <a:tailEnd type="none" w="med" len="med"/>
+                    </a:lnB>
+                    <a:lnTlToBr w="12700" cmpd="sng">
+                      <a:noFill/>
+                      <a:prstDash val="solid"/>
+                    </a:lnTlToBr>
+                    <a:lnBlToTr w="12700" cmpd="sng">
+                      <a:noFill/>
+                      <a:prstDash val="solid"/>
+                    </a:lnBlToTr>
+                    <a:solidFill>
+                      <a:schemeClr val="bg1"/>
+                    </a:solidFill>
+                  </a:tcPr>
+                </a:tc>
+                <a:extLst>
+                  <a:ext uri="{0D108BD9-81ED-4DB2-BD59-A6C34878D82A}">
+                    <a16:rowId xmlns:a16="http://schemas.microsoft.com/office/drawing/2014/main" val="562645238"/>
+                  </a:ext>
+                </a:extLst>
+              </a:tr>
+              <a:tr h="499492">
+                <a:tc>
+                  <a:txBody>
+                    <a:bodyPr/>
+                    <a:lstStyle/>
+                    <a:p>
+                      <a:r>
+                        <a:rPr lang="en-US" altLang="zh-TW" sz="1400" dirty="0" smtClean="0"/>
+                        <a:t>-</a:t>
+                      </a:r>
+                      <a:r>
+                        <a:rPr lang="en-US" altLang="zh-TW" sz="1400" dirty="0" err="1" smtClean="0"/>
+                        <a:t>m_course_id:vector</a:t>
+                      </a:r>
+                      <a:r>
+                        <a:rPr lang="en-US" altLang="zh-TW" sz="1400" dirty="0" smtClean="0"/>
+                        <a:t>&lt;string&gt;</a:t>
+                      </a:r>
+                      <a:endParaRPr lang="zh-TW" altLang="en-US" sz="1400" dirty="0"/>
+                    </a:p>
+                  </a:txBody>
+                  <a:tcPr>
+                    <a:lnL w="12700" cap="flat" cmpd="sng" algn="ctr">
+                      <a:solidFill>
+                        <a:schemeClr val="tx1"/>
+                      </a:solidFill>
+                      <a:prstDash val="solid"/>
+                      <a:round/>
+                      <a:headEnd type="none" w="med" len="med"/>
+                      <a:tailEnd type="none" w="med" len="med"/>
+                    </a:lnL>
+                    <a:lnR w="12700" cap="flat" cmpd="sng" algn="ctr">
+                      <a:solidFill>
+                        <a:schemeClr val="tx1"/>
+                      </a:solidFill>
+                      <a:prstDash val="solid"/>
+                      <a:round/>
+                      <a:headEnd type="none" w="med" len="med"/>
+                      <a:tailEnd type="none" w="med" len="med"/>
+                    </a:lnR>
+                    <a:lnT w="12700" cap="flat" cmpd="sng" algn="ctr">
+                      <a:solidFill>
+                        <a:schemeClr val="tx1"/>
+                      </a:solidFill>
+                      <a:prstDash val="solid"/>
+                      <a:round/>
+                      <a:headEnd type="none" w="med" len="med"/>
+                      <a:tailEnd type="none" w="med" len="med"/>
+                    </a:lnT>
+                    <a:lnB w="12700" cap="flat" cmpd="sng" algn="ctr">
+                      <a:solidFill>
+                        <a:schemeClr val="tx1"/>
+                      </a:solidFill>
+                      <a:prstDash val="solid"/>
+                      <a:round/>
+                      <a:headEnd type="none" w="med" len="med"/>
+                      <a:tailEnd type="none" w="med" len="med"/>
+                    </a:lnB>
+                    <a:lnTlToBr w="12700" cmpd="sng">
+                      <a:noFill/>
+                      <a:prstDash val="solid"/>
+                    </a:lnTlToBr>
+                    <a:lnBlToTr w="12700" cmpd="sng">
+                      <a:noFill/>
+                      <a:prstDash val="solid"/>
+                    </a:lnBlToTr>
+                    <a:solidFill>
+                      <a:schemeClr val="bg1"/>
+                    </a:solidFill>
+                  </a:tcPr>
+                </a:tc>
+                <a:extLst>
+                  <a:ext uri="{0D108BD9-81ED-4DB2-BD59-A6C34878D82A}">
+                    <a16:rowId xmlns:a16="http://schemas.microsoft.com/office/drawing/2014/main" val="4249798471"/>
+                  </a:ext>
+                </a:extLst>
+              </a:tr>
+              <a:tr h="285424">
+                <a:tc>
+                  <a:txBody>
+                    <a:bodyPr/>
+                    <a:lstStyle/>
+                    <a:p>
+                      <a:r>
+                        <a:rPr lang="en-US" altLang="zh-TW" sz="1400" dirty="0" smtClean="0"/>
+                        <a:t>+</a:t>
+                      </a:r>
+                      <a:r>
+                        <a:rPr lang="en-US" altLang="zh-TW" sz="1400" dirty="0" err="1" smtClean="0"/>
+                        <a:t>addCourse</a:t>
+                      </a:r>
+                      <a:r>
+                        <a:rPr lang="en-US" altLang="zh-TW" sz="1400" dirty="0" smtClean="0"/>
+                        <a:t>(</a:t>
+                      </a:r>
+                      <a:r>
+                        <a:rPr lang="en-US" altLang="zh-TW" sz="1400" dirty="0" err="1" smtClean="0"/>
+                        <a:t>inout</a:t>
+                      </a:r>
+                      <a:r>
+                        <a:rPr lang="en-US" altLang="zh-TW" sz="1400" dirty="0" smtClean="0"/>
+                        <a:t> </a:t>
+                      </a:r>
+                      <a:r>
+                        <a:rPr lang="en-US" altLang="zh-TW" sz="1400" dirty="0" err="1" smtClean="0"/>
+                        <a:t>value:Course</a:t>
+                      </a:r>
+                      <a:r>
+                        <a:rPr lang="en-US" altLang="zh-TW" sz="1400" dirty="0" smtClean="0"/>
+                        <a:t>)</a:t>
+                      </a:r>
+                    </a:p>
+                    <a:p>
+                      <a:r>
+                        <a:rPr lang="en-US" altLang="zh-TW" sz="1400" dirty="0" smtClean="0"/>
+                        <a:t>+</a:t>
+                      </a:r>
+                      <a:r>
+                        <a:rPr lang="en-US" altLang="zh-TW" sz="1400" dirty="0" err="1" smtClean="0"/>
+                        <a:t>isEnrolled</a:t>
+                      </a:r>
+                      <a:r>
+                        <a:rPr lang="en-US" altLang="zh-TW" sz="1400" dirty="0" smtClean="0"/>
+                        <a:t>(</a:t>
+                      </a:r>
+                      <a:r>
+                        <a:rPr lang="en-US" altLang="zh-TW" sz="1400" dirty="0" err="1" smtClean="0"/>
+                        <a:t>value:Course</a:t>
+                      </a:r>
+                      <a:r>
+                        <a:rPr lang="en-US" altLang="zh-TW" sz="1400" dirty="0" smtClean="0"/>
+                        <a:t>)</a:t>
+                      </a:r>
+                      <a:endParaRPr lang="zh-TW" altLang="en-US" sz="1400" dirty="0"/>
+                    </a:p>
+                  </a:txBody>
+                  <a:tcPr>
+                    <a:lnL w="12700" cap="flat" cmpd="sng" algn="ctr">
+                      <a:solidFill>
+                        <a:schemeClr val="tx1"/>
+                      </a:solidFill>
+                      <a:prstDash val="solid"/>
+                      <a:round/>
+                      <a:headEnd type="none" w="med" len="med"/>
+                      <a:tailEnd type="none" w="med" len="med"/>
+                    </a:lnL>
+                    <a:lnR w="12700" cap="flat" cmpd="sng" algn="ctr">
+                      <a:solidFill>
+                        <a:schemeClr val="tx1"/>
+                      </a:solidFill>
+                      <a:prstDash val="solid"/>
+                      <a:round/>
+                      <a:headEnd type="none" w="med" len="med"/>
+                      <a:tailEnd type="none" w="med" len="med"/>
+                    </a:lnR>
+                    <a:lnT w="12700" cap="flat" cmpd="sng" algn="ctr">
+                      <a:solidFill>
+                        <a:schemeClr val="tx1"/>
+                      </a:solidFill>
+                      <a:prstDash val="solid"/>
+                      <a:round/>
+                      <a:headEnd type="none" w="med" len="med"/>
+                      <a:tailEnd type="none" w="med" len="med"/>
+                    </a:lnT>
+                    <a:lnB w="12700" cap="flat" cmpd="sng" algn="ctr">
+                      <a:solidFill>
+                        <a:schemeClr val="tx1"/>
+                      </a:solidFill>
+                      <a:prstDash val="solid"/>
+                      <a:round/>
+                      <a:headEnd type="none" w="med" len="med"/>
+                      <a:tailEnd type="none" w="med" len="med"/>
+                    </a:lnB>
+                    <a:lnTlToBr w="12700" cmpd="sng">
+                      <a:noFill/>
+                      <a:prstDash val="solid"/>
+                    </a:lnTlToBr>
+                    <a:lnBlToTr w="12700" cmpd="sng">
+                      <a:noFill/>
+                      <a:prstDash val="solid"/>
+                    </a:lnBlToTr>
+                    <a:solidFill>
+                      <a:schemeClr val="bg1"/>
+                    </a:solidFill>
+                  </a:tcPr>
+                </a:tc>
+                <a:extLst>
+                  <a:ext uri="{0D108BD9-81ED-4DB2-BD59-A6C34878D82A}">
+                    <a16:rowId xmlns:a16="http://schemas.microsoft.com/office/drawing/2014/main" val="1043476516"/>
+                  </a:ext>
+                </a:extLst>
+              </a:tr>
+            </a:tbl>
+          </a:graphicData>
+        </a:graphic>
+      </p:graphicFrame>
+      <p:graphicFrame>
+        <p:nvGraphicFramePr>
+          <p:cNvPr id="8" name="表格 7"/>
+          <p:cNvGraphicFramePr>
+            <a:graphicFrameLocks noGrp="1"/>
+          </p:cNvGraphicFramePr>
+          <p:nvPr>
+            <p:extLst>
+              <p:ext uri="{D42A27DB-BD31-4B8C-83A1-F6EECF244321}">
+                <p14:modId xmlns:p14="http://schemas.microsoft.com/office/powerpoint/2010/main" val="1682430490"/>
+              </p:ext>
+            </p:extLst>
+          </p:nvPr>
+        </p:nvGraphicFramePr>
+        <p:xfrm>
+          <a:off x="3959054" y="3564677"/>
+          <a:ext cx="1499637" cy="1554480"/>
+        </p:xfrm>
+        <a:graphic>
+          <a:graphicData uri="http://schemas.openxmlformats.org/drawingml/2006/table">
+            <a:tbl>
+              <a:tblPr firstRow="1" bandRow="1">
+                <a:tableStyleId>{2D5ABB26-0587-4C30-8999-92F81FD0307C}</a:tableStyleId>
+              </a:tblPr>
+              <a:tblGrid>
+                <a:gridCol w="1499637">
+                  <a:extLst>
+                    <a:ext uri="{9D8B030D-6E8A-4147-A177-3AD203B41FA5}">
+                      <a16:colId xmlns:a16="http://schemas.microsoft.com/office/drawing/2014/main" val="27480226"/>
+                    </a:ext>
+                  </a:extLst>
+                </a:gridCol>
+              </a:tblGrid>
+              <a:tr h="217748">
+                <a:tc>
+                  <a:txBody>
+                    <a:bodyPr/>
+                    <a:lstStyle/>
+                    <a:p>
+                      <a:pPr algn="ctr"/>
+                      <a:r>
+                        <a:rPr lang="en-US" altLang="zh-TW" sz="1400" dirty="0" smtClean="0"/>
+                        <a:t>Course</a:t>
+                      </a:r>
+                      <a:endParaRPr lang="zh-TW" altLang="en-US" sz="1400" dirty="0"/>
+                    </a:p>
+                  </a:txBody>
+                  <a:tcPr>
+                    <a:lnL w="12700" cap="flat" cmpd="sng" algn="ctr">
+                      <a:solidFill>
+                        <a:schemeClr val="tx1"/>
+                      </a:solidFill>
+                      <a:prstDash val="solid"/>
+                      <a:round/>
+                      <a:headEnd type="none" w="med" len="med"/>
+                      <a:tailEnd type="none" w="med" len="med"/>
+                    </a:lnL>
+                    <a:lnR w="12700" cap="flat" cmpd="sng" algn="ctr">
+                      <a:solidFill>
+                        <a:schemeClr val="tx1"/>
+                      </a:solidFill>
+                      <a:prstDash val="solid"/>
+                      <a:round/>
+                      <a:headEnd type="none" w="med" len="med"/>
+                      <a:tailEnd type="none" w="med" len="med"/>
+                    </a:lnR>
+                    <a:lnT w="12700" cap="flat" cmpd="sng" algn="ctr">
+                      <a:solidFill>
+                        <a:schemeClr val="tx1"/>
+                      </a:solidFill>
+                      <a:prstDash val="solid"/>
+                      <a:round/>
+                      <a:headEnd type="none" w="med" len="med"/>
+                      <a:tailEnd type="none" w="med" len="med"/>
+                    </a:lnT>
+                    <a:lnB w="12700" cap="flat" cmpd="sng" algn="ctr">
+                      <a:solidFill>
+                        <a:schemeClr val="tx1"/>
+                      </a:solidFill>
+                      <a:prstDash val="solid"/>
+                      <a:round/>
+                      <a:headEnd type="none" w="med" len="med"/>
+                      <a:tailEnd type="none" w="med" len="med"/>
+                    </a:lnB>
+                    <a:lnTlToBr w="12700" cmpd="sng">
+                      <a:noFill/>
+                      <a:prstDash val="solid"/>
+                    </a:lnTlToBr>
+                    <a:lnBlToTr w="12700" cmpd="sng">
+                      <a:noFill/>
+                      <a:prstDash val="solid"/>
+                    </a:lnBlToTr>
+                    <a:solidFill>
+                      <a:schemeClr val="bg1"/>
+                    </a:solidFill>
+                  </a:tcPr>
+                </a:tc>
+                <a:extLst>
+                  <a:ext uri="{0D108BD9-81ED-4DB2-BD59-A6C34878D82A}">
+                    <a16:rowId xmlns:a16="http://schemas.microsoft.com/office/drawing/2014/main" val="562645238"/>
+                  </a:ext>
+                </a:extLst>
+              </a:tr>
+              <a:tr h="499492">
+                <a:tc>
+                  <a:txBody>
+                    <a:bodyPr/>
+                    <a:lstStyle/>
+                    <a:p>
+                      <a:r>
+                        <a:rPr lang="en-US" altLang="zh-TW" sz="1400" dirty="0" smtClean="0"/>
+                        <a:t>+</a:t>
+                      </a:r>
+                      <a:r>
+                        <a:rPr lang="en-US" altLang="zh-TW" sz="1400" dirty="0" err="1" smtClean="0"/>
+                        <a:t>m_id:string</a:t>
+                      </a:r>
+                      <a:endParaRPr lang="en-US" altLang="zh-TW" sz="1400" dirty="0" smtClean="0"/>
+                    </a:p>
+                    <a:p>
+                      <a:r>
+                        <a:rPr lang="en-US" altLang="zh-TW" sz="1400" dirty="0" smtClean="0"/>
+                        <a:t>+</a:t>
+                      </a:r>
+                      <a:r>
+                        <a:rPr lang="en-US" altLang="zh-TW" sz="1400" dirty="0" err="1" smtClean="0"/>
+                        <a:t>m_name:string</a:t>
+                      </a:r>
+                      <a:endParaRPr lang="en-US" altLang="zh-TW" sz="1400" dirty="0" smtClean="0"/>
+                    </a:p>
+                    <a:p>
+                      <a:r>
+                        <a:rPr lang="en-US" altLang="zh-TW" sz="1400" dirty="0" smtClean="0"/>
+                        <a:t>+</a:t>
+                      </a:r>
+                      <a:r>
+                        <a:rPr lang="en-US" altLang="zh-TW" sz="1400" dirty="0" err="1" smtClean="0"/>
+                        <a:t>m_credit:int</a:t>
+                      </a:r>
+                      <a:endParaRPr lang="en-US" altLang="zh-TW" sz="1400" dirty="0" smtClean="0"/>
+                    </a:p>
+                    <a:p>
+                      <a:r>
+                        <a:rPr lang="en-US" altLang="zh-TW" sz="1400" dirty="0" smtClean="0"/>
+                        <a:t>+</a:t>
+                      </a:r>
+                      <a:r>
+                        <a:rPr lang="en-US" altLang="zh-TW" sz="1400" dirty="0" err="1" smtClean="0"/>
+                        <a:t>m_count:int</a:t>
+                      </a:r>
+                      <a:endParaRPr lang="zh-TW" altLang="en-US" sz="1400" dirty="0"/>
+                    </a:p>
+                  </a:txBody>
+                  <a:tcPr>
+                    <a:lnL w="12700" cap="flat" cmpd="sng" algn="ctr">
+                      <a:solidFill>
+                        <a:schemeClr val="tx1"/>
+                      </a:solidFill>
+                      <a:prstDash val="solid"/>
+                      <a:round/>
+                      <a:headEnd type="none" w="med" len="med"/>
+                      <a:tailEnd type="none" w="med" len="med"/>
+                    </a:lnL>
+                    <a:lnR w="12700" cap="flat" cmpd="sng" algn="ctr">
+                      <a:solidFill>
+                        <a:schemeClr val="tx1"/>
+                      </a:solidFill>
+                      <a:prstDash val="solid"/>
+                      <a:round/>
+                      <a:headEnd type="none" w="med" len="med"/>
+                      <a:tailEnd type="none" w="med" len="med"/>
+                    </a:lnR>
+                    <a:lnT w="12700" cap="flat" cmpd="sng" algn="ctr">
+                      <a:solidFill>
+                        <a:schemeClr val="tx1"/>
+                      </a:solidFill>
+                      <a:prstDash val="solid"/>
+                      <a:round/>
+                      <a:headEnd type="none" w="med" len="med"/>
+                      <a:tailEnd type="none" w="med" len="med"/>
+                    </a:lnT>
+                    <a:lnB w="12700" cap="flat" cmpd="sng" algn="ctr">
+                      <a:solidFill>
+                        <a:schemeClr val="tx1"/>
+                      </a:solidFill>
+                      <a:prstDash val="solid"/>
+                      <a:round/>
+                      <a:headEnd type="none" w="med" len="med"/>
+                      <a:tailEnd type="none" w="med" len="med"/>
+                    </a:lnB>
+                    <a:lnTlToBr w="12700" cmpd="sng">
+                      <a:noFill/>
+                      <a:prstDash val="solid"/>
+                    </a:lnTlToBr>
+                    <a:lnBlToTr w="12700" cmpd="sng">
+                      <a:noFill/>
+                      <a:prstDash val="solid"/>
+                    </a:lnBlToTr>
+                    <a:solidFill>
+                      <a:schemeClr val="bg1"/>
+                    </a:solidFill>
+                  </a:tcPr>
+                </a:tc>
+                <a:extLst>
+                  <a:ext uri="{0D108BD9-81ED-4DB2-BD59-A6C34878D82A}">
+                    <a16:rowId xmlns:a16="http://schemas.microsoft.com/office/drawing/2014/main" val="4249798471"/>
+                  </a:ext>
+                </a:extLst>
+              </a:tr>
+              <a:tr h="285424">
+                <a:tc>
+                  <a:txBody>
+                    <a:bodyPr/>
+                    <a:lstStyle/>
+                    <a:p>
+                      <a:endParaRPr lang="zh-TW" altLang="en-US" sz="1400" dirty="0"/>
+                    </a:p>
+                  </a:txBody>
+                  <a:tcPr>
+                    <a:lnL w="12700" cap="flat" cmpd="sng" algn="ctr">
+                      <a:solidFill>
+                        <a:schemeClr val="tx1"/>
+                      </a:solidFill>
+                      <a:prstDash val="solid"/>
+                      <a:round/>
+                      <a:headEnd type="none" w="med" len="med"/>
+                      <a:tailEnd type="none" w="med" len="med"/>
+                    </a:lnL>
+                    <a:lnR w="12700" cap="flat" cmpd="sng" algn="ctr">
+                      <a:solidFill>
+                        <a:schemeClr val="tx1"/>
+                      </a:solidFill>
+                      <a:prstDash val="solid"/>
+                      <a:round/>
+                      <a:headEnd type="none" w="med" len="med"/>
+                      <a:tailEnd type="none" w="med" len="med"/>
+                    </a:lnR>
+                    <a:lnT w="12700" cap="flat" cmpd="sng" algn="ctr">
+                      <a:solidFill>
+                        <a:schemeClr val="tx1"/>
+                      </a:solidFill>
+                      <a:prstDash val="solid"/>
+                      <a:round/>
+                      <a:headEnd type="none" w="med" len="med"/>
+                      <a:tailEnd type="none" w="med" len="med"/>
+                    </a:lnT>
+                    <a:lnB w="12700" cap="flat" cmpd="sng" algn="ctr">
+                      <a:solidFill>
+                        <a:schemeClr val="tx1"/>
+                      </a:solidFill>
+                      <a:prstDash val="solid"/>
+                      <a:round/>
+                      <a:headEnd type="none" w="med" len="med"/>
+                      <a:tailEnd type="none" w="med" len="med"/>
+                    </a:lnB>
+                    <a:lnTlToBr w="12700" cmpd="sng">
+                      <a:noFill/>
+                      <a:prstDash val="solid"/>
+                    </a:lnTlToBr>
+                    <a:lnBlToTr w="12700" cmpd="sng">
+                      <a:noFill/>
+                      <a:prstDash val="solid"/>
+                    </a:lnBlToTr>
+                    <a:solidFill>
+                      <a:schemeClr val="bg1"/>
+                    </a:solidFill>
+                  </a:tcPr>
+                </a:tc>
+                <a:extLst>
+                  <a:ext uri="{0D108BD9-81ED-4DB2-BD59-A6C34878D82A}">
+                    <a16:rowId xmlns:a16="http://schemas.microsoft.com/office/drawing/2014/main" val="1043476516"/>
+                  </a:ext>
+                </a:extLst>
+              </a:tr>
+            </a:tbl>
+          </a:graphicData>
+        </a:graphic>
+      </p:graphicFrame>
+      <p:cxnSp>
+        <p:nvCxnSpPr>
+          <p:cNvPr id="6" name="直線單箭頭接點 5"/>
+          <p:cNvCxnSpPr>
+            <a:stCxn id="7" idx="3"/>
+            <a:endCxn id="8" idx="1"/>
+          </p:cNvCxnSpPr>
+          <p:nvPr/>
+        </p:nvCxnSpPr>
+        <p:spPr>
+          <a:xfrm>
+            <a:off x="3166904" y="4341917"/>
+            <a:ext cx="792150" cy="0"/>
+          </a:xfrm>
+          <a:prstGeom prst="straightConnector1">
+            <a:avLst/>
+          </a:prstGeom>
+          <a:ln w="19050">
+            <a:solidFill>
+              <a:schemeClr val="tx1"/>
+            </a:solidFill>
+            <a:prstDash val="dash"/>
+            <a:headEnd type="none" w="med" len="med"/>
+            <a:tailEnd type="arrow" w="med" len="med"/>
+          </a:ln>
+        </p:spPr>
+        <p:style>
+          <a:lnRef idx="1">
+            <a:schemeClr val="accent1"/>
+          </a:lnRef>
+          <a:fillRef idx="0">
+            <a:schemeClr val="accent1"/>
+          </a:fillRef>
+          <a:effectRef idx="0">
+            <a:schemeClr val="accent1"/>
+          </a:effectRef>
+          <a:fontRef idx="minor">
+            <a:schemeClr val="tx1"/>
+          </a:fontRef>
+        </p:style>
+      </p:cxnSp>
+      <p:graphicFrame>
+        <p:nvGraphicFramePr>
+          <p:cNvPr id="18" name="表格 17"/>
+          <p:cNvGraphicFramePr>
+            <a:graphicFrameLocks noGrp="1"/>
+          </p:cNvGraphicFramePr>
+          <p:nvPr>
+            <p:extLst>
+              <p:ext uri="{D42A27DB-BD31-4B8C-83A1-F6EECF244321}">
+                <p14:modId xmlns:p14="http://schemas.microsoft.com/office/powerpoint/2010/main" val="2386643579"/>
+              </p:ext>
+            </p:extLst>
+          </p:nvPr>
+        </p:nvGraphicFramePr>
+        <p:xfrm>
+          <a:off x="5955218" y="3930687"/>
+          <a:ext cx="1623260" cy="1371600"/>
+        </p:xfrm>
+        <a:graphic>
+          <a:graphicData uri="http://schemas.openxmlformats.org/drawingml/2006/table">
+            <a:tbl>
+              <a:tblPr firstRow="1" bandRow="1">
+                <a:tableStyleId>{2D5ABB26-0587-4C30-8999-92F81FD0307C}</a:tableStyleId>
+              </a:tblPr>
+              <a:tblGrid>
+                <a:gridCol w="1623260">
+                  <a:extLst>
+                    <a:ext uri="{9D8B030D-6E8A-4147-A177-3AD203B41FA5}">
+                      <a16:colId xmlns:a16="http://schemas.microsoft.com/office/drawing/2014/main" val="27480226"/>
+                    </a:ext>
+                  </a:extLst>
+                </a:gridCol>
+              </a:tblGrid>
+              <a:tr h="285424">
+                <a:tc>
+                  <a:txBody>
+                    <a:bodyPr/>
+                    <a:lstStyle/>
+                    <a:p>
+                      <a:pPr algn="ctr"/>
+                      <a:r>
+                        <a:rPr lang="en-US" altLang="zh-TW" dirty="0" smtClean="0"/>
+                        <a:t>Person</a:t>
+                      </a:r>
+                      <a:endParaRPr lang="zh-TW" altLang="en-US" dirty="0"/>
+                    </a:p>
+                  </a:txBody>
+                  <a:tcPr>
+                    <a:lnL w="12700" cap="flat" cmpd="sng" algn="ctr">
+                      <a:solidFill>
+                        <a:schemeClr val="tx1"/>
+                      </a:solidFill>
+                      <a:prstDash val="solid"/>
+                      <a:round/>
+                      <a:headEnd type="none" w="med" len="med"/>
+                      <a:tailEnd type="none" w="med" len="med"/>
+                    </a:lnL>
+                    <a:lnR w="12700" cap="flat" cmpd="sng" algn="ctr">
+                      <a:solidFill>
+                        <a:schemeClr val="tx1"/>
+                      </a:solidFill>
+                      <a:prstDash val="solid"/>
+                      <a:round/>
+                      <a:headEnd type="none" w="med" len="med"/>
+                      <a:tailEnd type="none" w="med" len="med"/>
+                    </a:lnR>
+                    <a:lnT w="12700" cap="flat" cmpd="sng" algn="ctr">
+                      <a:solidFill>
+                        <a:schemeClr val="tx1"/>
+                      </a:solidFill>
+                      <a:prstDash val="solid"/>
+                      <a:round/>
+                      <a:headEnd type="none" w="med" len="med"/>
+                      <a:tailEnd type="none" w="med" len="med"/>
+                    </a:lnT>
+                    <a:lnB w="12700" cap="flat" cmpd="sng" algn="ctr">
+                      <a:solidFill>
+                        <a:schemeClr val="tx1"/>
+                      </a:solidFill>
+                      <a:prstDash val="solid"/>
+                      <a:round/>
+                      <a:headEnd type="none" w="med" len="med"/>
+                      <a:tailEnd type="none" w="med" len="med"/>
+                    </a:lnB>
+                    <a:lnTlToBr w="12700" cmpd="sng">
+                      <a:noFill/>
+                      <a:prstDash val="solid"/>
+                    </a:lnTlToBr>
+                    <a:lnBlToTr w="12700" cmpd="sng">
+                      <a:noFill/>
+                      <a:prstDash val="solid"/>
+                    </a:lnBlToTr>
+                    <a:solidFill>
+                      <a:schemeClr val="bg1"/>
+                    </a:solidFill>
+                  </a:tcPr>
+                </a:tc>
+                <a:extLst>
+                  <a:ext uri="{0D108BD9-81ED-4DB2-BD59-A6C34878D82A}">
+                    <a16:rowId xmlns:a16="http://schemas.microsoft.com/office/drawing/2014/main" val="562645238"/>
+                  </a:ext>
+                </a:extLst>
+              </a:tr>
+              <a:tr h="499492">
+                <a:tc>
+                  <a:txBody>
+                    <a:bodyPr/>
+                    <a:lstStyle/>
+                    <a:p>
+                      <a:r>
+                        <a:rPr lang="en-US" altLang="zh-TW" dirty="0" smtClean="0"/>
+                        <a:t>+</a:t>
+                      </a:r>
+                      <a:r>
+                        <a:rPr lang="en-US" altLang="zh-TW" dirty="0" err="1" smtClean="0"/>
+                        <a:t>name:string</a:t>
+                      </a:r>
+                      <a:endParaRPr lang="en-US" altLang="zh-TW" dirty="0" smtClean="0"/>
+                    </a:p>
+                    <a:p>
+                      <a:r>
+                        <a:rPr lang="en-US" altLang="zh-TW" dirty="0" smtClean="0"/>
+                        <a:t>+</a:t>
+                      </a:r>
+                      <a:r>
+                        <a:rPr lang="en-US" altLang="zh-TW" dirty="0" err="1" smtClean="0"/>
+                        <a:t>age:int</a:t>
+                      </a:r>
+                      <a:r>
+                        <a:rPr lang="en-US" altLang="zh-TW" dirty="0" smtClean="0"/>
+                        <a:t>=0</a:t>
+                      </a:r>
+                      <a:endParaRPr lang="zh-TW" altLang="en-US" dirty="0"/>
+                    </a:p>
+                  </a:txBody>
+                  <a:tcPr>
+                    <a:lnL w="12700" cap="flat" cmpd="sng" algn="ctr">
+                      <a:solidFill>
+                        <a:schemeClr val="tx1"/>
+                      </a:solidFill>
+                      <a:prstDash val="solid"/>
+                      <a:round/>
+                      <a:headEnd type="none" w="med" len="med"/>
+                      <a:tailEnd type="none" w="med" len="med"/>
+                    </a:lnL>
+                    <a:lnR w="12700" cap="flat" cmpd="sng" algn="ctr">
+                      <a:solidFill>
+                        <a:schemeClr val="tx1"/>
+                      </a:solidFill>
+                      <a:prstDash val="solid"/>
+                      <a:round/>
+                      <a:headEnd type="none" w="med" len="med"/>
+                      <a:tailEnd type="none" w="med" len="med"/>
+                    </a:lnR>
+                    <a:lnT w="12700" cap="flat" cmpd="sng" algn="ctr">
+                      <a:solidFill>
+                        <a:schemeClr val="tx1"/>
+                      </a:solidFill>
+                      <a:prstDash val="solid"/>
+                      <a:round/>
+                      <a:headEnd type="none" w="med" len="med"/>
+                      <a:tailEnd type="none" w="med" len="med"/>
+                    </a:lnT>
+                    <a:lnB w="12700" cap="flat" cmpd="sng" algn="ctr">
+                      <a:solidFill>
+                        <a:schemeClr val="tx1"/>
+                      </a:solidFill>
+                      <a:prstDash val="solid"/>
+                      <a:round/>
+                      <a:headEnd type="none" w="med" len="med"/>
+                      <a:tailEnd type="none" w="med" len="med"/>
+                    </a:lnB>
+                    <a:lnTlToBr w="12700" cmpd="sng">
+                      <a:noFill/>
+                      <a:prstDash val="solid"/>
+                    </a:lnTlToBr>
+                    <a:lnBlToTr w="12700" cmpd="sng">
+                      <a:noFill/>
+                      <a:prstDash val="solid"/>
+                    </a:lnBlToTr>
+                    <a:solidFill>
+                      <a:schemeClr val="bg1"/>
+                    </a:solidFill>
+                  </a:tcPr>
+                </a:tc>
+                <a:extLst>
+                  <a:ext uri="{0D108BD9-81ED-4DB2-BD59-A6C34878D82A}">
+                    <a16:rowId xmlns:a16="http://schemas.microsoft.com/office/drawing/2014/main" val="4249798471"/>
+                  </a:ext>
+                </a:extLst>
+              </a:tr>
+              <a:tr h="285424">
+                <a:tc>
+                  <a:txBody>
+                    <a:bodyPr/>
+                    <a:lstStyle/>
+                    <a:p>
+                      <a:endParaRPr lang="zh-TW" altLang="en-US" dirty="0"/>
+                    </a:p>
+                  </a:txBody>
+                  <a:tcPr>
+                    <a:lnL w="12700" cap="flat" cmpd="sng" algn="ctr">
+                      <a:solidFill>
+                        <a:schemeClr val="tx1"/>
+                      </a:solidFill>
+                      <a:prstDash val="solid"/>
+                      <a:round/>
+                      <a:headEnd type="none" w="med" len="med"/>
+                      <a:tailEnd type="none" w="med" len="med"/>
+                    </a:lnL>
+                    <a:lnR w="12700" cap="flat" cmpd="sng" algn="ctr">
+                      <a:solidFill>
+                        <a:schemeClr val="tx1"/>
+                      </a:solidFill>
+                      <a:prstDash val="solid"/>
+                      <a:round/>
+                      <a:headEnd type="none" w="med" len="med"/>
+                      <a:tailEnd type="none" w="med" len="med"/>
+                    </a:lnR>
+                    <a:lnT w="12700" cap="flat" cmpd="sng" algn="ctr">
+                      <a:solidFill>
+                        <a:schemeClr val="tx1"/>
+                      </a:solidFill>
+                      <a:prstDash val="solid"/>
+                      <a:round/>
+                      <a:headEnd type="none" w="med" len="med"/>
+                      <a:tailEnd type="none" w="med" len="med"/>
+                    </a:lnT>
+                    <a:lnB w="12700" cap="flat" cmpd="sng" algn="ctr">
+                      <a:solidFill>
+                        <a:schemeClr val="tx1"/>
+                      </a:solidFill>
+                      <a:prstDash val="solid"/>
+                      <a:round/>
+                      <a:headEnd type="none" w="med" len="med"/>
+                      <a:tailEnd type="none" w="med" len="med"/>
+                    </a:lnB>
+                    <a:lnTlToBr w="12700" cmpd="sng">
+                      <a:noFill/>
+                      <a:prstDash val="solid"/>
+                    </a:lnTlToBr>
+                    <a:lnBlToTr w="12700" cmpd="sng">
+                      <a:noFill/>
+                      <a:prstDash val="solid"/>
+                    </a:lnBlToTr>
+                    <a:solidFill>
+                      <a:schemeClr val="bg1"/>
+                    </a:solidFill>
+                  </a:tcPr>
+                </a:tc>
+                <a:extLst>
+                  <a:ext uri="{0D108BD9-81ED-4DB2-BD59-A6C34878D82A}">
+                    <a16:rowId xmlns:a16="http://schemas.microsoft.com/office/drawing/2014/main" val="1043476516"/>
+                  </a:ext>
+                </a:extLst>
+              </a:tr>
+            </a:tbl>
+          </a:graphicData>
+        </a:graphic>
+      </p:graphicFrame>
+      <p:graphicFrame>
+        <p:nvGraphicFramePr>
+          <p:cNvPr id="19" name="表格 18"/>
+          <p:cNvGraphicFramePr>
+            <a:graphicFrameLocks noGrp="1"/>
+          </p:cNvGraphicFramePr>
+          <p:nvPr>
+            <p:extLst>
+              <p:ext uri="{D42A27DB-BD31-4B8C-83A1-F6EECF244321}">
+                <p14:modId xmlns:p14="http://schemas.microsoft.com/office/powerpoint/2010/main" val="742172801"/>
+              </p:ext>
+            </p:extLst>
+          </p:nvPr>
+        </p:nvGraphicFramePr>
+        <p:xfrm>
+          <a:off x="9083331" y="3793527"/>
+          <a:ext cx="1623260" cy="1645920"/>
+        </p:xfrm>
+        <a:graphic>
+          <a:graphicData uri="http://schemas.openxmlformats.org/drawingml/2006/table">
+            <a:tbl>
+              <a:tblPr firstRow="1" bandRow="1">
+                <a:tableStyleId>{2D5ABB26-0587-4C30-8999-92F81FD0307C}</a:tableStyleId>
+              </a:tblPr>
+              <a:tblGrid>
+                <a:gridCol w="1623260">
+                  <a:extLst>
+                    <a:ext uri="{9D8B030D-6E8A-4147-A177-3AD203B41FA5}">
+                      <a16:colId xmlns:a16="http://schemas.microsoft.com/office/drawing/2014/main" val="27480226"/>
+                    </a:ext>
+                  </a:extLst>
+                </a:gridCol>
+              </a:tblGrid>
+              <a:tr h="285424">
+                <a:tc>
+                  <a:txBody>
+                    <a:bodyPr/>
+                    <a:lstStyle/>
+                    <a:p>
+                      <a:pPr algn="ctr"/>
+                      <a:r>
+                        <a:rPr lang="en-US" altLang="zh-TW" dirty="0" smtClean="0"/>
+                        <a:t>Address</a:t>
+                      </a:r>
+                      <a:endParaRPr lang="zh-TW" altLang="en-US" dirty="0"/>
+                    </a:p>
+                  </a:txBody>
+                  <a:tcPr>
+                    <a:lnL w="12700" cap="flat" cmpd="sng" algn="ctr">
+                      <a:solidFill>
+                        <a:schemeClr val="tx1"/>
+                      </a:solidFill>
+                      <a:prstDash val="solid"/>
+                      <a:round/>
+                      <a:headEnd type="none" w="med" len="med"/>
+                      <a:tailEnd type="none" w="med" len="med"/>
+                    </a:lnL>
+                    <a:lnR w="12700" cap="flat" cmpd="sng" algn="ctr">
+                      <a:solidFill>
+                        <a:schemeClr val="tx1"/>
+                      </a:solidFill>
+                      <a:prstDash val="solid"/>
+                      <a:round/>
+                      <a:headEnd type="none" w="med" len="med"/>
+                      <a:tailEnd type="none" w="med" len="med"/>
+                    </a:lnR>
+                    <a:lnT w="12700" cap="flat" cmpd="sng" algn="ctr">
+                      <a:solidFill>
+                        <a:schemeClr val="tx1"/>
+                      </a:solidFill>
+                      <a:prstDash val="solid"/>
+                      <a:round/>
+                      <a:headEnd type="none" w="med" len="med"/>
+                      <a:tailEnd type="none" w="med" len="med"/>
+                    </a:lnT>
+                    <a:lnB w="12700" cap="flat" cmpd="sng" algn="ctr">
+                      <a:solidFill>
+                        <a:schemeClr val="tx1"/>
+                      </a:solidFill>
+                      <a:prstDash val="solid"/>
+                      <a:round/>
+                      <a:headEnd type="none" w="med" len="med"/>
+                      <a:tailEnd type="none" w="med" len="med"/>
+                    </a:lnB>
+                    <a:lnTlToBr w="12700" cmpd="sng">
+                      <a:noFill/>
+                      <a:prstDash val="solid"/>
+                    </a:lnTlToBr>
+                    <a:lnBlToTr w="12700" cmpd="sng">
+                      <a:noFill/>
+                      <a:prstDash val="solid"/>
+                    </a:lnBlToTr>
+                    <a:solidFill>
+                      <a:schemeClr val="bg1"/>
+                    </a:solidFill>
+                  </a:tcPr>
+                </a:tc>
+                <a:extLst>
+                  <a:ext uri="{0D108BD9-81ED-4DB2-BD59-A6C34878D82A}">
+                    <a16:rowId xmlns:a16="http://schemas.microsoft.com/office/drawing/2014/main" val="562645238"/>
+                  </a:ext>
+                </a:extLst>
+              </a:tr>
+              <a:tr h="499492">
+                <a:tc>
+                  <a:txBody>
+                    <a:bodyPr/>
+                    <a:lstStyle/>
+                    <a:p>
+                      <a:r>
+                        <a:rPr lang="en-US" altLang="zh-TW" dirty="0" smtClean="0"/>
+                        <a:t>-</a:t>
+                      </a:r>
+                      <a:r>
+                        <a:rPr lang="en-US" altLang="zh-TW" dirty="0" err="1" smtClean="0"/>
+                        <a:t>street:String</a:t>
+                      </a:r>
+                      <a:endParaRPr lang="en-US" altLang="zh-TW" dirty="0" smtClean="0"/>
+                    </a:p>
+                    <a:p>
+                      <a:r>
+                        <a:rPr lang="en-US" altLang="zh-TW" dirty="0" smtClean="0"/>
+                        <a:t>-</a:t>
+                      </a:r>
+                      <a:r>
+                        <a:rPr lang="en-US" altLang="zh-TW" dirty="0" err="1" smtClean="0"/>
+                        <a:t>city:String</a:t>
+                      </a:r>
+                      <a:endParaRPr lang="en-US" altLang="zh-TW" dirty="0" smtClean="0"/>
+                    </a:p>
+                    <a:p>
+                      <a:r>
+                        <a:rPr lang="en-US" altLang="zh-TW" dirty="0" smtClean="0"/>
+                        <a:t>-</a:t>
+                      </a:r>
+                      <a:r>
+                        <a:rPr lang="en-US" altLang="zh-TW" dirty="0" err="1" smtClean="0"/>
+                        <a:t>zip:String</a:t>
+                      </a:r>
+                      <a:endParaRPr lang="en-US" altLang="zh-TW" dirty="0" smtClean="0"/>
+                    </a:p>
+                  </a:txBody>
+                  <a:tcPr>
+                    <a:lnL w="12700" cap="flat" cmpd="sng" algn="ctr">
+                      <a:solidFill>
+                        <a:schemeClr val="tx1"/>
+                      </a:solidFill>
+                      <a:prstDash val="solid"/>
+                      <a:round/>
+                      <a:headEnd type="none" w="med" len="med"/>
+                      <a:tailEnd type="none" w="med" len="med"/>
+                    </a:lnL>
+                    <a:lnR w="12700" cap="flat" cmpd="sng" algn="ctr">
+                      <a:solidFill>
+                        <a:schemeClr val="tx1"/>
+                      </a:solidFill>
+                      <a:prstDash val="solid"/>
+                      <a:round/>
+                      <a:headEnd type="none" w="med" len="med"/>
+                      <a:tailEnd type="none" w="med" len="med"/>
+                    </a:lnR>
+                    <a:lnT w="12700" cap="flat" cmpd="sng" algn="ctr">
+                      <a:solidFill>
+                        <a:schemeClr val="tx1"/>
+                      </a:solidFill>
+                      <a:prstDash val="solid"/>
+                      <a:round/>
+                      <a:headEnd type="none" w="med" len="med"/>
+                      <a:tailEnd type="none" w="med" len="med"/>
+                    </a:lnT>
+                    <a:lnB w="12700" cap="flat" cmpd="sng" algn="ctr">
+                      <a:solidFill>
+                        <a:schemeClr val="tx1"/>
+                      </a:solidFill>
+                      <a:prstDash val="solid"/>
+                      <a:round/>
+                      <a:headEnd type="none" w="med" len="med"/>
+                      <a:tailEnd type="none" w="med" len="med"/>
+                    </a:lnB>
+                    <a:lnTlToBr w="12700" cmpd="sng">
+                      <a:noFill/>
+                      <a:prstDash val="solid"/>
+                    </a:lnTlToBr>
+                    <a:lnBlToTr w="12700" cmpd="sng">
+                      <a:noFill/>
+                      <a:prstDash val="solid"/>
+                    </a:lnBlToTr>
+                    <a:solidFill>
+                      <a:schemeClr val="bg1"/>
+                    </a:solidFill>
+                  </a:tcPr>
+                </a:tc>
+                <a:extLst>
+                  <a:ext uri="{0D108BD9-81ED-4DB2-BD59-A6C34878D82A}">
+                    <a16:rowId xmlns:a16="http://schemas.microsoft.com/office/drawing/2014/main" val="4249798471"/>
+                  </a:ext>
+                </a:extLst>
+              </a:tr>
+              <a:tr h="285424">
+                <a:tc>
+                  <a:txBody>
+                    <a:bodyPr/>
+                    <a:lstStyle/>
+                    <a:p>
+                      <a:endParaRPr lang="zh-TW" altLang="en-US" dirty="0"/>
+                    </a:p>
+                  </a:txBody>
+                  <a:tcPr>
+                    <a:lnL w="12700" cap="flat" cmpd="sng" algn="ctr">
+                      <a:solidFill>
+                        <a:schemeClr val="tx1"/>
+                      </a:solidFill>
+                      <a:prstDash val="solid"/>
+                      <a:round/>
+                      <a:headEnd type="none" w="med" len="med"/>
+                      <a:tailEnd type="none" w="med" len="med"/>
+                    </a:lnL>
+                    <a:lnR w="12700" cap="flat" cmpd="sng" algn="ctr">
+                      <a:solidFill>
+                        <a:schemeClr val="tx1"/>
+                      </a:solidFill>
+                      <a:prstDash val="solid"/>
+                      <a:round/>
+                      <a:headEnd type="none" w="med" len="med"/>
+                      <a:tailEnd type="none" w="med" len="med"/>
+                    </a:lnR>
+                    <a:lnT w="12700" cap="flat" cmpd="sng" algn="ctr">
+                      <a:solidFill>
+                        <a:schemeClr val="tx1"/>
+                      </a:solidFill>
+                      <a:prstDash val="solid"/>
+                      <a:round/>
+                      <a:headEnd type="none" w="med" len="med"/>
+                      <a:tailEnd type="none" w="med" len="med"/>
+                    </a:lnT>
+                    <a:lnB w="12700" cap="flat" cmpd="sng" algn="ctr">
+                      <a:solidFill>
+                        <a:schemeClr val="tx1"/>
+                      </a:solidFill>
+                      <a:prstDash val="solid"/>
+                      <a:round/>
+                      <a:headEnd type="none" w="med" len="med"/>
+                      <a:tailEnd type="none" w="med" len="med"/>
+                    </a:lnB>
+                    <a:lnTlToBr w="12700" cmpd="sng">
+                      <a:noFill/>
+                      <a:prstDash val="solid"/>
+                    </a:lnTlToBr>
+                    <a:lnBlToTr w="12700" cmpd="sng">
+                      <a:noFill/>
+                      <a:prstDash val="solid"/>
+                    </a:lnBlToTr>
+                    <a:solidFill>
+                      <a:schemeClr val="bg1"/>
+                    </a:solidFill>
+                  </a:tcPr>
+                </a:tc>
+                <a:extLst>
+                  <a:ext uri="{0D108BD9-81ED-4DB2-BD59-A6C34878D82A}">
+                    <a16:rowId xmlns:a16="http://schemas.microsoft.com/office/drawing/2014/main" val="1043476516"/>
+                  </a:ext>
+                </a:extLst>
+              </a:tr>
+            </a:tbl>
+          </a:graphicData>
+        </a:graphic>
+      </p:graphicFrame>
+      <p:cxnSp>
+        <p:nvCxnSpPr>
+          <p:cNvPr id="20" name="直線單箭頭接點 19"/>
+          <p:cNvCxnSpPr>
+            <a:stCxn id="18" idx="3"/>
+            <a:endCxn id="19" idx="1"/>
+          </p:cNvCxnSpPr>
+          <p:nvPr/>
+        </p:nvCxnSpPr>
+        <p:spPr>
+          <a:xfrm>
+            <a:off x="7578478" y="4616487"/>
+            <a:ext cx="1504853" cy="0"/>
+          </a:xfrm>
+          <a:prstGeom prst="straightConnector1">
+            <a:avLst/>
+          </a:prstGeom>
+          <a:ln w="19050">
+            <a:solidFill>
+              <a:schemeClr val="tx1"/>
+            </a:solidFill>
+            <a:prstDash val="dash"/>
+            <a:headEnd type="none" w="med" len="med"/>
+            <a:tailEnd type="arrow" w="med" len="med"/>
+          </a:ln>
+        </p:spPr>
+        <p:style>
+          <a:lnRef idx="1">
+            <a:schemeClr val="accent1"/>
+          </a:lnRef>
+          <a:fillRef idx="0">
+            <a:schemeClr val="accent1"/>
+          </a:fillRef>
+          <a:effectRef idx="0">
+            <a:schemeClr val="accent1"/>
+          </a:effectRef>
+          <a:fontRef idx="minor">
+            <a:schemeClr val="tx1"/>
+          </a:fontRef>
+        </p:style>
+      </p:cxnSp>
+      <p:sp>
+        <p:nvSpPr>
+          <p:cNvPr id="21" name="文字方塊 20"/>
+          <p:cNvSpPr txBox="1"/>
+          <p:nvPr/>
+        </p:nvSpPr>
+        <p:spPr>
+          <a:xfrm>
+            <a:off x="3462527" y="3972585"/>
+            <a:ext cx="530915" cy="369332"/>
+          </a:xfrm>
+          <a:prstGeom prst="rect">
+            <a:avLst/>
+          </a:prstGeom>
+          <a:noFill/>
+        </p:spPr>
+        <p:txBody>
+          <a:bodyPr wrap="none" rtlCol="0">
+            <a:spAutoFit/>
+          </a:bodyPr>
+          <a:lstStyle/>
+          <a:p>
+            <a:r>
+              <a:rPr lang="en-US" altLang="zh-TW" dirty="0" smtClean="0"/>
+              <a:t>use</a:t>
+            </a:r>
+            <a:endParaRPr lang="zh-TW" altLang="en-US" dirty="0"/>
+          </a:p>
+        </p:txBody>
+      </p:sp>
+      <p:sp>
+        <p:nvSpPr>
+          <p:cNvPr id="24" name="文字方塊 23"/>
+          <p:cNvSpPr txBox="1"/>
+          <p:nvPr/>
+        </p:nvSpPr>
+        <p:spPr>
+          <a:xfrm>
+            <a:off x="7898391" y="4247155"/>
+            <a:ext cx="1269899" cy="369332"/>
+          </a:xfrm>
+          <a:prstGeom prst="rect">
+            <a:avLst/>
+          </a:prstGeom>
+          <a:noFill/>
+        </p:spPr>
+        <p:txBody>
+          <a:bodyPr wrap="none" rtlCol="0">
+            <a:spAutoFit/>
+          </a:bodyPr>
+          <a:lstStyle/>
+          <a:p>
+            <a:r>
+              <a:rPr lang="en-US" altLang="zh-TW" dirty="0" smtClean="0"/>
+              <a:t>-addresses</a:t>
+            </a:r>
+            <a:endParaRPr lang="zh-TW" altLang="en-US" dirty="0"/>
+          </a:p>
+        </p:txBody>
+      </p:sp>
+    </p:spTree>
+    <p:extLst>
+      <p:ext uri="{BB962C8B-B14F-4D97-AF65-F5344CB8AC3E}">
+        <p14:creationId xmlns:p14="http://schemas.microsoft.com/office/powerpoint/2010/main" val="2736390957"/>
+      </p:ext>
+    </p:extLst>
+  </p:cSld>
+  <p:clrMapOvr>
+    <a:masterClrMapping/>
+  </p:clrMapOvr>
+  <p:timing>
+    <p:tnLst>
+      <p:par>
+        <p:cTn id="1" dur="indefinite" restart="never" nodeType="tmRoot"/>
+      </p:par>
+    </p:tnLst>
+  </p:timing>
+</p:sld>
+</file>
+
+<file path=ppt/slides/slide73.xml><?xml version="1.0" encoding="utf-8"?>
+<p:sld xmlns:a="http://schemas.openxmlformats.org/drawingml/2006/main" xmlns:r="http://schemas.openxmlformats.org/officeDocument/2006/relationships" xmlns:p="http://schemas.openxmlformats.org/presentationml/2006/main">
+  <p:cSld>
+    <p:spTree>
+      <p:nvGrpSpPr>
+        <p:cNvPr id="1" name=""/>
+        <p:cNvGrpSpPr/>
+        <p:nvPr/>
+      </p:nvGrpSpPr>
+      <p:grpSpPr>
+        <a:xfrm>
+          <a:off x="0" y="0"/>
+          <a:ext cx="0" cy="0"/>
+          <a:chOff x="0" y="0"/>
+          <a:chExt cx="0" cy="0"/>
+        </a:xfrm>
+      </p:grpSpPr>
+      <p:sp>
+        <p:nvSpPr>
+          <p:cNvPr id="4" name="標題 3"/>
+          <p:cNvSpPr>
+            <a:spLocks noGrp="1"/>
+          </p:cNvSpPr>
+          <p:nvPr>
+            <p:ph type="ctrTitle"/>
+          </p:nvPr>
+        </p:nvSpPr>
+        <p:spPr/>
+        <p:txBody>
+          <a:bodyPr/>
+          <a:lstStyle/>
+          <a:p>
+            <a:r>
+              <a:rPr lang="en-US" altLang="zh-TW" dirty="0" smtClean="0"/>
+              <a:t>Final………</a:t>
+            </a:r>
+            <a:br>
+              <a:rPr lang="en-US" altLang="zh-TW" dirty="0" smtClean="0"/>
+            </a:br>
+            <a:r>
+              <a:rPr lang="zh-TW" altLang="en-US" dirty="0" smtClean="0"/>
+              <a:t>有沒有鬆一口氣了</a:t>
+            </a:r>
+            <a:endParaRPr lang="zh-TW" altLang="en-US" dirty="0"/>
+          </a:p>
+        </p:txBody>
+      </p:sp>
+      <p:sp>
+        <p:nvSpPr>
+          <p:cNvPr id="5" name="副標題 4"/>
+          <p:cNvSpPr>
+            <a:spLocks noGrp="1"/>
+          </p:cNvSpPr>
+          <p:nvPr>
+            <p:ph type="subTitle" idx="1"/>
+          </p:nvPr>
+        </p:nvSpPr>
+        <p:spPr/>
+        <p:txBody>
+          <a:bodyPr/>
+          <a:lstStyle/>
+          <a:p>
+            <a:r>
+              <a:rPr lang="zh-TW" altLang="en-US" dirty="0" smtClean="0"/>
+              <a:t>其實這只是物件導向的入門，後面的學問還很深，</a:t>
+            </a:r>
+            <a:endParaRPr lang="en-US" altLang="zh-TW" dirty="0" smtClean="0"/>
+          </a:p>
+          <a:p>
+            <a:r>
+              <a:rPr lang="zh-TW" altLang="en-US"/>
+              <a:t>需要各位同學自己再</a:t>
+            </a:r>
+            <a:r>
+              <a:rPr lang="zh-TW" altLang="en-US" smtClean="0"/>
+              <a:t>努力了！</a:t>
+            </a:r>
+            <a:endParaRPr lang="zh-TW" altLang="en-US"/>
+          </a:p>
+        </p:txBody>
+      </p:sp>
+    </p:spTree>
+    <p:extLst>
+      <p:ext uri="{BB962C8B-B14F-4D97-AF65-F5344CB8AC3E}">
+        <p14:creationId xmlns:p14="http://schemas.microsoft.com/office/powerpoint/2010/main" val="3504739553"/>
+      </p:ext>
+    </p:extLst>
+  </p:cSld>
+  <p:clrMapOvr>
+    <a:masterClrMapping/>
+  </p:clrMapOvr>
+  <p:timing>
+    <p:tnLst>
+      <p:par>
+        <p:cTn id="1" dur="indefinite" restart="never" nodeType="tmRoot"/>
+      </p:par>
+    </p:tnLst>
+  </p:timing>
+</p:sld>
+</file>
+
 <file path=ppt/slides/slide8.xml><?xml version="1.0" encoding="utf-8"?>
 <p:sld xmlns:a="http://schemas.openxmlformats.org/drawingml/2006/main" xmlns:r="http://schemas.openxmlformats.org/officeDocument/2006/relationships" xmlns:p="http://schemas.openxmlformats.org/presentationml/2006/main">
   <p:cSld>
